--- a/Checker Framework.pptx
+++ b/Checker Framework.pptx
@@ -254,7 +254,7 @@
           <a:p>
             <a:fld id="{3532B83F-F844-4C18-98E8-7C33F4B39DE0}" type="datetimeFigureOut">
               <a:rPr lang="nl-NL" smtClean="0"/>
-              <a:t>18-12-2019</a:t>
+              <a:t>10-1-2020</a:t>
             </a:fld>
             <a:endParaRPr lang="nl-NL"/>
           </a:p>
@@ -431,7 +431,7 @@
           <a:p>
             <a:fld id="{27396D34-C2B8-41FF-AE69-48AE3B3D8E8B}" type="datetimeFigureOut">
               <a:rPr lang="nl-NL" smtClean="0"/>
-              <a:t>18-12-2019</a:t>
+              <a:t>10-1-2020</a:t>
             </a:fld>
             <a:endParaRPr lang="nl-NL"/>
           </a:p>
@@ -25138,11 +25138,7 @@
           <a:p>
             <a:r>
               <a:rPr lang="en-US" dirty="0" smtClean="0"/>
-              <a:t>By Ingmar van der </a:t>
-            </a:r>
-            <a:r>
-              <a:rPr lang="en-US" dirty="0" smtClean="0"/>
-              <a:t>Steen</a:t>
+              <a:t>By Ingmar van der Steen</a:t>
             </a:r>
             <a:endParaRPr lang="en-US" dirty="0"/>
           </a:p>
@@ -31416,7 +31412,7 @@
 </file>
 
 <file path=ppt/slides/slide2.xml><?xml version="1.0" encoding="utf-8"?>
-<p:sld xmlns:a="http://schemas.openxmlformats.org/drawingml/2006/main" xmlns:r="http://schemas.openxmlformats.org/officeDocument/2006/relationships" xmlns:p="http://schemas.openxmlformats.org/presentationml/2006/main">
+<p:sld xmlns:a="http://schemas.openxmlformats.org/drawingml/2006/main" xmlns:r="http://schemas.openxmlformats.org/officeDocument/2006/relationships" xmlns:p="http://schemas.openxmlformats.org/presentationml/2006/main" show="0">
   <p:cSld>
     <p:spTree>
       <p:nvGrpSpPr>
@@ -33506,7 +33502,6 @@
               <a:rPr lang="en-US" dirty="0"/>
               <a:t> one?</a:t>
             </a:r>
-            <a:endParaRPr lang="en-US" dirty="0"/>
           </a:p>
         </p:txBody>
       </p:sp>
@@ -33958,6 +33953,30 @@
           </a:p>
         </p:txBody>
       </p:sp>
+      <p:pic>
+        <p:nvPicPr>
+          <p:cNvPr id="4" name="Picture 3"/>
+          <p:cNvPicPr>
+            <a:picLocks noChangeAspect="1"/>
+          </p:cNvPicPr>
+          <p:nvPr/>
+        </p:nvPicPr>
+        <p:blipFill>
+          <a:blip r:embed="rId2"/>
+          <a:stretch>
+            <a:fillRect/>
+          </a:stretch>
+        </p:blipFill>
+        <p:spPr>
+          <a:xfrm>
+            <a:off x="5461237" y="3319237"/>
+            <a:ext cx="1533525" cy="1533525"/>
+          </a:xfrm>
+          <a:prstGeom prst="rect">
+            <a:avLst/>
+          </a:prstGeom>
+        </p:spPr>
+      </p:pic>
       <p:sp>
         <p:nvSpPr>
           <p:cNvPr id="3" name="Text Placeholder 2"/>
@@ -33973,7 +33992,7 @@
           <a:bodyPr/>
           <a:lstStyle/>
           <a:p>
-            <a:endParaRPr lang="en-US"/>
+            <a:endParaRPr lang="en-US" dirty="0"/>
           </a:p>
         </p:txBody>
       </p:sp>
@@ -33987,6 +34006,13 @@
   <p:clrMapOvr>
     <a:masterClrMapping/>
   </p:clrMapOvr>
+  <p:timing>
+    <p:tnLst>
+      <p:par>
+        <p:cTn id="1" dur="indefinite" restart="never" nodeType="tmRoot"/>
+      </p:par>
+    </p:tnLst>
+  </p:timing>
 </p:sld>
 </file>
 
@@ -37334,6 +37360,12 @@
 </file>
 
 <file path=customXml/item1.xml><?xml version="1.0" encoding="utf-8"?>
+<p:properties xmlns:p="http://schemas.microsoft.com/office/2006/metadata/properties" xmlns:xsi="http://www.w3.org/2001/XMLSchema-instance" xmlns:pc="http://schemas.microsoft.com/office/infopath/2007/PartnerControls">
+  <documentManagement/>
+</p:properties>
+</file>
+
+<file path=customXml/item2.xml><?xml version="1.0" encoding="utf-8"?>
 <ct:contentTypeSchema xmlns:ct="http://schemas.microsoft.com/office/2006/metadata/contentType" xmlns:ma="http://schemas.microsoft.com/office/2006/metadata/properties/metaAttributes" ct:_="" ma:_="" ma:contentTypeName="Document" ma:contentTypeID="0x0101000858805C9A31ED4698AA5994F7540466" ma:contentTypeVersion="1" ma:contentTypeDescription="Een nieuw document maken." ma:contentTypeScope="" ma:versionID="5cab34e6f8d54d32c51f192539e9981c">
   <xsd:schema xmlns:xsd="http://www.w3.org/2001/XMLSchema" xmlns:xs="http://www.w3.org/2001/XMLSchema" xmlns:p="http://schemas.microsoft.com/office/2006/metadata/properties" xmlns:ns2="a73fd6a0-a740-4ca0-a47f-6beba88ccc77" targetNamespace="http://schemas.microsoft.com/office/2006/metadata/properties" ma:root="true" ma:fieldsID="10b3ae9c115bae24efdfd9076c93080b" ns2:_="">
     <xsd:import namespace="a73fd6a0-a740-4ca0-a47f-6beba88ccc77"/>
@@ -37473,12 +37505,6 @@
 </ct:contentTypeSchema>
 </file>
 
-<file path=customXml/item2.xml><?xml version="1.0" encoding="utf-8"?>
-<p:properties xmlns:p="http://schemas.microsoft.com/office/2006/metadata/properties" xmlns:xsi="http://www.w3.org/2001/XMLSchema-instance" xmlns:pc="http://schemas.microsoft.com/office/infopath/2007/PartnerControls">
-  <documentManagement/>
-</p:properties>
-</file>
-
 <file path=customXml/item3.xml><?xml version="1.0" encoding="utf-8"?>
 <?mso-contentType ?>
 <FormTemplates xmlns="http://schemas.microsoft.com/sharepoint/v3/contenttype/forms">
@@ -37489,6 +37515,15 @@
 </file>
 
 <file path=customXml/itemProps1.xml><?xml version="1.0" encoding="utf-8"?>
+<ds:datastoreItem xmlns:ds="http://schemas.openxmlformats.org/officeDocument/2006/customXml" ds:itemID="{F8AE8C2F-0717-4D42-B44A-CAECCF122A1A}">
+  <ds:schemaRefs>
+    <ds:schemaRef ds:uri="http://schemas.microsoft.com/office/2006/metadata/properties"/>
+    <ds:schemaRef ds:uri="http://schemas.microsoft.com/office/infopath/2007/PartnerControls"/>
+  </ds:schemaRefs>
+</ds:datastoreItem>
+</file>
+
+<file path=customXml/itemProps2.xml><?xml version="1.0" encoding="utf-8"?>
 <ds:datastoreItem xmlns:ds="http://schemas.openxmlformats.org/officeDocument/2006/customXml" ds:itemID="{9AC0CDE9-3E35-44FD-A63A-9795CF527D47}">
   <ds:schemaRefs>
     <ds:schemaRef ds:uri="http://schemas.microsoft.com/office/2006/metadata/contentType"/>
@@ -37506,15 +37541,6 @@
 </ds:datastoreItem>
 </file>
 
-<file path=customXml/itemProps2.xml><?xml version="1.0" encoding="utf-8"?>
-<ds:datastoreItem xmlns:ds="http://schemas.openxmlformats.org/officeDocument/2006/customXml" ds:itemID="{F8AE8C2F-0717-4D42-B44A-CAECCF122A1A}">
-  <ds:schemaRefs>
-    <ds:schemaRef ds:uri="http://schemas.microsoft.com/office/2006/metadata/properties"/>
-    <ds:schemaRef ds:uri="http://schemas.microsoft.com/office/infopath/2007/PartnerControls"/>
-  </ds:schemaRefs>
-</ds:datastoreItem>
-</file>
-
 <file path=customXml/itemProps3.xml><?xml version="1.0" encoding="utf-8"?>
 <ds:datastoreItem xmlns:ds="http://schemas.openxmlformats.org/officeDocument/2006/customXml" ds:itemID="{4522A51C-073F-4C45-9170-ECE5951F4DEA}">
   <ds:schemaRefs>

--- a/Checker Framework.pptx
+++ b/Checker Framework.pptx
@@ -6,10 +6,10 @@
     <p:sldMasterId id="2147483669" r:id="rId5"/>
   </p:sldMasterIdLst>
   <p:notesMasterIdLst>
-    <p:notesMasterId r:id="rId35"/>
+    <p:notesMasterId r:id="rId34"/>
   </p:notesMasterIdLst>
   <p:handoutMasterIdLst>
-    <p:handoutMasterId r:id="rId36"/>
+    <p:handoutMasterId r:id="rId35"/>
   </p:handoutMasterIdLst>
   <p:sldIdLst>
     <p:sldId id="256" r:id="rId6"/>
@@ -38,9 +38,8 @@
     <p:sldId id="281" r:id="rId29"/>
     <p:sldId id="273" r:id="rId30"/>
     <p:sldId id="279" r:id="rId31"/>
-    <p:sldId id="280" r:id="rId32"/>
-    <p:sldId id="282" r:id="rId33"/>
-    <p:sldId id="283" r:id="rId34"/>
+    <p:sldId id="282" r:id="rId32"/>
+    <p:sldId id="283" r:id="rId33"/>
   </p:sldIdLst>
   <p:sldSz cx="12192000" cy="6858000"/>
   <p:notesSz cx="6858000" cy="9144000"/>
@@ -255,7 +254,7 @@
           <a:p>
             <a:fld id="{3532B83F-F844-4C18-98E8-7C33F4B39DE0}" type="datetimeFigureOut">
               <a:rPr lang="nl-NL" smtClean="0"/>
-              <a:t>15-1-2020</a:t>
+              <a:t>17-1-2020</a:t>
             </a:fld>
             <a:endParaRPr lang="nl-NL"/>
           </a:p>
@@ -432,7 +431,7 @@
           <a:p>
             <a:fld id="{27396D34-C2B8-41FF-AE69-48AE3B3D8E8B}" type="datetimeFigureOut">
               <a:rPr lang="nl-NL" smtClean="0"/>
-              <a:t>15-1-2020</a:t>
+              <a:t>17-1-2020</a:t>
             </a:fld>
             <a:endParaRPr lang="nl-NL"/>
           </a:p>
@@ -25284,7 +25283,7 @@
         <p:spPr bwMode="auto">
           <a:xfrm>
             <a:off x="2964927" y="2856902"/>
-            <a:ext cx="6526146" cy="646331"/>
+            <a:ext cx="6009979" cy="646331"/>
           </a:xfrm>
           <a:prstGeom prst="rect">
             <a:avLst/>
@@ -25358,7 +25357,7 @@
                   <a:srgbClr val="000000"/>
                 </a:solidFill>
                 <a:effectLst/>
-                <a:latin typeface="Courier New" panose="02070309020205020404" pitchFamily="49" charset="0"/>
+                <a:latin typeface="Consolas" panose="020B0609020204030204" pitchFamily="49" charset="0"/>
                 <a:cs typeface="Courier New" panose="02070309020205020404" pitchFamily="49" charset="0"/>
               </a:rPr>
               <a:t>Optional&lt;Integer&gt; optional = </a:t>
@@ -25372,7 +25371,7 @@
                   <a:srgbClr val="000000"/>
                 </a:solidFill>
                 <a:effectLst/>
-                <a:latin typeface="Courier New" panose="02070309020205020404" pitchFamily="49" charset="0"/>
+                <a:latin typeface="Consolas" panose="020B0609020204030204" pitchFamily="49" charset="0"/>
                 <a:cs typeface="Courier New" panose="02070309020205020404" pitchFamily="49" charset="0"/>
               </a:rPr>
               <a:t>Optional.</a:t>
@@ -25386,7 +25385,7 @@
                   <a:srgbClr val="000000"/>
                 </a:solidFill>
                 <a:effectLst/>
-                <a:latin typeface="Courier New" panose="02070309020205020404" pitchFamily="49" charset="0"/>
+                <a:latin typeface="Consolas" panose="020B0609020204030204" pitchFamily="49" charset="0"/>
                 <a:cs typeface="Courier New" panose="02070309020205020404" pitchFamily="49" charset="0"/>
               </a:rPr>
               <a:t>empty</a:t>
@@ -25400,7 +25399,7 @@
                   <a:srgbClr val="000000"/>
                 </a:solidFill>
                 <a:effectLst/>
-                <a:latin typeface="Courier New" panose="02070309020205020404" pitchFamily="49" charset="0"/>
+                <a:latin typeface="Consolas" panose="020B0609020204030204" pitchFamily="49" charset="0"/>
                 <a:cs typeface="Courier New" panose="02070309020205020404" pitchFamily="49" charset="0"/>
               </a:rPr>
               <a:t>();</a:t>
@@ -25414,7 +25413,7 @@
                   <a:srgbClr val="000000"/>
                 </a:solidFill>
                 <a:effectLst/>
-                <a:latin typeface="Courier New" panose="02070309020205020404" pitchFamily="49" charset="0"/>
+                <a:latin typeface="Consolas" panose="020B0609020204030204" pitchFamily="49" charset="0"/>
                 <a:cs typeface="Courier New" panose="02070309020205020404" pitchFamily="49" charset="0"/>
               </a:rPr>
             </a:br>
@@ -25427,7 +25426,7 @@
                   <a:srgbClr val="000000"/>
                 </a:solidFill>
                 <a:effectLst/>
-                <a:latin typeface="Courier New" panose="02070309020205020404" pitchFamily="49" charset="0"/>
+                <a:latin typeface="Consolas" panose="020B0609020204030204" pitchFamily="49" charset="0"/>
                 <a:cs typeface="Courier New" panose="02070309020205020404" pitchFamily="49" charset="0"/>
               </a:rPr>
               <a:t>optional.get</a:t>
@@ -25441,7 +25440,7 @@
                   <a:srgbClr val="000000"/>
                 </a:solidFill>
                 <a:effectLst/>
-                <a:latin typeface="Courier New" panose="02070309020205020404" pitchFamily="49" charset="0"/>
+                <a:latin typeface="Consolas" panose="020B0609020204030204" pitchFamily="49" charset="0"/>
                 <a:cs typeface="Courier New" panose="02070309020205020404" pitchFamily="49" charset="0"/>
               </a:rPr>
               <a:t>();</a:t>
@@ -25454,7 +25453,7 @@
                 <a:schemeClr val="tx1"/>
               </a:solidFill>
               <a:effectLst/>
-              <a:latin typeface="Arial" panose="020B0604020202020204" pitchFamily="34" charset="0"/>
+              <a:latin typeface="Consolas" panose="020B0609020204030204" pitchFamily="49" charset="0"/>
             </a:endParaRPr>
           </a:p>
         </p:txBody>
@@ -25482,21 +25481,21 @@
           <a:p>
             <a:r>
               <a:rPr lang="en-US" b="1" dirty="0">
-                <a:latin typeface="Courier New" panose="02070309020205020404" pitchFamily="49" charset="0"/>
+                <a:latin typeface="Consolas" panose="020B0609020204030204" pitchFamily="49" charset="0"/>
                 <a:cs typeface="Courier New" panose="02070309020205020404" pitchFamily="49" charset="0"/>
               </a:rPr>
               <a:t>OptionalExamples.java:[11,39] [</a:t>
             </a:r>
             <a:r>
               <a:rPr lang="en-US" b="1" dirty="0" err="1">
-                <a:latin typeface="Courier New" panose="02070309020205020404" pitchFamily="49" charset="0"/>
+                <a:latin typeface="Consolas" panose="020B0609020204030204" pitchFamily="49" charset="0"/>
                 <a:cs typeface="Courier New" panose="02070309020205020404" pitchFamily="49" charset="0"/>
               </a:rPr>
               <a:t>method.invocation.invalid</a:t>
             </a:r>
             <a:r>
               <a:rPr lang="en-US" b="1" dirty="0">
-                <a:latin typeface="Courier New" panose="02070309020205020404" pitchFamily="49" charset="0"/>
+                <a:latin typeface="Consolas" panose="020B0609020204030204" pitchFamily="49" charset="0"/>
                 <a:cs typeface="Courier New" panose="02070309020205020404" pitchFamily="49" charset="0"/>
               </a:rPr>
               <a:t>] call to get() not allowed on the given receiver.</a:t>
@@ -25505,21 +25504,21 @@
           <a:p>
             <a:r>
               <a:rPr lang="en-US" b="1" dirty="0">
-                <a:latin typeface="Courier New" panose="02070309020205020404" pitchFamily="49" charset="0"/>
+                <a:latin typeface="Consolas" panose="020B0609020204030204" pitchFamily="49" charset="0"/>
                 <a:cs typeface="Courier New" panose="02070309020205020404" pitchFamily="49" charset="0"/>
               </a:rPr>
               <a:t>  found   : @</a:t>
             </a:r>
             <a:r>
               <a:rPr lang="en-US" b="1" dirty="0" err="1">
-                <a:latin typeface="Courier New" panose="02070309020205020404" pitchFamily="49" charset="0"/>
+                <a:latin typeface="Consolas" panose="020B0609020204030204" pitchFamily="49" charset="0"/>
                 <a:cs typeface="Courier New" panose="02070309020205020404" pitchFamily="49" charset="0"/>
               </a:rPr>
               <a:t>MaybePresent</a:t>
             </a:r>
             <a:r>
               <a:rPr lang="en-US" b="1" dirty="0">
-                <a:latin typeface="Courier New" panose="02070309020205020404" pitchFamily="49" charset="0"/>
+                <a:latin typeface="Consolas" panose="020B0609020204030204" pitchFamily="49" charset="0"/>
                 <a:cs typeface="Courier New" panose="02070309020205020404" pitchFamily="49" charset="0"/>
               </a:rPr>
               <a:t> Optional</a:t>
@@ -25528,7 +25527,7 @@
           <a:p>
             <a:r>
               <a:rPr lang="en-US" b="1" dirty="0">
-                <a:latin typeface="Courier New" panose="02070309020205020404" pitchFamily="49" charset="0"/>
+                <a:latin typeface="Consolas" panose="020B0609020204030204" pitchFamily="49" charset="0"/>
                 <a:cs typeface="Courier New" panose="02070309020205020404" pitchFamily="49" charset="0"/>
               </a:rPr>
               <a:t>[WARNING] </a:t>
@@ -25537,7 +25536,7 @@
           <a:p>
             <a:r>
               <a:rPr lang="en-US" b="1" dirty="0">
-                <a:latin typeface="Courier New" panose="02070309020205020404" pitchFamily="49" charset="0"/>
+                <a:latin typeface="Consolas" panose="020B0609020204030204" pitchFamily="49" charset="0"/>
                 <a:cs typeface="Courier New" panose="02070309020205020404" pitchFamily="49" charset="0"/>
               </a:rPr>
               <a:t>  required: @Present Optional</a:t>
@@ -25618,7 +25617,7 @@
         <p:spPr bwMode="auto">
           <a:xfrm>
             <a:off x="3240643" y="2693001"/>
-            <a:ext cx="5974713" cy="923330"/>
+            <a:ext cx="5503430" cy="923330"/>
           </a:xfrm>
           <a:prstGeom prst="rect">
             <a:avLst/>
@@ -25692,7 +25691,7 @@
                   <a:srgbClr val="000080"/>
                 </a:solidFill>
                 <a:effectLst/>
-                <a:latin typeface="Courier New" panose="02070309020205020404" pitchFamily="49" charset="0"/>
+                <a:latin typeface="Consolas" panose="020B0609020204030204" pitchFamily="49" charset="0"/>
                 <a:cs typeface="Courier New" panose="02070309020205020404" pitchFamily="49" charset="0"/>
               </a:rPr>
               <a:t>private static </a:t>
@@ -25706,7 +25705,7 @@
                   <a:srgbClr val="000080"/>
                 </a:solidFill>
                 <a:effectLst/>
-                <a:latin typeface="Courier New" panose="02070309020205020404" pitchFamily="49" charset="0"/>
+                <a:latin typeface="Consolas" panose="020B0609020204030204" pitchFamily="49" charset="0"/>
                 <a:cs typeface="Courier New" panose="02070309020205020404" pitchFamily="49" charset="0"/>
               </a:rPr>
               <a:t>int</a:t>
@@ -25720,7 +25719,7 @@
                   <a:srgbClr val="000080"/>
                 </a:solidFill>
                 <a:effectLst/>
-                <a:latin typeface="Courier New" panose="02070309020205020404" pitchFamily="49" charset="0"/>
+                <a:latin typeface="Consolas" panose="020B0609020204030204" pitchFamily="49" charset="0"/>
                 <a:cs typeface="Courier New" panose="02070309020205020404" pitchFamily="49" charset="0"/>
               </a:rPr>
               <a:t> </a:t>
@@ -25734,7 +25733,7 @@
                   <a:srgbClr val="000000"/>
                 </a:solidFill>
                 <a:effectLst/>
-                <a:latin typeface="Courier New" panose="02070309020205020404" pitchFamily="49" charset="0"/>
+                <a:latin typeface="Consolas" panose="020B0609020204030204" pitchFamily="49" charset="0"/>
                 <a:cs typeface="Courier New" panose="02070309020205020404" pitchFamily="49" charset="0"/>
               </a:rPr>
               <a:t>compare(</a:t>
@@ -25748,7 +25747,7 @@
                   <a:srgbClr val="000080"/>
                 </a:solidFill>
                 <a:effectLst/>
-                <a:latin typeface="Courier New" panose="02070309020205020404" pitchFamily="49" charset="0"/>
+                <a:latin typeface="Consolas" panose="020B0609020204030204" pitchFamily="49" charset="0"/>
                 <a:cs typeface="Courier New" panose="02070309020205020404" pitchFamily="49" charset="0"/>
               </a:rPr>
               <a:t>int</a:t>
@@ -25762,7 +25761,7 @@
                   <a:srgbClr val="000080"/>
                 </a:solidFill>
                 <a:effectLst/>
-                <a:latin typeface="Courier New" panose="02070309020205020404" pitchFamily="49" charset="0"/>
+                <a:latin typeface="Consolas" panose="020B0609020204030204" pitchFamily="49" charset="0"/>
                 <a:cs typeface="Courier New" panose="02070309020205020404" pitchFamily="49" charset="0"/>
               </a:rPr>
               <a:t> </a:t>
@@ -25776,7 +25775,7 @@
                   <a:srgbClr val="000000"/>
                 </a:solidFill>
                 <a:effectLst/>
-                <a:latin typeface="Courier New" panose="02070309020205020404" pitchFamily="49" charset="0"/>
+                <a:latin typeface="Consolas" panose="020B0609020204030204" pitchFamily="49" charset="0"/>
                 <a:cs typeface="Courier New" panose="02070309020205020404" pitchFamily="49" charset="0"/>
               </a:rPr>
               <a:t>x, </a:t>
@@ -25790,7 +25789,7 @@
                   <a:srgbClr val="000080"/>
                 </a:solidFill>
                 <a:effectLst/>
-                <a:latin typeface="Courier New" panose="02070309020205020404" pitchFamily="49" charset="0"/>
+                <a:latin typeface="Consolas" panose="020B0609020204030204" pitchFamily="49" charset="0"/>
                 <a:cs typeface="Courier New" panose="02070309020205020404" pitchFamily="49" charset="0"/>
               </a:rPr>
               <a:t>int</a:t>
@@ -25804,7 +25803,7 @@
                   <a:srgbClr val="000080"/>
                 </a:solidFill>
                 <a:effectLst/>
-                <a:latin typeface="Courier New" panose="02070309020205020404" pitchFamily="49" charset="0"/>
+                <a:latin typeface="Consolas" panose="020B0609020204030204" pitchFamily="49" charset="0"/>
                 <a:cs typeface="Courier New" panose="02070309020205020404" pitchFamily="49" charset="0"/>
               </a:rPr>
               <a:t> </a:t>
@@ -25818,7 +25817,7 @@
                   <a:srgbClr val="000000"/>
                 </a:solidFill>
                 <a:effectLst/>
-                <a:latin typeface="Courier New" panose="02070309020205020404" pitchFamily="49" charset="0"/>
+                <a:latin typeface="Consolas" panose="020B0609020204030204" pitchFamily="49" charset="0"/>
                 <a:cs typeface="Courier New" panose="02070309020205020404" pitchFamily="49" charset="0"/>
               </a:rPr>
               <a:t>y) {</a:t>
@@ -25832,7 +25831,7 @@
                   <a:srgbClr val="000000"/>
                 </a:solidFill>
                 <a:effectLst/>
-                <a:latin typeface="Courier New" panose="02070309020205020404" pitchFamily="49" charset="0"/>
+                <a:latin typeface="Consolas" panose="020B0609020204030204" pitchFamily="49" charset="0"/>
                 <a:cs typeface="Courier New" panose="02070309020205020404" pitchFamily="49" charset="0"/>
               </a:rPr>
             </a:br>
@@ -25845,7 +25844,7 @@
                   <a:srgbClr val="000000"/>
                 </a:solidFill>
                 <a:effectLst/>
-                <a:latin typeface="Courier New" panose="02070309020205020404" pitchFamily="49" charset="0"/>
+                <a:latin typeface="Consolas" panose="020B0609020204030204" pitchFamily="49" charset="0"/>
                 <a:cs typeface="Courier New" panose="02070309020205020404" pitchFamily="49" charset="0"/>
               </a:rPr>
               <a:t>    </a:t>
@@ -25859,7 +25858,7 @@
                   <a:srgbClr val="000080"/>
                 </a:solidFill>
                 <a:effectLst/>
-                <a:latin typeface="Courier New" panose="02070309020205020404" pitchFamily="49" charset="0"/>
+                <a:latin typeface="Consolas" panose="020B0609020204030204" pitchFamily="49" charset="0"/>
                 <a:cs typeface="Courier New" panose="02070309020205020404" pitchFamily="49" charset="0"/>
               </a:rPr>
               <a:t>return </a:t>
@@ -25873,7 +25872,7 @@
                   <a:srgbClr val="000000"/>
                 </a:solidFill>
                 <a:effectLst/>
-                <a:latin typeface="Courier New" panose="02070309020205020404" pitchFamily="49" charset="0"/>
+                <a:latin typeface="Consolas" panose="020B0609020204030204" pitchFamily="49" charset="0"/>
                 <a:cs typeface="Courier New" panose="02070309020205020404" pitchFamily="49" charset="0"/>
               </a:rPr>
               <a:t>x &lt; y ? x : </a:t>
@@ -25887,7 +25886,7 @@
                   <a:srgbClr val="000080"/>
                 </a:solidFill>
                 <a:effectLst/>
-                <a:latin typeface="Courier New" panose="02070309020205020404" pitchFamily="49" charset="0"/>
+                <a:latin typeface="Consolas" panose="020B0609020204030204" pitchFamily="49" charset="0"/>
                 <a:cs typeface="Courier New" panose="02070309020205020404" pitchFamily="49" charset="0"/>
               </a:rPr>
               <a:t>null</a:t>
@@ -25901,7 +25900,7 @@
                   <a:srgbClr val="000000"/>
                 </a:solidFill>
                 <a:effectLst/>
-                <a:latin typeface="Courier New" panose="02070309020205020404" pitchFamily="49" charset="0"/>
+                <a:latin typeface="Consolas" panose="020B0609020204030204" pitchFamily="49" charset="0"/>
                 <a:cs typeface="Courier New" panose="02070309020205020404" pitchFamily="49" charset="0"/>
               </a:rPr>
               <a:t>;</a:t>
@@ -25915,7 +25914,7 @@
                   <a:srgbClr val="000000"/>
                 </a:solidFill>
                 <a:effectLst/>
-                <a:latin typeface="Courier New" panose="02070309020205020404" pitchFamily="49" charset="0"/>
+                <a:latin typeface="Consolas" panose="020B0609020204030204" pitchFamily="49" charset="0"/>
                 <a:cs typeface="Courier New" panose="02070309020205020404" pitchFamily="49" charset="0"/>
               </a:rPr>
             </a:br>
@@ -25928,7 +25927,7 @@
                   <a:srgbClr val="000000"/>
                 </a:solidFill>
                 <a:effectLst/>
-                <a:latin typeface="Courier New" panose="02070309020205020404" pitchFamily="49" charset="0"/>
+                <a:latin typeface="Consolas" panose="020B0609020204030204" pitchFamily="49" charset="0"/>
                 <a:cs typeface="Courier New" panose="02070309020205020404" pitchFamily="49" charset="0"/>
               </a:rPr>
               <a:t>}</a:t>
@@ -25941,7 +25940,7 @@
                 <a:schemeClr val="tx1"/>
               </a:solidFill>
               <a:effectLst/>
-              <a:latin typeface="Arial" panose="020B0604020202020204" pitchFamily="34" charset="0"/>
+              <a:latin typeface="Consolas" panose="020B0609020204030204" pitchFamily="49" charset="0"/>
             </a:endParaRPr>
           </a:p>
         </p:txBody>
@@ -26031,7 +26030,7 @@
                   <a:srgbClr val="000000"/>
                 </a:solidFill>
                 <a:effectLst/>
-                <a:latin typeface="Courier New" panose="02070309020205020404" pitchFamily="49" charset="0"/>
+                <a:latin typeface="Consolas" panose="020B0609020204030204" pitchFamily="49" charset="0"/>
                 <a:cs typeface="Courier New" panose="02070309020205020404" pitchFamily="49" charset="0"/>
               </a:rPr>
               <a:t>compare</a:t>
@@ -26045,7 +26044,7 @@
                   <a:srgbClr val="000000"/>
                 </a:solidFill>
                 <a:effectLst/>
-                <a:latin typeface="Courier New" panose="02070309020205020404" pitchFamily="49" charset="0"/>
+                <a:latin typeface="Consolas" panose="020B0609020204030204" pitchFamily="49" charset="0"/>
                 <a:cs typeface="Courier New" panose="02070309020205020404" pitchFamily="49" charset="0"/>
               </a:rPr>
               <a:t>(</a:t>
@@ -26059,7 +26058,7 @@
                   <a:srgbClr val="0000FF"/>
                 </a:solidFill>
                 <a:effectLst/>
-                <a:latin typeface="Courier New" panose="02070309020205020404" pitchFamily="49" charset="0"/>
+                <a:latin typeface="Consolas" panose="020B0609020204030204" pitchFamily="49" charset="0"/>
                 <a:cs typeface="Courier New" panose="02070309020205020404" pitchFamily="49" charset="0"/>
               </a:rPr>
               <a:t>5</a:t>
@@ -26073,7 +26072,7 @@
                   <a:srgbClr val="000000"/>
                 </a:solidFill>
                 <a:effectLst/>
-                <a:latin typeface="Courier New" panose="02070309020205020404" pitchFamily="49" charset="0"/>
+                <a:latin typeface="Consolas" panose="020B0609020204030204" pitchFamily="49" charset="0"/>
                 <a:cs typeface="Courier New" panose="02070309020205020404" pitchFamily="49" charset="0"/>
               </a:rPr>
               <a:t>,</a:t>
@@ -26087,7 +26086,7 @@
                   <a:srgbClr val="0000FF"/>
                 </a:solidFill>
                 <a:effectLst/>
-                <a:latin typeface="Courier New" panose="02070309020205020404" pitchFamily="49" charset="0"/>
+                <a:latin typeface="Consolas" panose="020B0609020204030204" pitchFamily="49" charset="0"/>
                 <a:cs typeface="Courier New" panose="02070309020205020404" pitchFamily="49" charset="0"/>
               </a:rPr>
               <a:t>4</a:t>
@@ -26101,7 +26100,7 @@
                   <a:srgbClr val="000000"/>
                 </a:solidFill>
                 <a:effectLst/>
-                <a:latin typeface="Courier New" panose="02070309020205020404" pitchFamily="49" charset="0"/>
+                <a:latin typeface="Consolas" panose="020B0609020204030204" pitchFamily="49" charset="0"/>
                 <a:cs typeface="Courier New" panose="02070309020205020404" pitchFamily="49" charset="0"/>
               </a:rPr>
               <a:t>);</a:t>
@@ -26114,7 +26113,7 @@
                 <a:schemeClr val="tx1"/>
               </a:solidFill>
               <a:effectLst/>
-              <a:latin typeface="Arial" panose="020B0604020202020204" pitchFamily="34" charset="0"/>
+              <a:latin typeface="Consolas" panose="020B0609020204030204" pitchFamily="49" charset="0"/>
             </a:endParaRPr>
           </a:p>
         </p:txBody>
@@ -26192,7 +26191,7 @@
         <p:spPr bwMode="auto">
           <a:xfrm>
             <a:off x="3240643" y="2693001"/>
-            <a:ext cx="5974713" cy="923330"/>
+            <a:ext cx="5503430" cy="923330"/>
           </a:xfrm>
           <a:prstGeom prst="rect">
             <a:avLst/>
@@ -26266,7 +26265,7 @@
                   <a:srgbClr val="000080"/>
                 </a:solidFill>
                 <a:effectLst/>
-                <a:latin typeface="Courier New" panose="02070309020205020404" pitchFamily="49" charset="0"/>
+                <a:latin typeface="Consolas" panose="020B0609020204030204" pitchFamily="49" charset="0"/>
                 <a:cs typeface="Courier New" panose="02070309020205020404" pitchFamily="49" charset="0"/>
               </a:rPr>
               <a:t>private static </a:t>
@@ -26280,7 +26279,7 @@
                   <a:srgbClr val="000080"/>
                 </a:solidFill>
                 <a:effectLst/>
-                <a:latin typeface="Courier New" panose="02070309020205020404" pitchFamily="49" charset="0"/>
+                <a:latin typeface="Consolas" panose="020B0609020204030204" pitchFamily="49" charset="0"/>
                 <a:cs typeface="Courier New" panose="02070309020205020404" pitchFamily="49" charset="0"/>
               </a:rPr>
               <a:t>int</a:t>
@@ -26294,7 +26293,7 @@
                   <a:srgbClr val="000080"/>
                 </a:solidFill>
                 <a:effectLst/>
-                <a:latin typeface="Courier New" panose="02070309020205020404" pitchFamily="49" charset="0"/>
+                <a:latin typeface="Consolas" panose="020B0609020204030204" pitchFamily="49" charset="0"/>
                 <a:cs typeface="Courier New" panose="02070309020205020404" pitchFamily="49" charset="0"/>
               </a:rPr>
               <a:t> </a:t>
@@ -26308,7 +26307,7 @@
                   <a:srgbClr val="000000"/>
                 </a:solidFill>
                 <a:effectLst/>
-                <a:latin typeface="Courier New" panose="02070309020205020404" pitchFamily="49" charset="0"/>
+                <a:latin typeface="Consolas" panose="020B0609020204030204" pitchFamily="49" charset="0"/>
                 <a:cs typeface="Courier New" panose="02070309020205020404" pitchFamily="49" charset="0"/>
               </a:rPr>
               <a:t>compare(</a:t>
@@ -26322,7 +26321,7 @@
                   <a:srgbClr val="000080"/>
                 </a:solidFill>
                 <a:effectLst/>
-                <a:latin typeface="Courier New" panose="02070309020205020404" pitchFamily="49" charset="0"/>
+                <a:latin typeface="Consolas" panose="020B0609020204030204" pitchFamily="49" charset="0"/>
                 <a:cs typeface="Courier New" panose="02070309020205020404" pitchFamily="49" charset="0"/>
               </a:rPr>
               <a:t>int</a:t>
@@ -26336,7 +26335,7 @@
                   <a:srgbClr val="000080"/>
                 </a:solidFill>
                 <a:effectLst/>
-                <a:latin typeface="Courier New" panose="02070309020205020404" pitchFamily="49" charset="0"/>
+                <a:latin typeface="Consolas" panose="020B0609020204030204" pitchFamily="49" charset="0"/>
                 <a:cs typeface="Courier New" panose="02070309020205020404" pitchFamily="49" charset="0"/>
               </a:rPr>
               <a:t> </a:t>
@@ -26350,7 +26349,7 @@
                   <a:srgbClr val="000000"/>
                 </a:solidFill>
                 <a:effectLst/>
-                <a:latin typeface="Courier New" panose="02070309020205020404" pitchFamily="49" charset="0"/>
+                <a:latin typeface="Consolas" panose="020B0609020204030204" pitchFamily="49" charset="0"/>
                 <a:cs typeface="Courier New" panose="02070309020205020404" pitchFamily="49" charset="0"/>
               </a:rPr>
               <a:t>x, </a:t>
@@ -26364,7 +26363,7 @@
                   <a:srgbClr val="000080"/>
                 </a:solidFill>
                 <a:effectLst/>
-                <a:latin typeface="Courier New" panose="02070309020205020404" pitchFamily="49" charset="0"/>
+                <a:latin typeface="Consolas" panose="020B0609020204030204" pitchFamily="49" charset="0"/>
                 <a:cs typeface="Courier New" panose="02070309020205020404" pitchFamily="49" charset="0"/>
               </a:rPr>
               <a:t>int</a:t>
@@ -26378,7 +26377,7 @@
                   <a:srgbClr val="000080"/>
                 </a:solidFill>
                 <a:effectLst/>
-                <a:latin typeface="Courier New" panose="02070309020205020404" pitchFamily="49" charset="0"/>
+                <a:latin typeface="Consolas" panose="020B0609020204030204" pitchFamily="49" charset="0"/>
                 <a:cs typeface="Courier New" panose="02070309020205020404" pitchFamily="49" charset="0"/>
               </a:rPr>
               <a:t> </a:t>
@@ -26392,7 +26391,7 @@
                   <a:srgbClr val="000000"/>
                 </a:solidFill>
                 <a:effectLst/>
-                <a:latin typeface="Courier New" panose="02070309020205020404" pitchFamily="49" charset="0"/>
+                <a:latin typeface="Consolas" panose="020B0609020204030204" pitchFamily="49" charset="0"/>
                 <a:cs typeface="Courier New" panose="02070309020205020404" pitchFamily="49" charset="0"/>
               </a:rPr>
               <a:t>y) {</a:t>
@@ -26406,7 +26405,7 @@
                   <a:srgbClr val="000000"/>
                 </a:solidFill>
                 <a:effectLst/>
-                <a:latin typeface="Courier New" panose="02070309020205020404" pitchFamily="49" charset="0"/>
+                <a:latin typeface="Consolas" panose="020B0609020204030204" pitchFamily="49" charset="0"/>
                 <a:cs typeface="Courier New" panose="02070309020205020404" pitchFamily="49" charset="0"/>
               </a:rPr>
             </a:br>
@@ -26419,7 +26418,7 @@
                   <a:srgbClr val="000000"/>
                 </a:solidFill>
                 <a:effectLst/>
-                <a:latin typeface="Courier New" panose="02070309020205020404" pitchFamily="49" charset="0"/>
+                <a:latin typeface="Consolas" panose="020B0609020204030204" pitchFamily="49" charset="0"/>
                 <a:cs typeface="Courier New" panose="02070309020205020404" pitchFamily="49" charset="0"/>
               </a:rPr>
               <a:t>    </a:t>
@@ -26433,7 +26432,7 @@
                   <a:srgbClr val="000080"/>
                 </a:solidFill>
                 <a:effectLst/>
-                <a:latin typeface="Courier New" panose="02070309020205020404" pitchFamily="49" charset="0"/>
+                <a:latin typeface="Consolas" panose="020B0609020204030204" pitchFamily="49" charset="0"/>
                 <a:cs typeface="Courier New" panose="02070309020205020404" pitchFamily="49" charset="0"/>
               </a:rPr>
               <a:t>return </a:t>
@@ -26447,7 +26446,7 @@
                   <a:srgbClr val="000000"/>
                 </a:solidFill>
                 <a:effectLst/>
-                <a:latin typeface="Courier New" panose="02070309020205020404" pitchFamily="49" charset="0"/>
+                <a:latin typeface="Consolas" panose="020B0609020204030204" pitchFamily="49" charset="0"/>
                 <a:cs typeface="Courier New" panose="02070309020205020404" pitchFamily="49" charset="0"/>
               </a:rPr>
               <a:t>x &lt; y ? x : </a:t>
@@ -26461,7 +26460,7 @@
                   <a:srgbClr val="000080"/>
                 </a:solidFill>
                 <a:effectLst/>
-                <a:latin typeface="Courier New" panose="02070309020205020404" pitchFamily="49" charset="0"/>
+                <a:latin typeface="Consolas" panose="020B0609020204030204" pitchFamily="49" charset="0"/>
                 <a:cs typeface="Courier New" panose="02070309020205020404" pitchFamily="49" charset="0"/>
               </a:rPr>
               <a:t>null</a:t>
@@ -26475,7 +26474,7 @@
                   <a:srgbClr val="000000"/>
                 </a:solidFill>
                 <a:effectLst/>
-                <a:latin typeface="Courier New" panose="02070309020205020404" pitchFamily="49" charset="0"/>
+                <a:latin typeface="Consolas" panose="020B0609020204030204" pitchFamily="49" charset="0"/>
                 <a:cs typeface="Courier New" panose="02070309020205020404" pitchFamily="49" charset="0"/>
               </a:rPr>
               <a:t>;</a:t>
@@ -26489,7 +26488,7 @@
                   <a:srgbClr val="000000"/>
                 </a:solidFill>
                 <a:effectLst/>
-                <a:latin typeface="Courier New" panose="02070309020205020404" pitchFamily="49" charset="0"/>
+                <a:latin typeface="Consolas" panose="020B0609020204030204" pitchFamily="49" charset="0"/>
                 <a:cs typeface="Courier New" panose="02070309020205020404" pitchFamily="49" charset="0"/>
               </a:rPr>
             </a:br>
@@ -26502,7 +26501,7 @@
                   <a:srgbClr val="000000"/>
                 </a:solidFill>
                 <a:effectLst/>
-                <a:latin typeface="Courier New" panose="02070309020205020404" pitchFamily="49" charset="0"/>
+                <a:latin typeface="Consolas" panose="020B0609020204030204" pitchFamily="49" charset="0"/>
                 <a:cs typeface="Courier New" panose="02070309020205020404" pitchFamily="49" charset="0"/>
               </a:rPr>
               <a:t>}</a:t>
@@ -26515,7 +26514,7 @@
                 <a:schemeClr val="tx1"/>
               </a:solidFill>
               <a:effectLst/>
-              <a:latin typeface="Arial" panose="020B0604020202020204" pitchFamily="34" charset="0"/>
+              <a:latin typeface="Consolas" panose="020B0609020204030204" pitchFamily="49" charset="0"/>
             </a:endParaRPr>
           </a:p>
         </p:txBody>
@@ -26605,7 +26604,7 @@
                   <a:srgbClr val="000000"/>
                 </a:solidFill>
                 <a:effectLst/>
-                <a:latin typeface="Courier New" panose="02070309020205020404" pitchFamily="49" charset="0"/>
+                <a:latin typeface="Consolas" panose="020B0609020204030204" pitchFamily="49" charset="0"/>
                 <a:cs typeface="Courier New" panose="02070309020205020404" pitchFamily="49" charset="0"/>
               </a:rPr>
               <a:t>compare</a:t>
@@ -26619,7 +26618,7 @@
                   <a:srgbClr val="000000"/>
                 </a:solidFill>
                 <a:effectLst/>
-                <a:latin typeface="Courier New" panose="02070309020205020404" pitchFamily="49" charset="0"/>
+                <a:latin typeface="Consolas" panose="020B0609020204030204" pitchFamily="49" charset="0"/>
                 <a:cs typeface="Courier New" panose="02070309020205020404" pitchFamily="49" charset="0"/>
               </a:rPr>
               <a:t>(</a:t>
@@ -26633,7 +26632,7 @@
                   <a:srgbClr val="0000FF"/>
                 </a:solidFill>
                 <a:effectLst/>
-                <a:latin typeface="Courier New" panose="02070309020205020404" pitchFamily="49" charset="0"/>
+                <a:latin typeface="Consolas" panose="020B0609020204030204" pitchFamily="49" charset="0"/>
                 <a:cs typeface="Courier New" panose="02070309020205020404" pitchFamily="49" charset="0"/>
               </a:rPr>
               <a:t>5</a:t>
@@ -26647,7 +26646,7 @@
                   <a:srgbClr val="000000"/>
                 </a:solidFill>
                 <a:effectLst/>
-                <a:latin typeface="Courier New" panose="02070309020205020404" pitchFamily="49" charset="0"/>
+                <a:latin typeface="Consolas" panose="020B0609020204030204" pitchFamily="49" charset="0"/>
                 <a:cs typeface="Courier New" panose="02070309020205020404" pitchFamily="49" charset="0"/>
               </a:rPr>
               <a:t>,</a:t>
@@ -26661,7 +26660,7 @@
                   <a:srgbClr val="0000FF"/>
                 </a:solidFill>
                 <a:effectLst/>
-                <a:latin typeface="Courier New" panose="02070309020205020404" pitchFamily="49" charset="0"/>
+                <a:latin typeface="Consolas" panose="020B0609020204030204" pitchFamily="49" charset="0"/>
                 <a:cs typeface="Courier New" panose="02070309020205020404" pitchFamily="49" charset="0"/>
               </a:rPr>
               <a:t>4</a:t>
@@ -26675,7 +26674,7 @@
                   <a:srgbClr val="000000"/>
                 </a:solidFill>
                 <a:effectLst/>
-                <a:latin typeface="Courier New" panose="02070309020205020404" pitchFamily="49" charset="0"/>
+                <a:latin typeface="Consolas" panose="020B0609020204030204" pitchFamily="49" charset="0"/>
                 <a:cs typeface="Courier New" panose="02070309020205020404" pitchFamily="49" charset="0"/>
               </a:rPr>
               <a:t>);</a:t>
@@ -26688,7 +26687,7 @@
                 <a:schemeClr val="tx1"/>
               </a:solidFill>
               <a:effectLst/>
-              <a:latin typeface="Arial" panose="020B0604020202020204" pitchFamily="34" charset="0"/>
+              <a:latin typeface="Consolas" panose="020B0609020204030204" pitchFamily="49" charset="0"/>
             </a:endParaRPr>
           </a:p>
         </p:txBody>
@@ -26716,21 +26715,21 @@
           <a:p>
             <a:r>
               <a:rPr lang="en-US" b="1" dirty="0">
-                <a:latin typeface="Courier New" panose="02070309020205020404" pitchFamily="49" charset="0"/>
+                <a:latin typeface="Consolas" panose="020B0609020204030204" pitchFamily="49" charset="0"/>
                 <a:cs typeface="Courier New" panose="02070309020205020404" pitchFamily="49" charset="0"/>
               </a:rPr>
               <a:t>NullExamples.java:[58,21] [</a:t>
             </a:r>
             <a:r>
               <a:rPr lang="en-US" b="1" dirty="0" err="1">
-                <a:latin typeface="Courier New" panose="02070309020205020404" pitchFamily="49" charset="0"/>
+                <a:latin typeface="Consolas" panose="020B0609020204030204" pitchFamily="49" charset="0"/>
                 <a:cs typeface="Courier New" panose="02070309020205020404" pitchFamily="49" charset="0"/>
               </a:rPr>
               <a:t>unboxing.of.nullable</a:t>
             </a:r>
             <a:r>
               <a:rPr lang="en-US" b="1" dirty="0">
-                <a:latin typeface="Courier New" panose="02070309020205020404" pitchFamily="49" charset="0"/>
+                <a:latin typeface="Consolas" panose="020B0609020204030204" pitchFamily="49" charset="0"/>
                 <a:cs typeface="Courier New" panose="02070309020205020404" pitchFamily="49" charset="0"/>
               </a:rPr>
               <a:t>] unboxing a possibly-null reference x &lt; y ? x : null</a:t>
@@ -26810,7 +26809,7 @@
         <p:spPr bwMode="auto">
           <a:xfrm>
             <a:off x="3861006" y="3020171"/>
-            <a:ext cx="4733988" cy="1200329"/>
+            <a:ext cx="4363695" cy="1200329"/>
           </a:xfrm>
           <a:prstGeom prst="rect">
             <a:avLst/>
@@ -26884,7 +26883,7 @@
                   <a:srgbClr val="000080"/>
                 </a:solidFill>
                 <a:effectLst/>
-                <a:latin typeface="Courier New" panose="02070309020205020404" pitchFamily="49" charset="0"/>
+                <a:latin typeface="Consolas" panose="020B0609020204030204" pitchFamily="49" charset="0"/>
                 <a:cs typeface="Courier New" panose="02070309020205020404" pitchFamily="49" charset="0"/>
               </a:rPr>
               <a:t>private void </a:t>
@@ -26898,7 +26897,7 @@
                   <a:srgbClr val="000000"/>
                 </a:solidFill>
                 <a:effectLst/>
-                <a:latin typeface="Courier New" panose="02070309020205020404" pitchFamily="49" charset="0"/>
+                <a:latin typeface="Consolas" panose="020B0609020204030204" pitchFamily="49" charset="0"/>
                 <a:cs typeface="Courier New" panose="02070309020205020404" pitchFamily="49" charset="0"/>
               </a:rPr>
               <a:t>processRequest</a:t>
@@ -26912,7 +26911,7 @@
                   <a:srgbClr val="000000"/>
                 </a:solidFill>
                 <a:effectLst/>
-                <a:latin typeface="Courier New" panose="02070309020205020404" pitchFamily="49" charset="0"/>
+                <a:latin typeface="Consolas" panose="020B0609020204030204" pitchFamily="49" charset="0"/>
                 <a:cs typeface="Courier New" panose="02070309020205020404" pitchFamily="49" charset="0"/>
               </a:rPr>
               <a:t>() {</a:t>
@@ -26926,7 +26925,7 @@
                   <a:srgbClr val="000000"/>
                 </a:solidFill>
                 <a:effectLst/>
-                <a:latin typeface="Courier New" panose="02070309020205020404" pitchFamily="49" charset="0"/>
+                <a:latin typeface="Consolas" panose="020B0609020204030204" pitchFamily="49" charset="0"/>
                 <a:cs typeface="Courier New" panose="02070309020205020404" pitchFamily="49" charset="0"/>
               </a:rPr>
             </a:br>
@@ -26939,7 +26938,7 @@
                   <a:srgbClr val="000000"/>
                 </a:solidFill>
                 <a:effectLst/>
-                <a:latin typeface="Courier New" panose="02070309020205020404" pitchFamily="49" charset="0"/>
+                <a:latin typeface="Consolas" panose="020B0609020204030204" pitchFamily="49" charset="0"/>
                 <a:cs typeface="Courier New" panose="02070309020205020404" pitchFamily="49" charset="0"/>
               </a:rPr>
               <a:t>    String data = </a:t>
@@ -26953,7 +26952,7 @@
                   <a:srgbClr val="000000"/>
                 </a:solidFill>
                 <a:effectLst/>
-                <a:latin typeface="Courier New" panose="02070309020205020404" pitchFamily="49" charset="0"/>
+                <a:latin typeface="Consolas" panose="020B0609020204030204" pitchFamily="49" charset="0"/>
                 <a:cs typeface="Courier New" panose="02070309020205020404" pitchFamily="49" charset="0"/>
               </a:rPr>
               <a:t>getUserInput</a:t>
@@ -26967,7 +26966,7 @@
                   <a:srgbClr val="000000"/>
                 </a:solidFill>
                 <a:effectLst/>
-                <a:latin typeface="Courier New" panose="02070309020205020404" pitchFamily="49" charset="0"/>
+                <a:latin typeface="Consolas" panose="020B0609020204030204" pitchFamily="49" charset="0"/>
                 <a:cs typeface="Courier New" panose="02070309020205020404" pitchFamily="49" charset="0"/>
               </a:rPr>
               <a:t>();</a:t>
@@ -26981,7 +26980,7 @@
                   <a:srgbClr val="000000"/>
                 </a:solidFill>
                 <a:effectLst/>
-                <a:latin typeface="Courier New" panose="02070309020205020404" pitchFamily="49" charset="0"/>
+                <a:latin typeface="Consolas" panose="020B0609020204030204" pitchFamily="49" charset="0"/>
                 <a:cs typeface="Courier New" panose="02070309020205020404" pitchFamily="49" charset="0"/>
               </a:rPr>
             </a:br>
@@ -26994,7 +26993,7 @@
                   <a:srgbClr val="000000"/>
                 </a:solidFill>
                 <a:effectLst/>
-                <a:latin typeface="Courier New" panose="02070309020205020404" pitchFamily="49" charset="0"/>
+                <a:latin typeface="Consolas" panose="020B0609020204030204" pitchFamily="49" charset="0"/>
                 <a:cs typeface="Courier New" panose="02070309020205020404" pitchFamily="49" charset="0"/>
               </a:rPr>
               <a:t>    </a:t>
@@ -27008,7 +27007,7 @@
                   <a:srgbClr val="000000"/>
                 </a:solidFill>
                 <a:effectLst/>
-                <a:latin typeface="Courier New" panose="02070309020205020404" pitchFamily="49" charset="0"/>
+                <a:latin typeface="Consolas" panose="020B0609020204030204" pitchFamily="49" charset="0"/>
                 <a:cs typeface="Courier New" panose="02070309020205020404" pitchFamily="49" charset="0"/>
               </a:rPr>
               <a:t>executeSqlQuery</a:t>
@@ -27022,7 +27021,7 @@
                   <a:srgbClr val="000000"/>
                 </a:solidFill>
                 <a:effectLst/>
-                <a:latin typeface="Courier New" panose="02070309020205020404" pitchFamily="49" charset="0"/>
+                <a:latin typeface="Consolas" panose="020B0609020204030204" pitchFamily="49" charset="0"/>
                 <a:cs typeface="Courier New" panose="02070309020205020404" pitchFamily="49" charset="0"/>
               </a:rPr>
               <a:t>(data);</a:t>
@@ -27036,7 +27035,7 @@
                   <a:srgbClr val="000000"/>
                 </a:solidFill>
                 <a:effectLst/>
-                <a:latin typeface="Courier New" panose="02070309020205020404" pitchFamily="49" charset="0"/>
+                <a:latin typeface="Consolas" panose="020B0609020204030204" pitchFamily="49" charset="0"/>
                 <a:cs typeface="Courier New" panose="02070309020205020404" pitchFamily="49" charset="0"/>
               </a:rPr>
             </a:br>
@@ -27049,7 +27048,7 @@
                   <a:srgbClr val="000000"/>
                 </a:solidFill>
                 <a:effectLst/>
-                <a:latin typeface="Courier New" panose="02070309020205020404" pitchFamily="49" charset="0"/>
+                <a:latin typeface="Consolas" panose="020B0609020204030204" pitchFamily="49" charset="0"/>
                 <a:cs typeface="Courier New" panose="02070309020205020404" pitchFamily="49" charset="0"/>
               </a:rPr>
               <a:t>}</a:t>
@@ -27062,7 +27061,7 @@
                 <a:schemeClr val="tx1"/>
               </a:solidFill>
               <a:effectLst/>
-              <a:latin typeface="Arial" panose="020B0604020202020204" pitchFamily="34" charset="0"/>
+              <a:latin typeface="Consolas" panose="020B0609020204030204" pitchFamily="49" charset="0"/>
             </a:endParaRPr>
           </a:p>
         </p:txBody>
@@ -27139,7 +27138,7 @@
         <p:spPr bwMode="auto">
           <a:xfrm>
             <a:off x="3861006" y="3020171"/>
-            <a:ext cx="4733988" cy="1200329"/>
+            <a:ext cx="4363695" cy="1200329"/>
           </a:xfrm>
           <a:prstGeom prst="rect">
             <a:avLst/>
@@ -27213,7 +27212,7 @@
                   <a:srgbClr val="000080"/>
                 </a:solidFill>
                 <a:effectLst/>
-                <a:latin typeface="Courier New" panose="02070309020205020404" pitchFamily="49" charset="0"/>
+                <a:latin typeface="Consolas" panose="020B0609020204030204" pitchFamily="49" charset="0"/>
                 <a:cs typeface="Courier New" panose="02070309020205020404" pitchFamily="49" charset="0"/>
               </a:rPr>
               <a:t>private void </a:t>
@@ -27227,7 +27226,7 @@
                   <a:srgbClr val="000000"/>
                 </a:solidFill>
                 <a:effectLst/>
-                <a:latin typeface="Courier New" panose="02070309020205020404" pitchFamily="49" charset="0"/>
+                <a:latin typeface="Consolas" panose="020B0609020204030204" pitchFamily="49" charset="0"/>
                 <a:cs typeface="Courier New" panose="02070309020205020404" pitchFamily="49" charset="0"/>
               </a:rPr>
               <a:t>processRequest</a:t>
@@ -27241,7 +27240,7 @@
                   <a:srgbClr val="000000"/>
                 </a:solidFill>
                 <a:effectLst/>
-                <a:latin typeface="Courier New" panose="02070309020205020404" pitchFamily="49" charset="0"/>
+                <a:latin typeface="Consolas" panose="020B0609020204030204" pitchFamily="49" charset="0"/>
                 <a:cs typeface="Courier New" panose="02070309020205020404" pitchFamily="49" charset="0"/>
               </a:rPr>
               <a:t>() {</a:t>
@@ -27255,7 +27254,7 @@
                   <a:srgbClr val="000000"/>
                 </a:solidFill>
                 <a:effectLst/>
-                <a:latin typeface="Courier New" panose="02070309020205020404" pitchFamily="49" charset="0"/>
+                <a:latin typeface="Consolas" panose="020B0609020204030204" pitchFamily="49" charset="0"/>
                 <a:cs typeface="Courier New" panose="02070309020205020404" pitchFamily="49" charset="0"/>
               </a:rPr>
             </a:br>
@@ -27268,7 +27267,7 @@
                   <a:srgbClr val="000000"/>
                 </a:solidFill>
                 <a:effectLst/>
-                <a:latin typeface="Courier New" panose="02070309020205020404" pitchFamily="49" charset="0"/>
+                <a:latin typeface="Consolas" panose="020B0609020204030204" pitchFamily="49" charset="0"/>
                 <a:cs typeface="Courier New" panose="02070309020205020404" pitchFamily="49" charset="0"/>
               </a:rPr>
               <a:t>    String data = </a:t>
@@ -27282,7 +27281,7 @@
                   <a:srgbClr val="000000"/>
                 </a:solidFill>
                 <a:effectLst/>
-                <a:latin typeface="Courier New" panose="02070309020205020404" pitchFamily="49" charset="0"/>
+                <a:latin typeface="Consolas" panose="020B0609020204030204" pitchFamily="49" charset="0"/>
                 <a:cs typeface="Courier New" panose="02070309020205020404" pitchFamily="49" charset="0"/>
               </a:rPr>
               <a:t>getUserInput</a:t>
@@ -27296,7 +27295,7 @@
                   <a:srgbClr val="000000"/>
                 </a:solidFill>
                 <a:effectLst/>
-                <a:latin typeface="Courier New" panose="02070309020205020404" pitchFamily="49" charset="0"/>
+                <a:latin typeface="Consolas" panose="020B0609020204030204" pitchFamily="49" charset="0"/>
                 <a:cs typeface="Courier New" panose="02070309020205020404" pitchFamily="49" charset="0"/>
               </a:rPr>
               <a:t>();</a:t>
@@ -27310,7 +27309,7 @@
                   <a:srgbClr val="000000"/>
                 </a:solidFill>
                 <a:effectLst/>
-                <a:latin typeface="Courier New" panose="02070309020205020404" pitchFamily="49" charset="0"/>
+                <a:latin typeface="Consolas" panose="020B0609020204030204" pitchFamily="49" charset="0"/>
                 <a:cs typeface="Courier New" panose="02070309020205020404" pitchFamily="49" charset="0"/>
               </a:rPr>
             </a:br>
@@ -27323,7 +27322,7 @@
                   <a:srgbClr val="000000"/>
                 </a:solidFill>
                 <a:effectLst/>
-                <a:latin typeface="Courier New" panose="02070309020205020404" pitchFamily="49" charset="0"/>
+                <a:latin typeface="Consolas" panose="020B0609020204030204" pitchFamily="49" charset="0"/>
                 <a:cs typeface="Courier New" panose="02070309020205020404" pitchFamily="49" charset="0"/>
               </a:rPr>
               <a:t>    </a:t>
@@ -27337,7 +27336,7 @@
                   <a:srgbClr val="000000"/>
                 </a:solidFill>
                 <a:effectLst/>
-                <a:latin typeface="Courier New" panose="02070309020205020404" pitchFamily="49" charset="0"/>
+                <a:latin typeface="Consolas" panose="020B0609020204030204" pitchFamily="49" charset="0"/>
                 <a:cs typeface="Courier New" panose="02070309020205020404" pitchFamily="49" charset="0"/>
               </a:rPr>
               <a:t>executeSqlQuery</a:t>
@@ -27351,7 +27350,7 @@
                   <a:srgbClr val="000000"/>
                 </a:solidFill>
                 <a:effectLst/>
-                <a:latin typeface="Courier New" panose="02070309020205020404" pitchFamily="49" charset="0"/>
+                <a:latin typeface="Consolas" panose="020B0609020204030204" pitchFamily="49" charset="0"/>
                 <a:cs typeface="Courier New" panose="02070309020205020404" pitchFamily="49" charset="0"/>
               </a:rPr>
               <a:t>(data);</a:t>
@@ -27365,7 +27364,7 @@
                   <a:srgbClr val="000000"/>
                 </a:solidFill>
                 <a:effectLst/>
-                <a:latin typeface="Courier New" panose="02070309020205020404" pitchFamily="49" charset="0"/>
+                <a:latin typeface="Consolas" panose="020B0609020204030204" pitchFamily="49" charset="0"/>
                 <a:cs typeface="Courier New" panose="02070309020205020404" pitchFamily="49" charset="0"/>
               </a:rPr>
             </a:br>
@@ -27378,7 +27377,7 @@
                   <a:srgbClr val="000000"/>
                 </a:solidFill>
                 <a:effectLst/>
-                <a:latin typeface="Courier New" panose="02070309020205020404" pitchFamily="49" charset="0"/>
+                <a:latin typeface="Consolas" panose="020B0609020204030204" pitchFamily="49" charset="0"/>
                 <a:cs typeface="Courier New" panose="02070309020205020404" pitchFamily="49" charset="0"/>
               </a:rPr>
               <a:t>}</a:t>
@@ -27391,7 +27390,7 @@
                 <a:schemeClr val="tx1"/>
               </a:solidFill>
               <a:effectLst/>
-              <a:latin typeface="Arial" panose="020B0604020202020204" pitchFamily="34" charset="0"/>
+              <a:latin typeface="Consolas" panose="020B0609020204030204" pitchFamily="49" charset="0"/>
             </a:endParaRPr>
           </a:p>
         </p:txBody>
@@ -27419,21 +27418,21 @@
           <a:p>
             <a:r>
               <a:rPr lang="en-US" b="1" dirty="0">
-                <a:latin typeface="Courier New" panose="02070309020205020404" pitchFamily="49" charset="0"/>
+                <a:latin typeface="Consolas" panose="020B0609020204030204" pitchFamily="49" charset="0"/>
                 <a:cs typeface="Courier New" panose="02070309020205020404" pitchFamily="49" charset="0"/>
               </a:rPr>
               <a:t>TaintingExamples.java:[18,21] [</a:t>
             </a:r>
             <a:r>
               <a:rPr lang="en-US" b="1" dirty="0" err="1">
-                <a:latin typeface="Courier New" panose="02070309020205020404" pitchFamily="49" charset="0"/>
+                <a:latin typeface="Consolas" panose="020B0609020204030204" pitchFamily="49" charset="0"/>
                 <a:cs typeface="Courier New" panose="02070309020205020404" pitchFamily="49" charset="0"/>
               </a:rPr>
               <a:t>argument.type.incompatible</a:t>
             </a:r>
             <a:r>
               <a:rPr lang="en-US" b="1" dirty="0">
-                <a:latin typeface="Courier New" panose="02070309020205020404" pitchFamily="49" charset="0"/>
+                <a:latin typeface="Consolas" panose="020B0609020204030204" pitchFamily="49" charset="0"/>
                 <a:cs typeface="Courier New" panose="02070309020205020404" pitchFamily="49" charset="0"/>
               </a:rPr>
               <a:t>] incompatible types in argument.</a:t>
@@ -27442,7 +27441,7 @@
           <a:p>
             <a:r>
               <a:rPr lang="en-US" b="1" dirty="0">
-                <a:latin typeface="Courier New" panose="02070309020205020404" pitchFamily="49" charset="0"/>
+                <a:latin typeface="Consolas" panose="020B0609020204030204" pitchFamily="49" charset="0"/>
                 <a:cs typeface="Courier New" panose="02070309020205020404" pitchFamily="49" charset="0"/>
               </a:rPr>
               <a:t>  found   : @Tainted String</a:t>
@@ -27451,7 +27450,7 @@
           <a:p>
             <a:r>
               <a:rPr lang="en-US" b="1" dirty="0">
-                <a:latin typeface="Courier New" panose="02070309020205020404" pitchFamily="49" charset="0"/>
+                <a:latin typeface="Consolas" panose="020B0609020204030204" pitchFamily="49" charset="0"/>
                 <a:cs typeface="Courier New" panose="02070309020205020404" pitchFamily="49" charset="0"/>
               </a:rPr>
               <a:t>[WARNING] </a:t>
@@ -27460,7 +27459,7 @@
           <a:p>
             <a:r>
               <a:rPr lang="en-US" b="1" dirty="0">
-                <a:latin typeface="Courier New" panose="02070309020205020404" pitchFamily="49" charset="0"/>
+                <a:latin typeface="Consolas" panose="020B0609020204030204" pitchFamily="49" charset="0"/>
                 <a:cs typeface="Courier New" panose="02070309020205020404" pitchFamily="49" charset="0"/>
               </a:rPr>
               <a:t>  required: @Untainted String</a:t>
@@ -27545,7 +27544,7 @@
         <p:spPr bwMode="auto">
           <a:xfrm>
             <a:off x="2895998" y="1972353"/>
-            <a:ext cx="5985934" cy="4278094"/>
+            <a:ext cx="5458546" cy="4278094"/>
           </a:xfrm>
           <a:prstGeom prst="rect">
             <a:avLst/>
@@ -27613,7 +27612,7 @@
                   <a:srgbClr val="000000"/>
                 </a:solidFill>
                 <a:effectLst/>
-                <a:latin typeface="Courier New" panose="02070309020205020404" pitchFamily="49" charset="0"/>
+                <a:latin typeface="Consolas" panose="020B0609020204030204" pitchFamily="49" charset="0"/>
                 <a:cs typeface="Courier New" panose="02070309020205020404" pitchFamily="49" charset="0"/>
               </a:rPr>
               <a:t>&lt;</a:t>
@@ -27627,7 +27626,7 @@
                   <a:srgbClr val="000080"/>
                 </a:solidFill>
                 <a:effectLst/>
-                <a:latin typeface="Courier New" panose="02070309020205020404" pitchFamily="49" charset="0"/>
+                <a:latin typeface="Consolas" panose="020B0609020204030204" pitchFamily="49" charset="0"/>
                 <a:cs typeface="Courier New" panose="02070309020205020404" pitchFamily="49" charset="0"/>
               </a:rPr>
               <a:t>dependencies</a:t>
@@ -27641,7 +27640,7 @@
                   <a:srgbClr val="000000"/>
                 </a:solidFill>
                 <a:effectLst/>
-                <a:latin typeface="Courier New" panose="02070309020205020404" pitchFamily="49" charset="0"/>
+                <a:latin typeface="Consolas" panose="020B0609020204030204" pitchFamily="49" charset="0"/>
                 <a:cs typeface="Courier New" panose="02070309020205020404" pitchFamily="49" charset="0"/>
               </a:rPr>
               <a:t>&gt;   </a:t>
@@ -27655,7 +27654,7 @@
                   <a:srgbClr val="808080"/>
                 </a:solidFill>
                 <a:effectLst/>
-                <a:latin typeface="Courier New" panose="02070309020205020404" pitchFamily="49" charset="0"/>
+                <a:latin typeface="Consolas" panose="020B0609020204030204" pitchFamily="49" charset="0"/>
                 <a:cs typeface="Courier New" panose="02070309020205020404" pitchFamily="49" charset="0"/>
               </a:rPr>
               <a:t/>
@@ -27669,7 +27668,7 @@
                   <a:srgbClr val="808080"/>
                 </a:solidFill>
                 <a:effectLst/>
-                <a:latin typeface="Courier New" panose="02070309020205020404" pitchFamily="49" charset="0"/>
+                <a:latin typeface="Consolas" panose="020B0609020204030204" pitchFamily="49" charset="0"/>
                 <a:cs typeface="Courier New" panose="02070309020205020404" pitchFamily="49" charset="0"/>
               </a:rPr>
             </a:br>
@@ -27682,7 +27681,7 @@
                   <a:srgbClr val="808080"/>
                 </a:solidFill>
                 <a:effectLst/>
-                <a:latin typeface="Courier New" panose="02070309020205020404" pitchFamily="49" charset="0"/>
+                <a:latin typeface="Consolas" panose="020B0609020204030204" pitchFamily="49" charset="0"/>
                 <a:cs typeface="Courier New" panose="02070309020205020404" pitchFamily="49" charset="0"/>
               </a:rPr>
               <a:t>    </a:t>
@@ -27696,7 +27695,7 @@
                   <a:srgbClr val="000000"/>
                 </a:solidFill>
                 <a:effectLst/>
-                <a:latin typeface="Courier New" panose="02070309020205020404" pitchFamily="49" charset="0"/>
+                <a:latin typeface="Consolas" panose="020B0609020204030204" pitchFamily="49" charset="0"/>
                 <a:cs typeface="Courier New" panose="02070309020205020404" pitchFamily="49" charset="0"/>
               </a:rPr>
               <a:t>&lt;</a:t>
@@ -27710,7 +27709,7 @@
                   <a:srgbClr val="000080"/>
                 </a:solidFill>
                 <a:effectLst/>
-                <a:latin typeface="Courier New" panose="02070309020205020404" pitchFamily="49" charset="0"/>
+                <a:latin typeface="Consolas" panose="020B0609020204030204" pitchFamily="49" charset="0"/>
                 <a:cs typeface="Courier New" panose="02070309020205020404" pitchFamily="49" charset="0"/>
               </a:rPr>
               <a:t>dependency</a:t>
@@ -27724,7 +27723,7 @@
                   <a:srgbClr val="000000"/>
                 </a:solidFill>
                 <a:effectLst/>
-                <a:latin typeface="Courier New" panose="02070309020205020404" pitchFamily="49" charset="0"/>
+                <a:latin typeface="Consolas" panose="020B0609020204030204" pitchFamily="49" charset="0"/>
                 <a:cs typeface="Courier New" panose="02070309020205020404" pitchFamily="49" charset="0"/>
               </a:rPr>
               <a:t>&gt;</a:t>
@@ -27738,7 +27737,7 @@
                   <a:srgbClr val="000000"/>
                 </a:solidFill>
                 <a:effectLst/>
-                <a:latin typeface="Courier New" panose="02070309020205020404" pitchFamily="49" charset="0"/>
+                <a:latin typeface="Consolas" panose="020B0609020204030204" pitchFamily="49" charset="0"/>
                 <a:cs typeface="Courier New" panose="02070309020205020404" pitchFamily="49" charset="0"/>
               </a:rPr>
             </a:br>
@@ -27751,7 +27750,7 @@
                   <a:srgbClr val="000000"/>
                 </a:solidFill>
                 <a:effectLst/>
-                <a:latin typeface="Courier New" panose="02070309020205020404" pitchFamily="49" charset="0"/>
+                <a:latin typeface="Consolas" panose="020B0609020204030204" pitchFamily="49" charset="0"/>
                 <a:cs typeface="Courier New" panose="02070309020205020404" pitchFamily="49" charset="0"/>
               </a:rPr>
               <a:t>        &lt;</a:t>
@@ -27765,7 +27764,7 @@
                   <a:srgbClr val="000080"/>
                 </a:solidFill>
                 <a:effectLst/>
-                <a:latin typeface="Courier New" panose="02070309020205020404" pitchFamily="49" charset="0"/>
+                <a:latin typeface="Consolas" panose="020B0609020204030204" pitchFamily="49" charset="0"/>
                 <a:cs typeface="Courier New" panose="02070309020205020404" pitchFamily="49" charset="0"/>
               </a:rPr>
               <a:t>groupId</a:t>
@@ -27779,7 +27778,7 @@
                   <a:srgbClr val="000000"/>
                 </a:solidFill>
                 <a:effectLst/>
-                <a:latin typeface="Courier New" panose="02070309020205020404" pitchFamily="49" charset="0"/>
+                <a:latin typeface="Consolas" panose="020B0609020204030204" pitchFamily="49" charset="0"/>
                 <a:cs typeface="Courier New" panose="02070309020205020404" pitchFamily="49" charset="0"/>
               </a:rPr>
               <a:t>&gt;</a:t>
@@ -27793,7 +27792,7 @@
                   <a:srgbClr val="000000"/>
                 </a:solidFill>
                 <a:effectLst/>
-                <a:latin typeface="Courier New" panose="02070309020205020404" pitchFamily="49" charset="0"/>
+                <a:latin typeface="Consolas" panose="020B0609020204030204" pitchFamily="49" charset="0"/>
                 <a:cs typeface="Courier New" panose="02070309020205020404" pitchFamily="49" charset="0"/>
               </a:rPr>
               <a:t>org.checkerframework</a:t>
@@ -27807,7 +27806,7 @@
                   <a:srgbClr val="000000"/>
                 </a:solidFill>
                 <a:effectLst/>
-                <a:latin typeface="Courier New" panose="02070309020205020404" pitchFamily="49" charset="0"/>
+                <a:latin typeface="Consolas" panose="020B0609020204030204" pitchFamily="49" charset="0"/>
                 <a:cs typeface="Courier New" panose="02070309020205020404" pitchFamily="49" charset="0"/>
               </a:rPr>
               <a:t>&lt;/</a:t>
@@ -27821,7 +27820,7 @@
                   <a:srgbClr val="000080"/>
                 </a:solidFill>
                 <a:effectLst/>
-                <a:latin typeface="Courier New" panose="02070309020205020404" pitchFamily="49" charset="0"/>
+                <a:latin typeface="Consolas" panose="020B0609020204030204" pitchFamily="49" charset="0"/>
                 <a:cs typeface="Courier New" panose="02070309020205020404" pitchFamily="49" charset="0"/>
               </a:rPr>
               <a:t>groupId</a:t>
@@ -27835,7 +27834,7 @@
                   <a:srgbClr val="000000"/>
                 </a:solidFill>
                 <a:effectLst/>
-                <a:latin typeface="Courier New" panose="02070309020205020404" pitchFamily="49" charset="0"/>
+                <a:latin typeface="Consolas" panose="020B0609020204030204" pitchFamily="49" charset="0"/>
                 <a:cs typeface="Courier New" panose="02070309020205020404" pitchFamily="49" charset="0"/>
               </a:rPr>
               <a:t>&gt;</a:t>
@@ -27849,7 +27848,7 @@
                   <a:srgbClr val="000000"/>
                 </a:solidFill>
                 <a:effectLst/>
-                <a:latin typeface="Courier New" panose="02070309020205020404" pitchFamily="49" charset="0"/>
+                <a:latin typeface="Consolas" panose="020B0609020204030204" pitchFamily="49" charset="0"/>
                 <a:cs typeface="Courier New" panose="02070309020205020404" pitchFamily="49" charset="0"/>
               </a:rPr>
             </a:br>
@@ -27862,7 +27861,7 @@
                   <a:srgbClr val="000000"/>
                 </a:solidFill>
                 <a:effectLst/>
-                <a:latin typeface="Courier New" panose="02070309020205020404" pitchFamily="49" charset="0"/>
+                <a:latin typeface="Consolas" panose="020B0609020204030204" pitchFamily="49" charset="0"/>
                 <a:cs typeface="Courier New" panose="02070309020205020404" pitchFamily="49" charset="0"/>
               </a:rPr>
               <a:t>        &lt;</a:t>
@@ -27876,7 +27875,7 @@
                   <a:srgbClr val="000080"/>
                 </a:solidFill>
                 <a:effectLst/>
-                <a:latin typeface="Courier New" panose="02070309020205020404" pitchFamily="49" charset="0"/>
+                <a:latin typeface="Consolas" panose="020B0609020204030204" pitchFamily="49" charset="0"/>
                 <a:cs typeface="Courier New" panose="02070309020205020404" pitchFamily="49" charset="0"/>
               </a:rPr>
               <a:t>artifactId</a:t>
@@ -27890,7 +27889,7 @@
                   <a:srgbClr val="000000"/>
                 </a:solidFill>
                 <a:effectLst/>
-                <a:latin typeface="Courier New" panose="02070309020205020404" pitchFamily="49" charset="0"/>
+                <a:latin typeface="Consolas" panose="020B0609020204030204" pitchFamily="49" charset="0"/>
                 <a:cs typeface="Courier New" panose="02070309020205020404" pitchFamily="49" charset="0"/>
               </a:rPr>
               <a:t>&gt;checker-</a:t>
@@ -27904,7 +27903,7 @@
                   <a:srgbClr val="000000"/>
                 </a:solidFill>
                 <a:effectLst/>
-                <a:latin typeface="Courier New" panose="02070309020205020404" pitchFamily="49" charset="0"/>
+                <a:latin typeface="Consolas" panose="020B0609020204030204" pitchFamily="49" charset="0"/>
                 <a:cs typeface="Courier New" panose="02070309020205020404" pitchFamily="49" charset="0"/>
               </a:rPr>
               <a:t>qual</a:t>
@@ -27918,7 +27917,7 @@
                   <a:srgbClr val="000000"/>
                 </a:solidFill>
                 <a:effectLst/>
-                <a:latin typeface="Courier New" panose="02070309020205020404" pitchFamily="49" charset="0"/>
+                <a:latin typeface="Consolas" panose="020B0609020204030204" pitchFamily="49" charset="0"/>
                 <a:cs typeface="Courier New" panose="02070309020205020404" pitchFamily="49" charset="0"/>
               </a:rPr>
               <a:t>&lt;/</a:t>
@@ -27932,7 +27931,7 @@
                   <a:srgbClr val="000080"/>
                 </a:solidFill>
                 <a:effectLst/>
-                <a:latin typeface="Courier New" panose="02070309020205020404" pitchFamily="49" charset="0"/>
+                <a:latin typeface="Consolas" panose="020B0609020204030204" pitchFamily="49" charset="0"/>
                 <a:cs typeface="Courier New" panose="02070309020205020404" pitchFamily="49" charset="0"/>
               </a:rPr>
               <a:t>artifactId</a:t>
@@ -27946,7 +27945,7 @@
                   <a:srgbClr val="000000"/>
                 </a:solidFill>
                 <a:effectLst/>
-                <a:latin typeface="Courier New" panose="02070309020205020404" pitchFamily="49" charset="0"/>
+                <a:latin typeface="Consolas" panose="020B0609020204030204" pitchFamily="49" charset="0"/>
                 <a:cs typeface="Courier New" panose="02070309020205020404" pitchFamily="49" charset="0"/>
               </a:rPr>
               <a:t>&gt;</a:t>
@@ -27960,7 +27959,7 @@
                   <a:srgbClr val="000000"/>
                 </a:solidFill>
                 <a:effectLst/>
-                <a:latin typeface="Courier New" panose="02070309020205020404" pitchFamily="49" charset="0"/>
+                <a:latin typeface="Consolas" panose="020B0609020204030204" pitchFamily="49" charset="0"/>
                 <a:cs typeface="Courier New" panose="02070309020205020404" pitchFamily="49" charset="0"/>
               </a:rPr>
             </a:br>
@@ -27973,7 +27972,7 @@
                   <a:srgbClr val="000000"/>
                 </a:solidFill>
                 <a:effectLst/>
-                <a:latin typeface="Courier New" panose="02070309020205020404" pitchFamily="49" charset="0"/>
+                <a:latin typeface="Consolas" panose="020B0609020204030204" pitchFamily="49" charset="0"/>
                 <a:cs typeface="Courier New" panose="02070309020205020404" pitchFamily="49" charset="0"/>
               </a:rPr>
               <a:t>        &lt;</a:t>
@@ -27987,7 +27986,7 @@
                   <a:srgbClr val="000080"/>
                 </a:solidFill>
                 <a:effectLst/>
-                <a:latin typeface="Courier New" panose="02070309020205020404" pitchFamily="49" charset="0"/>
+                <a:latin typeface="Consolas" panose="020B0609020204030204" pitchFamily="49" charset="0"/>
                 <a:cs typeface="Courier New" panose="02070309020205020404" pitchFamily="49" charset="0"/>
               </a:rPr>
               <a:t>version</a:t>
@@ -28001,7 +28000,7 @@
                   <a:srgbClr val="000000"/>
                 </a:solidFill>
                 <a:effectLst/>
-                <a:latin typeface="Courier New" panose="02070309020205020404" pitchFamily="49" charset="0"/>
+                <a:latin typeface="Consolas" panose="020B0609020204030204" pitchFamily="49" charset="0"/>
                 <a:cs typeface="Courier New" panose="02070309020205020404" pitchFamily="49" charset="0"/>
               </a:rPr>
               <a:t>&gt;2.11.1&lt;/</a:t>
@@ -28015,7 +28014,7 @@
                   <a:srgbClr val="000080"/>
                 </a:solidFill>
                 <a:effectLst/>
-                <a:latin typeface="Courier New" panose="02070309020205020404" pitchFamily="49" charset="0"/>
+                <a:latin typeface="Consolas" panose="020B0609020204030204" pitchFamily="49" charset="0"/>
                 <a:cs typeface="Courier New" panose="02070309020205020404" pitchFamily="49" charset="0"/>
               </a:rPr>
               <a:t>version</a:t>
@@ -28029,7 +28028,7 @@
                   <a:srgbClr val="000000"/>
                 </a:solidFill>
                 <a:effectLst/>
-                <a:latin typeface="Courier New" panose="02070309020205020404" pitchFamily="49" charset="0"/>
+                <a:latin typeface="Consolas" panose="020B0609020204030204" pitchFamily="49" charset="0"/>
                 <a:cs typeface="Courier New" panose="02070309020205020404" pitchFamily="49" charset="0"/>
               </a:rPr>
               <a:t>&gt;</a:t>
@@ -28043,7 +28042,7 @@
                   <a:srgbClr val="000000"/>
                 </a:solidFill>
                 <a:effectLst/>
-                <a:latin typeface="Courier New" panose="02070309020205020404" pitchFamily="49" charset="0"/>
+                <a:latin typeface="Consolas" panose="020B0609020204030204" pitchFamily="49" charset="0"/>
                 <a:cs typeface="Courier New" panose="02070309020205020404" pitchFamily="49" charset="0"/>
               </a:rPr>
             </a:br>
@@ -28056,7 +28055,7 @@
                   <a:srgbClr val="000000"/>
                 </a:solidFill>
                 <a:effectLst/>
-                <a:latin typeface="Courier New" panose="02070309020205020404" pitchFamily="49" charset="0"/>
+                <a:latin typeface="Consolas" panose="020B0609020204030204" pitchFamily="49" charset="0"/>
                 <a:cs typeface="Courier New" panose="02070309020205020404" pitchFamily="49" charset="0"/>
               </a:rPr>
               <a:t>    &lt;/</a:t>
@@ -28070,7 +28069,7 @@
                   <a:srgbClr val="000080"/>
                 </a:solidFill>
                 <a:effectLst/>
-                <a:latin typeface="Courier New" panose="02070309020205020404" pitchFamily="49" charset="0"/>
+                <a:latin typeface="Consolas" panose="020B0609020204030204" pitchFamily="49" charset="0"/>
                 <a:cs typeface="Courier New" panose="02070309020205020404" pitchFamily="49" charset="0"/>
               </a:rPr>
               <a:t>dependency</a:t>
@@ -28084,7 +28083,7 @@
                   <a:srgbClr val="000000"/>
                 </a:solidFill>
                 <a:effectLst/>
-                <a:latin typeface="Courier New" panose="02070309020205020404" pitchFamily="49" charset="0"/>
+                <a:latin typeface="Consolas" panose="020B0609020204030204" pitchFamily="49" charset="0"/>
                 <a:cs typeface="Courier New" panose="02070309020205020404" pitchFamily="49" charset="0"/>
               </a:rPr>
               <a:t>&gt;</a:t>
@@ -28098,7 +28097,7 @@
                   <a:srgbClr val="000000"/>
                 </a:solidFill>
                 <a:effectLst/>
-                <a:latin typeface="Courier New" panose="02070309020205020404" pitchFamily="49" charset="0"/>
+                <a:latin typeface="Consolas" panose="020B0609020204030204" pitchFamily="49" charset="0"/>
                 <a:cs typeface="Courier New" panose="02070309020205020404" pitchFamily="49" charset="0"/>
               </a:rPr>
             </a:br>
@@ -28111,7 +28110,7 @@
                   <a:srgbClr val="000000"/>
                 </a:solidFill>
                 <a:effectLst/>
-                <a:latin typeface="Courier New" panose="02070309020205020404" pitchFamily="49" charset="0"/>
+                <a:latin typeface="Consolas" panose="020B0609020204030204" pitchFamily="49" charset="0"/>
                 <a:cs typeface="Courier New" panose="02070309020205020404" pitchFamily="49" charset="0"/>
               </a:rPr>
               <a:t>    &lt;</a:t>
@@ -28125,7 +28124,7 @@
                   <a:srgbClr val="000080"/>
                 </a:solidFill>
                 <a:effectLst/>
-                <a:latin typeface="Courier New" panose="02070309020205020404" pitchFamily="49" charset="0"/>
+                <a:latin typeface="Consolas" panose="020B0609020204030204" pitchFamily="49" charset="0"/>
                 <a:cs typeface="Courier New" panose="02070309020205020404" pitchFamily="49" charset="0"/>
               </a:rPr>
               <a:t>dependency</a:t>
@@ -28139,7 +28138,7 @@
                   <a:srgbClr val="000000"/>
                 </a:solidFill>
                 <a:effectLst/>
-                <a:latin typeface="Courier New" panose="02070309020205020404" pitchFamily="49" charset="0"/>
+                <a:latin typeface="Consolas" panose="020B0609020204030204" pitchFamily="49" charset="0"/>
                 <a:cs typeface="Courier New" panose="02070309020205020404" pitchFamily="49" charset="0"/>
               </a:rPr>
               <a:t>&gt;</a:t>
@@ -28153,7 +28152,7 @@
                   <a:srgbClr val="000000"/>
                 </a:solidFill>
                 <a:effectLst/>
-                <a:latin typeface="Courier New" panose="02070309020205020404" pitchFamily="49" charset="0"/>
+                <a:latin typeface="Consolas" panose="020B0609020204030204" pitchFamily="49" charset="0"/>
                 <a:cs typeface="Courier New" panose="02070309020205020404" pitchFamily="49" charset="0"/>
               </a:rPr>
             </a:br>
@@ -28166,7 +28165,7 @@
                   <a:srgbClr val="000000"/>
                 </a:solidFill>
                 <a:effectLst/>
-                <a:latin typeface="Courier New" panose="02070309020205020404" pitchFamily="49" charset="0"/>
+                <a:latin typeface="Consolas" panose="020B0609020204030204" pitchFamily="49" charset="0"/>
                 <a:cs typeface="Courier New" panose="02070309020205020404" pitchFamily="49" charset="0"/>
               </a:rPr>
               <a:t>        &lt;</a:t>
@@ -28180,7 +28179,7 @@
                   <a:srgbClr val="000080"/>
                 </a:solidFill>
                 <a:effectLst/>
-                <a:latin typeface="Courier New" panose="02070309020205020404" pitchFamily="49" charset="0"/>
+                <a:latin typeface="Consolas" panose="020B0609020204030204" pitchFamily="49" charset="0"/>
                 <a:cs typeface="Courier New" panose="02070309020205020404" pitchFamily="49" charset="0"/>
               </a:rPr>
               <a:t>groupId</a:t>
@@ -28194,7 +28193,7 @@
                   <a:srgbClr val="000000"/>
                 </a:solidFill>
                 <a:effectLst/>
-                <a:latin typeface="Courier New" panose="02070309020205020404" pitchFamily="49" charset="0"/>
+                <a:latin typeface="Consolas" panose="020B0609020204030204" pitchFamily="49" charset="0"/>
                 <a:cs typeface="Courier New" panose="02070309020205020404" pitchFamily="49" charset="0"/>
               </a:rPr>
               <a:t>&gt;</a:t>
@@ -28208,7 +28207,7 @@
                   <a:srgbClr val="000000"/>
                 </a:solidFill>
                 <a:effectLst/>
-                <a:latin typeface="Courier New" panose="02070309020205020404" pitchFamily="49" charset="0"/>
+                <a:latin typeface="Consolas" panose="020B0609020204030204" pitchFamily="49" charset="0"/>
                 <a:cs typeface="Courier New" panose="02070309020205020404" pitchFamily="49" charset="0"/>
               </a:rPr>
               <a:t>org.checkerframework</a:t>
@@ -28222,7 +28221,7 @@
                   <a:srgbClr val="000000"/>
                 </a:solidFill>
                 <a:effectLst/>
-                <a:latin typeface="Courier New" panose="02070309020205020404" pitchFamily="49" charset="0"/>
+                <a:latin typeface="Consolas" panose="020B0609020204030204" pitchFamily="49" charset="0"/>
                 <a:cs typeface="Courier New" panose="02070309020205020404" pitchFamily="49" charset="0"/>
               </a:rPr>
               <a:t>&lt;/</a:t>
@@ -28236,7 +28235,7 @@
                   <a:srgbClr val="000080"/>
                 </a:solidFill>
                 <a:effectLst/>
-                <a:latin typeface="Courier New" panose="02070309020205020404" pitchFamily="49" charset="0"/>
+                <a:latin typeface="Consolas" panose="020B0609020204030204" pitchFamily="49" charset="0"/>
                 <a:cs typeface="Courier New" panose="02070309020205020404" pitchFamily="49" charset="0"/>
               </a:rPr>
               <a:t>groupId</a:t>
@@ -28250,7 +28249,7 @@
                   <a:srgbClr val="000000"/>
                 </a:solidFill>
                 <a:effectLst/>
-                <a:latin typeface="Courier New" panose="02070309020205020404" pitchFamily="49" charset="0"/>
+                <a:latin typeface="Consolas" panose="020B0609020204030204" pitchFamily="49" charset="0"/>
                 <a:cs typeface="Courier New" panose="02070309020205020404" pitchFamily="49" charset="0"/>
               </a:rPr>
               <a:t>&gt;</a:t>
@@ -28264,7 +28263,7 @@
                   <a:srgbClr val="000000"/>
                 </a:solidFill>
                 <a:effectLst/>
-                <a:latin typeface="Courier New" panose="02070309020205020404" pitchFamily="49" charset="0"/>
+                <a:latin typeface="Consolas" panose="020B0609020204030204" pitchFamily="49" charset="0"/>
                 <a:cs typeface="Courier New" panose="02070309020205020404" pitchFamily="49" charset="0"/>
               </a:rPr>
             </a:br>
@@ -28277,7 +28276,7 @@
                   <a:srgbClr val="000000"/>
                 </a:solidFill>
                 <a:effectLst/>
-                <a:latin typeface="Courier New" panose="02070309020205020404" pitchFamily="49" charset="0"/>
+                <a:latin typeface="Consolas" panose="020B0609020204030204" pitchFamily="49" charset="0"/>
                 <a:cs typeface="Courier New" panose="02070309020205020404" pitchFamily="49" charset="0"/>
               </a:rPr>
               <a:t>        &lt;</a:t>
@@ -28291,7 +28290,7 @@
                   <a:srgbClr val="000080"/>
                 </a:solidFill>
                 <a:effectLst/>
-                <a:latin typeface="Courier New" panose="02070309020205020404" pitchFamily="49" charset="0"/>
+                <a:latin typeface="Consolas" panose="020B0609020204030204" pitchFamily="49" charset="0"/>
                 <a:cs typeface="Courier New" panose="02070309020205020404" pitchFamily="49" charset="0"/>
               </a:rPr>
               <a:t>artifactId</a:t>
@@ -28305,7 +28304,7 @@
                   <a:srgbClr val="000000"/>
                 </a:solidFill>
                 <a:effectLst/>
-                <a:latin typeface="Courier New" panose="02070309020205020404" pitchFamily="49" charset="0"/>
+                <a:latin typeface="Consolas" panose="020B0609020204030204" pitchFamily="49" charset="0"/>
                 <a:cs typeface="Courier New" panose="02070309020205020404" pitchFamily="49" charset="0"/>
               </a:rPr>
               <a:t>&gt;jdk8&lt;/</a:t>
@@ -28319,7 +28318,7 @@
                   <a:srgbClr val="000080"/>
                 </a:solidFill>
                 <a:effectLst/>
-                <a:latin typeface="Courier New" panose="02070309020205020404" pitchFamily="49" charset="0"/>
+                <a:latin typeface="Consolas" panose="020B0609020204030204" pitchFamily="49" charset="0"/>
                 <a:cs typeface="Courier New" panose="02070309020205020404" pitchFamily="49" charset="0"/>
               </a:rPr>
               <a:t>artifactId</a:t>
@@ -28333,7 +28332,7 @@
                   <a:srgbClr val="000000"/>
                 </a:solidFill>
                 <a:effectLst/>
-                <a:latin typeface="Courier New" panose="02070309020205020404" pitchFamily="49" charset="0"/>
+                <a:latin typeface="Consolas" panose="020B0609020204030204" pitchFamily="49" charset="0"/>
                 <a:cs typeface="Courier New" panose="02070309020205020404" pitchFamily="49" charset="0"/>
               </a:rPr>
               <a:t>&gt;</a:t>
@@ -28347,7 +28346,7 @@
                   <a:srgbClr val="000000"/>
                 </a:solidFill>
                 <a:effectLst/>
-                <a:latin typeface="Courier New" panose="02070309020205020404" pitchFamily="49" charset="0"/>
+                <a:latin typeface="Consolas" panose="020B0609020204030204" pitchFamily="49" charset="0"/>
                 <a:cs typeface="Courier New" panose="02070309020205020404" pitchFamily="49" charset="0"/>
               </a:rPr>
             </a:br>
@@ -28360,7 +28359,7 @@
                   <a:srgbClr val="000000"/>
                 </a:solidFill>
                 <a:effectLst/>
-                <a:latin typeface="Courier New" panose="02070309020205020404" pitchFamily="49" charset="0"/>
+                <a:latin typeface="Consolas" panose="020B0609020204030204" pitchFamily="49" charset="0"/>
                 <a:cs typeface="Courier New" panose="02070309020205020404" pitchFamily="49" charset="0"/>
               </a:rPr>
               <a:t>        &lt;</a:t>
@@ -28374,7 +28373,7 @@
                   <a:srgbClr val="000080"/>
                 </a:solidFill>
                 <a:effectLst/>
-                <a:latin typeface="Courier New" panose="02070309020205020404" pitchFamily="49" charset="0"/>
+                <a:latin typeface="Consolas" panose="020B0609020204030204" pitchFamily="49" charset="0"/>
                 <a:cs typeface="Courier New" panose="02070309020205020404" pitchFamily="49" charset="0"/>
               </a:rPr>
               <a:t>version</a:t>
@@ -28388,7 +28387,7 @@
                   <a:srgbClr val="000000"/>
                 </a:solidFill>
                 <a:effectLst/>
-                <a:latin typeface="Courier New" panose="02070309020205020404" pitchFamily="49" charset="0"/>
+                <a:latin typeface="Consolas" panose="020B0609020204030204" pitchFamily="49" charset="0"/>
                 <a:cs typeface="Courier New" panose="02070309020205020404" pitchFamily="49" charset="0"/>
               </a:rPr>
               <a:t>&gt;2.11.1&lt;/</a:t>
@@ -28402,7 +28401,7 @@
                   <a:srgbClr val="000080"/>
                 </a:solidFill>
                 <a:effectLst/>
-                <a:latin typeface="Courier New" panose="02070309020205020404" pitchFamily="49" charset="0"/>
+                <a:latin typeface="Consolas" panose="020B0609020204030204" pitchFamily="49" charset="0"/>
                 <a:cs typeface="Courier New" panose="02070309020205020404" pitchFamily="49" charset="0"/>
               </a:rPr>
               <a:t>version</a:t>
@@ -28416,7 +28415,7 @@
                   <a:srgbClr val="000000"/>
                 </a:solidFill>
                 <a:effectLst/>
-                <a:latin typeface="Courier New" panose="02070309020205020404" pitchFamily="49" charset="0"/>
+                <a:latin typeface="Consolas" panose="020B0609020204030204" pitchFamily="49" charset="0"/>
                 <a:cs typeface="Courier New" panose="02070309020205020404" pitchFamily="49" charset="0"/>
               </a:rPr>
               <a:t>&gt;</a:t>
@@ -28430,7 +28429,7 @@
                   <a:srgbClr val="000000"/>
                 </a:solidFill>
                 <a:effectLst/>
-                <a:latin typeface="Courier New" panose="02070309020205020404" pitchFamily="49" charset="0"/>
+                <a:latin typeface="Consolas" panose="020B0609020204030204" pitchFamily="49" charset="0"/>
                 <a:cs typeface="Courier New" panose="02070309020205020404" pitchFamily="49" charset="0"/>
               </a:rPr>
             </a:br>
@@ -28443,7 +28442,7 @@
                   <a:srgbClr val="000000"/>
                 </a:solidFill>
                 <a:effectLst/>
-                <a:latin typeface="Courier New" panose="02070309020205020404" pitchFamily="49" charset="0"/>
+                <a:latin typeface="Consolas" panose="020B0609020204030204" pitchFamily="49" charset="0"/>
                 <a:cs typeface="Courier New" panose="02070309020205020404" pitchFamily="49" charset="0"/>
               </a:rPr>
               <a:t>    &lt;/</a:t>
@@ -28457,7 +28456,7 @@
                   <a:srgbClr val="000080"/>
                 </a:solidFill>
                 <a:effectLst/>
-                <a:latin typeface="Courier New" panose="02070309020205020404" pitchFamily="49" charset="0"/>
+                <a:latin typeface="Consolas" panose="020B0609020204030204" pitchFamily="49" charset="0"/>
                 <a:cs typeface="Courier New" panose="02070309020205020404" pitchFamily="49" charset="0"/>
               </a:rPr>
               <a:t>dependency</a:t>
@@ -28471,7 +28470,7 @@
                   <a:srgbClr val="000000"/>
                 </a:solidFill>
                 <a:effectLst/>
-                <a:latin typeface="Courier New" panose="02070309020205020404" pitchFamily="49" charset="0"/>
+                <a:latin typeface="Consolas" panose="020B0609020204030204" pitchFamily="49" charset="0"/>
                 <a:cs typeface="Courier New" panose="02070309020205020404" pitchFamily="49" charset="0"/>
               </a:rPr>
               <a:t>&gt;</a:t>
@@ -28485,7 +28484,7 @@
                   <a:srgbClr val="000000"/>
                 </a:solidFill>
                 <a:effectLst/>
-                <a:latin typeface="Courier New" panose="02070309020205020404" pitchFamily="49" charset="0"/>
+                <a:latin typeface="Consolas" panose="020B0609020204030204" pitchFamily="49" charset="0"/>
                 <a:cs typeface="Courier New" panose="02070309020205020404" pitchFamily="49" charset="0"/>
               </a:rPr>
             </a:br>
@@ -28498,7 +28497,7 @@
                   <a:srgbClr val="000000"/>
                 </a:solidFill>
                 <a:effectLst/>
-                <a:latin typeface="Courier New" panose="02070309020205020404" pitchFamily="49" charset="0"/>
+                <a:latin typeface="Consolas" panose="020B0609020204030204" pitchFamily="49" charset="0"/>
                 <a:cs typeface="Courier New" panose="02070309020205020404" pitchFamily="49" charset="0"/>
               </a:rPr>
               <a:t>    &lt;</a:t>
@@ -28512,7 +28511,7 @@
                   <a:srgbClr val="000080"/>
                 </a:solidFill>
                 <a:effectLst/>
-                <a:latin typeface="Courier New" panose="02070309020205020404" pitchFamily="49" charset="0"/>
+                <a:latin typeface="Consolas" panose="020B0609020204030204" pitchFamily="49" charset="0"/>
                 <a:cs typeface="Courier New" panose="02070309020205020404" pitchFamily="49" charset="0"/>
               </a:rPr>
               <a:t>dependency</a:t>
@@ -28526,7 +28525,7 @@
                   <a:srgbClr val="000000"/>
                 </a:solidFill>
                 <a:effectLst/>
-                <a:latin typeface="Courier New" panose="02070309020205020404" pitchFamily="49" charset="0"/>
+                <a:latin typeface="Consolas" panose="020B0609020204030204" pitchFamily="49" charset="0"/>
                 <a:cs typeface="Courier New" panose="02070309020205020404" pitchFamily="49" charset="0"/>
               </a:rPr>
               <a:t>&gt;</a:t>
@@ -28540,7 +28539,7 @@
                   <a:srgbClr val="000000"/>
                 </a:solidFill>
                 <a:effectLst/>
-                <a:latin typeface="Courier New" panose="02070309020205020404" pitchFamily="49" charset="0"/>
+                <a:latin typeface="Consolas" panose="020B0609020204030204" pitchFamily="49" charset="0"/>
                 <a:cs typeface="Courier New" panose="02070309020205020404" pitchFamily="49" charset="0"/>
               </a:rPr>
             </a:br>
@@ -28553,7 +28552,7 @@
                   <a:srgbClr val="000000"/>
                 </a:solidFill>
                 <a:effectLst/>
-                <a:latin typeface="Courier New" panose="02070309020205020404" pitchFamily="49" charset="0"/>
+                <a:latin typeface="Consolas" panose="020B0609020204030204" pitchFamily="49" charset="0"/>
                 <a:cs typeface="Courier New" panose="02070309020205020404" pitchFamily="49" charset="0"/>
               </a:rPr>
               <a:t>        &lt;</a:t>
@@ -28567,7 +28566,7 @@
                   <a:srgbClr val="000080"/>
                 </a:solidFill>
                 <a:effectLst/>
-                <a:latin typeface="Courier New" panose="02070309020205020404" pitchFamily="49" charset="0"/>
+                <a:latin typeface="Consolas" panose="020B0609020204030204" pitchFamily="49" charset="0"/>
                 <a:cs typeface="Courier New" panose="02070309020205020404" pitchFamily="49" charset="0"/>
               </a:rPr>
               <a:t>groupId</a:t>
@@ -28581,7 +28580,7 @@
                   <a:srgbClr val="000000"/>
                 </a:solidFill>
                 <a:effectLst/>
-                <a:latin typeface="Courier New" panose="02070309020205020404" pitchFamily="49" charset="0"/>
+                <a:latin typeface="Consolas" panose="020B0609020204030204" pitchFamily="49" charset="0"/>
                 <a:cs typeface="Courier New" panose="02070309020205020404" pitchFamily="49" charset="0"/>
               </a:rPr>
               <a:t>&gt;</a:t>
@@ -28595,7 +28594,7 @@
                   <a:srgbClr val="000000"/>
                 </a:solidFill>
                 <a:effectLst/>
-                <a:latin typeface="Courier New" panose="02070309020205020404" pitchFamily="49" charset="0"/>
+                <a:latin typeface="Consolas" panose="020B0609020204030204" pitchFamily="49" charset="0"/>
                 <a:cs typeface="Courier New" panose="02070309020205020404" pitchFamily="49" charset="0"/>
               </a:rPr>
               <a:t>org.checkerframework</a:t>
@@ -28609,7 +28608,7 @@
                   <a:srgbClr val="000000"/>
                 </a:solidFill>
                 <a:effectLst/>
-                <a:latin typeface="Courier New" panose="02070309020205020404" pitchFamily="49" charset="0"/>
+                <a:latin typeface="Consolas" panose="020B0609020204030204" pitchFamily="49" charset="0"/>
                 <a:cs typeface="Courier New" panose="02070309020205020404" pitchFamily="49" charset="0"/>
               </a:rPr>
               <a:t>&lt;/</a:t>
@@ -28623,7 +28622,7 @@
                   <a:srgbClr val="000080"/>
                 </a:solidFill>
                 <a:effectLst/>
-                <a:latin typeface="Courier New" panose="02070309020205020404" pitchFamily="49" charset="0"/>
+                <a:latin typeface="Consolas" panose="020B0609020204030204" pitchFamily="49" charset="0"/>
                 <a:cs typeface="Courier New" panose="02070309020205020404" pitchFamily="49" charset="0"/>
               </a:rPr>
               <a:t>groupId</a:t>
@@ -28637,7 +28636,7 @@
                   <a:srgbClr val="000000"/>
                 </a:solidFill>
                 <a:effectLst/>
-                <a:latin typeface="Courier New" panose="02070309020205020404" pitchFamily="49" charset="0"/>
+                <a:latin typeface="Consolas" panose="020B0609020204030204" pitchFamily="49" charset="0"/>
                 <a:cs typeface="Courier New" panose="02070309020205020404" pitchFamily="49" charset="0"/>
               </a:rPr>
               <a:t>&gt;</a:t>
@@ -28651,7 +28650,7 @@
                   <a:srgbClr val="000000"/>
                 </a:solidFill>
                 <a:effectLst/>
-                <a:latin typeface="Courier New" panose="02070309020205020404" pitchFamily="49" charset="0"/>
+                <a:latin typeface="Consolas" panose="020B0609020204030204" pitchFamily="49" charset="0"/>
                 <a:cs typeface="Courier New" panose="02070309020205020404" pitchFamily="49" charset="0"/>
               </a:rPr>
             </a:br>
@@ -28664,7 +28663,7 @@
                   <a:srgbClr val="000000"/>
                 </a:solidFill>
                 <a:effectLst/>
-                <a:latin typeface="Courier New" panose="02070309020205020404" pitchFamily="49" charset="0"/>
+                <a:latin typeface="Consolas" panose="020B0609020204030204" pitchFamily="49" charset="0"/>
                 <a:cs typeface="Courier New" panose="02070309020205020404" pitchFamily="49" charset="0"/>
               </a:rPr>
               <a:t>        &lt;</a:t>
@@ -28678,7 +28677,7 @@
                   <a:srgbClr val="000080"/>
                 </a:solidFill>
                 <a:effectLst/>
-                <a:latin typeface="Courier New" panose="02070309020205020404" pitchFamily="49" charset="0"/>
+                <a:latin typeface="Consolas" panose="020B0609020204030204" pitchFamily="49" charset="0"/>
                 <a:cs typeface="Courier New" panose="02070309020205020404" pitchFamily="49" charset="0"/>
               </a:rPr>
               <a:t>artifactId</a:t>
@@ -28692,7 +28691,7 @@
                   <a:srgbClr val="000000"/>
                 </a:solidFill>
                 <a:effectLst/>
-                <a:latin typeface="Courier New" panose="02070309020205020404" pitchFamily="49" charset="0"/>
+                <a:latin typeface="Consolas" panose="020B0609020204030204" pitchFamily="49" charset="0"/>
                 <a:cs typeface="Courier New" panose="02070309020205020404" pitchFamily="49" charset="0"/>
               </a:rPr>
               <a:t>&gt;checker&lt;/</a:t>
@@ -28706,7 +28705,7 @@
                   <a:srgbClr val="000080"/>
                 </a:solidFill>
                 <a:effectLst/>
-                <a:latin typeface="Courier New" panose="02070309020205020404" pitchFamily="49" charset="0"/>
+                <a:latin typeface="Consolas" panose="020B0609020204030204" pitchFamily="49" charset="0"/>
                 <a:cs typeface="Courier New" panose="02070309020205020404" pitchFamily="49" charset="0"/>
               </a:rPr>
               <a:t>artifactId</a:t>
@@ -28720,7 +28719,7 @@
                   <a:srgbClr val="000000"/>
                 </a:solidFill>
                 <a:effectLst/>
-                <a:latin typeface="Courier New" panose="02070309020205020404" pitchFamily="49" charset="0"/>
+                <a:latin typeface="Consolas" panose="020B0609020204030204" pitchFamily="49" charset="0"/>
                 <a:cs typeface="Courier New" panose="02070309020205020404" pitchFamily="49" charset="0"/>
               </a:rPr>
               <a:t>&gt;</a:t>
@@ -28734,7 +28733,7 @@
                   <a:srgbClr val="000000"/>
                 </a:solidFill>
                 <a:effectLst/>
-                <a:latin typeface="Courier New" panose="02070309020205020404" pitchFamily="49" charset="0"/>
+                <a:latin typeface="Consolas" panose="020B0609020204030204" pitchFamily="49" charset="0"/>
                 <a:cs typeface="Courier New" panose="02070309020205020404" pitchFamily="49" charset="0"/>
               </a:rPr>
             </a:br>
@@ -28747,7 +28746,7 @@
                   <a:srgbClr val="000000"/>
                 </a:solidFill>
                 <a:effectLst/>
-                <a:latin typeface="Courier New" panose="02070309020205020404" pitchFamily="49" charset="0"/>
+                <a:latin typeface="Consolas" panose="020B0609020204030204" pitchFamily="49" charset="0"/>
                 <a:cs typeface="Courier New" panose="02070309020205020404" pitchFamily="49" charset="0"/>
               </a:rPr>
               <a:t>        &lt;</a:t>
@@ -28761,7 +28760,7 @@
                   <a:srgbClr val="000080"/>
                 </a:solidFill>
                 <a:effectLst/>
-                <a:latin typeface="Courier New" panose="02070309020205020404" pitchFamily="49" charset="0"/>
+                <a:latin typeface="Consolas" panose="020B0609020204030204" pitchFamily="49" charset="0"/>
                 <a:cs typeface="Courier New" panose="02070309020205020404" pitchFamily="49" charset="0"/>
               </a:rPr>
               <a:t>version</a:t>
@@ -28775,7 +28774,7 @@
                   <a:srgbClr val="000000"/>
                 </a:solidFill>
                 <a:effectLst/>
-                <a:latin typeface="Courier New" panose="02070309020205020404" pitchFamily="49" charset="0"/>
+                <a:latin typeface="Consolas" panose="020B0609020204030204" pitchFamily="49" charset="0"/>
                 <a:cs typeface="Courier New" panose="02070309020205020404" pitchFamily="49" charset="0"/>
               </a:rPr>
               <a:t>&gt;2.11.1&lt;/</a:t>
@@ -28789,7 +28788,7 @@
                   <a:srgbClr val="000080"/>
                 </a:solidFill>
                 <a:effectLst/>
-                <a:latin typeface="Courier New" panose="02070309020205020404" pitchFamily="49" charset="0"/>
+                <a:latin typeface="Consolas" panose="020B0609020204030204" pitchFamily="49" charset="0"/>
                 <a:cs typeface="Courier New" panose="02070309020205020404" pitchFamily="49" charset="0"/>
               </a:rPr>
               <a:t>version</a:t>
@@ -28803,7 +28802,7 @@
                   <a:srgbClr val="000000"/>
                 </a:solidFill>
                 <a:effectLst/>
-                <a:latin typeface="Courier New" panose="02070309020205020404" pitchFamily="49" charset="0"/>
+                <a:latin typeface="Consolas" panose="020B0609020204030204" pitchFamily="49" charset="0"/>
                 <a:cs typeface="Courier New" panose="02070309020205020404" pitchFamily="49" charset="0"/>
               </a:rPr>
               <a:t>&gt;</a:t>
@@ -28817,7 +28816,7 @@
                   <a:srgbClr val="000000"/>
                 </a:solidFill>
                 <a:effectLst/>
-                <a:latin typeface="Courier New" panose="02070309020205020404" pitchFamily="49" charset="0"/>
+                <a:latin typeface="Consolas" panose="020B0609020204030204" pitchFamily="49" charset="0"/>
                 <a:cs typeface="Courier New" panose="02070309020205020404" pitchFamily="49" charset="0"/>
               </a:rPr>
             </a:br>
@@ -28830,7 +28829,7 @@
                   <a:srgbClr val="000000"/>
                 </a:solidFill>
                 <a:effectLst/>
-                <a:latin typeface="Courier New" panose="02070309020205020404" pitchFamily="49" charset="0"/>
+                <a:latin typeface="Consolas" panose="020B0609020204030204" pitchFamily="49" charset="0"/>
                 <a:cs typeface="Courier New" panose="02070309020205020404" pitchFamily="49" charset="0"/>
               </a:rPr>
               <a:t>    &lt;/</a:t>
@@ -28844,7 +28843,7 @@
                   <a:srgbClr val="000080"/>
                 </a:solidFill>
                 <a:effectLst/>
-                <a:latin typeface="Courier New" panose="02070309020205020404" pitchFamily="49" charset="0"/>
+                <a:latin typeface="Consolas" panose="020B0609020204030204" pitchFamily="49" charset="0"/>
                 <a:cs typeface="Courier New" panose="02070309020205020404" pitchFamily="49" charset="0"/>
               </a:rPr>
               <a:t>dependency</a:t>
@@ -28858,7 +28857,7 @@
                   <a:srgbClr val="000000"/>
                 </a:solidFill>
                 <a:effectLst/>
-                <a:latin typeface="Courier New" panose="02070309020205020404" pitchFamily="49" charset="0"/>
+                <a:latin typeface="Consolas" panose="020B0609020204030204" pitchFamily="49" charset="0"/>
                 <a:cs typeface="Courier New" panose="02070309020205020404" pitchFamily="49" charset="0"/>
               </a:rPr>
               <a:t>&gt;</a:t>
@@ -28872,7 +28871,7 @@
                   <a:srgbClr val="000000"/>
                 </a:solidFill>
                 <a:effectLst/>
-                <a:latin typeface="Courier New" panose="02070309020205020404" pitchFamily="49" charset="0"/>
+                <a:latin typeface="Consolas" panose="020B0609020204030204" pitchFamily="49" charset="0"/>
                 <a:cs typeface="Courier New" panose="02070309020205020404" pitchFamily="49" charset="0"/>
               </a:rPr>
             </a:br>
@@ -28885,7 +28884,7 @@
                   <a:srgbClr val="000000"/>
                 </a:solidFill>
                 <a:effectLst/>
-                <a:latin typeface="Courier New" panose="02070309020205020404" pitchFamily="49" charset="0"/>
+                <a:latin typeface="Consolas" panose="020B0609020204030204" pitchFamily="49" charset="0"/>
                 <a:cs typeface="Courier New" panose="02070309020205020404" pitchFamily="49" charset="0"/>
               </a:rPr>
               <a:t>&lt;/</a:t>
@@ -28899,7 +28898,7 @@
                   <a:srgbClr val="000080"/>
                 </a:solidFill>
                 <a:effectLst/>
-                <a:latin typeface="Courier New" panose="02070309020205020404" pitchFamily="49" charset="0"/>
+                <a:latin typeface="Consolas" panose="020B0609020204030204" pitchFamily="49" charset="0"/>
                 <a:cs typeface="Courier New" panose="02070309020205020404" pitchFamily="49" charset="0"/>
               </a:rPr>
               <a:t>dependencies</a:t>
@@ -28913,7 +28912,7 @@
                   <a:srgbClr val="000000"/>
                 </a:solidFill>
                 <a:effectLst/>
-                <a:latin typeface="Courier New" panose="02070309020205020404" pitchFamily="49" charset="0"/>
+                <a:latin typeface="Consolas" panose="020B0609020204030204" pitchFamily="49" charset="0"/>
                 <a:cs typeface="Courier New" panose="02070309020205020404" pitchFamily="49" charset="0"/>
               </a:rPr>
               <a:t>&gt;</a:t>
@@ -28926,7 +28925,7 @@
                 <a:schemeClr val="tx1"/>
               </a:solidFill>
               <a:effectLst/>
-              <a:latin typeface="Arial" panose="020B0604020202020204" pitchFamily="34" charset="0"/>
+              <a:latin typeface="Consolas" panose="020B0609020204030204" pitchFamily="49" charset="0"/>
             </a:endParaRPr>
           </a:p>
         </p:txBody>
@@ -29008,7 +29007,7 @@
         <p:spPr bwMode="auto">
           <a:xfrm>
             <a:off x="1115062" y="2016000"/>
-            <a:ext cx="10225876" cy="4154984"/>
+            <a:ext cx="9360255" cy="4154984"/>
           </a:xfrm>
           <a:prstGeom prst="rect">
             <a:avLst/>
@@ -29076,7 +29075,7 @@
                   <a:srgbClr val="000000"/>
                 </a:solidFill>
                 <a:effectLst/>
-                <a:latin typeface="Courier New" panose="02070309020205020404" pitchFamily="49" charset="0"/>
+                <a:latin typeface="Consolas" panose="020B0609020204030204" pitchFamily="49" charset="0"/>
                 <a:cs typeface="Courier New" panose="02070309020205020404" pitchFamily="49" charset="0"/>
               </a:rPr>
               <a:t>&lt;</a:t>
@@ -29090,7 +29089,7 @@
                   <a:srgbClr val="000080"/>
                 </a:solidFill>
                 <a:effectLst/>
-                <a:latin typeface="Courier New" panose="02070309020205020404" pitchFamily="49" charset="0"/>
+                <a:latin typeface="Consolas" panose="020B0609020204030204" pitchFamily="49" charset="0"/>
                 <a:cs typeface="Courier New" panose="02070309020205020404" pitchFamily="49" charset="0"/>
               </a:rPr>
               <a:t>plugin</a:t>
@@ -29104,7 +29103,7 @@
                   <a:srgbClr val="000000"/>
                 </a:solidFill>
                 <a:effectLst/>
-                <a:latin typeface="Courier New" panose="02070309020205020404" pitchFamily="49" charset="0"/>
+                <a:latin typeface="Consolas" panose="020B0609020204030204" pitchFamily="49" charset="0"/>
                 <a:cs typeface="Courier New" panose="02070309020205020404" pitchFamily="49" charset="0"/>
               </a:rPr>
               <a:t>&gt;</a:t>
@@ -29118,7 +29117,7 @@
                   <a:srgbClr val="000000"/>
                 </a:solidFill>
                 <a:effectLst/>
-                <a:latin typeface="Courier New" panose="02070309020205020404" pitchFamily="49" charset="0"/>
+                <a:latin typeface="Consolas" panose="020B0609020204030204" pitchFamily="49" charset="0"/>
                 <a:cs typeface="Courier New" panose="02070309020205020404" pitchFamily="49" charset="0"/>
               </a:rPr>
             </a:br>
@@ -29131,7 +29130,7 @@
                   <a:srgbClr val="000000"/>
                 </a:solidFill>
                 <a:effectLst/>
-                <a:latin typeface="Courier New" panose="02070309020205020404" pitchFamily="49" charset="0"/>
+                <a:latin typeface="Consolas" panose="020B0609020204030204" pitchFamily="49" charset="0"/>
                 <a:cs typeface="Courier New" panose="02070309020205020404" pitchFamily="49" charset="0"/>
               </a:rPr>
               <a:t>    &lt;</a:t>
@@ -29145,7 +29144,7 @@
                   <a:srgbClr val="000080"/>
                 </a:solidFill>
                 <a:effectLst/>
-                <a:latin typeface="Courier New" panose="02070309020205020404" pitchFamily="49" charset="0"/>
+                <a:latin typeface="Consolas" panose="020B0609020204030204" pitchFamily="49" charset="0"/>
                 <a:cs typeface="Courier New" panose="02070309020205020404" pitchFamily="49" charset="0"/>
               </a:rPr>
               <a:t>artifactId</a:t>
@@ -29159,7 +29158,7 @@
                   <a:srgbClr val="000000"/>
                 </a:solidFill>
                 <a:effectLst/>
-                <a:latin typeface="Courier New" panose="02070309020205020404" pitchFamily="49" charset="0"/>
+                <a:latin typeface="Consolas" panose="020B0609020204030204" pitchFamily="49" charset="0"/>
                 <a:cs typeface="Courier New" panose="02070309020205020404" pitchFamily="49" charset="0"/>
               </a:rPr>
               <a:t>&gt;maven-compiler-plugin&lt;/</a:t>
@@ -29173,7 +29172,7 @@
                   <a:srgbClr val="000080"/>
                 </a:solidFill>
                 <a:effectLst/>
-                <a:latin typeface="Courier New" panose="02070309020205020404" pitchFamily="49" charset="0"/>
+                <a:latin typeface="Consolas" panose="020B0609020204030204" pitchFamily="49" charset="0"/>
                 <a:cs typeface="Courier New" panose="02070309020205020404" pitchFamily="49" charset="0"/>
               </a:rPr>
               <a:t>artifactId</a:t>
@@ -29187,7 +29186,7 @@
                   <a:srgbClr val="000000"/>
                 </a:solidFill>
                 <a:effectLst/>
-                <a:latin typeface="Courier New" panose="02070309020205020404" pitchFamily="49" charset="0"/>
+                <a:latin typeface="Consolas" panose="020B0609020204030204" pitchFamily="49" charset="0"/>
                 <a:cs typeface="Courier New" panose="02070309020205020404" pitchFamily="49" charset="0"/>
               </a:rPr>
               <a:t>&gt;</a:t>
@@ -29201,7 +29200,7 @@
                   <a:srgbClr val="000000"/>
                 </a:solidFill>
                 <a:effectLst/>
-                <a:latin typeface="Courier New" panose="02070309020205020404" pitchFamily="49" charset="0"/>
+                <a:latin typeface="Consolas" panose="020B0609020204030204" pitchFamily="49" charset="0"/>
                 <a:cs typeface="Courier New" panose="02070309020205020404" pitchFamily="49" charset="0"/>
               </a:rPr>
             </a:br>
@@ -29214,7 +29213,7 @@
                   <a:srgbClr val="000000"/>
                 </a:solidFill>
                 <a:effectLst/>
-                <a:latin typeface="Courier New" panose="02070309020205020404" pitchFamily="49" charset="0"/>
+                <a:latin typeface="Consolas" panose="020B0609020204030204" pitchFamily="49" charset="0"/>
                 <a:cs typeface="Courier New" panose="02070309020205020404" pitchFamily="49" charset="0"/>
               </a:rPr>
               <a:t>    &lt;</a:t>
@@ -29228,7 +29227,7 @@
                   <a:srgbClr val="000080"/>
                 </a:solidFill>
                 <a:effectLst/>
-                <a:latin typeface="Courier New" panose="02070309020205020404" pitchFamily="49" charset="0"/>
+                <a:latin typeface="Consolas" panose="020B0609020204030204" pitchFamily="49" charset="0"/>
                 <a:cs typeface="Courier New" panose="02070309020205020404" pitchFamily="49" charset="0"/>
               </a:rPr>
               <a:t>version</a:t>
@@ -29242,7 +29241,7 @@
                   <a:srgbClr val="000000"/>
                 </a:solidFill>
                 <a:effectLst/>
-                <a:latin typeface="Courier New" panose="02070309020205020404" pitchFamily="49" charset="0"/>
+                <a:latin typeface="Consolas" panose="020B0609020204030204" pitchFamily="49" charset="0"/>
                 <a:cs typeface="Courier New" panose="02070309020205020404" pitchFamily="49" charset="0"/>
               </a:rPr>
               <a:t>&gt;3.8.1&lt;/</a:t>
@@ -29256,7 +29255,7 @@
                   <a:srgbClr val="000080"/>
                 </a:solidFill>
                 <a:effectLst/>
-                <a:latin typeface="Courier New" panose="02070309020205020404" pitchFamily="49" charset="0"/>
+                <a:latin typeface="Consolas" panose="020B0609020204030204" pitchFamily="49" charset="0"/>
                 <a:cs typeface="Courier New" panose="02070309020205020404" pitchFamily="49" charset="0"/>
               </a:rPr>
               <a:t>version</a:t>
@@ -29270,7 +29269,7 @@
                   <a:srgbClr val="000000"/>
                 </a:solidFill>
                 <a:effectLst/>
-                <a:latin typeface="Courier New" panose="02070309020205020404" pitchFamily="49" charset="0"/>
+                <a:latin typeface="Consolas" panose="020B0609020204030204" pitchFamily="49" charset="0"/>
                 <a:cs typeface="Courier New" panose="02070309020205020404" pitchFamily="49" charset="0"/>
               </a:rPr>
               <a:t>&gt;</a:t>
@@ -29284,7 +29283,7 @@
                   <a:srgbClr val="000000"/>
                 </a:solidFill>
                 <a:effectLst/>
-                <a:latin typeface="Courier New" panose="02070309020205020404" pitchFamily="49" charset="0"/>
+                <a:latin typeface="Consolas" panose="020B0609020204030204" pitchFamily="49" charset="0"/>
                 <a:cs typeface="Courier New" panose="02070309020205020404" pitchFamily="49" charset="0"/>
               </a:rPr>
             </a:br>
@@ -29297,7 +29296,7 @@
                   <a:srgbClr val="000000"/>
                 </a:solidFill>
                 <a:effectLst/>
-                <a:latin typeface="Courier New" panose="02070309020205020404" pitchFamily="49" charset="0"/>
+                <a:latin typeface="Consolas" panose="020B0609020204030204" pitchFamily="49" charset="0"/>
                 <a:cs typeface="Courier New" panose="02070309020205020404" pitchFamily="49" charset="0"/>
               </a:rPr>
               <a:t>    &lt;</a:t>
@@ -29311,7 +29310,7 @@
                   <a:srgbClr val="000080"/>
                 </a:solidFill>
                 <a:effectLst/>
-                <a:latin typeface="Courier New" panose="02070309020205020404" pitchFamily="49" charset="0"/>
+                <a:latin typeface="Consolas" panose="020B0609020204030204" pitchFamily="49" charset="0"/>
                 <a:cs typeface="Courier New" panose="02070309020205020404" pitchFamily="49" charset="0"/>
               </a:rPr>
               <a:t>configuration</a:t>
@@ -29325,7 +29324,7 @@
                   <a:srgbClr val="000000"/>
                 </a:solidFill>
                 <a:effectLst/>
-                <a:latin typeface="Courier New" panose="02070309020205020404" pitchFamily="49" charset="0"/>
+                <a:latin typeface="Consolas" panose="020B0609020204030204" pitchFamily="49" charset="0"/>
                 <a:cs typeface="Courier New" panose="02070309020205020404" pitchFamily="49" charset="0"/>
               </a:rPr>
               <a:t>&gt;</a:t>
@@ -29339,7 +29338,7 @@
                   <a:srgbClr val="000000"/>
                 </a:solidFill>
                 <a:effectLst/>
-                <a:latin typeface="Courier New" panose="02070309020205020404" pitchFamily="49" charset="0"/>
+                <a:latin typeface="Consolas" panose="020B0609020204030204" pitchFamily="49" charset="0"/>
                 <a:cs typeface="Courier New" panose="02070309020205020404" pitchFamily="49" charset="0"/>
               </a:rPr>
             </a:br>
@@ -29352,7 +29351,7 @@
                   <a:srgbClr val="000000"/>
                 </a:solidFill>
                 <a:effectLst/>
-                <a:latin typeface="Courier New" panose="02070309020205020404" pitchFamily="49" charset="0"/>
+                <a:latin typeface="Consolas" panose="020B0609020204030204" pitchFamily="49" charset="0"/>
                 <a:cs typeface="Courier New" panose="02070309020205020404" pitchFamily="49" charset="0"/>
               </a:rPr>
               <a:t>        &lt;</a:t>
@@ -29366,7 +29365,7 @@
                   <a:srgbClr val="000080"/>
                 </a:solidFill>
                 <a:effectLst/>
-                <a:latin typeface="Courier New" panose="02070309020205020404" pitchFamily="49" charset="0"/>
+                <a:latin typeface="Consolas" panose="020B0609020204030204" pitchFamily="49" charset="0"/>
                 <a:cs typeface="Courier New" panose="02070309020205020404" pitchFamily="49" charset="0"/>
               </a:rPr>
               <a:t>annotationProcessorPaths</a:t>
@@ -29380,7 +29379,7 @@
                   <a:srgbClr val="000000"/>
                 </a:solidFill>
                 <a:effectLst/>
-                <a:latin typeface="Courier New" panose="02070309020205020404" pitchFamily="49" charset="0"/>
+                <a:latin typeface="Consolas" panose="020B0609020204030204" pitchFamily="49" charset="0"/>
                 <a:cs typeface="Courier New" panose="02070309020205020404" pitchFamily="49" charset="0"/>
               </a:rPr>
               <a:t>&gt;</a:t>
@@ -29394,7 +29393,7 @@
                   <a:srgbClr val="000000"/>
                 </a:solidFill>
                 <a:effectLst/>
-                <a:latin typeface="Courier New" panose="02070309020205020404" pitchFamily="49" charset="0"/>
+                <a:latin typeface="Consolas" panose="020B0609020204030204" pitchFamily="49" charset="0"/>
                 <a:cs typeface="Courier New" panose="02070309020205020404" pitchFamily="49" charset="0"/>
               </a:rPr>
             </a:br>
@@ -29407,7 +29406,7 @@
                   <a:srgbClr val="000000"/>
                 </a:solidFill>
                 <a:effectLst/>
-                <a:latin typeface="Courier New" panose="02070309020205020404" pitchFamily="49" charset="0"/>
+                <a:latin typeface="Consolas" panose="020B0609020204030204" pitchFamily="49" charset="0"/>
                 <a:cs typeface="Courier New" panose="02070309020205020404" pitchFamily="49" charset="0"/>
               </a:rPr>
               <a:t>            &lt;</a:t>
@@ -29421,7 +29420,7 @@
                   <a:srgbClr val="000080"/>
                 </a:solidFill>
                 <a:effectLst/>
-                <a:latin typeface="Courier New" panose="02070309020205020404" pitchFamily="49" charset="0"/>
+                <a:latin typeface="Consolas" panose="020B0609020204030204" pitchFamily="49" charset="0"/>
                 <a:cs typeface="Courier New" panose="02070309020205020404" pitchFamily="49" charset="0"/>
               </a:rPr>
               <a:t>path</a:t>
@@ -29435,7 +29434,7 @@
                   <a:srgbClr val="000000"/>
                 </a:solidFill>
                 <a:effectLst/>
-                <a:latin typeface="Courier New" panose="02070309020205020404" pitchFamily="49" charset="0"/>
+                <a:latin typeface="Consolas" panose="020B0609020204030204" pitchFamily="49" charset="0"/>
                 <a:cs typeface="Courier New" panose="02070309020205020404" pitchFamily="49" charset="0"/>
               </a:rPr>
               <a:t>&gt;</a:t>
@@ -29449,7 +29448,7 @@
                   <a:srgbClr val="000000"/>
                 </a:solidFill>
                 <a:effectLst/>
-                <a:latin typeface="Courier New" panose="02070309020205020404" pitchFamily="49" charset="0"/>
+                <a:latin typeface="Consolas" panose="020B0609020204030204" pitchFamily="49" charset="0"/>
                 <a:cs typeface="Courier New" panose="02070309020205020404" pitchFamily="49" charset="0"/>
               </a:rPr>
             </a:br>
@@ -29462,7 +29461,7 @@
                   <a:srgbClr val="000000"/>
                 </a:solidFill>
                 <a:effectLst/>
-                <a:latin typeface="Courier New" panose="02070309020205020404" pitchFamily="49" charset="0"/>
+                <a:latin typeface="Consolas" panose="020B0609020204030204" pitchFamily="49" charset="0"/>
                 <a:cs typeface="Courier New" panose="02070309020205020404" pitchFamily="49" charset="0"/>
               </a:rPr>
               <a:t>                &lt;</a:t>
@@ -29476,7 +29475,7 @@
                   <a:srgbClr val="000080"/>
                 </a:solidFill>
                 <a:effectLst/>
-                <a:latin typeface="Courier New" panose="02070309020205020404" pitchFamily="49" charset="0"/>
+                <a:latin typeface="Consolas" panose="020B0609020204030204" pitchFamily="49" charset="0"/>
                 <a:cs typeface="Courier New" panose="02070309020205020404" pitchFamily="49" charset="0"/>
               </a:rPr>
               <a:t>groupId</a:t>
@@ -29490,7 +29489,7 @@
                   <a:srgbClr val="000000"/>
                 </a:solidFill>
                 <a:effectLst/>
-                <a:latin typeface="Courier New" panose="02070309020205020404" pitchFamily="49" charset="0"/>
+                <a:latin typeface="Consolas" panose="020B0609020204030204" pitchFamily="49" charset="0"/>
                 <a:cs typeface="Courier New" panose="02070309020205020404" pitchFamily="49" charset="0"/>
               </a:rPr>
               <a:t>&gt;</a:t>
@@ -29504,7 +29503,7 @@
                   <a:srgbClr val="000000"/>
                 </a:solidFill>
                 <a:effectLst/>
-                <a:latin typeface="Courier New" panose="02070309020205020404" pitchFamily="49" charset="0"/>
+                <a:latin typeface="Consolas" panose="020B0609020204030204" pitchFamily="49" charset="0"/>
                 <a:cs typeface="Courier New" panose="02070309020205020404" pitchFamily="49" charset="0"/>
               </a:rPr>
               <a:t>org.checkerframework</a:t>
@@ -29518,7 +29517,7 @@
                   <a:srgbClr val="000000"/>
                 </a:solidFill>
                 <a:effectLst/>
-                <a:latin typeface="Courier New" panose="02070309020205020404" pitchFamily="49" charset="0"/>
+                <a:latin typeface="Consolas" panose="020B0609020204030204" pitchFamily="49" charset="0"/>
                 <a:cs typeface="Courier New" panose="02070309020205020404" pitchFamily="49" charset="0"/>
               </a:rPr>
               <a:t>&lt;/</a:t>
@@ -29532,7 +29531,7 @@
                   <a:srgbClr val="000080"/>
                 </a:solidFill>
                 <a:effectLst/>
-                <a:latin typeface="Courier New" panose="02070309020205020404" pitchFamily="49" charset="0"/>
+                <a:latin typeface="Consolas" panose="020B0609020204030204" pitchFamily="49" charset="0"/>
                 <a:cs typeface="Courier New" panose="02070309020205020404" pitchFamily="49" charset="0"/>
               </a:rPr>
               <a:t>groupId</a:t>
@@ -29546,7 +29545,7 @@
                   <a:srgbClr val="000000"/>
                 </a:solidFill>
                 <a:effectLst/>
-                <a:latin typeface="Courier New" panose="02070309020205020404" pitchFamily="49" charset="0"/>
+                <a:latin typeface="Consolas" panose="020B0609020204030204" pitchFamily="49" charset="0"/>
                 <a:cs typeface="Courier New" panose="02070309020205020404" pitchFamily="49" charset="0"/>
               </a:rPr>
               <a:t>&gt;</a:t>
@@ -29560,7 +29559,7 @@
                   <a:srgbClr val="000000"/>
                 </a:solidFill>
                 <a:effectLst/>
-                <a:latin typeface="Courier New" panose="02070309020205020404" pitchFamily="49" charset="0"/>
+                <a:latin typeface="Consolas" panose="020B0609020204030204" pitchFamily="49" charset="0"/>
                 <a:cs typeface="Courier New" panose="02070309020205020404" pitchFamily="49" charset="0"/>
               </a:rPr>
             </a:br>
@@ -29573,7 +29572,7 @@
                   <a:srgbClr val="000000"/>
                 </a:solidFill>
                 <a:effectLst/>
-                <a:latin typeface="Courier New" panose="02070309020205020404" pitchFamily="49" charset="0"/>
+                <a:latin typeface="Consolas" panose="020B0609020204030204" pitchFamily="49" charset="0"/>
                 <a:cs typeface="Courier New" panose="02070309020205020404" pitchFamily="49" charset="0"/>
               </a:rPr>
               <a:t>                &lt;</a:t>
@@ -29587,7 +29586,7 @@
                   <a:srgbClr val="000080"/>
                 </a:solidFill>
                 <a:effectLst/>
-                <a:latin typeface="Courier New" panose="02070309020205020404" pitchFamily="49" charset="0"/>
+                <a:latin typeface="Consolas" panose="020B0609020204030204" pitchFamily="49" charset="0"/>
                 <a:cs typeface="Courier New" panose="02070309020205020404" pitchFamily="49" charset="0"/>
               </a:rPr>
               <a:t>artifactId</a:t>
@@ -29601,7 +29600,7 @@
                   <a:srgbClr val="000000"/>
                 </a:solidFill>
                 <a:effectLst/>
-                <a:latin typeface="Courier New" panose="02070309020205020404" pitchFamily="49" charset="0"/>
+                <a:latin typeface="Consolas" panose="020B0609020204030204" pitchFamily="49" charset="0"/>
                 <a:cs typeface="Courier New" panose="02070309020205020404" pitchFamily="49" charset="0"/>
               </a:rPr>
               <a:t>&gt;checker&lt;/</a:t>
@@ -29615,7 +29614,7 @@
                   <a:srgbClr val="000080"/>
                 </a:solidFill>
                 <a:effectLst/>
-                <a:latin typeface="Courier New" panose="02070309020205020404" pitchFamily="49" charset="0"/>
+                <a:latin typeface="Consolas" panose="020B0609020204030204" pitchFamily="49" charset="0"/>
                 <a:cs typeface="Courier New" panose="02070309020205020404" pitchFamily="49" charset="0"/>
               </a:rPr>
               <a:t>artifactId</a:t>
@@ -29629,7 +29628,7 @@
                   <a:srgbClr val="000000"/>
                 </a:solidFill>
                 <a:effectLst/>
-                <a:latin typeface="Courier New" panose="02070309020205020404" pitchFamily="49" charset="0"/>
+                <a:latin typeface="Consolas" panose="020B0609020204030204" pitchFamily="49" charset="0"/>
                 <a:cs typeface="Courier New" panose="02070309020205020404" pitchFamily="49" charset="0"/>
               </a:rPr>
               <a:t>&gt;</a:t>
@@ -29643,7 +29642,7 @@
                   <a:srgbClr val="000000"/>
                 </a:solidFill>
                 <a:effectLst/>
-                <a:latin typeface="Courier New" panose="02070309020205020404" pitchFamily="49" charset="0"/>
+                <a:latin typeface="Consolas" panose="020B0609020204030204" pitchFamily="49" charset="0"/>
                 <a:cs typeface="Courier New" panose="02070309020205020404" pitchFamily="49" charset="0"/>
               </a:rPr>
             </a:br>
@@ -29656,7 +29655,7 @@
                   <a:srgbClr val="000000"/>
                 </a:solidFill>
                 <a:effectLst/>
-                <a:latin typeface="Courier New" panose="02070309020205020404" pitchFamily="49" charset="0"/>
+                <a:latin typeface="Consolas" panose="020B0609020204030204" pitchFamily="49" charset="0"/>
                 <a:cs typeface="Courier New" panose="02070309020205020404" pitchFamily="49" charset="0"/>
               </a:rPr>
               <a:t>                &lt;</a:t>
@@ -29670,7 +29669,7 @@
                   <a:srgbClr val="000080"/>
                 </a:solidFill>
                 <a:effectLst/>
-                <a:latin typeface="Courier New" panose="02070309020205020404" pitchFamily="49" charset="0"/>
+                <a:latin typeface="Consolas" panose="020B0609020204030204" pitchFamily="49" charset="0"/>
                 <a:cs typeface="Courier New" panose="02070309020205020404" pitchFamily="49" charset="0"/>
               </a:rPr>
               <a:t>version</a:t>
@@ -29684,7 +29683,7 @@
                   <a:srgbClr val="000000"/>
                 </a:solidFill>
                 <a:effectLst/>
-                <a:latin typeface="Courier New" panose="02070309020205020404" pitchFamily="49" charset="0"/>
+                <a:latin typeface="Consolas" panose="020B0609020204030204" pitchFamily="49" charset="0"/>
                 <a:cs typeface="Courier New" panose="02070309020205020404" pitchFamily="49" charset="0"/>
               </a:rPr>
               <a:t>&gt;2.11.1&lt;/</a:t>
@@ -29698,7 +29697,7 @@
                   <a:srgbClr val="000080"/>
                 </a:solidFill>
                 <a:effectLst/>
-                <a:latin typeface="Courier New" panose="02070309020205020404" pitchFamily="49" charset="0"/>
+                <a:latin typeface="Consolas" panose="020B0609020204030204" pitchFamily="49" charset="0"/>
                 <a:cs typeface="Courier New" panose="02070309020205020404" pitchFamily="49" charset="0"/>
               </a:rPr>
               <a:t>version</a:t>
@@ -29712,7 +29711,7 @@
                   <a:srgbClr val="000000"/>
                 </a:solidFill>
                 <a:effectLst/>
-                <a:latin typeface="Courier New" panose="02070309020205020404" pitchFamily="49" charset="0"/>
+                <a:latin typeface="Consolas" panose="020B0609020204030204" pitchFamily="49" charset="0"/>
                 <a:cs typeface="Courier New" panose="02070309020205020404" pitchFamily="49" charset="0"/>
               </a:rPr>
               <a:t>&gt;</a:t>
@@ -29726,7 +29725,7 @@
                   <a:srgbClr val="000000"/>
                 </a:solidFill>
                 <a:effectLst/>
-                <a:latin typeface="Courier New" panose="02070309020205020404" pitchFamily="49" charset="0"/>
+                <a:latin typeface="Consolas" panose="020B0609020204030204" pitchFamily="49" charset="0"/>
                 <a:cs typeface="Courier New" panose="02070309020205020404" pitchFamily="49" charset="0"/>
               </a:rPr>
             </a:br>
@@ -29739,7 +29738,7 @@
                   <a:srgbClr val="000000"/>
                 </a:solidFill>
                 <a:effectLst/>
-                <a:latin typeface="Courier New" panose="02070309020205020404" pitchFamily="49" charset="0"/>
+                <a:latin typeface="Consolas" panose="020B0609020204030204" pitchFamily="49" charset="0"/>
                 <a:cs typeface="Courier New" panose="02070309020205020404" pitchFamily="49" charset="0"/>
               </a:rPr>
               <a:t>            &lt;/</a:t>
@@ -29753,7 +29752,7 @@
                   <a:srgbClr val="000080"/>
                 </a:solidFill>
                 <a:effectLst/>
-                <a:latin typeface="Courier New" panose="02070309020205020404" pitchFamily="49" charset="0"/>
+                <a:latin typeface="Consolas" panose="020B0609020204030204" pitchFamily="49" charset="0"/>
                 <a:cs typeface="Courier New" panose="02070309020205020404" pitchFamily="49" charset="0"/>
               </a:rPr>
               <a:t>path</a:t>
@@ -29767,7 +29766,7 @@
                   <a:srgbClr val="000000"/>
                 </a:solidFill>
                 <a:effectLst/>
-                <a:latin typeface="Courier New" panose="02070309020205020404" pitchFamily="49" charset="0"/>
+                <a:latin typeface="Consolas" panose="020B0609020204030204" pitchFamily="49" charset="0"/>
                 <a:cs typeface="Courier New" panose="02070309020205020404" pitchFamily="49" charset="0"/>
               </a:rPr>
               <a:t>&gt;</a:t>
@@ -29781,7 +29780,7 @@
                   <a:srgbClr val="000000"/>
                 </a:solidFill>
                 <a:effectLst/>
-                <a:latin typeface="Courier New" panose="02070309020205020404" pitchFamily="49" charset="0"/>
+                <a:latin typeface="Consolas" panose="020B0609020204030204" pitchFamily="49" charset="0"/>
                 <a:cs typeface="Courier New" panose="02070309020205020404" pitchFamily="49" charset="0"/>
               </a:rPr>
             </a:br>
@@ -29794,7 +29793,7 @@
                   <a:srgbClr val="000000"/>
                 </a:solidFill>
                 <a:effectLst/>
-                <a:latin typeface="Courier New" panose="02070309020205020404" pitchFamily="49" charset="0"/>
+                <a:latin typeface="Consolas" panose="020B0609020204030204" pitchFamily="49" charset="0"/>
                 <a:cs typeface="Courier New" panose="02070309020205020404" pitchFamily="49" charset="0"/>
               </a:rPr>
               <a:t>            &lt;</a:t>
@@ -29808,7 +29807,7 @@
                   <a:srgbClr val="000080"/>
                 </a:solidFill>
                 <a:effectLst/>
-                <a:latin typeface="Courier New" panose="02070309020205020404" pitchFamily="49" charset="0"/>
+                <a:latin typeface="Consolas" panose="020B0609020204030204" pitchFamily="49" charset="0"/>
                 <a:cs typeface="Courier New" panose="02070309020205020404" pitchFamily="49" charset="0"/>
               </a:rPr>
               <a:t>path</a:t>
@@ -29822,7 +29821,7 @@
                   <a:srgbClr val="000000"/>
                 </a:solidFill>
                 <a:effectLst/>
-                <a:latin typeface="Courier New" panose="02070309020205020404" pitchFamily="49" charset="0"/>
+                <a:latin typeface="Consolas" panose="020B0609020204030204" pitchFamily="49" charset="0"/>
                 <a:cs typeface="Courier New" panose="02070309020205020404" pitchFamily="49" charset="0"/>
               </a:rPr>
               <a:t>&gt;</a:t>
@@ -29836,7 +29835,7 @@
                   <a:srgbClr val="000000"/>
                 </a:solidFill>
                 <a:effectLst/>
-                <a:latin typeface="Courier New" panose="02070309020205020404" pitchFamily="49" charset="0"/>
+                <a:latin typeface="Consolas" panose="020B0609020204030204" pitchFamily="49" charset="0"/>
                 <a:cs typeface="Courier New" panose="02070309020205020404" pitchFamily="49" charset="0"/>
               </a:rPr>
             </a:br>
@@ -29849,7 +29848,7 @@
                   <a:srgbClr val="000000"/>
                 </a:solidFill>
                 <a:effectLst/>
-                <a:latin typeface="Courier New" panose="02070309020205020404" pitchFamily="49" charset="0"/>
+                <a:latin typeface="Consolas" panose="020B0609020204030204" pitchFamily="49" charset="0"/>
                 <a:cs typeface="Courier New" panose="02070309020205020404" pitchFamily="49" charset="0"/>
               </a:rPr>
               <a:t>                &lt;</a:t>
@@ -29863,7 +29862,7 @@
                   <a:srgbClr val="000080"/>
                 </a:solidFill>
                 <a:effectLst/>
-                <a:latin typeface="Courier New" panose="02070309020205020404" pitchFamily="49" charset="0"/>
+                <a:latin typeface="Consolas" panose="020B0609020204030204" pitchFamily="49" charset="0"/>
                 <a:cs typeface="Courier New" panose="02070309020205020404" pitchFamily="49" charset="0"/>
               </a:rPr>
               <a:t>groupId</a:t>
@@ -29877,7 +29876,7 @@
                   <a:srgbClr val="000000"/>
                 </a:solidFill>
                 <a:effectLst/>
-                <a:latin typeface="Courier New" panose="02070309020205020404" pitchFamily="49" charset="0"/>
+                <a:latin typeface="Consolas" panose="020B0609020204030204" pitchFamily="49" charset="0"/>
                 <a:cs typeface="Courier New" panose="02070309020205020404" pitchFamily="49" charset="0"/>
               </a:rPr>
               <a:t>&gt;</a:t>
@@ -29891,7 +29890,7 @@
                   <a:srgbClr val="000000"/>
                 </a:solidFill>
                 <a:effectLst/>
-                <a:latin typeface="Courier New" panose="02070309020205020404" pitchFamily="49" charset="0"/>
+                <a:latin typeface="Consolas" panose="020B0609020204030204" pitchFamily="49" charset="0"/>
                 <a:cs typeface="Courier New" panose="02070309020205020404" pitchFamily="49" charset="0"/>
               </a:rPr>
               <a:t>com.infosupport</a:t>
@@ -29905,7 +29904,7 @@
                   <a:srgbClr val="000000"/>
                 </a:solidFill>
                 <a:effectLst/>
-                <a:latin typeface="Courier New" panose="02070309020205020404" pitchFamily="49" charset="0"/>
+                <a:latin typeface="Consolas" panose="020B0609020204030204" pitchFamily="49" charset="0"/>
                 <a:cs typeface="Courier New" panose="02070309020205020404" pitchFamily="49" charset="0"/>
               </a:rPr>
               <a:t>&lt;/</a:t>
@@ -29919,7 +29918,7 @@
                   <a:srgbClr val="000080"/>
                 </a:solidFill>
                 <a:effectLst/>
-                <a:latin typeface="Courier New" panose="02070309020205020404" pitchFamily="49" charset="0"/>
+                <a:latin typeface="Consolas" panose="020B0609020204030204" pitchFamily="49" charset="0"/>
                 <a:cs typeface="Courier New" panose="02070309020205020404" pitchFamily="49" charset="0"/>
               </a:rPr>
               <a:t>groupId</a:t>
@@ -29933,7 +29932,7 @@
                   <a:srgbClr val="000000"/>
                 </a:solidFill>
                 <a:effectLst/>
-                <a:latin typeface="Courier New" panose="02070309020205020404" pitchFamily="49" charset="0"/>
+                <a:latin typeface="Consolas" panose="020B0609020204030204" pitchFamily="49" charset="0"/>
                 <a:cs typeface="Courier New" panose="02070309020205020404" pitchFamily="49" charset="0"/>
               </a:rPr>
               <a:t>&gt;</a:t>
@@ -29947,7 +29946,7 @@
                   <a:srgbClr val="000000"/>
                 </a:solidFill>
                 <a:effectLst/>
-                <a:latin typeface="Courier New" panose="02070309020205020404" pitchFamily="49" charset="0"/>
+                <a:latin typeface="Consolas" panose="020B0609020204030204" pitchFamily="49" charset="0"/>
                 <a:cs typeface="Courier New" panose="02070309020205020404" pitchFamily="49" charset="0"/>
               </a:rPr>
             </a:br>
@@ -29960,7 +29959,7 @@
                   <a:srgbClr val="000000"/>
                 </a:solidFill>
                 <a:effectLst/>
-                <a:latin typeface="Courier New" panose="02070309020205020404" pitchFamily="49" charset="0"/>
+                <a:latin typeface="Consolas" panose="020B0609020204030204" pitchFamily="49" charset="0"/>
                 <a:cs typeface="Courier New" panose="02070309020205020404" pitchFamily="49" charset="0"/>
               </a:rPr>
               <a:t>                &lt;</a:t>
@@ -29974,7 +29973,7 @@
                   <a:srgbClr val="000080"/>
                 </a:solidFill>
                 <a:effectLst/>
-                <a:latin typeface="Courier New" panose="02070309020205020404" pitchFamily="49" charset="0"/>
+                <a:latin typeface="Consolas" panose="020B0609020204030204" pitchFamily="49" charset="0"/>
                 <a:cs typeface="Courier New" panose="02070309020205020404" pitchFamily="49" charset="0"/>
               </a:rPr>
               <a:t>artifactId</a:t>
@@ -29988,7 +29987,7 @@
                   <a:srgbClr val="000000"/>
                 </a:solidFill>
                 <a:effectLst/>
-                <a:latin typeface="Courier New" panose="02070309020205020404" pitchFamily="49" charset="0"/>
+                <a:latin typeface="Consolas" panose="020B0609020204030204" pitchFamily="49" charset="0"/>
                 <a:cs typeface="Courier New" panose="02070309020205020404" pitchFamily="49" charset="0"/>
               </a:rPr>
               <a:t>&gt;</a:t>
@@ -30002,7 +30001,7 @@
                   <a:srgbClr val="000000"/>
                 </a:solidFill>
                 <a:effectLst/>
-                <a:latin typeface="Courier New" panose="02070309020205020404" pitchFamily="49" charset="0"/>
+                <a:latin typeface="Consolas" panose="020B0609020204030204" pitchFamily="49" charset="0"/>
                 <a:cs typeface="Courier New" panose="02070309020205020404" pitchFamily="49" charset="0"/>
               </a:rPr>
               <a:t>checkerframework</a:t>
@@ -30016,7 +30015,7 @@
                   <a:srgbClr val="000000"/>
                 </a:solidFill>
                 <a:effectLst/>
-                <a:latin typeface="Courier New" panose="02070309020205020404" pitchFamily="49" charset="0"/>
+                <a:latin typeface="Consolas" panose="020B0609020204030204" pitchFamily="49" charset="0"/>
                 <a:cs typeface="Courier New" panose="02070309020205020404" pitchFamily="49" charset="0"/>
               </a:rPr>
               <a:t>&lt;/</a:t>
@@ -30030,7 +30029,7 @@
                   <a:srgbClr val="000080"/>
                 </a:solidFill>
                 <a:effectLst/>
-                <a:latin typeface="Courier New" panose="02070309020205020404" pitchFamily="49" charset="0"/>
+                <a:latin typeface="Consolas" panose="020B0609020204030204" pitchFamily="49" charset="0"/>
                 <a:cs typeface="Courier New" panose="02070309020205020404" pitchFamily="49" charset="0"/>
               </a:rPr>
               <a:t>artifactId</a:t>
@@ -30044,7 +30043,7 @@
                   <a:srgbClr val="000000"/>
                 </a:solidFill>
                 <a:effectLst/>
-                <a:latin typeface="Courier New" panose="02070309020205020404" pitchFamily="49" charset="0"/>
+                <a:latin typeface="Consolas" panose="020B0609020204030204" pitchFamily="49" charset="0"/>
                 <a:cs typeface="Courier New" panose="02070309020205020404" pitchFamily="49" charset="0"/>
               </a:rPr>
               <a:t>&gt;</a:t>
@@ -30058,7 +30057,7 @@
                   <a:srgbClr val="000000"/>
                 </a:solidFill>
                 <a:effectLst/>
-                <a:latin typeface="Courier New" panose="02070309020205020404" pitchFamily="49" charset="0"/>
+                <a:latin typeface="Consolas" panose="020B0609020204030204" pitchFamily="49" charset="0"/>
                 <a:cs typeface="Courier New" panose="02070309020205020404" pitchFamily="49" charset="0"/>
               </a:rPr>
             </a:br>
@@ -30071,7 +30070,7 @@
                   <a:srgbClr val="000000"/>
                 </a:solidFill>
                 <a:effectLst/>
-                <a:latin typeface="Courier New" panose="02070309020205020404" pitchFamily="49" charset="0"/>
+                <a:latin typeface="Consolas" panose="020B0609020204030204" pitchFamily="49" charset="0"/>
                 <a:cs typeface="Courier New" panose="02070309020205020404" pitchFamily="49" charset="0"/>
               </a:rPr>
               <a:t>                &lt;</a:t>
@@ -30085,7 +30084,7 @@
                   <a:srgbClr val="000080"/>
                 </a:solidFill>
                 <a:effectLst/>
-                <a:latin typeface="Courier New" panose="02070309020205020404" pitchFamily="49" charset="0"/>
+                <a:latin typeface="Consolas" panose="020B0609020204030204" pitchFamily="49" charset="0"/>
                 <a:cs typeface="Courier New" panose="02070309020205020404" pitchFamily="49" charset="0"/>
               </a:rPr>
               <a:t>version</a:t>
@@ -30099,7 +30098,7 @@
                   <a:srgbClr val="000000"/>
                 </a:solidFill>
                 <a:effectLst/>
-                <a:latin typeface="Courier New" panose="02070309020205020404" pitchFamily="49" charset="0"/>
+                <a:latin typeface="Consolas" panose="020B0609020204030204" pitchFamily="49" charset="0"/>
                 <a:cs typeface="Courier New" panose="02070309020205020404" pitchFamily="49" charset="0"/>
               </a:rPr>
               <a:t>&gt;1.0-SNAPSHOT&lt;/</a:t>
@@ -30113,7 +30112,7 @@
                   <a:srgbClr val="000080"/>
                 </a:solidFill>
                 <a:effectLst/>
-                <a:latin typeface="Courier New" panose="02070309020205020404" pitchFamily="49" charset="0"/>
+                <a:latin typeface="Consolas" panose="020B0609020204030204" pitchFamily="49" charset="0"/>
                 <a:cs typeface="Courier New" panose="02070309020205020404" pitchFamily="49" charset="0"/>
               </a:rPr>
               <a:t>version</a:t>
@@ -30127,7 +30126,7 @@
                   <a:srgbClr val="000000"/>
                 </a:solidFill>
                 <a:effectLst/>
-                <a:latin typeface="Courier New" panose="02070309020205020404" pitchFamily="49" charset="0"/>
+                <a:latin typeface="Consolas" panose="020B0609020204030204" pitchFamily="49" charset="0"/>
                 <a:cs typeface="Courier New" panose="02070309020205020404" pitchFamily="49" charset="0"/>
               </a:rPr>
               <a:t>&gt;</a:t>
@@ -30141,7 +30140,7 @@
                   <a:srgbClr val="000000"/>
                 </a:solidFill>
                 <a:effectLst/>
-                <a:latin typeface="Courier New" panose="02070309020205020404" pitchFamily="49" charset="0"/>
+                <a:latin typeface="Consolas" panose="020B0609020204030204" pitchFamily="49" charset="0"/>
                 <a:cs typeface="Courier New" panose="02070309020205020404" pitchFamily="49" charset="0"/>
               </a:rPr>
             </a:br>
@@ -30154,7 +30153,7 @@
                   <a:srgbClr val="000000"/>
                 </a:solidFill>
                 <a:effectLst/>
-                <a:latin typeface="Courier New" panose="02070309020205020404" pitchFamily="49" charset="0"/>
+                <a:latin typeface="Consolas" panose="020B0609020204030204" pitchFamily="49" charset="0"/>
                 <a:cs typeface="Courier New" panose="02070309020205020404" pitchFamily="49" charset="0"/>
               </a:rPr>
               <a:t>            &lt;/</a:t>
@@ -30168,7 +30167,7 @@
                   <a:srgbClr val="000080"/>
                 </a:solidFill>
                 <a:effectLst/>
-                <a:latin typeface="Courier New" panose="02070309020205020404" pitchFamily="49" charset="0"/>
+                <a:latin typeface="Consolas" panose="020B0609020204030204" pitchFamily="49" charset="0"/>
                 <a:cs typeface="Courier New" panose="02070309020205020404" pitchFamily="49" charset="0"/>
               </a:rPr>
               <a:t>path</a:t>
@@ -30182,7 +30181,7 @@
                   <a:srgbClr val="000000"/>
                 </a:solidFill>
                 <a:effectLst/>
-                <a:latin typeface="Courier New" panose="02070309020205020404" pitchFamily="49" charset="0"/>
+                <a:latin typeface="Consolas" panose="020B0609020204030204" pitchFamily="49" charset="0"/>
                 <a:cs typeface="Courier New" panose="02070309020205020404" pitchFamily="49" charset="0"/>
               </a:rPr>
               <a:t>&gt;</a:t>
@@ -30196,7 +30195,7 @@
                   <a:srgbClr val="000000"/>
                 </a:solidFill>
                 <a:effectLst/>
-                <a:latin typeface="Courier New" panose="02070309020205020404" pitchFamily="49" charset="0"/>
+                <a:latin typeface="Consolas" panose="020B0609020204030204" pitchFamily="49" charset="0"/>
                 <a:cs typeface="Courier New" panose="02070309020205020404" pitchFamily="49" charset="0"/>
               </a:rPr>
             </a:br>
@@ -30209,7 +30208,7 @@
                   <a:srgbClr val="000000"/>
                 </a:solidFill>
                 <a:effectLst/>
-                <a:latin typeface="Courier New" panose="02070309020205020404" pitchFamily="49" charset="0"/>
+                <a:latin typeface="Consolas" panose="020B0609020204030204" pitchFamily="49" charset="0"/>
                 <a:cs typeface="Courier New" panose="02070309020205020404" pitchFamily="49" charset="0"/>
               </a:rPr>
               <a:t>        &lt;/</a:t>
@@ -30223,7 +30222,7 @@
                   <a:srgbClr val="000080"/>
                 </a:solidFill>
                 <a:effectLst/>
-                <a:latin typeface="Courier New" panose="02070309020205020404" pitchFamily="49" charset="0"/>
+                <a:latin typeface="Consolas" panose="020B0609020204030204" pitchFamily="49" charset="0"/>
                 <a:cs typeface="Courier New" panose="02070309020205020404" pitchFamily="49" charset="0"/>
               </a:rPr>
               <a:t>annotationProcessorPaths</a:t>
@@ -30237,7 +30236,7 @@
                   <a:srgbClr val="000000"/>
                 </a:solidFill>
                 <a:effectLst/>
-                <a:latin typeface="Courier New" panose="02070309020205020404" pitchFamily="49" charset="0"/>
+                <a:latin typeface="Consolas" panose="020B0609020204030204" pitchFamily="49" charset="0"/>
                 <a:cs typeface="Courier New" panose="02070309020205020404" pitchFamily="49" charset="0"/>
               </a:rPr>
               <a:t>&gt;</a:t>
@@ -30251,7 +30250,7 @@
                   <a:srgbClr val="000000"/>
                 </a:solidFill>
                 <a:effectLst/>
-                <a:latin typeface="Courier New" panose="02070309020205020404" pitchFamily="49" charset="0"/>
+                <a:latin typeface="Consolas" panose="020B0609020204030204" pitchFamily="49" charset="0"/>
                 <a:cs typeface="Courier New" panose="02070309020205020404" pitchFamily="49" charset="0"/>
               </a:rPr>
             </a:br>
@@ -30264,7 +30263,7 @@
                   <a:srgbClr val="000000"/>
                 </a:solidFill>
                 <a:effectLst/>
-                <a:latin typeface="Courier New" panose="02070309020205020404" pitchFamily="49" charset="0"/>
+                <a:latin typeface="Consolas" panose="020B0609020204030204" pitchFamily="49" charset="0"/>
                 <a:cs typeface="Courier New" panose="02070309020205020404" pitchFamily="49" charset="0"/>
               </a:rPr>
               <a:t>        &lt;</a:t>
@@ -30278,7 +30277,7 @@
                   <a:srgbClr val="000080"/>
                 </a:solidFill>
                 <a:effectLst/>
-                <a:latin typeface="Courier New" panose="02070309020205020404" pitchFamily="49" charset="0"/>
+                <a:latin typeface="Consolas" panose="020B0609020204030204" pitchFamily="49" charset="0"/>
                 <a:cs typeface="Courier New" panose="02070309020205020404" pitchFamily="49" charset="0"/>
               </a:rPr>
               <a:t>annotationProcessors</a:t>
@@ -30292,7 +30291,7 @@
                   <a:srgbClr val="000000"/>
                 </a:solidFill>
                 <a:effectLst/>
-                <a:latin typeface="Courier New" panose="02070309020205020404" pitchFamily="49" charset="0"/>
+                <a:latin typeface="Consolas" panose="020B0609020204030204" pitchFamily="49" charset="0"/>
                 <a:cs typeface="Courier New" panose="02070309020205020404" pitchFamily="49" charset="0"/>
               </a:rPr>
               <a:t>&gt;</a:t>
@@ -30306,7 +30305,7 @@
                   <a:srgbClr val="808080"/>
                 </a:solidFill>
                 <a:effectLst/>
-                <a:latin typeface="Courier New" panose="02070309020205020404" pitchFamily="49" charset="0"/>
+                <a:latin typeface="Consolas" panose="020B0609020204030204" pitchFamily="49" charset="0"/>
                 <a:cs typeface="Courier New" panose="02070309020205020404" pitchFamily="49" charset="0"/>
               </a:rPr>
               <a:t/>
@@ -30320,7 +30319,7 @@
                   <a:srgbClr val="808080"/>
                 </a:solidFill>
                 <a:effectLst/>
-                <a:latin typeface="Courier New" panose="02070309020205020404" pitchFamily="49" charset="0"/>
+                <a:latin typeface="Consolas" panose="020B0609020204030204" pitchFamily="49" charset="0"/>
                 <a:cs typeface="Courier New" panose="02070309020205020404" pitchFamily="49" charset="0"/>
               </a:rPr>
             </a:br>
@@ -30333,7 +30332,7 @@
                   <a:srgbClr val="808080"/>
                 </a:solidFill>
                 <a:effectLst/>
-                <a:latin typeface="Courier New" panose="02070309020205020404" pitchFamily="49" charset="0"/>
+                <a:latin typeface="Consolas" panose="020B0609020204030204" pitchFamily="49" charset="0"/>
                 <a:cs typeface="Courier New" panose="02070309020205020404" pitchFamily="49" charset="0"/>
               </a:rPr>
               <a:t>            </a:t>
@@ -30347,7 +30346,7 @@
                   <a:srgbClr val="000000"/>
                 </a:solidFill>
                 <a:effectLst/>
-                <a:latin typeface="Courier New" panose="02070309020205020404" pitchFamily="49" charset="0"/>
+                <a:latin typeface="Consolas" panose="020B0609020204030204" pitchFamily="49" charset="0"/>
                 <a:cs typeface="Courier New" panose="02070309020205020404" pitchFamily="49" charset="0"/>
               </a:rPr>
               <a:t>&lt;</a:t>
@@ -30361,7 +30360,7 @@
                   <a:srgbClr val="000080"/>
                 </a:solidFill>
                 <a:effectLst/>
-                <a:latin typeface="Courier New" panose="02070309020205020404" pitchFamily="49" charset="0"/>
+                <a:latin typeface="Consolas" panose="020B0609020204030204" pitchFamily="49" charset="0"/>
                 <a:cs typeface="Courier New" panose="02070309020205020404" pitchFamily="49" charset="0"/>
               </a:rPr>
               <a:t>annotationProcessor</a:t>
@@ -30375,7 +30374,7 @@
                   <a:srgbClr val="000000"/>
                 </a:solidFill>
                 <a:effectLst/>
-                <a:latin typeface="Courier New" panose="02070309020205020404" pitchFamily="49" charset="0"/>
+                <a:latin typeface="Consolas" panose="020B0609020204030204" pitchFamily="49" charset="0"/>
                 <a:cs typeface="Courier New" panose="02070309020205020404" pitchFamily="49" charset="0"/>
               </a:rPr>
               <a:t>&gt;</a:t>
@@ -30389,7 +30388,7 @@
                   <a:srgbClr val="000000"/>
                 </a:solidFill>
                 <a:effectLst/>
-                <a:latin typeface="Courier New" panose="02070309020205020404" pitchFamily="49" charset="0"/>
+                <a:latin typeface="Consolas" panose="020B0609020204030204" pitchFamily="49" charset="0"/>
                 <a:cs typeface="Courier New" panose="02070309020205020404" pitchFamily="49" charset="0"/>
               </a:rPr>
               <a:t>org.checkerframework.checker.nullness.NullnessChecker</a:t>
@@ -30403,7 +30402,7 @@
                   <a:srgbClr val="000000"/>
                 </a:solidFill>
                 <a:effectLst/>
-                <a:latin typeface="Courier New" panose="02070309020205020404" pitchFamily="49" charset="0"/>
+                <a:latin typeface="Consolas" panose="020B0609020204030204" pitchFamily="49" charset="0"/>
                 <a:cs typeface="Courier New" panose="02070309020205020404" pitchFamily="49" charset="0"/>
               </a:rPr>
               <a:t>&lt;/</a:t>
@@ -30417,7 +30416,7 @@
                   <a:srgbClr val="000080"/>
                 </a:solidFill>
                 <a:effectLst/>
-                <a:latin typeface="Courier New" panose="02070309020205020404" pitchFamily="49" charset="0"/>
+                <a:latin typeface="Consolas" panose="020B0609020204030204" pitchFamily="49" charset="0"/>
                 <a:cs typeface="Courier New" panose="02070309020205020404" pitchFamily="49" charset="0"/>
               </a:rPr>
               <a:t>annotationProcessor</a:t>
@@ -30431,7 +30430,7 @@
                   <a:srgbClr val="000000"/>
                 </a:solidFill>
                 <a:effectLst/>
-                <a:latin typeface="Courier New" panose="02070309020205020404" pitchFamily="49" charset="0"/>
+                <a:latin typeface="Consolas" panose="020B0609020204030204" pitchFamily="49" charset="0"/>
                 <a:cs typeface="Courier New" panose="02070309020205020404" pitchFamily="49" charset="0"/>
               </a:rPr>
               <a:t>&gt;</a:t>
@@ -30445,7 +30444,7 @@
                   <a:srgbClr val="000000"/>
                 </a:solidFill>
                 <a:effectLst/>
-                <a:latin typeface="Courier New" panose="02070309020205020404" pitchFamily="49" charset="0"/>
+                <a:latin typeface="Consolas" panose="020B0609020204030204" pitchFamily="49" charset="0"/>
                 <a:cs typeface="Courier New" panose="02070309020205020404" pitchFamily="49" charset="0"/>
               </a:rPr>
             </a:br>
@@ -30458,7 +30457,7 @@
                   <a:srgbClr val="000000"/>
                 </a:solidFill>
                 <a:effectLst/>
-                <a:latin typeface="Courier New" panose="02070309020205020404" pitchFamily="49" charset="0"/>
+                <a:latin typeface="Consolas" panose="020B0609020204030204" pitchFamily="49" charset="0"/>
                 <a:cs typeface="Courier New" panose="02070309020205020404" pitchFamily="49" charset="0"/>
               </a:rPr>
               <a:t>            &lt;</a:t>
@@ -30472,7 +30471,7 @@
                   <a:srgbClr val="000080"/>
                 </a:solidFill>
                 <a:effectLst/>
-                <a:latin typeface="Courier New" panose="02070309020205020404" pitchFamily="49" charset="0"/>
+                <a:latin typeface="Consolas" panose="020B0609020204030204" pitchFamily="49" charset="0"/>
                 <a:cs typeface="Courier New" panose="02070309020205020404" pitchFamily="49" charset="0"/>
               </a:rPr>
               <a:t>annotationProcessor</a:t>
@@ -30486,7 +30485,7 @@
                   <a:srgbClr val="000000"/>
                 </a:solidFill>
                 <a:effectLst/>
-                <a:latin typeface="Courier New" panose="02070309020205020404" pitchFamily="49" charset="0"/>
+                <a:latin typeface="Consolas" panose="020B0609020204030204" pitchFamily="49" charset="0"/>
                 <a:cs typeface="Courier New" panose="02070309020205020404" pitchFamily="49" charset="0"/>
               </a:rPr>
               <a:t>&gt;</a:t>
@@ -30500,7 +30499,7 @@
                   <a:srgbClr val="000000"/>
                 </a:solidFill>
                 <a:effectLst/>
-                <a:latin typeface="Courier New" panose="02070309020205020404" pitchFamily="49" charset="0"/>
+                <a:latin typeface="Consolas" panose="020B0609020204030204" pitchFamily="49" charset="0"/>
                 <a:cs typeface="Courier New" panose="02070309020205020404" pitchFamily="49" charset="0"/>
               </a:rPr>
               <a:t>org.checkerframework.checker.optional.OptionalChecker</a:t>
@@ -30514,7 +30513,7 @@
                   <a:srgbClr val="000000"/>
                 </a:solidFill>
                 <a:effectLst/>
-                <a:latin typeface="Courier New" panose="02070309020205020404" pitchFamily="49" charset="0"/>
+                <a:latin typeface="Consolas" panose="020B0609020204030204" pitchFamily="49" charset="0"/>
                 <a:cs typeface="Courier New" panose="02070309020205020404" pitchFamily="49" charset="0"/>
               </a:rPr>
               <a:t>&lt;/</a:t>
@@ -30528,7 +30527,7 @@
                   <a:srgbClr val="000080"/>
                 </a:solidFill>
                 <a:effectLst/>
-                <a:latin typeface="Courier New" panose="02070309020205020404" pitchFamily="49" charset="0"/>
+                <a:latin typeface="Consolas" panose="020B0609020204030204" pitchFamily="49" charset="0"/>
                 <a:cs typeface="Courier New" panose="02070309020205020404" pitchFamily="49" charset="0"/>
               </a:rPr>
               <a:t>annotationProcessor</a:t>
@@ -30542,7 +30541,7 @@
                   <a:srgbClr val="000000"/>
                 </a:solidFill>
                 <a:effectLst/>
-                <a:latin typeface="Courier New" panose="02070309020205020404" pitchFamily="49" charset="0"/>
+                <a:latin typeface="Consolas" panose="020B0609020204030204" pitchFamily="49" charset="0"/>
                 <a:cs typeface="Courier New" panose="02070309020205020404" pitchFamily="49" charset="0"/>
               </a:rPr>
               <a:t>&gt;</a:t>
@@ -30556,7 +30555,7 @@
                   <a:srgbClr val="000000"/>
                 </a:solidFill>
                 <a:effectLst/>
-                <a:latin typeface="Courier New" panose="02070309020205020404" pitchFamily="49" charset="0"/>
+                <a:latin typeface="Consolas" panose="020B0609020204030204" pitchFamily="49" charset="0"/>
                 <a:cs typeface="Courier New" panose="02070309020205020404" pitchFamily="49" charset="0"/>
               </a:rPr>
             </a:br>
@@ -30569,7 +30568,7 @@
                   <a:srgbClr val="000000"/>
                 </a:solidFill>
                 <a:effectLst/>
-                <a:latin typeface="Courier New" panose="02070309020205020404" pitchFamily="49" charset="0"/>
+                <a:latin typeface="Consolas" panose="020B0609020204030204" pitchFamily="49" charset="0"/>
                 <a:cs typeface="Courier New" panose="02070309020205020404" pitchFamily="49" charset="0"/>
               </a:rPr>
               <a:t>        &lt;/</a:t>
@@ -30583,7 +30582,7 @@
                   <a:srgbClr val="000080"/>
                 </a:solidFill>
                 <a:effectLst/>
-                <a:latin typeface="Courier New" panose="02070309020205020404" pitchFamily="49" charset="0"/>
+                <a:latin typeface="Consolas" panose="020B0609020204030204" pitchFamily="49" charset="0"/>
                 <a:cs typeface="Courier New" panose="02070309020205020404" pitchFamily="49" charset="0"/>
               </a:rPr>
               <a:t>annotationProcessors</a:t>
@@ -30597,7 +30596,7 @@
                   <a:srgbClr val="000000"/>
                 </a:solidFill>
                 <a:effectLst/>
-                <a:latin typeface="Courier New" panose="02070309020205020404" pitchFamily="49" charset="0"/>
+                <a:latin typeface="Consolas" panose="020B0609020204030204" pitchFamily="49" charset="0"/>
                 <a:cs typeface="Courier New" panose="02070309020205020404" pitchFamily="49" charset="0"/>
               </a:rPr>
               <a:t>&gt;        </a:t>
@@ -30611,7 +30610,7 @@
                   <a:srgbClr val="000000"/>
                 </a:solidFill>
                 <a:effectLst/>
-                <a:latin typeface="Courier New" panose="02070309020205020404" pitchFamily="49" charset="0"/>
+                <a:latin typeface="Consolas" panose="020B0609020204030204" pitchFamily="49" charset="0"/>
                 <a:cs typeface="Courier New" panose="02070309020205020404" pitchFamily="49" charset="0"/>
               </a:rPr>
             </a:br>
@@ -30624,7 +30623,7 @@
                   <a:srgbClr val="000000"/>
                 </a:solidFill>
                 <a:effectLst/>
-                <a:latin typeface="Courier New" panose="02070309020205020404" pitchFamily="49" charset="0"/>
+                <a:latin typeface="Consolas" panose="020B0609020204030204" pitchFamily="49" charset="0"/>
                 <a:cs typeface="Courier New" panose="02070309020205020404" pitchFamily="49" charset="0"/>
               </a:rPr>
               <a:t>    &lt;/</a:t>
@@ -30638,7 +30637,7 @@
                   <a:srgbClr val="000080"/>
                 </a:solidFill>
                 <a:effectLst/>
-                <a:latin typeface="Courier New" panose="02070309020205020404" pitchFamily="49" charset="0"/>
+                <a:latin typeface="Consolas" panose="020B0609020204030204" pitchFamily="49" charset="0"/>
                 <a:cs typeface="Courier New" panose="02070309020205020404" pitchFamily="49" charset="0"/>
               </a:rPr>
               <a:t>configuration</a:t>
@@ -30652,7 +30651,7 @@
                   <a:srgbClr val="000000"/>
                 </a:solidFill>
                 <a:effectLst/>
-                <a:latin typeface="Courier New" panose="02070309020205020404" pitchFamily="49" charset="0"/>
+                <a:latin typeface="Consolas" panose="020B0609020204030204" pitchFamily="49" charset="0"/>
                 <a:cs typeface="Courier New" panose="02070309020205020404" pitchFamily="49" charset="0"/>
               </a:rPr>
               <a:t>&gt;</a:t>
@@ -30666,7 +30665,7 @@
                   <a:srgbClr val="000000"/>
                 </a:solidFill>
                 <a:effectLst/>
-                <a:latin typeface="Courier New" panose="02070309020205020404" pitchFamily="49" charset="0"/>
+                <a:latin typeface="Consolas" panose="020B0609020204030204" pitchFamily="49" charset="0"/>
                 <a:cs typeface="Courier New" panose="02070309020205020404" pitchFamily="49" charset="0"/>
               </a:rPr>
             </a:br>
@@ -30679,7 +30678,7 @@
                   <a:srgbClr val="000000"/>
                 </a:solidFill>
                 <a:effectLst/>
-                <a:latin typeface="Courier New" panose="02070309020205020404" pitchFamily="49" charset="0"/>
+                <a:latin typeface="Consolas" panose="020B0609020204030204" pitchFamily="49" charset="0"/>
                 <a:cs typeface="Courier New" panose="02070309020205020404" pitchFamily="49" charset="0"/>
               </a:rPr>
               <a:t>&lt;/</a:t>
@@ -30693,7 +30692,7 @@
                   <a:srgbClr val="000080"/>
                 </a:solidFill>
                 <a:effectLst/>
-                <a:latin typeface="Courier New" panose="02070309020205020404" pitchFamily="49" charset="0"/>
+                <a:latin typeface="Consolas" panose="020B0609020204030204" pitchFamily="49" charset="0"/>
                 <a:cs typeface="Courier New" panose="02070309020205020404" pitchFamily="49" charset="0"/>
               </a:rPr>
               <a:t>plugin</a:t>
@@ -30707,7 +30706,7 @@
                   <a:srgbClr val="000000"/>
                 </a:solidFill>
                 <a:effectLst/>
-                <a:latin typeface="Courier New" panose="02070309020205020404" pitchFamily="49" charset="0"/>
+                <a:latin typeface="Consolas" panose="020B0609020204030204" pitchFamily="49" charset="0"/>
                 <a:cs typeface="Courier New" panose="02070309020205020404" pitchFamily="49" charset="0"/>
               </a:rPr>
               <a:t>&gt;</a:t>
@@ -30720,7 +30719,7 @@
                 <a:schemeClr val="tx1"/>
               </a:solidFill>
               <a:effectLst/>
-              <a:latin typeface="Arial" panose="020B0604020202020204" pitchFamily="34" charset="0"/>
+              <a:latin typeface="Consolas" panose="020B0609020204030204" pitchFamily="49" charset="0"/>
             </a:endParaRPr>
           </a:p>
         </p:txBody>
@@ -31399,7 +31398,7 @@
         <p:spPr bwMode="auto">
           <a:xfrm>
             <a:off x="2964927" y="2856902"/>
-            <a:ext cx="6526146" cy="646331"/>
+            <a:ext cx="6009979" cy="646331"/>
           </a:xfrm>
           <a:prstGeom prst="rect">
             <a:avLst/>
@@ -31473,7 +31472,7 @@
                   <a:srgbClr val="000000"/>
                 </a:solidFill>
                 <a:effectLst/>
-                <a:latin typeface="Courier New" panose="02070309020205020404" pitchFamily="49" charset="0"/>
+                <a:latin typeface="Consolas" panose="020B0609020204030204" pitchFamily="49" charset="0"/>
                 <a:cs typeface="Courier New" panose="02070309020205020404" pitchFamily="49" charset="0"/>
               </a:rPr>
               <a:t>Optional&lt;Integer&gt; optional = </a:t>
@@ -31487,7 +31486,7 @@
                   <a:srgbClr val="000000"/>
                 </a:solidFill>
                 <a:effectLst/>
-                <a:latin typeface="Courier New" panose="02070309020205020404" pitchFamily="49" charset="0"/>
+                <a:latin typeface="Consolas" panose="020B0609020204030204" pitchFamily="49" charset="0"/>
                 <a:cs typeface="Courier New" panose="02070309020205020404" pitchFamily="49" charset="0"/>
               </a:rPr>
               <a:t>Optional.</a:t>
@@ -31501,7 +31500,7 @@
                   <a:srgbClr val="000000"/>
                 </a:solidFill>
                 <a:effectLst/>
-                <a:latin typeface="Courier New" panose="02070309020205020404" pitchFamily="49" charset="0"/>
+                <a:latin typeface="Consolas" panose="020B0609020204030204" pitchFamily="49" charset="0"/>
                 <a:cs typeface="Courier New" panose="02070309020205020404" pitchFamily="49" charset="0"/>
               </a:rPr>
               <a:t>empty</a:t>
@@ -31515,7 +31514,7 @@
                   <a:srgbClr val="000000"/>
                 </a:solidFill>
                 <a:effectLst/>
-                <a:latin typeface="Courier New" panose="02070309020205020404" pitchFamily="49" charset="0"/>
+                <a:latin typeface="Consolas" panose="020B0609020204030204" pitchFamily="49" charset="0"/>
                 <a:cs typeface="Courier New" panose="02070309020205020404" pitchFamily="49" charset="0"/>
               </a:rPr>
               <a:t>();</a:t>
@@ -31529,7 +31528,7 @@
                   <a:srgbClr val="000000"/>
                 </a:solidFill>
                 <a:effectLst/>
-                <a:latin typeface="Courier New" panose="02070309020205020404" pitchFamily="49" charset="0"/>
+                <a:latin typeface="Consolas" panose="020B0609020204030204" pitchFamily="49" charset="0"/>
                 <a:cs typeface="Courier New" panose="02070309020205020404" pitchFamily="49" charset="0"/>
               </a:rPr>
             </a:br>
@@ -31542,7 +31541,7 @@
                   <a:srgbClr val="000000"/>
                 </a:solidFill>
                 <a:effectLst/>
-                <a:latin typeface="Courier New" panose="02070309020205020404" pitchFamily="49" charset="0"/>
+                <a:latin typeface="Consolas" panose="020B0609020204030204" pitchFamily="49" charset="0"/>
                 <a:cs typeface="Courier New" panose="02070309020205020404" pitchFamily="49" charset="0"/>
               </a:rPr>
               <a:t>optional.get</a:t>
@@ -31556,7 +31555,7 @@
                   <a:srgbClr val="000000"/>
                 </a:solidFill>
                 <a:effectLst/>
-                <a:latin typeface="Courier New" panose="02070309020205020404" pitchFamily="49" charset="0"/>
+                <a:latin typeface="Consolas" panose="020B0609020204030204" pitchFamily="49" charset="0"/>
                 <a:cs typeface="Courier New" panose="02070309020205020404" pitchFamily="49" charset="0"/>
               </a:rPr>
               <a:t>();</a:t>
@@ -31569,7 +31568,7 @@
                 <a:schemeClr val="tx1"/>
               </a:solidFill>
               <a:effectLst/>
-              <a:latin typeface="Arial" panose="020B0604020202020204" pitchFamily="34" charset="0"/>
+              <a:latin typeface="Consolas" panose="020B0609020204030204" pitchFamily="49" charset="0"/>
             </a:endParaRPr>
           </a:p>
         </p:txBody>
@@ -33925,7 +33924,7 @@
           <a:p>
             <a:r>
               <a:rPr lang="en-US" dirty="0" smtClean="0"/>
-              <a:t>Other suggestions?</a:t>
+              <a:t>Final thoughts</a:t>
             </a:r>
             <a:endParaRPr lang="en-US" dirty="0"/>
           </a:p>
@@ -33947,95 +33946,17 @@
           <a:lstStyle/>
           <a:p>
             <a:r>
-              <a:rPr lang="en-NL" dirty="0" smtClean="0"/>
-              <a:t>…</a:t>
-            </a:r>
+              <a:rPr lang="en-US" dirty="0" smtClean="0"/>
+              <a:t>Start prevent your run time errors</a:t>
+            </a:r>
+          </a:p>
+          <a:p>
             <a:endParaRPr lang="en-US" dirty="0" smtClean="0"/>
           </a:p>
-        </p:txBody>
-      </p:sp>
-    </p:spTree>
-    <p:extLst>
-      <p:ext uri="{BB962C8B-B14F-4D97-AF65-F5344CB8AC3E}">
-        <p14:creationId xmlns:p14="http://schemas.microsoft.com/office/powerpoint/2010/main" val="4137070063"/>
-      </p:ext>
-    </p:extLst>
-  </p:cSld>
-  <p:clrMapOvr>
-    <a:masterClrMapping/>
-  </p:clrMapOvr>
-  <p:timing>
-    <p:tnLst>
-      <p:par>
-        <p:cTn id="1" dur="indefinite" restart="never" nodeType="tmRoot"/>
-      </p:par>
-    </p:tnLst>
-  </p:timing>
-</p:sld>
-</file>
-
-<file path=ppt/slides/slide28.xml><?xml version="1.0" encoding="utf-8"?>
-<p:sld xmlns:a="http://schemas.openxmlformats.org/drawingml/2006/main" xmlns:r="http://schemas.openxmlformats.org/officeDocument/2006/relationships" xmlns:p="http://schemas.openxmlformats.org/presentationml/2006/main">
-  <p:cSld>
-    <p:spTree>
-      <p:nvGrpSpPr>
-        <p:cNvPr id="1" name=""/>
-        <p:cNvGrpSpPr/>
-        <p:nvPr/>
-      </p:nvGrpSpPr>
-      <p:grpSpPr>
-        <a:xfrm>
-          <a:off x="0" y="0"/>
-          <a:ext cx="0" cy="0"/>
-          <a:chOff x="0" y="0"/>
-          <a:chExt cx="0" cy="0"/>
-        </a:xfrm>
-      </p:grpSpPr>
-      <p:sp>
-        <p:nvSpPr>
-          <p:cNvPr id="2" name="Title 1"/>
-          <p:cNvSpPr>
-            <a:spLocks noGrp="1"/>
-          </p:cNvSpPr>
-          <p:nvPr>
-            <p:ph type="title"/>
-          </p:nvPr>
-        </p:nvSpPr>
-        <p:spPr/>
-        <p:txBody>
-          <a:bodyPr/>
-          <a:lstStyle/>
           <a:p>
             <a:r>
               <a:rPr lang="en-US" dirty="0" smtClean="0"/>
-              <a:t>Final </a:t>
-            </a:r>
-            <a:r>
-              <a:rPr lang="en-US" dirty="0" err="1" smtClean="0"/>
-              <a:t>toughts</a:t>
-            </a:r>
-            <a:endParaRPr lang="en-US" dirty="0"/>
-          </a:p>
-        </p:txBody>
-      </p:sp>
-      <p:sp>
-        <p:nvSpPr>
-          <p:cNvPr id="3" name="Text Placeholder 2"/>
-          <p:cNvSpPr>
-            <a:spLocks noGrp="1"/>
-          </p:cNvSpPr>
-          <p:nvPr>
-            <p:ph type="body" sz="quarter" idx="10"/>
-          </p:nvPr>
-        </p:nvSpPr>
-        <p:spPr/>
-        <p:txBody>
-          <a:bodyPr/>
-          <a:lstStyle/>
-          <a:p>
-            <a:r>
-              <a:rPr lang="en-US" dirty="0" smtClean="0"/>
-              <a:t>Prevent run time errors using this framework</a:t>
+              <a:t>Start using it on critical code</a:t>
             </a:r>
             <a:br>
               <a:rPr lang="en-US" dirty="0" smtClean="0"/>
@@ -34045,17 +33966,15 @@
           <a:p>
             <a:r>
               <a:rPr lang="en-US" dirty="0" smtClean="0"/>
-              <a:t>Start using it on critical (legacy) code</a:t>
-            </a:r>
-            <a:br>
+              <a:t>Fits in a domain driven design</a:t>
+            </a:r>
+            <a:endParaRPr lang="en-US" dirty="0"/>
+          </a:p>
+          <a:p>
+            <a:pPr lvl="1"/>
+            <a:r>
               <a:rPr lang="en-US" dirty="0" smtClean="0"/>
-            </a:br>
-            <a:endParaRPr lang="en-US" dirty="0" smtClean="0"/>
-          </a:p>
-          <a:p>
-            <a:r>
-              <a:rPr lang="en-US" dirty="0" smtClean="0"/>
-              <a:t>Fits in a domain driven design</a:t>
+              <a:t>Sub classing is also a solution</a:t>
             </a:r>
             <a:br>
               <a:rPr lang="en-US" dirty="0" smtClean="0"/>
@@ -34101,7 +34020,7 @@
 </p:sld>
 </file>
 
-<file path=ppt/slides/slide29.xml><?xml version="1.0" encoding="utf-8"?>
+<file path=ppt/slides/slide28.xml><?xml version="1.0" encoding="utf-8"?>
 <p:sld xmlns:a="http://schemas.openxmlformats.org/drawingml/2006/main" xmlns:r="http://schemas.openxmlformats.org/officeDocument/2006/relationships" xmlns:p="http://schemas.openxmlformats.org/presentationml/2006/main">
   <p:cSld>
     <p:spTree>
@@ -34257,7 +34176,7 @@
         <p:spPr bwMode="auto">
           <a:xfrm>
             <a:off x="2964927" y="2856902"/>
-            <a:ext cx="6526146" cy="646331"/>
+            <a:ext cx="6009979" cy="646331"/>
           </a:xfrm>
           <a:prstGeom prst="rect">
             <a:avLst/>
@@ -34331,7 +34250,7 @@
                   <a:srgbClr val="000000"/>
                 </a:solidFill>
                 <a:effectLst/>
-                <a:latin typeface="Courier New" panose="02070309020205020404" pitchFamily="49" charset="0"/>
+                <a:latin typeface="Consolas" panose="020B0609020204030204" pitchFamily="49" charset="0"/>
                 <a:cs typeface="Courier New" panose="02070309020205020404" pitchFamily="49" charset="0"/>
               </a:rPr>
               <a:t>Optional&lt;Integer&gt; optional = </a:t>
@@ -34345,7 +34264,7 @@
                   <a:srgbClr val="000000"/>
                 </a:solidFill>
                 <a:effectLst/>
-                <a:latin typeface="Courier New" panose="02070309020205020404" pitchFamily="49" charset="0"/>
+                <a:latin typeface="Consolas" panose="020B0609020204030204" pitchFamily="49" charset="0"/>
                 <a:cs typeface="Courier New" panose="02070309020205020404" pitchFamily="49" charset="0"/>
               </a:rPr>
               <a:t>Optional.</a:t>
@@ -34359,7 +34278,7 @@
                   <a:srgbClr val="000000"/>
                 </a:solidFill>
                 <a:effectLst/>
-                <a:latin typeface="Courier New" panose="02070309020205020404" pitchFamily="49" charset="0"/>
+                <a:latin typeface="Consolas" panose="020B0609020204030204" pitchFamily="49" charset="0"/>
                 <a:cs typeface="Courier New" panose="02070309020205020404" pitchFamily="49" charset="0"/>
               </a:rPr>
               <a:t>empty</a:t>
@@ -34373,7 +34292,7 @@
                   <a:srgbClr val="000000"/>
                 </a:solidFill>
                 <a:effectLst/>
-                <a:latin typeface="Courier New" panose="02070309020205020404" pitchFamily="49" charset="0"/>
+                <a:latin typeface="Consolas" panose="020B0609020204030204" pitchFamily="49" charset="0"/>
                 <a:cs typeface="Courier New" panose="02070309020205020404" pitchFamily="49" charset="0"/>
               </a:rPr>
               <a:t>();</a:t>
@@ -34387,7 +34306,7 @@
                   <a:srgbClr val="000000"/>
                 </a:solidFill>
                 <a:effectLst/>
-                <a:latin typeface="Courier New" panose="02070309020205020404" pitchFamily="49" charset="0"/>
+                <a:latin typeface="Consolas" panose="020B0609020204030204" pitchFamily="49" charset="0"/>
                 <a:cs typeface="Courier New" panose="02070309020205020404" pitchFamily="49" charset="0"/>
               </a:rPr>
             </a:br>
@@ -34400,7 +34319,7 @@
                   <a:srgbClr val="000000"/>
                 </a:solidFill>
                 <a:effectLst/>
-                <a:latin typeface="Courier New" panose="02070309020205020404" pitchFamily="49" charset="0"/>
+                <a:latin typeface="Consolas" panose="020B0609020204030204" pitchFamily="49" charset="0"/>
                 <a:cs typeface="Courier New" panose="02070309020205020404" pitchFamily="49" charset="0"/>
               </a:rPr>
               <a:t>optional.get</a:t>
@@ -34414,7 +34333,7 @@
                   <a:srgbClr val="000000"/>
                 </a:solidFill>
                 <a:effectLst/>
-                <a:latin typeface="Courier New" panose="02070309020205020404" pitchFamily="49" charset="0"/>
+                <a:latin typeface="Consolas" panose="020B0609020204030204" pitchFamily="49" charset="0"/>
                 <a:cs typeface="Courier New" panose="02070309020205020404" pitchFamily="49" charset="0"/>
               </a:rPr>
               <a:t>();</a:t>
@@ -34427,7 +34346,7 @@
                 <a:schemeClr val="tx1"/>
               </a:solidFill>
               <a:effectLst/>
-              <a:latin typeface="Arial" panose="020B0604020202020204" pitchFamily="34" charset="0"/>
+              <a:latin typeface="Consolas" panose="020B0609020204030204" pitchFamily="49" charset="0"/>
             </a:endParaRPr>
           </a:p>
         </p:txBody>
@@ -34458,7 +34377,7 @@
                 <a:solidFill>
                   <a:srgbClr val="FF0000"/>
                 </a:solidFill>
-                <a:latin typeface="Courier New" panose="02070309020205020404" pitchFamily="49" charset="0"/>
+                <a:latin typeface="Consolas" panose="020B0609020204030204" pitchFamily="49" charset="0"/>
                 <a:cs typeface="Courier New" panose="02070309020205020404" pitchFamily="49" charset="0"/>
               </a:rPr>
               <a:t>Exception in thread "main" </a:t>
@@ -34468,7 +34387,7 @@
                 <a:solidFill>
                   <a:srgbClr val="FF0000"/>
                 </a:solidFill>
-                <a:latin typeface="Courier New" panose="02070309020205020404" pitchFamily="49" charset="0"/>
+                <a:latin typeface="Consolas" panose="020B0609020204030204" pitchFamily="49" charset="0"/>
                 <a:cs typeface="Courier New" panose="02070309020205020404" pitchFamily="49" charset="0"/>
               </a:rPr>
               <a:t>java.util.NoSuchElementException</a:t>
@@ -34478,43 +34397,60 @@
                 <a:solidFill>
                   <a:srgbClr val="FF0000"/>
                 </a:solidFill>
-                <a:latin typeface="Courier New" panose="02070309020205020404" pitchFamily="49" charset="0"/>
-                <a:cs typeface="Courier New" panose="02070309020205020404" pitchFamily="49" charset="0"/>
-              </a:rPr>
-              <a:t>: No value present</a:t>
-            </a:r>
-          </a:p>
-          <a:p>
-            <a:r>
-              <a:rPr lang="en-US" sz="1400" b="1" dirty="0">
+                <a:latin typeface="Consolas" panose="020B0609020204030204" pitchFamily="49" charset="0"/>
+                <a:cs typeface="Courier New" panose="02070309020205020404" pitchFamily="49" charset="0"/>
+              </a:rPr>
+              <a:t>: No value </a:t>
+            </a:r>
+            <a:r>
+              <a:rPr lang="en-US" sz="1400" b="1" dirty="0" smtClean="0">
                 <a:solidFill>
                   <a:srgbClr val="FF0000"/>
                 </a:solidFill>
-                <a:latin typeface="Courier New" panose="02070309020205020404" pitchFamily="49" charset="0"/>
+                <a:latin typeface="Consolas" panose="020B0609020204030204" pitchFamily="49" charset="0"/>
+                <a:cs typeface="Courier New" panose="02070309020205020404" pitchFamily="49" charset="0"/>
+              </a:rPr>
+              <a:t>present</a:t>
+            </a:r>
+          </a:p>
+          <a:p>
+            <a:r>
+              <a:rPr lang="en-US" sz="1400" b="1" dirty="0" smtClean="0">
+                <a:solidFill>
+                  <a:srgbClr val="FF0000"/>
+                </a:solidFill>
+                <a:latin typeface="Consolas" panose="020B0609020204030204" pitchFamily="49" charset="0"/>
                 <a:cs typeface="Courier New" panose="02070309020205020404" pitchFamily="49" charset="0"/>
               </a:rPr>
               <a:t>	at </a:t>
             </a:r>
             <a:r>
-              <a:rPr lang="en-US" sz="1400" b="1" dirty="0" err="1">
+              <a:rPr lang="en-US" sz="1400" b="1" dirty="0" err="1" smtClean="0">
                 <a:solidFill>
                   <a:srgbClr val="FF0000"/>
                 </a:solidFill>
-                <a:latin typeface="Courier New" panose="02070309020205020404" pitchFamily="49" charset="0"/>
+                <a:latin typeface="Consolas" panose="020B0609020204030204" pitchFamily="49" charset="0"/>
                 <a:cs typeface="Courier New" panose="02070309020205020404" pitchFamily="49" charset="0"/>
               </a:rPr>
               <a:t>java.util.Optional.get</a:t>
             </a:r>
             <a:r>
-              <a:rPr lang="en-US" sz="1400" b="1" dirty="0">
+              <a:rPr lang="en-US" sz="1400" b="1" dirty="0" smtClean="0">
                 <a:solidFill>
                   <a:srgbClr val="FF0000"/>
                 </a:solidFill>
-                <a:latin typeface="Courier New" panose="02070309020205020404" pitchFamily="49" charset="0"/>
+                <a:latin typeface="Consolas" panose="020B0609020204030204" pitchFamily="49" charset="0"/>
                 <a:cs typeface="Courier New" panose="02070309020205020404" pitchFamily="49" charset="0"/>
               </a:rPr>
               <a:t>(Optional.java:135)</a:t>
             </a:r>
+            <a:endParaRPr lang="en-US" sz="1400" b="1" dirty="0">
+              <a:solidFill>
+                <a:srgbClr val="FF0000"/>
+              </a:solidFill>
+              <a:latin typeface="Consolas" panose="020B0609020204030204" pitchFamily="49" charset="0"/>
+              <a:cs typeface="Courier New" panose="02070309020205020404" pitchFamily="49" charset="0"/>
+            </a:endParaRPr>
           </a:p>
         </p:txBody>
       </p:sp>
@@ -34591,7 +34527,7 @@
         <p:spPr bwMode="auto">
           <a:xfrm>
             <a:off x="3240643" y="2693001"/>
-            <a:ext cx="5974713" cy="923330"/>
+            <a:ext cx="5503430" cy="923330"/>
           </a:xfrm>
           <a:prstGeom prst="rect">
             <a:avLst/>
@@ -34665,7 +34601,7 @@
                   <a:srgbClr val="000080"/>
                 </a:solidFill>
                 <a:effectLst/>
-                <a:latin typeface="Courier New" panose="02070309020205020404" pitchFamily="49" charset="0"/>
+                <a:latin typeface="Consolas" panose="020B0609020204030204" pitchFamily="49" charset="0"/>
                 <a:cs typeface="Courier New" panose="02070309020205020404" pitchFamily="49" charset="0"/>
               </a:rPr>
               <a:t>private static </a:t>
@@ -34679,7 +34615,7 @@
                   <a:srgbClr val="000080"/>
                 </a:solidFill>
                 <a:effectLst/>
-                <a:latin typeface="Courier New" panose="02070309020205020404" pitchFamily="49" charset="0"/>
+                <a:latin typeface="Consolas" panose="020B0609020204030204" pitchFamily="49" charset="0"/>
                 <a:cs typeface="Courier New" panose="02070309020205020404" pitchFamily="49" charset="0"/>
               </a:rPr>
               <a:t>int</a:t>
@@ -34693,7 +34629,7 @@
                   <a:srgbClr val="000080"/>
                 </a:solidFill>
                 <a:effectLst/>
-                <a:latin typeface="Courier New" panose="02070309020205020404" pitchFamily="49" charset="0"/>
+                <a:latin typeface="Consolas" panose="020B0609020204030204" pitchFamily="49" charset="0"/>
                 <a:cs typeface="Courier New" panose="02070309020205020404" pitchFamily="49" charset="0"/>
               </a:rPr>
               <a:t> </a:t>
@@ -34707,7 +34643,7 @@
                   <a:srgbClr val="000000"/>
                 </a:solidFill>
                 <a:effectLst/>
-                <a:latin typeface="Courier New" panose="02070309020205020404" pitchFamily="49" charset="0"/>
+                <a:latin typeface="Consolas" panose="020B0609020204030204" pitchFamily="49" charset="0"/>
                 <a:cs typeface="Courier New" panose="02070309020205020404" pitchFamily="49" charset="0"/>
               </a:rPr>
               <a:t>compare(</a:t>
@@ -34721,7 +34657,7 @@
                   <a:srgbClr val="000080"/>
                 </a:solidFill>
                 <a:effectLst/>
-                <a:latin typeface="Courier New" panose="02070309020205020404" pitchFamily="49" charset="0"/>
+                <a:latin typeface="Consolas" panose="020B0609020204030204" pitchFamily="49" charset="0"/>
                 <a:cs typeface="Courier New" panose="02070309020205020404" pitchFamily="49" charset="0"/>
               </a:rPr>
               <a:t>int</a:t>
@@ -34735,7 +34671,7 @@
                   <a:srgbClr val="000080"/>
                 </a:solidFill>
                 <a:effectLst/>
-                <a:latin typeface="Courier New" panose="02070309020205020404" pitchFamily="49" charset="0"/>
+                <a:latin typeface="Consolas" panose="020B0609020204030204" pitchFamily="49" charset="0"/>
                 <a:cs typeface="Courier New" panose="02070309020205020404" pitchFamily="49" charset="0"/>
               </a:rPr>
               <a:t> </a:t>
@@ -34749,7 +34685,7 @@
                   <a:srgbClr val="000000"/>
                 </a:solidFill>
                 <a:effectLst/>
-                <a:latin typeface="Courier New" panose="02070309020205020404" pitchFamily="49" charset="0"/>
+                <a:latin typeface="Consolas" panose="020B0609020204030204" pitchFamily="49" charset="0"/>
                 <a:cs typeface="Courier New" panose="02070309020205020404" pitchFamily="49" charset="0"/>
               </a:rPr>
               <a:t>x, </a:t>
@@ -34763,7 +34699,7 @@
                   <a:srgbClr val="000080"/>
                 </a:solidFill>
                 <a:effectLst/>
-                <a:latin typeface="Courier New" panose="02070309020205020404" pitchFamily="49" charset="0"/>
+                <a:latin typeface="Consolas" panose="020B0609020204030204" pitchFamily="49" charset="0"/>
                 <a:cs typeface="Courier New" panose="02070309020205020404" pitchFamily="49" charset="0"/>
               </a:rPr>
               <a:t>int</a:t>
@@ -34777,7 +34713,7 @@
                   <a:srgbClr val="000080"/>
                 </a:solidFill>
                 <a:effectLst/>
-                <a:latin typeface="Courier New" panose="02070309020205020404" pitchFamily="49" charset="0"/>
+                <a:latin typeface="Consolas" panose="020B0609020204030204" pitchFamily="49" charset="0"/>
                 <a:cs typeface="Courier New" panose="02070309020205020404" pitchFamily="49" charset="0"/>
               </a:rPr>
               <a:t> </a:t>
@@ -34791,7 +34727,7 @@
                   <a:srgbClr val="000000"/>
                 </a:solidFill>
                 <a:effectLst/>
-                <a:latin typeface="Courier New" panose="02070309020205020404" pitchFamily="49" charset="0"/>
+                <a:latin typeface="Consolas" panose="020B0609020204030204" pitchFamily="49" charset="0"/>
                 <a:cs typeface="Courier New" panose="02070309020205020404" pitchFamily="49" charset="0"/>
               </a:rPr>
               <a:t>y) {</a:t>
@@ -34805,7 +34741,7 @@
                   <a:srgbClr val="000000"/>
                 </a:solidFill>
                 <a:effectLst/>
-                <a:latin typeface="Courier New" panose="02070309020205020404" pitchFamily="49" charset="0"/>
+                <a:latin typeface="Consolas" panose="020B0609020204030204" pitchFamily="49" charset="0"/>
                 <a:cs typeface="Courier New" panose="02070309020205020404" pitchFamily="49" charset="0"/>
               </a:rPr>
             </a:br>
@@ -34818,7 +34754,7 @@
                   <a:srgbClr val="000000"/>
                 </a:solidFill>
                 <a:effectLst/>
-                <a:latin typeface="Courier New" panose="02070309020205020404" pitchFamily="49" charset="0"/>
+                <a:latin typeface="Consolas" panose="020B0609020204030204" pitchFamily="49" charset="0"/>
                 <a:cs typeface="Courier New" panose="02070309020205020404" pitchFamily="49" charset="0"/>
               </a:rPr>
               <a:t>    </a:t>
@@ -34832,7 +34768,7 @@
                   <a:srgbClr val="000080"/>
                 </a:solidFill>
                 <a:effectLst/>
-                <a:latin typeface="Courier New" panose="02070309020205020404" pitchFamily="49" charset="0"/>
+                <a:latin typeface="Consolas" panose="020B0609020204030204" pitchFamily="49" charset="0"/>
                 <a:cs typeface="Courier New" panose="02070309020205020404" pitchFamily="49" charset="0"/>
               </a:rPr>
               <a:t>return </a:t>
@@ -34846,7 +34782,7 @@
                   <a:srgbClr val="000000"/>
                 </a:solidFill>
                 <a:effectLst/>
-                <a:latin typeface="Courier New" panose="02070309020205020404" pitchFamily="49" charset="0"/>
+                <a:latin typeface="Consolas" panose="020B0609020204030204" pitchFamily="49" charset="0"/>
                 <a:cs typeface="Courier New" panose="02070309020205020404" pitchFamily="49" charset="0"/>
               </a:rPr>
               <a:t>x &lt; y ? x : </a:t>
@@ -34860,7 +34796,7 @@
                   <a:srgbClr val="000080"/>
                 </a:solidFill>
                 <a:effectLst/>
-                <a:latin typeface="Courier New" panose="02070309020205020404" pitchFamily="49" charset="0"/>
+                <a:latin typeface="Consolas" panose="020B0609020204030204" pitchFamily="49" charset="0"/>
                 <a:cs typeface="Courier New" panose="02070309020205020404" pitchFamily="49" charset="0"/>
               </a:rPr>
               <a:t>null</a:t>
@@ -34874,7 +34810,7 @@
                   <a:srgbClr val="000000"/>
                 </a:solidFill>
                 <a:effectLst/>
-                <a:latin typeface="Courier New" panose="02070309020205020404" pitchFamily="49" charset="0"/>
+                <a:latin typeface="Consolas" panose="020B0609020204030204" pitchFamily="49" charset="0"/>
                 <a:cs typeface="Courier New" panose="02070309020205020404" pitchFamily="49" charset="0"/>
               </a:rPr>
               <a:t>;</a:t>
@@ -34888,7 +34824,7 @@
                   <a:srgbClr val="000000"/>
                 </a:solidFill>
                 <a:effectLst/>
-                <a:latin typeface="Courier New" panose="02070309020205020404" pitchFamily="49" charset="0"/>
+                <a:latin typeface="Consolas" panose="020B0609020204030204" pitchFamily="49" charset="0"/>
                 <a:cs typeface="Courier New" panose="02070309020205020404" pitchFamily="49" charset="0"/>
               </a:rPr>
             </a:br>
@@ -34901,7 +34837,7 @@
                   <a:srgbClr val="000000"/>
                 </a:solidFill>
                 <a:effectLst/>
-                <a:latin typeface="Courier New" panose="02070309020205020404" pitchFamily="49" charset="0"/>
+                <a:latin typeface="Consolas" panose="020B0609020204030204" pitchFamily="49" charset="0"/>
                 <a:cs typeface="Courier New" panose="02070309020205020404" pitchFamily="49" charset="0"/>
               </a:rPr>
               <a:t>}</a:t>
@@ -34914,7 +34850,7 @@
                 <a:schemeClr val="tx1"/>
               </a:solidFill>
               <a:effectLst/>
-              <a:latin typeface="Arial" panose="020B0604020202020204" pitchFamily="34" charset="0"/>
+              <a:latin typeface="Consolas" panose="020B0609020204030204" pitchFamily="49" charset="0"/>
             </a:endParaRPr>
           </a:p>
         </p:txBody>
@@ -35004,7 +34940,7 @@
                   <a:srgbClr val="000000"/>
                 </a:solidFill>
                 <a:effectLst/>
-                <a:latin typeface="Courier New" panose="02070309020205020404" pitchFamily="49" charset="0"/>
+                <a:latin typeface="Consolas" panose="020B0609020204030204" pitchFamily="49" charset="0"/>
                 <a:cs typeface="Courier New" panose="02070309020205020404" pitchFamily="49" charset="0"/>
               </a:rPr>
               <a:t>compare</a:t>
@@ -35018,7 +34954,7 @@
                   <a:srgbClr val="000000"/>
                 </a:solidFill>
                 <a:effectLst/>
-                <a:latin typeface="Courier New" panose="02070309020205020404" pitchFamily="49" charset="0"/>
+                <a:latin typeface="Consolas" panose="020B0609020204030204" pitchFamily="49" charset="0"/>
                 <a:cs typeface="Courier New" panose="02070309020205020404" pitchFamily="49" charset="0"/>
               </a:rPr>
               <a:t>(</a:t>
@@ -35032,7 +34968,7 @@
                   <a:srgbClr val="0000FF"/>
                 </a:solidFill>
                 <a:effectLst/>
-                <a:latin typeface="Courier New" panose="02070309020205020404" pitchFamily="49" charset="0"/>
+                <a:latin typeface="Consolas" panose="020B0609020204030204" pitchFamily="49" charset="0"/>
                 <a:cs typeface="Courier New" panose="02070309020205020404" pitchFamily="49" charset="0"/>
               </a:rPr>
               <a:t>5</a:t>
@@ -35046,7 +34982,7 @@
                   <a:srgbClr val="000000"/>
                 </a:solidFill>
                 <a:effectLst/>
-                <a:latin typeface="Courier New" panose="02070309020205020404" pitchFamily="49" charset="0"/>
+                <a:latin typeface="Consolas" panose="020B0609020204030204" pitchFamily="49" charset="0"/>
                 <a:cs typeface="Courier New" panose="02070309020205020404" pitchFamily="49" charset="0"/>
               </a:rPr>
               <a:t>,</a:t>
@@ -35060,7 +34996,7 @@
                   <a:srgbClr val="0000FF"/>
                 </a:solidFill>
                 <a:effectLst/>
-                <a:latin typeface="Courier New" panose="02070309020205020404" pitchFamily="49" charset="0"/>
+                <a:latin typeface="Consolas" panose="020B0609020204030204" pitchFamily="49" charset="0"/>
                 <a:cs typeface="Courier New" panose="02070309020205020404" pitchFamily="49" charset="0"/>
               </a:rPr>
               <a:t>4</a:t>
@@ -35074,7 +35010,7 @@
                   <a:srgbClr val="000000"/>
                 </a:solidFill>
                 <a:effectLst/>
-                <a:latin typeface="Courier New" panose="02070309020205020404" pitchFamily="49" charset="0"/>
+                <a:latin typeface="Consolas" panose="020B0609020204030204" pitchFamily="49" charset="0"/>
                 <a:cs typeface="Courier New" panose="02070309020205020404" pitchFamily="49" charset="0"/>
               </a:rPr>
               <a:t>);</a:t>
@@ -35087,7 +35023,7 @@
                 <a:schemeClr val="tx1"/>
               </a:solidFill>
               <a:effectLst/>
-              <a:latin typeface="Arial" panose="020B0604020202020204" pitchFamily="34" charset="0"/>
+              <a:latin typeface="Consolas" panose="020B0609020204030204" pitchFamily="49" charset="0"/>
             </a:endParaRPr>
           </a:p>
         </p:txBody>
@@ -35165,7 +35101,7 @@
         <p:spPr bwMode="auto">
           <a:xfrm>
             <a:off x="3240643" y="2693001"/>
-            <a:ext cx="5974713" cy="923330"/>
+            <a:ext cx="5503430" cy="923330"/>
           </a:xfrm>
           <a:prstGeom prst="rect">
             <a:avLst/>
@@ -35239,7 +35175,7 @@
                   <a:srgbClr val="000080"/>
                 </a:solidFill>
                 <a:effectLst/>
-                <a:latin typeface="Courier New" panose="02070309020205020404" pitchFamily="49" charset="0"/>
+                <a:latin typeface="Consolas" panose="020B0609020204030204" pitchFamily="49" charset="0"/>
                 <a:cs typeface="Courier New" panose="02070309020205020404" pitchFamily="49" charset="0"/>
               </a:rPr>
               <a:t>private static </a:t>
@@ -35253,7 +35189,7 @@
                   <a:srgbClr val="000080"/>
                 </a:solidFill>
                 <a:effectLst/>
-                <a:latin typeface="Courier New" panose="02070309020205020404" pitchFamily="49" charset="0"/>
+                <a:latin typeface="Consolas" panose="020B0609020204030204" pitchFamily="49" charset="0"/>
                 <a:cs typeface="Courier New" panose="02070309020205020404" pitchFamily="49" charset="0"/>
               </a:rPr>
               <a:t>int</a:t>
@@ -35267,7 +35203,7 @@
                   <a:srgbClr val="000080"/>
                 </a:solidFill>
                 <a:effectLst/>
-                <a:latin typeface="Courier New" panose="02070309020205020404" pitchFamily="49" charset="0"/>
+                <a:latin typeface="Consolas" panose="020B0609020204030204" pitchFamily="49" charset="0"/>
                 <a:cs typeface="Courier New" panose="02070309020205020404" pitchFamily="49" charset="0"/>
               </a:rPr>
               <a:t> </a:t>
@@ -35281,7 +35217,7 @@
                   <a:srgbClr val="000000"/>
                 </a:solidFill>
                 <a:effectLst/>
-                <a:latin typeface="Courier New" panose="02070309020205020404" pitchFamily="49" charset="0"/>
+                <a:latin typeface="Consolas" panose="020B0609020204030204" pitchFamily="49" charset="0"/>
                 <a:cs typeface="Courier New" panose="02070309020205020404" pitchFamily="49" charset="0"/>
               </a:rPr>
               <a:t>compare(</a:t>
@@ -35295,7 +35231,7 @@
                   <a:srgbClr val="000080"/>
                 </a:solidFill>
                 <a:effectLst/>
-                <a:latin typeface="Courier New" panose="02070309020205020404" pitchFamily="49" charset="0"/>
+                <a:latin typeface="Consolas" panose="020B0609020204030204" pitchFamily="49" charset="0"/>
                 <a:cs typeface="Courier New" panose="02070309020205020404" pitchFamily="49" charset="0"/>
               </a:rPr>
               <a:t>int</a:t>
@@ -35309,7 +35245,7 @@
                   <a:srgbClr val="000080"/>
                 </a:solidFill>
                 <a:effectLst/>
-                <a:latin typeface="Courier New" panose="02070309020205020404" pitchFamily="49" charset="0"/>
+                <a:latin typeface="Consolas" panose="020B0609020204030204" pitchFamily="49" charset="0"/>
                 <a:cs typeface="Courier New" panose="02070309020205020404" pitchFamily="49" charset="0"/>
               </a:rPr>
               <a:t> </a:t>
@@ -35323,7 +35259,7 @@
                   <a:srgbClr val="000000"/>
                 </a:solidFill>
                 <a:effectLst/>
-                <a:latin typeface="Courier New" panose="02070309020205020404" pitchFamily="49" charset="0"/>
+                <a:latin typeface="Consolas" panose="020B0609020204030204" pitchFamily="49" charset="0"/>
                 <a:cs typeface="Courier New" panose="02070309020205020404" pitchFamily="49" charset="0"/>
               </a:rPr>
               <a:t>x, </a:t>
@@ -35337,7 +35273,7 @@
                   <a:srgbClr val="000080"/>
                 </a:solidFill>
                 <a:effectLst/>
-                <a:latin typeface="Courier New" panose="02070309020205020404" pitchFamily="49" charset="0"/>
+                <a:latin typeface="Consolas" panose="020B0609020204030204" pitchFamily="49" charset="0"/>
                 <a:cs typeface="Courier New" panose="02070309020205020404" pitchFamily="49" charset="0"/>
               </a:rPr>
               <a:t>int</a:t>
@@ -35351,7 +35287,7 @@
                   <a:srgbClr val="000080"/>
                 </a:solidFill>
                 <a:effectLst/>
-                <a:latin typeface="Courier New" panose="02070309020205020404" pitchFamily="49" charset="0"/>
+                <a:latin typeface="Consolas" panose="020B0609020204030204" pitchFamily="49" charset="0"/>
                 <a:cs typeface="Courier New" panose="02070309020205020404" pitchFamily="49" charset="0"/>
               </a:rPr>
               <a:t> </a:t>
@@ -35365,7 +35301,7 @@
                   <a:srgbClr val="000000"/>
                 </a:solidFill>
                 <a:effectLst/>
-                <a:latin typeface="Courier New" panose="02070309020205020404" pitchFamily="49" charset="0"/>
+                <a:latin typeface="Consolas" panose="020B0609020204030204" pitchFamily="49" charset="0"/>
                 <a:cs typeface="Courier New" panose="02070309020205020404" pitchFamily="49" charset="0"/>
               </a:rPr>
               <a:t>y) {</a:t>
@@ -35379,7 +35315,7 @@
                   <a:srgbClr val="000000"/>
                 </a:solidFill>
                 <a:effectLst/>
-                <a:latin typeface="Courier New" panose="02070309020205020404" pitchFamily="49" charset="0"/>
+                <a:latin typeface="Consolas" panose="020B0609020204030204" pitchFamily="49" charset="0"/>
                 <a:cs typeface="Courier New" panose="02070309020205020404" pitchFamily="49" charset="0"/>
               </a:rPr>
             </a:br>
@@ -35392,7 +35328,7 @@
                   <a:srgbClr val="000000"/>
                 </a:solidFill>
                 <a:effectLst/>
-                <a:latin typeface="Courier New" panose="02070309020205020404" pitchFamily="49" charset="0"/>
+                <a:latin typeface="Consolas" panose="020B0609020204030204" pitchFamily="49" charset="0"/>
                 <a:cs typeface="Courier New" panose="02070309020205020404" pitchFamily="49" charset="0"/>
               </a:rPr>
               <a:t>    </a:t>
@@ -35406,7 +35342,7 @@
                   <a:srgbClr val="000080"/>
                 </a:solidFill>
                 <a:effectLst/>
-                <a:latin typeface="Courier New" panose="02070309020205020404" pitchFamily="49" charset="0"/>
+                <a:latin typeface="Consolas" panose="020B0609020204030204" pitchFamily="49" charset="0"/>
                 <a:cs typeface="Courier New" panose="02070309020205020404" pitchFamily="49" charset="0"/>
               </a:rPr>
               <a:t>return </a:t>
@@ -35420,7 +35356,7 @@
                   <a:srgbClr val="000000"/>
                 </a:solidFill>
                 <a:effectLst/>
-                <a:latin typeface="Courier New" panose="02070309020205020404" pitchFamily="49" charset="0"/>
+                <a:latin typeface="Consolas" panose="020B0609020204030204" pitchFamily="49" charset="0"/>
                 <a:cs typeface="Courier New" panose="02070309020205020404" pitchFamily="49" charset="0"/>
               </a:rPr>
               <a:t>x &lt; y ? x : </a:t>
@@ -35434,7 +35370,7 @@
                   <a:srgbClr val="000080"/>
                 </a:solidFill>
                 <a:effectLst/>
-                <a:latin typeface="Courier New" panose="02070309020205020404" pitchFamily="49" charset="0"/>
+                <a:latin typeface="Consolas" panose="020B0609020204030204" pitchFamily="49" charset="0"/>
                 <a:cs typeface="Courier New" panose="02070309020205020404" pitchFamily="49" charset="0"/>
               </a:rPr>
               <a:t>null</a:t>
@@ -35448,7 +35384,7 @@
                   <a:srgbClr val="000000"/>
                 </a:solidFill>
                 <a:effectLst/>
-                <a:latin typeface="Courier New" panose="02070309020205020404" pitchFamily="49" charset="0"/>
+                <a:latin typeface="Consolas" panose="020B0609020204030204" pitchFamily="49" charset="0"/>
                 <a:cs typeface="Courier New" panose="02070309020205020404" pitchFamily="49" charset="0"/>
               </a:rPr>
               <a:t>;</a:t>
@@ -35462,7 +35398,7 @@
                   <a:srgbClr val="000000"/>
                 </a:solidFill>
                 <a:effectLst/>
-                <a:latin typeface="Courier New" panose="02070309020205020404" pitchFamily="49" charset="0"/>
+                <a:latin typeface="Consolas" panose="020B0609020204030204" pitchFamily="49" charset="0"/>
                 <a:cs typeface="Courier New" panose="02070309020205020404" pitchFamily="49" charset="0"/>
               </a:rPr>
             </a:br>
@@ -35475,7 +35411,7 @@
                   <a:srgbClr val="000000"/>
                 </a:solidFill>
                 <a:effectLst/>
-                <a:latin typeface="Courier New" panose="02070309020205020404" pitchFamily="49" charset="0"/>
+                <a:latin typeface="Consolas" panose="020B0609020204030204" pitchFamily="49" charset="0"/>
                 <a:cs typeface="Courier New" panose="02070309020205020404" pitchFamily="49" charset="0"/>
               </a:rPr>
               <a:t>}</a:t>
@@ -35488,7 +35424,7 @@
                 <a:schemeClr val="tx1"/>
               </a:solidFill>
               <a:effectLst/>
-              <a:latin typeface="Arial" panose="020B0604020202020204" pitchFamily="34" charset="0"/>
+              <a:latin typeface="Consolas" panose="020B0609020204030204" pitchFamily="49" charset="0"/>
             </a:endParaRPr>
           </a:p>
         </p:txBody>
@@ -35578,7 +35514,7 @@
                   <a:srgbClr val="000000"/>
                 </a:solidFill>
                 <a:effectLst/>
-                <a:latin typeface="Courier New" panose="02070309020205020404" pitchFamily="49" charset="0"/>
+                <a:latin typeface="Consolas" panose="020B0609020204030204" pitchFamily="49" charset="0"/>
                 <a:cs typeface="Courier New" panose="02070309020205020404" pitchFamily="49" charset="0"/>
               </a:rPr>
               <a:t>compare</a:t>
@@ -35592,7 +35528,7 @@
                   <a:srgbClr val="000000"/>
                 </a:solidFill>
                 <a:effectLst/>
-                <a:latin typeface="Courier New" panose="02070309020205020404" pitchFamily="49" charset="0"/>
+                <a:latin typeface="Consolas" panose="020B0609020204030204" pitchFamily="49" charset="0"/>
                 <a:cs typeface="Courier New" panose="02070309020205020404" pitchFamily="49" charset="0"/>
               </a:rPr>
               <a:t>(</a:t>
@@ -35606,7 +35542,7 @@
                   <a:srgbClr val="0000FF"/>
                 </a:solidFill>
                 <a:effectLst/>
-                <a:latin typeface="Courier New" panose="02070309020205020404" pitchFamily="49" charset="0"/>
+                <a:latin typeface="Consolas" panose="020B0609020204030204" pitchFamily="49" charset="0"/>
                 <a:cs typeface="Courier New" panose="02070309020205020404" pitchFamily="49" charset="0"/>
               </a:rPr>
               <a:t>5</a:t>
@@ -35620,7 +35556,7 @@
                   <a:srgbClr val="000000"/>
                 </a:solidFill>
                 <a:effectLst/>
-                <a:latin typeface="Courier New" panose="02070309020205020404" pitchFamily="49" charset="0"/>
+                <a:latin typeface="Consolas" panose="020B0609020204030204" pitchFamily="49" charset="0"/>
                 <a:cs typeface="Courier New" panose="02070309020205020404" pitchFamily="49" charset="0"/>
               </a:rPr>
               <a:t>,</a:t>
@@ -35634,7 +35570,7 @@
                   <a:srgbClr val="0000FF"/>
                 </a:solidFill>
                 <a:effectLst/>
-                <a:latin typeface="Courier New" panose="02070309020205020404" pitchFamily="49" charset="0"/>
+                <a:latin typeface="Consolas" panose="020B0609020204030204" pitchFamily="49" charset="0"/>
                 <a:cs typeface="Courier New" panose="02070309020205020404" pitchFamily="49" charset="0"/>
               </a:rPr>
               <a:t>4</a:t>
@@ -35648,7 +35584,7 @@
                   <a:srgbClr val="000000"/>
                 </a:solidFill>
                 <a:effectLst/>
-                <a:latin typeface="Courier New" panose="02070309020205020404" pitchFamily="49" charset="0"/>
+                <a:latin typeface="Consolas" panose="020B0609020204030204" pitchFamily="49" charset="0"/>
                 <a:cs typeface="Courier New" panose="02070309020205020404" pitchFamily="49" charset="0"/>
               </a:rPr>
               <a:t>);</a:t>
@@ -35661,7 +35597,7 @@
                 <a:schemeClr val="tx1"/>
               </a:solidFill>
               <a:effectLst/>
-              <a:latin typeface="Arial" panose="020B0604020202020204" pitchFamily="34" charset="0"/>
+              <a:latin typeface="Consolas" panose="020B0609020204030204" pitchFamily="49" charset="0"/>
             </a:endParaRPr>
           </a:p>
         </p:txBody>
@@ -35675,7 +35611,7 @@
         <p:spPr>
           <a:xfrm>
             <a:off x="3240643" y="5200134"/>
-            <a:ext cx="6306535" cy="307777"/>
+            <a:ext cx="5849678" cy="307777"/>
           </a:xfrm>
           <a:prstGeom prst="rect">
             <a:avLst/>
@@ -35692,7 +35628,7 @@
                 <a:solidFill>
                   <a:srgbClr val="FF0000"/>
                 </a:solidFill>
-                <a:latin typeface="Courier New" panose="02070309020205020404" pitchFamily="49" charset="0"/>
+                <a:latin typeface="Consolas" panose="020B0609020204030204" pitchFamily="49" charset="0"/>
                 <a:cs typeface="Courier New" panose="02070309020205020404" pitchFamily="49" charset="0"/>
               </a:rPr>
               <a:t>Exception in thread "main" </a:t>
@@ -35702,7 +35638,7 @@
                 <a:solidFill>
                   <a:srgbClr val="FF0000"/>
                 </a:solidFill>
-                <a:latin typeface="Courier New" panose="02070309020205020404" pitchFamily="49" charset="0"/>
+                <a:latin typeface="Consolas" panose="020B0609020204030204" pitchFamily="49" charset="0"/>
                 <a:cs typeface="Courier New" panose="02070309020205020404" pitchFamily="49" charset="0"/>
               </a:rPr>
               <a:t>java.lang.NullPointerException</a:t>
@@ -35711,7 +35647,7 @@
               <a:solidFill>
                 <a:srgbClr val="FF0000"/>
               </a:solidFill>
-              <a:latin typeface="Courier New" panose="02070309020205020404" pitchFamily="49" charset="0"/>
+              <a:latin typeface="Consolas" panose="020B0609020204030204" pitchFamily="49" charset="0"/>
               <a:cs typeface="Courier New" panose="02070309020205020404" pitchFamily="49" charset="0"/>
             </a:endParaRPr>
           </a:p>
@@ -35789,7 +35725,7 @@
         <p:spPr bwMode="auto">
           <a:xfrm>
             <a:off x="3861006" y="3020171"/>
-            <a:ext cx="4733988" cy="1200329"/>
+            <a:ext cx="4363695" cy="1200329"/>
           </a:xfrm>
           <a:prstGeom prst="rect">
             <a:avLst/>
@@ -35863,7 +35799,7 @@
                   <a:srgbClr val="000080"/>
                 </a:solidFill>
                 <a:effectLst/>
-                <a:latin typeface="Courier New" panose="02070309020205020404" pitchFamily="49" charset="0"/>
+                <a:latin typeface="Consolas" panose="020B0609020204030204" pitchFamily="49" charset="0"/>
                 <a:cs typeface="Courier New" panose="02070309020205020404" pitchFamily="49" charset="0"/>
               </a:rPr>
               <a:t>private void </a:t>
@@ -35877,7 +35813,7 @@
                   <a:srgbClr val="000000"/>
                 </a:solidFill>
                 <a:effectLst/>
-                <a:latin typeface="Courier New" panose="02070309020205020404" pitchFamily="49" charset="0"/>
+                <a:latin typeface="Consolas" panose="020B0609020204030204" pitchFamily="49" charset="0"/>
                 <a:cs typeface="Courier New" panose="02070309020205020404" pitchFamily="49" charset="0"/>
               </a:rPr>
               <a:t>processRequest</a:t>
@@ -35891,7 +35827,7 @@
                   <a:srgbClr val="000000"/>
                 </a:solidFill>
                 <a:effectLst/>
-                <a:latin typeface="Courier New" panose="02070309020205020404" pitchFamily="49" charset="0"/>
+                <a:latin typeface="Consolas" panose="020B0609020204030204" pitchFamily="49" charset="0"/>
                 <a:cs typeface="Courier New" panose="02070309020205020404" pitchFamily="49" charset="0"/>
               </a:rPr>
               <a:t>() {</a:t>
@@ -35905,7 +35841,7 @@
                   <a:srgbClr val="000000"/>
                 </a:solidFill>
                 <a:effectLst/>
-                <a:latin typeface="Courier New" panose="02070309020205020404" pitchFamily="49" charset="0"/>
+                <a:latin typeface="Consolas" panose="020B0609020204030204" pitchFamily="49" charset="0"/>
                 <a:cs typeface="Courier New" panose="02070309020205020404" pitchFamily="49" charset="0"/>
               </a:rPr>
             </a:br>
@@ -35918,7 +35854,7 @@
                   <a:srgbClr val="000000"/>
                 </a:solidFill>
                 <a:effectLst/>
-                <a:latin typeface="Courier New" panose="02070309020205020404" pitchFamily="49" charset="0"/>
+                <a:latin typeface="Consolas" panose="020B0609020204030204" pitchFamily="49" charset="0"/>
                 <a:cs typeface="Courier New" panose="02070309020205020404" pitchFamily="49" charset="0"/>
               </a:rPr>
               <a:t>    String data = </a:t>
@@ -35932,7 +35868,7 @@
                   <a:srgbClr val="000000"/>
                 </a:solidFill>
                 <a:effectLst/>
-                <a:latin typeface="Courier New" panose="02070309020205020404" pitchFamily="49" charset="0"/>
+                <a:latin typeface="Consolas" panose="020B0609020204030204" pitchFamily="49" charset="0"/>
                 <a:cs typeface="Courier New" panose="02070309020205020404" pitchFamily="49" charset="0"/>
               </a:rPr>
               <a:t>getUserInput</a:t>
@@ -35946,7 +35882,7 @@
                   <a:srgbClr val="000000"/>
                 </a:solidFill>
                 <a:effectLst/>
-                <a:latin typeface="Courier New" panose="02070309020205020404" pitchFamily="49" charset="0"/>
+                <a:latin typeface="Consolas" panose="020B0609020204030204" pitchFamily="49" charset="0"/>
                 <a:cs typeface="Courier New" panose="02070309020205020404" pitchFamily="49" charset="0"/>
               </a:rPr>
               <a:t>();</a:t>
@@ -35960,7 +35896,7 @@
                   <a:srgbClr val="000000"/>
                 </a:solidFill>
                 <a:effectLst/>
-                <a:latin typeface="Courier New" panose="02070309020205020404" pitchFamily="49" charset="0"/>
+                <a:latin typeface="Consolas" panose="020B0609020204030204" pitchFamily="49" charset="0"/>
                 <a:cs typeface="Courier New" panose="02070309020205020404" pitchFamily="49" charset="0"/>
               </a:rPr>
             </a:br>
@@ -35973,7 +35909,7 @@
                   <a:srgbClr val="000000"/>
                 </a:solidFill>
                 <a:effectLst/>
-                <a:latin typeface="Courier New" panose="02070309020205020404" pitchFamily="49" charset="0"/>
+                <a:latin typeface="Consolas" panose="020B0609020204030204" pitchFamily="49" charset="0"/>
                 <a:cs typeface="Courier New" panose="02070309020205020404" pitchFamily="49" charset="0"/>
               </a:rPr>
               <a:t>    </a:t>
@@ -35987,7 +35923,7 @@
                   <a:srgbClr val="000000"/>
                 </a:solidFill>
                 <a:effectLst/>
-                <a:latin typeface="Courier New" panose="02070309020205020404" pitchFamily="49" charset="0"/>
+                <a:latin typeface="Consolas" panose="020B0609020204030204" pitchFamily="49" charset="0"/>
                 <a:cs typeface="Courier New" panose="02070309020205020404" pitchFamily="49" charset="0"/>
               </a:rPr>
               <a:t>executeSqlQuery</a:t>
@@ -36001,7 +35937,7 @@
                   <a:srgbClr val="000000"/>
                 </a:solidFill>
                 <a:effectLst/>
-                <a:latin typeface="Courier New" panose="02070309020205020404" pitchFamily="49" charset="0"/>
+                <a:latin typeface="Consolas" panose="020B0609020204030204" pitchFamily="49" charset="0"/>
                 <a:cs typeface="Courier New" panose="02070309020205020404" pitchFamily="49" charset="0"/>
               </a:rPr>
               <a:t>(data);</a:t>
@@ -36015,7 +35951,7 @@
                   <a:srgbClr val="000000"/>
                 </a:solidFill>
                 <a:effectLst/>
-                <a:latin typeface="Courier New" panose="02070309020205020404" pitchFamily="49" charset="0"/>
+                <a:latin typeface="Consolas" panose="020B0609020204030204" pitchFamily="49" charset="0"/>
                 <a:cs typeface="Courier New" panose="02070309020205020404" pitchFamily="49" charset="0"/>
               </a:rPr>
             </a:br>
@@ -36028,7 +35964,7 @@
                   <a:srgbClr val="000000"/>
                 </a:solidFill>
                 <a:effectLst/>
-                <a:latin typeface="Courier New" panose="02070309020205020404" pitchFamily="49" charset="0"/>
+                <a:latin typeface="Consolas" panose="020B0609020204030204" pitchFamily="49" charset="0"/>
                 <a:cs typeface="Courier New" panose="02070309020205020404" pitchFamily="49" charset="0"/>
               </a:rPr>
               <a:t>}</a:t>
@@ -36041,7 +35977,7 @@
                 <a:schemeClr val="tx1"/>
               </a:solidFill>
               <a:effectLst/>
-              <a:latin typeface="Arial" panose="020B0604020202020204" pitchFamily="34" charset="0"/>
+              <a:latin typeface="Consolas" panose="020B0609020204030204" pitchFamily="49" charset="0"/>
             </a:endParaRPr>
           </a:p>
         </p:txBody>
@@ -36118,7 +36054,7 @@
         <p:spPr bwMode="auto">
           <a:xfrm>
             <a:off x="3861006" y="3020171"/>
-            <a:ext cx="4733988" cy="1200329"/>
+            <a:ext cx="4363695" cy="1200329"/>
           </a:xfrm>
           <a:prstGeom prst="rect">
             <a:avLst/>
@@ -36192,7 +36128,7 @@
                   <a:srgbClr val="000080"/>
                 </a:solidFill>
                 <a:effectLst/>
-                <a:latin typeface="Courier New" panose="02070309020205020404" pitchFamily="49" charset="0"/>
+                <a:latin typeface="Consolas" panose="020B0609020204030204" pitchFamily="49" charset="0"/>
                 <a:cs typeface="Courier New" panose="02070309020205020404" pitchFamily="49" charset="0"/>
               </a:rPr>
               <a:t>private void </a:t>
@@ -36206,7 +36142,7 @@
                   <a:srgbClr val="000000"/>
                 </a:solidFill>
                 <a:effectLst/>
-                <a:latin typeface="Courier New" panose="02070309020205020404" pitchFamily="49" charset="0"/>
+                <a:latin typeface="Consolas" panose="020B0609020204030204" pitchFamily="49" charset="0"/>
                 <a:cs typeface="Courier New" panose="02070309020205020404" pitchFamily="49" charset="0"/>
               </a:rPr>
               <a:t>processRequest</a:t>
@@ -36220,7 +36156,7 @@
                   <a:srgbClr val="000000"/>
                 </a:solidFill>
                 <a:effectLst/>
-                <a:latin typeface="Courier New" panose="02070309020205020404" pitchFamily="49" charset="0"/>
+                <a:latin typeface="Consolas" panose="020B0609020204030204" pitchFamily="49" charset="0"/>
                 <a:cs typeface="Courier New" panose="02070309020205020404" pitchFamily="49" charset="0"/>
               </a:rPr>
               <a:t>() {</a:t>
@@ -36234,7 +36170,7 @@
                   <a:srgbClr val="000000"/>
                 </a:solidFill>
                 <a:effectLst/>
-                <a:latin typeface="Courier New" panose="02070309020205020404" pitchFamily="49" charset="0"/>
+                <a:latin typeface="Consolas" panose="020B0609020204030204" pitchFamily="49" charset="0"/>
                 <a:cs typeface="Courier New" panose="02070309020205020404" pitchFamily="49" charset="0"/>
               </a:rPr>
             </a:br>
@@ -36247,7 +36183,7 @@
                   <a:srgbClr val="000000"/>
                 </a:solidFill>
                 <a:effectLst/>
-                <a:latin typeface="Courier New" panose="02070309020205020404" pitchFamily="49" charset="0"/>
+                <a:latin typeface="Consolas" panose="020B0609020204030204" pitchFamily="49" charset="0"/>
                 <a:cs typeface="Courier New" panose="02070309020205020404" pitchFamily="49" charset="0"/>
               </a:rPr>
               <a:t>    String data = </a:t>
@@ -36261,7 +36197,7 @@
                   <a:srgbClr val="000000"/>
                 </a:solidFill>
                 <a:effectLst/>
-                <a:latin typeface="Courier New" panose="02070309020205020404" pitchFamily="49" charset="0"/>
+                <a:latin typeface="Consolas" panose="020B0609020204030204" pitchFamily="49" charset="0"/>
                 <a:cs typeface="Courier New" panose="02070309020205020404" pitchFamily="49" charset="0"/>
               </a:rPr>
               <a:t>getUserInput</a:t>
@@ -36275,7 +36211,7 @@
                   <a:srgbClr val="000000"/>
                 </a:solidFill>
                 <a:effectLst/>
-                <a:latin typeface="Courier New" panose="02070309020205020404" pitchFamily="49" charset="0"/>
+                <a:latin typeface="Consolas" panose="020B0609020204030204" pitchFamily="49" charset="0"/>
                 <a:cs typeface="Courier New" panose="02070309020205020404" pitchFamily="49" charset="0"/>
               </a:rPr>
               <a:t>();</a:t>
@@ -36289,7 +36225,7 @@
                   <a:srgbClr val="000000"/>
                 </a:solidFill>
                 <a:effectLst/>
-                <a:latin typeface="Courier New" panose="02070309020205020404" pitchFamily="49" charset="0"/>
+                <a:latin typeface="Consolas" panose="020B0609020204030204" pitchFamily="49" charset="0"/>
                 <a:cs typeface="Courier New" panose="02070309020205020404" pitchFamily="49" charset="0"/>
               </a:rPr>
             </a:br>
@@ -36302,7 +36238,7 @@
                   <a:srgbClr val="000000"/>
                 </a:solidFill>
                 <a:effectLst/>
-                <a:latin typeface="Courier New" panose="02070309020205020404" pitchFamily="49" charset="0"/>
+                <a:latin typeface="Consolas" panose="020B0609020204030204" pitchFamily="49" charset="0"/>
                 <a:cs typeface="Courier New" panose="02070309020205020404" pitchFamily="49" charset="0"/>
               </a:rPr>
               <a:t>    </a:t>
@@ -36316,7 +36252,7 @@
                   <a:srgbClr val="000000"/>
                 </a:solidFill>
                 <a:effectLst/>
-                <a:latin typeface="Courier New" panose="02070309020205020404" pitchFamily="49" charset="0"/>
+                <a:latin typeface="Consolas" panose="020B0609020204030204" pitchFamily="49" charset="0"/>
                 <a:cs typeface="Courier New" panose="02070309020205020404" pitchFamily="49" charset="0"/>
               </a:rPr>
               <a:t>executeSqlQuery</a:t>
@@ -36330,7 +36266,7 @@
                   <a:srgbClr val="000000"/>
                 </a:solidFill>
                 <a:effectLst/>
-                <a:latin typeface="Courier New" panose="02070309020205020404" pitchFamily="49" charset="0"/>
+                <a:latin typeface="Consolas" panose="020B0609020204030204" pitchFamily="49" charset="0"/>
                 <a:cs typeface="Courier New" panose="02070309020205020404" pitchFamily="49" charset="0"/>
               </a:rPr>
               <a:t>(data);</a:t>
@@ -36344,7 +36280,7 @@
                   <a:srgbClr val="000000"/>
                 </a:solidFill>
                 <a:effectLst/>
-                <a:latin typeface="Courier New" panose="02070309020205020404" pitchFamily="49" charset="0"/>
+                <a:latin typeface="Consolas" panose="020B0609020204030204" pitchFamily="49" charset="0"/>
                 <a:cs typeface="Courier New" panose="02070309020205020404" pitchFamily="49" charset="0"/>
               </a:rPr>
             </a:br>
@@ -36357,7 +36293,7 @@
                   <a:srgbClr val="000000"/>
                 </a:solidFill>
                 <a:effectLst/>
-                <a:latin typeface="Courier New" panose="02070309020205020404" pitchFamily="49" charset="0"/>
+                <a:latin typeface="Consolas" panose="020B0609020204030204" pitchFamily="49" charset="0"/>
                 <a:cs typeface="Courier New" panose="02070309020205020404" pitchFamily="49" charset="0"/>
               </a:rPr>
               <a:t>}</a:t>
@@ -36370,7 +36306,7 @@
                 <a:schemeClr val="tx1"/>
               </a:solidFill>
               <a:effectLst/>
-              <a:latin typeface="Arial" panose="020B0604020202020204" pitchFamily="34" charset="0"/>
+              <a:latin typeface="Consolas" panose="020B0609020204030204" pitchFamily="49" charset="0"/>
             </a:endParaRPr>
           </a:p>
         </p:txBody>
@@ -36402,7 +36338,7 @@
                 <a:solidFill>
                   <a:srgbClr val="FF0000"/>
                 </a:solidFill>
-                <a:latin typeface="Courier New" panose="02070309020205020404" pitchFamily="49" charset="0"/>
+                <a:latin typeface="Consolas" panose="020B0609020204030204" pitchFamily="49" charset="0"/>
                 <a:cs typeface="Courier New" panose="02070309020205020404" pitchFamily="49" charset="0"/>
               </a:rPr>
               <a:t>SQL injection?</a:t>
@@ -36411,7 +36347,7 @@
               <a:solidFill>
                 <a:srgbClr val="FF0000"/>
               </a:solidFill>
-              <a:latin typeface="Courier New" panose="02070309020205020404" pitchFamily="49" charset="0"/>
+              <a:latin typeface="Consolas" panose="020B0609020204030204" pitchFamily="49" charset="0"/>
               <a:cs typeface="Courier New" panose="02070309020205020404" pitchFamily="49" charset="0"/>
             </a:endParaRPr>
           </a:p>
@@ -36596,7 +36532,7 @@
         <p:spPr bwMode="auto">
           <a:xfrm>
             <a:off x="2964927" y="2856902"/>
-            <a:ext cx="6526146" cy="646331"/>
+            <a:ext cx="6009979" cy="646331"/>
           </a:xfrm>
           <a:prstGeom prst="rect">
             <a:avLst/>
@@ -36670,7 +36606,7 @@
                   <a:srgbClr val="000000"/>
                 </a:solidFill>
                 <a:effectLst/>
-                <a:latin typeface="Courier New" panose="02070309020205020404" pitchFamily="49" charset="0"/>
+                <a:latin typeface="Consolas" panose="020B0609020204030204" pitchFamily="49" charset="0"/>
                 <a:cs typeface="Courier New" panose="02070309020205020404" pitchFamily="49" charset="0"/>
               </a:rPr>
               <a:t>Optional&lt;Integer&gt; optional = </a:t>
@@ -36684,7 +36620,7 @@
                   <a:srgbClr val="000000"/>
                 </a:solidFill>
                 <a:effectLst/>
-                <a:latin typeface="Courier New" panose="02070309020205020404" pitchFamily="49" charset="0"/>
+                <a:latin typeface="Consolas" panose="020B0609020204030204" pitchFamily="49" charset="0"/>
                 <a:cs typeface="Courier New" panose="02070309020205020404" pitchFamily="49" charset="0"/>
               </a:rPr>
               <a:t>Optional.</a:t>
@@ -36698,7 +36634,7 @@
                   <a:srgbClr val="000000"/>
                 </a:solidFill>
                 <a:effectLst/>
-                <a:latin typeface="Courier New" panose="02070309020205020404" pitchFamily="49" charset="0"/>
+                <a:latin typeface="Consolas" panose="020B0609020204030204" pitchFamily="49" charset="0"/>
                 <a:cs typeface="Courier New" panose="02070309020205020404" pitchFamily="49" charset="0"/>
               </a:rPr>
               <a:t>empty</a:t>
@@ -36712,7 +36648,7 @@
                   <a:srgbClr val="000000"/>
                 </a:solidFill>
                 <a:effectLst/>
-                <a:latin typeface="Courier New" panose="02070309020205020404" pitchFamily="49" charset="0"/>
+                <a:latin typeface="Consolas" panose="020B0609020204030204" pitchFamily="49" charset="0"/>
                 <a:cs typeface="Courier New" panose="02070309020205020404" pitchFamily="49" charset="0"/>
               </a:rPr>
               <a:t>();</a:t>
@@ -36726,7 +36662,7 @@
                   <a:srgbClr val="000000"/>
                 </a:solidFill>
                 <a:effectLst/>
-                <a:latin typeface="Courier New" panose="02070309020205020404" pitchFamily="49" charset="0"/>
+                <a:latin typeface="Consolas" panose="020B0609020204030204" pitchFamily="49" charset="0"/>
                 <a:cs typeface="Courier New" panose="02070309020205020404" pitchFamily="49" charset="0"/>
               </a:rPr>
             </a:br>
@@ -36739,7 +36675,7 @@
                   <a:srgbClr val="000000"/>
                 </a:solidFill>
                 <a:effectLst/>
-                <a:latin typeface="Courier New" panose="02070309020205020404" pitchFamily="49" charset="0"/>
+                <a:latin typeface="Consolas" panose="020B0609020204030204" pitchFamily="49" charset="0"/>
                 <a:cs typeface="Courier New" panose="02070309020205020404" pitchFamily="49" charset="0"/>
               </a:rPr>
               <a:t>optional.get</a:t>
@@ -36753,7 +36689,7 @@
                   <a:srgbClr val="000000"/>
                 </a:solidFill>
                 <a:effectLst/>
-                <a:latin typeface="Courier New" panose="02070309020205020404" pitchFamily="49" charset="0"/>
+                <a:latin typeface="Consolas" panose="020B0609020204030204" pitchFamily="49" charset="0"/>
                 <a:cs typeface="Courier New" panose="02070309020205020404" pitchFamily="49" charset="0"/>
               </a:rPr>
               <a:t>();</a:t>
@@ -36766,7 +36702,7 @@
                 <a:schemeClr val="tx1"/>
               </a:solidFill>
               <a:effectLst/>
-              <a:latin typeface="Arial" panose="020B0604020202020204" pitchFamily="34" charset="0"/>
+              <a:latin typeface="Consolas" panose="020B0609020204030204" pitchFamily="49" charset="0"/>
             </a:endParaRPr>
           </a:p>
         </p:txBody>

--- a/Checker Framework.pptx
+++ b/Checker Framework.pptx
@@ -6,10 +6,10 @@
     <p:sldMasterId id="2147483669" r:id="rId5"/>
   </p:sldMasterIdLst>
   <p:notesMasterIdLst>
-    <p:notesMasterId r:id="rId34"/>
+    <p:notesMasterId r:id="rId35"/>
   </p:notesMasterIdLst>
   <p:handoutMasterIdLst>
-    <p:handoutMasterId r:id="rId35"/>
+    <p:handoutMasterId r:id="rId36"/>
   </p:handoutMasterIdLst>
   <p:sldIdLst>
     <p:sldId id="256" r:id="rId6"/>
@@ -38,8 +38,9 @@
     <p:sldId id="281" r:id="rId29"/>
     <p:sldId id="273" r:id="rId30"/>
     <p:sldId id="279" r:id="rId31"/>
-    <p:sldId id="282" r:id="rId32"/>
-    <p:sldId id="283" r:id="rId33"/>
+    <p:sldId id="286" r:id="rId32"/>
+    <p:sldId id="282" r:id="rId33"/>
+    <p:sldId id="283" r:id="rId34"/>
   </p:sldIdLst>
   <p:sldSz cx="12192000" cy="6858000"/>
   <p:notesSz cx="6858000" cy="9144000"/>
@@ -31321,7 +31322,7 @@
           <a:bodyPr/>
           <a:lstStyle/>
           <a:p>
-            <a:endParaRPr lang="en-US"/>
+            <a:endParaRPr lang="en-US" dirty="0"/>
           </a:p>
         </p:txBody>
       </p:sp>
@@ -32325,7 +32326,11 @@
           <a:p>
             <a:r>
               <a:rPr lang="en-US" dirty="0" smtClean="0"/>
-              <a:t>Define custom type qualifiers</a:t>
+              <a:t>Defining </a:t>
+            </a:r>
+            <a:r>
+              <a:rPr lang="en-US" dirty="0" smtClean="0"/>
+              <a:t>custom type qualifiers</a:t>
             </a:r>
             <a:endParaRPr lang="en-US" dirty="0"/>
           </a:p>
@@ -32416,7 +32421,7 @@
                   <a:srgbClr val="808000"/>
                 </a:solidFill>
                 <a:effectLst/>
-                <a:latin typeface="Courier New" panose="02070309020205020404" pitchFamily="49" charset="0"/>
+                <a:latin typeface="Consolas" panose="020B0609020204030204" pitchFamily="49" charset="0"/>
                 <a:cs typeface="Courier New" panose="02070309020205020404" pitchFamily="49" charset="0"/>
               </a:rPr>
               <a:t>@</a:t>
@@ -32430,7 +32435,7 @@
                   <a:srgbClr val="808000"/>
                 </a:solidFill>
                 <a:effectLst/>
-                <a:latin typeface="Courier New" panose="02070309020205020404" pitchFamily="49" charset="0"/>
+                <a:latin typeface="Consolas" panose="020B0609020204030204" pitchFamily="49" charset="0"/>
                 <a:cs typeface="Courier New" panose="02070309020205020404" pitchFamily="49" charset="0"/>
               </a:rPr>
               <a:t>DefaultQualifierInHierarchy</a:t>
@@ -32444,7 +32449,7 @@
                   <a:srgbClr val="808000"/>
                 </a:solidFill>
                 <a:effectLst/>
-                <a:latin typeface="Courier New" panose="02070309020205020404" pitchFamily="49" charset="0"/>
+                <a:latin typeface="Consolas" panose="020B0609020204030204" pitchFamily="49" charset="0"/>
                 <a:cs typeface="Courier New" panose="02070309020205020404" pitchFamily="49" charset="0"/>
               </a:rPr>
               <a:t/>
@@ -32458,7 +32463,7 @@
                   <a:srgbClr val="808000"/>
                 </a:solidFill>
                 <a:effectLst/>
-                <a:latin typeface="Courier New" panose="02070309020205020404" pitchFamily="49" charset="0"/>
+                <a:latin typeface="Consolas" panose="020B0609020204030204" pitchFamily="49" charset="0"/>
                 <a:cs typeface="Courier New" panose="02070309020205020404" pitchFamily="49" charset="0"/>
               </a:rPr>
             </a:br>
@@ -32471,7 +32476,7 @@
                   <a:srgbClr val="808000"/>
                 </a:solidFill>
                 <a:effectLst/>
-                <a:latin typeface="Courier New" panose="02070309020205020404" pitchFamily="49" charset="0"/>
+                <a:latin typeface="Consolas" panose="020B0609020204030204" pitchFamily="49" charset="0"/>
                 <a:cs typeface="Courier New" panose="02070309020205020404" pitchFamily="49" charset="0"/>
               </a:rPr>
               <a:t>@</a:t>
@@ -32485,7 +32490,7 @@
                   <a:srgbClr val="808000"/>
                 </a:solidFill>
                 <a:effectLst/>
-                <a:latin typeface="Courier New" panose="02070309020205020404" pitchFamily="49" charset="0"/>
+                <a:latin typeface="Consolas" panose="020B0609020204030204" pitchFamily="49" charset="0"/>
                 <a:cs typeface="Courier New" panose="02070309020205020404" pitchFamily="49" charset="0"/>
               </a:rPr>
               <a:t>SubtypeOf</a:t>
@@ -32499,7 +32504,7 @@
                   <a:srgbClr val="000000"/>
                 </a:solidFill>
                 <a:effectLst/>
-                <a:latin typeface="Courier New" panose="02070309020205020404" pitchFamily="49" charset="0"/>
+                <a:latin typeface="Consolas" panose="020B0609020204030204" pitchFamily="49" charset="0"/>
                 <a:cs typeface="Courier New" panose="02070309020205020404" pitchFamily="49" charset="0"/>
               </a:rPr>
               <a:t>({})</a:t>
@@ -32513,7 +32518,7 @@
                   <a:srgbClr val="000000"/>
                 </a:solidFill>
                 <a:effectLst/>
-                <a:latin typeface="Courier New" panose="02070309020205020404" pitchFamily="49" charset="0"/>
+                <a:latin typeface="Consolas" panose="020B0609020204030204" pitchFamily="49" charset="0"/>
                 <a:cs typeface="Courier New" panose="02070309020205020404" pitchFamily="49" charset="0"/>
               </a:rPr>
             </a:br>
@@ -32526,7 +32531,7 @@
                   <a:srgbClr val="808000"/>
                 </a:solidFill>
                 <a:effectLst/>
-                <a:latin typeface="Courier New" panose="02070309020205020404" pitchFamily="49" charset="0"/>
+                <a:latin typeface="Consolas" panose="020B0609020204030204" pitchFamily="49" charset="0"/>
                 <a:cs typeface="Courier New" panose="02070309020205020404" pitchFamily="49" charset="0"/>
               </a:rPr>
               <a:t>@Target</a:t>
@@ -32540,7 +32545,7 @@
                   <a:srgbClr val="000000"/>
                 </a:solidFill>
                 <a:effectLst/>
-                <a:latin typeface="Courier New" panose="02070309020205020404" pitchFamily="49" charset="0"/>
+                <a:latin typeface="Consolas" panose="020B0609020204030204" pitchFamily="49" charset="0"/>
                 <a:cs typeface="Courier New" panose="02070309020205020404" pitchFamily="49" charset="0"/>
               </a:rPr>
               <a:t>({</a:t>
@@ -32554,7 +32559,7 @@
                   <a:srgbClr val="000000"/>
                 </a:solidFill>
                 <a:effectLst/>
-                <a:latin typeface="Courier New" panose="02070309020205020404" pitchFamily="49" charset="0"/>
+                <a:latin typeface="Consolas" panose="020B0609020204030204" pitchFamily="49" charset="0"/>
                 <a:cs typeface="Courier New" panose="02070309020205020404" pitchFamily="49" charset="0"/>
               </a:rPr>
               <a:t>ElementType.</a:t>
@@ -32568,7 +32573,7 @@
                   <a:srgbClr val="660E7A"/>
                 </a:solidFill>
                 <a:effectLst/>
-                <a:latin typeface="Courier New" panose="02070309020205020404" pitchFamily="49" charset="0"/>
+                <a:latin typeface="Consolas" panose="020B0609020204030204" pitchFamily="49" charset="0"/>
                 <a:cs typeface="Courier New" panose="02070309020205020404" pitchFamily="49" charset="0"/>
               </a:rPr>
               <a:t>TYPE_USE</a:t>
@@ -32582,7 +32587,7 @@
                   <a:srgbClr val="000000"/>
                 </a:solidFill>
                 <a:effectLst/>
-                <a:latin typeface="Courier New" panose="02070309020205020404" pitchFamily="49" charset="0"/>
+                <a:latin typeface="Consolas" panose="020B0609020204030204" pitchFamily="49" charset="0"/>
                 <a:cs typeface="Courier New" panose="02070309020205020404" pitchFamily="49" charset="0"/>
               </a:rPr>
               <a:t>, </a:t>
@@ -32596,7 +32601,7 @@
                   <a:srgbClr val="000000"/>
                 </a:solidFill>
                 <a:effectLst/>
-                <a:latin typeface="Courier New" panose="02070309020205020404" pitchFamily="49" charset="0"/>
+                <a:latin typeface="Consolas" panose="020B0609020204030204" pitchFamily="49" charset="0"/>
                 <a:cs typeface="Courier New" panose="02070309020205020404" pitchFamily="49" charset="0"/>
               </a:rPr>
               <a:t>ElementType.</a:t>
@@ -32610,7 +32615,7 @@
                   <a:srgbClr val="660E7A"/>
                 </a:solidFill>
                 <a:effectLst/>
-                <a:latin typeface="Courier New" panose="02070309020205020404" pitchFamily="49" charset="0"/>
+                <a:latin typeface="Consolas" panose="020B0609020204030204" pitchFamily="49" charset="0"/>
                 <a:cs typeface="Courier New" panose="02070309020205020404" pitchFamily="49" charset="0"/>
               </a:rPr>
               <a:t>TYPE_PARAMETER</a:t>
@@ -32624,7 +32629,7 @@
                   <a:srgbClr val="000000"/>
                 </a:solidFill>
                 <a:effectLst/>
-                <a:latin typeface="Courier New" panose="02070309020205020404" pitchFamily="49" charset="0"/>
+                <a:latin typeface="Consolas" panose="020B0609020204030204" pitchFamily="49" charset="0"/>
                 <a:cs typeface="Courier New" panose="02070309020205020404" pitchFamily="49" charset="0"/>
               </a:rPr>
               <a:t>})</a:t>
@@ -32638,7 +32643,7 @@
                   <a:srgbClr val="000000"/>
                 </a:solidFill>
                 <a:effectLst/>
-                <a:latin typeface="Courier New" panose="02070309020205020404" pitchFamily="49" charset="0"/>
+                <a:latin typeface="Consolas" panose="020B0609020204030204" pitchFamily="49" charset="0"/>
                 <a:cs typeface="Courier New" panose="02070309020205020404" pitchFamily="49" charset="0"/>
               </a:rPr>
             </a:br>
@@ -32651,7 +32656,7 @@
                   <a:srgbClr val="000080"/>
                 </a:solidFill>
                 <a:effectLst/>
-                <a:latin typeface="Courier New" panose="02070309020205020404" pitchFamily="49" charset="0"/>
+                <a:latin typeface="Consolas" panose="020B0609020204030204" pitchFamily="49" charset="0"/>
                 <a:cs typeface="Courier New" panose="02070309020205020404" pitchFamily="49" charset="0"/>
               </a:rPr>
               <a:t>public </a:t>
@@ -32665,7 +32670,7 @@
                   <a:srgbClr val="000000"/>
                 </a:solidFill>
                 <a:effectLst/>
-                <a:latin typeface="Courier New" panose="02070309020205020404" pitchFamily="49" charset="0"/>
+                <a:latin typeface="Consolas" panose="020B0609020204030204" pitchFamily="49" charset="0"/>
                 <a:cs typeface="Courier New" panose="02070309020205020404" pitchFamily="49" charset="0"/>
               </a:rPr>
               <a:t>@</a:t>
@@ -32679,7 +32684,7 @@
                   <a:srgbClr val="000080"/>
                 </a:solidFill>
                 <a:effectLst/>
-                <a:latin typeface="Courier New" panose="02070309020205020404" pitchFamily="49" charset="0"/>
+                <a:latin typeface="Consolas" panose="020B0609020204030204" pitchFamily="49" charset="0"/>
                 <a:cs typeface="Courier New" panose="02070309020205020404" pitchFamily="49" charset="0"/>
               </a:rPr>
               <a:t>interface </a:t>
@@ -32693,7 +32698,7 @@
                   <a:srgbClr val="808000"/>
                 </a:solidFill>
                 <a:effectLst/>
-                <a:latin typeface="Courier New" panose="02070309020205020404" pitchFamily="49" charset="0"/>
+                <a:latin typeface="Consolas" panose="020B0609020204030204" pitchFamily="49" charset="0"/>
                 <a:cs typeface="Courier New" panose="02070309020205020404" pitchFamily="49" charset="0"/>
               </a:rPr>
               <a:t>PossiblyUnencrypted</a:t>
@@ -32707,7 +32712,7 @@
                   <a:srgbClr val="808000"/>
                 </a:solidFill>
                 <a:effectLst/>
-                <a:latin typeface="Courier New" panose="02070309020205020404" pitchFamily="49" charset="0"/>
+                <a:latin typeface="Consolas" panose="020B0609020204030204" pitchFamily="49" charset="0"/>
                 <a:cs typeface="Courier New" panose="02070309020205020404" pitchFamily="49" charset="0"/>
               </a:rPr>
               <a:t> </a:t>
@@ -32721,7 +32726,7 @@
                   <a:srgbClr val="000000"/>
                 </a:solidFill>
                 <a:effectLst/>
-                <a:latin typeface="Courier New" panose="02070309020205020404" pitchFamily="49" charset="0"/>
+                <a:latin typeface="Consolas" panose="020B0609020204030204" pitchFamily="49" charset="0"/>
                 <a:cs typeface="Courier New" panose="02070309020205020404" pitchFamily="49" charset="0"/>
               </a:rPr>
               <a:t>{}</a:t>
@@ -32734,7 +32739,7 @@
                 <a:schemeClr val="tx1"/>
               </a:solidFill>
               <a:effectLst/>
-              <a:latin typeface="Arial" panose="020B0604020202020204" pitchFamily="34" charset="0"/>
+              <a:latin typeface="Consolas" panose="020B0609020204030204" pitchFamily="49" charset="0"/>
             </a:endParaRPr>
           </a:p>
         </p:txBody>
@@ -32793,7 +32798,11 @@
           <a:p>
             <a:r>
               <a:rPr lang="en-US" dirty="0" smtClean="0"/>
-              <a:t>Define custom type qualifiers</a:t>
+              <a:t>Defining </a:t>
+            </a:r>
+            <a:r>
+              <a:rPr lang="en-US" dirty="0" smtClean="0"/>
+              <a:t>custom type qualifiers</a:t>
             </a:r>
             <a:endParaRPr lang="en-US" dirty="0"/>
           </a:p>
@@ -32812,7 +32821,7 @@
         <p:spPr bwMode="auto">
           <a:xfrm>
             <a:off x="2494445" y="3145571"/>
-            <a:ext cx="7467109" cy="830997"/>
+            <a:ext cx="6805068" cy="830997"/>
           </a:xfrm>
           <a:prstGeom prst="rect">
             <a:avLst/>
@@ -32886,7 +32895,7 @@
                   <a:srgbClr val="808000"/>
                 </a:solidFill>
                 <a:effectLst/>
-                <a:latin typeface="Courier New" panose="02070309020205020404" pitchFamily="49" charset="0"/>
+                <a:latin typeface="Consolas" panose="020B0609020204030204" pitchFamily="49" charset="0"/>
                 <a:cs typeface="Courier New" panose="02070309020205020404" pitchFamily="49" charset="0"/>
               </a:rPr>
               <a:t>@</a:t>
@@ -32900,7 +32909,7 @@
                   <a:srgbClr val="808000"/>
                 </a:solidFill>
                 <a:effectLst/>
-                <a:latin typeface="Courier New" panose="02070309020205020404" pitchFamily="49" charset="0"/>
+                <a:latin typeface="Consolas" panose="020B0609020204030204" pitchFamily="49" charset="0"/>
                 <a:cs typeface="Courier New" panose="02070309020205020404" pitchFamily="49" charset="0"/>
               </a:rPr>
               <a:t>SubtypeOf</a:t>
@@ -32914,7 +32923,7 @@
                   <a:srgbClr val="000000"/>
                 </a:solidFill>
                 <a:effectLst/>
-                <a:latin typeface="Courier New" panose="02070309020205020404" pitchFamily="49" charset="0"/>
+                <a:latin typeface="Consolas" panose="020B0609020204030204" pitchFamily="49" charset="0"/>
                 <a:cs typeface="Courier New" panose="02070309020205020404" pitchFamily="49" charset="0"/>
               </a:rPr>
               <a:t>(</a:t>
@@ -32928,7 +32937,7 @@
                   <a:srgbClr val="808000"/>
                 </a:solidFill>
                 <a:effectLst/>
-                <a:latin typeface="Courier New" panose="02070309020205020404" pitchFamily="49" charset="0"/>
+                <a:latin typeface="Consolas" panose="020B0609020204030204" pitchFamily="49" charset="0"/>
                 <a:cs typeface="Courier New" panose="02070309020205020404" pitchFamily="49" charset="0"/>
               </a:rPr>
               <a:t>PossiblyUnencrypted</a:t>
@@ -32942,7 +32951,7 @@
                   <a:srgbClr val="000000"/>
                 </a:solidFill>
                 <a:effectLst/>
-                <a:latin typeface="Courier New" panose="02070309020205020404" pitchFamily="49" charset="0"/>
+                <a:latin typeface="Consolas" panose="020B0609020204030204" pitchFamily="49" charset="0"/>
                 <a:cs typeface="Courier New" panose="02070309020205020404" pitchFamily="49" charset="0"/>
               </a:rPr>
               <a:t>.</a:t>
@@ -32956,7 +32965,7 @@
                   <a:srgbClr val="000080"/>
                 </a:solidFill>
                 <a:effectLst/>
-                <a:latin typeface="Courier New" panose="02070309020205020404" pitchFamily="49" charset="0"/>
+                <a:latin typeface="Consolas" panose="020B0609020204030204" pitchFamily="49" charset="0"/>
                 <a:cs typeface="Courier New" panose="02070309020205020404" pitchFamily="49" charset="0"/>
               </a:rPr>
               <a:t>class</a:t>
@@ -32970,7 +32979,7 @@
                   <a:srgbClr val="000000"/>
                 </a:solidFill>
                 <a:effectLst/>
-                <a:latin typeface="Courier New" panose="02070309020205020404" pitchFamily="49" charset="0"/>
+                <a:latin typeface="Consolas" panose="020B0609020204030204" pitchFamily="49" charset="0"/>
                 <a:cs typeface="Courier New" panose="02070309020205020404" pitchFamily="49" charset="0"/>
               </a:rPr>
               <a:t>)</a:t>
@@ -32984,7 +32993,7 @@
                   <a:srgbClr val="000000"/>
                 </a:solidFill>
                 <a:effectLst/>
-                <a:latin typeface="Courier New" panose="02070309020205020404" pitchFamily="49" charset="0"/>
+                <a:latin typeface="Consolas" panose="020B0609020204030204" pitchFamily="49" charset="0"/>
                 <a:cs typeface="Courier New" panose="02070309020205020404" pitchFamily="49" charset="0"/>
               </a:rPr>
             </a:br>
@@ -32997,7 +33006,7 @@
                   <a:srgbClr val="808000"/>
                 </a:solidFill>
                 <a:effectLst/>
-                <a:latin typeface="Courier New" panose="02070309020205020404" pitchFamily="49" charset="0"/>
+                <a:latin typeface="Consolas" panose="020B0609020204030204" pitchFamily="49" charset="0"/>
                 <a:cs typeface="Courier New" panose="02070309020205020404" pitchFamily="49" charset="0"/>
               </a:rPr>
               <a:t>@Target</a:t>
@@ -33011,7 +33020,7 @@
                   <a:srgbClr val="000000"/>
                 </a:solidFill>
                 <a:effectLst/>
-                <a:latin typeface="Courier New" panose="02070309020205020404" pitchFamily="49" charset="0"/>
+                <a:latin typeface="Consolas" panose="020B0609020204030204" pitchFamily="49" charset="0"/>
                 <a:cs typeface="Courier New" panose="02070309020205020404" pitchFamily="49" charset="0"/>
               </a:rPr>
               <a:t>({</a:t>
@@ -33025,7 +33034,7 @@
                   <a:srgbClr val="000000"/>
                 </a:solidFill>
                 <a:effectLst/>
-                <a:latin typeface="Courier New" panose="02070309020205020404" pitchFamily="49" charset="0"/>
+                <a:latin typeface="Consolas" panose="020B0609020204030204" pitchFamily="49" charset="0"/>
                 <a:cs typeface="Courier New" panose="02070309020205020404" pitchFamily="49" charset="0"/>
               </a:rPr>
               <a:t>ElementType.</a:t>
@@ -33039,7 +33048,7 @@
                   <a:srgbClr val="660E7A"/>
                 </a:solidFill>
                 <a:effectLst/>
-                <a:latin typeface="Courier New" panose="02070309020205020404" pitchFamily="49" charset="0"/>
+                <a:latin typeface="Consolas" panose="020B0609020204030204" pitchFamily="49" charset="0"/>
                 <a:cs typeface="Courier New" panose="02070309020205020404" pitchFamily="49" charset="0"/>
               </a:rPr>
               <a:t>TYPE_USE</a:t>
@@ -33053,7 +33062,7 @@
                   <a:srgbClr val="000000"/>
                 </a:solidFill>
                 <a:effectLst/>
-                <a:latin typeface="Courier New" panose="02070309020205020404" pitchFamily="49" charset="0"/>
+                <a:latin typeface="Consolas" panose="020B0609020204030204" pitchFamily="49" charset="0"/>
                 <a:cs typeface="Courier New" panose="02070309020205020404" pitchFamily="49" charset="0"/>
               </a:rPr>
               <a:t>, </a:t>
@@ -33067,7 +33076,7 @@
                   <a:srgbClr val="000000"/>
                 </a:solidFill>
                 <a:effectLst/>
-                <a:latin typeface="Courier New" panose="02070309020205020404" pitchFamily="49" charset="0"/>
+                <a:latin typeface="Consolas" panose="020B0609020204030204" pitchFamily="49" charset="0"/>
                 <a:cs typeface="Courier New" panose="02070309020205020404" pitchFamily="49" charset="0"/>
               </a:rPr>
               <a:t>ElementType.</a:t>
@@ -33081,7 +33090,7 @@
                   <a:srgbClr val="660E7A"/>
                 </a:solidFill>
                 <a:effectLst/>
-                <a:latin typeface="Courier New" panose="02070309020205020404" pitchFamily="49" charset="0"/>
+                <a:latin typeface="Consolas" panose="020B0609020204030204" pitchFamily="49" charset="0"/>
                 <a:cs typeface="Courier New" panose="02070309020205020404" pitchFamily="49" charset="0"/>
               </a:rPr>
               <a:t>TYPE_PARAMETER</a:t>
@@ -33095,7 +33104,7 @@
                   <a:srgbClr val="000000"/>
                 </a:solidFill>
                 <a:effectLst/>
-                <a:latin typeface="Courier New" panose="02070309020205020404" pitchFamily="49" charset="0"/>
+                <a:latin typeface="Consolas" panose="020B0609020204030204" pitchFamily="49" charset="0"/>
                 <a:cs typeface="Courier New" panose="02070309020205020404" pitchFamily="49" charset="0"/>
               </a:rPr>
               <a:t>})</a:t>
@@ -33109,7 +33118,7 @@
                   <a:srgbClr val="000000"/>
                 </a:solidFill>
                 <a:effectLst/>
-                <a:latin typeface="Courier New" panose="02070309020205020404" pitchFamily="49" charset="0"/>
+                <a:latin typeface="Consolas" panose="020B0609020204030204" pitchFamily="49" charset="0"/>
                 <a:cs typeface="Courier New" panose="02070309020205020404" pitchFamily="49" charset="0"/>
               </a:rPr>
             </a:br>
@@ -33122,7 +33131,7 @@
                   <a:srgbClr val="000080"/>
                 </a:solidFill>
                 <a:effectLst/>
-                <a:latin typeface="Courier New" panose="02070309020205020404" pitchFamily="49" charset="0"/>
+                <a:latin typeface="Consolas" panose="020B0609020204030204" pitchFamily="49" charset="0"/>
                 <a:cs typeface="Courier New" panose="02070309020205020404" pitchFamily="49" charset="0"/>
               </a:rPr>
               <a:t>public </a:t>
@@ -33136,7 +33145,7 @@
                   <a:srgbClr val="000000"/>
                 </a:solidFill>
                 <a:effectLst/>
-                <a:latin typeface="Courier New" panose="02070309020205020404" pitchFamily="49" charset="0"/>
+                <a:latin typeface="Consolas" panose="020B0609020204030204" pitchFamily="49" charset="0"/>
                 <a:cs typeface="Courier New" panose="02070309020205020404" pitchFamily="49" charset="0"/>
               </a:rPr>
               <a:t>@</a:t>
@@ -33150,7 +33159,7 @@
                   <a:srgbClr val="000080"/>
                 </a:solidFill>
                 <a:effectLst/>
-                <a:latin typeface="Courier New" panose="02070309020205020404" pitchFamily="49" charset="0"/>
+                <a:latin typeface="Consolas" panose="020B0609020204030204" pitchFamily="49" charset="0"/>
                 <a:cs typeface="Courier New" panose="02070309020205020404" pitchFamily="49" charset="0"/>
               </a:rPr>
               <a:t>interface </a:t>
@@ -33164,7 +33173,7 @@
                   <a:srgbClr val="808000"/>
                 </a:solidFill>
                 <a:effectLst/>
-                <a:latin typeface="Courier New" panose="02070309020205020404" pitchFamily="49" charset="0"/>
+                <a:latin typeface="Consolas" panose="020B0609020204030204" pitchFamily="49" charset="0"/>
                 <a:cs typeface="Courier New" panose="02070309020205020404" pitchFamily="49" charset="0"/>
               </a:rPr>
               <a:t>Encrypted </a:t>
@@ -33178,7 +33187,7 @@
                   <a:srgbClr val="000000"/>
                 </a:solidFill>
                 <a:effectLst/>
-                <a:latin typeface="Courier New" panose="02070309020205020404" pitchFamily="49" charset="0"/>
+                <a:latin typeface="Consolas" panose="020B0609020204030204" pitchFamily="49" charset="0"/>
                 <a:cs typeface="Courier New" panose="02070309020205020404" pitchFamily="49" charset="0"/>
               </a:rPr>
               <a:t>{}</a:t>
@@ -33191,7 +33200,7 @@
                 <a:schemeClr val="tx1"/>
               </a:solidFill>
               <a:effectLst/>
-              <a:latin typeface="Arial" panose="020B0604020202020204" pitchFamily="34" charset="0"/>
+              <a:latin typeface="Consolas" panose="020B0609020204030204" pitchFamily="49" charset="0"/>
             </a:endParaRPr>
           </a:p>
         </p:txBody>
@@ -33341,7 +33350,7 @@
         <p:spPr bwMode="auto">
           <a:xfrm>
             <a:off x="2964927" y="2856902"/>
-            <a:ext cx="6526146" cy="646331"/>
+            <a:ext cx="6009979" cy="646331"/>
           </a:xfrm>
           <a:prstGeom prst="rect">
             <a:avLst/>
@@ -33415,7 +33424,7 @@
                   <a:srgbClr val="000000"/>
                 </a:solidFill>
                 <a:effectLst/>
-                <a:latin typeface="Courier New" panose="02070309020205020404" pitchFamily="49" charset="0"/>
+                <a:latin typeface="Consolas" panose="020B0609020204030204" pitchFamily="49" charset="0"/>
                 <a:cs typeface="Courier New" panose="02070309020205020404" pitchFamily="49" charset="0"/>
               </a:rPr>
               <a:t>Optional&lt;Integer&gt; optional = </a:t>
@@ -33429,7 +33438,7 @@
                   <a:srgbClr val="000000"/>
                 </a:solidFill>
                 <a:effectLst/>
-                <a:latin typeface="Courier New" panose="02070309020205020404" pitchFamily="49" charset="0"/>
+                <a:latin typeface="Consolas" panose="020B0609020204030204" pitchFamily="49" charset="0"/>
                 <a:cs typeface="Courier New" panose="02070309020205020404" pitchFamily="49" charset="0"/>
               </a:rPr>
               <a:t>Optional.</a:t>
@@ -33443,7 +33452,7 @@
                   <a:srgbClr val="000000"/>
                 </a:solidFill>
                 <a:effectLst/>
-                <a:latin typeface="Courier New" panose="02070309020205020404" pitchFamily="49" charset="0"/>
+                <a:latin typeface="Consolas" panose="020B0609020204030204" pitchFamily="49" charset="0"/>
                 <a:cs typeface="Courier New" panose="02070309020205020404" pitchFamily="49" charset="0"/>
               </a:rPr>
               <a:t>empty</a:t>
@@ -33457,7 +33466,7 @@
                   <a:srgbClr val="000000"/>
                 </a:solidFill>
                 <a:effectLst/>
-                <a:latin typeface="Courier New" panose="02070309020205020404" pitchFamily="49" charset="0"/>
+                <a:latin typeface="Consolas" panose="020B0609020204030204" pitchFamily="49" charset="0"/>
                 <a:cs typeface="Courier New" panose="02070309020205020404" pitchFamily="49" charset="0"/>
               </a:rPr>
               <a:t>();</a:t>
@@ -33471,7 +33480,7 @@
                   <a:srgbClr val="000000"/>
                 </a:solidFill>
                 <a:effectLst/>
-                <a:latin typeface="Courier New" panose="02070309020205020404" pitchFamily="49" charset="0"/>
+                <a:latin typeface="Consolas" panose="020B0609020204030204" pitchFamily="49" charset="0"/>
                 <a:cs typeface="Courier New" panose="02070309020205020404" pitchFamily="49" charset="0"/>
               </a:rPr>
             </a:br>
@@ -33484,7 +33493,7 @@
                   <a:srgbClr val="000000"/>
                 </a:solidFill>
                 <a:effectLst/>
-                <a:latin typeface="Courier New" panose="02070309020205020404" pitchFamily="49" charset="0"/>
+                <a:latin typeface="Consolas" panose="020B0609020204030204" pitchFamily="49" charset="0"/>
                 <a:cs typeface="Courier New" panose="02070309020205020404" pitchFamily="49" charset="0"/>
               </a:rPr>
               <a:t>optional.get</a:t>
@@ -33498,7 +33507,7 @@
                   <a:srgbClr val="000000"/>
                 </a:solidFill>
                 <a:effectLst/>
-                <a:latin typeface="Courier New" panose="02070309020205020404" pitchFamily="49" charset="0"/>
+                <a:latin typeface="Consolas" panose="020B0609020204030204" pitchFamily="49" charset="0"/>
                 <a:cs typeface="Courier New" panose="02070309020205020404" pitchFamily="49" charset="0"/>
               </a:rPr>
               <a:t>();</a:t>
@@ -33511,7 +33520,7 @@
                 <a:schemeClr val="tx1"/>
               </a:solidFill>
               <a:effectLst/>
-              <a:latin typeface="Arial" panose="020B0604020202020204" pitchFamily="34" charset="0"/>
+              <a:latin typeface="Consolas" panose="020B0609020204030204" pitchFamily="49" charset="0"/>
             </a:endParaRPr>
           </a:p>
         </p:txBody>
@@ -33539,21 +33548,21 @@
           <a:p>
             <a:r>
               <a:rPr lang="en-US" b="1" dirty="0">
-                <a:latin typeface="Courier New" panose="02070309020205020404" pitchFamily="49" charset="0"/>
+                <a:latin typeface="Consolas" panose="020B0609020204030204" pitchFamily="49" charset="0"/>
                 <a:cs typeface="Courier New" panose="02070309020205020404" pitchFamily="49" charset="0"/>
               </a:rPr>
               <a:t>OptionalExamples.java:[11,39] [</a:t>
             </a:r>
             <a:r>
               <a:rPr lang="en-US" b="1" dirty="0" err="1">
-                <a:latin typeface="Courier New" panose="02070309020205020404" pitchFamily="49" charset="0"/>
+                <a:latin typeface="Consolas" panose="020B0609020204030204" pitchFamily="49" charset="0"/>
                 <a:cs typeface="Courier New" panose="02070309020205020404" pitchFamily="49" charset="0"/>
               </a:rPr>
               <a:t>method.invocation.invalid</a:t>
             </a:r>
             <a:r>
               <a:rPr lang="en-US" b="1" dirty="0">
-                <a:latin typeface="Courier New" panose="02070309020205020404" pitchFamily="49" charset="0"/>
+                <a:latin typeface="Consolas" panose="020B0609020204030204" pitchFamily="49" charset="0"/>
                 <a:cs typeface="Courier New" panose="02070309020205020404" pitchFamily="49" charset="0"/>
               </a:rPr>
               <a:t>] call to get() not allowed on the given </a:t>
@@ -33566,14 +33575,14 @@
                     <a:lumOff val="40000"/>
                   </a:schemeClr>
                 </a:solidFill>
-                <a:latin typeface="Courier New" panose="02070309020205020404" pitchFamily="49" charset="0"/>
+                <a:latin typeface="Consolas" panose="020B0609020204030204" pitchFamily="49" charset="0"/>
                 <a:cs typeface="Courier New" panose="02070309020205020404" pitchFamily="49" charset="0"/>
               </a:rPr>
               <a:t>receiver</a:t>
             </a:r>
             <a:r>
               <a:rPr lang="en-US" b="1" dirty="0">
-                <a:latin typeface="Courier New" panose="02070309020205020404" pitchFamily="49" charset="0"/>
+                <a:latin typeface="Consolas" panose="020B0609020204030204" pitchFamily="49" charset="0"/>
                 <a:cs typeface="Courier New" panose="02070309020205020404" pitchFamily="49" charset="0"/>
               </a:rPr>
               <a:t>.</a:t>
@@ -33582,21 +33591,21 @@
           <a:p>
             <a:r>
               <a:rPr lang="en-US" b="1" dirty="0">
-                <a:latin typeface="Courier New" panose="02070309020205020404" pitchFamily="49" charset="0"/>
+                <a:latin typeface="Consolas" panose="020B0609020204030204" pitchFamily="49" charset="0"/>
                 <a:cs typeface="Courier New" panose="02070309020205020404" pitchFamily="49" charset="0"/>
               </a:rPr>
               <a:t>  found   : @</a:t>
             </a:r>
             <a:r>
               <a:rPr lang="en-US" b="1" dirty="0" err="1">
-                <a:latin typeface="Courier New" panose="02070309020205020404" pitchFamily="49" charset="0"/>
+                <a:latin typeface="Consolas" panose="020B0609020204030204" pitchFamily="49" charset="0"/>
                 <a:cs typeface="Courier New" panose="02070309020205020404" pitchFamily="49" charset="0"/>
               </a:rPr>
               <a:t>MaybePresent</a:t>
             </a:r>
             <a:r>
               <a:rPr lang="en-US" b="1" dirty="0">
-                <a:latin typeface="Courier New" panose="02070309020205020404" pitchFamily="49" charset="0"/>
+                <a:latin typeface="Consolas" panose="020B0609020204030204" pitchFamily="49" charset="0"/>
                 <a:cs typeface="Courier New" panose="02070309020205020404" pitchFamily="49" charset="0"/>
               </a:rPr>
               <a:t> Optional</a:t>
@@ -33605,7 +33614,7 @@
           <a:p>
             <a:r>
               <a:rPr lang="en-US" b="1" dirty="0">
-                <a:latin typeface="Courier New" panose="02070309020205020404" pitchFamily="49" charset="0"/>
+                <a:latin typeface="Consolas" panose="020B0609020204030204" pitchFamily="49" charset="0"/>
                 <a:cs typeface="Courier New" panose="02070309020205020404" pitchFamily="49" charset="0"/>
               </a:rPr>
               <a:t>[WARNING] </a:t>
@@ -33614,7 +33623,7 @@
           <a:p>
             <a:r>
               <a:rPr lang="en-US" b="1" dirty="0">
-                <a:latin typeface="Courier New" panose="02070309020205020404" pitchFamily="49" charset="0"/>
+                <a:latin typeface="Consolas" panose="020B0609020204030204" pitchFamily="49" charset="0"/>
                 <a:cs typeface="Courier New" panose="02070309020205020404" pitchFamily="49" charset="0"/>
               </a:rPr>
               <a:t>  required: @Present Optional</a:t>
@@ -33710,11 +33719,15 @@
           <a:lstStyle/>
           <a:p>
             <a:r>
-              <a:rPr lang="en-US" i="1" dirty="0" smtClean="0"/>
+              <a:rPr lang="en-US" i="1" dirty="0" smtClean="0">
+                <a:latin typeface="Consolas" panose="020B0609020204030204" pitchFamily="49" charset="0"/>
+              </a:rPr>
               <a:t>“For </a:t>
             </a:r>
             <a:r>
-              <a:rPr lang="en-US" i="1" dirty="0"/>
+              <a:rPr lang="en-US" i="1" dirty="0">
+                <a:latin typeface="Consolas" panose="020B0609020204030204" pitchFamily="49" charset="0"/>
+              </a:rPr>
               <a:t>an instance method, the </a:t>
             </a:r>
             <a:r>
@@ -33725,84 +33738,125 @@
                     <a:lumOff val="40000"/>
                   </a:schemeClr>
                 </a:solidFill>
+                <a:latin typeface="Consolas" panose="020B0609020204030204" pitchFamily="49" charset="0"/>
               </a:rPr>
               <a:t>receiver</a:t>
             </a:r>
             <a:r>
-              <a:rPr lang="en-US" i="1" dirty="0"/>
+              <a:rPr lang="en-US" i="1" dirty="0">
+                <a:latin typeface="Consolas" panose="020B0609020204030204" pitchFamily="49" charset="0"/>
+              </a:rPr>
               <a:t> parameter represents the object for which the method is invoked</a:t>
             </a:r>
             <a:r>
-              <a:rPr lang="en-US" i="1" dirty="0" smtClean="0"/>
+              <a:rPr lang="en-US" i="1" dirty="0" smtClean="0">
+                <a:latin typeface="Consolas" panose="020B0609020204030204" pitchFamily="49" charset="0"/>
+              </a:rPr>
               <a:t>.</a:t>
             </a:r>
             <a:r>
-              <a:rPr lang="en-US" i="1" dirty="0"/>
+              <a:rPr lang="en-US" i="1" dirty="0">
+                <a:latin typeface="Consolas" panose="020B0609020204030204" pitchFamily="49" charset="0"/>
+              </a:rPr>
               <a:t> </a:t>
             </a:r>
             <a:r>
-              <a:rPr lang="en-US" i="1" dirty="0" smtClean="0"/>
+              <a:rPr lang="en-US" i="1" dirty="0" smtClean="0">
+                <a:latin typeface="Consolas" panose="020B0609020204030204" pitchFamily="49" charset="0"/>
+              </a:rPr>
               <a:t>(</a:t>
             </a:r>
             <a:r>
-              <a:rPr lang="en-NL" i="1" dirty="0" smtClean="0"/>
+              <a:rPr lang="en-NL" i="1" dirty="0" smtClean="0">
+                <a:latin typeface="Consolas" panose="020B0609020204030204" pitchFamily="49" charset="0"/>
+              </a:rPr>
               <a:t>…</a:t>
             </a:r>
             <a:r>
-              <a:rPr lang="en-US" i="1" dirty="0" smtClean="0"/>
+              <a:rPr lang="en-US" i="1" dirty="0" smtClean="0">
+                <a:latin typeface="Consolas" panose="020B0609020204030204" pitchFamily="49" charset="0"/>
+              </a:rPr>
               <a:t>)</a:t>
             </a:r>
             <a:r>
-              <a:rPr lang="en-US" i="1" dirty="0"/>
+              <a:rPr lang="en-US" i="1" dirty="0">
+                <a:latin typeface="Consolas" panose="020B0609020204030204" pitchFamily="49" charset="0"/>
+              </a:rPr>
               <a:t> the </a:t>
             </a:r>
             <a:r>
-              <a:rPr lang="en-US" i="1" dirty="0" smtClean="0"/>
+              <a:rPr lang="en-US" i="1" dirty="0" smtClean="0">
+                <a:latin typeface="Consolas" panose="020B0609020204030204" pitchFamily="49" charset="0"/>
+              </a:rPr>
               <a:t>parameter </a:t>
             </a:r>
             <a:r>
-              <a:rPr lang="en-US" i="1" dirty="0"/>
+              <a:rPr lang="en-US" i="1" dirty="0">
+                <a:latin typeface="Consolas" panose="020B0609020204030204" pitchFamily="49" charset="0"/>
+              </a:rPr>
               <a:t>exists </a:t>
             </a:r>
             <a:r>
-              <a:rPr lang="en-US" i="1" dirty="0" smtClean="0"/>
+              <a:rPr lang="en-US" i="1" dirty="0" smtClean="0">
+                <a:latin typeface="Consolas" panose="020B0609020204030204" pitchFamily="49" charset="0"/>
+              </a:rPr>
               <a:t>so </a:t>
             </a:r>
             <a:r>
-              <a:rPr lang="en-US" i="1" dirty="0"/>
+              <a:rPr lang="en-US" i="1" dirty="0">
+                <a:latin typeface="Consolas" panose="020B0609020204030204" pitchFamily="49" charset="0"/>
+              </a:rPr>
               <a:t>that the type may be </a:t>
             </a:r>
             <a:r>
-              <a:rPr lang="en-US" i="1" dirty="0" smtClean="0"/>
+              <a:rPr lang="en-US" i="1" dirty="0" smtClean="0">
+                <a:latin typeface="Consolas" panose="020B0609020204030204" pitchFamily="49" charset="0"/>
+              </a:rPr>
               <a:t>annotated.”</a:t>
             </a:r>
             <a:br>
-              <a:rPr lang="en-US" i="1" dirty="0" smtClean="0"/>
+              <a:rPr lang="en-US" i="1" dirty="0" smtClean="0">
+                <a:latin typeface="Consolas" panose="020B0609020204030204" pitchFamily="49" charset="0"/>
+              </a:rPr>
             </a:br>
             <a:r>
-              <a:rPr lang="en-US" i="1" dirty="0" smtClean="0"/>
+              <a:rPr lang="en-US" i="1" dirty="0" smtClean="0">
+                <a:latin typeface="Consolas" panose="020B0609020204030204" pitchFamily="49" charset="0"/>
+              </a:rPr>
               <a:t/>
             </a:r>
             <a:br>
-              <a:rPr lang="en-US" i="1" dirty="0" smtClean="0"/>
+              <a:rPr lang="en-US" i="1" dirty="0" smtClean="0">
+                <a:latin typeface="Consolas" panose="020B0609020204030204" pitchFamily="49" charset="0"/>
+              </a:rPr>
             </a:br>
             <a:r>
-              <a:rPr lang="en-US" i="1" dirty="0" smtClean="0"/>
-              <a:t>(see: Oracle’s Java </a:t>
-            </a:r>
-            <a:r>
-              <a:rPr lang="en-US" i="1" dirty="0"/>
+              <a:rPr lang="en-US" i="1" dirty="0" smtClean="0">
+                <a:latin typeface="Consolas" panose="020B0609020204030204" pitchFamily="49" charset="0"/>
+              </a:rPr>
+              <a:t>(Java </a:t>
+            </a:r>
+            <a:r>
+              <a:rPr lang="en-US" i="1" dirty="0">
+                <a:latin typeface="Consolas" panose="020B0609020204030204" pitchFamily="49" charset="0"/>
+              </a:rPr>
               <a:t>Language </a:t>
             </a:r>
             <a:r>
-              <a:rPr lang="en-US" i="1" dirty="0" smtClean="0"/>
+              <a:rPr lang="en-US" i="1" dirty="0" smtClean="0">
+                <a:latin typeface="Consolas" panose="020B0609020204030204" pitchFamily="49" charset="0"/>
+              </a:rPr>
               <a:t>Specification </a:t>
             </a:r>
             <a:r>
-              <a:rPr lang="en-US" i="1" dirty="0"/>
+              <a:rPr lang="en-US" i="1" dirty="0">
+                <a:latin typeface="Consolas" panose="020B0609020204030204" pitchFamily="49" charset="0"/>
+              </a:rPr>
               <a:t>8)</a:t>
             </a:r>
-            <a:endParaRPr lang="en-US" i="1" dirty="0" smtClean="0"/>
+            <a:endParaRPr lang="en-US" i="1" dirty="0" smtClean="0">
+              <a:latin typeface="Consolas" panose="020B0609020204030204" pitchFamily="49" charset="0"/>
+            </a:endParaRPr>
           </a:p>
         </p:txBody>
       </p:sp>
@@ -33924,7 +33978,7 @@
           <a:p>
             <a:r>
               <a:rPr lang="en-US" dirty="0" smtClean="0"/>
-              <a:t>Final thoughts</a:t>
+              <a:t>Limitations framework</a:t>
             </a:r>
             <a:endParaRPr lang="en-US" dirty="0"/>
           </a:p>
@@ -33946,52 +34000,180 @@
           <a:lstStyle/>
           <a:p>
             <a:r>
+              <a:rPr lang="en-US" dirty="0" smtClean="0">
+                <a:latin typeface="Consolas" panose="020B0609020204030204" pitchFamily="49" charset="0"/>
+              </a:rPr>
+              <a:t>Checker aims to be sound: no errors =&gt; code is correct</a:t>
+            </a:r>
+          </a:p>
+          <a:p>
+            <a:endParaRPr lang="en-US" dirty="0">
+              <a:latin typeface="Consolas" panose="020B0609020204030204" pitchFamily="49" charset="0"/>
+            </a:endParaRPr>
+          </a:p>
+          <a:p>
+            <a:r>
+              <a:rPr lang="en-US" dirty="0">
+                <a:latin typeface="Consolas" panose="020B0609020204030204" pitchFamily="49" charset="0"/>
+              </a:rPr>
+              <a:t>theoretically impossible to eliminate all false positives</a:t>
+            </a:r>
+            <a:endParaRPr lang="en-US" dirty="0">
+              <a:latin typeface="Consolas" panose="020B0609020204030204" pitchFamily="49" charset="0"/>
+            </a:endParaRPr>
+          </a:p>
+        </p:txBody>
+      </p:sp>
+    </p:spTree>
+    <p:extLst>
+      <p:ext uri="{BB962C8B-B14F-4D97-AF65-F5344CB8AC3E}">
+        <p14:creationId xmlns:p14="http://schemas.microsoft.com/office/powerpoint/2010/main" val="3202996476"/>
+      </p:ext>
+    </p:extLst>
+  </p:cSld>
+  <p:clrMapOvr>
+    <a:masterClrMapping/>
+  </p:clrMapOvr>
+</p:sld>
+</file>
+
+<file path=ppt/slides/slide28.xml><?xml version="1.0" encoding="utf-8"?>
+<p:sld xmlns:a="http://schemas.openxmlformats.org/drawingml/2006/main" xmlns:r="http://schemas.openxmlformats.org/officeDocument/2006/relationships" xmlns:p="http://schemas.openxmlformats.org/presentationml/2006/main">
+  <p:cSld>
+    <p:spTree>
+      <p:nvGrpSpPr>
+        <p:cNvPr id="1" name=""/>
+        <p:cNvGrpSpPr/>
+        <p:nvPr/>
+      </p:nvGrpSpPr>
+      <p:grpSpPr>
+        <a:xfrm>
+          <a:off x="0" y="0"/>
+          <a:ext cx="0" cy="0"/>
+          <a:chOff x="0" y="0"/>
+          <a:chExt cx="0" cy="0"/>
+        </a:xfrm>
+      </p:grpSpPr>
+      <p:sp>
+        <p:nvSpPr>
+          <p:cNvPr id="2" name="Title 1"/>
+          <p:cNvSpPr>
+            <a:spLocks noGrp="1"/>
+          </p:cNvSpPr>
+          <p:nvPr>
+            <p:ph type="title"/>
+          </p:nvPr>
+        </p:nvSpPr>
+        <p:spPr/>
+        <p:txBody>
+          <a:bodyPr/>
+          <a:lstStyle/>
+          <a:p>
+            <a:r>
               <a:rPr lang="en-US" dirty="0" smtClean="0"/>
-              <a:t>Start prevent your run time errors</a:t>
-            </a:r>
-          </a:p>
-          <a:p>
-            <a:endParaRPr lang="en-US" dirty="0" smtClean="0"/>
-          </a:p>
-          <a:p>
-            <a:r>
-              <a:rPr lang="en-US" dirty="0" smtClean="0"/>
+              <a:t>Final thoughts</a:t>
+            </a:r>
+            <a:endParaRPr lang="en-US" dirty="0"/>
+          </a:p>
+        </p:txBody>
+      </p:sp>
+      <p:sp>
+        <p:nvSpPr>
+          <p:cNvPr id="3" name="Text Placeholder 2"/>
+          <p:cNvSpPr>
+            <a:spLocks noGrp="1"/>
+          </p:cNvSpPr>
+          <p:nvPr>
+            <p:ph type="body" sz="quarter" idx="10"/>
+          </p:nvPr>
+        </p:nvSpPr>
+        <p:spPr/>
+        <p:txBody>
+          <a:bodyPr/>
+          <a:lstStyle/>
+          <a:p>
+            <a:r>
+              <a:rPr lang="en-US" dirty="0" smtClean="0">
+                <a:latin typeface="Consolas" panose="020B0609020204030204" pitchFamily="49" charset="0"/>
+              </a:rPr>
+              <a:t>Start prevent your run time </a:t>
+            </a:r>
+            <a:r>
+              <a:rPr lang="en-US" dirty="0" smtClean="0">
+                <a:latin typeface="Consolas" panose="020B0609020204030204" pitchFamily="49" charset="0"/>
+              </a:rPr>
+              <a:t>errors </a:t>
+            </a:r>
+            <a:endParaRPr lang="en-US" dirty="0" smtClean="0">
+              <a:latin typeface="Consolas" panose="020B0609020204030204" pitchFamily="49" charset="0"/>
+            </a:endParaRPr>
+          </a:p>
+          <a:p>
+            <a:endParaRPr lang="en-US" dirty="0" smtClean="0">
+              <a:latin typeface="Consolas" panose="020B0609020204030204" pitchFamily="49" charset="0"/>
+            </a:endParaRPr>
+          </a:p>
+          <a:p>
+            <a:r>
+              <a:rPr lang="en-US" dirty="0" smtClean="0">
+                <a:latin typeface="Consolas" panose="020B0609020204030204" pitchFamily="49" charset="0"/>
+              </a:rPr>
               <a:t>Start using it on critical code</a:t>
             </a:r>
             <a:br>
-              <a:rPr lang="en-US" dirty="0" smtClean="0"/>
+              <a:rPr lang="en-US" dirty="0" smtClean="0">
+                <a:latin typeface="Consolas" panose="020B0609020204030204" pitchFamily="49" charset="0"/>
+              </a:rPr>
             </a:br>
-            <a:endParaRPr lang="en-US" dirty="0" smtClean="0"/>
-          </a:p>
-          <a:p>
-            <a:r>
-              <a:rPr lang="en-US" dirty="0" smtClean="0"/>
+            <a:endParaRPr lang="en-US" dirty="0" smtClean="0">
+              <a:latin typeface="Consolas" panose="020B0609020204030204" pitchFamily="49" charset="0"/>
+            </a:endParaRPr>
+          </a:p>
+          <a:p>
+            <a:r>
+              <a:rPr lang="en-US" dirty="0" smtClean="0">
+                <a:latin typeface="Consolas" panose="020B0609020204030204" pitchFamily="49" charset="0"/>
+              </a:rPr>
               <a:t>Fits in a domain driven design</a:t>
             </a:r>
-            <a:endParaRPr lang="en-US" dirty="0"/>
+            <a:endParaRPr lang="en-US" dirty="0">
+              <a:latin typeface="Consolas" panose="020B0609020204030204" pitchFamily="49" charset="0"/>
+            </a:endParaRPr>
           </a:p>
           <a:p>
             <a:pPr lvl="1"/>
             <a:r>
-              <a:rPr lang="en-US" dirty="0" smtClean="0"/>
+              <a:rPr lang="en-US" dirty="0" smtClean="0">
+                <a:latin typeface="Consolas" panose="020B0609020204030204" pitchFamily="49" charset="0"/>
+              </a:rPr>
               <a:t>Sub classing is also a solution</a:t>
             </a:r>
             <a:br>
-              <a:rPr lang="en-US" dirty="0" smtClean="0"/>
+              <a:rPr lang="en-US" dirty="0" smtClean="0">
+                <a:latin typeface="Consolas" panose="020B0609020204030204" pitchFamily="49" charset="0"/>
+              </a:rPr>
             </a:br>
-            <a:endParaRPr lang="en-US" dirty="0" smtClean="0"/>
-          </a:p>
-          <a:p>
-            <a:r>
-              <a:rPr lang="en-US" dirty="0" smtClean="0"/>
+            <a:endParaRPr lang="en-US" dirty="0" smtClean="0">
+              <a:latin typeface="Consolas" panose="020B0609020204030204" pitchFamily="49" charset="0"/>
+            </a:endParaRPr>
+          </a:p>
+          <a:p>
+            <a:r>
+              <a:rPr lang="en-US" dirty="0" smtClean="0">
+                <a:latin typeface="Consolas" panose="020B0609020204030204" pitchFamily="49" charset="0"/>
+              </a:rPr>
               <a:t>What about </a:t>
             </a:r>
             <a:r>
-              <a:rPr lang="en-US" dirty="0" err="1" smtClean="0"/>
+              <a:rPr lang="en-US" dirty="0" err="1" smtClean="0">
+                <a:latin typeface="Consolas" panose="020B0609020204030204" pitchFamily="49" charset="0"/>
+              </a:rPr>
               <a:t>FindBugs</a:t>
             </a:r>
             <a:r>
-              <a:rPr lang="en-US" dirty="0" smtClean="0"/>
+              <a:rPr lang="en-US" dirty="0" smtClean="0">
+                <a:latin typeface="Consolas" panose="020B0609020204030204" pitchFamily="49" charset="0"/>
+              </a:rPr>
               <a:t>?</a:t>
             </a:r>
           </a:p>
@@ -34020,7 +34202,7 @@
 </p:sld>
 </file>
 
-<file path=ppt/slides/slide28.xml><?xml version="1.0" encoding="utf-8"?>
+<file path=ppt/slides/slide29.xml><?xml version="1.0" encoding="utf-8"?>
 <p:sld xmlns:a="http://schemas.openxmlformats.org/drawingml/2006/main" xmlns:r="http://schemas.openxmlformats.org/officeDocument/2006/relationships" xmlns:p="http://schemas.openxmlformats.org/presentationml/2006/main">
   <p:cSld>
     <p:spTree>
@@ -37575,6 +37757,12 @@
 </file>
 
 <file path=customXml/item1.xml><?xml version="1.0" encoding="utf-8"?>
+<p:properties xmlns:p="http://schemas.microsoft.com/office/2006/metadata/properties" xmlns:xsi="http://www.w3.org/2001/XMLSchema-instance" xmlns:pc="http://schemas.microsoft.com/office/infopath/2007/PartnerControls">
+  <documentManagement/>
+</p:properties>
+</file>
+
+<file path=customXml/item2.xml><?xml version="1.0" encoding="utf-8"?>
 <ct:contentTypeSchema xmlns:ct="http://schemas.microsoft.com/office/2006/metadata/contentType" xmlns:ma="http://schemas.microsoft.com/office/2006/metadata/properties/metaAttributes" ct:_="" ma:_="" ma:contentTypeName="Document" ma:contentTypeID="0x0101000858805C9A31ED4698AA5994F7540466" ma:contentTypeVersion="1" ma:contentTypeDescription="Een nieuw document maken." ma:contentTypeScope="" ma:versionID="5cab34e6f8d54d32c51f192539e9981c">
   <xsd:schema xmlns:xsd="http://www.w3.org/2001/XMLSchema" xmlns:xs="http://www.w3.org/2001/XMLSchema" xmlns:p="http://schemas.microsoft.com/office/2006/metadata/properties" xmlns:ns2="a73fd6a0-a740-4ca0-a47f-6beba88ccc77" targetNamespace="http://schemas.microsoft.com/office/2006/metadata/properties" ma:root="true" ma:fieldsID="10b3ae9c115bae24efdfd9076c93080b" ns2:_="">
     <xsd:import namespace="a73fd6a0-a740-4ca0-a47f-6beba88ccc77"/>
@@ -37714,12 +37902,6 @@
 </ct:contentTypeSchema>
 </file>
 
-<file path=customXml/item2.xml><?xml version="1.0" encoding="utf-8"?>
-<p:properties xmlns:p="http://schemas.microsoft.com/office/2006/metadata/properties" xmlns:xsi="http://www.w3.org/2001/XMLSchema-instance" xmlns:pc="http://schemas.microsoft.com/office/infopath/2007/PartnerControls">
-  <documentManagement/>
-</p:properties>
-</file>
-
 <file path=customXml/item3.xml><?xml version="1.0" encoding="utf-8"?>
 <?mso-contentType ?>
 <FormTemplates xmlns="http://schemas.microsoft.com/sharepoint/v3/contenttype/forms">
@@ -37730,6 +37912,22 @@
 </file>
 
 <file path=customXml/itemProps1.xml><?xml version="1.0" encoding="utf-8"?>
+<ds:datastoreItem xmlns:ds="http://schemas.openxmlformats.org/officeDocument/2006/customXml" ds:itemID="{F8AE8C2F-0717-4D42-B44A-CAECCF122A1A}">
+  <ds:schemaRefs>
+    <ds:schemaRef ds:uri="http://purl.org/dc/elements/1.1/"/>
+    <ds:schemaRef ds:uri="http://schemas.microsoft.com/office/2006/metadata/properties"/>
+    <ds:schemaRef ds:uri="http://schemas.microsoft.com/office/2006/documentManagement/types"/>
+    <ds:schemaRef ds:uri="http://purl.org/dc/terms/"/>
+    <ds:schemaRef ds:uri="http://schemas.openxmlformats.org/package/2006/metadata/core-properties"/>
+    <ds:schemaRef ds:uri="http://purl.org/dc/dcmitype/"/>
+    <ds:schemaRef ds:uri="http://schemas.microsoft.com/office/infopath/2007/PartnerControls"/>
+    <ds:schemaRef ds:uri="a73fd6a0-a740-4ca0-a47f-6beba88ccc77"/>
+    <ds:schemaRef ds:uri="http://www.w3.org/XML/1998/namespace"/>
+  </ds:schemaRefs>
+</ds:datastoreItem>
+</file>
+
+<file path=customXml/itemProps2.xml><?xml version="1.0" encoding="utf-8"?>
 <ds:datastoreItem xmlns:ds="http://schemas.openxmlformats.org/officeDocument/2006/customXml" ds:itemID="{9AC0CDE9-3E35-44FD-A63A-9795CF527D47}">
   <ds:schemaRefs>
     <ds:schemaRef ds:uri="http://schemas.microsoft.com/office/2006/metadata/contentType"/>
@@ -37747,22 +37945,6 @@
 </ds:datastoreItem>
 </file>
 
-<file path=customXml/itemProps2.xml><?xml version="1.0" encoding="utf-8"?>
-<ds:datastoreItem xmlns:ds="http://schemas.openxmlformats.org/officeDocument/2006/customXml" ds:itemID="{F8AE8C2F-0717-4D42-B44A-CAECCF122A1A}">
-  <ds:schemaRefs>
-    <ds:schemaRef ds:uri="http://purl.org/dc/elements/1.1/"/>
-    <ds:schemaRef ds:uri="http://schemas.microsoft.com/office/2006/metadata/properties"/>
-    <ds:schemaRef ds:uri="http://schemas.microsoft.com/office/2006/documentManagement/types"/>
-    <ds:schemaRef ds:uri="http://purl.org/dc/terms/"/>
-    <ds:schemaRef ds:uri="http://schemas.openxmlformats.org/package/2006/metadata/core-properties"/>
-    <ds:schemaRef ds:uri="http://purl.org/dc/dcmitype/"/>
-    <ds:schemaRef ds:uri="http://schemas.microsoft.com/office/infopath/2007/PartnerControls"/>
-    <ds:schemaRef ds:uri="a73fd6a0-a740-4ca0-a47f-6beba88ccc77"/>
-    <ds:schemaRef ds:uri="http://www.w3.org/XML/1998/namespace"/>
-  </ds:schemaRefs>
-</ds:datastoreItem>
-</file>
-
 <file path=customXml/itemProps3.xml><?xml version="1.0" encoding="utf-8"?>
 <ds:datastoreItem xmlns:ds="http://schemas.openxmlformats.org/officeDocument/2006/customXml" ds:itemID="{4522A51C-073F-4C45-9170-ECE5951F4DEA}">
   <ds:schemaRefs>

--- a/Checker Framework.pptx
+++ b/Checker Framework.pptx
@@ -25111,8 +25111,22 @@
           <a:p>
             <a:r>
               <a:rPr lang="en-US" dirty="0" smtClean="0"/>
-              <a:t>Checker Framework	</a:t>
-            </a:r>
+              <a:t>Checker </a:t>
+            </a:r>
+            <a:r>
+              <a:rPr lang="en-US" dirty="0" smtClean="0"/>
+              <a:t>Framework</a:t>
+            </a:r>
+            <a:br>
+              <a:rPr lang="en-US" dirty="0" smtClean="0"/>
+            </a:br>
+            <a:r>
+              <a:rPr lang="en-US" dirty="0" smtClean="0"/>
+              <a:t/>
+            </a:r>
+            <a:br>
+              <a:rPr lang="en-US" dirty="0" smtClean="0"/>
+            </a:br>
             <a:endParaRPr lang="en-US" dirty="0"/>
           </a:p>
         </p:txBody>
@@ -34013,10 +34027,47 @@
           </a:p>
           <a:p>
             <a:r>
+              <a:rPr lang="en-US" dirty="0" smtClean="0">
+                <a:latin typeface="Consolas" panose="020B0609020204030204" pitchFamily="49" charset="0"/>
+              </a:rPr>
+              <a:t>Theoretically </a:t>
+            </a:r>
+            <a:r>
               <a:rPr lang="en-US" dirty="0">
                 <a:latin typeface="Consolas" panose="020B0609020204030204" pitchFamily="49" charset="0"/>
               </a:rPr>
-              <a:t>theoretically impossible to eliminate all false positives</a:t>
+              <a:t>impossible to eliminate all false </a:t>
+            </a:r>
+            <a:r>
+              <a:rPr lang="en-US" dirty="0" smtClean="0">
+                <a:latin typeface="Consolas" panose="020B0609020204030204" pitchFamily="49" charset="0"/>
+              </a:rPr>
+              <a:t>positives</a:t>
+            </a:r>
+          </a:p>
+          <a:p>
+            <a:endParaRPr lang="en-US" dirty="0">
+              <a:latin typeface="Consolas" panose="020B0609020204030204" pitchFamily="49" charset="0"/>
+            </a:endParaRPr>
+          </a:p>
+          <a:p>
+            <a:r>
+              <a:rPr lang="en-US" dirty="0" smtClean="0">
+                <a:latin typeface="Consolas" panose="020B0609020204030204" pitchFamily="49" charset="0"/>
+              </a:rPr>
+              <a:t>Try to refactor </a:t>
+            </a:r>
+            <a:r>
+              <a:rPr lang="en-US" dirty="0">
+                <a:latin typeface="Consolas" panose="020B0609020204030204" pitchFamily="49" charset="0"/>
+              </a:rPr>
+              <a:t>or use, e.g.: @</a:t>
+            </a:r>
+            <a:r>
+              <a:rPr lang="en-US" dirty="0" err="1">
+                <a:latin typeface="Consolas" panose="020B0609020204030204" pitchFamily="49" charset="0"/>
+              </a:rPr>
+              <a:t>SuppressWarnings</a:t>
             </a:r>
             <a:endParaRPr lang="en-US" dirty="0">
               <a:latin typeface="Consolas" panose="020B0609020204030204" pitchFamily="49" charset="0"/>
@@ -34034,6 +34085,13 @@
   <p:clrMapOvr>
     <a:masterClrMapping/>
   </p:clrMapOvr>
+  <p:timing>
+    <p:tnLst>
+      <p:par>
+        <p:cTn id="1" dur="indefinite" restart="never" nodeType="tmRoot"/>
+      </p:par>
+    </p:tnLst>
+  </p:timing>
 </p:sld>
 </file>
 
@@ -34104,8 +34162,68 @@
               </a:rPr>
               <a:t>errors </a:t>
             </a:r>
+          </a:p>
+          <a:p>
+            <a:pPr lvl="1"/>
+            <a:r>
+              <a:rPr lang="en-US" dirty="0" err="1" smtClean="0">
+                <a:latin typeface="Courier New" panose="02070309020205020404" pitchFamily="49" charset="0"/>
+                <a:cs typeface="Courier New" panose="02070309020205020404" pitchFamily="49" charset="0"/>
+              </a:rPr>
+              <a:t>PropertyKeyChecker</a:t>
+            </a:r>
+            <a:r>
+              <a:rPr lang="en-US" dirty="0" smtClean="0">
+                <a:latin typeface="Courier New" panose="02070309020205020404" pitchFamily="49" charset="0"/>
+                <a:cs typeface="Courier New" panose="02070309020205020404" pitchFamily="49" charset="0"/>
+              </a:rPr>
+              <a:t>, </a:t>
+            </a:r>
+            <a:r>
+              <a:rPr lang="en-US" dirty="0" err="1" smtClean="0">
+                <a:latin typeface="Courier New" panose="02070309020205020404" pitchFamily="49" charset="0"/>
+                <a:cs typeface="Courier New" panose="02070309020205020404" pitchFamily="49" charset="0"/>
+              </a:rPr>
+              <a:t>RegexChecker</a:t>
+            </a:r>
+            <a:r>
+              <a:rPr lang="en-US" dirty="0" smtClean="0">
+                <a:latin typeface="Courier New" panose="02070309020205020404" pitchFamily="49" charset="0"/>
+                <a:cs typeface="Courier New" panose="02070309020205020404" pitchFamily="49" charset="0"/>
+              </a:rPr>
+              <a:t>, </a:t>
+            </a:r>
+            <a:r>
+              <a:rPr lang="en-US" dirty="0" err="1" smtClean="0">
+                <a:latin typeface="Courier New" panose="02070309020205020404" pitchFamily="49" charset="0"/>
+                <a:cs typeface="Courier New" panose="02070309020205020404" pitchFamily="49" charset="0"/>
+              </a:rPr>
+              <a:t>PurityChecker</a:t>
+            </a:r>
+            <a:r>
+              <a:rPr lang="en-US" dirty="0" smtClean="0">
+                <a:latin typeface="Courier New" panose="02070309020205020404" pitchFamily="49" charset="0"/>
+                <a:cs typeface="Courier New" panose="02070309020205020404" pitchFamily="49" charset="0"/>
+              </a:rPr>
+              <a:t>, </a:t>
+            </a:r>
+            <a:r>
+              <a:rPr lang="en-NL" dirty="0" smtClean="0">
+                <a:latin typeface="Courier New" panose="02070309020205020404" pitchFamily="49" charset="0"/>
+                <a:cs typeface="Courier New" panose="02070309020205020404" pitchFamily="49" charset="0"/>
+              </a:rPr>
+              <a:t>…</a:t>
+            </a:r>
+            <a:r>
+              <a:rPr lang="en-US" dirty="0" smtClean="0">
+                <a:latin typeface="Courier New" panose="02070309020205020404" pitchFamily="49" charset="0"/>
+                <a:cs typeface="Courier New" panose="02070309020205020404" pitchFamily="49" charset="0"/>
+              </a:rPr>
+              <a:t> </a:t>
+            </a:r>
             <a:endParaRPr lang="en-US" dirty="0" smtClean="0">
-              <a:latin typeface="Consolas" panose="020B0609020204030204" pitchFamily="49" charset="0"/>
+              <a:latin typeface="Courier New" panose="02070309020205020404" pitchFamily="49" charset="0"/>
+              <a:cs typeface="Courier New" panose="02070309020205020404" pitchFamily="49" charset="0"/>
             </a:endParaRPr>
           </a:p>
           <a:p>
@@ -34134,7 +34252,19 @@
               <a:rPr lang="en-US" dirty="0" smtClean="0">
                 <a:latin typeface="Consolas" panose="020B0609020204030204" pitchFamily="49" charset="0"/>
               </a:rPr>
-              <a:t>Fits in a domain driven design</a:t>
+              <a:t>Fits in a </a:t>
+            </a:r>
+            <a:r>
+              <a:rPr lang="en-US" dirty="0" smtClean="0">
+                <a:latin typeface="Consolas" panose="020B0609020204030204" pitchFamily="49" charset="0"/>
+              </a:rPr>
+              <a:t>domain-driven </a:t>
+            </a:r>
+            <a:r>
+              <a:rPr lang="en-US" dirty="0" smtClean="0">
+                <a:latin typeface="Consolas" panose="020B0609020204030204" pitchFamily="49" charset="0"/>
+              </a:rPr>
+              <a:t>design</a:t>
             </a:r>
             <a:endParaRPr lang="en-US" dirty="0">
               <a:latin typeface="Consolas" panose="020B0609020204030204" pitchFamily="49" charset="0"/>
@@ -34221,12 +34351,12 @@
       </p:grpSpPr>
       <p:sp>
         <p:nvSpPr>
-          <p:cNvPr id="2" name="Title 1"/>
+          <p:cNvPr id="6" name="Text Placeholder 5"/>
           <p:cNvSpPr>
             <a:spLocks noGrp="1"/>
           </p:cNvSpPr>
           <p:nvPr>
-            <p:ph type="title"/>
+            <p:ph type="body" sz="quarter" idx="10"/>
           </p:nvPr>
         </p:nvSpPr>
         <p:spPr/>
@@ -34239,6 +34369,25 @@
               <a:t>Thanks!</a:t>
             </a:r>
             <a:endParaRPr lang="en-US" dirty="0"/>
+          </a:p>
+        </p:txBody>
+      </p:sp>
+      <p:sp>
+        <p:nvSpPr>
+          <p:cNvPr id="7" name="Text Placeholder 6"/>
+          <p:cNvSpPr>
+            <a:spLocks noGrp="1"/>
+          </p:cNvSpPr>
+          <p:nvPr>
+            <p:ph type="body" sz="quarter" idx="11"/>
+          </p:nvPr>
+        </p:nvSpPr>
+        <p:spPr/>
+        <p:txBody>
+          <a:bodyPr/>
+          <a:lstStyle/>
+          <a:p>
+            <a:endParaRPr lang="en-US"/>
           </a:p>
         </p:txBody>
       </p:sp>
@@ -34258,33 +34407,17 @@
         </p:blipFill>
         <p:spPr>
           <a:xfrm>
-            <a:off x="5461237" y="3319237"/>
+            <a:off x="5427370" y="2897774"/>
             <a:ext cx="1533525" cy="1533525"/>
           </a:xfrm>
           <a:prstGeom prst="rect">
             <a:avLst/>
           </a:prstGeom>
+          <a:effectLst>
+            <a:softEdge rad="63500"/>
+          </a:effectLst>
         </p:spPr>
       </p:pic>
-      <p:sp>
-        <p:nvSpPr>
-          <p:cNvPr id="3" name="Text Placeholder 2"/>
-          <p:cNvSpPr>
-            <a:spLocks noGrp="1"/>
-          </p:cNvSpPr>
-          <p:nvPr>
-            <p:ph type="body" sz="quarter" idx="10"/>
-          </p:nvPr>
-        </p:nvSpPr>
-        <p:spPr/>
-        <p:txBody>
-          <a:bodyPr/>
-          <a:lstStyle/>
-          <a:p>
-            <a:endParaRPr lang="en-US" dirty="0"/>
-          </a:p>
-        </p:txBody>
-      </p:sp>
     </p:spTree>
     <p:extLst>
       <p:ext uri="{BB962C8B-B14F-4D97-AF65-F5344CB8AC3E}">

--- a/Checker Framework.pptx
+++ b/Checker Framework.pptx
@@ -6,10 +6,10 @@
     <p:sldMasterId id="2147483669" r:id="rId5"/>
   </p:sldMasterIdLst>
   <p:notesMasterIdLst>
-    <p:notesMasterId r:id="rId35"/>
+    <p:notesMasterId r:id="rId37"/>
   </p:notesMasterIdLst>
   <p:handoutMasterIdLst>
-    <p:handoutMasterId r:id="rId36"/>
+    <p:handoutMasterId r:id="rId38"/>
   </p:handoutMasterIdLst>
   <p:sldIdLst>
     <p:sldId id="256" r:id="rId6"/>
@@ -20,27 +20,29 @@
     <p:sldId id="262" r:id="rId11"/>
     <p:sldId id="261" r:id="rId12"/>
     <p:sldId id="263" r:id="rId13"/>
-    <p:sldId id="264" r:id="rId14"/>
-    <p:sldId id="269" r:id="rId15"/>
-    <p:sldId id="265" r:id="rId16"/>
-    <p:sldId id="270" r:id="rId17"/>
-    <p:sldId id="266" r:id="rId18"/>
-    <p:sldId id="271" r:id="rId19"/>
-    <p:sldId id="267" r:id="rId20"/>
-    <p:sldId id="268" r:id="rId21"/>
-    <p:sldId id="275" r:id="rId22"/>
-    <p:sldId id="272" r:id="rId23"/>
-    <p:sldId id="284" r:id="rId24"/>
-    <p:sldId id="276" r:id="rId25"/>
-    <p:sldId id="277" r:id="rId26"/>
-    <p:sldId id="278" r:id="rId27"/>
-    <p:sldId id="285" r:id="rId28"/>
-    <p:sldId id="281" r:id="rId29"/>
-    <p:sldId id="273" r:id="rId30"/>
-    <p:sldId id="279" r:id="rId31"/>
-    <p:sldId id="286" r:id="rId32"/>
-    <p:sldId id="282" r:id="rId33"/>
-    <p:sldId id="283" r:id="rId34"/>
+    <p:sldId id="287" r:id="rId14"/>
+    <p:sldId id="264" r:id="rId15"/>
+    <p:sldId id="269" r:id="rId16"/>
+    <p:sldId id="265" r:id="rId17"/>
+    <p:sldId id="270" r:id="rId18"/>
+    <p:sldId id="266" r:id="rId19"/>
+    <p:sldId id="271" r:id="rId20"/>
+    <p:sldId id="267" r:id="rId21"/>
+    <p:sldId id="268" r:id="rId22"/>
+    <p:sldId id="275" r:id="rId23"/>
+    <p:sldId id="272" r:id="rId24"/>
+    <p:sldId id="289" r:id="rId25"/>
+    <p:sldId id="290" r:id="rId26"/>
+    <p:sldId id="291" r:id="rId27"/>
+    <p:sldId id="277" r:id="rId28"/>
+    <p:sldId id="278" r:id="rId29"/>
+    <p:sldId id="285" r:id="rId30"/>
+    <p:sldId id="281" r:id="rId31"/>
+    <p:sldId id="273" r:id="rId32"/>
+    <p:sldId id="279" r:id="rId33"/>
+    <p:sldId id="286" r:id="rId34"/>
+    <p:sldId id="282" r:id="rId35"/>
+    <p:sldId id="283" r:id="rId36"/>
   </p:sldIdLst>
   <p:sldSz cx="12192000" cy="6858000"/>
   <p:notesSz cx="6858000" cy="9144000"/>
@@ -255,7 +257,7 @@
           <a:p>
             <a:fld id="{3532B83F-F844-4C18-98E8-7C33F4B39DE0}" type="datetimeFigureOut">
               <a:rPr lang="nl-NL" smtClean="0"/>
-              <a:t>17-1-2020</a:t>
+              <a:t>28-2-2020</a:t>
             </a:fld>
             <a:endParaRPr lang="nl-NL"/>
           </a:p>
@@ -432,7 +434,7 @@
           <a:p>
             <a:fld id="{27396D34-C2B8-41FF-AE69-48AE3B3D8E8B}" type="datetimeFigureOut">
               <a:rPr lang="nl-NL" smtClean="0"/>
-              <a:t>17-1-2020</a:t>
+              <a:t>28-2-2020</a:t>
             </a:fld>
             <a:endParaRPr lang="nl-NL"/>
           </a:p>
@@ -25111,11 +25113,7 @@
           <a:p>
             <a:r>
               <a:rPr lang="en-US" dirty="0" smtClean="0"/>
-              <a:t>Checker </a:t>
-            </a:r>
-            <a:r>
-              <a:rPr lang="en-US" dirty="0" smtClean="0"/>
-              <a:t>Framework</a:t>
+              <a:t>Checker Framework</a:t>
             </a:r>
             <a:br>
               <a:rPr lang="en-US" dirty="0" smtClean="0"/>
@@ -25181,7 +25179,7 @@
         </p:blipFill>
         <p:spPr>
           <a:xfrm rot="5400000">
-            <a:off x="3030236" y="3454898"/>
+            <a:off x="2843970" y="3031564"/>
             <a:ext cx="2689080" cy="2348753"/>
           </a:xfrm>
           <a:prstGeom prst="rect">
@@ -25214,7 +25212,7 @@
         </p:blipFill>
         <p:spPr>
           <a:xfrm>
-            <a:off x="6125388" y="3412951"/>
+            <a:off x="5939122" y="2989617"/>
             <a:ext cx="3242730" cy="2531368"/>
           </a:xfrm>
           <a:prstGeom prst="rect">
@@ -25279,7 +25277,27 @@
           <a:p>
             <a:r>
               <a:rPr lang="en-US" dirty="0" smtClean="0"/>
-              <a:t>What does this code do?</a:t>
+              <a:t>What does </a:t>
+            </a:r>
+            <a:r>
+              <a:rPr lang="en-US" strike="sngStrike" dirty="0" smtClean="0"/>
+              <a:t>this code </a:t>
+            </a:r>
+            <a:r>
+              <a:rPr lang="en-US" strike="sngStrike" dirty="0" smtClean="0"/>
+              <a:t>do</a:t>
+            </a:r>
+            <a:r>
+              <a:rPr lang="en-US" dirty="0" smtClean="0"/>
+              <a:t> th</a:t>
+            </a:r>
+            <a:r>
+              <a:rPr lang="en-US" dirty="0" smtClean="0"/>
+              <a:t>e compiler say</a:t>
+            </a:r>
+            <a:r>
+              <a:rPr lang="en-US" dirty="0" smtClean="0"/>
+              <a:t>?</a:t>
             </a:r>
             <a:endParaRPr lang="en-US" dirty="0"/>
           </a:p>
@@ -25473,96 +25491,10 @@
           </a:p>
         </p:txBody>
       </p:sp>
-      <p:sp>
-        <p:nvSpPr>
-          <p:cNvPr id="3" name="Rectangle 2"/>
-          <p:cNvSpPr/>
-          <p:nvPr/>
-        </p:nvSpPr>
-        <p:spPr>
-          <a:xfrm>
-            <a:off x="2235967" y="4234068"/>
-            <a:ext cx="7984066" cy="1477328"/>
-          </a:xfrm>
-          <a:prstGeom prst="rect">
-            <a:avLst/>
-          </a:prstGeom>
-        </p:spPr>
-        <p:txBody>
-          <a:bodyPr wrap="square">
-            <a:spAutoFit/>
-          </a:bodyPr>
-          <a:lstStyle/>
-          <a:p>
-            <a:r>
-              <a:rPr lang="en-US" b="1" dirty="0">
-                <a:latin typeface="Consolas" panose="020B0609020204030204" pitchFamily="49" charset="0"/>
-                <a:cs typeface="Courier New" panose="02070309020205020404" pitchFamily="49" charset="0"/>
-              </a:rPr>
-              <a:t>OptionalExamples.java:[11,39] [</a:t>
-            </a:r>
-            <a:r>
-              <a:rPr lang="en-US" b="1" dirty="0" err="1">
-                <a:latin typeface="Consolas" panose="020B0609020204030204" pitchFamily="49" charset="0"/>
-                <a:cs typeface="Courier New" panose="02070309020205020404" pitchFamily="49" charset="0"/>
-              </a:rPr>
-              <a:t>method.invocation.invalid</a:t>
-            </a:r>
-            <a:r>
-              <a:rPr lang="en-US" b="1" dirty="0">
-                <a:latin typeface="Consolas" panose="020B0609020204030204" pitchFamily="49" charset="0"/>
-                <a:cs typeface="Courier New" panose="02070309020205020404" pitchFamily="49" charset="0"/>
-              </a:rPr>
-              <a:t>] call to get() not allowed on the given receiver.</a:t>
-            </a:r>
-          </a:p>
-          <a:p>
-            <a:r>
-              <a:rPr lang="en-US" b="1" dirty="0">
-                <a:latin typeface="Consolas" panose="020B0609020204030204" pitchFamily="49" charset="0"/>
-                <a:cs typeface="Courier New" panose="02070309020205020404" pitchFamily="49" charset="0"/>
-              </a:rPr>
-              <a:t>  found   : @</a:t>
-            </a:r>
-            <a:r>
-              <a:rPr lang="en-US" b="1" dirty="0" err="1">
-                <a:latin typeface="Consolas" panose="020B0609020204030204" pitchFamily="49" charset="0"/>
-                <a:cs typeface="Courier New" panose="02070309020205020404" pitchFamily="49" charset="0"/>
-              </a:rPr>
-              <a:t>MaybePresent</a:t>
-            </a:r>
-            <a:r>
-              <a:rPr lang="en-US" b="1" dirty="0">
-                <a:latin typeface="Consolas" panose="020B0609020204030204" pitchFamily="49" charset="0"/>
-                <a:cs typeface="Courier New" panose="02070309020205020404" pitchFamily="49" charset="0"/>
-              </a:rPr>
-              <a:t> Optional</a:t>
-            </a:r>
-          </a:p>
-          <a:p>
-            <a:r>
-              <a:rPr lang="en-US" b="1" dirty="0">
-                <a:latin typeface="Consolas" panose="020B0609020204030204" pitchFamily="49" charset="0"/>
-                <a:cs typeface="Courier New" panose="02070309020205020404" pitchFamily="49" charset="0"/>
-              </a:rPr>
-              <a:t>[WARNING] </a:t>
-            </a:r>
-          </a:p>
-          <a:p>
-            <a:r>
-              <a:rPr lang="en-US" b="1" dirty="0">
-                <a:latin typeface="Consolas" panose="020B0609020204030204" pitchFamily="49" charset="0"/>
-                <a:cs typeface="Courier New" panose="02070309020205020404" pitchFamily="49" charset="0"/>
-              </a:rPr>
-              <a:t>  required: @Present Optional</a:t>
-            </a:r>
-          </a:p>
-        </p:txBody>
-      </p:sp>
     </p:spTree>
     <p:extLst>
       <p:ext uri="{BB962C8B-B14F-4D97-AF65-F5344CB8AC3E}">
-        <p14:creationId xmlns:p14="http://schemas.microsoft.com/office/powerpoint/2010/main" val="1346322286"/>
+        <p14:creationId xmlns:p14="http://schemas.microsoft.com/office/powerpoint/2010/main" val="2600192075"/>
       </p:ext>
     </p:extLst>
   </p:cSld>
@@ -25613,7 +25545,365 @@
           <a:p>
             <a:r>
               <a:rPr lang="en-US" dirty="0" smtClean="0"/>
-              <a:t>What does this code do?</a:t>
+              <a:t>What does </a:t>
+            </a:r>
+            <a:r>
+              <a:rPr lang="en-US" strike="sngStrike" dirty="0" smtClean="0"/>
+              <a:t>this code </a:t>
+            </a:r>
+            <a:r>
+              <a:rPr lang="en-US" strike="sngStrike" dirty="0"/>
+              <a:t>do</a:t>
+            </a:r>
+            <a:r>
+              <a:rPr lang="en-US" dirty="0"/>
+              <a:t> the compiler say?</a:t>
+            </a:r>
+            <a:endParaRPr lang="en-US" dirty="0"/>
+          </a:p>
+        </p:txBody>
+      </p:sp>
+      <p:sp>
+        <p:nvSpPr>
+          <p:cNvPr id="5" name="Rectangle 2"/>
+          <p:cNvSpPr>
+            <a:spLocks noGrp="1" noChangeArrowheads="1"/>
+          </p:cNvSpPr>
+          <p:nvPr>
+            <p:ph type="body" sz="quarter" idx="10"/>
+          </p:nvPr>
+        </p:nvSpPr>
+        <p:spPr bwMode="auto">
+          <a:xfrm>
+            <a:off x="2964927" y="2856902"/>
+            <a:ext cx="6009979" cy="646331"/>
+          </a:xfrm>
+          <a:prstGeom prst="rect">
+            <a:avLst/>
+          </a:prstGeom>
+          <a:gradFill>
+            <a:gsLst>
+              <a:gs pos="0">
+                <a:schemeClr val="accent1">
+                  <a:lumMod val="5000"/>
+                  <a:lumOff val="95000"/>
+                </a:schemeClr>
+              </a:gs>
+              <a:gs pos="74000">
+                <a:schemeClr val="accent1">
+                  <a:lumMod val="45000"/>
+                  <a:lumOff val="55000"/>
+                </a:schemeClr>
+              </a:gs>
+              <a:gs pos="83000">
+                <a:schemeClr val="accent1">
+                  <a:lumMod val="45000"/>
+                  <a:lumOff val="55000"/>
+                </a:schemeClr>
+              </a:gs>
+              <a:gs pos="100000">
+                <a:schemeClr val="accent1">
+                  <a:lumMod val="30000"/>
+                  <a:lumOff val="70000"/>
+                </a:schemeClr>
+              </a:gs>
+            </a:gsLst>
+            <a:lin ang="5400000" scaled="1"/>
+          </a:gradFill>
+          <a:ln>
+            <a:noFill/>
+          </a:ln>
+          <a:effectLst/>
+          <a:extLst/>
+        </p:spPr>
+        <p:txBody>
+          <a:bodyPr vert="horz" wrap="none" lIns="91440" tIns="45720" rIns="91440" bIns="45720" numCol="1" anchor="ctr" anchorCtr="0" compatLnSpc="1">
+            <a:prstTxWarp prst="textNoShape">
+              <a:avLst/>
+            </a:prstTxWarp>
+            <a:spAutoFit/>
+          </a:bodyPr>
+          <a:lstStyle/>
+          <a:p>
+            <a:pPr marL="0" marR="0" lvl="0" indent="0" algn="l" defTabSz="914400" rtl="0" eaLnBrk="0" fontAlgn="base" latinLnBrk="0" hangingPunct="0">
+              <a:lnSpc>
+                <a:spcPct val="100000"/>
+              </a:lnSpc>
+              <a:spcBef>
+                <a:spcPct val="0"/>
+              </a:spcBef>
+              <a:spcAft>
+                <a:spcPct val="0"/>
+              </a:spcAft>
+              <a:buClrTx/>
+              <a:buSzTx/>
+              <a:buFontTx/>
+              <a:buNone/>
+              <a:tabLst/>
+            </a:pPr>
+            <a:r>
+              <a:rPr kumimoji="0" lang="en-US" altLang="en-US" sz="1800" b="0" i="0" u="none" strike="noStrike" cap="none" normalizeH="0" baseline="0" dirty="0" smtClean="0">
+                <a:ln>
+                  <a:noFill/>
+                </a:ln>
+                <a:solidFill>
+                  <a:srgbClr val="000000"/>
+                </a:solidFill>
+                <a:effectLst/>
+                <a:latin typeface="Consolas" panose="020B0609020204030204" pitchFamily="49" charset="0"/>
+                <a:cs typeface="Courier New" panose="02070309020205020404" pitchFamily="49" charset="0"/>
+              </a:rPr>
+              <a:t>Optional&lt;Integer&gt; optional = </a:t>
+            </a:r>
+            <a:r>
+              <a:rPr kumimoji="0" lang="en-US" altLang="en-US" sz="1800" b="0" i="0" u="none" strike="noStrike" cap="none" normalizeH="0" baseline="0" dirty="0" err="1" smtClean="0">
+                <a:ln>
+                  <a:noFill/>
+                </a:ln>
+                <a:solidFill>
+                  <a:srgbClr val="000000"/>
+                </a:solidFill>
+                <a:effectLst/>
+                <a:latin typeface="Consolas" panose="020B0609020204030204" pitchFamily="49" charset="0"/>
+                <a:cs typeface="Courier New" panose="02070309020205020404" pitchFamily="49" charset="0"/>
+              </a:rPr>
+              <a:t>Optional.</a:t>
+            </a:r>
+            <a:r>
+              <a:rPr kumimoji="0" lang="en-US" altLang="en-US" sz="1800" b="0" i="1" u="none" strike="noStrike" cap="none" normalizeH="0" baseline="0" dirty="0" err="1" smtClean="0">
+                <a:ln>
+                  <a:noFill/>
+                </a:ln>
+                <a:solidFill>
+                  <a:srgbClr val="000000"/>
+                </a:solidFill>
+                <a:effectLst/>
+                <a:latin typeface="Consolas" panose="020B0609020204030204" pitchFamily="49" charset="0"/>
+                <a:cs typeface="Courier New" panose="02070309020205020404" pitchFamily="49" charset="0"/>
+              </a:rPr>
+              <a:t>empty</a:t>
+            </a:r>
+            <a:r>
+              <a:rPr kumimoji="0" lang="en-US" altLang="en-US" sz="1800" b="0" i="0" u="none" strike="noStrike" cap="none" normalizeH="0" baseline="0" dirty="0" smtClean="0">
+                <a:ln>
+                  <a:noFill/>
+                </a:ln>
+                <a:solidFill>
+                  <a:srgbClr val="000000"/>
+                </a:solidFill>
+                <a:effectLst/>
+                <a:latin typeface="Consolas" panose="020B0609020204030204" pitchFamily="49" charset="0"/>
+                <a:cs typeface="Courier New" panose="02070309020205020404" pitchFamily="49" charset="0"/>
+              </a:rPr>
+              <a:t>();</a:t>
+            </a:r>
+            <a:br>
+              <a:rPr kumimoji="0" lang="en-US" altLang="en-US" sz="1800" b="0" i="0" u="none" strike="noStrike" cap="none" normalizeH="0" baseline="0" dirty="0" smtClean="0">
+                <a:ln>
+                  <a:noFill/>
+                </a:ln>
+                <a:solidFill>
+                  <a:srgbClr val="000000"/>
+                </a:solidFill>
+                <a:effectLst/>
+                <a:latin typeface="Consolas" panose="020B0609020204030204" pitchFamily="49" charset="0"/>
+                <a:cs typeface="Courier New" panose="02070309020205020404" pitchFamily="49" charset="0"/>
+              </a:rPr>
+            </a:br>
+            <a:r>
+              <a:rPr kumimoji="0" lang="en-US" altLang="en-US" sz="1800" b="0" i="0" u="none" strike="noStrike" cap="none" normalizeH="0" baseline="0" dirty="0" err="1" smtClean="0">
+                <a:ln>
+                  <a:noFill/>
+                </a:ln>
+                <a:solidFill>
+                  <a:srgbClr val="000000"/>
+                </a:solidFill>
+                <a:effectLst/>
+                <a:latin typeface="Consolas" panose="020B0609020204030204" pitchFamily="49" charset="0"/>
+                <a:cs typeface="Courier New" panose="02070309020205020404" pitchFamily="49" charset="0"/>
+              </a:rPr>
+              <a:t>optional.get</a:t>
+            </a:r>
+            <a:r>
+              <a:rPr kumimoji="0" lang="en-US" altLang="en-US" sz="1800" b="0" i="0" u="none" strike="noStrike" cap="none" normalizeH="0" baseline="0" dirty="0" smtClean="0">
+                <a:ln>
+                  <a:noFill/>
+                </a:ln>
+                <a:solidFill>
+                  <a:srgbClr val="000000"/>
+                </a:solidFill>
+                <a:effectLst/>
+                <a:latin typeface="Consolas" panose="020B0609020204030204" pitchFamily="49" charset="0"/>
+                <a:cs typeface="Courier New" panose="02070309020205020404" pitchFamily="49" charset="0"/>
+              </a:rPr>
+              <a:t>();</a:t>
+            </a:r>
+            <a:endParaRPr kumimoji="0" lang="en-US" altLang="en-US" sz="4000" b="0" i="0" u="none" strike="noStrike" cap="none" normalizeH="0" baseline="0" dirty="0" smtClean="0">
+              <a:ln>
+                <a:noFill/>
+              </a:ln>
+              <a:solidFill>
+                <a:schemeClr val="tx1"/>
+              </a:solidFill>
+              <a:effectLst/>
+              <a:latin typeface="Consolas" panose="020B0609020204030204" pitchFamily="49" charset="0"/>
+            </a:endParaRPr>
+          </a:p>
+        </p:txBody>
+      </p:sp>
+      <p:sp>
+        <p:nvSpPr>
+          <p:cNvPr id="3" name="Rectangle 2"/>
+          <p:cNvSpPr/>
+          <p:nvPr/>
+        </p:nvSpPr>
+        <p:spPr>
+          <a:xfrm>
+            <a:off x="2235967" y="4234068"/>
+            <a:ext cx="7984066" cy="1477328"/>
+          </a:xfrm>
+          <a:prstGeom prst="rect">
+            <a:avLst/>
+          </a:prstGeom>
+        </p:spPr>
+        <p:txBody>
+          <a:bodyPr wrap="square">
+            <a:spAutoFit/>
+          </a:bodyPr>
+          <a:lstStyle/>
+          <a:p>
+            <a:r>
+              <a:rPr lang="en-US" b="1" dirty="0">
+                <a:latin typeface="Consolas" panose="020B0609020204030204" pitchFamily="49" charset="0"/>
+                <a:cs typeface="Courier New" panose="02070309020205020404" pitchFamily="49" charset="0"/>
+              </a:rPr>
+              <a:t>OptionalExamples.java:[11,39] [</a:t>
+            </a:r>
+            <a:r>
+              <a:rPr lang="en-US" b="1" dirty="0" err="1">
+                <a:latin typeface="Consolas" panose="020B0609020204030204" pitchFamily="49" charset="0"/>
+                <a:cs typeface="Courier New" panose="02070309020205020404" pitchFamily="49" charset="0"/>
+              </a:rPr>
+              <a:t>method.invocation.invalid</a:t>
+            </a:r>
+            <a:r>
+              <a:rPr lang="en-US" b="1" dirty="0">
+                <a:latin typeface="Consolas" panose="020B0609020204030204" pitchFamily="49" charset="0"/>
+                <a:cs typeface="Courier New" panose="02070309020205020404" pitchFamily="49" charset="0"/>
+              </a:rPr>
+              <a:t>] call to get() not allowed on the given receiver.</a:t>
+            </a:r>
+          </a:p>
+          <a:p>
+            <a:r>
+              <a:rPr lang="en-US" b="1" dirty="0">
+                <a:latin typeface="Consolas" panose="020B0609020204030204" pitchFamily="49" charset="0"/>
+                <a:cs typeface="Courier New" panose="02070309020205020404" pitchFamily="49" charset="0"/>
+              </a:rPr>
+              <a:t>  found   : @</a:t>
+            </a:r>
+            <a:r>
+              <a:rPr lang="en-US" b="1" dirty="0" err="1">
+                <a:latin typeface="Consolas" panose="020B0609020204030204" pitchFamily="49" charset="0"/>
+                <a:cs typeface="Courier New" panose="02070309020205020404" pitchFamily="49" charset="0"/>
+              </a:rPr>
+              <a:t>MaybePresent</a:t>
+            </a:r>
+            <a:r>
+              <a:rPr lang="en-US" b="1" dirty="0">
+                <a:latin typeface="Consolas" panose="020B0609020204030204" pitchFamily="49" charset="0"/>
+                <a:cs typeface="Courier New" panose="02070309020205020404" pitchFamily="49" charset="0"/>
+              </a:rPr>
+              <a:t> Optional</a:t>
+            </a:r>
+          </a:p>
+          <a:p>
+            <a:r>
+              <a:rPr lang="en-US" b="1" dirty="0">
+                <a:latin typeface="Consolas" panose="020B0609020204030204" pitchFamily="49" charset="0"/>
+                <a:cs typeface="Courier New" panose="02070309020205020404" pitchFamily="49" charset="0"/>
+              </a:rPr>
+              <a:t>[WARNING] </a:t>
+            </a:r>
+          </a:p>
+          <a:p>
+            <a:r>
+              <a:rPr lang="en-US" b="1" dirty="0">
+                <a:latin typeface="Consolas" panose="020B0609020204030204" pitchFamily="49" charset="0"/>
+                <a:cs typeface="Courier New" panose="02070309020205020404" pitchFamily="49" charset="0"/>
+              </a:rPr>
+              <a:t>  required: @Present Optional</a:t>
+            </a:r>
+          </a:p>
+        </p:txBody>
+      </p:sp>
+    </p:spTree>
+    <p:extLst>
+      <p:ext uri="{BB962C8B-B14F-4D97-AF65-F5344CB8AC3E}">
+        <p14:creationId xmlns:p14="http://schemas.microsoft.com/office/powerpoint/2010/main" val="1346322286"/>
+      </p:ext>
+    </p:extLst>
+  </p:cSld>
+  <p:clrMapOvr>
+    <a:masterClrMapping/>
+  </p:clrMapOvr>
+  <p:timing>
+    <p:tnLst>
+      <p:par>
+        <p:cTn id="1" dur="indefinite" restart="never" nodeType="tmRoot"/>
+      </p:par>
+    </p:tnLst>
+  </p:timing>
+</p:sld>
+</file>
+
+<file path=ppt/slides/slide12.xml><?xml version="1.0" encoding="utf-8"?>
+<p:sld xmlns:a="http://schemas.openxmlformats.org/drawingml/2006/main" xmlns:r="http://schemas.openxmlformats.org/officeDocument/2006/relationships" xmlns:p="http://schemas.openxmlformats.org/presentationml/2006/main">
+  <p:cSld>
+    <p:spTree>
+      <p:nvGrpSpPr>
+        <p:cNvPr id="1" name=""/>
+        <p:cNvGrpSpPr/>
+        <p:nvPr/>
+      </p:nvGrpSpPr>
+      <p:grpSpPr>
+        <a:xfrm>
+          <a:off x="0" y="0"/>
+          <a:ext cx="0" cy="0"/>
+          <a:chOff x="0" y="0"/>
+          <a:chExt cx="0" cy="0"/>
+        </a:xfrm>
+      </p:grpSpPr>
+      <p:sp>
+        <p:nvSpPr>
+          <p:cNvPr id="2" name="Title 1"/>
+          <p:cNvSpPr>
+            <a:spLocks noGrp="1"/>
+          </p:cNvSpPr>
+          <p:nvPr>
+            <p:ph type="title"/>
+          </p:nvPr>
+        </p:nvSpPr>
+        <p:spPr/>
+        <p:txBody>
+          <a:bodyPr/>
+          <a:lstStyle/>
+          <a:p>
+            <a:r>
+              <a:rPr lang="en-US" dirty="0" smtClean="0"/>
+              <a:t>What does </a:t>
+            </a:r>
+            <a:r>
+              <a:rPr lang="en-US" strike="sngStrike" dirty="0" smtClean="0"/>
+              <a:t>this code </a:t>
+            </a:r>
+            <a:r>
+              <a:rPr lang="en-US" strike="sngStrike" dirty="0"/>
+              <a:t>do</a:t>
+            </a:r>
+            <a:r>
+              <a:rPr lang="en-US" dirty="0"/>
+              <a:t> the compiler say?</a:t>
             </a:r>
             <a:endParaRPr lang="en-US" dirty="0"/>
           </a:p>
@@ -26153,7 +26443,7 @@
 </p:sld>
 </file>
 
-<file path=ppt/slides/slide12.xml><?xml version="1.0" encoding="utf-8"?>
+<file path=ppt/slides/slide13.xml><?xml version="1.0" encoding="utf-8"?>
 <p:sld xmlns:a="http://schemas.openxmlformats.org/drawingml/2006/main" xmlns:r="http://schemas.openxmlformats.org/officeDocument/2006/relationships" xmlns:p="http://schemas.openxmlformats.org/presentationml/2006/main">
   <p:cSld>
     <p:spTree>
@@ -26187,7 +26477,19 @@
           <a:p>
             <a:r>
               <a:rPr lang="en-US" dirty="0" smtClean="0"/>
-              <a:t>What does this code do?</a:t>
+              <a:t>What does </a:t>
+            </a:r>
+            <a:r>
+              <a:rPr lang="en-US" strike="sngStrike" dirty="0" smtClean="0"/>
+              <a:t>this code </a:t>
+            </a:r>
+            <a:r>
+              <a:rPr lang="en-US" strike="sngStrike" dirty="0"/>
+              <a:t>do</a:t>
+            </a:r>
+            <a:r>
+              <a:rPr lang="en-US" dirty="0"/>
+              <a:t> the compiler say?</a:t>
             </a:r>
             <a:endParaRPr lang="en-US" dirty="0"/>
           </a:p>
@@ -26772,7 +27074,7 @@
 </p:sld>
 </file>
 
-<file path=ppt/slides/slide13.xml><?xml version="1.0" encoding="utf-8"?>
+<file path=ppt/slides/slide14.xml><?xml version="1.0" encoding="utf-8"?>
 <p:sld xmlns:a="http://schemas.openxmlformats.org/drawingml/2006/main" xmlns:r="http://schemas.openxmlformats.org/officeDocument/2006/relationships" xmlns:p="http://schemas.openxmlformats.org/presentationml/2006/main">
   <p:cSld>
     <p:spTree>
@@ -26806,8 +27108,21 @@
           <a:p>
             <a:r>
               <a:rPr lang="en-US" dirty="0"/>
-              <a:t>What does this code do?</a:t>
-            </a:r>
+              <a:t>What does </a:t>
+            </a:r>
+            <a:r>
+              <a:rPr lang="en-US" strike="sngStrike" dirty="0"/>
+              <a:t>this code </a:t>
+            </a:r>
+            <a:r>
+              <a:rPr lang="en-US" strike="sngStrike" dirty="0" smtClean="0"/>
+              <a:t>do </a:t>
+            </a:r>
+            <a:r>
+              <a:rPr lang="en-US" dirty="0"/>
+              <a:t>the compiler say?</a:t>
+            </a:r>
+            <a:endParaRPr lang="en-US" dirty="0"/>
           </a:p>
         </p:txBody>
       </p:sp>
@@ -27101,7 +27416,7 @@
 </p:sld>
 </file>
 
-<file path=ppt/slides/slide14.xml><?xml version="1.0" encoding="utf-8"?>
+<file path=ppt/slides/slide15.xml><?xml version="1.0" encoding="utf-8"?>
 <p:sld xmlns:a="http://schemas.openxmlformats.org/drawingml/2006/main" xmlns:r="http://schemas.openxmlformats.org/officeDocument/2006/relationships" xmlns:p="http://schemas.openxmlformats.org/presentationml/2006/main">
   <p:cSld>
     <p:spTree>
@@ -27135,8 +27450,21 @@
           <a:p>
             <a:r>
               <a:rPr lang="en-US" dirty="0"/>
-              <a:t>What does this code do?</a:t>
-            </a:r>
+              <a:t>What does </a:t>
+            </a:r>
+            <a:r>
+              <a:rPr lang="en-US" strike="sngStrike" dirty="0"/>
+              <a:t>this code </a:t>
+            </a:r>
+            <a:r>
+              <a:rPr lang="en-US" strike="sngStrike" dirty="0" smtClean="0"/>
+              <a:t>do</a:t>
+            </a:r>
+            <a:r>
+              <a:rPr lang="en-US" dirty="0"/>
+              <a:t> the compiler say?</a:t>
+            </a:r>
+            <a:endParaRPr lang="en-US" dirty="0"/>
           </a:p>
         </p:txBody>
       </p:sp>
@@ -27502,1469 +27830,6 @@
 </p:sld>
 </file>
 
-<file path=ppt/slides/slide15.xml><?xml version="1.0" encoding="utf-8"?>
-<p:sld xmlns:a="http://schemas.openxmlformats.org/drawingml/2006/main" xmlns:r="http://schemas.openxmlformats.org/officeDocument/2006/relationships" xmlns:p="http://schemas.openxmlformats.org/presentationml/2006/main">
-  <p:cSld>
-    <p:spTree>
-      <p:nvGrpSpPr>
-        <p:cNvPr id="1" name=""/>
-        <p:cNvGrpSpPr/>
-        <p:nvPr/>
-      </p:nvGrpSpPr>
-      <p:grpSpPr>
-        <a:xfrm>
-          <a:off x="0" y="0"/>
-          <a:ext cx="0" cy="0"/>
-          <a:chOff x="0" y="0"/>
-          <a:chExt cx="0" cy="0"/>
-        </a:xfrm>
-      </p:grpSpPr>
-      <p:sp>
-        <p:nvSpPr>
-          <p:cNvPr id="2" name="Title 1"/>
-          <p:cNvSpPr>
-            <a:spLocks noGrp="1"/>
-          </p:cNvSpPr>
-          <p:nvPr>
-            <p:ph type="title"/>
-          </p:nvPr>
-        </p:nvSpPr>
-        <p:spPr/>
-        <p:txBody>
-          <a:bodyPr/>
-          <a:lstStyle/>
-          <a:p>
-            <a:r>
-              <a:rPr lang="en-US" dirty="0" smtClean="0"/>
-              <a:t>Let’s get started</a:t>
-            </a:r>
-            <a:r>
-              <a:rPr lang="en-NL" dirty="0" smtClean="0"/>
-              <a:t>…</a:t>
-            </a:r>
-            <a:endParaRPr lang="en-US" dirty="0"/>
-          </a:p>
-        </p:txBody>
-      </p:sp>
-      <p:sp>
-        <p:nvSpPr>
-          <p:cNvPr id="4" name="Rectangle 1"/>
-          <p:cNvSpPr>
-            <a:spLocks noGrp="1" noChangeArrowheads="1"/>
-          </p:cNvSpPr>
-          <p:nvPr>
-            <p:ph type="body" sz="quarter" idx="10"/>
-          </p:nvPr>
-        </p:nvSpPr>
-        <p:spPr bwMode="auto">
-          <a:xfrm>
-            <a:off x="2895998" y="1972353"/>
-            <a:ext cx="5458546" cy="4278094"/>
-          </a:xfrm>
-          <a:prstGeom prst="rect">
-            <a:avLst/>
-          </a:prstGeom>
-          <a:solidFill>
-            <a:srgbClr val="FFFFFF"/>
-          </a:solidFill>
-          <a:ln>
-            <a:noFill/>
-          </a:ln>
-          <a:effectLst/>
-          <a:extLst>
-            <a:ext uri="{91240B29-F687-4F45-9708-019B960494DF}">
-              <a14:hiddenLine xmlns:a14="http://schemas.microsoft.com/office/drawing/2010/main" w="9525">
-                <a:solidFill>
-                  <a:schemeClr val="tx1"/>
-                </a:solidFill>
-                <a:miter lim="800000"/>
-                <a:headEnd/>
-                <a:tailEnd/>
-              </a14:hiddenLine>
-            </a:ext>
-            <a:ext uri="{AF507438-7753-43E0-B8FC-AC1667EBCBE1}">
-              <a14:hiddenEffects xmlns:a14="http://schemas.microsoft.com/office/drawing/2010/main">
-                <a:effectLst>
-                  <a:outerShdw dist="35921" dir="2700000" algn="ctr" rotWithShape="0">
-                    <a:schemeClr val="bg2"/>
-                  </a:outerShdw>
-                </a:effectLst>
-              </a14:hiddenEffects>
-            </a:ext>
-          </a:extLst>
-        </p:spPr>
-        <p:txBody>
-          <a:bodyPr vert="horz" wrap="none" lIns="91440" tIns="45720" rIns="91440" bIns="45720" numCol="1" anchor="ctr" anchorCtr="0" compatLnSpc="1">
-            <a:prstTxWarp prst="textNoShape">
-              <a:avLst/>
-            </a:prstTxWarp>
-            <a:spAutoFit/>
-          </a:bodyPr>
-          <a:lstStyle/>
-          <a:p>
-            <a:pPr marL="0" marR="0" lvl="0" indent="0" algn="l" defTabSz="914400" rtl="0" eaLnBrk="0" fontAlgn="base" latinLnBrk="0" hangingPunct="0">
-              <a:lnSpc>
-                <a:spcPct val="100000"/>
-              </a:lnSpc>
-              <a:spcBef>
-                <a:spcPct val="0"/>
-              </a:spcBef>
-              <a:spcAft>
-                <a:spcPct val="0"/>
-              </a:spcAft>
-              <a:buClrTx/>
-              <a:buSzTx/>
-              <a:buFontTx/>
-              <a:buNone/>
-              <a:tabLst/>
-            </a:pPr>
-            <a:r>
-              <a:rPr kumimoji="0" lang="en-US" altLang="en-US" sz="1600" b="0" i="0" u="none" strike="noStrike" cap="none" normalizeH="0" baseline="0" dirty="0" smtClean="0">
-                <a:ln>
-                  <a:noFill/>
-                </a:ln>
-                <a:solidFill>
-                  <a:srgbClr val="000000"/>
-                </a:solidFill>
-                <a:effectLst/>
-                <a:latin typeface="Consolas" panose="020B0609020204030204" pitchFamily="49" charset="0"/>
-                <a:cs typeface="Courier New" panose="02070309020205020404" pitchFamily="49" charset="0"/>
-              </a:rPr>
-              <a:t>&lt;</a:t>
-            </a:r>
-            <a:r>
-              <a:rPr kumimoji="0" lang="en-US" altLang="en-US" sz="1600" b="1" i="0" u="none" strike="noStrike" cap="none" normalizeH="0" baseline="0" dirty="0" smtClean="0">
-                <a:ln>
-                  <a:noFill/>
-                </a:ln>
-                <a:solidFill>
-                  <a:srgbClr val="000080"/>
-                </a:solidFill>
-                <a:effectLst/>
-                <a:latin typeface="Consolas" panose="020B0609020204030204" pitchFamily="49" charset="0"/>
-                <a:cs typeface="Courier New" panose="02070309020205020404" pitchFamily="49" charset="0"/>
-              </a:rPr>
-              <a:t>dependencies</a:t>
-            </a:r>
-            <a:r>
-              <a:rPr kumimoji="0" lang="en-US" altLang="en-US" sz="1600" b="0" i="0" u="none" strike="noStrike" cap="none" normalizeH="0" baseline="0" dirty="0" smtClean="0">
-                <a:ln>
-                  <a:noFill/>
-                </a:ln>
-                <a:solidFill>
-                  <a:srgbClr val="000000"/>
-                </a:solidFill>
-                <a:effectLst/>
-                <a:latin typeface="Consolas" panose="020B0609020204030204" pitchFamily="49" charset="0"/>
-                <a:cs typeface="Courier New" panose="02070309020205020404" pitchFamily="49" charset="0"/>
-              </a:rPr>
-              <a:t>&gt;   </a:t>
-            </a:r>
-            <a:r>
-              <a:rPr kumimoji="0" lang="en-US" altLang="en-US" sz="1600" b="0" i="1" u="none" strike="noStrike" cap="none" normalizeH="0" baseline="0" dirty="0" smtClean="0">
-                <a:ln>
-                  <a:noFill/>
-                </a:ln>
-                <a:solidFill>
-                  <a:srgbClr val="808080"/>
-                </a:solidFill>
-                <a:effectLst/>
-                <a:latin typeface="Consolas" panose="020B0609020204030204" pitchFamily="49" charset="0"/>
-                <a:cs typeface="Courier New" panose="02070309020205020404" pitchFamily="49" charset="0"/>
-              </a:rPr>
-              <a:t/>
-            </a:r>
-            <a:br>
-              <a:rPr kumimoji="0" lang="en-US" altLang="en-US" sz="1600" b="0" i="1" u="none" strike="noStrike" cap="none" normalizeH="0" baseline="0" dirty="0" smtClean="0">
-                <a:ln>
-                  <a:noFill/>
-                </a:ln>
-                <a:solidFill>
-                  <a:srgbClr val="808080"/>
-                </a:solidFill>
-                <a:effectLst/>
-                <a:latin typeface="Consolas" panose="020B0609020204030204" pitchFamily="49" charset="0"/>
-                <a:cs typeface="Courier New" panose="02070309020205020404" pitchFamily="49" charset="0"/>
-              </a:rPr>
-            </a:br>
-            <a:r>
-              <a:rPr kumimoji="0" lang="en-US" altLang="en-US" sz="1600" b="0" i="1" u="none" strike="noStrike" cap="none" normalizeH="0" baseline="0" dirty="0" smtClean="0">
-                <a:ln>
-                  <a:noFill/>
-                </a:ln>
-                <a:solidFill>
-                  <a:srgbClr val="808080"/>
-                </a:solidFill>
-                <a:effectLst/>
-                <a:latin typeface="Consolas" panose="020B0609020204030204" pitchFamily="49" charset="0"/>
-                <a:cs typeface="Courier New" panose="02070309020205020404" pitchFamily="49" charset="0"/>
-              </a:rPr>
-              <a:t>    </a:t>
-            </a:r>
-            <a:r>
-              <a:rPr kumimoji="0" lang="en-US" altLang="en-US" sz="1600" b="0" i="0" u="none" strike="noStrike" cap="none" normalizeH="0" baseline="0" dirty="0" smtClean="0">
-                <a:ln>
-                  <a:noFill/>
-                </a:ln>
-                <a:solidFill>
-                  <a:srgbClr val="000000"/>
-                </a:solidFill>
-                <a:effectLst/>
-                <a:latin typeface="Consolas" panose="020B0609020204030204" pitchFamily="49" charset="0"/>
-                <a:cs typeface="Courier New" panose="02070309020205020404" pitchFamily="49" charset="0"/>
-              </a:rPr>
-              <a:t>&lt;</a:t>
-            </a:r>
-            <a:r>
-              <a:rPr kumimoji="0" lang="en-US" altLang="en-US" sz="1600" b="1" i="0" u="none" strike="noStrike" cap="none" normalizeH="0" baseline="0" dirty="0" smtClean="0">
-                <a:ln>
-                  <a:noFill/>
-                </a:ln>
-                <a:solidFill>
-                  <a:srgbClr val="000080"/>
-                </a:solidFill>
-                <a:effectLst/>
-                <a:latin typeface="Consolas" panose="020B0609020204030204" pitchFamily="49" charset="0"/>
-                <a:cs typeface="Courier New" panose="02070309020205020404" pitchFamily="49" charset="0"/>
-              </a:rPr>
-              <a:t>dependency</a:t>
-            </a:r>
-            <a:r>
-              <a:rPr kumimoji="0" lang="en-US" altLang="en-US" sz="1600" b="0" i="0" u="none" strike="noStrike" cap="none" normalizeH="0" baseline="0" dirty="0" smtClean="0">
-                <a:ln>
-                  <a:noFill/>
-                </a:ln>
-                <a:solidFill>
-                  <a:srgbClr val="000000"/>
-                </a:solidFill>
-                <a:effectLst/>
-                <a:latin typeface="Consolas" panose="020B0609020204030204" pitchFamily="49" charset="0"/>
-                <a:cs typeface="Courier New" panose="02070309020205020404" pitchFamily="49" charset="0"/>
-              </a:rPr>
-              <a:t>&gt;</a:t>
-            </a:r>
-            <a:br>
-              <a:rPr kumimoji="0" lang="en-US" altLang="en-US" sz="1600" b="0" i="0" u="none" strike="noStrike" cap="none" normalizeH="0" baseline="0" dirty="0" smtClean="0">
-                <a:ln>
-                  <a:noFill/>
-                </a:ln>
-                <a:solidFill>
-                  <a:srgbClr val="000000"/>
-                </a:solidFill>
-                <a:effectLst/>
-                <a:latin typeface="Consolas" panose="020B0609020204030204" pitchFamily="49" charset="0"/>
-                <a:cs typeface="Courier New" panose="02070309020205020404" pitchFamily="49" charset="0"/>
-              </a:rPr>
-            </a:br>
-            <a:r>
-              <a:rPr kumimoji="0" lang="en-US" altLang="en-US" sz="1600" b="0" i="0" u="none" strike="noStrike" cap="none" normalizeH="0" baseline="0" dirty="0" smtClean="0">
-                <a:ln>
-                  <a:noFill/>
-                </a:ln>
-                <a:solidFill>
-                  <a:srgbClr val="000000"/>
-                </a:solidFill>
-                <a:effectLst/>
-                <a:latin typeface="Consolas" panose="020B0609020204030204" pitchFamily="49" charset="0"/>
-                <a:cs typeface="Courier New" panose="02070309020205020404" pitchFamily="49" charset="0"/>
-              </a:rPr>
-              <a:t>        &lt;</a:t>
-            </a:r>
-            <a:r>
-              <a:rPr kumimoji="0" lang="en-US" altLang="en-US" sz="1600" b="1" i="0" u="none" strike="noStrike" cap="none" normalizeH="0" baseline="0" dirty="0" err="1" smtClean="0">
-                <a:ln>
-                  <a:noFill/>
-                </a:ln>
-                <a:solidFill>
-                  <a:srgbClr val="000080"/>
-                </a:solidFill>
-                <a:effectLst/>
-                <a:latin typeface="Consolas" panose="020B0609020204030204" pitchFamily="49" charset="0"/>
-                <a:cs typeface="Courier New" panose="02070309020205020404" pitchFamily="49" charset="0"/>
-              </a:rPr>
-              <a:t>groupId</a:t>
-            </a:r>
-            <a:r>
-              <a:rPr kumimoji="0" lang="en-US" altLang="en-US" sz="1600" b="0" i="0" u="none" strike="noStrike" cap="none" normalizeH="0" baseline="0" dirty="0" smtClean="0">
-                <a:ln>
-                  <a:noFill/>
-                </a:ln>
-                <a:solidFill>
-                  <a:srgbClr val="000000"/>
-                </a:solidFill>
-                <a:effectLst/>
-                <a:latin typeface="Consolas" panose="020B0609020204030204" pitchFamily="49" charset="0"/>
-                <a:cs typeface="Courier New" panose="02070309020205020404" pitchFamily="49" charset="0"/>
-              </a:rPr>
-              <a:t>&gt;</a:t>
-            </a:r>
-            <a:r>
-              <a:rPr kumimoji="0" lang="en-US" altLang="en-US" sz="1600" b="0" i="0" u="none" strike="noStrike" cap="none" normalizeH="0" baseline="0" dirty="0" err="1" smtClean="0">
-                <a:ln>
-                  <a:noFill/>
-                </a:ln>
-                <a:solidFill>
-                  <a:srgbClr val="000000"/>
-                </a:solidFill>
-                <a:effectLst/>
-                <a:latin typeface="Consolas" panose="020B0609020204030204" pitchFamily="49" charset="0"/>
-                <a:cs typeface="Courier New" panose="02070309020205020404" pitchFamily="49" charset="0"/>
-              </a:rPr>
-              <a:t>org.checkerframework</a:t>
-            </a:r>
-            <a:r>
-              <a:rPr kumimoji="0" lang="en-US" altLang="en-US" sz="1600" b="0" i="0" u="none" strike="noStrike" cap="none" normalizeH="0" baseline="0" dirty="0" smtClean="0">
-                <a:ln>
-                  <a:noFill/>
-                </a:ln>
-                <a:solidFill>
-                  <a:srgbClr val="000000"/>
-                </a:solidFill>
-                <a:effectLst/>
-                <a:latin typeface="Consolas" panose="020B0609020204030204" pitchFamily="49" charset="0"/>
-                <a:cs typeface="Courier New" panose="02070309020205020404" pitchFamily="49" charset="0"/>
-              </a:rPr>
-              <a:t>&lt;/</a:t>
-            </a:r>
-            <a:r>
-              <a:rPr kumimoji="0" lang="en-US" altLang="en-US" sz="1600" b="1" i="0" u="none" strike="noStrike" cap="none" normalizeH="0" baseline="0" dirty="0" err="1" smtClean="0">
-                <a:ln>
-                  <a:noFill/>
-                </a:ln>
-                <a:solidFill>
-                  <a:srgbClr val="000080"/>
-                </a:solidFill>
-                <a:effectLst/>
-                <a:latin typeface="Consolas" panose="020B0609020204030204" pitchFamily="49" charset="0"/>
-                <a:cs typeface="Courier New" panose="02070309020205020404" pitchFamily="49" charset="0"/>
-              </a:rPr>
-              <a:t>groupId</a:t>
-            </a:r>
-            <a:r>
-              <a:rPr kumimoji="0" lang="en-US" altLang="en-US" sz="1600" b="0" i="0" u="none" strike="noStrike" cap="none" normalizeH="0" baseline="0" dirty="0" smtClean="0">
-                <a:ln>
-                  <a:noFill/>
-                </a:ln>
-                <a:solidFill>
-                  <a:srgbClr val="000000"/>
-                </a:solidFill>
-                <a:effectLst/>
-                <a:latin typeface="Consolas" panose="020B0609020204030204" pitchFamily="49" charset="0"/>
-                <a:cs typeface="Courier New" panose="02070309020205020404" pitchFamily="49" charset="0"/>
-              </a:rPr>
-              <a:t>&gt;</a:t>
-            </a:r>
-            <a:br>
-              <a:rPr kumimoji="0" lang="en-US" altLang="en-US" sz="1600" b="0" i="0" u="none" strike="noStrike" cap="none" normalizeH="0" baseline="0" dirty="0" smtClean="0">
-                <a:ln>
-                  <a:noFill/>
-                </a:ln>
-                <a:solidFill>
-                  <a:srgbClr val="000000"/>
-                </a:solidFill>
-                <a:effectLst/>
-                <a:latin typeface="Consolas" panose="020B0609020204030204" pitchFamily="49" charset="0"/>
-                <a:cs typeface="Courier New" panose="02070309020205020404" pitchFamily="49" charset="0"/>
-              </a:rPr>
-            </a:br>
-            <a:r>
-              <a:rPr kumimoji="0" lang="en-US" altLang="en-US" sz="1600" b="0" i="0" u="none" strike="noStrike" cap="none" normalizeH="0" baseline="0" dirty="0" smtClean="0">
-                <a:ln>
-                  <a:noFill/>
-                </a:ln>
-                <a:solidFill>
-                  <a:srgbClr val="000000"/>
-                </a:solidFill>
-                <a:effectLst/>
-                <a:latin typeface="Consolas" panose="020B0609020204030204" pitchFamily="49" charset="0"/>
-                <a:cs typeface="Courier New" panose="02070309020205020404" pitchFamily="49" charset="0"/>
-              </a:rPr>
-              <a:t>        &lt;</a:t>
-            </a:r>
-            <a:r>
-              <a:rPr kumimoji="0" lang="en-US" altLang="en-US" sz="1600" b="1" i="0" u="none" strike="noStrike" cap="none" normalizeH="0" baseline="0" dirty="0" err="1" smtClean="0">
-                <a:ln>
-                  <a:noFill/>
-                </a:ln>
-                <a:solidFill>
-                  <a:srgbClr val="000080"/>
-                </a:solidFill>
-                <a:effectLst/>
-                <a:latin typeface="Consolas" panose="020B0609020204030204" pitchFamily="49" charset="0"/>
-                <a:cs typeface="Courier New" panose="02070309020205020404" pitchFamily="49" charset="0"/>
-              </a:rPr>
-              <a:t>artifactId</a:t>
-            </a:r>
-            <a:r>
-              <a:rPr kumimoji="0" lang="en-US" altLang="en-US" sz="1600" b="0" i="0" u="none" strike="noStrike" cap="none" normalizeH="0" baseline="0" dirty="0" smtClean="0">
-                <a:ln>
-                  <a:noFill/>
-                </a:ln>
-                <a:solidFill>
-                  <a:srgbClr val="000000"/>
-                </a:solidFill>
-                <a:effectLst/>
-                <a:latin typeface="Consolas" panose="020B0609020204030204" pitchFamily="49" charset="0"/>
-                <a:cs typeface="Courier New" panose="02070309020205020404" pitchFamily="49" charset="0"/>
-              </a:rPr>
-              <a:t>&gt;checker-</a:t>
-            </a:r>
-            <a:r>
-              <a:rPr kumimoji="0" lang="en-US" altLang="en-US" sz="1600" b="0" i="0" u="none" strike="noStrike" cap="none" normalizeH="0" baseline="0" dirty="0" err="1" smtClean="0">
-                <a:ln>
-                  <a:noFill/>
-                </a:ln>
-                <a:solidFill>
-                  <a:srgbClr val="000000"/>
-                </a:solidFill>
-                <a:effectLst/>
-                <a:latin typeface="Consolas" panose="020B0609020204030204" pitchFamily="49" charset="0"/>
-                <a:cs typeface="Courier New" panose="02070309020205020404" pitchFamily="49" charset="0"/>
-              </a:rPr>
-              <a:t>qual</a:t>
-            </a:r>
-            <a:r>
-              <a:rPr kumimoji="0" lang="en-US" altLang="en-US" sz="1600" b="0" i="0" u="none" strike="noStrike" cap="none" normalizeH="0" baseline="0" dirty="0" smtClean="0">
-                <a:ln>
-                  <a:noFill/>
-                </a:ln>
-                <a:solidFill>
-                  <a:srgbClr val="000000"/>
-                </a:solidFill>
-                <a:effectLst/>
-                <a:latin typeface="Consolas" panose="020B0609020204030204" pitchFamily="49" charset="0"/>
-                <a:cs typeface="Courier New" panose="02070309020205020404" pitchFamily="49" charset="0"/>
-              </a:rPr>
-              <a:t>&lt;/</a:t>
-            </a:r>
-            <a:r>
-              <a:rPr kumimoji="0" lang="en-US" altLang="en-US" sz="1600" b="1" i="0" u="none" strike="noStrike" cap="none" normalizeH="0" baseline="0" dirty="0" err="1" smtClean="0">
-                <a:ln>
-                  <a:noFill/>
-                </a:ln>
-                <a:solidFill>
-                  <a:srgbClr val="000080"/>
-                </a:solidFill>
-                <a:effectLst/>
-                <a:latin typeface="Consolas" panose="020B0609020204030204" pitchFamily="49" charset="0"/>
-                <a:cs typeface="Courier New" panose="02070309020205020404" pitchFamily="49" charset="0"/>
-              </a:rPr>
-              <a:t>artifactId</a:t>
-            </a:r>
-            <a:r>
-              <a:rPr kumimoji="0" lang="en-US" altLang="en-US" sz="1600" b="0" i="0" u="none" strike="noStrike" cap="none" normalizeH="0" baseline="0" dirty="0" smtClean="0">
-                <a:ln>
-                  <a:noFill/>
-                </a:ln>
-                <a:solidFill>
-                  <a:srgbClr val="000000"/>
-                </a:solidFill>
-                <a:effectLst/>
-                <a:latin typeface="Consolas" panose="020B0609020204030204" pitchFamily="49" charset="0"/>
-                <a:cs typeface="Courier New" panose="02070309020205020404" pitchFamily="49" charset="0"/>
-              </a:rPr>
-              <a:t>&gt;</a:t>
-            </a:r>
-            <a:br>
-              <a:rPr kumimoji="0" lang="en-US" altLang="en-US" sz="1600" b="0" i="0" u="none" strike="noStrike" cap="none" normalizeH="0" baseline="0" dirty="0" smtClean="0">
-                <a:ln>
-                  <a:noFill/>
-                </a:ln>
-                <a:solidFill>
-                  <a:srgbClr val="000000"/>
-                </a:solidFill>
-                <a:effectLst/>
-                <a:latin typeface="Consolas" panose="020B0609020204030204" pitchFamily="49" charset="0"/>
-                <a:cs typeface="Courier New" panose="02070309020205020404" pitchFamily="49" charset="0"/>
-              </a:rPr>
-            </a:br>
-            <a:r>
-              <a:rPr kumimoji="0" lang="en-US" altLang="en-US" sz="1600" b="0" i="0" u="none" strike="noStrike" cap="none" normalizeH="0" baseline="0" dirty="0" smtClean="0">
-                <a:ln>
-                  <a:noFill/>
-                </a:ln>
-                <a:solidFill>
-                  <a:srgbClr val="000000"/>
-                </a:solidFill>
-                <a:effectLst/>
-                <a:latin typeface="Consolas" panose="020B0609020204030204" pitchFamily="49" charset="0"/>
-                <a:cs typeface="Courier New" panose="02070309020205020404" pitchFamily="49" charset="0"/>
-              </a:rPr>
-              <a:t>        &lt;</a:t>
-            </a:r>
-            <a:r>
-              <a:rPr kumimoji="0" lang="en-US" altLang="en-US" sz="1600" b="1" i="0" u="none" strike="noStrike" cap="none" normalizeH="0" baseline="0" dirty="0" smtClean="0">
-                <a:ln>
-                  <a:noFill/>
-                </a:ln>
-                <a:solidFill>
-                  <a:srgbClr val="000080"/>
-                </a:solidFill>
-                <a:effectLst/>
-                <a:latin typeface="Consolas" panose="020B0609020204030204" pitchFamily="49" charset="0"/>
-                <a:cs typeface="Courier New" panose="02070309020205020404" pitchFamily="49" charset="0"/>
-              </a:rPr>
-              <a:t>version</a:t>
-            </a:r>
-            <a:r>
-              <a:rPr kumimoji="0" lang="en-US" altLang="en-US" sz="1600" b="0" i="0" u="none" strike="noStrike" cap="none" normalizeH="0" baseline="0" dirty="0" smtClean="0">
-                <a:ln>
-                  <a:noFill/>
-                </a:ln>
-                <a:solidFill>
-                  <a:srgbClr val="000000"/>
-                </a:solidFill>
-                <a:effectLst/>
-                <a:latin typeface="Consolas" panose="020B0609020204030204" pitchFamily="49" charset="0"/>
-                <a:cs typeface="Courier New" panose="02070309020205020404" pitchFamily="49" charset="0"/>
-              </a:rPr>
-              <a:t>&gt;2.11.1&lt;/</a:t>
-            </a:r>
-            <a:r>
-              <a:rPr kumimoji="0" lang="en-US" altLang="en-US" sz="1600" b="1" i="0" u="none" strike="noStrike" cap="none" normalizeH="0" baseline="0" dirty="0" smtClean="0">
-                <a:ln>
-                  <a:noFill/>
-                </a:ln>
-                <a:solidFill>
-                  <a:srgbClr val="000080"/>
-                </a:solidFill>
-                <a:effectLst/>
-                <a:latin typeface="Consolas" panose="020B0609020204030204" pitchFamily="49" charset="0"/>
-                <a:cs typeface="Courier New" panose="02070309020205020404" pitchFamily="49" charset="0"/>
-              </a:rPr>
-              <a:t>version</a:t>
-            </a:r>
-            <a:r>
-              <a:rPr kumimoji="0" lang="en-US" altLang="en-US" sz="1600" b="0" i="0" u="none" strike="noStrike" cap="none" normalizeH="0" baseline="0" dirty="0" smtClean="0">
-                <a:ln>
-                  <a:noFill/>
-                </a:ln>
-                <a:solidFill>
-                  <a:srgbClr val="000000"/>
-                </a:solidFill>
-                <a:effectLst/>
-                <a:latin typeface="Consolas" panose="020B0609020204030204" pitchFamily="49" charset="0"/>
-                <a:cs typeface="Courier New" panose="02070309020205020404" pitchFamily="49" charset="0"/>
-              </a:rPr>
-              <a:t>&gt;</a:t>
-            </a:r>
-            <a:br>
-              <a:rPr kumimoji="0" lang="en-US" altLang="en-US" sz="1600" b="0" i="0" u="none" strike="noStrike" cap="none" normalizeH="0" baseline="0" dirty="0" smtClean="0">
-                <a:ln>
-                  <a:noFill/>
-                </a:ln>
-                <a:solidFill>
-                  <a:srgbClr val="000000"/>
-                </a:solidFill>
-                <a:effectLst/>
-                <a:latin typeface="Consolas" panose="020B0609020204030204" pitchFamily="49" charset="0"/>
-                <a:cs typeface="Courier New" panose="02070309020205020404" pitchFamily="49" charset="0"/>
-              </a:rPr>
-            </a:br>
-            <a:r>
-              <a:rPr kumimoji="0" lang="en-US" altLang="en-US" sz="1600" b="0" i="0" u="none" strike="noStrike" cap="none" normalizeH="0" baseline="0" dirty="0" smtClean="0">
-                <a:ln>
-                  <a:noFill/>
-                </a:ln>
-                <a:solidFill>
-                  <a:srgbClr val="000000"/>
-                </a:solidFill>
-                <a:effectLst/>
-                <a:latin typeface="Consolas" panose="020B0609020204030204" pitchFamily="49" charset="0"/>
-                <a:cs typeface="Courier New" panose="02070309020205020404" pitchFamily="49" charset="0"/>
-              </a:rPr>
-              <a:t>    &lt;/</a:t>
-            </a:r>
-            <a:r>
-              <a:rPr kumimoji="0" lang="en-US" altLang="en-US" sz="1600" b="1" i="0" u="none" strike="noStrike" cap="none" normalizeH="0" baseline="0" dirty="0" smtClean="0">
-                <a:ln>
-                  <a:noFill/>
-                </a:ln>
-                <a:solidFill>
-                  <a:srgbClr val="000080"/>
-                </a:solidFill>
-                <a:effectLst/>
-                <a:latin typeface="Consolas" panose="020B0609020204030204" pitchFamily="49" charset="0"/>
-                <a:cs typeface="Courier New" panose="02070309020205020404" pitchFamily="49" charset="0"/>
-              </a:rPr>
-              <a:t>dependency</a:t>
-            </a:r>
-            <a:r>
-              <a:rPr kumimoji="0" lang="en-US" altLang="en-US" sz="1600" b="0" i="0" u="none" strike="noStrike" cap="none" normalizeH="0" baseline="0" dirty="0" smtClean="0">
-                <a:ln>
-                  <a:noFill/>
-                </a:ln>
-                <a:solidFill>
-                  <a:srgbClr val="000000"/>
-                </a:solidFill>
-                <a:effectLst/>
-                <a:latin typeface="Consolas" panose="020B0609020204030204" pitchFamily="49" charset="0"/>
-                <a:cs typeface="Courier New" panose="02070309020205020404" pitchFamily="49" charset="0"/>
-              </a:rPr>
-              <a:t>&gt;</a:t>
-            </a:r>
-            <a:br>
-              <a:rPr kumimoji="0" lang="en-US" altLang="en-US" sz="1600" b="0" i="0" u="none" strike="noStrike" cap="none" normalizeH="0" baseline="0" dirty="0" smtClean="0">
-                <a:ln>
-                  <a:noFill/>
-                </a:ln>
-                <a:solidFill>
-                  <a:srgbClr val="000000"/>
-                </a:solidFill>
-                <a:effectLst/>
-                <a:latin typeface="Consolas" panose="020B0609020204030204" pitchFamily="49" charset="0"/>
-                <a:cs typeface="Courier New" panose="02070309020205020404" pitchFamily="49" charset="0"/>
-              </a:rPr>
-            </a:br>
-            <a:r>
-              <a:rPr kumimoji="0" lang="en-US" altLang="en-US" sz="1600" b="0" i="0" u="none" strike="noStrike" cap="none" normalizeH="0" baseline="0" dirty="0" smtClean="0">
-                <a:ln>
-                  <a:noFill/>
-                </a:ln>
-                <a:solidFill>
-                  <a:srgbClr val="000000"/>
-                </a:solidFill>
-                <a:effectLst/>
-                <a:latin typeface="Consolas" panose="020B0609020204030204" pitchFamily="49" charset="0"/>
-                <a:cs typeface="Courier New" panose="02070309020205020404" pitchFamily="49" charset="0"/>
-              </a:rPr>
-              <a:t>    &lt;</a:t>
-            </a:r>
-            <a:r>
-              <a:rPr kumimoji="0" lang="en-US" altLang="en-US" sz="1600" b="1" i="0" u="none" strike="noStrike" cap="none" normalizeH="0" baseline="0" dirty="0" smtClean="0">
-                <a:ln>
-                  <a:noFill/>
-                </a:ln>
-                <a:solidFill>
-                  <a:srgbClr val="000080"/>
-                </a:solidFill>
-                <a:effectLst/>
-                <a:latin typeface="Consolas" panose="020B0609020204030204" pitchFamily="49" charset="0"/>
-                <a:cs typeface="Courier New" panose="02070309020205020404" pitchFamily="49" charset="0"/>
-              </a:rPr>
-              <a:t>dependency</a:t>
-            </a:r>
-            <a:r>
-              <a:rPr kumimoji="0" lang="en-US" altLang="en-US" sz="1600" b="0" i="0" u="none" strike="noStrike" cap="none" normalizeH="0" baseline="0" dirty="0" smtClean="0">
-                <a:ln>
-                  <a:noFill/>
-                </a:ln>
-                <a:solidFill>
-                  <a:srgbClr val="000000"/>
-                </a:solidFill>
-                <a:effectLst/>
-                <a:latin typeface="Consolas" panose="020B0609020204030204" pitchFamily="49" charset="0"/>
-                <a:cs typeface="Courier New" panose="02070309020205020404" pitchFamily="49" charset="0"/>
-              </a:rPr>
-              <a:t>&gt;</a:t>
-            </a:r>
-            <a:br>
-              <a:rPr kumimoji="0" lang="en-US" altLang="en-US" sz="1600" b="0" i="0" u="none" strike="noStrike" cap="none" normalizeH="0" baseline="0" dirty="0" smtClean="0">
-                <a:ln>
-                  <a:noFill/>
-                </a:ln>
-                <a:solidFill>
-                  <a:srgbClr val="000000"/>
-                </a:solidFill>
-                <a:effectLst/>
-                <a:latin typeface="Consolas" panose="020B0609020204030204" pitchFamily="49" charset="0"/>
-                <a:cs typeface="Courier New" panose="02070309020205020404" pitchFamily="49" charset="0"/>
-              </a:rPr>
-            </a:br>
-            <a:r>
-              <a:rPr kumimoji="0" lang="en-US" altLang="en-US" sz="1600" b="0" i="0" u="none" strike="noStrike" cap="none" normalizeH="0" baseline="0" dirty="0" smtClean="0">
-                <a:ln>
-                  <a:noFill/>
-                </a:ln>
-                <a:solidFill>
-                  <a:srgbClr val="000000"/>
-                </a:solidFill>
-                <a:effectLst/>
-                <a:latin typeface="Consolas" panose="020B0609020204030204" pitchFamily="49" charset="0"/>
-                <a:cs typeface="Courier New" panose="02070309020205020404" pitchFamily="49" charset="0"/>
-              </a:rPr>
-              <a:t>        &lt;</a:t>
-            </a:r>
-            <a:r>
-              <a:rPr kumimoji="0" lang="en-US" altLang="en-US" sz="1600" b="1" i="0" u="none" strike="noStrike" cap="none" normalizeH="0" baseline="0" dirty="0" err="1" smtClean="0">
-                <a:ln>
-                  <a:noFill/>
-                </a:ln>
-                <a:solidFill>
-                  <a:srgbClr val="000080"/>
-                </a:solidFill>
-                <a:effectLst/>
-                <a:latin typeface="Consolas" panose="020B0609020204030204" pitchFamily="49" charset="0"/>
-                <a:cs typeface="Courier New" panose="02070309020205020404" pitchFamily="49" charset="0"/>
-              </a:rPr>
-              <a:t>groupId</a:t>
-            </a:r>
-            <a:r>
-              <a:rPr kumimoji="0" lang="en-US" altLang="en-US" sz="1600" b="0" i="0" u="none" strike="noStrike" cap="none" normalizeH="0" baseline="0" dirty="0" smtClean="0">
-                <a:ln>
-                  <a:noFill/>
-                </a:ln>
-                <a:solidFill>
-                  <a:srgbClr val="000000"/>
-                </a:solidFill>
-                <a:effectLst/>
-                <a:latin typeface="Consolas" panose="020B0609020204030204" pitchFamily="49" charset="0"/>
-                <a:cs typeface="Courier New" panose="02070309020205020404" pitchFamily="49" charset="0"/>
-              </a:rPr>
-              <a:t>&gt;</a:t>
-            </a:r>
-            <a:r>
-              <a:rPr kumimoji="0" lang="en-US" altLang="en-US" sz="1600" b="0" i="0" u="none" strike="noStrike" cap="none" normalizeH="0" baseline="0" dirty="0" err="1" smtClean="0">
-                <a:ln>
-                  <a:noFill/>
-                </a:ln>
-                <a:solidFill>
-                  <a:srgbClr val="000000"/>
-                </a:solidFill>
-                <a:effectLst/>
-                <a:latin typeface="Consolas" panose="020B0609020204030204" pitchFamily="49" charset="0"/>
-                <a:cs typeface="Courier New" panose="02070309020205020404" pitchFamily="49" charset="0"/>
-              </a:rPr>
-              <a:t>org.checkerframework</a:t>
-            </a:r>
-            <a:r>
-              <a:rPr kumimoji="0" lang="en-US" altLang="en-US" sz="1600" b="0" i="0" u="none" strike="noStrike" cap="none" normalizeH="0" baseline="0" dirty="0" smtClean="0">
-                <a:ln>
-                  <a:noFill/>
-                </a:ln>
-                <a:solidFill>
-                  <a:srgbClr val="000000"/>
-                </a:solidFill>
-                <a:effectLst/>
-                <a:latin typeface="Consolas" panose="020B0609020204030204" pitchFamily="49" charset="0"/>
-                <a:cs typeface="Courier New" panose="02070309020205020404" pitchFamily="49" charset="0"/>
-              </a:rPr>
-              <a:t>&lt;/</a:t>
-            </a:r>
-            <a:r>
-              <a:rPr kumimoji="0" lang="en-US" altLang="en-US" sz="1600" b="1" i="0" u="none" strike="noStrike" cap="none" normalizeH="0" baseline="0" dirty="0" err="1" smtClean="0">
-                <a:ln>
-                  <a:noFill/>
-                </a:ln>
-                <a:solidFill>
-                  <a:srgbClr val="000080"/>
-                </a:solidFill>
-                <a:effectLst/>
-                <a:latin typeface="Consolas" panose="020B0609020204030204" pitchFamily="49" charset="0"/>
-                <a:cs typeface="Courier New" panose="02070309020205020404" pitchFamily="49" charset="0"/>
-              </a:rPr>
-              <a:t>groupId</a:t>
-            </a:r>
-            <a:r>
-              <a:rPr kumimoji="0" lang="en-US" altLang="en-US" sz="1600" b="0" i="0" u="none" strike="noStrike" cap="none" normalizeH="0" baseline="0" dirty="0" smtClean="0">
-                <a:ln>
-                  <a:noFill/>
-                </a:ln>
-                <a:solidFill>
-                  <a:srgbClr val="000000"/>
-                </a:solidFill>
-                <a:effectLst/>
-                <a:latin typeface="Consolas" panose="020B0609020204030204" pitchFamily="49" charset="0"/>
-                <a:cs typeface="Courier New" panose="02070309020205020404" pitchFamily="49" charset="0"/>
-              </a:rPr>
-              <a:t>&gt;</a:t>
-            </a:r>
-            <a:br>
-              <a:rPr kumimoji="0" lang="en-US" altLang="en-US" sz="1600" b="0" i="0" u="none" strike="noStrike" cap="none" normalizeH="0" baseline="0" dirty="0" smtClean="0">
-                <a:ln>
-                  <a:noFill/>
-                </a:ln>
-                <a:solidFill>
-                  <a:srgbClr val="000000"/>
-                </a:solidFill>
-                <a:effectLst/>
-                <a:latin typeface="Consolas" panose="020B0609020204030204" pitchFamily="49" charset="0"/>
-                <a:cs typeface="Courier New" panose="02070309020205020404" pitchFamily="49" charset="0"/>
-              </a:rPr>
-            </a:br>
-            <a:r>
-              <a:rPr kumimoji="0" lang="en-US" altLang="en-US" sz="1600" b="0" i="0" u="none" strike="noStrike" cap="none" normalizeH="0" baseline="0" dirty="0" smtClean="0">
-                <a:ln>
-                  <a:noFill/>
-                </a:ln>
-                <a:solidFill>
-                  <a:srgbClr val="000000"/>
-                </a:solidFill>
-                <a:effectLst/>
-                <a:latin typeface="Consolas" panose="020B0609020204030204" pitchFamily="49" charset="0"/>
-                <a:cs typeface="Courier New" panose="02070309020205020404" pitchFamily="49" charset="0"/>
-              </a:rPr>
-              <a:t>        &lt;</a:t>
-            </a:r>
-            <a:r>
-              <a:rPr kumimoji="0" lang="en-US" altLang="en-US" sz="1600" b="1" i="0" u="none" strike="noStrike" cap="none" normalizeH="0" baseline="0" dirty="0" err="1" smtClean="0">
-                <a:ln>
-                  <a:noFill/>
-                </a:ln>
-                <a:solidFill>
-                  <a:srgbClr val="000080"/>
-                </a:solidFill>
-                <a:effectLst/>
-                <a:latin typeface="Consolas" panose="020B0609020204030204" pitchFamily="49" charset="0"/>
-                <a:cs typeface="Courier New" panose="02070309020205020404" pitchFamily="49" charset="0"/>
-              </a:rPr>
-              <a:t>artifactId</a:t>
-            </a:r>
-            <a:r>
-              <a:rPr kumimoji="0" lang="en-US" altLang="en-US" sz="1600" b="0" i="0" u="none" strike="noStrike" cap="none" normalizeH="0" baseline="0" dirty="0" smtClean="0">
-                <a:ln>
-                  <a:noFill/>
-                </a:ln>
-                <a:solidFill>
-                  <a:srgbClr val="000000"/>
-                </a:solidFill>
-                <a:effectLst/>
-                <a:latin typeface="Consolas" panose="020B0609020204030204" pitchFamily="49" charset="0"/>
-                <a:cs typeface="Courier New" panose="02070309020205020404" pitchFamily="49" charset="0"/>
-              </a:rPr>
-              <a:t>&gt;jdk8&lt;/</a:t>
-            </a:r>
-            <a:r>
-              <a:rPr kumimoji="0" lang="en-US" altLang="en-US" sz="1600" b="1" i="0" u="none" strike="noStrike" cap="none" normalizeH="0" baseline="0" dirty="0" err="1" smtClean="0">
-                <a:ln>
-                  <a:noFill/>
-                </a:ln>
-                <a:solidFill>
-                  <a:srgbClr val="000080"/>
-                </a:solidFill>
-                <a:effectLst/>
-                <a:latin typeface="Consolas" panose="020B0609020204030204" pitchFamily="49" charset="0"/>
-                <a:cs typeface="Courier New" panose="02070309020205020404" pitchFamily="49" charset="0"/>
-              </a:rPr>
-              <a:t>artifactId</a:t>
-            </a:r>
-            <a:r>
-              <a:rPr kumimoji="0" lang="en-US" altLang="en-US" sz="1600" b="0" i="0" u="none" strike="noStrike" cap="none" normalizeH="0" baseline="0" dirty="0" smtClean="0">
-                <a:ln>
-                  <a:noFill/>
-                </a:ln>
-                <a:solidFill>
-                  <a:srgbClr val="000000"/>
-                </a:solidFill>
-                <a:effectLst/>
-                <a:latin typeface="Consolas" panose="020B0609020204030204" pitchFamily="49" charset="0"/>
-                <a:cs typeface="Courier New" panose="02070309020205020404" pitchFamily="49" charset="0"/>
-              </a:rPr>
-              <a:t>&gt;</a:t>
-            </a:r>
-            <a:br>
-              <a:rPr kumimoji="0" lang="en-US" altLang="en-US" sz="1600" b="0" i="0" u="none" strike="noStrike" cap="none" normalizeH="0" baseline="0" dirty="0" smtClean="0">
-                <a:ln>
-                  <a:noFill/>
-                </a:ln>
-                <a:solidFill>
-                  <a:srgbClr val="000000"/>
-                </a:solidFill>
-                <a:effectLst/>
-                <a:latin typeface="Consolas" panose="020B0609020204030204" pitchFamily="49" charset="0"/>
-                <a:cs typeface="Courier New" panose="02070309020205020404" pitchFamily="49" charset="0"/>
-              </a:rPr>
-            </a:br>
-            <a:r>
-              <a:rPr kumimoji="0" lang="en-US" altLang="en-US" sz="1600" b="0" i="0" u="none" strike="noStrike" cap="none" normalizeH="0" baseline="0" dirty="0" smtClean="0">
-                <a:ln>
-                  <a:noFill/>
-                </a:ln>
-                <a:solidFill>
-                  <a:srgbClr val="000000"/>
-                </a:solidFill>
-                <a:effectLst/>
-                <a:latin typeface="Consolas" panose="020B0609020204030204" pitchFamily="49" charset="0"/>
-                <a:cs typeface="Courier New" panose="02070309020205020404" pitchFamily="49" charset="0"/>
-              </a:rPr>
-              <a:t>        &lt;</a:t>
-            </a:r>
-            <a:r>
-              <a:rPr kumimoji="0" lang="en-US" altLang="en-US" sz="1600" b="1" i="0" u="none" strike="noStrike" cap="none" normalizeH="0" baseline="0" dirty="0" smtClean="0">
-                <a:ln>
-                  <a:noFill/>
-                </a:ln>
-                <a:solidFill>
-                  <a:srgbClr val="000080"/>
-                </a:solidFill>
-                <a:effectLst/>
-                <a:latin typeface="Consolas" panose="020B0609020204030204" pitchFamily="49" charset="0"/>
-                <a:cs typeface="Courier New" panose="02070309020205020404" pitchFamily="49" charset="0"/>
-              </a:rPr>
-              <a:t>version</a:t>
-            </a:r>
-            <a:r>
-              <a:rPr kumimoji="0" lang="en-US" altLang="en-US" sz="1600" b="0" i="0" u="none" strike="noStrike" cap="none" normalizeH="0" baseline="0" dirty="0" smtClean="0">
-                <a:ln>
-                  <a:noFill/>
-                </a:ln>
-                <a:solidFill>
-                  <a:srgbClr val="000000"/>
-                </a:solidFill>
-                <a:effectLst/>
-                <a:latin typeface="Consolas" panose="020B0609020204030204" pitchFamily="49" charset="0"/>
-                <a:cs typeface="Courier New" panose="02070309020205020404" pitchFamily="49" charset="0"/>
-              </a:rPr>
-              <a:t>&gt;2.11.1&lt;/</a:t>
-            </a:r>
-            <a:r>
-              <a:rPr kumimoji="0" lang="en-US" altLang="en-US" sz="1600" b="1" i="0" u="none" strike="noStrike" cap="none" normalizeH="0" baseline="0" dirty="0" smtClean="0">
-                <a:ln>
-                  <a:noFill/>
-                </a:ln>
-                <a:solidFill>
-                  <a:srgbClr val="000080"/>
-                </a:solidFill>
-                <a:effectLst/>
-                <a:latin typeface="Consolas" panose="020B0609020204030204" pitchFamily="49" charset="0"/>
-                <a:cs typeface="Courier New" panose="02070309020205020404" pitchFamily="49" charset="0"/>
-              </a:rPr>
-              <a:t>version</a:t>
-            </a:r>
-            <a:r>
-              <a:rPr kumimoji="0" lang="en-US" altLang="en-US" sz="1600" b="0" i="0" u="none" strike="noStrike" cap="none" normalizeH="0" baseline="0" dirty="0" smtClean="0">
-                <a:ln>
-                  <a:noFill/>
-                </a:ln>
-                <a:solidFill>
-                  <a:srgbClr val="000000"/>
-                </a:solidFill>
-                <a:effectLst/>
-                <a:latin typeface="Consolas" panose="020B0609020204030204" pitchFamily="49" charset="0"/>
-                <a:cs typeface="Courier New" panose="02070309020205020404" pitchFamily="49" charset="0"/>
-              </a:rPr>
-              <a:t>&gt;</a:t>
-            </a:r>
-            <a:br>
-              <a:rPr kumimoji="0" lang="en-US" altLang="en-US" sz="1600" b="0" i="0" u="none" strike="noStrike" cap="none" normalizeH="0" baseline="0" dirty="0" smtClean="0">
-                <a:ln>
-                  <a:noFill/>
-                </a:ln>
-                <a:solidFill>
-                  <a:srgbClr val="000000"/>
-                </a:solidFill>
-                <a:effectLst/>
-                <a:latin typeface="Consolas" panose="020B0609020204030204" pitchFamily="49" charset="0"/>
-                <a:cs typeface="Courier New" panose="02070309020205020404" pitchFamily="49" charset="0"/>
-              </a:rPr>
-            </a:br>
-            <a:r>
-              <a:rPr kumimoji="0" lang="en-US" altLang="en-US" sz="1600" b="0" i="0" u="none" strike="noStrike" cap="none" normalizeH="0" baseline="0" dirty="0" smtClean="0">
-                <a:ln>
-                  <a:noFill/>
-                </a:ln>
-                <a:solidFill>
-                  <a:srgbClr val="000000"/>
-                </a:solidFill>
-                <a:effectLst/>
-                <a:latin typeface="Consolas" panose="020B0609020204030204" pitchFamily="49" charset="0"/>
-                <a:cs typeface="Courier New" panose="02070309020205020404" pitchFamily="49" charset="0"/>
-              </a:rPr>
-              <a:t>    &lt;/</a:t>
-            </a:r>
-            <a:r>
-              <a:rPr kumimoji="0" lang="en-US" altLang="en-US" sz="1600" b="1" i="0" u="none" strike="noStrike" cap="none" normalizeH="0" baseline="0" dirty="0" smtClean="0">
-                <a:ln>
-                  <a:noFill/>
-                </a:ln>
-                <a:solidFill>
-                  <a:srgbClr val="000080"/>
-                </a:solidFill>
-                <a:effectLst/>
-                <a:latin typeface="Consolas" panose="020B0609020204030204" pitchFamily="49" charset="0"/>
-                <a:cs typeface="Courier New" panose="02070309020205020404" pitchFamily="49" charset="0"/>
-              </a:rPr>
-              <a:t>dependency</a:t>
-            </a:r>
-            <a:r>
-              <a:rPr kumimoji="0" lang="en-US" altLang="en-US" sz="1600" b="0" i="0" u="none" strike="noStrike" cap="none" normalizeH="0" baseline="0" dirty="0" smtClean="0">
-                <a:ln>
-                  <a:noFill/>
-                </a:ln>
-                <a:solidFill>
-                  <a:srgbClr val="000000"/>
-                </a:solidFill>
-                <a:effectLst/>
-                <a:latin typeface="Consolas" panose="020B0609020204030204" pitchFamily="49" charset="0"/>
-                <a:cs typeface="Courier New" panose="02070309020205020404" pitchFamily="49" charset="0"/>
-              </a:rPr>
-              <a:t>&gt;</a:t>
-            </a:r>
-            <a:br>
-              <a:rPr kumimoji="0" lang="en-US" altLang="en-US" sz="1600" b="0" i="0" u="none" strike="noStrike" cap="none" normalizeH="0" baseline="0" dirty="0" smtClean="0">
-                <a:ln>
-                  <a:noFill/>
-                </a:ln>
-                <a:solidFill>
-                  <a:srgbClr val="000000"/>
-                </a:solidFill>
-                <a:effectLst/>
-                <a:latin typeface="Consolas" panose="020B0609020204030204" pitchFamily="49" charset="0"/>
-                <a:cs typeface="Courier New" panose="02070309020205020404" pitchFamily="49" charset="0"/>
-              </a:rPr>
-            </a:br>
-            <a:r>
-              <a:rPr kumimoji="0" lang="en-US" altLang="en-US" sz="1600" b="0" i="0" u="none" strike="noStrike" cap="none" normalizeH="0" baseline="0" dirty="0" smtClean="0">
-                <a:ln>
-                  <a:noFill/>
-                </a:ln>
-                <a:solidFill>
-                  <a:srgbClr val="000000"/>
-                </a:solidFill>
-                <a:effectLst/>
-                <a:latin typeface="Consolas" panose="020B0609020204030204" pitchFamily="49" charset="0"/>
-                <a:cs typeface="Courier New" panose="02070309020205020404" pitchFamily="49" charset="0"/>
-              </a:rPr>
-              <a:t>    &lt;</a:t>
-            </a:r>
-            <a:r>
-              <a:rPr kumimoji="0" lang="en-US" altLang="en-US" sz="1600" b="1" i="0" u="none" strike="noStrike" cap="none" normalizeH="0" baseline="0" dirty="0" smtClean="0">
-                <a:ln>
-                  <a:noFill/>
-                </a:ln>
-                <a:solidFill>
-                  <a:srgbClr val="000080"/>
-                </a:solidFill>
-                <a:effectLst/>
-                <a:latin typeface="Consolas" panose="020B0609020204030204" pitchFamily="49" charset="0"/>
-                <a:cs typeface="Courier New" panose="02070309020205020404" pitchFamily="49" charset="0"/>
-              </a:rPr>
-              <a:t>dependency</a:t>
-            </a:r>
-            <a:r>
-              <a:rPr kumimoji="0" lang="en-US" altLang="en-US" sz="1600" b="0" i="0" u="none" strike="noStrike" cap="none" normalizeH="0" baseline="0" dirty="0" smtClean="0">
-                <a:ln>
-                  <a:noFill/>
-                </a:ln>
-                <a:solidFill>
-                  <a:srgbClr val="000000"/>
-                </a:solidFill>
-                <a:effectLst/>
-                <a:latin typeface="Consolas" panose="020B0609020204030204" pitchFamily="49" charset="0"/>
-                <a:cs typeface="Courier New" panose="02070309020205020404" pitchFamily="49" charset="0"/>
-              </a:rPr>
-              <a:t>&gt;</a:t>
-            </a:r>
-            <a:br>
-              <a:rPr kumimoji="0" lang="en-US" altLang="en-US" sz="1600" b="0" i="0" u="none" strike="noStrike" cap="none" normalizeH="0" baseline="0" dirty="0" smtClean="0">
-                <a:ln>
-                  <a:noFill/>
-                </a:ln>
-                <a:solidFill>
-                  <a:srgbClr val="000000"/>
-                </a:solidFill>
-                <a:effectLst/>
-                <a:latin typeface="Consolas" panose="020B0609020204030204" pitchFamily="49" charset="0"/>
-                <a:cs typeface="Courier New" panose="02070309020205020404" pitchFamily="49" charset="0"/>
-              </a:rPr>
-            </a:br>
-            <a:r>
-              <a:rPr kumimoji="0" lang="en-US" altLang="en-US" sz="1600" b="0" i="0" u="none" strike="noStrike" cap="none" normalizeH="0" baseline="0" dirty="0" smtClean="0">
-                <a:ln>
-                  <a:noFill/>
-                </a:ln>
-                <a:solidFill>
-                  <a:srgbClr val="000000"/>
-                </a:solidFill>
-                <a:effectLst/>
-                <a:latin typeface="Consolas" panose="020B0609020204030204" pitchFamily="49" charset="0"/>
-                <a:cs typeface="Courier New" panose="02070309020205020404" pitchFamily="49" charset="0"/>
-              </a:rPr>
-              <a:t>        &lt;</a:t>
-            </a:r>
-            <a:r>
-              <a:rPr kumimoji="0" lang="en-US" altLang="en-US" sz="1600" b="1" i="0" u="none" strike="noStrike" cap="none" normalizeH="0" baseline="0" dirty="0" err="1" smtClean="0">
-                <a:ln>
-                  <a:noFill/>
-                </a:ln>
-                <a:solidFill>
-                  <a:srgbClr val="000080"/>
-                </a:solidFill>
-                <a:effectLst/>
-                <a:latin typeface="Consolas" panose="020B0609020204030204" pitchFamily="49" charset="0"/>
-                <a:cs typeface="Courier New" panose="02070309020205020404" pitchFamily="49" charset="0"/>
-              </a:rPr>
-              <a:t>groupId</a:t>
-            </a:r>
-            <a:r>
-              <a:rPr kumimoji="0" lang="en-US" altLang="en-US" sz="1600" b="0" i="0" u="none" strike="noStrike" cap="none" normalizeH="0" baseline="0" dirty="0" smtClean="0">
-                <a:ln>
-                  <a:noFill/>
-                </a:ln>
-                <a:solidFill>
-                  <a:srgbClr val="000000"/>
-                </a:solidFill>
-                <a:effectLst/>
-                <a:latin typeface="Consolas" panose="020B0609020204030204" pitchFamily="49" charset="0"/>
-                <a:cs typeface="Courier New" panose="02070309020205020404" pitchFamily="49" charset="0"/>
-              </a:rPr>
-              <a:t>&gt;</a:t>
-            </a:r>
-            <a:r>
-              <a:rPr kumimoji="0" lang="en-US" altLang="en-US" sz="1600" b="0" i="0" u="none" strike="noStrike" cap="none" normalizeH="0" baseline="0" dirty="0" err="1" smtClean="0">
-                <a:ln>
-                  <a:noFill/>
-                </a:ln>
-                <a:solidFill>
-                  <a:srgbClr val="000000"/>
-                </a:solidFill>
-                <a:effectLst/>
-                <a:latin typeface="Consolas" panose="020B0609020204030204" pitchFamily="49" charset="0"/>
-                <a:cs typeface="Courier New" panose="02070309020205020404" pitchFamily="49" charset="0"/>
-              </a:rPr>
-              <a:t>org.checkerframework</a:t>
-            </a:r>
-            <a:r>
-              <a:rPr kumimoji="0" lang="en-US" altLang="en-US" sz="1600" b="0" i="0" u="none" strike="noStrike" cap="none" normalizeH="0" baseline="0" dirty="0" smtClean="0">
-                <a:ln>
-                  <a:noFill/>
-                </a:ln>
-                <a:solidFill>
-                  <a:srgbClr val="000000"/>
-                </a:solidFill>
-                <a:effectLst/>
-                <a:latin typeface="Consolas" panose="020B0609020204030204" pitchFamily="49" charset="0"/>
-                <a:cs typeface="Courier New" panose="02070309020205020404" pitchFamily="49" charset="0"/>
-              </a:rPr>
-              <a:t>&lt;/</a:t>
-            </a:r>
-            <a:r>
-              <a:rPr kumimoji="0" lang="en-US" altLang="en-US" sz="1600" b="1" i="0" u="none" strike="noStrike" cap="none" normalizeH="0" baseline="0" dirty="0" err="1" smtClean="0">
-                <a:ln>
-                  <a:noFill/>
-                </a:ln>
-                <a:solidFill>
-                  <a:srgbClr val="000080"/>
-                </a:solidFill>
-                <a:effectLst/>
-                <a:latin typeface="Consolas" panose="020B0609020204030204" pitchFamily="49" charset="0"/>
-                <a:cs typeface="Courier New" panose="02070309020205020404" pitchFamily="49" charset="0"/>
-              </a:rPr>
-              <a:t>groupId</a:t>
-            </a:r>
-            <a:r>
-              <a:rPr kumimoji="0" lang="en-US" altLang="en-US" sz="1600" b="0" i="0" u="none" strike="noStrike" cap="none" normalizeH="0" baseline="0" dirty="0" smtClean="0">
-                <a:ln>
-                  <a:noFill/>
-                </a:ln>
-                <a:solidFill>
-                  <a:srgbClr val="000000"/>
-                </a:solidFill>
-                <a:effectLst/>
-                <a:latin typeface="Consolas" panose="020B0609020204030204" pitchFamily="49" charset="0"/>
-                <a:cs typeface="Courier New" panose="02070309020205020404" pitchFamily="49" charset="0"/>
-              </a:rPr>
-              <a:t>&gt;</a:t>
-            </a:r>
-            <a:br>
-              <a:rPr kumimoji="0" lang="en-US" altLang="en-US" sz="1600" b="0" i="0" u="none" strike="noStrike" cap="none" normalizeH="0" baseline="0" dirty="0" smtClean="0">
-                <a:ln>
-                  <a:noFill/>
-                </a:ln>
-                <a:solidFill>
-                  <a:srgbClr val="000000"/>
-                </a:solidFill>
-                <a:effectLst/>
-                <a:latin typeface="Consolas" panose="020B0609020204030204" pitchFamily="49" charset="0"/>
-                <a:cs typeface="Courier New" panose="02070309020205020404" pitchFamily="49" charset="0"/>
-              </a:rPr>
-            </a:br>
-            <a:r>
-              <a:rPr kumimoji="0" lang="en-US" altLang="en-US" sz="1600" b="0" i="0" u="none" strike="noStrike" cap="none" normalizeH="0" baseline="0" dirty="0" smtClean="0">
-                <a:ln>
-                  <a:noFill/>
-                </a:ln>
-                <a:solidFill>
-                  <a:srgbClr val="000000"/>
-                </a:solidFill>
-                <a:effectLst/>
-                <a:latin typeface="Consolas" panose="020B0609020204030204" pitchFamily="49" charset="0"/>
-                <a:cs typeface="Courier New" panose="02070309020205020404" pitchFamily="49" charset="0"/>
-              </a:rPr>
-              <a:t>        &lt;</a:t>
-            </a:r>
-            <a:r>
-              <a:rPr kumimoji="0" lang="en-US" altLang="en-US" sz="1600" b="1" i="0" u="none" strike="noStrike" cap="none" normalizeH="0" baseline="0" dirty="0" err="1" smtClean="0">
-                <a:ln>
-                  <a:noFill/>
-                </a:ln>
-                <a:solidFill>
-                  <a:srgbClr val="000080"/>
-                </a:solidFill>
-                <a:effectLst/>
-                <a:latin typeface="Consolas" panose="020B0609020204030204" pitchFamily="49" charset="0"/>
-                <a:cs typeface="Courier New" panose="02070309020205020404" pitchFamily="49" charset="0"/>
-              </a:rPr>
-              <a:t>artifactId</a:t>
-            </a:r>
-            <a:r>
-              <a:rPr kumimoji="0" lang="en-US" altLang="en-US" sz="1600" b="0" i="0" u="none" strike="noStrike" cap="none" normalizeH="0" baseline="0" dirty="0" smtClean="0">
-                <a:ln>
-                  <a:noFill/>
-                </a:ln>
-                <a:solidFill>
-                  <a:srgbClr val="000000"/>
-                </a:solidFill>
-                <a:effectLst/>
-                <a:latin typeface="Consolas" panose="020B0609020204030204" pitchFamily="49" charset="0"/>
-                <a:cs typeface="Courier New" panose="02070309020205020404" pitchFamily="49" charset="0"/>
-              </a:rPr>
-              <a:t>&gt;checker&lt;/</a:t>
-            </a:r>
-            <a:r>
-              <a:rPr kumimoji="0" lang="en-US" altLang="en-US" sz="1600" b="1" i="0" u="none" strike="noStrike" cap="none" normalizeH="0" baseline="0" dirty="0" err="1" smtClean="0">
-                <a:ln>
-                  <a:noFill/>
-                </a:ln>
-                <a:solidFill>
-                  <a:srgbClr val="000080"/>
-                </a:solidFill>
-                <a:effectLst/>
-                <a:latin typeface="Consolas" panose="020B0609020204030204" pitchFamily="49" charset="0"/>
-                <a:cs typeface="Courier New" panose="02070309020205020404" pitchFamily="49" charset="0"/>
-              </a:rPr>
-              <a:t>artifactId</a:t>
-            </a:r>
-            <a:r>
-              <a:rPr kumimoji="0" lang="en-US" altLang="en-US" sz="1600" b="0" i="0" u="none" strike="noStrike" cap="none" normalizeH="0" baseline="0" dirty="0" smtClean="0">
-                <a:ln>
-                  <a:noFill/>
-                </a:ln>
-                <a:solidFill>
-                  <a:srgbClr val="000000"/>
-                </a:solidFill>
-                <a:effectLst/>
-                <a:latin typeface="Consolas" panose="020B0609020204030204" pitchFamily="49" charset="0"/>
-                <a:cs typeface="Courier New" panose="02070309020205020404" pitchFamily="49" charset="0"/>
-              </a:rPr>
-              <a:t>&gt;</a:t>
-            </a:r>
-            <a:br>
-              <a:rPr kumimoji="0" lang="en-US" altLang="en-US" sz="1600" b="0" i="0" u="none" strike="noStrike" cap="none" normalizeH="0" baseline="0" dirty="0" smtClean="0">
-                <a:ln>
-                  <a:noFill/>
-                </a:ln>
-                <a:solidFill>
-                  <a:srgbClr val="000000"/>
-                </a:solidFill>
-                <a:effectLst/>
-                <a:latin typeface="Consolas" panose="020B0609020204030204" pitchFamily="49" charset="0"/>
-                <a:cs typeface="Courier New" panose="02070309020205020404" pitchFamily="49" charset="0"/>
-              </a:rPr>
-            </a:br>
-            <a:r>
-              <a:rPr kumimoji="0" lang="en-US" altLang="en-US" sz="1600" b="0" i="0" u="none" strike="noStrike" cap="none" normalizeH="0" baseline="0" dirty="0" smtClean="0">
-                <a:ln>
-                  <a:noFill/>
-                </a:ln>
-                <a:solidFill>
-                  <a:srgbClr val="000000"/>
-                </a:solidFill>
-                <a:effectLst/>
-                <a:latin typeface="Consolas" panose="020B0609020204030204" pitchFamily="49" charset="0"/>
-                <a:cs typeface="Courier New" panose="02070309020205020404" pitchFamily="49" charset="0"/>
-              </a:rPr>
-              <a:t>        &lt;</a:t>
-            </a:r>
-            <a:r>
-              <a:rPr kumimoji="0" lang="en-US" altLang="en-US" sz="1600" b="1" i="0" u="none" strike="noStrike" cap="none" normalizeH="0" baseline="0" dirty="0" smtClean="0">
-                <a:ln>
-                  <a:noFill/>
-                </a:ln>
-                <a:solidFill>
-                  <a:srgbClr val="000080"/>
-                </a:solidFill>
-                <a:effectLst/>
-                <a:latin typeface="Consolas" panose="020B0609020204030204" pitchFamily="49" charset="0"/>
-                <a:cs typeface="Courier New" panose="02070309020205020404" pitchFamily="49" charset="0"/>
-              </a:rPr>
-              <a:t>version</a:t>
-            </a:r>
-            <a:r>
-              <a:rPr kumimoji="0" lang="en-US" altLang="en-US" sz="1600" b="0" i="0" u="none" strike="noStrike" cap="none" normalizeH="0" baseline="0" dirty="0" smtClean="0">
-                <a:ln>
-                  <a:noFill/>
-                </a:ln>
-                <a:solidFill>
-                  <a:srgbClr val="000000"/>
-                </a:solidFill>
-                <a:effectLst/>
-                <a:latin typeface="Consolas" panose="020B0609020204030204" pitchFamily="49" charset="0"/>
-                <a:cs typeface="Courier New" panose="02070309020205020404" pitchFamily="49" charset="0"/>
-              </a:rPr>
-              <a:t>&gt;2.11.1&lt;/</a:t>
-            </a:r>
-            <a:r>
-              <a:rPr kumimoji="0" lang="en-US" altLang="en-US" sz="1600" b="1" i="0" u="none" strike="noStrike" cap="none" normalizeH="0" baseline="0" dirty="0" smtClean="0">
-                <a:ln>
-                  <a:noFill/>
-                </a:ln>
-                <a:solidFill>
-                  <a:srgbClr val="000080"/>
-                </a:solidFill>
-                <a:effectLst/>
-                <a:latin typeface="Consolas" panose="020B0609020204030204" pitchFamily="49" charset="0"/>
-                <a:cs typeface="Courier New" panose="02070309020205020404" pitchFamily="49" charset="0"/>
-              </a:rPr>
-              <a:t>version</a:t>
-            </a:r>
-            <a:r>
-              <a:rPr kumimoji="0" lang="en-US" altLang="en-US" sz="1600" b="0" i="0" u="none" strike="noStrike" cap="none" normalizeH="0" baseline="0" dirty="0" smtClean="0">
-                <a:ln>
-                  <a:noFill/>
-                </a:ln>
-                <a:solidFill>
-                  <a:srgbClr val="000000"/>
-                </a:solidFill>
-                <a:effectLst/>
-                <a:latin typeface="Consolas" panose="020B0609020204030204" pitchFamily="49" charset="0"/>
-                <a:cs typeface="Courier New" panose="02070309020205020404" pitchFamily="49" charset="0"/>
-              </a:rPr>
-              <a:t>&gt;</a:t>
-            </a:r>
-            <a:br>
-              <a:rPr kumimoji="0" lang="en-US" altLang="en-US" sz="1600" b="0" i="0" u="none" strike="noStrike" cap="none" normalizeH="0" baseline="0" dirty="0" smtClean="0">
-                <a:ln>
-                  <a:noFill/>
-                </a:ln>
-                <a:solidFill>
-                  <a:srgbClr val="000000"/>
-                </a:solidFill>
-                <a:effectLst/>
-                <a:latin typeface="Consolas" panose="020B0609020204030204" pitchFamily="49" charset="0"/>
-                <a:cs typeface="Courier New" panose="02070309020205020404" pitchFamily="49" charset="0"/>
-              </a:rPr>
-            </a:br>
-            <a:r>
-              <a:rPr kumimoji="0" lang="en-US" altLang="en-US" sz="1600" b="0" i="0" u="none" strike="noStrike" cap="none" normalizeH="0" baseline="0" dirty="0" smtClean="0">
-                <a:ln>
-                  <a:noFill/>
-                </a:ln>
-                <a:solidFill>
-                  <a:srgbClr val="000000"/>
-                </a:solidFill>
-                <a:effectLst/>
-                <a:latin typeface="Consolas" panose="020B0609020204030204" pitchFamily="49" charset="0"/>
-                <a:cs typeface="Courier New" panose="02070309020205020404" pitchFamily="49" charset="0"/>
-              </a:rPr>
-              <a:t>    &lt;/</a:t>
-            </a:r>
-            <a:r>
-              <a:rPr kumimoji="0" lang="en-US" altLang="en-US" sz="1600" b="1" i="0" u="none" strike="noStrike" cap="none" normalizeH="0" baseline="0" dirty="0" smtClean="0">
-                <a:ln>
-                  <a:noFill/>
-                </a:ln>
-                <a:solidFill>
-                  <a:srgbClr val="000080"/>
-                </a:solidFill>
-                <a:effectLst/>
-                <a:latin typeface="Consolas" panose="020B0609020204030204" pitchFamily="49" charset="0"/>
-                <a:cs typeface="Courier New" panose="02070309020205020404" pitchFamily="49" charset="0"/>
-              </a:rPr>
-              <a:t>dependency</a:t>
-            </a:r>
-            <a:r>
-              <a:rPr kumimoji="0" lang="en-US" altLang="en-US" sz="1600" b="0" i="0" u="none" strike="noStrike" cap="none" normalizeH="0" baseline="0" dirty="0" smtClean="0">
-                <a:ln>
-                  <a:noFill/>
-                </a:ln>
-                <a:solidFill>
-                  <a:srgbClr val="000000"/>
-                </a:solidFill>
-                <a:effectLst/>
-                <a:latin typeface="Consolas" panose="020B0609020204030204" pitchFamily="49" charset="0"/>
-                <a:cs typeface="Courier New" panose="02070309020205020404" pitchFamily="49" charset="0"/>
-              </a:rPr>
-              <a:t>&gt;</a:t>
-            </a:r>
-            <a:br>
-              <a:rPr kumimoji="0" lang="en-US" altLang="en-US" sz="1600" b="0" i="0" u="none" strike="noStrike" cap="none" normalizeH="0" baseline="0" dirty="0" smtClean="0">
-                <a:ln>
-                  <a:noFill/>
-                </a:ln>
-                <a:solidFill>
-                  <a:srgbClr val="000000"/>
-                </a:solidFill>
-                <a:effectLst/>
-                <a:latin typeface="Consolas" panose="020B0609020204030204" pitchFamily="49" charset="0"/>
-                <a:cs typeface="Courier New" panose="02070309020205020404" pitchFamily="49" charset="0"/>
-              </a:rPr>
-            </a:br>
-            <a:r>
-              <a:rPr kumimoji="0" lang="en-US" altLang="en-US" sz="1600" b="0" i="0" u="none" strike="noStrike" cap="none" normalizeH="0" baseline="0" dirty="0" smtClean="0">
-                <a:ln>
-                  <a:noFill/>
-                </a:ln>
-                <a:solidFill>
-                  <a:srgbClr val="000000"/>
-                </a:solidFill>
-                <a:effectLst/>
-                <a:latin typeface="Consolas" panose="020B0609020204030204" pitchFamily="49" charset="0"/>
-                <a:cs typeface="Courier New" panose="02070309020205020404" pitchFamily="49" charset="0"/>
-              </a:rPr>
-              <a:t>&lt;/</a:t>
-            </a:r>
-            <a:r>
-              <a:rPr kumimoji="0" lang="en-US" altLang="en-US" sz="1600" b="1" i="0" u="none" strike="noStrike" cap="none" normalizeH="0" baseline="0" dirty="0" smtClean="0">
-                <a:ln>
-                  <a:noFill/>
-                </a:ln>
-                <a:solidFill>
-                  <a:srgbClr val="000080"/>
-                </a:solidFill>
-                <a:effectLst/>
-                <a:latin typeface="Consolas" panose="020B0609020204030204" pitchFamily="49" charset="0"/>
-                <a:cs typeface="Courier New" panose="02070309020205020404" pitchFamily="49" charset="0"/>
-              </a:rPr>
-              <a:t>dependencies</a:t>
-            </a:r>
-            <a:r>
-              <a:rPr kumimoji="0" lang="en-US" altLang="en-US" sz="1600" b="0" i="0" u="none" strike="noStrike" cap="none" normalizeH="0" baseline="0" dirty="0" smtClean="0">
-                <a:ln>
-                  <a:noFill/>
-                </a:ln>
-                <a:solidFill>
-                  <a:srgbClr val="000000"/>
-                </a:solidFill>
-                <a:effectLst/>
-                <a:latin typeface="Consolas" panose="020B0609020204030204" pitchFamily="49" charset="0"/>
-                <a:cs typeface="Courier New" panose="02070309020205020404" pitchFamily="49" charset="0"/>
-              </a:rPr>
-              <a:t>&gt;</a:t>
-            </a:r>
-            <a:endParaRPr kumimoji="0" lang="en-US" altLang="en-US" sz="4000" b="0" i="0" u="none" strike="noStrike" cap="none" normalizeH="0" baseline="0" dirty="0" smtClean="0">
-              <a:ln>
-                <a:noFill/>
-              </a:ln>
-              <a:solidFill>
-                <a:schemeClr val="tx1"/>
-              </a:solidFill>
-              <a:effectLst/>
-              <a:latin typeface="Consolas" panose="020B0609020204030204" pitchFamily="49" charset="0"/>
-            </a:endParaRPr>
-          </a:p>
-        </p:txBody>
-      </p:sp>
-    </p:spTree>
-    <p:extLst>
-      <p:ext uri="{BB962C8B-B14F-4D97-AF65-F5344CB8AC3E}">
-        <p14:creationId xmlns:p14="http://schemas.microsoft.com/office/powerpoint/2010/main" val="2875897125"/>
-      </p:ext>
-    </p:extLst>
-  </p:cSld>
-  <p:clrMapOvr>
-    <a:masterClrMapping/>
-  </p:clrMapOvr>
-  <p:timing>
-    <p:tnLst>
-      <p:par>
-        <p:cTn id="1" dur="indefinite" restart="never" nodeType="tmRoot"/>
-      </p:par>
-    </p:tnLst>
-  </p:timing>
-</p:sld>
-</file>
-
 <file path=ppt/slides/slide16.xml><?xml version="1.0" encoding="utf-8"?>
 <p:sld xmlns:a="http://schemas.openxmlformats.org/drawingml/2006/main" xmlns:r="http://schemas.openxmlformats.org/officeDocument/2006/relationships" xmlns:p="http://schemas.openxmlformats.org/presentationml/2006/main">
   <p:cSld>
@@ -29021,8 +27886,8 @@
         </p:nvSpPr>
         <p:spPr bwMode="auto">
           <a:xfrm>
-            <a:off x="1115062" y="2016000"/>
-            <a:ext cx="9360255" cy="4154984"/>
+            <a:off x="2895998" y="1972353"/>
+            <a:ext cx="5458546" cy="4278094"/>
           </a:xfrm>
           <a:prstGeom prst="rect">
             <a:avLst/>
@@ -29082,6 +27947,1469 @@
               <a:tabLst/>
             </a:pPr>
             <a:r>
+              <a:rPr kumimoji="0" lang="en-US" altLang="en-US" sz="1600" b="0" i="0" u="none" strike="noStrike" cap="none" normalizeH="0" baseline="0" dirty="0" smtClean="0">
+                <a:ln>
+                  <a:noFill/>
+                </a:ln>
+                <a:solidFill>
+                  <a:srgbClr val="000000"/>
+                </a:solidFill>
+                <a:effectLst/>
+                <a:latin typeface="Consolas" panose="020B0609020204030204" pitchFamily="49" charset="0"/>
+                <a:cs typeface="Courier New" panose="02070309020205020404" pitchFamily="49" charset="0"/>
+              </a:rPr>
+              <a:t>&lt;</a:t>
+            </a:r>
+            <a:r>
+              <a:rPr kumimoji="0" lang="en-US" altLang="en-US" sz="1600" b="1" i="0" u="none" strike="noStrike" cap="none" normalizeH="0" baseline="0" dirty="0" smtClean="0">
+                <a:ln>
+                  <a:noFill/>
+                </a:ln>
+                <a:solidFill>
+                  <a:srgbClr val="000080"/>
+                </a:solidFill>
+                <a:effectLst/>
+                <a:latin typeface="Consolas" panose="020B0609020204030204" pitchFamily="49" charset="0"/>
+                <a:cs typeface="Courier New" panose="02070309020205020404" pitchFamily="49" charset="0"/>
+              </a:rPr>
+              <a:t>dependencies</a:t>
+            </a:r>
+            <a:r>
+              <a:rPr kumimoji="0" lang="en-US" altLang="en-US" sz="1600" b="0" i="0" u="none" strike="noStrike" cap="none" normalizeH="0" baseline="0" dirty="0" smtClean="0">
+                <a:ln>
+                  <a:noFill/>
+                </a:ln>
+                <a:solidFill>
+                  <a:srgbClr val="000000"/>
+                </a:solidFill>
+                <a:effectLst/>
+                <a:latin typeface="Consolas" panose="020B0609020204030204" pitchFamily="49" charset="0"/>
+                <a:cs typeface="Courier New" panose="02070309020205020404" pitchFamily="49" charset="0"/>
+              </a:rPr>
+              <a:t>&gt;   </a:t>
+            </a:r>
+            <a:r>
+              <a:rPr kumimoji="0" lang="en-US" altLang="en-US" sz="1600" b="0" i="1" u="none" strike="noStrike" cap="none" normalizeH="0" baseline="0" dirty="0" smtClean="0">
+                <a:ln>
+                  <a:noFill/>
+                </a:ln>
+                <a:solidFill>
+                  <a:srgbClr val="808080"/>
+                </a:solidFill>
+                <a:effectLst/>
+                <a:latin typeface="Consolas" panose="020B0609020204030204" pitchFamily="49" charset="0"/>
+                <a:cs typeface="Courier New" panose="02070309020205020404" pitchFamily="49" charset="0"/>
+              </a:rPr>
+              <a:t/>
+            </a:r>
+            <a:br>
+              <a:rPr kumimoji="0" lang="en-US" altLang="en-US" sz="1600" b="0" i="1" u="none" strike="noStrike" cap="none" normalizeH="0" baseline="0" dirty="0" smtClean="0">
+                <a:ln>
+                  <a:noFill/>
+                </a:ln>
+                <a:solidFill>
+                  <a:srgbClr val="808080"/>
+                </a:solidFill>
+                <a:effectLst/>
+                <a:latin typeface="Consolas" panose="020B0609020204030204" pitchFamily="49" charset="0"/>
+                <a:cs typeface="Courier New" panose="02070309020205020404" pitchFamily="49" charset="0"/>
+              </a:rPr>
+            </a:br>
+            <a:r>
+              <a:rPr kumimoji="0" lang="en-US" altLang="en-US" sz="1600" b="0" i="1" u="none" strike="noStrike" cap="none" normalizeH="0" baseline="0" dirty="0" smtClean="0">
+                <a:ln>
+                  <a:noFill/>
+                </a:ln>
+                <a:solidFill>
+                  <a:srgbClr val="808080"/>
+                </a:solidFill>
+                <a:effectLst/>
+                <a:latin typeface="Consolas" panose="020B0609020204030204" pitchFamily="49" charset="0"/>
+                <a:cs typeface="Courier New" panose="02070309020205020404" pitchFamily="49" charset="0"/>
+              </a:rPr>
+              <a:t>    </a:t>
+            </a:r>
+            <a:r>
+              <a:rPr kumimoji="0" lang="en-US" altLang="en-US" sz="1600" b="0" i="0" u="none" strike="noStrike" cap="none" normalizeH="0" baseline="0" dirty="0" smtClean="0">
+                <a:ln>
+                  <a:noFill/>
+                </a:ln>
+                <a:solidFill>
+                  <a:srgbClr val="000000"/>
+                </a:solidFill>
+                <a:effectLst/>
+                <a:latin typeface="Consolas" panose="020B0609020204030204" pitchFamily="49" charset="0"/>
+                <a:cs typeface="Courier New" panose="02070309020205020404" pitchFamily="49" charset="0"/>
+              </a:rPr>
+              <a:t>&lt;</a:t>
+            </a:r>
+            <a:r>
+              <a:rPr kumimoji="0" lang="en-US" altLang="en-US" sz="1600" b="1" i="0" u="none" strike="noStrike" cap="none" normalizeH="0" baseline="0" dirty="0" smtClean="0">
+                <a:ln>
+                  <a:noFill/>
+                </a:ln>
+                <a:solidFill>
+                  <a:srgbClr val="000080"/>
+                </a:solidFill>
+                <a:effectLst/>
+                <a:latin typeface="Consolas" panose="020B0609020204030204" pitchFamily="49" charset="0"/>
+                <a:cs typeface="Courier New" panose="02070309020205020404" pitchFamily="49" charset="0"/>
+              </a:rPr>
+              <a:t>dependency</a:t>
+            </a:r>
+            <a:r>
+              <a:rPr kumimoji="0" lang="en-US" altLang="en-US" sz="1600" b="0" i="0" u="none" strike="noStrike" cap="none" normalizeH="0" baseline="0" dirty="0" smtClean="0">
+                <a:ln>
+                  <a:noFill/>
+                </a:ln>
+                <a:solidFill>
+                  <a:srgbClr val="000000"/>
+                </a:solidFill>
+                <a:effectLst/>
+                <a:latin typeface="Consolas" panose="020B0609020204030204" pitchFamily="49" charset="0"/>
+                <a:cs typeface="Courier New" panose="02070309020205020404" pitchFamily="49" charset="0"/>
+              </a:rPr>
+              <a:t>&gt;</a:t>
+            </a:r>
+            <a:br>
+              <a:rPr kumimoji="0" lang="en-US" altLang="en-US" sz="1600" b="0" i="0" u="none" strike="noStrike" cap="none" normalizeH="0" baseline="0" dirty="0" smtClean="0">
+                <a:ln>
+                  <a:noFill/>
+                </a:ln>
+                <a:solidFill>
+                  <a:srgbClr val="000000"/>
+                </a:solidFill>
+                <a:effectLst/>
+                <a:latin typeface="Consolas" panose="020B0609020204030204" pitchFamily="49" charset="0"/>
+                <a:cs typeface="Courier New" panose="02070309020205020404" pitchFamily="49" charset="0"/>
+              </a:rPr>
+            </a:br>
+            <a:r>
+              <a:rPr kumimoji="0" lang="en-US" altLang="en-US" sz="1600" b="0" i="0" u="none" strike="noStrike" cap="none" normalizeH="0" baseline="0" dirty="0" smtClean="0">
+                <a:ln>
+                  <a:noFill/>
+                </a:ln>
+                <a:solidFill>
+                  <a:srgbClr val="000000"/>
+                </a:solidFill>
+                <a:effectLst/>
+                <a:latin typeface="Consolas" panose="020B0609020204030204" pitchFamily="49" charset="0"/>
+                <a:cs typeface="Courier New" panose="02070309020205020404" pitchFamily="49" charset="0"/>
+              </a:rPr>
+              <a:t>        &lt;</a:t>
+            </a:r>
+            <a:r>
+              <a:rPr kumimoji="0" lang="en-US" altLang="en-US" sz="1600" b="1" i="0" u="none" strike="noStrike" cap="none" normalizeH="0" baseline="0" dirty="0" err="1" smtClean="0">
+                <a:ln>
+                  <a:noFill/>
+                </a:ln>
+                <a:solidFill>
+                  <a:srgbClr val="000080"/>
+                </a:solidFill>
+                <a:effectLst/>
+                <a:latin typeface="Consolas" panose="020B0609020204030204" pitchFamily="49" charset="0"/>
+                <a:cs typeface="Courier New" panose="02070309020205020404" pitchFamily="49" charset="0"/>
+              </a:rPr>
+              <a:t>groupId</a:t>
+            </a:r>
+            <a:r>
+              <a:rPr kumimoji="0" lang="en-US" altLang="en-US" sz="1600" b="0" i="0" u="none" strike="noStrike" cap="none" normalizeH="0" baseline="0" dirty="0" smtClean="0">
+                <a:ln>
+                  <a:noFill/>
+                </a:ln>
+                <a:solidFill>
+                  <a:srgbClr val="000000"/>
+                </a:solidFill>
+                <a:effectLst/>
+                <a:latin typeface="Consolas" panose="020B0609020204030204" pitchFamily="49" charset="0"/>
+                <a:cs typeface="Courier New" panose="02070309020205020404" pitchFamily="49" charset="0"/>
+              </a:rPr>
+              <a:t>&gt;</a:t>
+            </a:r>
+            <a:r>
+              <a:rPr kumimoji="0" lang="en-US" altLang="en-US" sz="1600" b="0" i="0" u="none" strike="noStrike" cap="none" normalizeH="0" baseline="0" dirty="0" err="1" smtClean="0">
+                <a:ln>
+                  <a:noFill/>
+                </a:ln>
+                <a:solidFill>
+                  <a:srgbClr val="000000"/>
+                </a:solidFill>
+                <a:effectLst/>
+                <a:latin typeface="Consolas" panose="020B0609020204030204" pitchFamily="49" charset="0"/>
+                <a:cs typeface="Courier New" panose="02070309020205020404" pitchFamily="49" charset="0"/>
+              </a:rPr>
+              <a:t>org.checkerframework</a:t>
+            </a:r>
+            <a:r>
+              <a:rPr kumimoji="0" lang="en-US" altLang="en-US" sz="1600" b="0" i="0" u="none" strike="noStrike" cap="none" normalizeH="0" baseline="0" dirty="0" smtClean="0">
+                <a:ln>
+                  <a:noFill/>
+                </a:ln>
+                <a:solidFill>
+                  <a:srgbClr val="000000"/>
+                </a:solidFill>
+                <a:effectLst/>
+                <a:latin typeface="Consolas" panose="020B0609020204030204" pitchFamily="49" charset="0"/>
+                <a:cs typeface="Courier New" panose="02070309020205020404" pitchFamily="49" charset="0"/>
+              </a:rPr>
+              <a:t>&lt;/</a:t>
+            </a:r>
+            <a:r>
+              <a:rPr kumimoji="0" lang="en-US" altLang="en-US" sz="1600" b="1" i="0" u="none" strike="noStrike" cap="none" normalizeH="0" baseline="0" dirty="0" err="1" smtClean="0">
+                <a:ln>
+                  <a:noFill/>
+                </a:ln>
+                <a:solidFill>
+                  <a:srgbClr val="000080"/>
+                </a:solidFill>
+                <a:effectLst/>
+                <a:latin typeface="Consolas" panose="020B0609020204030204" pitchFamily="49" charset="0"/>
+                <a:cs typeface="Courier New" panose="02070309020205020404" pitchFamily="49" charset="0"/>
+              </a:rPr>
+              <a:t>groupId</a:t>
+            </a:r>
+            <a:r>
+              <a:rPr kumimoji="0" lang="en-US" altLang="en-US" sz="1600" b="0" i="0" u="none" strike="noStrike" cap="none" normalizeH="0" baseline="0" dirty="0" smtClean="0">
+                <a:ln>
+                  <a:noFill/>
+                </a:ln>
+                <a:solidFill>
+                  <a:srgbClr val="000000"/>
+                </a:solidFill>
+                <a:effectLst/>
+                <a:latin typeface="Consolas" panose="020B0609020204030204" pitchFamily="49" charset="0"/>
+                <a:cs typeface="Courier New" panose="02070309020205020404" pitchFamily="49" charset="0"/>
+              </a:rPr>
+              <a:t>&gt;</a:t>
+            </a:r>
+            <a:br>
+              <a:rPr kumimoji="0" lang="en-US" altLang="en-US" sz="1600" b="0" i="0" u="none" strike="noStrike" cap="none" normalizeH="0" baseline="0" dirty="0" smtClean="0">
+                <a:ln>
+                  <a:noFill/>
+                </a:ln>
+                <a:solidFill>
+                  <a:srgbClr val="000000"/>
+                </a:solidFill>
+                <a:effectLst/>
+                <a:latin typeface="Consolas" panose="020B0609020204030204" pitchFamily="49" charset="0"/>
+                <a:cs typeface="Courier New" panose="02070309020205020404" pitchFamily="49" charset="0"/>
+              </a:rPr>
+            </a:br>
+            <a:r>
+              <a:rPr kumimoji="0" lang="en-US" altLang="en-US" sz="1600" b="0" i="0" u="none" strike="noStrike" cap="none" normalizeH="0" baseline="0" dirty="0" smtClean="0">
+                <a:ln>
+                  <a:noFill/>
+                </a:ln>
+                <a:solidFill>
+                  <a:srgbClr val="000000"/>
+                </a:solidFill>
+                <a:effectLst/>
+                <a:latin typeface="Consolas" panose="020B0609020204030204" pitchFamily="49" charset="0"/>
+                <a:cs typeface="Courier New" panose="02070309020205020404" pitchFamily="49" charset="0"/>
+              </a:rPr>
+              <a:t>        &lt;</a:t>
+            </a:r>
+            <a:r>
+              <a:rPr kumimoji="0" lang="en-US" altLang="en-US" sz="1600" b="1" i="0" u="none" strike="noStrike" cap="none" normalizeH="0" baseline="0" dirty="0" err="1" smtClean="0">
+                <a:ln>
+                  <a:noFill/>
+                </a:ln>
+                <a:solidFill>
+                  <a:srgbClr val="000080"/>
+                </a:solidFill>
+                <a:effectLst/>
+                <a:latin typeface="Consolas" panose="020B0609020204030204" pitchFamily="49" charset="0"/>
+                <a:cs typeface="Courier New" panose="02070309020205020404" pitchFamily="49" charset="0"/>
+              </a:rPr>
+              <a:t>artifactId</a:t>
+            </a:r>
+            <a:r>
+              <a:rPr kumimoji="0" lang="en-US" altLang="en-US" sz="1600" b="0" i="0" u="none" strike="noStrike" cap="none" normalizeH="0" baseline="0" dirty="0" smtClean="0">
+                <a:ln>
+                  <a:noFill/>
+                </a:ln>
+                <a:solidFill>
+                  <a:srgbClr val="000000"/>
+                </a:solidFill>
+                <a:effectLst/>
+                <a:latin typeface="Consolas" panose="020B0609020204030204" pitchFamily="49" charset="0"/>
+                <a:cs typeface="Courier New" panose="02070309020205020404" pitchFamily="49" charset="0"/>
+              </a:rPr>
+              <a:t>&gt;checker-</a:t>
+            </a:r>
+            <a:r>
+              <a:rPr kumimoji="0" lang="en-US" altLang="en-US" sz="1600" b="0" i="0" u="none" strike="noStrike" cap="none" normalizeH="0" baseline="0" dirty="0" err="1" smtClean="0">
+                <a:ln>
+                  <a:noFill/>
+                </a:ln>
+                <a:solidFill>
+                  <a:srgbClr val="000000"/>
+                </a:solidFill>
+                <a:effectLst/>
+                <a:latin typeface="Consolas" panose="020B0609020204030204" pitchFamily="49" charset="0"/>
+                <a:cs typeface="Courier New" panose="02070309020205020404" pitchFamily="49" charset="0"/>
+              </a:rPr>
+              <a:t>qual</a:t>
+            </a:r>
+            <a:r>
+              <a:rPr kumimoji="0" lang="en-US" altLang="en-US" sz="1600" b="0" i="0" u="none" strike="noStrike" cap="none" normalizeH="0" baseline="0" dirty="0" smtClean="0">
+                <a:ln>
+                  <a:noFill/>
+                </a:ln>
+                <a:solidFill>
+                  <a:srgbClr val="000000"/>
+                </a:solidFill>
+                <a:effectLst/>
+                <a:latin typeface="Consolas" panose="020B0609020204030204" pitchFamily="49" charset="0"/>
+                <a:cs typeface="Courier New" panose="02070309020205020404" pitchFamily="49" charset="0"/>
+              </a:rPr>
+              <a:t>&lt;/</a:t>
+            </a:r>
+            <a:r>
+              <a:rPr kumimoji="0" lang="en-US" altLang="en-US" sz="1600" b="1" i="0" u="none" strike="noStrike" cap="none" normalizeH="0" baseline="0" dirty="0" err="1" smtClean="0">
+                <a:ln>
+                  <a:noFill/>
+                </a:ln>
+                <a:solidFill>
+                  <a:srgbClr val="000080"/>
+                </a:solidFill>
+                <a:effectLst/>
+                <a:latin typeface="Consolas" panose="020B0609020204030204" pitchFamily="49" charset="0"/>
+                <a:cs typeface="Courier New" panose="02070309020205020404" pitchFamily="49" charset="0"/>
+              </a:rPr>
+              <a:t>artifactId</a:t>
+            </a:r>
+            <a:r>
+              <a:rPr kumimoji="0" lang="en-US" altLang="en-US" sz="1600" b="0" i="0" u="none" strike="noStrike" cap="none" normalizeH="0" baseline="0" dirty="0" smtClean="0">
+                <a:ln>
+                  <a:noFill/>
+                </a:ln>
+                <a:solidFill>
+                  <a:srgbClr val="000000"/>
+                </a:solidFill>
+                <a:effectLst/>
+                <a:latin typeface="Consolas" panose="020B0609020204030204" pitchFamily="49" charset="0"/>
+                <a:cs typeface="Courier New" panose="02070309020205020404" pitchFamily="49" charset="0"/>
+              </a:rPr>
+              <a:t>&gt;</a:t>
+            </a:r>
+            <a:br>
+              <a:rPr kumimoji="0" lang="en-US" altLang="en-US" sz="1600" b="0" i="0" u="none" strike="noStrike" cap="none" normalizeH="0" baseline="0" dirty="0" smtClean="0">
+                <a:ln>
+                  <a:noFill/>
+                </a:ln>
+                <a:solidFill>
+                  <a:srgbClr val="000000"/>
+                </a:solidFill>
+                <a:effectLst/>
+                <a:latin typeface="Consolas" panose="020B0609020204030204" pitchFamily="49" charset="0"/>
+                <a:cs typeface="Courier New" panose="02070309020205020404" pitchFamily="49" charset="0"/>
+              </a:rPr>
+            </a:br>
+            <a:r>
+              <a:rPr kumimoji="0" lang="en-US" altLang="en-US" sz="1600" b="0" i="0" u="none" strike="noStrike" cap="none" normalizeH="0" baseline="0" dirty="0" smtClean="0">
+                <a:ln>
+                  <a:noFill/>
+                </a:ln>
+                <a:solidFill>
+                  <a:srgbClr val="000000"/>
+                </a:solidFill>
+                <a:effectLst/>
+                <a:latin typeface="Consolas" panose="020B0609020204030204" pitchFamily="49" charset="0"/>
+                <a:cs typeface="Courier New" panose="02070309020205020404" pitchFamily="49" charset="0"/>
+              </a:rPr>
+              <a:t>        &lt;</a:t>
+            </a:r>
+            <a:r>
+              <a:rPr kumimoji="0" lang="en-US" altLang="en-US" sz="1600" b="1" i="0" u="none" strike="noStrike" cap="none" normalizeH="0" baseline="0" dirty="0" smtClean="0">
+                <a:ln>
+                  <a:noFill/>
+                </a:ln>
+                <a:solidFill>
+                  <a:srgbClr val="000080"/>
+                </a:solidFill>
+                <a:effectLst/>
+                <a:latin typeface="Consolas" panose="020B0609020204030204" pitchFamily="49" charset="0"/>
+                <a:cs typeface="Courier New" panose="02070309020205020404" pitchFamily="49" charset="0"/>
+              </a:rPr>
+              <a:t>version</a:t>
+            </a:r>
+            <a:r>
+              <a:rPr kumimoji="0" lang="en-US" altLang="en-US" sz="1600" b="0" i="0" u="none" strike="noStrike" cap="none" normalizeH="0" baseline="0" dirty="0" smtClean="0">
+                <a:ln>
+                  <a:noFill/>
+                </a:ln>
+                <a:solidFill>
+                  <a:srgbClr val="000000"/>
+                </a:solidFill>
+                <a:effectLst/>
+                <a:latin typeface="Consolas" panose="020B0609020204030204" pitchFamily="49" charset="0"/>
+                <a:cs typeface="Courier New" panose="02070309020205020404" pitchFamily="49" charset="0"/>
+              </a:rPr>
+              <a:t>&gt;2.11.1&lt;/</a:t>
+            </a:r>
+            <a:r>
+              <a:rPr kumimoji="0" lang="en-US" altLang="en-US" sz="1600" b="1" i="0" u="none" strike="noStrike" cap="none" normalizeH="0" baseline="0" dirty="0" smtClean="0">
+                <a:ln>
+                  <a:noFill/>
+                </a:ln>
+                <a:solidFill>
+                  <a:srgbClr val="000080"/>
+                </a:solidFill>
+                <a:effectLst/>
+                <a:latin typeface="Consolas" panose="020B0609020204030204" pitchFamily="49" charset="0"/>
+                <a:cs typeface="Courier New" panose="02070309020205020404" pitchFamily="49" charset="0"/>
+              </a:rPr>
+              <a:t>version</a:t>
+            </a:r>
+            <a:r>
+              <a:rPr kumimoji="0" lang="en-US" altLang="en-US" sz="1600" b="0" i="0" u="none" strike="noStrike" cap="none" normalizeH="0" baseline="0" dirty="0" smtClean="0">
+                <a:ln>
+                  <a:noFill/>
+                </a:ln>
+                <a:solidFill>
+                  <a:srgbClr val="000000"/>
+                </a:solidFill>
+                <a:effectLst/>
+                <a:latin typeface="Consolas" panose="020B0609020204030204" pitchFamily="49" charset="0"/>
+                <a:cs typeface="Courier New" panose="02070309020205020404" pitchFamily="49" charset="0"/>
+              </a:rPr>
+              <a:t>&gt;</a:t>
+            </a:r>
+            <a:br>
+              <a:rPr kumimoji="0" lang="en-US" altLang="en-US" sz="1600" b="0" i="0" u="none" strike="noStrike" cap="none" normalizeH="0" baseline="0" dirty="0" smtClean="0">
+                <a:ln>
+                  <a:noFill/>
+                </a:ln>
+                <a:solidFill>
+                  <a:srgbClr val="000000"/>
+                </a:solidFill>
+                <a:effectLst/>
+                <a:latin typeface="Consolas" panose="020B0609020204030204" pitchFamily="49" charset="0"/>
+                <a:cs typeface="Courier New" panose="02070309020205020404" pitchFamily="49" charset="0"/>
+              </a:rPr>
+            </a:br>
+            <a:r>
+              <a:rPr kumimoji="0" lang="en-US" altLang="en-US" sz="1600" b="0" i="0" u="none" strike="noStrike" cap="none" normalizeH="0" baseline="0" dirty="0" smtClean="0">
+                <a:ln>
+                  <a:noFill/>
+                </a:ln>
+                <a:solidFill>
+                  <a:srgbClr val="000000"/>
+                </a:solidFill>
+                <a:effectLst/>
+                <a:latin typeface="Consolas" panose="020B0609020204030204" pitchFamily="49" charset="0"/>
+                <a:cs typeface="Courier New" panose="02070309020205020404" pitchFamily="49" charset="0"/>
+              </a:rPr>
+              <a:t>    &lt;/</a:t>
+            </a:r>
+            <a:r>
+              <a:rPr kumimoji="0" lang="en-US" altLang="en-US" sz="1600" b="1" i="0" u="none" strike="noStrike" cap="none" normalizeH="0" baseline="0" dirty="0" smtClean="0">
+                <a:ln>
+                  <a:noFill/>
+                </a:ln>
+                <a:solidFill>
+                  <a:srgbClr val="000080"/>
+                </a:solidFill>
+                <a:effectLst/>
+                <a:latin typeface="Consolas" panose="020B0609020204030204" pitchFamily="49" charset="0"/>
+                <a:cs typeface="Courier New" panose="02070309020205020404" pitchFamily="49" charset="0"/>
+              </a:rPr>
+              <a:t>dependency</a:t>
+            </a:r>
+            <a:r>
+              <a:rPr kumimoji="0" lang="en-US" altLang="en-US" sz="1600" b="0" i="0" u="none" strike="noStrike" cap="none" normalizeH="0" baseline="0" dirty="0" smtClean="0">
+                <a:ln>
+                  <a:noFill/>
+                </a:ln>
+                <a:solidFill>
+                  <a:srgbClr val="000000"/>
+                </a:solidFill>
+                <a:effectLst/>
+                <a:latin typeface="Consolas" panose="020B0609020204030204" pitchFamily="49" charset="0"/>
+                <a:cs typeface="Courier New" panose="02070309020205020404" pitchFamily="49" charset="0"/>
+              </a:rPr>
+              <a:t>&gt;</a:t>
+            </a:r>
+            <a:br>
+              <a:rPr kumimoji="0" lang="en-US" altLang="en-US" sz="1600" b="0" i="0" u="none" strike="noStrike" cap="none" normalizeH="0" baseline="0" dirty="0" smtClean="0">
+                <a:ln>
+                  <a:noFill/>
+                </a:ln>
+                <a:solidFill>
+                  <a:srgbClr val="000000"/>
+                </a:solidFill>
+                <a:effectLst/>
+                <a:latin typeface="Consolas" panose="020B0609020204030204" pitchFamily="49" charset="0"/>
+                <a:cs typeface="Courier New" panose="02070309020205020404" pitchFamily="49" charset="0"/>
+              </a:rPr>
+            </a:br>
+            <a:r>
+              <a:rPr kumimoji="0" lang="en-US" altLang="en-US" sz="1600" b="0" i="0" u="none" strike="noStrike" cap="none" normalizeH="0" baseline="0" dirty="0" smtClean="0">
+                <a:ln>
+                  <a:noFill/>
+                </a:ln>
+                <a:solidFill>
+                  <a:srgbClr val="000000"/>
+                </a:solidFill>
+                <a:effectLst/>
+                <a:latin typeface="Consolas" panose="020B0609020204030204" pitchFamily="49" charset="0"/>
+                <a:cs typeface="Courier New" panose="02070309020205020404" pitchFamily="49" charset="0"/>
+              </a:rPr>
+              <a:t>    &lt;</a:t>
+            </a:r>
+            <a:r>
+              <a:rPr kumimoji="0" lang="en-US" altLang="en-US" sz="1600" b="1" i="0" u="none" strike="noStrike" cap="none" normalizeH="0" baseline="0" dirty="0" smtClean="0">
+                <a:ln>
+                  <a:noFill/>
+                </a:ln>
+                <a:solidFill>
+                  <a:srgbClr val="000080"/>
+                </a:solidFill>
+                <a:effectLst/>
+                <a:latin typeface="Consolas" panose="020B0609020204030204" pitchFamily="49" charset="0"/>
+                <a:cs typeface="Courier New" panose="02070309020205020404" pitchFamily="49" charset="0"/>
+              </a:rPr>
+              <a:t>dependency</a:t>
+            </a:r>
+            <a:r>
+              <a:rPr kumimoji="0" lang="en-US" altLang="en-US" sz="1600" b="0" i="0" u="none" strike="noStrike" cap="none" normalizeH="0" baseline="0" dirty="0" smtClean="0">
+                <a:ln>
+                  <a:noFill/>
+                </a:ln>
+                <a:solidFill>
+                  <a:srgbClr val="000000"/>
+                </a:solidFill>
+                <a:effectLst/>
+                <a:latin typeface="Consolas" panose="020B0609020204030204" pitchFamily="49" charset="0"/>
+                <a:cs typeface="Courier New" panose="02070309020205020404" pitchFamily="49" charset="0"/>
+              </a:rPr>
+              <a:t>&gt;</a:t>
+            </a:r>
+            <a:br>
+              <a:rPr kumimoji="0" lang="en-US" altLang="en-US" sz="1600" b="0" i="0" u="none" strike="noStrike" cap="none" normalizeH="0" baseline="0" dirty="0" smtClean="0">
+                <a:ln>
+                  <a:noFill/>
+                </a:ln>
+                <a:solidFill>
+                  <a:srgbClr val="000000"/>
+                </a:solidFill>
+                <a:effectLst/>
+                <a:latin typeface="Consolas" panose="020B0609020204030204" pitchFamily="49" charset="0"/>
+                <a:cs typeface="Courier New" panose="02070309020205020404" pitchFamily="49" charset="0"/>
+              </a:rPr>
+            </a:br>
+            <a:r>
+              <a:rPr kumimoji="0" lang="en-US" altLang="en-US" sz="1600" b="0" i="0" u="none" strike="noStrike" cap="none" normalizeH="0" baseline="0" dirty="0" smtClean="0">
+                <a:ln>
+                  <a:noFill/>
+                </a:ln>
+                <a:solidFill>
+                  <a:srgbClr val="000000"/>
+                </a:solidFill>
+                <a:effectLst/>
+                <a:latin typeface="Consolas" panose="020B0609020204030204" pitchFamily="49" charset="0"/>
+                <a:cs typeface="Courier New" panose="02070309020205020404" pitchFamily="49" charset="0"/>
+              </a:rPr>
+              <a:t>        &lt;</a:t>
+            </a:r>
+            <a:r>
+              <a:rPr kumimoji="0" lang="en-US" altLang="en-US" sz="1600" b="1" i="0" u="none" strike="noStrike" cap="none" normalizeH="0" baseline="0" dirty="0" err="1" smtClean="0">
+                <a:ln>
+                  <a:noFill/>
+                </a:ln>
+                <a:solidFill>
+                  <a:srgbClr val="000080"/>
+                </a:solidFill>
+                <a:effectLst/>
+                <a:latin typeface="Consolas" panose="020B0609020204030204" pitchFamily="49" charset="0"/>
+                <a:cs typeface="Courier New" panose="02070309020205020404" pitchFamily="49" charset="0"/>
+              </a:rPr>
+              <a:t>groupId</a:t>
+            </a:r>
+            <a:r>
+              <a:rPr kumimoji="0" lang="en-US" altLang="en-US" sz="1600" b="0" i="0" u="none" strike="noStrike" cap="none" normalizeH="0" baseline="0" dirty="0" smtClean="0">
+                <a:ln>
+                  <a:noFill/>
+                </a:ln>
+                <a:solidFill>
+                  <a:srgbClr val="000000"/>
+                </a:solidFill>
+                <a:effectLst/>
+                <a:latin typeface="Consolas" panose="020B0609020204030204" pitchFamily="49" charset="0"/>
+                <a:cs typeface="Courier New" panose="02070309020205020404" pitchFamily="49" charset="0"/>
+              </a:rPr>
+              <a:t>&gt;</a:t>
+            </a:r>
+            <a:r>
+              <a:rPr kumimoji="0" lang="en-US" altLang="en-US" sz="1600" b="0" i="0" u="none" strike="noStrike" cap="none" normalizeH="0" baseline="0" dirty="0" err="1" smtClean="0">
+                <a:ln>
+                  <a:noFill/>
+                </a:ln>
+                <a:solidFill>
+                  <a:srgbClr val="000000"/>
+                </a:solidFill>
+                <a:effectLst/>
+                <a:latin typeface="Consolas" panose="020B0609020204030204" pitchFamily="49" charset="0"/>
+                <a:cs typeface="Courier New" panose="02070309020205020404" pitchFamily="49" charset="0"/>
+              </a:rPr>
+              <a:t>org.checkerframework</a:t>
+            </a:r>
+            <a:r>
+              <a:rPr kumimoji="0" lang="en-US" altLang="en-US" sz="1600" b="0" i="0" u="none" strike="noStrike" cap="none" normalizeH="0" baseline="0" dirty="0" smtClean="0">
+                <a:ln>
+                  <a:noFill/>
+                </a:ln>
+                <a:solidFill>
+                  <a:srgbClr val="000000"/>
+                </a:solidFill>
+                <a:effectLst/>
+                <a:latin typeface="Consolas" panose="020B0609020204030204" pitchFamily="49" charset="0"/>
+                <a:cs typeface="Courier New" panose="02070309020205020404" pitchFamily="49" charset="0"/>
+              </a:rPr>
+              <a:t>&lt;/</a:t>
+            </a:r>
+            <a:r>
+              <a:rPr kumimoji="0" lang="en-US" altLang="en-US" sz="1600" b="1" i="0" u="none" strike="noStrike" cap="none" normalizeH="0" baseline="0" dirty="0" err="1" smtClean="0">
+                <a:ln>
+                  <a:noFill/>
+                </a:ln>
+                <a:solidFill>
+                  <a:srgbClr val="000080"/>
+                </a:solidFill>
+                <a:effectLst/>
+                <a:latin typeface="Consolas" panose="020B0609020204030204" pitchFamily="49" charset="0"/>
+                <a:cs typeface="Courier New" panose="02070309020205020404" pitchFamily="49" charset="0"/>
+              </a:rPr>
+              <a:t>groupId</a:t>
+            </a:r>
+            <a:r>
+              <a:rPr kumimoji="0" lang="en-US" altLang="en-US" sz="1600" b="0" i="0" u="none" strike="noStrike" cap="none" normalizeH="0" baseline="0" dirty="0" smtClean="0">
+                <a:ln>
+                  <a:noFill/>
+                </a:ln>
+                <a:solidFill>
+                  <a:srgbClr val="000000"/>
+                </a:solidFill>
+                <a:effectLst/>
+                <a:latin typeface="Consolas" panose="020B0609020204030204" pitchFamily="49" charset="0"/>
+                <a:cs typeface="Courier New" panose="02070309020205020404" pitchFamily="49" charset="0"/>
+              </a:rPr>
+              <a:t>&gt;</a:t>
+            </a:r>
+            <a:br>
+              <a:rPr kumimoji="0" lang="en-US" altLang="en-US" sz="1600" b="0" i="0" u="none" strike="noStrike" cap="none" normalizeH="0" baseline="0" dirty="0" smtClean="0">
+                <a:ln>
+                  <a:noFill/>
+                </a:ln>
+                <a:solidFill>
+                  <a:srgbClr val="000000"/>
+                </a:solidFill>
+                <a:effectLst/>
+                <a:latin typeface="Consolas" panose="020B0609020204030204" pitchFamily="49" charset="0"/>
+                <a:cs typeface="Courier New" panose="02070309020205020404" pitchFamily="49" charset="0"/>
+              </a:rPr>
+            </a:br>
+            <a:r>
+              <a:rPr kumimoji="0" lang="en-US" altLang="en-US" sz="1600" b="0" i="0" u="none" strike="noStrike" cap="none" normalizeH="0" baseline="0" dirty="0" smtClean="0">
+                <a:ln>
+                  <a:noFill/>
+                </a:ln>
+                <a:solidFill>
+                  <a:srgbClr val="000000"/>
+                </a:solidFill>
+                <a:effectLst/>
+                <a:latin typeface="Consolas" panose="020B0609020204030204" pitchFamily="49" charset="0"/>
+                <a:cs typeface="Courier New" panose="02070309020205020404" pitchFamily="49" charset="0"/>
+              </a:rPr>
+              <a:t>        &lt;</a:t>
+            </a:r>
+            <a:r>
+              <a:rPr kumimoji="0" lang="en-US" altLang="en-US" sz="1600" b="1" i="0" u="none" strike="noStrike" cap="none" normalizeH="0" baseline="0" dirty="0" err="1" smtClean="0">
+                <a:ln>
+                  <a:noFill/>
+                </a:ln>
+                <a:solidFill>
+                  <a:srgbClr val="000080"/>
+                </a:solidFill>
+                <a:effectLst/>
+                <a:latin typeface="Consolas" panose="020B0609020204030204" pitchFamily="49" charset="0"/>
+                <a:cs typeface="Courier New" panose="02070309020205020404" pitchFamily="49" charset="0"/>
+              </a:rPr>
+              <a:t>artifactId</a:t>
+            </a:r>
+            <a:r>
+              <a:rPr kumimoji="0" lang="en-US" altLang="en-US" sz="1600" b="0" i="0" u="none" strike="noStrike" cap="none" normalizeH="0" baseline="0" dirty="0" smtClean="0">
+                <a:ln>
+                  <a:noFill/>
+                </a:ln>
+                <a:solidFill>
+                  <a:srgbClr val="000000"/>
+                </a:solidFill>
+                <a:effectLst/>
+                <a:latin typeface="Consolas" panose="020B0609020204030204" pitchFamily="49" charset="0"/>
+                <a:cs typeface="Courier New" panose="02070309020205020404" pitchFamily="49" charset="0"/>
+              </a:rPr>
+              <a:t>&gt;jdk8&lt;/</a:t>
+            </a:r>
+            <a:r>
+              <a:rPr kumimoji="0" lang="en-US" altLang="en-US" sz="1600" b="1" i="0" u="none" strike="noStrike" cap="none" normalizeH="0" baseline="0" dirty="0" err="1" smtClean="0">
+                <a:ln>
+                  <a:noFill/>
+                </a:ln>
+                <a:solidFill>
+                  <a:srgbClr val="000080"/>
+                </a:solidFill>
+                <a:effectLst/>
+                <a:latin typeface="Consolas" panose="020B0609020204030204" pitchFamily="49" charset="0"/>
+                <a:cs typeface="Courier New" panose="02070309020205020404" pitchFamily="49" charset="0"/>
+              </a:rPr>
+              <a:t>artifactId</a:t>
+            </a:r>
+            <a:r>
+              <a:rPr kumimoji="0" lang="en-US" altLang="en-US" sz="1600" b="0" i="0" u="none" strike="noStrike" cap="none" normalizeH="0" baseline="0" dirty="0" smtClean="0">
+                <a:ln>
+                  <a:noFill/>
+                </a:ln>
+                <a:solidFill>
+                  <a:srgbClr val="000000"/>
+                </a:solidFill>
+                <a:effectLst/>
+                <a:latin typeface="Consolas" panose="020B0609020204030204" pitchFamily="49" charset="0"/>
+                <a:cs typeface="Courier New" panose="02070309020205020404" pitchFamily="49" charset="0"/>
+              </a:rPr>
+              <a:t>&gt;</a:t>
+            </a:r>
+            <a:br>
+              <a:rPr kumimoji="0" lang="en-US" altLang="en-US" sz="1600" b="0" i="0" u="none" strike="noStrike" cap="none" normalizeH="0" baseline="0" dirty="0" smtClean="0">
+                <a:ln>
+                  <a:noFill/>
+                </a:ln>
+                <a:solidFill>
+                  <a:srgbClr val="000000"/>
+                </a:solidFill>
+                <a:effectLst/>
+                <a:latin typeface="Consolas" panose="020B0609020204030204" pitchFamily="49" charset="0"/>
+                <a:cs typeface="Courier New" panose="02070309020205020404" pitchFamily="49" charset="0"/>
+              </a:rPr>
+            </a:br>
+            <a:r>
+              <a:rPr kumimoji="0" lang="en-US" altLang="en-US" sz="1600" b="0" i="0" u="none" strike="noStrike" cap="none" normalizeH="0" baseline="0" dirty="0" smtClean="0">
+                <a:ln>
+                  <a:noFill/>
+                </a:ln>
+                <a:solidFill>
+                  <a:srgbClr val="000000"/>
+                </a:solidFill>
+                <a:effectLst/>
+                <a:latin typeface="Consolas" panose="020B0609020204030204" pitchFamily="49" charset="0"/>
+                <a:cs typeface="Courier New" panose="02070309020205020404" pitchFamily="49" charset="0"/>
+              </a:rPr>
+              <a:t>        &lt;</a:t>
+            </a:r>
+            <a:r>
+              <a:rPr kumimoji="0" lang="en-US" altLang="en-US" sz="1600" b="1" i="0" u="none" strike="noStrike" cap="none" normalizeH="0" baseline="0" dirty="0" smtClean="0">
+                <a:ln>
+                  <a:noFill/>
+                </a:ln>
+                <a:solidFill>
+                  <a:srgbClr val="000080"/>
+                </a:solidFill>
+                <a:effectLst/>
+                <a:latin typeface="Consolas" panose="020B0609020204030204" pitchFamily="49" charset="0"/>
+                <a:cs typeface="Courier New" panose="02070309020205020404" pitchFamily="49" charset="0"/>
+              </a:rPr>
+              <a:t>version</a:t>
+            </a:r>
+            <a:r>
+              <a:rPr kumimoji="0" lang="en-US" altLang="en-US" sz="1600" b="0" i="0" u="none" strike="noStrike" cap="none" normalizeH="0" baseline="0" dirty="0" smtClean="0">
+                <a:ln>
+                  <a:noFill/>
+                </a:ln>
+                <a:solidFill>
+                  <a:srgbClr val="000000"/>
+                </a:solidFill>
+                <a:effectLst/>
+                <a:latin typeface="Consolas" panose="020B0609020204030204" pitchFamily="49" charset="0"/>
+                <a:cs typeface="Courier New" panose="02070309020205020404" pitchFamily="49" charset="0"/>
+              </a:rPr>
+              <a:t>&gt;2.11.1&lt;/</a:t>
+            </a:r>
+            <a:r>
+              <a:rPr kumimoji="0" lang="en-US" altLang="en-US" sz="1600" b="1" i="0" u="none" strike="noStrike" cap="none" normalizeH="0" baseline="0" dirty="0" smtClean="0">
+                <a:ln>
+                  <a:noFill/>
+                </a:ln>
+                <a:solidFill>
+                  <a:srgbClr val="000080"/>
+                </a:solidFill>
+                <a:effectLst/>
+                <a:latin typeface="Consolas" panose="020B0609020204030204" pitchFamily="49" charset="0"/>
+                <a:cs typeface="Courier New" panose="02070309020205020404" pitchFamily="49" charset="0"/>
+              </a:rPr>
+              <a:t>version</a:t>
+            </a:r>
+            <a:r>
+              <a:rPr kumimoji="0" lang="en-US" altLang="en-US" sz="1600" b="0" i="0" u="none" strike="noStrike" cap="none" normalizeH="0" baseline="0" dirty="0" smtClean="0">
+                <a:ln>
+                  <a:noFill/>
+                </a:ln>
+                <a:solidFill>
+                  <a:srgbClr val="000000"/>
+                </a:solidFill>
+                <a:effectLst/>
+                <a:latin typeface="Consolas" panose="020B0609020204030204" pitchFamily="49" charset="0"/>
+                <a:cs typeface="Courier New" panose="02070309020205020404" pitchFamily="49" charset="0"/>
+              </a:rPr>
+              <a:t>&gt;</a:t>
+            </a:r>
+            <a:br>
+              <a:rPr kumimoji="0" lang="en-US" altLang="en-US" sz="1600" b="0" i="0" u="none" strike="noStrike" cap="none" normalizeH="0" baseline="0" dirty="0" smtClean="0">
+                <a:ln>
+                  <a:noFill/>
+                </a:ln>
+                <a:solidFill>
+                  <a:srgbClr val="000000"/>
+                </a:solidFill>
+                <a:effectLst/>
+                <a:latin typeface="Consolas" panose="020B0609020204030204" pitchFamily="49" charset="0"/>
+                <a:cs typeface="Courier New" panose="02070309020205020404" pitchFamily="49" charset="0"/>
+              </a:rPr>
+            </a:br>
+            <a:r>
+              <a:rPr kumimoji="0" lang="en-US" altLang="en-US" sz="1600" b="0" i="0" u="none" strike="noStrike" cap="none" normalizeH="0" baseline="0" dirty="0" smtClean="0">
+                <a:ln>
+                  <a:noFill/>
+                </a:ln>
+                <a:solidFill>
+                  <a:srgbClr val="000000"/>
+                </a:solidFill>
+                <a:effectLst/>
+                <a:latin typeface="Consolas" panose="020B0609020204030204" pitchFamily="49" charset="0"/>
+                <a:cs typeface="Courier New" panose="02070309020205020404" pitchFamily="49" charset="0"/>
+              </a:rPr>
+              <a:t>    &lt;/</a:t>
+            </a:r>
+            <a:r>
+              <a:rPr kumimoji="0" lang="en-US" altLang="en-US" sz="1600" b="1" i="0" u="none" strike="noStrike" cap="none" normalizeH="0" baseline="0" dirty="0" smtClean="0">
+                <a:ln>
+                  <a:noFill/>
+                </a:ln>
+                <a:solidFill>
+                  <a:srgbClr val="000080"/>
+                </a:solidFill>
+                <a:effectLst/>
+                <a:latin typeface="Consolas" panose="020B0609020204030204" pitchFamily="49" charset="0"/>
+                <a:cs typeface="Courier New" panose="02070309020205020404" pitchFamily="49" charset="0"/>
+              </a:rPr>
+              <a:t>dependency</a:t>
+            </a:r>
+            <a:r>
+              <a:rPr kumimoji="0" lang="en-US" altLang="en-US" sz="1600" b="0" i="0" u="none" strike="noStrike" cap="none" normalizeH="0" baseline="0" dirty="0" smtClean="0">
+                <a:ln>
+                  <a:noFill/>
+                </a:ln>
+                <a:solidFill>
+                  <a:srgbClr val="000000"/>
+                </a:solidFill>
+                <a:effectLst/>
+                <a:latin typeface="Consolas" panose="020B0609020204030204" pitchFamily="49" charset="0"/>
+                <a:cs typeface="Courier New" panose="02070309020205020404" pitchFamily="49" charset="0"/>
+              </a:rPr>
+              <a:t>&gt;</a:t>
+            </a:r>
+            <a:br>
+              <a:rPr kumimoji="0" lang="en-US" altLang="en-US" sz="1600" b="0" i="0" u="none" strike="noStrike" cap="none" normalizeH="0" baseline="0" dirty="0" smtClean="0">
+                <a:ln>
+                  <a:noFill/>
+                </a:ln>
+                <a:solidFill>
+                  <a:srgbClr val="000000"/>
+                </a:solidFill>
+                <a:effectLst/>
+                <a:latin typeface="Consolas" panose="020B0609020204030204" pitchFamily="49" charset="0"/>
+                <a:cs typeface="Courier New" panose="02070309020205020404" pitchFamily="49" charset="0"/>
+              </a:rPr>
+            </a:br>
+            <a:r>
+              <a:rPr kumimoji="0" lang="en-US" altLang="en-US" sz="1600" b="0" i="0" u="none" strike="noStrike" cap="none" normalizeH="0" baseline="0" dirty="0" smtClean="0">
+                <a:ln>
+                  <a:noFill/>
+                </a:ln>
+                <a:solidFill>
+                  <a:srgbClr val="000000"/>
+                </a:solidFill>
+                <a:effectLst/>
+                <a:latin typeface="Consolas" panose="020B0609020204030204" pitchFamily="49" charset="0"/>
+                <a:cs typeface="Courier New" panose="02070309020205020404" pitchFamily="49" charset="0"/>
+              </a:rPr>
+              <a:t>    &lt;</a:t>
+            </a:r>
+            <a:r>
+              <a:rPr kumimoji="0" lang="en-US" altLang="en-US" sz="1600" b="1" i="0" u="none" strike="noStrike" cap="none" normalizeH="0" baseline="0" dirty="0" smtClean="0">
+                <a:ln>
+                  <a:noFill/>
+                </a:ln>
+                <a:solidFill>
+                  <a:srgbClr val="000080"/>
+                </a:solidFill>
+                <a:effectLst/>
+                <a:latin typeface="Consolas" panose="020B0609020204030204" pitchFamily="49" charset="0"/>
+                <a:cs typeface="Courier New" panose="02070309020205020404" pitchFamily="49" charset="0"/>
+              </a:rPr>
+              <a:t>dependency</a:t>
+            </a:r>
+            <a:r>
+              <a:rPr kumimoji="0" lang="en-US" altLang="en-US" sz="1600" b="0" i="0" u="none" strike="noStrike" cap="none" normalizeH="0" baseline="0" dirty="0" smtClean="0">
+                <a:ln>
+                  <a:noFill/>
+                </a:ln>
+                <a:solidFill>
+                  <a:srgbClr val="000000"/>
+                </a:solidFill>
+                <a:effectLst/>
+                <a:latin typeface="Consolas" panose="020B0609020204030204" pitchFamily="49" charset="0"/>
+                <a:cs typeface="Courier New" panose="02070309020205020404" pitchFamily="49" charset="0"/>
+              </a:rPr>
+              <a:t>&gt;</a:t>
+            </a:r>
+            <a:br>
+              <a:rPr kumimoji="0" lang="en-US" altLang="en-US" sz="1600" b="0" i="0" u="none" strike="noStrike" cap="none" normalizeH="0" baseline="0" dirty="0" smtClean="0">
+                <a:ln>
+                  <a:noFill/>
+                </a:ln>
+                <a:solidFill>
+                  <a:srgbClr val="000000"/>
+                </a:solidFill>
+                <a:effectLst/>
+                <a:latin typeface="Consolas" panose="020B0609020204030204" pitchFamily="49" charset="0"/>
+                <a:cs typeface="Courier New" panose="02070309020205020404" pitchFamily="49" charset="0"/>
+              </a:rPr>
+            </a:br>
+            <a:r>
+              <a:rPr kumimoji="0" lang="en-US" altLang="en-US" sz="1600" b="0" i="0" u="none" strike="noStrike" cap="none" normalizeH="0" baseline="0" dirty="0" smtClean="0">
+                <a:ln>
+                  <a:noFill/>
+                </a:ln>
+                <a:solidFill>
+                  <a:srgbClr val="000000"/>
+                </a:solidFill>
+                <a:effectLst/>
+                <a:latin typeface="Consolas" panose="020B0609020204030204" pitchFamily="49" charset="0"/>
+                <a:cs typeface="Courier New" panose="02070309020205020404" pitchFamily="49" charset="0"/>
+              </a:rPr>
+              <a:t>        &lt;</a:t>
+            </a:r>
+            <a:r>
+              <a:rPr kumimoji="0" lang="en-US" altLang="en-US" sz="1600" b="1" i="0" u="none" strike="noStrike" cap="none" normalizeH="0" baseline="0" dirty="0" err="1" smtClean="0">
+                <a:ln>
+                  <a:noFill/>
+                </a:ln>
+                <a:solidFill>
+                  <a:srgbClr val="000080"/>
+                </a:solidFill>
+                <a:effectLst/>
+                <a:latin typeface="Consolas" panose="020B0609020204030204" pitchFamily="49" charset="0"/>
+                <a:cs typeface="Courier New" panose="02070309020205020404" pitchFamily="49" charset="0"/>
+              </a:rPr>
+              <a:t>groupId</a:t>
+            </a:r>
+            <a:r>
+              <a:rPr kumimoji="0" lang="en-US" altLang="en-US" sz="1600" b="0" i="0" u="none" strike="noStrike" cap="none" normalizeH="0" baseline="0" dirty="0" smtClean="0">
+                <a:ln>
+                  <a:noFill/>
+                </a:ln>
+                <a:solidFill>
+                  <a:srgbClr val="000000"/>
+                </a:solidFill>
+                <a:effectLst/>
+                <a:latin typeface="Consolas" panose="020B0609020204030204" pitchFamily="49" charset="0"/>
+                <a:cs typeface="Courier New" panose="02070309020205020404" pitchFamily="49" charset="0"/>
+              </a:rPr>
+              <a:t>&gt;</a:t>
+            </a:r>
+            <a:r>
+              <a:rPr kumimoji="0" lang="en-US" altLang="en-US" sz="1600" b="0" i="0" u="none" strike="noStrike" cap="none" normalizeH="0" baseline="0" dirty="0" err="1" smtClean="0">
+                <a:ln>
+                  <a:noFill/>
+                </a:ln>
+                <a:solidFill>
+                  <a:srgbClr val="000000"/>
+                </a:solidFill>
+                <a:effectLst/>
+                <a:latin typeface="Consolas" panose="020B0609020204030204" pitchFamily="49" charset="0"/>
+                <a:cs typeface="Courier New" panose="02070309020205020404" pitchFamily="49" charset="0"/>
+              </a:rPr>
+              <a:t>org.checkerframework</a:t>
+            </a:r>
+            <a:r>
+              <a:rPr kumimoji="0" lang="en-US" altLang="en-US" sz="1600" b="0" i="0" u="none" strike="noStrike" cap="none" normalizeH="0" baseline="0" dirty="0" smtClean="0">
+                <a:ln>
+                  <a:noFill/>
+                </a:ln>
+                <a:solidFill>
+                  <a:srgbClr val="000000"/>
+                </a:solidFill>
+                <a:effectLst/>
+                <a:latin typeface="Consolas" panose="020B0609020204030204" pitchFamily="49" charset="0"/>
+                <a:cs typeface="Courier New" panose="02070309020205020404" pitchFamily="49" charset="0"/>
+              </a:rPr>
+              <a:t>&lt;/</a:t>
+            </a:r>
+            <a:r>
+              <a:rPr kumimoji="0" lang="en-US" altLang="en-US" sz="1600" b="1" i="0" u="none" strike="noStrike" cap="none" normalizeH="0" baseline="0" dirty="0" err="1" smtClean="0">
+                <a:ln>
+                  <a:noFill/>
+                </a:ln>
+                <a:solidFill>
+                  <a:srgbClr val="000080"/>
+                </a:solidFill>
+                <a:effectLst/>
+                <a:latin typeface="Consolas" panose="020B0609020204030204" pitchFamily="49" charset="0"/>
+                <a:cs typeface="Courier New" panose="02070309020205020404" pitchFamily="49" charset="0"/>
+              </a:rPr>
+              <a:t>groupId</a:t>
+            </a:r>
+            <a:r>
+              <a:rPr kumimoji="0" lang="en-US" altLang="en-US" sz="1600" b="0" i="0" u="none" strike="noStrike" cap="none" normalizeH="0" baseline="0" dirty="0" smtClean="0">
+                <a:ln>
+                  <a:noFill/>
+                </a:ln>
+                <a:solidFill>
+                  <a:srgbClr val="000000"/>
+                </a:solidFill>
+                <a:effectLst/>
+                <a:latin typeface="Consolas" panose="020B0609020204030204" pitchFamily="49" charset="0"/>
+                <a:cs typeface="Courier New" panose="02070309020205020404" pitchFamily="49" charset="0"/>
+              </a:rPr>
+              <a:t>&gt;</a:t>
+            </a:r>
+            <a:br>
+              <a:rPr kumimoji="0" lang="en-US" altLang="en-US" sz="1600" b="0" i="0" u="none" strike="noStrike" cap="none" normalizeH="0" baseline="0" dirty="0" smtClean="0">
+                <a:ln>
+                  <a:noFill/>
+                </a:ln>
+                <a:solidFill>
+                  <a:srgbClr val="000000"/>
+                </a:solidFill>
+                <a:effectLst/>
+                <a:latin typeface="Consolas" panose="020B0609020204030204" pitchFamily="49" charset="0"/>
+                <a:cs typeface="Courier New" panose="02070309020205020404" pitchFamily="49" charset="0"/>
+              </a:rPr>
+            </a:br>
+            <a:r>
+              <a:rPr kumimoji="0" lang="en-US" altLang="en-US" sz="1600" b="0" i="0" u="none" strike="noStrike" cap="none" normalizeH="0" baseline="0" dirty="0" smtClean="0">
+                <a:ln>
+                  <a:noFill/>
+                </a:ln>
+                <a:solidFill>
+                  <a:srgbClr val="000000"/>
+                </a:solidFill>
+                <a:effectLst/>
+                <a:latin typeface="Consolas" panose="020B0609020204030204" pitchFamily="49" charset="0"/>
+                <a:cs typeface="Courier New" panose="02070309020205020404" pitchFamily="49" charset="0"/>
+              </a:rPr>
+              <a:t>        &lt;</a:t>
+            </a:r>
+            <a:r>
+              <a:rPr kumimoji="0" lang="en-US" altLang="en-US" sz="1600" b="1" i="0" u="none" strike="noStrike" cap="none" normalizeH="0" baseline="0" dirty="0" err="1" smtClean="0">
+                <a:ln>
+                  <a:noFill/>
+                </a:ln>
+                <a:solidFill>
+                  <a:srgbClr val="000080"/>
+                </a:solidFill>
+                <a:effectLst/>
+                <a:latin typeface="Consolas" panose="020B0609020204030204" pitchFamily="49" charset="0"/>
+                <a:cs typeface="Courier New" panose="02070309020205020404" pitchFamily="49" charset="0"/>
+              </a:rPr>
+              <a:t>artifactId</a:t>
+            </a:r>
+            <a:r>
+              <a:rPr kumimoji="0" lang="en-US" altLang="en-US" sz="1600" b="0" i="0" u="none" strike="noStrike" cap="none" normalizeH="0" baseline="0" dirty="0" smtClean="0">
+                <a:ln>
+                  <a:noFill/>
+                </a:ln>
+                <a:solidFill>
+                  <a:srgbClr val="000000"/>
+                </a:solidFill>
+                <a:effectLst/>
+                <a:latin typeface="Consolas" panose="020B0609020204030204" pitchFamily="49" charset="0"/>
+                <a:cs typeface="Courier New" panose="02070309020205020404" pitchFamily="49" charset="0"/>
+              </a:rPr>
+              <a:t>&gt;checker&lt;/</a:t>
+            </a:r>
+            <a:r>
+              <a:rPr kumimoji="0" lang="en-US" altLang="en-US" sz="1600" b="1" i="0" u="none" strike="noStrike" cap="none" normalizeH="0" baseline="0" dirty="0" err="1" smtClean="0">
+                <a:ln>
+                  <a:noFill/>
+                </a:ln>
+                <a:solidFill>
+                  <a:srgbClr val="000080"/>
+                </a:solidFill>
+                <a:effectLst/>
+                <a:latin typeface="Consolas" panose="020B0609020204030204" pitchFamily="49" charset="0"/>
+                <a:cs typeface="Courier New" panose="02070309020205020404" pitchFamily="49" charset="0"/>
+              </a:rPr>
+              <a:t>artifactId</a:t>
+            </a:r>
+            <a:r>
+              <a:rPr kumimoji="0" lang="en-US" altLang="en-US" sz="1600" b="0" i="0" u="none" strike="noStrike" cap="none" normalizeH="0" baseline="0" dirty="0" smtClean="0">
+                <a:ln>
+                  <a:noFill/>
+                </a:ln>
+                <a:solidFill>
+                  <a:srgbClr val="000000"/>
+                </a:solidFill>
+                <a:effectLst/>
+                <a:latin typeface="Consolas" panose="020B0609020204030204" pitchFamily="49" charset="0"/>
+                <a:cs typeface="Courier New" panose="02070309020205020404" pitchFamily="49" charset="0"/>
+              </a:rPr>
+              <a:t>&gt;</a:t>
+            </a:r>
+            <a:br>
+              <a:rPr kumimoji="0" lang="en-US" altLang="en-US" sz="1600" b="0" i="0" u="none" strike="noStrike" cap="none" normalizeH="0" baseline="0" dirty="0" smtClean="0">
+                <a:ln>
+                  <a:noFill/>
+                </a:ln>
+                <a:solidFill>
+                  <a:srgbClr val="000000"/>
+                </a:solidFill>
+                <a:effectLst/>
+                <a:latin typeface="Consolas" panose="020B0609020204030204" pitchFamily="49" charset="0"/>
+                <a:cs typeface="Courier New" panose="02070309020205020404" pitchFamily="49" charset="0"/>
+              </a:rPr>
+            </a:br>
+            <a:r>
+              <a:rPr kumimoji="0" lang="en-US" altLang="en-US" sz="1600" b="0" i="0" u="none" strike="noStrike" cap="none" normalizeH="0" baseline="0" dirty="0" smtClean="0">
+                <a:ln>
+                  <a:noFill/>
+                </a:ln>
+                <a:solidFill>
+                  <a:srgbClr val="000000"/>
+                </a:solidFill>
+                <a:effectLst/>
+                <a:latin typeface="Consolas" panose="020B0609020204030204" pitchFamily="49" charset="0"/>
+                <a:cs typeface="Courier New" panose="02070309020205020404" pitchFamily="49" charset="0"/>
+              </a:rPr>
+              <a:t>        &lt;</a:t>
+            </a:r>
+            <a:r>
+              <a:rPr kumimoji="0" lang="en-US" altLang="en-US" sz="1600" b="1" i="0" u="none" strike="noStrike" cap="none" normalizeH="0" baseline="0" dirty="0" smtClean="0">
+                <a:ln>
+                  <a:noFill/>
+                </a:ln>
+                <a:solidFill>
+                  <a:srgbClr val="000080"/>
+                </a:solidFill>
+                <a:effectLst/>
+                <a:latin typeface="Consolas" panose="020B0609020204030204" pitchFamily="49" charset="0"/>
+                <a:cs typeface="Courier New" panose="02070309020205020404" pitchFamily="49" charset="0"/>
+              </a:rPr>
+              <a:t>version</a:t>
+            </a:r>
+            <a:r>
+              <a:rPr kumimoji="0" lang="en-US" altLang="en-US" sz="1600" b="0" i="0" u="none" strike="noStrike" cap="none" normalizeH="0" baseline="0" dirty="0" smtClean="0">
+                <a:ln>
+                  <a:noFill/>
+                </a:ln>
+                <a:solidFill>
+                  <a:srgbClr val="000000"/>
+                </a:solidFill>
+                <a:effectLst/>
+                <a:latin typeface="Consolas" panose="020B0609020204030204" pitchFamily="49" charset="0"/>
+                <a:cs typeface="Courier New" panose="02070309020205020404" pitchFamily="49" charset="0"/>
+              </a:rPr>
+              <a:t>&gt;2.11.1&lt;/</a:t>
+            </a:r>
+            <a:r>
+              <a:rPr kumimoji="0" lang="en-US" altLang="en-US" sz="1600" b="1" i="0" u="none" strike="noStrike" cap="none" normalizeH="0" baseline="0" dirty="0" smtClean="0">
+                <a:ln>
+                  <a:noFill/>
+                </a:ln>
+                <a:solidFill>
+                  <a:srgbClr val="000080"/>
+                </a:solidFill>
+                <a:effectLst/>
+                <a:latin typeface="Consolas" panose="020B0609020204030204" pitchFamily="49" charset="0"/>
+                <a:cs typeface="Courier New" panose="02070309020205020404" pitchFamily="49" charset="0"/>
+              </a:rPr>
+              <a:t>version</a:t>
+            </a:r>
+            <a:r>
+              <a:rPr kumimoji="0" lang="en-US" altLang="en-US" sz="1600" b="0" i="0" u="none" strike="noStrike" cap="none" normalizeH="0" baseline="0" dirty="0" smtClean="0">
+                <a:ln>
+                  <a:noFill/>
+                </a:ln>
+                <a:solidFill>
+                  <a:srgbClr val="000000"/>
+                </a:solidFill>
+                <a:effectLst/>
+                <a:latin typeface="Consolas" panose="020B0609020204030204" pitchFamily="49" charset="0"/>
+                <a:cs typeface="Courier New" panose="02070309020205020404" pitchFamily="49" charset="0"/>
+              </a:rPr>
+              <a:t>&gt;</a:t>
+            </a:r>
+            <a:br>
+              <a:rPr kumimoji="0" lang="en-US" altLang="en-US" sz="1600" b="0" i="0" u="none" strike="noStrike" cap="none" normalizeH="0" baseline="0" dirty="0" smtClean="0">
+                <a:ln>
+                  <a:noFill/>
+                </a:ln>
+                <a:solidFill>
+                  <a:srgbClr val="000000"/>
+                </a:solidFill>
+                <a:effectLst/>
+                <a:latin typeface="Consolas" panose="020B0609020204030204" pitchFamily="49" charset="0"/>
+                <a:cs typeface="Courier New" panose="02070309020205020404" pitchFamily="49" charset="0"/>
+              </a:rPr>
+            </a:br>
+            <a:r>
+              <a:rPr kumimoji="0" lang="en-US" altLang="en-US" sz="1600" b="0" i="0" u="none" strike="noStrike" cap="none" normalizeH="0" baseline="0" dirty="0" smtClean="0">
+                <a:ln>
+                  <a:noFill/>
+                </a:ln>
+                <a:solidFill>
+                  <a:srgbClr val="000000"/>
+                </a:solidFill>
+                <a:effectLst/>
+                <a:latin typeface="Consolas" panose="020B0609020204030204" pitchFamily="49" charset="0"/>
+                <a:cs typeface="Courier New" panose="02070309020205020404" pitchFamily="49" charset="0"/>
+              </a:rPr>
+              <a:t>    &lt;/</a:t>
+            </a:r>
+            <a:r>
+              <a:rPr kumimoji="0" lang="en-US" altLang="en-US" sz="1600" b="1" i="0" u="none" strike="noStrike" cap="none" normalizeH="0" baseline="0" dirty="0" smtClean="0">
+                <a:ln>
+                  <a:noFill/>
+                </a:ln>
+                <a:solidFill>
+                  <a:srgbClr val="000080"/>
+                </a:solidFill>
+                <a:effectLst/>
+                <a:latin typeface="Consolas" panose="020B0609020204030204" pitchFamily="49" charset="0"/>
+                <a:cs typeface="Courier New" panose="02070309020205020404" pitchFamily="49" charset="0"/>
+              </a:rPr>
+              <a:t>dependency</a:t>
+            </a:r>
+            <a:r>
+              <a:rPr kumimoji="0" lang="en-US" altLang="en-US" sz="1600" b="0" i="0" u="none" strike="noStrike" cap="none" normalizeH="0" baseline="0" dirty="0" smtClean="0">
+                <a:ln>
+                  <a:noFill/>
+                </a:ln>
+                <a:solidFill>
+                  <a:srgbClr val="000000"/>
+                </a:solidFill>
+                <a:effectLst/>
+                <a:latin typeface="Consolas" panose="020B0609020204030204" pitchFamily="49" charset="0"/>
+                <a:cs typeface="Courier New" panose="02070309020205020404" pitchFamily="49" charset="0"/>
+              </a:rPr>
+              <a:t>&gt;</a:t>
+            </a:r>
+            <a:br>
+              <a:rPr kumimoji="0" lang="en-US" altLang="en-US" sz="1600" b="0" i="0" u="none" strike="noStrike" cap="none" normalizeH="0" baseline="0" dirty="0" smtClean="0">
+                <a:ln>
+                  <a:noFill/>
+                </a:ln>
+                <a:solidFill>
+                  <a:srgbClr val="000000"/>
+                </a:solidFill>
+                <a:effectLst/>
+                <a:latin typeface="Consolas" panose="020B0609020204030204" pitchFamily="49" charset="0"/>
+                <a:cs typeface="Courier New" panose="02070309020205020404" pitchFamily="49" charset="0"/>
+              </a:rPr>
+            </a:br>
+            <a:r>
+              <a:rPr kumimoji="0" lang="en-US" altLang="en-US" sz="1600" b="0" i="0" u="none" strike="noStrike" cap="none" normalizeH="0" baseline="0" dirty="0" smtClean="0">
+                <a:ln>
+                  <a:noFill/>
+                </a:ln>
+                <a:solidFill>
+                  <a:srgbClr val="000000"/>
+                </a:solidFill>
+                <a:effectLst/>
+                <a:latin typeface="Consolas" panose="020B0609020204030204" pitchFamily="49" charset="0"/>
+                <a:cs typeface="Courier New" panose="02070309020205020404" pitchFamily="49" charset="0"/>
+              </a:rPr>
+              <a:t>&lt;/</a:t>
+            </a:r>
+            <a:r>
+              <a:rPr kumimoji="0" lang="en-US" altLang="en-US" sz="1600" b="1" i="0" u="none" strike="noStrike" cap="none" normalizeH="0" baseline="0" dirty="0" smtClean="0">
+                <a:ln>
+                  <a:noFill/>
+                </a:ln>
+                <a:solidFill>
+                  <a:srgbClr val="000080"/>
+                </a:solidFill>
+                <a:effectLst/>
+                <a:latin typeface="Consolas" panose="020B0609020204030204" pitchFamily="49" charset="0"/>
+                <a:cs typeface="Courier New" panose="02070309020205020404" pitchFamily="49" charset="0"/>
+              </a:rPr>
+              <a:t>dependencies</a:t>
+            </a:r>
+            <a:r>
+              <a:rPr kumimoji="0" lang="en-US" altLang="en-US" sz="1600" b="0" i="0" u="none" strike="noStrike" cap="none" normalizeH="0" baseline="0" dirty="0" smtClean="0">
+                <a:ln>
+                  <a:noFill/>
+                </a:ln>
+                <a:solidFill>
+                  <a:srgbClr val="000000"/>
+                </a:solidFill>
+                <a:effectLst/>
+                <a:latin typeface="Consolas" panose="020B0609020204030204" pitchFamily="49" charset="0"/>
+                <a:cs typeface="Courier New" panose="02070309020205020404" pitchFamily="49" charset="0"/>
+              </a:rPr>
+              <a:t>&gt;</a:t>
+            </a:r>
+            <a:endParaRPr kumimoji="0" lang="en-US" altLang="en-US" sz="4000" b="0" i="0" u="none" strike="noStrike" cap="none" normalizeH="0" baseline="0" dirty="0" smtClean="0">
+              <a:ln>
+                <a:noFill/>
+              </a:ln>
+              <a:solidFill>
+                <a:schemeClr val="tx1"/>
+              </a:solidFill>
+              <a:effectLst/>
+              <a:latin typeface="Consolas" panose="020B0609020204030204" pitchFamily="49" charset="0"/>
+            </a:endParaRPr>
+          </a:p>
+        </p:txBody>
+      </p:sp>
+    </p:spTree>
+    <p:extLst>
+      <p:ext uri="{BB962C8B-B14F-4D97-AF65-F5344CB8AC3E}">
+        <p14:creationId xmlns:p14="http://schemas.microsoft.com/office/powerpoint/2010/main" val="2875897125"/>
+      </p:ext>
+    </p:extLst>
+  </p:cSld>
+  <p:clrMapOvr>
+    <a:masterClrMapping/>
+  </p:clrMapOvr>
+  <p:timing>
+    <p:tnLst>
+      <p:par>
+        <p:cTn id="1" dur="indefinite" restart="never" nodeType="tmRoot"/>
+      </p:par>
+    </p:tnLst>
+  </p:timing>
+</p:sld>
+</file>
+
+<file path=ppt/slides/slide17.xml><?xml version="1.0" encoding="utf-8"?>
+<p:sld xmlns:a="http://schemas.openxmlformats.org/drawingml/2006/main" xmlns:r="http://schemas.openxmlformats.org/officeDocument/2006/relationships" xmlns:p="http://schemas.openxmlformats.org/presentationml/2006/main">
+  <p:cSld>
+    <p:spTree>
+      <p:nvGrpSpPr>
+        <p:cNvPr id="1" name=""/>
+        <p:cNvGrpSpPr/>
+        <p:nvPr/>
+      </p:nvGrpSpPr>
+      <p:grpSpPr>
+        <a:xfrm>
+          <a:off x="0" y="0"/>
+          <a:ext cx="0" cy="0"/>
+          <a:chOff x="0" y="0"/>
+          <a:chExt cx="0" cy="0"/>
+        </a:xfrm>
+      </p:grpSpPr>
+      <p:sp>
+        <p:nvSpPr>
+          <p:cNvPr id="2" name="Title 1"/>
+          <p:cNvSpPr>
+            <a:spLocks noGrp="1"/>
+          </p:cNvSpPr>
+          <p:nvPr>
+            <p:ph type="title"/>
+          </p:nvPr>
+        </p:nvSpPr>
+        <p:spPr/>
+        <p:txBody>
+          <a:bodyPr/>
+          <a:lstStyle/>
+          <a:p>
+            <a:r>
+              <a:rPr lang="en-US" dirty="0" smtClean="0"/>
+              <a:t>Let’s get started</a:t>
+            </a:r>
+            <a:r>
+              <a:rPr lang="en-NL" dirty="0" smtClean="0"/>
+              <a:t>…</a:t>
+            </a:r>
+            <a:endParaRPr lang="en-US" dirty="0"/>
+          </a:p>
+        </p:txBody>
+      </p:sp>
+      <p:sp>
+        <p:nvSpPr>
+          <p:cNvPr id="4" name="Rectangle 1"/>
+          <p:cNvSpPr>
+            <a:spLocks noGrp="1" noChangeArrowheads="1"/>
+          </p:cNvSpPr>
+          <p:nvPr>
+            <p:ph type="body" sz="quarter" idx="10"/>
+          </p:nvPr>
+        </p:nvSpPr>
+        <p:spPr bwMode="auto">
+          <a:xfrm>
+            <a:off x="1115062" y="2016000"/>
+            <a:ext cx="9360255" cy="4154984"/>
+          </a:xfrm>
+          <a:prstGeom prst="rect">
+            <a:avLst/>
+          </a:prstGeom>
+          <a:solidFill>
+            <a:srgbClr val="FFFFFF"/>
+          </a:solidFill>
+          <a:ln>
+            <a:noFill/>
+          </a:ln>
+          <a:effectLst/>
+          <a:extLst>
+            <a:ext uri="{91240B29-F687-4F45-9708-019B960494DF}">
+              <a14:hiddenLine xmlns:a14="http://schemas.microsoft.com/office/drawing/2010/main" w="9525">
+                <a:solidFill>
+                  <a:schemeClr val="tx1"/>
+                </a:solidFill>
+                <a:miter lim="800000"/>
+                <a:headEnd/>
+                <a:tailEnd/>
+              </a14:hiddenLine>
+            </a:ext>
+            <a:ext uri="{AF507438-7753-43E0-B8FC-AC1667EBCBE1}">
+              <a14:hiddenEffects xmlns:a14="http://schemas.microsoft.com/office/drawing/2010/main">
+                <a:effectLst>
+                  <a:outerShdw dist="35921" dir="2700000" algn="ctr" rotWithShape="0">
+                    <a:schemeClr val="bg2"/>
+                  </a:outerShdw>
+                </a:effectLst>
+              </a14:hiddenEffects>
+            </a:ext>
+          </a:extLst>
+        </p:spPr>
+        <p:txBody>
+          <a:bodyPr vert="horz" wrap="none" lIns="91440" tIns="45720" rIns="91440" bIns="45720" numCol="1" anchor="ctr" anchorCtr="0" compatLnSpc="1">
+            <a:prstTxWarp prst="textNoShape">
+              <a:avLst/>
+            </a:prstTxWarp>
+            <a:spAutoFit/>
+          </a:bodyPr>
+          <a:lstStyle/>
+          <a:p>
+            <a:pPr marL="0" marR="0" lvl="0" indent="0" algn="l" defTabSz="914400" rtl="0" eaLnBrk="0" fontAlgn="base" latinLnBrk="0" hangingPunct="0">
+              <a:lnSpc>
+                <a:spcPct val="100000"/>
+              </a:lnSpc>
+              <a:spcBef>
+                <a:spcPct val="0"/>
+              </a:spcBef>
+              <a:spcAft>
+                <a:spcPct val="0"/>
+              </a:spcAft>
+              <a:buClrTx/>
+              <a:buSzTx/>
+              <a:buFontTx/>
+              <a:buNone/>
+              <a:tabLst/>
+            </a:pPr>
+            <a:r>
               <a:rPr kumimoji="0" lang="en-US" altLang="en-US" sz="1200" b="0" i="0" u="none" strike="noStrike" cap="none" normalizeH="0" baseline="0" dirty="0" smtClean="0">
                 <a:ln>
                   <a:noFill/>
@@ -30759,7 +31087,7 @@
 </p:sld>
 </file>
 
-<file path=ppt/slides/slide17.xml><?xml version="1.0" encoding="utf-8"?>
+<file path=ppt/slides/slide18.xml><?xml version="1.0" encoding="utf-8"?>
 <p:sld xmlns:a="http://schemas.openxmlformats.org/drawingml/2006/main" xmlns:r="http://schemas.openxmlformats.org/officeDocument/2006/relationships" xmlns:p="http://schemas.openxmlformats.org/presentationml/2006/main">
   <p:cSld>
     <p:bg>
@@ -30828,66 +31156,6 @@
 </p:sld>
 </file>
 
-<file path=ppt/slides/slide18.xml><?xml version="1.0" encoding="utf-8"?>
-<p:sld xmlns:a="http://schemas.openxmlformats.org/drawingml/2006/main" xmlns:r="http://schemas.openxmlformats.org/officeDocument/2006/relationships" xmlns:p="http://schemas.openxmlformats.org/presentationml/2006/main">
-  <p:cSld>
-    <p:spTree>
-      <p:nvGrpSpPr>
-        <p:cNvPr id="1" name=""/>
-        <p:cNvGrpSpPr/>
-        <p:nvPr/>
-      </p:nvGrpSpPr>
-      <p:grpSpPr>
-        <a:xfrm>
-          <a:off x="0" y="0"/>
-          <a:ext cx="0" cy="0"/>
-          <a:chOff x="0" y="0"/>
-          <a:chExt cx="0" cy="0"/>
-        </a:xfrm>
-      </p:grpSpPr>
-      <p:sp>
-        <p:nvSpPr>
-          <p:cNvPr id="2" name="Title 1"/>
-          <p:cNvSpPr>
-            <a:spLocks noGrp="1"/>
-          </p:cNvSpPr>
-          <p:nvPr>
-            <p:ph type="title"/>
-          </p:nvPr>
-        </p:nvSpPr>
-        <p:spPr/>
-        <p:txBody>
-          <a:bodyPr/>
-          <a:lstStyle/>
-          <a:p>
-            <a:r>
-              <a:rPr lang="en-US" dirty="0" smtClean="0"/>
-              <a:t>Subtyping checker</a:t>
-            </a:r>
-            <a:endParaRPr lang="en-US" dirty="0"/>
-          </a:p>
-        </p:txBody>
-      </p:sp>
-    </p:spTree>
-    <p:extLst>
-      <p:ext uri="{BB962C8B-B14F-4D97-AF65-F5344CB8AC3E}">
-        <p14:creationId xmlns:p14="http://schemas.microsoft.com/office/powerpoint/2010/main" val="3932550140"/>
-      </p:ext>
-    </p:extLst>
-  </p:cSld>
-  <p:clrMapOvr>
-    <a:masterClrMapping/>
-  </p:clrMapOvr>
-  <p:timing>
-    <p:tnLst>
-      <p:par>
-        <p:cTn id="1" dur="indefinite" restart="never" nodeType="tmRoot"/>
-      </p:par>
-    </p:tnLst>
-  </p:timing>
-</p:sld>
-</file>
-
 <file path=ppt/slides/slide19.xml><?xml version="1.0" encoding="utf-8"?>
 <p:sld xmlns:a="http://schemas.openxmlformats.org/drawingml/2006/main" xmlns:r="http://schemas.openxmlformats.org/officeDocument/2006/relationships" xmlns:p="http://schemas.openxmlformats.org/presentationml/2006/main">
   <p:cSld>
@@ -30928,422 +31196,10 @@
           </a:p>
         </p:txBody>
       </p:sp>
-      <p:sp>
-        <p:nvSpPr>
-          <p:cNvPr id="11" name="Rectangle 2"/>
-          <p:cNvSpPr txBox="1">
-            <a:spLocks noChangeArrowheads="1"/>
-          </p:cNvSpPr>
-          <p:nvPr/>
-        </p:nvSpPr>
-        <p:spPr bwMode="auto">
-          <a:xfrm>
-            <a:off x="8132803" y="2745116"/>
-            <a:ext cx="1107996" cy="400110"/>
-          </a:xfrm>
-          <a:prstGeom prst="rect">
-            <a:avLst/>
-          </a:prstGeom>
-          <a:solidFill>
-            <a:srgbClr val="FFFFFF"/>
-          </a:solidFill>
-          <a:ln>
-            <a:noFill/>
-          </a:ln>
-          <a:effectLst/>
-          <a:extLst>
-            <a:ext uri="{91240B29-F687-4F45-9708-019B960494DF}">
-              <a14:hiddenLine xmlns:a14="http://schemas.microsoft.com/office/drawing/2010/main" w="9525">
-                <a:solidFill>
-                  <a:schemeClr val="tx1"/>
-                </a:solidFill>
-                <a:miter lim="800000"/>
-                <a:headEnd/>
-                <a:tailEnd/>
-              </a14:hiddenLine>
-            </a:ext>
-            <a:ext uri="{AF507438-7753-43E0-B8FC-AC1667EBCBE1}">
-              <a14:hiddenEffects xmlns:a14="http://schemas.microsoft.com/office/drawing/2010/main">
-                <a:effectLst>
-                  <a:outerShdw dist="35921" dir="2700000" algn="ctr" rotWithShape="0">
-                    <a:schemeClr val="bg2"/>
-                  </a:outerShdw>
-                </a:effectLst>
-              </a14:hiddenEffects>
-            </a:ext>
-          </a:extLst>
-        </p:spPr>
-        <p:txBody>
-          <a:bodyPr vert="horz" wrap="none" lIns="91440" tIns="45720" rIns="91440" bIns="45720" numCol="1" rtlCol="0" anchor="ctr" anchorCtr="0" compatLnSpc="1">
-            <a:prstTxWarp prst="textNoShape">
-              <a:avLst/>
-            </a:prstTxWarp>
-            <a:spAutoFit/>
-          </a:bodyPr>
-          <a:lstStyle>
-            <a:lvl1pPr marL="252000" indent="-252000" algn="l" defTabSz="914400" rtl="0" eaLnBrk="1" latinLnBrk="0" hangingPunct="1">
-              <a:lnSpc>
-                <a:spcPct val="120000"/>
-              </a:lnSpc>
-              <a:spcBef>
-                <a:spcPts val="0"/>
-              </a:spcBef>
-              <a:buClrTx/>
-              <a:buFont typeface="Arial" panose="020B0604020202020204" pitchFamily="34" charset="0"/>
-              <a:buChar char="•"/>
-              <a:defRPr sz="2400" kern="1200">
-                <a:solidFill>
-                  <a:schemeClr val="tx1"/>
-                </a:solidFill>
-                <a:latin typeface="+mn-lt"/>
-                <a:ea typeface="+mn-ea"/>
-                <a:cs typeface="+mn-cs"/>
-              </a:defRPr>
-            </a:lvl1pPr>
-            <a:lvl2pPr marL="504000" indent="-252000" algn="l" defTabSz="914400" rtl="0" eaLnBrk="1" latinLnBrk="0" hangingPunct="1">
-              <a:lnSpc>
-                <a:spcPct val="120000"/>
-              </a:lnSpc>
-              <a:spcBef>
-                <a:spcPts val="0"/>
-              </a:spcBef>
-              <a:buClrTx/>
-              <a:buFont typeface="Arial" panose="020B0604020202020204" pitchFamily="34" charset="0"/>
-              <a:buChar char="–"/>
-              <a:defRPr sz="2000" kern="1200">
-                <a:solidFill>
-                  <a:schemeClr val="tx1"/>
-                </a:solidFill>
-                <a:latin typeface="+mn-lt"/>
-                <a:ea typeface="+mn-ea"/>
-                <a:cs typeface="+mn-cs"/>
-              </a:defRPr>
-            </a:lvl2pPr>
-            <a:lvl3pPr marL="756000" indent="-252000" algn="l" defTabSz="914400" rtl="0" eaLnBrk="1" latinLnBrk="0" hangingPunct="1">
-              <a:lnSpc>
-                <a:spcPct val="120000"/>
-              </a:lnSpc>
-              <a:spcBef>
-                <a:spcPts val="0"/>
-              </a:spcBef>
-              <a:buClrTx/>
-              <a:buFont typeface="Arial" panose="020B0604020202020204" pitchFamily="34" charset="0"/>
-              <a:buChar char="›"/>
-              <a:defRPr sz="1800" kern="1200">
-                <a:solidFill>
-                  <a:schemeClr val="tx1"/>
-                </a:solidFill>
-                <a:latin typeface="+mn-lt"/>
-                <a:ea typeface="+mn-ea"/>
-                <a:cs typeface="+mn-cs"/>
-              </a:defRPr>
-            </a:lvl3pPr>
-            <a:lvl4pPr marL="1008000" indent="-252000" algn="l" defTabSz="914400" rtl="0" eaLnBrk="1" latinLnBrk="0" hangingPunct="1">
-              <a:lnSpc>
-                <a:spcPct val="120000"/>
-              </a:lnSpc>
-              <a:spcBef>
-                <a:spcPts val="0"/>
-              </a:spcBef>
-              <a:buClrTx/>
-              <a:buSzPct val="80000"/>
-              <a:buFont typeface="Arial" panose="020B0604020202020204" pitchFamily="34" charset="0"/>
-              <a:buChar char="□"/>
-              <a:defRPr sz="1800" kern="1200">
-                <a:solidFill>
-                  <a:schemeClr val="tx1"/>
-                </a:solidFill>
-                <a:latin typeface="+mn-lt"/>
-                <a:ea typeface="+mn-ea"/>
-                <a:cs typeface="+mn-cs"/>
-              </a:defRPr>
-            </a:lvl4pPr>
-            <a:lvl5pPr marL="1260000" indent="-252000" algn="l" defTabSz="914400" rtl="0" eaLnBrk="1" latinLnBrk="0" hangingPunct="1">
-              <a:lnSpc>
-                <a:spcPct val="120000"/>
-              </a:lnSpc>
-              <a:spcBef>
-                <a:spcPts val="0"/>
-              </a:spcBef>
-              <a:buClrTx/>
-              <a:buSzPct val="90000"/>
-              <a:buFont typeface="Arial" panose="020B0604020202020204" pitchFamily="34" charset="0"/>
-              <a:buChar char="○"/>
-              <a:defRPr sz="1800" b="0" kern="1200">
-                <a:solidFill>
-                  <a:schemeClr val="tx1"/>
-                </a:solidFill>
-                <a:latin typeface="+mn-lt"/>
-                <a:ea typeface="+mn-ea"/>
-                <a:cs typeface="+mn-cs"/>
-              </a:defRPr>
-            </a:lvl5pPr>
-            <a:lvl6pPr marL="1512000" indent="-252000" algn="l" defTabSz="914400" rtl="0" eaLnBrk="1" latinLnBrk="0" hangingPunct="1">
-              <a:lnSpc>
-                <a:spcPct val="120000"/>
-              </a:lnSpc>
-              <a:spcBef>
-                <a:spcPts val="0"/>
-              </a:spcBef>
-              <a:buFont typeface="Arial" panose="020B0604020202020204" pitchFamily="34" charset="0"/>
-              <a:buChar char="~"/>
-              <a:defRPr sz="1800" kern="1200">
-                <a:solidFill>
-                  <a:schemeClr val="tx1"/>
-                </a:solidFill>
-                <a:latin typeface="+mn-lt"/>
-                <a:ea typeface="+mn-ea"/>
-                <a:cs typeface="+mn-cs"/>
-              </a:defRPr>
-            </a:lvl6pPr>
-            <a:lvl7pPr marL="0" indent="0" algn="l" defTabSz="914400" rtl="0" eaLnBrk="1" latinLnBrk="0" hangingPunct="1">
-              <a:lnSpc>
-                <a:spcPct val="120000"/>
-              </a:lnSpc>
-              <a:spcBef>
-                <a:spcPts val="0"/>
-              </a:spcBef>
-              <a:buClr>
-                <a:schemeClr val="bg1"/>
-              </a:buClr>
-              <a:buSzPct val="25000"/>
-              <a:buFont typeface="Arial" panose="020B0604020202020204" pitchFamily="34" charset="0"/>
-              <a:buChar char="'"/>
-              <a:defRPr sz="2400" kern="1200">
-                <a:solidFill>
-                  <a:schemeClr val="tx1"/>
-                </a:solidFill>
-                <a:latin typeface="+mn-lt"/>
-                <a:ea typeface="+mn-ea"/>
-                <a:cs typeface="+mn-cs"/>
-              </a:defRPr>
-            </a:lvl7pPr>
-            <a:lvl8pPr marL="0" indent="0" algn="l" defTabSz="914400" rtl="0" eaLnBrk="1" latinLnBrk="0" hangingPunct="1">
-              <a:lnSpc>
-                <a:spcPct val="120000"/>
-              </a:lnSpc>
-              <a:spcBef>
-                <a:spcPts val="0"/>
-              </a:spcBef>
-              <a:buClr>
-                <a:schemeClr val="bg1"/>
-              </a:buClr>
-              <a:buSzPct val="25000"/>
-              <a:buFont typeface="Arial" panose="020B0604020202020204" pitchFamily="34" charset="0"/>
-              <a:buChar char="'"/>
-              <a:defRPr sz="2400" b="1" kern="1200">
-                <a:solidFill>
-                  <a:schemeClr val="tx1"/>
-                </a:solidFill>
-                <a:latin typeface="+mn-lt"/>
-                <a:ea typeface="+mn-ea"/>
-                <a:cs typeface="+mn-cs"/>
-              </a:defRPr>
-            </a:lvl8pPr>
-            <a:lvl9pPr marL="360000" indent="-360000" algn="l" defTabSz="914400" rtl="0" eaLnBrk="1" latinLnBrk="0" hangingPunct="1">
-              <a:lnSpc>
-                <a:spcPct val="120000"/>
-              </a:lnSpc>
-              <a:spcBef>
-                <a:spcPts val="0"/>
-              </a:spcBef>
-              <a:buFont typeface="+mj-lt"/>
-              <a:buAutoNum type="arabicPeriod"/>
-              <a:defRPr sz="2400" kern="1200">
-                <a:solidFill>
-                  <a:schemeClr val="tx1"/>
-                </a:solidFill>
-                <a:latin typeface="+mn-lt"/>
-                <a:ea typeface="+mn-ea"/>
-                <a:cs typeface="+mn-cs"/>
-              </a:defRPr>
-            </a:lvl9pPr>
-          </a:lstStyle>
-          <a:p>
-            <a:pPr marL="0" indent="0" eaLnBrk="0" fontAlgn="base" hangingPunct="0">
-              <a:lnSpc>
-                <a:spcPct val="100000"/>
-              </a:lnSpc>
-              <a:spcBef>
-                <a:spcPct val="0"/>
-              </a:spcBef>
-              <a:spcAft>
-                <a:spcPct val="0"/>
-              </a:spcAft>
-              <a:buFontTx/>
-              <a:buNone/>
-            </a:pPr>
-            <a:r>
-              <a:rPr lang="en-US" altLang="en-US" sz="2000" dirty="0" smtClean="0">
-                <a:solidFill>
-                  <a:srgbClr val="808000"/>
-                </a:solidFill>
-                <a:latin typeface="Courier New" panose="02070309020205020404" pitchFamily="49" charset="0"/>
-                <a:cs typeface="Courier New" panose="02070309020205020404" pitchFamily="49" charset="0"/>
-              </a:rPr>
-              <a:t>Animal</a:t>
-            </a:r>
-            <a:endParaRPr lang="en-US" altLang="en-US" sz="1800" dirty="0" smtClean="0">
-              <a:latin typeface="Arial" panose="020B0604020202020204" pitchFamily="34" charset="0"/>
-            </a:endParaRPr>
-          </a:p>
-        </p:txBody>
-      </p:sp>
-      <p:sp>
-        <p:nvSpPr>
-          <p:cNvPr id="12" name="Rectangle 3"/>
-          <p:cNvSpPr>
-            <a:spLocks noChangeArrowheads="1"/>
-          </p:cNvSpPr>
-          <p:nvPr/>
-        </p:nvSpPr>
-        <p:spPr bwMode="auto">
-          <a:xfrm>
-            <a:off x="7907868" y="4632229"/>
-            <a:ext cx="1557866" cy="400110"/>
-          </a:xfrm>
-          <a:prstGeom prst="rect">
-            <a:avLst/>
-          </a:prstGeom>
-          <a:solidFill>
-            <a:srgbClr val="FFFFFF"/>
-          </a:solidFill>
-          <a:ln>
-            <a:noFill/>
-          </a:ln>
-          <a:effectLst/>
-          <a:extLst>
-            <a:ext uri="{91240B29-F687-4F45-9708-019B960494DF}">
-              <a14:hiddenLine xmlns:a14="http://schemas.microsoft.com/office/drawing/2010/main" w="9525">
-                <a:solidFill>
-                  <a:schemeClr val="tx1"/>
-                </a:solidFill>
-                <a:miter lim="800000"/>
-                <a:headEnd/>
-                <a:tailEnd/>
-              </a14:hiddenLine>
-            </a:ext>
-            <a:ext uri="{AF507438-7753-43E0-B8FC-AC1667EBCBE1}">
-              <a14:hiddenEffects xmlns:a14="http://schemas.microsoft.com/office/drawing/2010/main">
-                <a:effectLst>
-                  <a:outerShdw dist="35921" dir="2700000" algn="ctr" rotWithShape="0">
-                    <a:schemeClr val="bg2"/>
-                  </a:outerShdw>
-                </a:effectLst>
-              </a14:hiddenEffects>
-            </a:ext>
-          </a:extLst>
-        </p:spPr>
-        <p:txBody>
-          <a:bodyPr vert="horz" wrap="square" lIns="91440" tIns="45720" rIns="91440" bIns="45720" numCol="1" anchor="ctr" anchorCtr="0" compatLnSpc="1">
-            <a:prstTxWarp prst="textNoShape">
-              <a:avLst/>
-            </a:prstTxWarp>
-            <a:spAutoFit/>
-          </a:bodyPr>
-          <a:lstStyle/>
-          <a:p>
-            <a:pPr marL="0" marR="0" lvl="0" indent="0" algn="ctr" defTabSz="914400" rtl="0" eaLnBrk="0" fontAlgn="base" latinLnBrk="0" hangingPunct="0">
-              <a:lnSpc>
-                <a:spcPct val="100000"/>
-              </a:lnSpc>
-              <a:spcBef>
-                <a:spcPct val="0"/>
-              </a:spcBef>
-              <a:spcAft>
-                <a:spcPct val="0"/>
-              </a:spcAft>
-              <a:buClrTx/>
-              <a:buSzTx/>
-              <a:buFontTx/>
-              <a:buNone/>
-              <a:tabLst/>
-            </a:pPr>
-            <a:r>
-              <a:rPr kumimoji="0" lang="en-US" altLang="en-US" sz="2000" b="0" i="0" u="none" strike="noStrike" cap="none" normalizeH="0" baseline="0" dirty="0" smtClean="0">
-                <a:ln>
-                  <a:noFill/>
-                </a:ln>
-                <a:solidFill>
-                  <a:srgbClr val="808000"/>
-                </a:solidFill>
-                <a:effectLst/>
-                <a:latin typeface="Courier New" panose="02070309020205020404" pitchFamily="49" charset="0"/>
-                <a:cs typeface="Courier New" panose="02070309020205020404" pitchFamily="49" charset="0"/>
-              </a:rPr>
-              <a:t>Cat</a:t>
-            </a:r>
-            <a:endParaRPr kumimoji="0" lang="en-US" altLang="en-US" sz="1800" b="0" i="0" u="none" strike="noStrike" cap="none" normalizeH="0" baseline="0" dirty="0" smtClean="0">
-              <a:ln>
-                <a:noFill/>
-              </a:ln>
-              <a:solidFill>
-                <a:schemeClr val="tx1"/>
-              </a:solidFill>
-              <a:effectLst/>
-              <a:latin typeface="Arial" panose="020B0604020202020204" pitchFamily="34" charset="0"/>
-            </a:endParaRPr>
-          </a:p>
-        </p:txBody>
-      </p:sp>
-      <p:cxnSp>
-        <p:nvCxnSpPr>
-          <p:cNvPr id="13" name="Straight Arrow Connector 12"/>
-          <p:cNvCxnSpPr>
-            <a:stCxn id="12" idx="0"/>
-          </p:cNvCxnSpPr>
-          <p:nvPr/>
-        </p:nvCxnSpPr>
-        <p:spPr>
-          <a:xfrm flipV="1">
-            <a:off x="8686801" y="3145227"/>
-            <a:ext cx="0" cy="1487002"/>
-          </a:xfrm>
-          <a:prstGeom prst="straightConnector1">
-            <a:avLst/>
-          </a:prstGeom>
-          <a:ln>
-            <a:tailEnd type="triangle"/>
-          </a:ln>
-        </p:spPr>
-        <p:style>
-          <a:lnRef idx="1">
-            <a:schemeClr val="accent1"/>
-          </a:lnRef>
-          <a:fillRef idx="0">
-            <a:schemeClr val="accent1"/>
-          </a:fillRef>
-          <a:effectRef idx="0">
-            <a:schemeClr val="accent1"/>
-          </a:effectRef>
-          <a:fontRef idx="minor">
-            <a:schemeClr val="tx1"/>
-          </a:fontRef>
-        </p:style>
-      </p:cxnSp>
-      <p:sp>
-        <p:nvSpPr>
-          <p:cNvPr id="14" name="Text Placeholder 13"/>
-          <p:cNvSpPr>
-            <a:spLocks noGrp="1"/>
-          </p:cNvSpPr>
-          <p:nvPr>
-            <p:ph type="body" sz="quarter" idx="10"/>
-          </p:nvPr>
-        </p:nvSpPr>
-        <p:spPr/>
-        <p:txBody>
-          <a:bodyPr/>
-          <a:lstStyle/>
-          <a:p>
-            <a:endParaRPr lang="en-US" dirty="0"/>
-          </a:p>
-        </p:txBody>
-      </p:sp>
     </p:spTree>
     <p:extLst>
       <p:ext uri="{BB962C8B-B14F-4D97-AF65-F5344CB8AC3E}">
-        <p14:creationId xmlns:p14="http://schemas.microsoft.com/office/powerpoint/2010/main" val="4014140102"/>
+        <p14:creationId xmlns:p14="http://schemas.microsoft.com/office/powerpoint/2010/main" val="3932550140"/>
       </p:ext>
     </p:extLst>
   </p:cSld>
@@ -31650,18 +31506,16 @@
       </p:sp>
       <p:sp>
         <p:nvSpPr>
-          <p:cNvPr id="5" name="Rectangle 2"/>
-          <p:cNvSpPr>
-            <a:spLocks noGrp="1" noChangeArrowheads="1"/>
+          <p:cNvPr id="11" name="Rectangle 2"/>
+          <p:cNvSpPr txBox="1">
+            <a:spLocks noChangeArrowheads="1"/>
           </p:cNvSpPr>
-          <p:nvPr>
-            <p:ph type="body" sz="quarter" idx="10"/>
-          </p:nvPr>
+          <p:nvPr/>
         </p:nvSpPr>
         <p:spPr bwMode="auto">
           <a:xfrm>
-            <a:off x="2354334" y="2745116"/>
-            <a:ext cx="3262432" cy="400110"/>
+            <a:off x="8859195" y="2693841"/>
+            <a:ext cx="1107996" cy="400110"/>
           </a:xfrm>
           <a:prstGeom prst="rect">
             <a:avLst/>
@@ -31696,15 +31550,193 @@
           </a:extLst>
         </p:spPr>
         <p:txBody>
-          <a:bodyPr vert="horz" wrap="none" lIns="91440" tIns="45720" rIns="91440" bIns="45720" numCol="1" anchor="ctr" anchorCtr="0" compatLnSpc="1">
+          <a:bodyPr vert="horz" wrap="none" lIns="91440" tIns="45720" rIns="91440" bIns="45720" numCol="1" rtlCol="0" anchor="ctr" anchorCtr="0" compatLnSpc="1">
             <a:prstTxWarp prst="textNoShape">
               <a:avLst/>
             </a:prstTxWarp>
             <a:spAutoFit/>
           </a:bodyPr>
-          <a:lstStyle/>
-          <a:p>
-            <a:pPr marL="0" marR="0" lvl="0" indent="0" algn="l" defTabSz="914400" rtl="0" eaLnBrk="0" fontAlgn="base" latinLnBrk="0" hangingPunct="0">
+          <a:lstStyle>
+            <a:lvl1pPr marL="252000" indent="-252000" algn="l" defTabSz="914400" rtl="0" eaLnBrk="1" latinLnBrk="0" hangingPunct="1">
+              <a:lnSpc>
+                <a:spcPct val="120000"/>
+              </a:lnSpc>
+              <a:spcBef>
+                <a:spcPts val="0"/>
+              </a:spcBef>
+              <a:buClrTx/>
+              <a:buFont typeface="Arial" panose="020B0604020202020204" pitchFamily="34" charset="0"/>
+              <a:buChar char="•"/>
+              <a:defRPr sz="2400" kern="1200">
+                <a:solidFill>
+                  <a:schemeClr val="tx1"/>
+                </a:solidFill>
+                <a:latin typeface="+mn-lt"/>
+                <a:ea typeface="+mn-ea"/>
+                <a:cs typeface="+mn-cs"/>
+              </a:defRPr>
+            </a:lvl1pPr>
+            <a:lvl2pPr marL="504000" indent="-252000" algn="l" defTabSz="914400" rtl="0" eaLnBrk="1" latinLnBrk="0" hangingPunct="1">
+              <a:lnSpc>
+                <a:spcPct val="120000"/>
+              </a:lnSpc>
+              <a:spcBef>
+                <a:spcPts val="0"/>
+              </a:spcBef>
+              <a:buClrTx/>
+              <a:buFont typeface="Arial" panose="020B0604020202020204" pitchFamily="34" charset="0"/>
+              <a:buChar char="–"/>
+              <a:defRPr sz="2000" kern="1200">
+                <a:solidFill>
+                  <a:schemeClr val="tx1"/>
+                </a:solidFill>
+                <a:latin typeface="+mn-lt"/>
+                <a:ea typeface="+mn-ea"/>
+                <a:cs typeface="+mn-cs"/>
+              </a:defRPr>
+            </a:lvl2pPr>
+            <a:lvl3pPr marL="756000" indent="-252000" algn="l" defTabSz="914400" rtl="0" eaLnBrk="1" latinLnBrk="0" hangingPunct="1">
+              <a:lnSpc>
+                <a:spcPct val="120000"/>
+              </a:lnSpc>
+              <a:spcBef>
+                <a:spcPts val="0"/>
+              </a:spcBef>
+              <a:buClrTx/>
+              <a:buFont typeface="Arial" panose="020B0604020202020204" pitchFamily="34" charset="0"/>
+              <a:buChar char="›"/>
+              <a:defRPr sz="1800" kern="1200">
+                <a:solidFill>
+                  <a:schemeClr val="tx1"/>
+                </a:solidFill>
+                <a:latin typeface="+mn-lt"/>
+                <a:ea typeface="+mn-ea"/>
+                <a:cs typeface="+mn-cs"/>
+              </a:defRPr>
+            </a:lvl3pPr>
+            <a:lvl4pPr marL="1008000" indent="-252000" algn="l" defTabSz="914400" rtl="0" eaLnBrk="1" latinLnBrk="0" hangingPunct="1">
+              <a:lnSpc>
+                <a:spcPct val="120000"/>
+              </a:lnSpc>
+              <a:spcBef>
+                <a:spcPts val="0"/>
+              </a:spcBef>
+              <a:buClrTx/>
+              <a:buSzPct val="80000"/>
+              <a:buFont typeface="Arial" panose="020B0604020202020204" pitchFamily="34" charset="0"/>
+              <a:buChar char="□"/>
+              <a:defRPr sz="1800" kern="1200">
+                <a:solidFill>
+                  <a:schemeClr val="tx1"/>
+                </a:solidFill>
+                <a:latin typeface="+mn-lt"/>
+                <a:ea typeface="+mn-ea"/>
+                <a:cs typeface="+mn-cs"/>
+              </a:defRPr>
+            </a:lvl4pPr>
+            <a:lvl5pPr marL="1260000" indent="-252000" algn="l" defTabSz="914400" rtl="0" eaLnBrk="1" latinLnBrk="0" hangingPunct="1">
+              <a:lnSpc>
+                <a:spcPct val="120000"/>
+              </a:lnSpc>
+              <a:spcBef>
+                <a:spcPts val="0"/>
+              </a:spcBef>
+              <a:buClrTx/>
+              <a:buSzPct val="90000"/>
+              <a:buFont typeface="Arial" panose="020B0604020202020204" pitchFamily="34" charset="0"/>
+              <a:buChar char="○"/>
+              <a:defRPr sz="1800" b="0" kern="1200">
+                <a:solidFill>
+                  <a:schemeClr val="tx1"/>
+                </a:solidFill>
+                <a:latin typeface="+mn-lt"/>
+                <a:ea typeface="+mn-ea"/>
+                <a:cs typeface="+mn-cs"/>
+              </a:defRPr>
+            </a:lvl5pPr>
+            <a:lvl6pPr marL="1512000" indent="-252000" algn="l" defTabSz="914400" rtl="0" eaLnBrk="1" latinLnBrk="0" hangingPunct="1">
+              <a:lnSpc>
+                <a:spcPct val="120000"/>
+              </a:lnSpc>
+              <a:spcBef>
+                <a:spcPts val="0"/>
+              </a:spcBef>
+              <a:buFont typeface="Arial" panose="020B0604020202020204" pitchFamily="34" charset="0"/>
+              <a:buChar char="~"/>
+              <a:defRPr sz="1800" kern="1200">
+                <a:solidFill>
+                  <a:schemeClr val="tx1"/>
+                </a:solidFill>
+                <a:latin typeface="+mn-lt"/>
+                <a:ea typeface="+mn-ea"/>
+                <a:cs typeface="+mn-cs"/>
+              </a:defRPr>
+            </a:lvl6pPr>
+            <a:lvl7pPr marL="0" indent="0" algn="l" defTabSz="914400" rtl="0" eaLnBrk="1" latinLnBrk="0" hangingPunct="1">
+              <a:lnSpc>
+                <a:spcPct val="120000"/>
+              </a:lnSpc>
+              <a:spcBef>
+                <a:spcPts val="0"/>
+              </a:spcBef>
+              <a:buClr>
+                <a:schemeClr val="bg1"/>
+              </a:buClr>
+              <a:buSzPct val="25000"/>
+              <a:buFont typeface="Arial" panose="020B0604020202020204" pitchFamily="34" charset="0"/>
+              <a:buChar char="'"/>
+              <a:defRPr sz="2400" kern="1200">
+                <a:solidFill>
+                  <a:schemeClr val="tx1"/>
+                </a:solidFill>
+                <a:latin typeface="+mn-lt"/>
+                <a:ea typeface="+mn-ea"/>
+                <a:cs typeface="+mn-cs"/>
+              </a:defRPr>
+            </a:lvl7pPr>
+            <a:lvl8pPr marL="0" indent="0" algn="l" defTabSz="914400" rtl="0" eaLnBrk="1" latinLnBrk="0" hangingPunct="1">
+              <a:lnSpc>
+                <a:spcPct val="120000"/>
+              </a:lnSpc>
+              <a:spcBef>
+                <a:spcPts val="0"/>
+              </a:spcBef>
+              <a:buClr>
+                <a:schemeClr val="bg1"/>
+              </a:buClr>
+              <a:buSzPct val="25000"/>
+              <a:buFont typeface="Arial" panose="020B0604020202020204" pitchFamily="34" charset="0"/>
+              <a:buChar char="'"/>
+              <a:defRPr sz="2400" b="1" kern="1200">
+                <a:solidFill>
+                  <a:schemeClr val="tx1"/>
+                </a:solidFill>
+                <a:latin typeface="+mn-lt"/>
+                <a:ea typeface="+mn-ea"/>
+                <a:cs typeface="+mn-cs"/>
+              </a:defRPr>
+            </a:lvl8pPr>
+            <a:lvl9pPr marL="360000" indent="-360000" algn="l" defTabSz="914400" rtl="0" eaLnBrk="1" latinLnBrk="0" hangingPunct="1">
+              <a:lnSpc>
+                <a:spcPct val="120000"/>
+              </a:lnSpc>
+              <a:spcBef>
+                <a:spcPts val="0"/>
+              </a:spcBef>
+              <a:buFont typeface="+mj-lt"/>
+              <a:buAutoNum type="arabicPeriod"/>
+              <a:defRPr sz="2400" kern="1200">
+                <a:solidFill>
+                  <a:schemeClr val="tx1"/>
+                </a:solidFill>
+                <a:latin typeface="+mn-lt"/>
+                <a:ea typeface="+mn-ea"/>
+                <a:cs typeface="+mn-cs"/>
+              </a:defRPr>
+            </a:lvl9pPr>
+          </a:lstStyle>
+          <a:p>
+            <a:pPr marL="0" indent="0" eaLnBrk="0" fontAlgn="base" hangingPunct="0">
               <a:lnSpc>
                 <a:spcPct val="100000"/>
               </a:lnSpc>
@@ -31714,48 +31746,20 @@
               <a:spcAft>
                 <a:spcPct val="0"/>
               </a:spcAft>
-              <a:buClrTx/>
-              <a:buSzTx/>
               <a:buFontTx/>
               <a:buNone/>
-              <a:tabLst/>
-            </a:pPr>
-            <a:r>
-              <a:rPr kumimoji="0" lang="en-US" altLang="en-US" sz="2000" b="0" i="0" u="none" strike="noStrike" cap="none" normalizeH="0" baseline="0" dirty="0" smtClean="0">
-                <a:ln>
-                  <a:noFill/>
-                </a:ln>
+            </a:pPr>
+            <a:r>
+              <a:rPr lang="en-US" altLang="en-US" sz="2000" dirty="0" smtClean="0">
                 <a:solidFill>
                   <a:srgbClr val="808000"/>
                 </a:solidFill>
-                <a:effectLst/>
                 <a:latin typeface="Courier New" panose="02070309020205020404" pitchFamily="49" charset="0"/>
                 <a:cs typeface="Courier New" panose="02070309020205020404" pitchFamily="49" charset="0"/>
               </a:rPr>
-              <a:t>@</a:t>
-            </a:r>
-            <a:r>
-              <a:rPr kumimoji="0" lang="en-US" altLang="en-US" sz="2000" b="0" i="0" u="none" strike="noStrike" cap="none" normalizeH="0" baseline="0" dirty="0" err="1" smtClean="0">
-                <a:ln>
-                  <a:noFill/>
-                </a:ln>
-                <a:solidFill>
-                  <a:srgbClr val="808000"/>
-                </a:solidFill>
-                <a:effectLst/>
-                <a:latin typeface="Courier New" panose="02070309020205020404" pitchFamily="49" charset="0"/>
-                <a:cs typeface="Courier New" panose="02070309020205020404" pitchFamily="49" charset="0"/>
-              </a:rPr>
-              <a:t>PossiblyUnencrypted</a:t>
-            </a:r>
-            <a:endParaRPr kumimoji="0" lang="en-US" altLang="en-US" sz="1800" b="0" i="0" u="none" strike="noStrike" cap="none" normalizeH="0" baseline="0" dirty="0" smtClean="0">
-              <a:ln>
-                <a:noFill/>
-              </a:ln>
-              <a:solidFill>
-                <a:schemeClr val="tx1"/>
-              </a:solidFill>
-              <a:effectLst/>
+              <a:t>Animal</a:t>
+            </a:r>
+            <a:endParaRPr lang="en-US" altLang="en-US" sz="1800" dirty="0" smtClean="0">
               <a:latin typeface="Arial" panose="020B0604020202020204" pitchFamily="34" charset="0"/>
             </a:endParaRPr>
           </a:p>
@@ -31763,7 +31767,7 @@
       </p:sp>
       <p:sp>
         <p:nvSpPr>
-          <p:cNvPr id="6" name="Rectangle 3"/>
+          <p:cNvPr id="12" name="Rectangle 3"/>
           <p:cNvSpPr>
             <a:spLocks noChangeArrowheads="1"/>
           </p:cNvSpPr>
@@ -31771,8 +31775,8 @@
         </p:nvSpPr>
         <p:spPr bwMode="auto">
           <a:xfrm>
-            <a:off x="3031067" y="4632229"/>
-            <a:ext cx="1710265" cy="400110"/>
+            <a:off x="8634260" y="4580954"/>
+            <a:ext cx="1557866" cy="400110"/>
           </a:xfrm>
           <a:prstGeom prst="rect">
             <a:avLst/>
@@ -31815,7 +31819,7 @@
           </a:bodyPr>
           <a:lstStyle/>
           <a:p>
-            <a:pPr marL="0" marR="0" lvl="0" indent="0" algn="l" defTabSz="914400" rtl="0" eaLnBrk="0" fontAlgn="base" latinLnBrk="0" hangingPunct="0">
+            <a:pPr marL="0" marR="0" lvl="0" indent="0" algn="ctr" defTabSz="914400" rtl="0" eaLnBrk="0" fontAlgn="base" latinLnBrk="0" hangingPunct="0">
               <a:lnSpc>
                 <a:spcPct val="100000"/>
               </a:lnSpc>
@@ -31843,7 +31847,7 @@
                 <a:latin typeface="Courier New" panose="02070309020205020404" pitchFamily="49" charset="0"/>
                 <a:cs typeface="Courier New" panose="02070309020205020404" pitchFamily="49" charset="0"/>
               </a:rPr>
-              <a:t>@Encrypted</a:t>
+              <a:t>Cat</a:t>
             </a:r>
             <a:endParaRPr kumimoji="0" lang="en-US" altLang="en-US" sz="1800" b="0" i="0" u="none" strike="noStrike" cap="none" normalizeH="0" baseline="0" dirty="0" smtClean="0">
               <a:ln>
@@ -31860,15 +31864,15 @@
       </p:sp>
       <p:cxnSp>
         <p:nvCxnSpPr>
-          <p:cNvPr id="8" name="Straight Arrow Connector 7"/>
+          <p:cNvPr id="13" name="Straight Arrow Connector 12"/>
           <p:cNvCxnSpPr>
-            <a:stCxn id="6" idx="0"/>
+            <a:stCxn id="12" idx="0"/>
           </p:cNvCxnSpPr>
           <p:nvPr/>
         </p:nvCxnSpPr>
         <p:spPr>
           <a:xfrm flipV="1">
-            <a:off x="3810001" y="3145227"/>
+            <a:off x="9413193" y="3093952"/>
             <a:ext cx="0" cy="1487002"/>
           </a:xfrm>
           <a:prstGeom prst="straightConnector1">
@@ -31895,401 +31899,27 @@
       </p:cxnSp>
       <p:sp>
         <p:nvSpPr>
-          <p:cNvPr id="11" name="Rectangle 2"/>
-          <p:cNvSpPr txBox="1">
-            <a:spLocks noChangeArrowheads="1"/>
+          <p:cNvPr id="3" name="Text Placeholder 2"/>
+          <p:cNvSpPr>
+            <a:spLocks noGrp="1"/>
           </p:cNvSpPr>
-          <p:nvPr/>
+          <p:nvPr>
+            <p:ph type="body" sz="quarter" idx="10"/>
+          </p:nvPr>
         </p:nvSpPr>
-        <p:spPr bwMode="auto">
-          <a:xfrm>
-            <a:off x="8132803" y="2745116"/>
-            <a:ext cx="1107996" cy="400110"/>
-          </a:xfrm>
-          <a:prstGeom prst="rect">
-            <a:avLst/>
-          </a:prstGeom>
-          <a:solidFill>
-            <a:srgbClr val="FFFFFF"/>
-          </a:solidFill>
-          <a:ln>
-            <a:noFill/>
-          </a:ln>
-          <a:effectLst/>
-          <a:extLst>
-            <a:ext uri="{91240B29-F687-4F45-9708-019B960494DF}">
-              <a14:hiddenLine xmlns:a14="http://schemas.microsoft.com/office/drawing/2010/main" w="9525">
-                <a:solidFill>
-                  <a:schemeClr val="tx1"/>
-                </a:solidFill>
-                <a:miter lim="800000"/>
-                <a:headEnd/>
-                <a:tailEnd/>
-              </a14:hiddenLine>
-            </a:ext>
-            <a:ext uri="{AF507438-7753-43E0-B8FC-AC1667EBCBE1}">
-              <a14:hiddenEffects xmlns:a14="http://schemas.microsoft.com/office/drawing/2010/main">
-                <a:effectLst>
-                  <a:outerShdw dist="35921" dir="2700000" algn="ctr" rotWithShape="0">
-                    <a:schemeClr val="bg2"/>
-                  </a:outerShdw>
-                </a:effectLst>
-              </a14:hiddenEffects>
-            </a:ext>
-          </a:extLst>
-        </p:spPr>
+        <p:spPr/>
         <p:txBody>
-          <a:bodyPr vert="horz" wrap="none" lIns="91440" tIns="45720" rIns="91440" bIns="45720" numCol="1" rtlCol="0" anchor="ctr" anchorCtr="0" compatLnSpc="1">
-            <a:prstTxWarp prst="textNoShape">
-              <a:avLst/>
-            </a:prstTxWarp>
-            <a:spAutoFit/>
-          </a:bodyPr>
-          <a:lstStyle>
-            <a:lvl1pPr marL="252000" indent="-252000" algn="l" defTabSz="914400" rtl="0" eaLnBrk="1" latinLnBrk="0" hangingPunct="1">
-              <a:lnSpc>
-                <a:spcPct val="120000"/>
-              </a:lnSpc>
-              <a:spcBef>
-                <a:spcPts val="0"/>
-              </a:spcBef>
-              <a:buClrTx/>
-              <a:buFont typeface="Arial" panose="020B0604020202020204" pitchFamily="34" charset="0"/>
-              <a:buChar char="•"/>
-              <a:defRPr sz="2400" kern="1200">
-                <a:solidFill>
-                  <a:schemeClr val="tx1"/>
-                </a:solidFill>
-                <a:latin typeface="+mn-lt"/>
-                <a:ea typeface="+mn-ea"/>
-                <a:cs typeface="+mn-cs"/>
-              </a:defRPr>
-            </a:lvl1pPr>
-            <a:lvl2pPr marL="504000" indent="-252000" algn="l" defTabSz="914400" rtl="0" eaLnBrk="1" latinLnBrk="0" hangingPunct="1">
-              <a:lnSpc>
-                <a:spcPct val="120000"/>
-              </a:lnSpc>
-              <a:spcBef>
-                <a:spcPts val="0"/>
-              </a:spcBef>
-              <a:buClrTx/>
-              <a:buFont typeface="Arial" panose="020B0604020202020204" pitchFamily="34" charset="0"/>
-              <a:buChar char="–"/>
-              <a:defRPr sz="2000" kern="1200">
-                <a:solidFill>
-                  <a:schemeClr val="tx1"/>
-                </a:solidFill>
-                <a:latin typeface="+mn-lt"/>
-                <a:ea typeface="+mn-ea"/>
-                <a:cs typeface="+mn-cs"/>
-              </a:defRPr>
-            </a:lvl2pPr>
-            <a:lvl3pPr marL="756000" indent="-252000" algn="l" defTabSz="914400" rtl="0" eaLnBrk="1" latinLnBrk="0" hangingPunct="1">
-              <a:lnSpc>
-                <a:spcPct val="120000"/>
-              </a:lnSpc>
-              <a:spcBef>
-                <a:spcPts val="0"/>
-              </a:spcBef>
-              <a:buClrTx/>
-              <a:buFont typeface="Arial" panose="020B0604020202020204" pitchFamily="34" charset="0"/>
-              <a:buChar char="›"/>
-              <a:defRPr sz="1800" kern="1200">
-                <a:solidFill>
-                  <a:schemeClr val="tx1"/>
-                </a:solidFill>
-                <a:latin typeface="+mn-lt"/>
-                <a:ea typeface="+mn-ea"/>
-                <a:cs typeface="+mn-cs"/>
-              </a:defRPr>
-            </a:lvl3pPr>
-            <a:lvl4pPr marL="1008000" indent="-252000" algn="l" defTabSz="914400" rtl="0" eaLnBrk="1" latinLnBrk="0" hangingPunct="1">
-              <a:lnSpc>
-                <a:spcPct val="120000"/>
-              </a:lnSpc>
-              <a:spcBef>
-                <a:spcPts val="0"/>
-              </a:spcBef>
-              <a:buClrTx/>
-              <a:buSzPct val="80000"/>
-              <a:buFont typeface="Arial" panose="020B0604020202020204" pitchFamily="34" charset="0"/>
-              <a:buChar char="□"/>
-              <a:defRPr sz="1800" kern="1200">
-                <a:solidFill>
-                  <a:schemeClr val="tx1"/>
-                </a:solidFill>
-                <a:latin typeface="+mn-lt"/>
-                <a:ea typeface="+mn-ea"/>
-                <a:cs typeface="+mn-cs"/>
-              </a:defRPr>
-            </a:lvl4pPr>
-            <a:lvl5pPr marL="1260000" indent="-252000" algn="l" defTabSz="914400" rtl="0" eaLnBrk="1" latinLnBrk="0" hangingPunct="1">
-              <a:lnSpc>
-                <a:spcPct val="120000"/>
-              </a:lnSpc>
-              <a:spcBef>
-                <a:spcPts val="0"/>
-              </a:spcBef>
-              <a:buClrTx/>
-              <a:buSzPct val="90000"/>
-              <a:buFont typeface="Arial" panose="020B0604020202020204" pitchFamily="34" charset="0"/>
-              <a:buChar char="○"/>
-              <a:defRPr sz="1800" b="0" kern="1200">
-                <a:solidFill>
-                  <a:schemeClr val="tx1"/>
-                </a:solidFill>
-                <a:latin typeface="+mn-lt"/>
-                <a:ea typeface="+mn-ea"/>
-                <a:cs typeface="+mn-cs"/>
-              </a:defRPr>
-            </a:lvl5pPr>
-            <a:lvl6pPr marL="1512000" indent="-252000" algn="l" defTabSz="914400" rtl="0" eaLnBrk="1" latinLnBrk="0" hangingPunct="1">
-              <a:lnSpc>
-                <a:spcPct val="120000"/>
-              </a:lnSpc>
-              <a:spcBef>
-                <a:spcPts val="0"/>
-              </a:spcBef>
-              <a:buFont typeface="Arial" panose="020B0604020202020204" pitchFamily="34" charset="0"/>
-              <a:buChar char="~"/>
-              <a:defRPr sz="1800" kern="1200">
-                <a:solidFill>
-                  <a:schemeClr val="tx1"/>
-                </a:solidFill>
-                <a:latin typeface="+mn-lt"/>
-                <a:ea typeface="+mn-ea"/>
-                <a:cs typeface="+mn-cs"/>
-              </a:defRPr>
-            </a:lvl6pPr>
-            <a:lvl7pPr marL="0" indent="0" algn="l" defTabSz="914400" rtl="0" eaLnBrk="1" latinLnBrk="0" hangingPunct="1">
-              <a:lnSpc>
-                <a:spcPct val="120000"/>
-              </a:lnSpc>
-              <a:spcBef>
-                <a:spcPts val="0"/>
-              </a:spcBef>
-              <a:buClr>
-                <a:schemeClr val="bg1"/>
-              </a:buClr>
-              <a:buSzPct val="25000"/>
-              <a:buFont typeface="Arial" panose="020B0604020202020204" pitchFamily="34" charset="0"/>
-              <a:buChar char="'"/>
-              <a:defRPr sz="2400" kern="1200">
-                <a:solidFill>
-                  <a:schemeClr val="tx1"/>
-                </a:solidFill>
-                <a:latin typeface="+mn-lt"/>
-                <a:ea typeface="+mn-ea"/>
-                <a:cs typeface="+mn-cs"/>
-              </a:defRPr>
-            </a:lvl7pPr>
-            <a:lvl8pPr marL="0" indent="0" algn="l" defTabSz="914400" rtl="0" eaLnBrk="1" latinLnBrk="0" hangingPunct="1">
-              <a:lnSpc>
-                <a:spcPct val="120000"/>
-              </a:lnSpc>
-              <a:spcBef>
-                <a:spcPts val="0"/>
-              </a:spcBef>
-              <a:buClr>
-                <a:schemeClr val="bg1"/>
-              </a:buClr>
-              <a:buSzPct val="25000"/>
-              <a:buFont typeface="Arial" panose="020B0604020202020204" pitchFamily="34" charset="0"/>
-              <a:buChar char="'"/>
-              <a:defRPr sz="2400" b="1" kern="1200">
-                <a:solidFill>
-                  <a:schemeClr val="tx1"/>
-                </a:solidFill>
-                <a:latin typeface="+mn-lt"/>
-                <a:ea typeface="+mn-ea"/>
-                <a:cs typeface="+mn-cs"/>
-              </a:defRPr>
-            </a:lvl8pPr>
-            <a:lvl9pPr marL="360000" indent="-360000" algn="l" defTabSz="914400" rtl="0" eaLnBrk="1" latinLnBrk="0" hangingPunct="1">
-              <a:lnSpc>
-                <a:spcPct val="120000"/>
-              </a:lnSpc>
-              <a:spcBef>
-                <a:spcPts val="0"/>
-              </a:spcBef>
-              <a:buFont typeface="+mj-lt"/>
-              <a:buAutoNum type="arabicPeriod"/>
-              <a:defRPr sz="2400" kern="1200">
-                <a:solidFill>
-                  <a:schemeClr val="tx1"/>
-                </a:solidFill>
-                <a:latin typeface="+mn-lt"/>
-                <a:ea typeface="+mn-ea"/>
-                <a:cs typeface="+mn-cs"/>
-              </a:defRPr>
-            </a:lvl9pPr>
-          </a:lstStyle>
-          <a:p>
-            <a:pPr marL="0" indent="0" eaLnBrk="0" fontAlgn="base" hangingPunct="0">
-              <a:lnSpc>
-                <a:spcPct val="100000"/>
-              </a:lnSpc>
-              <a:spcBef>
-                <a:spcPct val="0"/>
-              </a:spcBef>
-              <a:spcAft>
-                <a:spcPct val="0"/>
-              </a:spcAft>
-              <a:buFontTx/>
-              <a:buNone/>
-            </a:pPr>
-            <a:r>
-              <a:rPr lang="en-US" altLang="en-US" sz="2000" dirty="0" smtClean="0">
-                <a:solidFill>
-                  <a:srgbClr val="808000"/>
-                </a:solidFill>
-                <a:latin typeface="Courier New" panose="02070309020205020404" pitchFamily="49" charset="0"/>
-                <a:cs typeface="Courier New" panose="02070309020205020404" pitchFamily="49" charset="0"/>
-              </a:rPr>
-              <a:t>Animal</a:t>
-            </a:r>
-            <a:endParaRPr lang="en-US" altLang="en-US" sz="1800" dirty="0" smtClean="0">
-              <a:latin typeface="Arial" panose="020B0604020202020204" pitchFamily="34" charset="0"/>
-            </a:endParaRPr>
+          <a:bodyPr/>
+          <a:lstStyle/>
+          <a:p>
+            <a:endParaRPr lang="en-US"/>
           </a:p>
         </p:txBody>
       </p:sp>
-      <p:sp>
-        <p:nvSpPr>
-          <p:cNvPr id="12" name="Rectangle 3"/>
-          <p:cNvSpPr>
-            <a:spLocks noChangeArrowheads="1"/>
-          </p:cNvSpPr>
-          <p:nvPr/>
-        </p:nvSpPr>
-        <p:spPr bwMode="auto">
-          <a:xfrm>
-            <a:off x="7907868" y="4632229"/>
-            <a:ext cx="1557866" cy="400110"/>
-          </a:xfrm>
-          <a:prstGeom prst="rect">
-            <a:avLst/>
-          </a:prstGeom>
-          <a:solidFill>
-            <a:srgbClr val="FFFFFF"/>
-          </a:solidFill>
-          <a:ln>
-            <a:noFill/>
-          </a:ln>
-          <a:effectLst/>
-          <a:extLst>
-            <a:ext uri="{91240B29-F687-4F45-9708-019B960494DF}">
-              <a14:hiddenLine xmlns:a14="http://schemas.microsoft.com/office/drawing/2010/main" w="9525">
-                <a:solidFill>
-                  <a:schemeClr val="tx1"/>
-                </a:solidFill>
-                <a:miter lim="800000"/>
-                <a:headEnd/>
-                <a:tailEnd/>
-              </a14:hiddenLine>
-            </a:ext>
-            <a:ext uri="{AF507438-7753-43E0-B8FC-AC1667EBCBE1}">
-              <a14:hiddenEffects xmlns:a14="http://schemas.microsoft.com/office/drawing/2010/main">
-                <a:effectLst>
-                  <a:outerShdw dist="35921" dir="2700000" algn="ctr" rotWithShape="0">
-                    <a:schemeClr val="bg2"/>
-                  </a:outerShdw>
-                </a:effectLst>
-              </a14:hiddenEffects>
-            </a:ext>
-          </a:extLst>
-        </p:spPr>
-        <p:txBody>
-          <a:bodyPr vert="horz" wrap="square" lIns="91440" tIns="45720" rIns="91440" bIns="45720" numCol="1" anchor="ctr" anchorCtr="0" compatLnSpc="1">
-            <a:prstTxWarp prst="textNoShape">
-              <a:avLst/>
-            </a:prstTxWarp>
-            <a:spAutoFit/>
-          </a:bodyPr>
-          <a:lstStyle/>
-          <a:p>
-            <a:pPr marL="0" marR="0" lvl="0" indent="0" algn="ctr" defTabSz="914400" rtl="0" eaLnBrk="0" fontAlgn="base" latinLnBrk="0" hangingPunct="0">
-              <a:lnSpc>
-                <a:spcPct val="100000"/>
-              </a:lnSpc>
-              <a:spcBef>
-                <a:spcPct val="0"/>
-              </a:spcBef>
-              <a:spcAft>
-                <a:spcPct val="0"/>
-              </a:spcAft>
-              <a:buClrTx/>
-              <a:buSzTx/>
-              <a:buFontTx/>
-              <a:buNone/>
-              <a:tabLst/>
-            </a:pPr>
-            <a:r>
-              <a:rPr kumimoji="0" lang="en-US" altLang="en-US" sz="2000" b="0" i="0" u="none" strike="noStrike" cap="none" normalizeH="0" baseline="0" dirty="0" smtClean="0">
-                <a:ln>
-                  <a:noFill/>
-                </a:ln>
-                <a:solidFill>
-                  <a:srgbClr val="808000"/>
-                </a:solidFill>
-                <a:effectLst/>
-                <a:latin typeface="Courier New" panose="02070309020205020404" pitchFamily="49" charset="0"/>
-                <a:cs typeface="Courier New" panose="02070309020205020404" pitchFamily="49" charset="0"/>
-              </a:rPr>
-              <a:t>Cat</a:t>
-            </a:r>
-            <a:endParaRPr kumimoji="0" lang="en-US" altLang="en-US" sz="1800" b="0" i="0" u="none" strike="noStrike" cap="none" normalizeH="0" baseline="0" dirty="0" smtClean="0">
-              <a:ln>
-                <a:noFill/>
-              </a:ln>
-              <a:solidFill>
-                <a:schemeClr val="tx1"/>
-              </a:solidFill>
-              <a:effectLst/>
-              <a:latin typeface="Arial" panose="020B0604020202020204" pitchFamily="34" charset="0"/>
-            </a:endParaRPr>
-          </a:p>
-        </p:txBody>
-      </p:sp>
-      <p:cxnSp>
-        <p:nvCxnSpPr>
-          <p:cNvPr id="13" name="Straight Arrow Connector 12"/>
-          <p:cNvCxnSpPr>
-            <a:stCxn id="12" idx="0"/>
-          </p:cNvCxnSpPr>
-          <p:nvPr/>
-        </p:nvCxnSpPr>
-        <p:spPr>
-          <a:xfrm flipV="1">
-            <a:off x="8686801" y="3145227"/>
-            <a:ext cx="0" cy="1487002"/>
-          </a:xfrm>
-          <a:prstGeom prst="straightConnector1">
-            <a:avLst/>
-          </a:prstGeom>
-          <a:ln>
-            <a:tailEnd type="triangle"/>
-          </a:ln>
-        </p:spPr>
-        <p:style>
-          <a:lnRef idx="1">
-            <a:schemeClr val="accent1"/>
-          </a:lnRef>
-          <a:fillRef idx="0">
-            <a:schemeClr val="accent1"/>
-          </a:fillRef>
-          <a:effectRef idx="0">
-            <a:schemeClr val="accent1"/>
-          </a:effectRef>
-          <a:fontRef idx="minor">
-            <a:schemeClr val="tx1"/>
-          </a:fontRef>
-        </p:style>
-      </p:cxnSp>
     </p:spTree>
     <p:extLst>
       <p:ext uri="{BB962C8B-B14F-4D97-AF65-F5344CB8AC3E}">
-        <p14:creationId xmlns:p14="http://schemas.microsoft.com/office/powerpoint/2010/main" val="639302927"/>
+        <p14:creationId xmlns:p14="http://schemas.microsoft.com/office/powerpoint/2010/main" val="2713346878"/>
       </p:ext>
     </p:extLst>
   </p:cSld>
@@ -32340,11 +31970,1768 @@
           <a:p>
             <a:r>
               <a:rPr lang="en-US" dirty="0" smtClean="0"/>
-              <a:t>Defining </a:t>
-            </a:r>
+              <a:t>Subtyping checker</a:t>
+            </a:r>
+            <a:endParaRPr lang="en-US" dirty="0"/>
+          </a:p>
+        </p:txBody>
+      </p:sp>
+      <p:sp>
+        <p:nvSpPr>
+          <p:cNvPr id="5" name="Rectangle 2"/>
+          <p:cNvSpPr>
+            <a:spLocks noGrp="1" noChangeArrowheads="1"/>
+          </p:cNvSpPr>
+          <p:nvPr>
+            <p:ph type="body" sz="quarter" idx="10"/>
+          </p:nvPr>
+        </p:nvSpPr>
+        <p:spPr bwMode="auto">
+          <a:xfrm>
+            <a:off x="5659095" y="2693841"/>
+            <a:ext cx="1415772" cy="400110"/>
+          </a:xfrm>
+          <a:prstGeom prst="rect">
+            <a:avLst/>
+          </a:prstGeom>
+          <a:solidFill>
+            <a:srgbClr val="FFFFFF"/>
+          </a:solidFill>
+          <a:ln>
+            <a:noFill/>
+          </a:ln>
+          <a:effectLst/>
+          <a:extLst>
+            <a:ext uri="{91240B29-F687-4F45-9708-019B960494DF}">
+              <a14:hiddenLine xmlns:a14="http://schemas.microsoft.com/office/drawing/2010/main" w="9525">
+                <a:solidFill>
+                  <a:schemeClr val="tx1"/>
+                </a:solidFill>
+                <a:miter lim="800000"/>
+                <a:headEnd/>
+                <a:tailEnd/>
+              </a14:hiddenLine>
+            </a:ext>
+            <a:ext uri="{AF507438-7753-43E0-B8FC-AC1667EBCBE1}">
+              <a14:hiddenEffects xmlns:a14="http://schemas.microsoft.com/office/drawing/2010/main">
+                <a:effectLst>
+                  <a:outerShdw dist="35921" dir="2700000" algn="ctr" rotWithShape="0">
+                    <a:schemeClr val="bg2"/>
+                  </a:outerShdw>
+                </a:effectLst>
+              </a14:hiddenEffects>
+            </a:ext>
+          </a:extLst>
+        </p:spPr>
+        <p:txBody>
+          <a:bodyPr vert="horz" wrap="none" lIns="91440" tIns="45720" rIns="91440" bIns="45720" numCol="1" anchor="ctr" anchorCtr="0" compatLnSpc="1">
+            <a:prstTxWarp prst="textNoShape">
+              <a:avLst/>
+            </a:prstTxWarp>
+            <a:spAutoFit/>
+          </a:bodyPr>
+          <a:lstStyle/>
+          <a:p>
+            <a:pPr marL="0" marR="0" lvl="0" indent="0" algn="l" defTabSz="914400" rtl="0" eaLnBrk="0" fontAlgn="base" latinLnBrk="0" hangingPunct="0">
+              <a:lnSpc>
+                <a:spcPct val="100000"/>
+              </a:lnSpc>
+              <a:spcBef>
+                <a:spcPct val="0"/>
+              </a:spcBef>
+              <a:spcAft>
+                <a:spcPct val="0"/>
+              </a:spcAft>
+              <a:buClrTx/>
+              <a:buSzTx/>
+              <a:buFontTx/>
+              <a:buNone/>
+              <a:tabLst/>
+            </a:pPr>
+            <a:r>
+              <a:rPr kumimoji="0" lang="en-US" altLang="en-US" sz="2000" b="0" i="0" u="none" strike="noStrike" cap="none" normalizeH="0" baseline="0" dirty="0" smtClean="0">
+                <a:ln>
+                  <a:noFill/>
+                </a:ln>
+                <a:solidFill>
+                  <a:srgbClr val="808000"/>
+                </a:solidFill>
+                <a:effectLst/>
+                <a:latin typeface="Courier New" panose="02070309020205020404" pitchFamily="49" charset="0"/>
+                <a:cs typeface="Courier New" panose="02070309020205020404" pitchFamily="49" charset="0"/>
+              </a:rPr>
+              <a:t>@Tainted</a:t>
+            </a:r>
+            <a:endParaRPr kumimoji="0" lang="en-US" altLang="en-US" sz="1800" b="0" i="0" u="none" strike="noStrike" cap="none" normalizeH="0" baseline="0" dirty="0" smtClean="0">
+              <a:ln>
+                <a:noFill/>
+              </a:ln>
+              <a:solidFill>
+                <a:schemeClr val="tx1"/>
+              </a:solidFill>
+              <a:effectLst/>
+              <a:latin typeface="Arial" panose="020B0604020202020204" pitchFamily="34" charset="0"/>
+            </a:endParaRPr>
+          </a:p>
+        </p:txBody>
+      </p:sp>
+      <p:sp>
+        <p:nvSpPr>
+          <p:cNvPr id="6" name="Rectangle 3"/>
+          <p:cNvSpPr>
+            <a:spLocks noChangeArrowheads="1"/>
+          </p:cNvSpPr>
+          <p:nvPr/>
+        </p:nvSpPr>
+        <p:spPr bwMode="auto">
+          <a:xfrm>
+            <a:off x="5659095" y="4580954"/>
+            <a:ext cx="1710265" cy="400110"/>
+          </a:xfrm>
+          <a:prstGeom prst="rect">
+            <a:avLst/>
+          </a:prstGeom>
+          <a:solidFill>
+            <a:srgbClr val="FFFFFF"/>
+          </a:solidFill>
+          <a:ln>
+            <a:noFill/>
+          </a:ln>
+          <a:effectLst/>
+          <a:extLst>
+            <a:ext uri="{91240B29-F687-4F45-9708-019B960494DF}">
+              <a14:hiddenLine xmlns:a14="http://schemas.microsoft.com/office/drawing/2010/main" w="9525">
+                <a:solidFill>
+                  <a:schemeClr val="tx1"/>
+                </a:solidFill>
+                <a:miter lim="800000"/>
+                <a:headEnd/>
+                <a:tailEnd/>
+              </a14:hiddenLine>
+            </a:ext>
+            <a:ext uri="{AF507438-7753-43E0-B8FC-AC1667EBCBE1}">
+              <a14:hiddenEffects xmlns:a14="http://schemas.microsoft.com/office/drawing/2010/main">
+                <a:effectLst>
+                  <a:outerShdw dist="35921" dir="2700000" algn="ctr" rotWithShape="0">
+                    <a:schemeClr val="bg2"/>
+                  </a:outerShdw>
+                </a:effectLst>
+              </a14:hiddenEffects>
+            </a:ext>
+          </a:extLst>
+        </p:spPr>
+        <p:txBody>
+          <a:bodyPr vert="horz" wrap="square" lIns="91440" tIns="45720" rIns="91440" bIns="45720" numCol="1" anchor="ctr" anchorCtr="0" compatLnSpc="1">
+            <a:prstTxWarp prst="textNoShape">
+              <a:avLst/>
+            </a:prstTxWarp>
+            <a:spAutoFit/>
+          </a:bodyPr>
+          <a:lstStyle/>
+          <a:p>
+            <a:pPr marL="0" marR="0" lvl="0" indent="0" algn="l" defTabSz="914400" rtl="0" eaLnBrk="0" fontAlgn="base" latinLnBrk="0" hangingPunct="0">
+              <a:lnSpc>
+                <a:spcPct val="100000"/>
+              </a:lnSpc>
+              <a:spcBef>
+                <a:spcPct val="0"/>
+              </a:spcBef>
+              <a:spcAft>
+                <a:spcPct val="0"/>
+              </a:spcAft>
+              <a:buClrTx/>
+              <a:buSzTx/>
+              <a:buFontTx/>
+              <a:buNone/>
+              <a:tabLst/>
+            </a:pPr>
+            <a:r>
+              <a:rPr kumimoji="0" lang="en-US" altLang="en-US" sz="2000" b="0" i="0" u="none" strike="noStrike" cap="none" normalizeH="0" baseline="0" dirty="0" smtClean="0">
+                <a:ln>
+                  <a:noFill/>
+                </a:ln>
+                <a:solidFill>
+                  <a:srgbClr val="808000"/>
+                </a:solidFill>
+                <a:effectLst/>
+                <a:latin typeface="Courier New" panose="02070309020205020404" pitchFamily="49" charset="0"/>
+                <a:cs typeface="Courier New" panose="02070309020205020404" pitchFamily="49" charset="0"/>
+              </a:rPr>
+              <a:t>@Untainted</a:t>
+            </a:r>
+            <a:endParaRPr kumimoji="0" lang="en-US" altLang="en-US" sz="1800" b="0" i="0" u="none" strike="noStrike" cap="none" normalizeH="0" baseline="0" dirty="0" smtClean="0">
+              <a:ln>
+                <a:noFill/>
+              </a:ln>
+              <a:solidFill>
+                <a:schemeClr val="tx1"/>
+              </a:solidFill>
+              <a:effectLst/>
+              <a:latin typeface="Arial" panose="020B0604020202020204" pitchFamily="34" charset="0"/>
+            </a:endParaRPr>
+          </a:p>
+        </p:txBody>
+      </p:sp>
+      <p:cxnSp>
+        <p:nvCxnSpPr>
+          <p:cNvPr id="8" name="Straight Arrow Connector 7"/>
+          <p:cNvCxnSpPr>
+            <a:stCxn id="6" idx="0"/>
+          </p:cNvCxnSpPr>
+          <p:nvPr/>
+        </p:nvCxnSpPr>
+        <p:spPr>
+          <a:xfrm flipV="1">
+            <a:off x="6438029" y="3093952"/>
+            <a:ext cx="0" cy="1487002"/>
+          </a:xfrm>
+          <a:prstGeom prst="straightConnector1">
+            <a:avLst/>
+          </a:prstGeom>
+          <a:ln>
+            <a:tailEnd type="triangle"/>
+          </a:ln>
+        </p:spPr>
+        <p:style>
+          <a:lnRef idx="1">
+            <a:schemeClr val="accent1"/>
+          </a:lnRef>
+          <a:fillRef idx="0">
+            <a:schemeClr val="accent1"/>
+          </a:fillRef>
+          <a:effectRef idx="0">
+            <a:schemeClr val="accent1"/>
+          </a:effectRef>
+          <a:fontRef idx="minor">
+            <a:schemeClr val="tx1"/>
+          </a:fontRef>
+        </p:style>
+      </p:cxnSp>
+      <p:sp>
+        <p:nvSpPr>
+          <p:cNvPr id="11" name="Rectangle 2"/>
+          <p:cNvSpPr txBox="1">
+            <a:spLocks noChangeArrowheads="1"/>
+          </p:cNvSpPr>
+          <p:nvPr/>
+        </p:nvSpPr>
+        <p:spPr bwMode="auto">
+          <a:xfrm>
+            <a:off x="8859195" y="2693841"/>
+            <a:ext cx="1107996" cy="400110"/>
+          </a:xfrm>
+          <a:prstGeom prst="rect">
+            <a:avLst/>
+          </a:prstGeom>
+          <a:solidFill>
+            <a:srgbClr val="FFFFFF"/>
+          </a:solidFill>
+          <a:ln>
+            <a:noFill/>
+          </a:ln>
+          <a:effectLst/>
+          <a:extLst>
+            <a:ext uri="{91240B29-F687-4F45-9708-019B960494DF}">
+              <a14:hiddenLine xmlns:a14="http://schemas.microsoft.com/office/drawing/2010/main" w="9525">
+                <a:solidFill>
+                  <a:schemeClr val="tx1"/>
+                </a:solidFill>
+                <a:miter lim="800000"/>
+                <a:headEnd/>
+                <a:tailEnd/>
+              </a14:hiddenLine>
+            </a:ext>
+            <a:ext uri="{AF507438-7753-43E0-B8FC-AC1667EBCBE1}">
+              <a14:hiddenEffects xmlns:a14="http://schemas.microsoft.com/office/drawing/2010/main">
+                <a:effectLst>
+                  <a:outerShdw dist="35921" dir="2700000" algn="ctr" rotWithShape="0">
+                    <a:schemeClr val="bg2"/>
+                  </a:outerShdw>
+                </a:effectLst>
+              </a14:hiddenEffects>
+            </a:ext>
+          </a:extLst>
+        </p:spPr>
+        <p:txBody>
+          <a:bodyPr vert="horz" wrap="none" lIns="91440" tIns="45720" rIns="91440" bIns="45720" numCol="1" rtlCol="0" anchor="ctr" anchorCtr="0" compatLnSpc="1">
+            <a:prstTxWarp prst="textNoShape">
+              <a:avLst/>
+            </a:prstTxWarp>
+            <a:spAutoFit/>
+          </a:bodyPr>
+          <a:lstStyle>
+            <a:lvl1pPr marL="252000" indent="-252000" algn="l" defTabSz="914400" rtl="0" eaLnBrk="1" latinLnBrk="0" hangingPunct="1">
+              <a:lnSpc>
+                <a:spcPct val="120000"/>
+              </a:lnSpc>
+              <a:spcBef>
+                <a:spcPts val="0"/>
+              </a:spcBef>
+              <a:buClrTx/>
+              <a:buFont typeface="Arial" panose="020B0604020202020204" pitchFamily="34" charset="0"/>
+              <a:buChar char="•"/>
+              <a:defRPr sz="2400" kern="1200">
+                <a:solidFill>
+                  <a:schemeClr val="tx1"/>
+                </a:solidFill>
+                <a:latin typeface="+mn-lt"/>
+                <a:ea typeface="+mn-ea"/>
+                <a:cs typeface="+mn-cs"/>
+              </a:defRPr>
+            </a:lvl1pPr>
+            <a:lvl2pPr marL="504000" indent="-252000" algn="l" defTabSz="914400" rtl="0" eaLnBrk="1" latinLnBrk="0" hangingPunct="1">
+              <a:lnSpc>
+                <a:spcPct val="120000"/>
+              </a:lnSpc>
+              <a:spcBef>
+                <a:spcPts val="0"/>
+              </a:spcBef>
+              <a:buClrTx/>
+              <a:buFont typeface="Arial" panose="020B0604020202020204" pitchFamily="34" charset="0"/>
+              <a:buChar char="–"/>
+              <a:defRPr sz="2000" kern="1200">
+                <a:solidFill>
+                  <a:schemeClr val="tx1"/>
+                </a:solidFill>
+                <a:latin typeface="+mn-lt"/>
+                <a:ea typeface="+mn-ea"/>
+                <a:cs typeface="+mn-cs"/>
+              </a:defRPr>
+            </a:lvl2pPr>
+            <a:lvl3pPr marL="756000" indent="-252000" algn="l" defTabSz="914400" rtl="0" eaLnBrk="1" latinLnBrk="0" hangingPunct="1">
+              <a:lnSpc>
+                <a:spcPct val="120000"/>
+              </a:lnSpc>
+              <a:spcBef>
+                <a:spcPts val="0"/>
+              </a:spcBef>
+              <a:buClrTx/>
+              <a:buFont typeface="Arial" panose="020B0604020202020204" pitchFamily="34" charset="0"/>
+              <a:buChar char="›"/>
+              <a:defRPr sz="1800" kern="1200">
+                <a:solidFill>
+                  <a:schemeClr val="tx1"/>
+                </a:solidFill>
+                <a:latin typeface="+mn-lt"/>
+                <a:ea typeface="+mn-ea"/>
+                <a:cs typeface="+mn-cs"/>
+              </a:defRPr>
+            </a:lvl3pPr>
+            <a:lvl4pPr marL="1008000" indent="-252000" algn="l" defTabSz="914400" rtl="0" eaLnBrk="1" latinLnBrk="0" hangingPunct="1">
+              <a:lnSpc>
+                <a:spcPct val="120000"/>
+              </a:lnSpc>
+              <a:spcBef>
+                <a:spcPts val="0"/>
+              </a:spcBef>
+              <a:buClrTx/>
+              <a:buSzPct val="80000"/>
+              <a:buFont typeface="Arial" panose="020B0604020202020204" pitchFamily="34" charset="0"/>
+              <a:buChar char="□"/>
+              <a:defRPr sz="1800" kern="1200">
+                <a:solidFill>
+                  <a:schemeClr val="tx1"/>
+                </a:solidFill>
+                <a:latin typeface="+mn-lt"/>
+                <a:ea typeface="+mn-ea"/>
+                <a:cs typeface="+mn-cs"/>
+              </a:defRPr>
+            </a:lvl4pPr>
+            <a:lvl5pPr marL="1260000" indent="-252000" algn="l" defTabSz="914400" rtl="0" eaLnBrk="1" latinLnBrk="0" hangingPunct="1">
+              <a:lnSpc>
+                <a:spcPct val="120000"/>
+              </a:lnSpc>
+              <a:spcBef>
+                <a:spcPts val="0"/>
+              </a:spcBef>
+              <a:buClrTx/>
+              <a:buSzPct val="90000"/>
+              <a:buFont typeface="Arial" panose="020B0604020202020204" pitchFamily="34" charset="0"/>
+              <a:buChar char="○"/>
+              <a:defRPr sz="1800" b="0" kern="1200">
+                <a:solidFill>
+                  <a:schemeClr val="tx1"/>
+                </a:solidFill>
+                <a:latin typeface="+mn-lt"/>
+                <a:ea typeface="+mn-ea"/>
+                <a:cs typeface="+mn-cs"/>
+              </a:defRPr>
+            </a:lvl5pPr>
+            <a:lvl6pPr marL="1512000" indent="-252000" algn="l" defTabSz="914400" rtl="0" eaLnBrk="1" latinLnBrk="0" hangingPunct="1">
+              <a:lnSpc>
+                <a:spcPct val="120000"/>
+              </a:lnSpc>
+              <a:spcBef>
+                <a:spcPts val="0"/>
+              </a:spcBef>
+              <a:buFont typeface="Arial" panose="020B0604020202020204" pitchFamily="34" charset="0"/>
+              <a:buChar char="~"/>
+              <a:defRPr sz="1800" kern="1200">
+                <a:solidFill>
+                  <a:schemeClr val="tx1"/>
+                </a:solidFill>
+                <a:latin typeface="+mn-lt"/>
+                <a:ea typeface="+mn-ea"/>
+                <a:cs typeface="+mn-cs"/>
+              </a:defRPr>
+            </a:lvl6pPr>
+            <a:lvl7pPr marL="0" indent="0" algn="l" defTabSz="914400" rtl="0" eaLnBrk="1" latinLnBrk="0" hangingPunct="1">
+              <a:lnSpc>
+                <a:spcPct val="120000"/>
+              </a:lnSpc>
+              <a:spcBef>
+                <a:spcPts val="0"/>
+              </a:spcBef>
+              <a:buClr>
+                <a:schemeClr val="bg1"/>
+              </a:buClr>
+              <a:buSzPct val="25000"/>
+              <a:buFont typeface="Arial" panose="020B0604020202020204" pitchFamily="34" charset="0"/>
+              <a:buChar char="'"/>
+              <a:defRPr sz="2400" kern="1200">
+                <a:solidFill>
+                  <a:schemeClr val="tx1"/>
+                </a:solidFill>
+                <a:latin typeface="+mn-lt"/>
+                <a:ea typeface="+mn-ea"/>
+                <a:cs typeface="+mn-cs"/>
+              </a:defRPr>
+            </a:lvl7pPr>
+            <a:lvl8pPr marL="0" indent="0" algn="l" defTabSz="914400" rtl="0" eaLnBrk="1" latinLnBrk="0" hangingPunct="1">
+              <a:lnSpc>
+                <a:spcPct val="120000"/>
+              </a:lnSpc>
+              <a:spcBef>
+                <a:spcPts val="0"/>
+              </a:spcBef>
+              <a:buClr>
+                <a:schemeClr val="bg1"/>
+              </a:buClr>
+              <a:buSzPct val="25000"/>
+              <a:buFont typeface="Arial" panose="020B0604020202020204" pitchFamily="34" charset="0"/>
+              <a:buChar char="'"/>
+              <a:defRPr sz="2400" b="1" kern="1200">
+                <a:solidFill>
+                  <a:schemeClr val="tx1"/>
+                </a:solidFill>
+                <a:latin typeface="+mn-lt"/>
+                <a:ea typeface="+mn-ea"/>
+                <a:cs typeface="+mn-cs"/>
+              </a:defRPr>
+            </a:lvl8pPr>
+            <a:lvl9pPr marL="360000" indent="-360000" algn="l" defTabSz="914400" rtl="0" eaLnBrk="1" latinLnBrk="0" hangingPunct="1">
+              <a:lnSpc>
+                <a:spcPct val="120000"/>
+              </a:lnSpc>
+              <a:spcBef>
+                <a:spcPts val="0"/>
+              </a:spcBef>
+              <a:buFont typeface="+mj-lt"/>
+              <a:buAutoNum type="arabicPeriod"/>
+              <a:defRPr sz="2400" kern="1200">
+                <a:solidFill>
+                  <a:schemeClr val="tx1"/>
+                </a:solidFill>
+                <a:latin typeface="+mn-lt"/>
+                <a:ea typeface="+mn-ea"/>
+                <a:cs typeface="+mn-cs"/>
+              </a:defRPr>
+            </a:lvl9pPr>
+          </a:lstStyle>
+          <a:p>
+            <a:pPr marL="0" indent="0" eaLnBrk="0" fontAlgn="base" hangingPunct="0">
+              <a:lnSpc>
+                <a:spcPct val="100000"/>
+              </a:lnSpc>
+              <a:spcBef>
+                <a:spcPct val="0"/>
+              </a:spcBef>
+              <a:spcAft>
+                <a:spcPct val="0"/>
+              </a:spcAft>
+              <a:buFontTx/>
+              <a:buNone/>
+            </a:pPr>
+            <a:r>
+              <a:rPr lang="en-US" altLang="en-US" sz="2000" dirty="0" smtClean="0">
+                <a:solidFill>
+                  <a:srgbClr val="808000"/>
+                </a:solidFill>
+                <a:latin typeface="Courier New" panose="02070309020205020404" pitchFamily="49" charset="0"/>
+                <a:cs typeface="Courier New" panose="02070309020205020404" pitchFamily="49" charset="0"/>
+              </a:rPr>
+              <a:t>Animal</a:t>
+            </a:r>
+            <a:endParaRPr lang="en-US" altLang="en-US" sz="1800" dirty="0" smtClean="0">
+              <a:latin typeface="Arial" panose="020B0604020202020204" pitchFamily="34" charset="0"/>
+            </a:endParaRPr>
+          </a:p>
+        </p:txBody>
+      </p:sp>
+      <p:sp>
+        <p:nvSpPr>
+          <p:cNvPr id="12" name="Rectangle 3"/>
+          <p:cNvSpPr>
+            <a:spLocks noChangeArrowheads="1"/>
+          </p:cNvSpPr>
+          <p:nvPr/>
+        </p:nvSpPr>
+        <p:spPr bwMode="auto">
+          <a:xfrm>
+            <a:off x="8634260" y="4580954"/>
+            <a:ext cx="1557866" cy="400110"/>
+          </a:xfrm>
+          <a:prstGeom prst="rect">
+            <a:avLst/>
+          </a:prstGeom>
+          <a:solidFill>
+            <a:srgbClr val="FFFFFF"/>
+          </a:solidFill>
+          <a:ln>
+            <a:noFill/>
+          </a:ln>
+          <a:effectLst/>
+          <a:extLst>
+            <a:ext uri="{91240B29-F687-4F45-9708-019B960494DF}">
+              <a14:hiddenLine xmlns:a14="http://schemas.microsoft.com/office/drawing/2010/main" w="9525">
+                <a:solidFill>
+                  <a:schemeClr val="tx1"/>
+                </a:solidFill>
+                <a:miter lim="800000"/>
+                <a:headEnd/>
+                <a:tailEnd/>
+              </a14:hiddenLine>
+            </a:ext>
+            <a:ext uri="{AF507438-7753-43E0-B8FC-AC1667EBCBE1}">
+              <a14:hiddenEffects xmlns:a14="http://schemas.microsoft.com/office/drawing/2010/main">
+                <a:effectLst>
+                  <a:outerShdw dist="35921" dir="2700000" algn="ctr" rotWithShape="0">
+                    <a:schemeClr val="bg2"/>
+                  </a:outerShdw>
+                </a:effectLst>
+              </a14:hiddenEffects>
+            </a:ext>
+          </a:extLst>
+        </p:spPr>
+        <p:txBody>
+          <a:bodyPr vert="horz" wrap="square" lIns="91440" tIns="45720" rIns="91440" bIns="45720" numCol="1" anchor="ctr" anchorCtr="0" compatLnSpc="1">
+            <a:prstTxWarp prst="textNoShape">
+              <a:avLst/>
+            </a:prstTxWarp>
+            <a:spAutoFit/>
+          </a:bodyPr>
+          <a:lstStyle/>
+          <a:p>
+            <a:pPr marL="0" marR="0" lvl="0" indent="0" algn="ctr" defTabSz="914400" rtl="0" eaLnBrk="0" fontAlgn="base" latinLnBrk="0" hangingPunct="0">
+              <a:lnSpc>
+                <a:spcPct val="100000"/>
+              </a:lnSpc>
+              <a:spcBef>
+                <a:spcPct val="0"/>
+              </a:spcBef>
+              <a:spcAft>
+                <a:spcPct val="0"/>
+              </a:spcAft>
+              <a:buClrTx/>
+              <a:buSzTx/>
+              <a:buFontTx/>
+              <a:buNone/>
+              <a:tabLst/>
+            </a:pPr>
+            <a:r>
+              <a:rPr kumimoji="0" lang="en-US" altLang="en-US" sz="2000" b="0" i="0" u="none" strike="noStrike" cap="none" normalizeH="0" baseline="0" dirty="0" smtClean="0">
+                <a:ln>
+                  <a:noFill/>
+                </a:ln>
+                <a:solidFill>
+                  <a:srgbClr val="808000"/>
+                </a:solidFill>
+                <a:effectLst/>
+                <a:latin typeface="Courier New" panose="02070309020205020404" pitchFamily="49" charset="0"/>
+                <a:cs typeface="Courier New" panose="02070309020205020404" pitchFamily="49" charset="0"/>
+              </a:rPr>
+              <a:t>Cat</a:t>
+            </a:r>
+            <a:endParaRPr kumimoji="0" lang="en-US" altLang="en-US" sz="1800" b="0" i="0" u="none" strike="noStrike" cap="none" normalizeH="0" baseline="0" dirty="0" smtClean="0">
+              <a:ln>
+                <a:noFill/>
+              </a:ln>
+              <a:solidFill>
+                <a:schemeClr val="tx1"/>
+              </a:solidFill>
+              <a:effectLst/>
+              <a:latin typeface="Arial" panose="020B0604020202020204" pitchFamily="34" charset="0"/>
+            </a:endParaRPr>
+          </a:p>
+        </p:txBody>
+      </p:sp>
+      <p:cxnSp>
+        <p:nvCxnSpPr>
+          <p:cNvPr id="13" name="Straight Arrow Connector 12"/>
+          <p:cNvCxnSpPr>
+            <a:stCxn id="12" idx="0"/>
+          </p:cNvCxnSpPr>
+          <p:nvPr/>
+        </p:nvCxnSpPr>
+        <p:spPr>
+          <a:xfrm flipV="1">
+            <a:off x="9413193" y="3093952"/>
+            <a:ext cx="0" cy="1487002"/>
+          </a:xfrm>
+          <a:prstGeom prst="straightConnector1">
+            <a:avLst/>
+          </a:prstGeom>
+          <a:ln>
+            <a:tailEnd type="triangle"/>
+          </a:ln>
+        </p:spPr>
+        <p:style>
+          <a:lnRef idx="1">
+            <a:schemeClr val="accent1"/>
+          </a:lnRef>
+          <a:fillRef idx="0">
+            <a:schemeClr val="accent1"/>
+          </a:fillRef>
+          <a:effectRef idx="0">
+            <a:schemeClr val="accent1"/>
+          </a:effectRef>
+          <a:fontRef idx="minor">
+            <a:schemeClr val="tx1"/>
+          </a:fontRef>
+        </p:style>
+      </p:cxnSp>
+    </p:spTree>
+    <p:extLst>
+      <p:ext uri="{BB962C8B-B14F-4D97-AF65-F5344CB8AC3E}">
+        <p14:creationId xmlns:p14="http://schemas.microsoft.com/office/powerpoint/2010/main" val="3532760607"/>
+      </p:ext>
+    </p:extLst>
+  </p:cSld>
+  <p:clrMapOvr>
+    <a:masterClrMapping/>
+  </p:clrMapOvr>
+  <p:timing>
+    <p:tnLst>
+      <p:par>
+        <p:cTn id="1" dur="indefinite" restart="never" nodeType="tmRoot"/>
+      </p:par>
+    </p:tnLst>
+  </p:timing>
+</p:sld>
+</file>
+
+<file path=ppt/slides/slide22.xml><?xml version="1.0" encoding="utf-8"?>
+<p:sld xmlns:a="http://schemas.openxmlformats.org/drawingml/2006/main" xmlns:r="http://schemas.openxmlformats.org/officeDocument/2006/relationships" xmlns:p="http://schemas.openxmlformats.org/presentationml/2006/main">
+  <p:cSld>
+    <p:spTree>
+      <p:nvGrpSpPr>
+        <p:cNvPr id="1" name=""/>
+        <p:cNvGrpSpPr/>
+        <p:nvPr/>
+      </p:nvGrpSpPr>
+      <p:grpSpPr>
+        <a:xfrm>
+          <a:off x="0" y="0"/>
+          <a:ext cx="0" cy="0"/>
+          <a:chOff x="0" y="0"/>
+          <a:chExt cx="0" cy="0"/>
+        </a:xfrm>
+      </p:grpSpPr>
+      <p:sp>
+        <p:nvSpPr>
+          <p:cNvPr id="2" name="Title 1"/>
+          <p:cNvSpPr>
+            <a:spLocks noGrp="1"/>
+          </p:cNvSpPr>
+          <p:nvPr>
+            <p:ph type="title"/>
+          </p:nvPr>
+        </p:nvSpPr>
+        <p:spPr/>
+        <p:txBody>
+          <a:bodyPr/>
+          <a:lstStyle/>
+          <a:p>
             <a:r>
               <a:rPr lang="en-US" dirty="0" smtClean="0"/>
-              <a:t>custom type qualifiers</a:t>
+              <a:t>Subtyping checker</a:t>
+            </a:r>
+            <a:endParaRPr lang="en-US" dirty="0"/>
+          </a:p>
+        </p:txBody>
+      </p:sp>
+      <p:sp>
+        <p:nvSpPr>
+          <p:cNvPr id="5" name="Rectangle 2"/>
+          <p:cNvSpPr>
+            <a:spLocks noGrp="1" noChangeArrowheads="1"/>
+          </p:cNvSpPr>
+          <p:nvPr>
+            <p:ph type="body" sz="quarter" idx="10"/>
+          </p:nvPr>
+        </p:nvSpPr>
+        <p:spPr bwMode="auto">
+          <a:xfrm>
+            <a:off x="5659095" y="2693841"/>
+            <a:ext cx="1415772" cy="400110"/>
+          </a:xfrm>
+          <a:prstGeom prst="rect">
+            <a:avLst/>
+          </a:prstGeom>
+          <a:solidFill>
+            <a:srgbClr val="FFFFFF"/>
+          </a:solidFill>
+          <a:ln>
+            <a:noFill/>
+          </a:ln>
+          <a:effectLst/>
+          <a:extLst>
+            <a:ext uri="{91240B29-F687-4F45-9708-019B960494DF}">
+              <a14:hiddenLine xmlns:a14="http://schemas.microsoft.com/office/drawing/2010/main" w="9525">
+                <a:solidFill>
+                  <a:schemeClr val="tx1"/>
+                </a:solidFill>
+                <a:miter lim="800000"/>
+                <a:headEnd/>
+                <a:tailEnd/>
+              </a14:hiddenLine>
+            </a:ext>
+            <a:ext uri="{AF507438-7753-43E0-B8FC-AC1667EBCBE1}">
+              <a14:hiddenEffects xmlns:a14="http://schemas.microsoft.com/office/drawing/2010/main">
+                <a:effectLst>
+                  <a:outerShdw dist="35921" dir="2700000" algn="ctr" rotWithShape="0">
+                    <a:schemeClr val="bg2"/>
+                  </a:outerShdw>
+                </a:effectLst>
+              </a14:hiddenEffects>
+            </a:ext>
+          </a:extLst>
+        </p:spPr>
+        <p:txBody>
+          <a:bodyPr vert="horz" wrap="none" lIns="91440" tIns="45720" rIns="91440" bIns="45720" numCol="1" anchor="ctr" anchorCtr="0" compatLnSpc="1">
+            <a:prstTxWarp prst="textNoShape">
+              <a:avLst/>
+            </a:prstTxWarp>
+            <a:spAutoFit/>
+          </a:bodyPr>
+          <a:lstStyle/>
+          <a:p>
+            <a:pPr marL="0" marR="0" lvl="0" indent="0" algn="l" defTabSz="914400" rtl="0" eaLnBrk="0" fontAlgn="base" latinLnBrk="0" hangingPunct="0">
+              <a:lnSpc>
+                <a:spcPct val="100000"/>
+              </a:lnSpc>
+              <a:spcBef>
+                <a:spcPct val="0"/>
+              </a:spcBef>
+              <a:spcAft>
+                <a:spcPct val="0"/>
+              </a:spcAft>
+              <a:buClrTx/>
+              <a:buSzTx/>
+              <a:buFontTx/>
+              <a:buNone/>
+              <a:tabLst/>
+            </a:pPr>
+            <a:r>
+              <a:rPr kumimoji="0" lang="en-US" altLang="en-US" sz="2000" b="0" i="0" u="none" strike="noStrike" cap="none" normalizeH="0" baseline="0" dirty="0" smtClean="0">
+                <a:ln>
+                  <a:noFill/>
+                </a:ln>
+                <a:solidFill>
+                  <a:srgbClr val="808000"/>
+                </a:solidFill>
+                <a:effectLst/>
+                <a:latin typeface="Courier New" panose="02070309020205020404" pitchFamily="49" charset="0"/>
+                <a:cs typeface="Courier New" panose="02070309020205020404" pitchFamily="49" charset="0"/>
+              </a:rPr>
+              <a:t>@Tainted</a:t>
+            </a:r>
+            <a:endParaRPr kumimoji="0" lang="en-US" altLang="en-US" sz="1800" b="0" i="0" u="none" strike="noStrike" cap="none" normalizeH="0" baseline="0" dirty="0" smtClean="0">
+              <a:ln>
+                <a:noFill/>
+              </a:ln>
+              <a:solidFill>
+                <a:schemeClr val="tx1"/>
+              </a:solidFill>
+              <a:effectLst/>
+              <a:latin typeface="Arial" panose="020B0604020202020204" pitchFamily="34" charset="0"/>
+            </a:endParaRPr>
+          </a:p>
+        </p:txBody>
+      </p:sp>
+      <p:sp>
+        <p:nvSpPr>
+          <p:cNvPr id="6" name="Rectangle 3"/>
+          <p:cNvSpPr>
+            <a:spLocks noChangeArrowheads="1"/>
+          </p:cNvSpPr>
+          <p:nvPr/>
+        </p:nvSpPr>
+        <p:spPr bwMode="auto">
+          <a:xfrm>
+            <a:off x="5659095" y="4580954"/>
+            <a:ext cx="1710265" cy="400110"/>
+          </a:xfrm>
+          <a:prstGeom prst="rect">
+            <a:avLst/>
+          </a:prstGeom>
+          <a:solidFill>
+            <a:srgbClr val="FFFFFF"/>
+          </a:solidFill>
+          <a:ln>
+            <a:noFill/>
+          </a:ln>
+          <a:effectLst/>
+          <a:extLst>
+            <a:ext uri="{91240B29-F687-4F45-9708-019B960494DF}">
+              <a14:hiddenLine xmlns:a14="http://schemas.microsoft.com/office/drawing/2010/main" w="9525">
+                <a:solidFill>
+                  <a:schemeClr val="tx1"/>
+                </a:solidFill>
+                <a:miter lim="800000"/>
+                <a:headEnd/>
+                <a:tailEnd/>
+              </a14:hiddenLine>
+            </a:ext>
+            <a:ext uri="{AF507438-7753-43E0-B8FC-AC1667EBCBE1}">
+              <a14:hiddenEffects xmlns:a14="http://schemas.microsoft.com/office/drawing/2010/main">
+                <a:effectLst>
+                  <a:outerShdw dist="35921" dir="2700000" algn="ctr" rotWithShape="0">
+                    <a:schemeClr val="bg2"/>
+                  </a:outerShdw>
+                </a:effectLst>
+              </a14:hiddenEffects>
+            </a:ext>
+          </a:extLst>
+        </p:spPr>
+        <p:txBody>
+          <a:bodyPr vert="horz" wrap="square" lIns="91440" tIns="45720" rIns="91440" bIns="45720" numCol="1" anchor="ctr" anchorCtr="0" compatLnSpc="1">
+            <a:prstTxWarp prst="textNoShape">
+              <a:avLst/>
+            </a:prstTxWarp>
+            <a:spAutoFit/>
+          </a:bodyPr>
+          <a:lstStyle/>
+          <a:p>
+            <a:pPr marL="0" marR="0" lvl="0" indent="0" algn="l" defTabSz="914400" rtl="0" eaLnBrk="0" fontAlgn="base" latinLnBrk="0" hangingPunct="0">
+              <a:lnSpc>
+                <a:spcPct val="100000"/>
+              </a:lnSpc>
+              <a:spcBef>
+                <a:spcPct val="0"/>
+              </a:spcBef>
+              <a:spcAft>
+                <a:spcPct val="0"/>
+              </a:spcAft>
+              <a:buClrTx/>
+              <a:buSzTx/>
+              <a:buFontTx/>
+              <a:buNone/>
+              <a:tabLst/>
+            </a:pPr>
+            <a:r>
+              <a:rPr kumimoji="0" lang="en-US" altLang="en-US" sz="2000" b="0" i="0" u="none" strike="noStrike" cap="none" normalizeH="0" baseline="0" dirty="0" smtClean="0">
+                <a:ln>
+                  <a:noFill/>
+                </a:ln>
+                <a:solidFill>
+                  <a:srgbClr val="808000"/>
+                </a:solidFill>
+                <a:effectLst/>
+                <a:latin typeface="Courier New" panose="02070309020205020404" pitchFamily="49" charset="0"/>
+                <a:cs typeface="Courier New" panose="02070309020205020404" pitchFamily="49" charset="0"/>
+              </a:rPr>
+              <a:t>@Untainted</a:t>
+            </a:r>
+            <a:endParaRPr kumimoji="0" lang="en-US" altLang="en-US" sz="1800" b="0" i="0" u="none" strike="noStrike" cap="none" normalizeH="0" baseline="0" dirty="0" smtClean="0">
+              <a:ln>
+                <a:noFill/>
+              </a:ln>
+              <a:solidFill>
+                <a:schemeClr val="tx1"/>
+              </a:solidFill>
+              <a:effectLst/>
+              <a:latin typeface="Arial" panose="020B0604020202020204" pitchFamily="34" charset="0"/>
+            </a:endParaRPr>
+          </a:p>
+        </p:txBody>
+      </p:sp>
+      <p:cxnSp>
+        <p:nvCxnSpPr>
+          <p:cNvPr id="8" name="Straight Arrow Connector 7"/>
+          <p:cNvCxnSpPr>
+            <a:stCxn id="6" idx="0"/>
+          </p:cNvCxnSpPr>
+          <p:nvPr/>
+        </p:nvCxnSpPr>
+        <p:spPr>
+          <a:xfrm flipV="1">
+            <a:off x="6438029" y="3093952"/>
+            <a:ext cx="0" cy="1487002"/>
+          </a:xfrm>
+          <a:prstGeom prst="straightConnector1">
+            <a:avLst/>
+          </a:prstGeom>
+          <a:ln>
+            <a:tailEnd type="triangle"/>
+          </a:ln>
+        </p:spPr>
+        <p:style>
+          <a:lnRef idx="1">
+            <a:schemeClr val="accent1"/>
+          </a:lnRef>
+          <a:fillRef idx="0">
+            <a:schemeClr val="accent1"/>
+          </a:fillRef>
+          <a:effectRef idx="0">
+            <a:schemeClr val="accent1"/>
+          </a:effectRef>
+          <a:fontRef idx="minor">
+            <a:schemeClr val="tx1"/>
+          </a:fontRef>
+        </p:style>
+      </p:cxnSp>
+      <p:sp>
+        <p:nvSpPr>
+          <p:cNvPr id="11" name="Rectangle 2"/>
+          <p:cNvSpPr txBox="1">
+            <a:spLocks noChangeArrowheads="1"/>
+          </p:cNvSpPr>
+          <p:nvPr/>
+        </p:nvSpPr>
+        <p:spPr bwMode="auto">
+          <a:xfrm>
+            <a:off x="8859195" y="2693841"/>
+            <a:ext cx="1107996" cy="400110"/>
+          </a:xfrm>
+          <a:prstGeom prst="rect">
+            <a:avLst/>
+          </a:prstGeom>
+          <a:solidFill>
+            <a:srgbClr val="FFFFFF"/>
+          </a:solidFill>
+          <a:ln>
+            <a:noFill/>
+          </a:ln>
+          <a:effectLst/>
+          <a:extLst>
+            <a:ext uri="{91240B29-F687-4F45-9708-019B960494DF}">
+              <a14:hiddenLine xmlns:a14="http://schemas.microsoft.com/office/drawing/2010/main" w="9525">
+                <a:solidFill>
+                  <a:schemeClr val="tx1"/>
+                </a:solidFill>
+                <a:miter lim="800000"/>
+                <a:headEnd/>
+                <a:tailEnd/>
+              </a14:hiddenLine>
+            </a:ext>
+            <a:ext uri="{AF507438-7753-43E0-B8FC-AC1667EBCBE1}">
+              <a14:hiddenEffects xmlns:a14="http://schemas.microsoft.com/office/drawing/2010/main">
+                <a:effectLst>
+                  <a:outerShdw dist="35921" dir="2700000" algn="ctr" rotWithShape="0">
+                    <a:schemeClr val="bg2"/>
+                  </a:outerShdw>
+                </a:effectLst>
+              </a14:hiddenEffects>
+            </a:ext>
+          </a:extLst>
+        </p:spPr>
+        <p:txBody>
+          <a:bodyPr vert="horz" wrap="none" lIns="91440" tIns="45720" rIns="91440" bIns="45720" numCol="1" rtlCol="0" anchor="ctr" anchorCtr="0" compatLnSpc="1">
+            <a:prstTxWarp prst="textNoShape">
+              <a:avLst/>
+            </a:prstTxWarp>
+            <a:spAutoFit/>
+          </a:bodyPr>
+          <a:lstStyle>
+            <a:lvl1pPr marL="252000" indent="-252000" algn="l" defTabSz="914400" rtl="0" eaLnBrk="1" latinLnBrk="0" hangingPunct="1">
+              <a:lnSpc>
+                <a:spcPct val="120000"/>
+              </a:lnSpc>
+              <a:spcBef>
+                <a:spcPts val="0"/>
+              </a:spcBef>
+              <a:buClrTx/>
+              <a:buFont typeface="Arial" panose="020B0604020202020204" pitchFamily="34" charset="0"/>
+              <a:buChar char="•"/>
+              <a:defRPr sz="2400" kern="1200">
+                <a:solidFill>
+                  <a:schemeClr val="tx1"/>
+                </a:solidFill>
+                <a:latin typeface="+mn-lt"/>
+                <a:ea typeface="+mn-ea"/>
+                <a:cs typeface="+mn-cs"/>
+              </a:defRPr>
+            </a:lvl1pPr>
+            <a:lvl2pPr marL="504000" indent="-252000" algn="l" defTabSz="914400" rtl="0" eaLnBrk="1" latinLnBrk="0" hangingPunct="1">
+              <a:lnSpc>
+                <a:spcPct val="120000"/>
+              </a:lnSpc>
+              <a:spcBef>
+                <a:spcPts val="0"/>
+              </a:spcBef>
+              <a:buClrTx/>
+              <a:buFont typeface="Arial" panose="020B0604020202020204" pitchFamily="34" charset="0"/>
+              <a:buChar char="–"/>
+              <a:defRPr sz="2000" kern="1200">
+                <a:solidFill>
+                  <a:schemeClr val="tx1"/>
+                </a:solidFill>
+                <a:latin typeface="+mn-lt"/>
+                <a:ea typeface="+mn-ea"/>
+                <a:cs typeface="+mn-cs"/>
+              </a:defRPr>
+            </a:lvl2pPr>
+            <a:lvl3pPr marL="756000" indent="-252000" algn="l" defTabSz="914400" rtl="0" eaLnBrk="1" latinLnBrk="0" hangingPunct="1">
+              <a:lnSpc>
+                <a:spcPct val="120000"/>
+              </a:lnSpc>
+              <a:spcBef>
+                <a:spcPts val="0"/>
+              </a:spcBef>
+              <a:buClrTx/>
+              <a:buFont typeface="Arial" panose="020B0604020202020204" pitchFamily="34" charset="0"/>
+              <a:buChar char="›"/>
+              <a:defRPr sz="1800" kern="1200">
+                <a:solidFill>
+                  <a:schemeClr val="tx1"/>
+                </a:solidFill>
+                <a:latin typeface="+mn-lt"/>
+                <a:ea typeface="+mn-ea"/>
+                <a:cs typeface="+mn-cs"/>
+              </a:defRPr>
+            </a:lvl3pPr>
+            <a:lvl4pPr marL="1008000" indent="-252000" algn="l" defTabSz="914400" rtl="0" eaLnBrk="1" latinLnBrk="0" hangingPunct="1">
+              <a:lnSpc>
+                <a:spcPct val="120000"/>
+              </a:lnSpc>
+              <a:spcBef>
+                <a:spcPts val="0"/>
+              </a:spcBef>
+              <a:buClrTx/>
+              <a:buSzPct val="80000"/>
+              <a:buFont typeface="Arial" panose="020B0604020202020204" pitchFamily="34" charset="0"/>
+              <a:buChar char="□"/>
+              <a:defRPr sz="1800" kern="1200">
+                <a:solidFill>
+                  <a:schemeClr val="tx1"/>
+                </a:solidFill>
+                <a:latin typeface="+mn-lt"/>
+                <a:ea typeface="+mn-ea"/>
+                <a:cs typeface="+mn-cs"/>
+              </a:defRPr>
+            </a:lvl4pPr>
+            <a:lvl5pPr marL="1260000" indent="-252000" algn="l" defTabSz="914400" rtl="0" eaLnBrk="1" latinLnBrk="0" hangingPunct="1">
+              <a:lnSpc>
+                <a:spcPct val="120000"/>
+              </a:lnSpc>
+              <a:spcBef>
+                <a:spcPts val="0"/>
+              </a:spcBef>
+              <a:buClrTx/>
+              <a:buSzPct val="90000"/>
+              <a:buFont typeface="Arial" panose="020B0604020202020204" pitchFamily="34" charset="0"/>
+              <a:buChar char="○"/>
+              <a:defRPr sz="1800" b="0" kern="1200">
+                <a:solidFill>
+                  <a:schemeClr val="tx1"/>
+                </a:solidFill>
+                <a:latin typeface="+mn-lt"/>
+                <a:ea typeface="+mn-ea"/>
+                <a:cs typeface="+mn-cs"/>
+              </a:defRPr>
+            </a:lvl5pPr>
+            <a:lvl6pPr marL="1512000" indent="-252000" algn="l" defTabSz="914400" rtl="0" eaLnBrk="1" latinLnBrk="0" hangingPunct="1">
+              <a:lnSpc>
+                <a:spcPct val="120000"/>
+              </a:lnSpc>
+              <a:spcBef>
+                <a:spcPts val="0"/>
+              </a:spcBef>
+              <a:buFont typeface="Arial" panose="020B0604020202020204" pitchFamily="34" charset="0"/>
+              <a:buChar char="~"/>
+              <a:defRPr sz="1800" kern="1200">
+                <a:solidFill>
+                  <a:schemeClr val="tx1"/>
+                </a:solidFill>
+                <a:latin typeface="+mn-lt"/>
+                <a:ea typeface="+mn-ea"/>
+                <a:cs typeface="+mn-cs"/>
+              </a:defRPr>
+            </a:lvl6pPr>
+            <a:lvl7pPr marL="0" indent="0" algn="l" defTabSz="914400" rtl="0" eaLnBrk="1" latinLnBrk="0" hangingPunct="1">
+              <a:lnSpc>
+                <a:spcPct val="120000"/>
+              </a:lnSpc>
+              <a:spcBef>
+                <a:spcPts val="0"/>
+              </a:spcBef>
+              <a:buClr>
+                <a:schemeClr val="bg1"/>
+              </a:buClr>
+              <a:buSzPct val="25000"/>
+              <a:buFont typeface="Arial" panose="020B0604020202020204" pitchFamily="34" charset="0"/>
+              <a:buChar char="'"/>
+              <a:defRPr sz="2400" kern="1200">
+                <a:solidFill>
+                  <a:schemeClr val="tx1"/>
+                </a:solidFill>
+                <a:latin typeface="+mn-lt"/>
+                <a:ea typeface="+mn-ea"/>
+                <a:cs typeface="+mn-cs"/>
+              </a:defRPr>
+            </a:lvl7pPr>
+            <a:lvl8pPr marL="0" indent="0" algn="l" defTabSz="914400" rtl="0" eaLnBrk="1" latinLnBrk="0" hangingPunct="1">
+              <a:lnSpc>
+                <a:spcPct val="120000"/>
+              </a:lnSpc>
+              <a:spcBef>
+                <a:spcPts val="0"/>
+              </a:spcBef>
+              <a:buClr>
+                <a:schemeClr val="bg1"/>
+              </a:buClr>
+              <a:buSzPct val="25000"/>
+              <a:buFont typeface="Arial" panose="020B0604020202020204" pitchFamily="34" charset="0"/>
+              <a:buChar char="'"/>
+              <a:defRPr sz="2400" b="1" kern="1200">
+                <a:solidFill>
+                  <a:schemeClr val="tx1"/>
+                </a:solidFill>
+                <a:latin typeface="+mn-lt"/>
+                <a:ea typeface="+mn-ea"/>
+                <a:cs typeface="+mn-cs"/>
+              </a:defRPr>
+            </a:lvl8pPr>
+            <a:lvl9pPr marL="360000" indent="-360000" algn="l" defTabSz="914400" rtl="0" eaLnBrk="1" latinLnBrk="0" hangingPunct="1">
+              <a:lnSpc>
+                <a:spcPct val="120000"/>
+              </a:lnSpc>
+              <a:spcBef>
+                <a:spcPts val="0"/>
+              </a:spcBef>
+              <a:buFont typeface="+mj-lt"/>
+              <a:buAutoNum type="arabicPeriod"/>
+              <a:defRPr sz="2400" kern="1200">
+                <a:solidFill>
+                  <a:schemeClr val="tx1"/>
+                </a:solidFill>
+                <a:latin typeface="+mn-lt"/>
+                <a:ea typeface="+mn-ea"/>
+                <a:cs typeface="+mn-cs"/>
+              </a:defRPr>
+            </a:lvl9pPr>
+          </a:lstStyle>
+          <a:p>
+            <a:pPr marL="0" indent="0" eaLnBrk="0" fontAlgn="base" hangingPunct="0">
+              <a:lnSpc>
+                <a:spcPct val="100000"/>
+              </a:lnSpc>
+              <a:spcBef>
+                <a:spcPct val="0"/>
+              </a:spcBef>
+              <a:spcAft>
+                <a:spcPct val="0"/>
+              </a:spcAft>
+              <a:buFontTx/>
+              <a:buNone/>
+            </a:pPr>
+            <a:r>
+              <a:rPr lang="en-US" altLang="en-US" sz="2000" dirty="0" smtClean="0">
+                <a:solidFill>
+                  <a:srgbClr val="808000"/>
+                </a:solidFill>
+                <a:latin typeface="Courier New" panose="02070309020205020404" pitchFamily="49" charset="0"/>
+                <a:cs typeface="Courier New" panose="02070309020205020404" pitchFamily="49" charset="0"/>
+              </a:rPr>
+              <a:t>Animal</a:t>
+            </a:r>
+            <a:endParaRPr lang="en-US" altLang="en-US" sz="1800" dirty="0" smtClean="0">
+              <a:latin typeface="Arial" panose="020B0604020202020204" pitchFamily="34" charset="0"/>
+            </a:endParaRPr>
+          </a:p>
+        </p:txBody>
+      </p:sp>
+      <p:sp>
+        <p:nvSpPr>
+          <p:cNvPr id="12" name="Rectangle 3"/>
+          <p:cNvSpPr>
+            <a:spLocks noChangeArrowheads="1"/>
+          </p:cNvSpPr>
+          <p:nvPr/>
+        </p:nvSpPr>
+        <p:spPr bwMode="auto">
+          <a:xfrm>
+            <a:off x="8634260" y="4580954"/>
+            <a:ext cx="1557866" cy="400110"/>
+          </a:xfrm>
+          <a:prstGeom prst="rect">
+            <a:avLst/>
+          </a:prstGeom>
+          <a:solidFill>
+            <a:srgbClr val="FFFFFF"/>
+          </a:solidFill>
+          <a:ln>
+            <a:noFill/>
+          </a:ln>
+          <a:effectLst/>
+          <a:extLst>
+            <a:ext uri="{91240B29-F687-4F45-9708-019B960494DF}">
+              <a14:hiddenLine xmlns:a14="http://schemas.microsoft.com/office/drawing/2010/main" w="9525">
+                <a:solidFill>
+                  <a:schemeClr val="tx1"/>
+                </a:solidFill>
+                <a:miter lim="800000"/>
+                <a:headEnd/>
+                <a:tailEnd/>
+              </a14:hiddenLine>
+            </a:ext>
+            <a:ext uri="{AF507438-7753-43E0-B8FC-AC1667EBCBE1}">
+              <a14:hiddenEffects xmlns:a14="http://schemas.microsoft.com/office/drawing/2010/main">
+                <a:effectLst>
+                  <a:outerShdw dist="35921" dir="2700000" algn="ctr" rotWithShape="0">
+                    <a:schemeClr val="bg2"/>
+                  </a:outerShdw>
+                </a:effectLst>
+              </a14:hiddenEffects>
+            </a:ext>
+          </a:extLst>
+        </p:spPr>
+        <p:txBody>
+          <a:bodyPr vert="horz" wrap="square" lIns="91440" tIns="45720" rIns="91440" bIns="45720" numCol="1" anchor="ctr" anchorCtr="0" compatLnSpc="1">
+            <a:prstTxWarp prst="textNoShape">
+              <a:avLst/>
+            </a:prstTxWarp>
+            <a:spAutoFit/>
+          </a:bodyPr>
+          <a:lstStyle/>
+          <a:p>
+            <a:pPr marL="0" marR="0" lvl="0" indent="0" algn="ctr" defTabSz="914400" rtl="0" eaLnBrk="0" fontAlgn="base" latinLnBrk="0" hangingPunct="0">
+              <a:lnSpc>
+                <a:spcPct val="100000"/>
+              </a:lnSpc>
+              <a:spcBef>
+                <a:spcPct val="0"/>
+              </a:spcBef>
+              <a:spcAft>
+                <a:spcPct val="0"/>
+              </a:spcAft>
+              <a:buClrTx/>
+              <a:buSzTx/>
+              <a:buFontTx/>
+              <a:buNone/>
+              <a:tabLst/>
+            </a:pPr>
+            <a:r>
+              <a:rPr kumimoji="0" lang="en-US" altLang="en-US" sz="2000" b="0" i="0" u="none" strike="noStrike" cap="none" normalizeH="0" baseline="0" dirty="0" smtClean="0">
+                <a:ln>
+                  <a:noFill/>
+                </a:ln>
+                <a:solidFill>
+                  <a:srgbClr val="808000"/>
+                </a:solidFill>
+                <a:effectLst/>
+                <a:latin typeface="Courier New" panose="02070309020205020404" pitchFamily="49" charset="0"/>
+                <a:cs typeface="Courier New" panose="02070309020205020404" pitchFamily="49" charset="0"/>
+              </a:rPr>
+              <a:t>Cat</a:t>
+            </a:r>
+            <a:endParaRPr kumimoji="0" lang="en-US" altLang="en-US" sz="1800" b="0" i="0" u="none" strike="noStrike" cap="none" normalizeH="0" baseline="0" dirty="0" smtClean="0">
+              <a:ln>
+                <a:noFill/>
+              </a:ln>
+              <a:solidFill>
+                <a:schemeClr val="tx1"/>
+              </a:solidFill>
+              <a:effectLst/>
+              <a:latin typeface="Arial" panose="020B0604020202020204" pitchFamily="34" charset="0"/>
+            </a:endParaRPr>
+          </a:p>
+        </p:txBody>
+      </p:sp>
+      <p:cxnSp>
+        <p:nvCxnSpPr>
+          <p:cNvPr id="13" name="Straight Arrow Connector 12"/>
+          <p:cNvCxnSpPr>
+            <a:stCxn id="12" idx="0"/>
+          </p:cNvCxnSpPr>
+          <p:nvPr/>
+        </p:nvCxnSpPr>
+        <p:spPr>
+          <a:xfrm flipV="1">
+            <a:off x="9413193" y="3093952"/>
+            <a:ext cx="0" cy="1487002"/>
+          </a:xfrm>
+          <a:prstGeom prst="straightConnector1">
+            <a:avLst/>
+          </a:prstGeom>
+          <a:ln>
+            <a:tailEnd type="triangle"/>
+          </a:ln>
+        </p:spPr>
+        <p:style>
+          <a:lnRef idx="1">
+            <a:schemeClr val="accent1"/>
+          </a:lnRef>
+          <a:fillRef idx="0">
+            <a:schemeClr val="accent1"/>
+          </a:fillRef>
+          <a:effectRef idx="0">
+            <a:schemeClr val="accent1"/>
+          </a:effectRef>
+          <a:fontRef idx="minor">
+            <a:schemeClr val="tx1"/>
+          </a:fontRef>
+        </p:style>
+      </p:cxnSp>
+      <p:sp>
+        <p:nvSpPr>
+          <p:cNvPr id="15" name="Rectangle 2"/>
+          <p:cNvSpPr txBox="1">
+            <a:spLocks noChangeArrowheads="1"/>
+          </p:cNvSpPr>
+          <p:nvPr/>
+        </p:nvSpPr>
+        <p:spPr bwMode="auto">
+          <a:xfrm>
+            <a:off x="1617731" y="2693841"/>
+            <a:ext cx="3262432" cy="400110"/>
+          </a:xfrm>
+          <a:prstGeom prst="rect">
+            <a:avLst/>
+          </a:prstGeom>
+          <a:solidFill>
+            <a:srgbClr val="FFFFFF"/>
+          </a:solidFill>
+          <a:ln>
+            <a:noFill/>
+          </a:ln>
+          <a:effectLst/>
+          <a:extLst>
+            <a:ext uri="{91240B29-F687-4F45-9708-019B960494DF}">
+              <a14:hiddenLine xmlns:a14="http://schemas.microsoft.com/office/drawing/2010/main" w="9525">
+                <a:solidFill>
+                  <a:schemeClr val="tx1"/>
+                </a:solidFill>
+                <a:miter lim="800000"/>
+                <a:headEnd/>
+                <a:tailEnd/>
+              </a14:hiddenLine>
+            </a:ext>
+            <a:ext uri="{AF507438-7753-43E0-B8FC-AC1667EBCBE1}">
+              <a14:hiddenEffects xmlns:a14="http://schemas.microsoft.com/office/drawing/2010/main">
+                <a:effectLst>
+                  <a:outerShdw dist="35921" dir="2700000" algn="ctr" rotWithShape="0">
+                    <a:schemeClr val="bg2"/>
+                  </a:outerShdw>
+                </a:effectLst>
+              </a14:hiddenEffects>
+            </a:ext>
+          </a:extLst>
+        </p:spPr>
+        <p:txBody>
+          <a:bodyPr vert="horz" wrap="none" lIns="91440" tIns="45720" rIns="91440" bIns="45720" numCol="1" rtlCol="0" anchor="ctr" anchorCtr="0" compatLnSpc="1">
+            <a:prstTxWarp prst="textNoShape">
+              <a:avLst/>
+            </a:prstTxWarp>
+            <a:spAutoFit/>
+          </a:bodyPr>
+          <a:lstStyle>
+            <a:lvl1pPr marL="252000" indent="-252000" algn="l" defTabSz="914400" rtl="0" eaLnBrk="1" latinLnBrk="0" hangingPunct="1">
+              <a:lnSpc>
+                <a:spcPct val="120000"/>
+              </a:lnSpc>
+              <a:spcBef>
+                <a:spcPts val="0"/>
+              </a:spcBef>
+              <a:buClrTx/>
+              <a:buFont typeface="Arial" panose="020B0604020202020204" pitchFamily="34" charset="0"/>
+              <a:buChar char="•"/>
+              <a:defRPr sz="2400" kern="1200">
+                <a:solidFill>
+                  <a:schemeClr val="tx1"/>
+                </a:solidFill>
+                <a:latin typeface="+mn-lt"/>
+                <a:ea typeface="+mn-ea"/>
+                <a:cs typeface="+mn-cs"/>
+              </a:defRPr>
+            </a:lvl1pPr>
+            <a:lvl2pPr marL="504000" indent="-252000" algn="l" defTabSz="914400" rtl="0" eaLnBrk="1" latinLnBrk="0" hangingPunct="1">
+              <a:lnSpc>
+                <a:spcPct val="120000"/>
+              </a:lnSpc>
+              <a:spcBef>
+                <a:spcPts val="0"/>
+              </a:spcBef>
+              <a:buClrTx/>
+              <a:buFont typeface="Arial" panose="020B0604020202020204" pitchFamily="34" charset="0"/>
+              <a:buChar char="–"/>
+              <a:defRPr sz="2000" kern="1200">
+                <a:solidFill>
+                  <a:schemeClr val="tx1"/>
+                </a:solidFill>
+                <a:latin typeface="+mn-lt"/>
+                <a:ea typeface="+mn-ea"/>
+                <a:cs typeface="+mn-cs"/>
+              </a:defRPr>
+            </a:lvl2pPr>
+            <a:lvl3pPr marL="756000" indent="-252000" algn="l" defTabSz="914400" rtl="0" eaLnBrk="1" latinLnBrk="0" hangingPunct="1">
+              <a:lnSpc>
+                <a:spcPct val="120000"/>
+              </a:lnSpc>
+              <a:spcBef>
+                <a:spcPts val="0"/>
+              </a:spcBef>
+              <a:buClrTx/>
+              <a:buFont typeface="Arial" panose="020B0604020202020204" pitchFamily="34" charset="0"/>
+              <a:buChar char="›"/>
+              <a:defRPr sz="1800" kern="1200">
+                <a:solidFill>
+                  <a:schemeClr val="tx1"/>
+                </a:solidFill>
+                <a:latin typeface="+mn-lt"/>
+                <a:ea typeface="+mn-ea"/>
+                <a:cs typeface="+mn-cs"/>
+              </a:defRPr>
+            </a:lvl3pPr>
+            <a:lvl4pPr marL="1008000" indent="-252000" algn="l" defTabSz="914400" rtl="0" eaLnBrk="1" latinLnBrk="0" hangingPunct="1">
+              <a:lnSpc>
+                <a:spcPct val="120000"/>
+              </a:lnSpc>
+              <a:spcBef>
+                <a:spcPts val="0"/>
+              </a:spcBef>
+              <a:buClrTx/>
+              <a:buSzPct val="80000"/>
+              <a:buFont typeface="Arial" panose="020B0604020202020204" pitchFamily="34" charset="0"/>
+              <a:buChar char="□"/>
+              <a:defRPr sz="1800" kern="1200">
+                <a:solidFill>
+                  <a:schemeClr val="tx1"/>
+                </a:solidFill>
+                <a:latin typeface="+mn-lt"/>
+                <a:ea typeface="+mn-ea"/>
+                <a:cs typeface="+mn-cs"/>
+              </a:defRPr>
+            </a:lvl4pPr>
+            <a:lvl5pPr marL="1260000" indent="-252000" algn="l" defTabSz="914400" rtl="0" eaLnBrk="1" latinLnBrk="0" hangingPunct="1">
+              <a:lnSpc>
+                <a:spcPct val="120000"/>
+              </a:lnSpc>
+              <a:spcBef>
+                <a:spcPts val="0"/>
+              </a:spcBef>
+              <a:buClrTx/>
+              <a:buSzPct val="90000"/>
+              <a:buFont typeface="Arial" panose="020B0604020202020204" pitchFamily="34" charset="0"/>
+              <a:buChar char="○"/>
+              <a:defRPr sz="1800" b="0" kern="1200">
+                <a:solidFill>
+                  <a:schemeClr val="tx1"/>
+                </a:solidFill>
+                <a:latin typeface="+mn-lt"/>
+                <a:ea typeface="+mn-ea"/>
+                <a:cs typeface="+mn-cs"/>
+              </a:defRPr>
+            </a:lvl5pPr>
+            <a:lvl6pPr marL="1512000" indent="-252000" algn="l" defTabSz="914400" rtl="0" eaLnBrk="1" latinLnBrk="0" hangingPunct="1">
+              <a:lnSpc>
+                <a:spcPct val="120000"/>
+              </a:lnSpc>
+              <a:spcBef>
+                <a:spcPts val="0"/>
+              </a:spcBef>
+              <a:buFont typeface="Arial" panose="020B0604020202020204" pitchFamily="34" charset="0"/>
+              <a:buChar char="~"/>
+              <a:defRPr sz="1800" kern="1200">
+                <a:solidFill>
+                  <a:schemeClr val="tx1"/>
+                </a:solidFill>
+                <a:latin typeface="+mn-lt"/>
+                <a:ea typeface="+mn-ea"/>
+                <a:cs typeface="+mn-cs"/>
+              </a:defRPr>
+            </a:lvl6pPr>
+            <a:lvl7pPr marL="0" indent="0" algn="l" defTabSz="914400" rtl="0" eaLnBrk="1" latinLnBrk="0" hangingPunct="1">
+              <a:lnSpc>
+                <a:spcPct val="120000"/>
+              </a:lnSpc>
+              <a:spcBef>
+                <a:spcPts val="0"/>
+              </a:spcBef>
+              <a:buClr>
+                <a:schemeClr val="bg1"/>
+              </a:buClr>
+              <a:buSzPct val="25000"/>
+              <a:buFont typeface="Arial" panose="020B0604020202020204" pitchFamily="34" charset="0"/>
+              <a:buChar char="'"/>
+              <a:defRPr sz="2400" kern="1200">
+                <a:solidFill>
+                  <a:schemeClr val="tx1"/>
+                </a:solidFill>
+                <a:latin typeface="+mn-lt"/>
+                <a:ea typeface="+mn-ea"/>
+                <a:cs typeface="+mn-cs"/>
+              </a:defRPr>
+            </a:lvl7pPr>
+            <a:lvl8pPr marL="0" indent="0" algn="l" defTabSz="914400" rtl="0" eaLnBrk="1" latinLnBrk="0" hangingPunct="1">
+              <a:lnSpc>
+                <a:spcPct val="120000"/>
+              </a:lnSpc>
+              <a:spcBef>
+                <a:spcPts val="0"/>
+              </a:spcBef>
+              <a:buClr>
+                <a:schemeClr val="bg1"/>
+              </a:buClr>
+              <a:buSzPct val="25000"/>
+              <a:buFont typeface="Arial" panose="020B0604020202020204" pitchFamily="34" charset="0"/>
+              <a:buChar char="'"/>
+              <a:defRPr sz="2400" b="1" kern="1200">
+                <a:solidFill>
+                  <a:schemeClr val="tx1"/>
+                </a:solidFill>
+                <a:latin typeface="+mn-lt"/>
+                <a:ea typeface="+mn-ea"/>
+                <a:cs typeface="+mn-cs"/>
+              </a:defRPr>
+            </a:lvl8pPr>
+            <a:lvl9pPr marL="360000" indent="-360000" algn="l" defTabSz="914400" rtl="0" eaLnBrk="1" latinLnBrk="0" hangingPunct="1">
+              <a:lnSpc>
+                <a:spcPct val="120000"/>
+              </a:lnSpc>
+              <a:spcBef>
+                <a:spcPts val="0"/>
+              </a:spcBef>
+              <a:buFont typeface="+mj-lt"/>
+              <a:buAutoNum type="arabicPeriod"/>
+              <a:defRPr sz="2400" kern="1200">
+                <a:solidFill>
+                  <a:schemeClr val="tx1"/>
+                </a:solidFill>
+                <a:latin typeface="+mn-lt"/>
+                <a:ea typeface="+mn-ea"/>
+                <a:cs typeface="+mn-cs"/>
+              </a:defRPr>
+            </a:lvl9pPr>
+          </a:lstStyle>
+          <a:p>
+            <a:pPr marL="0" indent="0" eaLnBrk="0" fontAlgn="base" hangingPunct="0">
+              <a:lnSpc>
+                <a:spcPct val="100000"/>
+              </a:lnSpc>
+              <a:spcBef>
+                <a:spcPct val="0"/>
+              </a:spcBef>
+              <a:spcAft>
+                <a:spcPct val="0"/>
+              </a:spcAft>
+              <a:buFontTx/>
+              <a:buNone/>
+            </a:pPr>
+            <a:r>
+              <a:rPr lang="en-US" altLang="en-US" sz="2000" smtClean="0">
+                <a:solidFill>
+                  <a:srgbClr val="808000"/>
+                </a:solidFill>
+                <a:latin typeface="Courier New" panose="02070309020205020404" pitchFamily="49" charset="0"/>
+                <a:cs typeface="Courier New" panose="02070309020205020404" pitchFamily="49" charset="0"/>
+              </a:rPr>
+              <a:t>@PossiblyUnencrypted</a:t>
+            </a:r>
+            <a:endParaRPr lang="en-US" altLang="en-US" sz="1800" dirty="0" smtClean="0">
+              <a:latin typeface="Arial" panose="020B0604020202020204" pitchFamily="34" charset="0"/>
+            </a:endParaRPr>
+          </a:p>
+        </p:txBody>
+      </p:sp>
+      <p:sp>
+        <p:nvSpPr>
+          <p:cNvPr id="16" name="Rectangle 3"/>
+          <p:cNvSpPr>
+            <a:spLocks noChangeArrowheads="1"/>
+          </p:cNvSpPr>
+          <p:nvPr/>
+        </p:nvSpPr>
+        <p:spPr bwMode="auto">
+          <a:xfrm>
+            <a:off x="2294464" y="4580954"/>
+            <a:ext cx="1710265" cy="400110"/>
+          </a:xfrm>
+          <a:prstGeom prst="rect">
+            <a:avLst/>
+          </a:prstGeom>
+          <a:solidFill>
+            <a:srgbClr val="FFFFFF"/>
+          </a:solidFill>
+          <a:ln>
+            <a:noFill/>
+          </a:ln>
+          <a:effectLst/>
+          <a:extLst>
+            <a:ext uri="{91240B29-F687-4F45-9708-019B960494DF}">
+              <a14:hiddenLine xmlns:a14="http://schemas.microsoft.com/office/drawing/2010/main" w="9525">
+                <a:solidFill>
+                  <a:schemeClr val="tx1"/>
+                </a:solidFill>
+                <a:miter lim="800000"/>
+                <a:headEnd/>
+                <a:tailEnd/>
+              </a14:hiddenLine>
+            </a:ext>
+            <a:ext uri="{AF507438-7753-43E0-B8FC-AC1667EBCBE1}">
+              <a14:hiddenEffects xmlns:a14="http://schemas.microsoft.com/office/drawing/2010/main">
+                <a:effectLst>
+                  <a:outerShdw dist="35921" dir="2700000" algn="ctr" rotWithShape="0">
+                    <a:schemeClr val="bg2"/>
+                  </a:outerShdw>
+                </a:effectLst>
+              </a14:hiddenEffects>
+            </a:ext>
+          </a:extLst>
+        </p:spPr>
+        <p:txBody>
+          <a:bodyPr vert="horz" wrap="square" lIns="91440" tIns="45720" rIns="91440" bIns="45720" numCol="1" anchor="ctr" anchorCtr="0" compatLnSpc="1">
+            <a:prstTxWarp prst="textNoShape">
+              <a:avLst/>
+            </a:prstTxWarp>
+            <a:spAutoFit/>
+          </a:bodyPr>
+          <a:lstStyle/>
+          <a:p>
+            <a:pPr marL="0" marR="0" lvl="0" indent="0" algn="l" defTabSz="914400" rtl="0" eaLnBrk="0" fontAlgn="base" latinLnBrk="0" hangingPunct="0">
+              <a:lnSpc>
+                <a:spcPct val="100000"/>
+              </a:lnSpc>
+              <a:spcBef>
+                <a:spcPct val="0"/>
+              </a:spcBef>
+              <a:spcAft>
+                <a:spcPct val="0"/>
+              </a:spcAft>
+              <a:buClrTx/>
+              <a:buSzTx/>
+              <a:buFontTx/>
+              <a:buNone/>
+              <a:tabLst/>
+            </a:pPr>
+            <a:r>
+              <a:rPr kumimoji="0" lang="en-US" altLang="en-US" sz="2000" b="0" i="0" u="none" strike="noStrike" cap="none" normalizeH="0" baseline="0" dirty="0" smtClean="0">
+                <a:ln>
+                  <a:noFill/>
+                </a:ln>
+                <a:solidFill>
+                  <a:srgbClr val="808000"/>
+                </a:solidFill>
+                <a:effectLst/>
+                <a:latin typeface="Courier New" panose="02070309020205020404" pitchFamily="49" charset="0"/>
+                <a:cs typeface="Courier New" panose="02070309020205020404" pitchFamily="49" charset="0"/>
+              </a:rPr>
+              <a:t>@Encrypted</a:t>
+            </a:r>
+            <a:endParaRPr kumimoji="0" lang="en-US" altLang="en-US" sz="1800" b="0" i="0" u="none" strike="noStrike" cap="none" normalizeH="0" baseline="0" dirty="0" smtClean="0">
+              <a:ln>
+                <a:noFill/>
+              </a:ln>
+              <a:solidFill>
+                <a:schemeClr val="tx1"/>
+              </a:solidFill>
+              <a:effectLst/>
+              <a:latin typeface="Arial" panose="020B0604020202020204" pitchFamily="34" charset="0"/>
+            </a:endParaRPr>
+          </a:p>
+        </p:txBody>
+      </p:sp>
+      <p:cxnSp>
+        <p:nvCxnSpPr>
+          <p:cNvPr id="17" name="Straight Arrow Connector 16"/>
+          <p:cNvCxnSpPr>
+            <a:stCxn id="16" idx="0"/>
+          </p:cNvCxnSpPr>
+          <p:nvPr/>
+        </p:nvCxnSpPr>
+        <p:spPr>
+          <a:xfrm flipV="1">
+            <a:off x="3073398" y="3093952"/>
+            <a:ext cx="0" cy="1487002"/>
+          </a:xfrm>
+          <a:prstGeom prst="straightConnector1">
+            <a:avLst/>
+          </a:prstGeom>
+          <a:ln>
+            <a:tailEnd type="triangle"/>
+          </a:ln>
+        </p:spPr>
+        <p:style>
+          <a:lnRef idx="1">
+            <a:schemeClr val="accent1"/>
+          </a:lnRef>
+          <a:fillRef idx="0">
+            <a:schemeClr val="accent1"/>
+          </a:fillRef>
+          <a:effectRef idx="0">
+            <a:schemeClr val="accent1"/>
+          </a:effectRef>
+          <a:fontRef idx="minor">
+            <a:schemeClr val="tx1"/>
+          </a:fontRef>
+        </p:style>
+      </p:cxnSp>
+    </p:spTree>
+    <p:extLst>
+      <p:ext uri="{BB962C8B-B14F-4D97-AF65-F5344CB8AC3E}">
+        <p14:creationId xmlns:p14="http://schemas.microsoft.com/office/powerpoint/2010/main" val="3183262373"/>
+      </p:ext>
+    </p:extLst>
+  </p:cSld>
+  <p:clrMapOvr>
+    <a:masterClrMapping/>
+  </p:clrMapOvr>
+  <p:timing>
+    <p:tnLst>
+      <p:par>
+        <p:cTn id="1" dur="indefinite" restart="never" nodeType="tmRoot"/>
+      </p:par>
+    </p:tnLst>
+  </p:timing>
+</p:sld>
+</file>
+
+<file path=ppt/slides/slide23.xml><?xml version="1.0" encoding="utf-8"?>
+<p:sld xmlns:a="http://schemas.openxmlformats.org/drawingml/2006/main" xmlns:r="http://schemas.openxmlformats.org/officeDocument/2006/relationships" xmlns:p="http://schemas.openxmlformats.org/presentationml/2006/main">
+  <p:cSld>
+    <p:spTree>
+      <p:nvGrpSpPr>
+        <p:cNvPr id="1" name=""/>
+        <p:cNvGrpSpPr/>
+        <p:nvPr/>
+      </p:nvGrpSpPr>
+      <p:grpSpPr>
+        <a:xfrm>
+          <a:off x="0" y="0"/>
+          <a:ext cx="0" cy="0"/>
+          <a:chOff x="0" y="0"/>
+          <a:chExt cx="0" cy="0"/>
+        </a:xfrm>
+      </p:grpSpPr>
+      <p:sp>
+        <p:nvSpPr>
+          <p:cNvPr id="2" name="Title 1"/>
+          <p:cNvSpPr>
+            <a:spLocks noGrp="1"/>
+          </p:cNvSpPr>
+          <p:nvPr>
+            <p:ph type="title"/>
+          </p:nvPr>
+        </p:nvSpPr>
+        <p:spPr/>
+        <p:txBody>
+          <a:bodyPr/>
+          <a:lstStyle/>
+          <a:p>
+            <a:r>
+              <a:rPr lang="en-US" dirty="0" smtClean="0"/>
+              <a:t>Defining custom type qualifiers</a:t>
             </a:r>
             <a:endParaRPr lang="en-US" dirty="0"/>
           </a:p>
@@ -32778,7 +34165,7 @@
 </p:sld>
 </file>
 
-<file path=ppt/slides/slide22.xml><?xml version="1.0" encoding="utf-8"?>
+<file path=ppt/slides/slide24.xml><?xml version="1.0" encoding="utf-8"?>
 <p:sld xmlns:a="http://schemas.openxmlformats.org/drawingml/2006/main" xmlns:r="http://schemas.openxmlformats.org/officeDocument/2006/relationships" xmlns:p="http://schemas.openxmlformats.org/presentationml/2006/main">
   <p:cSld>
     <p:spTree>
@@ -32812,11 +34199,7 @@
           <a:p>
             <a:r>
               <a:rPr lang="en-US" dirty="0" smtClean="0"/>
-              <a:t>Defining </a:t>
-            </a:r>
-            <a:r>
-              <a:rPr lang="en-US" dirty="0" smtClean="0"/>
-              <a:t>custom type qualifiers</a:t>
+              <a:t>Defining custom type qualifiers</a:t>
             </a:r>
             <a:endParaRPr lang="en-US" dirty="0"/>
           </a:p>
@@ -33239,7 +34622,7 @@
 </p:sld>
 </file>
 
-<file path=ppt/slides/slide23.xml><?xml version="1.0" encoding="utf-8"?>
+<file path=ppt/slides/slide25.xml><?xml version="1.0" encoding="utf-8"?>
 <p:sld xmlns:a="http://schemas.openxmlformats.org/drawingml/2006/main" xmlns:r="http://schemas.openxmlformats.org/officeDocument/2006/relationships" xmlns:p="http://schemas.openxmlformats.org/presentationml/2006/main">
   <p:cSld>
     <p:spTree>
@@ -33303,7 +34686,7 @@
 </p:sld>
 </file>
 
-<file path=ppt/slides/slide24.xml><?xml version="1.0" encoding="utf-8"?>
+<file path=ppt/slides/slide26.xml><?xml version="1.0" encoding="utf-8"?>
 <p:sld xmlns:a="http://schemas.openxmlformats.org/drawingml/2006/main" xmlns:r="http://schemas.openxmlformats.org/officeDocument/2006/relationships" xmlns:p="http://schemas.openxmlformats.org/presentationml/2006/main">
   <p:cSld>
     <p:spTree>
@@ -33665,7 +35048,7 @@
 </p:sld>
 </file>
 
-<file path=ppt/slides/slide25.xml><?xml version="1.0" encoding="utf-8"?>
+<file path=ppt/slides/slide27.xml><?xml version="1.0" encoding="utf-8"?>
 <p:sld xmlns:a="http://schemas.openxmlformats.org/drawingml/2006/main" xmlns:r="http://schemas.openxmlformats.org/officeDocument/2006/relationships" xmlns:p="http://schemas.openxmlformats.org/presentationml/2006/main">
   <p:cSld>
     <p:spTree>
@@ -33894,7 +35277,7 @@
 </p:sld>
 </file>
 
-<file path=ppt/slides/slide26.xml><?xml version="1.0" encoding="utf-8"?>
+<file path=ppt/slides/slide28.xml><?xml version="1.0" encoding="utf-8"?>
 <p:sld xmlns:a="http://schemas.openxmlformats.org/drawingml/2006/main" xmlns:r="http://schemas.openxmlformats.org/officeDocument/2006/relationships" xmlns:p="http://schemas.openxmlformats.org/presentationml/2006/main">
   <p:cSld>
     <p:spTree>
@@ -33958,7 +35341,7 @@
 </p:sld>
 </file>
 
-<file path=ppt/slides/slide27.xml><?xml version="1.0" encoding="utf-8"?>
+<file path=ppt/slides/slide29.xml><?xml version="1.0" encoding="utf-8"?>
 <p:sld xmlns:a="http://schemas.openxmlformats.org/drawingml/2006/main" xmlns:r="http://schemas.openxmlformats.org/officeDocument/2006/relationships" xmlns:p="http://schemas.openxmlformats.org/presentationml/2006/main">
   <p:cSld>
     <p:spTree>
@@ -34079,349 +35462,6 @@
     <p:extLst>
       <p:ext uri="{BB962C8B-B14F-4D97-AF65-F5344CB8AC3E}">
         <p14:creationId xmlns:p14="http://schemas.microsoft.com/office/powerpoint/2010/main" val="3202996476"/>
-      </p:ext>
-    </p:extLst>
-  </p:cSld>
-  <p:clrMapOvr>
-    <a:masterClrMapping/>
-  </p:clrMapOvr>
-  <p:timing>
-    <p:tnLst>
-      <p:par>
-        <p:cTn id="1" dur="indefinite" restart="never" nodeType="tmRoot"/>
-      </p:par>
-    </p:tnLst>
-  </p:timing>
-</p:sld>
-</file>
-
-<file path=ppt/slides/slide28.xml><?xml version="1.0" encoding="utf-8"?>
-<p:sld xmlns:a="http://schemas.openxmlformats.org/drawingml/2006/main" xmlns:r="http://schemas.openxmlformats.org/officeDocument/2006/relationships" xmlns:p="http://schemas.openxmlformats.org/presentationml/2006/main">
-  <p:cSld>
-    <p:spTree>
-      <p:nvGrpSpPr>
-        <p:cNvPr id="1" name=""/>
-        <p:cNvGrpSpPr/>
-        <p:nvPr/>
-      </p:nvGrpSpPr>
-      <p:grpSpPr>
-        <a:xfrm>
-          <a:off x="0" y="0"/>
-          <a:ext cx="0" cy="0"/>
-          <a:chOff x="0" y="0"/>
-          <a:chExt cx="0" cy="0"/>
-        </a:xfrm>
-      </p:grpSpPr>
-      <p:sp>
-        <p:nvSpPr>
-          <p:cNvPr id="2" name="Title 1"/>
-          <p:cNvSpPr>
-            <a:spLocks noGrp="1"/>
-          </p:cNvSpPr>
-          <p:nvPr>
-            <p:ph type="title"/>
-          </p:nvPr>
-        </p:nvSpPr>
-        <p:spPr/>
-        <p:txBody>
-          <a:bodyPr/>
-          <a:lstStyle/>
-          <a:p>
-            <a:r>
-              <a:rPr lang="en-US" dirty="0" smtClean="0"/>
-              <a:t>Final thoughts</a:t>
-            </a:r>
-            <a:endParaRPr lang="en-US" dirty="0"/>
-          </a:p>
-        </p:txBody>
-      </p:sp>
-      <p:sp>
-        <p:nvSpPr>
-          <p:cNvPr id="3" name="Text Placeholder 2"/>
-          <p:cNvSpPr>
-            <a:spLocks noGrp="1"/>
-          </p:cNvSpPr>
-          <p:nvPr>
-            <p:ph type="body" sz="quarter" idx="10"/>
-          </p:nvPr>
-        </p:nvSpPr>
-        <p:spPr/>
-        <p:txBody>
-          <a:bodyPr/>
-          <a:lstStyle/>
-          <a:p>
-            <a:r>
-              <a:rPr lang="en-US" dirty="0" smtClean="0">
-                <a:latin typeface="Consolas" panose="020B0609020204030204" pitchFamily="49" charset="0"/>
-              </a:rPr>
-              <a:t>Start prevent your run time </a:t>
-            </a:r>
-            <a:r>
-              <a:rPr lang="en-US" dirty="0" smtClean="0">
-                <a:latin typeface="Consolas" panose="020B0609020204030204" pitchFamily="49" charset="0"/>
-              </a:rPr>
-              <a:t>errors </a:t>
-            </a:r>
-          </a:p>
-          <a:p>
-            <a:pPr lvl="1"/>
-            <a:r>
-              <a:rPr lang="en-US" dirty="0" err="1" smtClean="0">
-                <a:latin typeface="Courier New" panose="02070309020205020404" pitchFamily="49" charset="0"/>
-                <a:cs typeface="Courier New" panose="02070309020205020404" pitchFamily="49" charset="0"/>
-              </a:rPr>
-              <a:t>PropertyKeyChecker</a:t>
-            </a:r>
-            <a:r>
-              <a:rPr lang="en-US" dirty="0" smtClean="0">
-                <a:latin typeface="Courier New" panose="02070309020205020404" pitchFamily="49" charset="0"/>
-                <a:cs typeface="Courier New" panose="02070309020205020404" pitchFamily="49" charset="0"/>
-              </a:rPr>
-              <a:t>, </a:t>
-            </a:r>
-            <a:r>
-              <a:rPr lang="en-US" dirty="0" err="1" smtClean="0">
-                <a:latin typeface="Courier New" panose="02070309020205020404" pitchFamily="49" charset="0"/>
-                <a:cs typeface="Courier New" panose="02070309020205020404" pitchFamily="49" charset="0"/>
-              </a:rPr>
-              <a:t>RegexChecker</a:t>
-            </a:r>
-            <a:r>
-              <a:rPr lang="en-US" dirty="0" smtClean="0">
-                <a:latin typeface="Courier New" panose="02070309020205020404" pitchFamily="49" charset="0"/>
-                <a:cs typeface="Courier New" panose="02070309020205020404" pitchFamily="49" charset="0"/>
-              </a:rPr>
-              <a:t>, </a:t>
-            </a:r>
-            <a:r>
-              <a:rPr lang="en-US" dirty="0" err="1" smtClean="0">
-                <a:latin typeface="Courier New" panose="02070309020205020404" pitchFamily="49" charset="0"/>
-                <a:cs typeface="Courier New" panose="02070309020205020404" pitchFamily="49" charset="0"/>
-              </a:rPr>
-              <a:t>PurityChecker</a:t>
-            </a:r>
-            <a:r>
-              <a:rPr lang="en-US" dirty="0" smtClean="0">
-                <a:latin typeface="Courier New" panose="02070309020205020404" pitchFamily="49" charset="0"/>
-                <a:cs typeface="Courier New" panose="02070309020205020404" pitchFamily="49" charset="0"/>
-              </a:rPr>
-              <a:t>, </a:t>
-            </a:r>
-            <a:r>
-              <a:rPr lang="en-NL" dirty="0" smtClean="0">
-                <a:latin typeface="Courier New" panose="02070309020205020404" pitchFamily="49" charset="0"/>
-                <a:cs typeface="Courier New" panose="02070309020205020404" pitchFamily="49" charset="0"/>
-              </a:rPr>
-              <a:t>…</a:t>
-            </a:r>
-            <a:r>
-              <a:rPr lang="en-US" dirty="0" smtClean="0">
-                <a:latin typeface="Courier New" panose="02070309020205020404" pitchFamily="49" charset="0"/>
-                <a:cs typeface="Courier New" panose="02070309020205020404" pitchFamily="49" charset="0"/>
-              </a:rPr>
-              <a:t> </a:t>
-            </a:r>
-            <a:endParaRPr lang="en-US" dirty="0" smtClean="0">
-              <a:latin typeface="Courier New" panose="02070309020205020404" pitchFamily="49" charset="0"/>
-              <a:cs typeface="Courier New" panose="02070309020205020404" pitchFamily="49" charset="0"/>
-            </a:endParaRPr>
-          </a:p>
-          <a:p>
-            <a:endParaRPr lang="en-US" dirty="0" smtClean="0">
-              <a:latin typeface="Consolas" panose="020B0609020204030204" pitchFamily="49" charset="0"/>
-            </a:endParaRPr>
-          </a:p>
-          <a:p>
-            <a:r>
-              <a:rPr lang="en-US" dirty="0" smtClean="0">
-                <a:latin typeface="Consolas" panose="020B0609020204030204" pitchFamily="49" charset="0"/>
-              </a:rPr>
-              <a:t>Start using it on critical code</a:t>
-            </a:r>
-            <a:br>
-              <a:rPr lang="en-US" dirty="0" smtClean="0">
-                <a:latin typeface="Consolas" panose="020B0609020204030204" pitchFamily="49" charset="0"/>
-              </a:rPr>
-            </a:br>
-            <a:endParaRPr lang="en-US" dirty="0" smtClean="0">
-              <a:latin typeface="Consolas" panose="020B0609020204030204" pitchFamily="49" charset="0"/>
-            </a:endParaRPr>
-          </a:p>
-          <a:p>
-            <a:r>
-              <a:rPr lang="en-US" dirty="0" smtClean="0">
-                <a:latin typeface="Consolas" panose="020B0609020204030204" pitchFamily="49" charset="0"/>
-              </a:rPr>
-              <a:t>Fits in a </a:t>
-            </a:r>
-            <a:r>
-              <a:rPr lang="en-US" dirty="0" smtClean="0">
-                <a:latin typeface="Consolas" panose="020B0609020204030204" pitchFamily="49" charset="0"/>
-              </a:rPr>
-              <a:t>domain-driven </a:t>
-            </a:r>
-            <a:r>
-              <a:rPr lang="en-US" dirty="0" smtClean="0">
-                <a:latin typeface="Consolas" panose="020B0609020204030204" pitchFamily="49" charset="0"/>
-              </a:rPr>
-              <a:t>design</a:t>
-            </a:r>
-            <a:endParaRPr lang="en-US" dirty="0">
-              <a:latin typeface="Consolas" panose="020B0609020204030204" pitchFamily="49" charset="0"/>
-            </a:endParaRPr>
-          </a:p>
-          <a:p>
-            <a:pPr lvl="1"/>
-            <a:r>
-              <a:rPr lang="en-US" dirty="0" smtClean="0">
-                <a:latin typeface="Consolas" panose="020B0609020204030204" pitchFamily="49" charset="0"/>
-              </a:rPr>
-              <a:t>Sub classing is also a solution</a:t>
-            </a:r>
-            <a:br>
-              <a:rPr lang="en-US" dirty="0" smtClean="0">
-                <a:latin typeface="Consolas" panose="020B0609020204030204" pitchFamily="49" charset="0"/>
-              </a:rPr>
-            </a:br>
-            <a:endParaRPr lang="en-US" dirty="0" smtClean="0">
-              <a:latin typeface="Consolas" panose="020B0609020204030204" pitchFamily="49" charset="0"/>
-            </a:endParaRPr>
-          </a:p>
-          <a:p>
-            <a:r>
-              <a:rPr lang="en-US" dirty="0" smtClean="0">
-                <a:latin typeface="Consolas" panose="020B0609020204030204" pitchFamily="49" charset="0"/>
-              </a:rPr>
-              <a:t>What about </a:t>
-            </a:r>
-            <a:r>
-              <a:rPr lang="en-US" dirty="0" err="1" smtClean="0">
-                <a:latin typeface="Consolas" panose="020B0609020204030204" pitchFamily="49" charset="0"/>
-              </a:rPr>
-              <a:t>FindBugs</a:t>
-            </a:r>
-            <a:r>
-              <a:rPr lang="en-US" dirty="0" smtClean="0">
-                <a:latin typeface="Consolas" panose="020B0609020204030204" pitchFamily="49" charset="0"/>
-              </a:rPr>
-              <a:t>?</a:t>
-            </a:r>
-          </a:p>
-          <a:p>
-            <a:endParaRPr lang="en-US" dirty="0"/>
-          </a:p>
-        </p:txBody>
-      </p:sp>
-    </p:spTree>
-    <p:extLst>
-      <p:ext uri="{BB962C8B-B14F-4D97-AF65-F5344CB8AC3E}">
-        <p14:creationId xmlns:p14="http://schemas.microsoft.com/office/powerpoint/2010/main" val="868355432"/>
-      </p:ext>
-    </p:extLst>
-  </p:cSld>
-  <p:clrMapOvr>
-    <a:masterClrMapping/>
-  </p:clrMapOvr>
-  <p:timing>
-    <p:tnLst>
-      <p:par>
-        <p:cTn id="1" dur="indefinite" restart="never" nodeType="tmRoot"/>
-      </p:par>
-    </p:tnLst>
-  </p:timing>
-</p:sld>
-</file>
-
-<file path=ppt/slides/slide29.xml><?xml version="1.0" encoding="utf-8"?>
-<p:sld xmlns:a="http://schemas.openxmlformats.org/drawingml/2006/main" xmlns:r="http://schemas.openxmlformats.org/officeDocument/2006/relationships" xmlns:p="http://schemas.openxmlformats.org/presentationml/2006/main">
-  <p:cSld>
-    <p:spTree>
-      <p:nvGrpSpPr>
-        <p:cNvPr id="1" name=""/>
-        <p:cNvGrpSpPr/>
-        <p:nvPr/>
-      </p:nvGrpSpPr>
-      <p:grpSpPr>
-        <a:xfrm>
-          <a:off x="0" y="0"/>
-          <a:ext cx="0" cy="0"/>
-          <a:chOff x="0" y="0"/>
-          <a:chExt cx="0" cy="0"/>
-        </a:xfrm>
-      </p:grpSpPr>
-      <p:sp>
-        <p:nvSpPr>
-          <p:cNvPr id="6" name="Text Placeholder 5"/>
-          <p:cNvSpPr>
-            <a:spLocks noGrp="1"/>
-          </p:cNvSpPr>
-          <p:nvPr>
-            <p:ph type="body" sz="quarter" idx="10"/>
-          </p:nvPr>
-        </p:nvSpPr>
-        <p:spPr/>
-        <p:txBody>
-          <a:bodyPr/>
-          <a:lstStyle/>
-          <a:p>
-            <a:r>
-              <a:rPr lang="en-US" dirty="0" smtClean="0"/>
-              <a:t>Thanks!</a:t>
-            </a:r>
-            <a:endParaRPr lang="en-US" dirty="0"/>
-          </a:p>
-        </p:txBody>
-      </p:sp>
-      <p:sp>
-        <p:nvSpPr>
-          <p:cNvPr id="7" name="Text Placeholder 6"/>
-          <p:cNvSpPr>
-            <a:spLocks noGrp="1"/>
-          </p:cNvSpPr>
-          <p:nvPr>
-            <p:ph type="body" sz="quarter" idx="11"/>
-          </p:nvPr>
-        </p:nvSpPr>
-        <p:spPr/>
-        <p:txBody>
-          <a:bodyPr/>
-          <a:lstStyle/>
-          <a:p>
-            <a:endParaRPr lang="en-US"/>
-          </a:p>
-        </p:txBody>
-      </p:sp>
-      <p:pic>
-        <p:nvPicPr>
-          <p:cNvPr id="4" name="Picture 3"/>
-          <p:cNvPicPr>
-            <a:picLocks noChangeAspect="1"/>
-          </p:cNvPicPr>
-          <p:nvPr/>
-        </p:nvPicPr>
-        <p:blipFill>
-          <a:blip r:embed="rId2"/>
-          <a:stretch>
-            <a:fillRect/>
-          </a:stretch>
-        </p:blipFill>
-        <p:spPr>
-          <a:xfrm>
-            <a:off x="5427370" y="2897774"/>
-            <a:ext cx="1533525" cy="1533525"/>
-          </a:xfrm>
-          <a:prstGeom prst="rect">
-            <a:avLst/>
-          </a:prstGeom>
-          <a:effectLst>
-            <a:softEdge rad="63500"/>
-          </a:effectLst>
-        </p:spPr>
-      </p:pic>
-    </p:spTree>
-    <p:extLst>
-      <p:ext uri="{BB962C8B-B14F-4D97-AF65-F5344CB8AC3E}">
-        <p14:creationId xmlns:p14="http://schemas.microsoft.com/office/powerpoint/2010/main" val="3514725729"/>
       </p:ext>
     </p:extLst>
   </p:cSld>
@@ -34789,6 +35829,354 @@
 </p:sld>
 </file>
 
+<file path=ppt/slides/slide30.xml><?xml version="1.0" encoding="utf-8"?>
+<p:sld xmlns:a="http://schemas.openxmlformats.org/drawingml/2006/main" xmlns:r="http://schemas.openxmlformats.org/officeDocument/2006/relationships" xmlns:p="http://schemas.openxmlformats.org/presentationml/2006/main">
+  <p:cSld>
+    <p:spTree>
+      <p:nvGrpSpPr>
+        <p:cNvPr id="1" name=""/>
+        <p:cNvGrpSpPr/>
+        <p:nvPr/>
+      </p:nvGrpSpPr>
+      <p:grpSpPr>
+        <a:xfrm>
+          <a:off x="0" y="0"/>
+          <a:ext cx="0" cy="0"/>
+          <a:chOff x="0" y="0"/>
+          <a:chExt cx="0" cy="0"/>
+        </a:xfrm>
+      </p:grpSpPr>
+      <p:sp>
+        <p:nvSpPr>
+          <p:cNvPr id="2" name="Title 1"/>
+          <p:cNvSpPr>
+            <a:spLocks noGrp="1"/>
+          </p:cNvSpPr>
+          <p:nvPr>
+            <p:ph type="title"/>
+          </p:nvPr>
+        </p:nvSpPr>
+        <p:spPr/>
+        <p:txBody>
+          <a:bodyPr/>
+          <a:lstStyle/>
+          <a:p>
+            <a:r>
+              <a:rPr lang="en-US" dirty="0" smtClean="0"/>
+              <a:t>Final thoughts</a:t>
+            </a:r>
+            <a:endParaRPr lang="en-US" dirty="0"/>
+          </a:p>
+        </p:txBody>
+      </p:sp>
+      <p:sp>
+        <p:nvSpPr>
+          <p:cNvPr id="3" name="Text Placeholder 2"/>
+          <p:cNvSpPr>
+            <a:spLocks noGrp="1"/>
+          </p:cNvSpPr>
+          <p:nvPr>
+            <p:ph type="body" sz="quarter" idx="10"/>
+          </p:nvPr>
+        </p:nvSpPr>
+        <p:spPr/>
+        <p:txBody>
+          <a:bodyPr/>
+          <a:lstStyle/>
+          <a:p>
+            <a:r>
+              <a:rPr lang="en-US" dirty="0" smtClean="0">
+                <a:latin typeface="Consolas" panose="020B0609020204030204" pitchFamily="49" charset="0"/>
+              </a:rPr>
+              <a:t>Start prevent your run time errors </a:t>
+            </a:r>
+          </a:p>
+          <a:p>
+            <a:pPr lvl="1"/>
+            <a:r>
+              <a:rPr lang="en-US" dirty="0" err="1" smtClean="0">
+                <a:latin typeface="Courier New" panose="02070309020205020404" pitchFamily="49" charset="0"/>
+                <a:cs typeface="Courier New" panose="02070309020205020404" pitchFamily="49" charset="0"/>
+              </a:rPr>
+              <a:t>PropertyKeyChecker</a:t>
+            </a:r>
+            <a:r>
+              <a:rPr lang="en-US" dirty="0" smtClean="0">
+                <a:latin typeface="Courier New" panose="02070309020205020404" pitchFamily="49" charset="0"/>
+                <a:cs typeface="Courier New" panose="02070309020205020404" pitchFamily="49" charset="0"/>
+              </a:rPr>
+              <a:t>, </a:t>
+            </a:r>
+            <a:r>
+              <a:rPr lang="en-US" dirty="0" err="1" smtClean="0">
+                <a:latin typeface="Courier New" panose="02070309020205020404" pitchFamily="49" charset="0"/>
+                <a:cs typeface="Courier New" panose="02070309020205020404" pitchFamily="49" charset="0"/>
+              </a:rPr>
+              <a:t>RegexChecker</a:t>
+            </a:r>
+            <a:r>
+              <a:rPr lang="en-US" dirty="0" smtClean="0">
+                <a:latin typeface="Courier New" panose="02070309020205020404" pitchFamily="49" charset="0"/>
+                <a:cs typeface="Courier New" panose="02070309020205020404" pitchFamily="49" charset="0"/>
+              </a:rPr>
+              <a:t>, </a:t>
+            </a:r>
+            <a:r>
+              <a:rPr lang="en-US" dirty="0" err="1" smtClean="0">
+                <a:latin typeface="Courier New" panose="02070309020205020404" pitchFamily="49" charset="0"/>
+                <a:cs typeface="Courier New" panose="02070309020205020404" pitchFamily="49" charset="0"/>
+              </a:rPr>
+              <a:t>PurityChecker</a:t>
+            </a:r>
+            <a:r>
+              <a:rPr lang="en-US" dirty="0" smtClean="0">
+                <a:latin typeface="Courier New" panose="02070309020205020404" pitchFamily="49" charset="0"/>
+                <a:cs typeface="Courier New" panose="02070309020205020404" pitchFamily="49" charset="0"/>
+              </a:rPr>
+              <a:t>, </a:t>
+            </a:r>
+            <a:r>
+              <a:rPr lang="en-NL" dirty="0" smtClean="0">
+                <a:latin typeface="Courier New" panose="02070309020205020404" pitchFamily="49" charset="0"/>
+                <a:cs typeface="Courier New" panose="02070309020205020404" pitchFamily="49" charset="0"/>
+              </a:rPr>
+              <a:t>…</a:t>
+            </a:r>
+            <a:r>
+              <a:rPr lang="en-US" dirty="0" smtClean="0">
+                <a:latin typeface="Courier New" panose="02070309020205020404" pitchFamily="49" charset="0"/>
+                <a:cs typeface="Courier New" panose="02070309020205020404" pitchFamily="49" charset="0"/>
+              </a:rPr>
+              <a:t> </a:t>
+            </a:r>
+          </a:p>
+          <a:p>
+            <a:endParaRPr lang="en-US" dirty="0" smtClean="0">
+              <a:latin typeface="Consolas" panose="020B0609020204030204" pitchFamily="49" charset="0"/>
+            </a:endParaRPr>
+          </a:p>
+          <a:p>
+            <a:r>
+              <a:rPr lang="en-US" dirty="0" smtClean="0">
+                <a:latin typeface="Consolas" panose="020B0609020204030204" pitchFamily="49" charset="0"/>
+              </a:rPr>
+              <a:t>Start using it on critical code</a:t>
+            </a:r>
+            <a:br>
+              <a:rPr lang="en-US" dirty="0" smtClean="0">
+                <a:latin typeface="Consolas" panose="020B0609020204030204" pitchFamily="49" charset="0"/>
+              </a:rPr>
+            </a:br>
+            <a:endParaRPr lang="en-US" dirty="0" smtClean="0">
+              <a:latin typeface="Consolas" panose="020B0609020204030204" pitchFamily="49" charset="0"/>
+            </a:endParaRPr>
+          </a:p>
+          <a:p>
+            <a:r>
+              <a:rPr lang="en-US" dirty="0" smtClean="0">
+                <a:latin typeface="Consolas" panose="020B0609020204030204" pitchFamily="49" charset="0"/>
+              </a:rPr>
+              <a:t>Fits in a domain-driven design</a:t>
+            </a:r>
+            <a:endParaRPr lang="en-US" dirty="0">
+              <a:latin typeface="Consolas" panose="020B0609020204030204" pitchFamily="49" charset="0"/>
+            </a:endParaRPr>
+          </a:p>
+          <a:p>
+            <a:pPr lvl="1"/>
+            <a:r>
+              <a:rPr lang="en-US" dirty="0" smtClean="0">
+                <a:latin typeface="Consolas" panose="020B0609020204030204" pitchFamily="49" charset="0"/>
+              </a:rPr>
+              <a:t>Sub classing is also a </a:t>
+            </a:r>
+            <a:r>
+              <a:rPr lang="en-US" dirty="0" smtClean="0">
+                <a:latin typeface="Consolas" panose="020B0609020204030204" pitchFamily="49" charset="0"/>
+              </a:rPr>
+              <a:t>solution but could mean breaking change</a:t>
+            </a:r>
+            <a:r>
+              <a:rPr lang="en-US" dirty="0" smtClean="0">
+                <a:latin typeface="Consolas" panose="020B0609020204030204" pitchFamily="49" charset="0"/>
+              </a:rPr>
+              <a:t/>
+            </a:r>
+            <a:br>
+              <a:rPr lang="en-US" dirty="0" smtClean="0">
+                <a:latin typeface="Consolas" panose="020B0609020204030204" pitchFamily="49" charset="0"/>
+              </a:rPr>
+            </a:br>
+            <a:endParaRPr lang="en-US" dirty="0" smtClean="0">
+              <a:latin typeface="Consolas" panose="020B0609020204030204" pitchFamily="49" charset="0"/>
+            </a:endParaRPr>
+          </a:p>
+          <a:p>
+            <a:r>
+              <a:rPr lang="en-US" dirty="0" smtClean="0">
+                <a:latin typeface="Consolas" panose="020B0609020204030204" pitchFamily="49" charset="0"/>
+              </a:rPr>
+              <a:t>What about </a:t>
+            </a:r>
+            <a:r>
+              <a:rPr lang="en-US" dirty="0" err="1" smtClean="0">
+                <a:latin typeface="Consolas" panose="020B0609020204030204" pitchFamily="49" charset="0"/>
+              </a:rPr>
+              <a:t>FindBugs,SonarLint</a:t>
+            </a:r>
+            <a:r>
+              <a:rPr lang="en-US" dirty="0" smtClean="0">
+                <a:latin typeface="Consolas" panose="020B0609020204030204" pitchFamily="49" charset="0"/>
+              </a:rPr>
+              <a:t>,</a:t>
+            </a:r>
+            <a:r>
+              <a:rPr lang="en-NL" dirty="0" smtClean="0">
+                <a:latin typeface="Consolas" panose="020B0609020204030204" pitchFamily="49" charset="0"/>
+              </a:rPr>
+              <a:t>…</a:t>
+            </a:r>
+            <a:r>
+              <a:rPr lang="en-US" dirty="0" smtClean="0">
+                <a:latin typeface="Consolas" panose="020B0609020204030204" pitchFamily="49" charset="0"/>
+              </a:rPr>
+              <a:t>?</a:t>
+            </a:r>
+            <a:endParaRPr lang="en-US" dirty="0" smtClean="0">
+              <a:latin typeface="Consolas" panose="020B0609020204030204" pitchFamily="49" charset="0"/>
+            </a:endParaRPr>
+          </a:p>
+          <a:p>
+            <a:endParaRPr lang="en-US" dirty="0"/>
+          </a:p>
+        </p:txBody>
+      </p:sp>
+    </p:spTree>
+    <p:extLst>
+      <p:ext uri="{BB962C8B-B14F-4D97-AF65-F5344CB8AC3E}">
+        <p14:creationId xmlns:p14="http://schemas.microsoft.com/office/powerpoint/2010/main" val="868355432"/>
+      </p:ext>
+    </p:extLst>
+  </p:cSld>
+  <p:clrMapOvr>
+    <a:masterClrMapping/>
+  </p:clrMapOvr>
+  <p:timing>
+    <p:tnLst>
+      <p:par>
+        <p:cTn id="1" dur="indefinite" restart="never" nodeType="tmRoot"/>
+      </p:par>
+    </p:tnLst>
+  </p:timing>
+</p:sld>
+</file>
+
+<file path=ppt/slides/slide31.xml><?xml version="1.0" encoding="utf-8"?>
+<p:sld xmlns:a="http://schemas.openxmlformats.org/drawingml/2006/main" xmlns:r="http://schemas.openxmlformats.org/officeDocument/2006/relationships" xmlns:p="http://schemas.openxmlformats.org/presentationml/2006/main">
+  <p:cSld>
+    <p:spTree>
+      <p:nvGrpSpPr>
+        <p:cNvPr id="1" name=""/>
+        <p:cNvGrpSpPr/>
+        <p:nvPr/>
+      </p:nvGrpSpPr>
+      <p:grpSpPr>
+        <a:xfrm>
+          <a:off x="0" y="0"/>
+          <a:ext cx="0" cy="0"/>
+          <a:chOff x="0" y="0"/>
+          <a:chExt cx="0" cy="0"/>
+        </a:xfrm>
+      </p:grpSpPr>
+      <p:sp>
+        <p:nvSpPr>
+          <p:cNvPr id="6" name="Text Placeholder 5"/>
+          <p:cNvSpPr>
+            <a:spLocks noGrp="1"/>
+          </p:cNvSpPr>
+          <p:nvPr>
+            <p:ph type="body" sz="quarter" idx="10"/>
+          </p:nvPr>
+        </p:nvSpPr>
+        <p:spPr/>
+        <p:txBody>
+          <a:bodyPr/>
+          <a:lstStyle/>
+          <a:p>
+            <a:r>
+              <a:rPr lang="en-US" dirty="0" smtClean="0"/>
+              <a:t>Thanks!</a:t>
+            </a:r>
+            <a:endParaRPr lang="en-US" dirty="0"/>
+          </a:p>
+        </p:txBody>
+      </p:sp>
+      <p:sp>
+        <p:nvSpPr>
+          <p:cNvPr id="7" name="Text Placeholder 6"/>
+          <p:cNvSpPr>
+            <a:spLocks noGrp="1"/>
+          </p:cNvSpPr>
+          <p:nvPr>
+            <p:ph type="body" sz="quarter" idx="11"/>
+          </p:nvPr>
+        </p:nvSpPr>
+        <p:spPr/>
+        <p:txBody>
+          <a:bodyPr/>
+          <a:lstStyle/>
+          <a:p>
+            <a:endParaRPr lang="en-US"/>
+          </a:p>
+        </p:txBody>
+      </p:sp>
+      <p:pic>
+        <p:nvPicPr>
+          <p:cNvPr id="4" name="Picture 3"/>
+          <p:cNvPicPr>
+            <a:picLocks noChangeAspect="1"/>
+          </p:cNvPicPr>
+          <p:nvPr/>
+        </p:nvPicPr>
+        <p:blipFill>
+          <a:blip r:embed="rId2"/>
+          <a:stretch>
+            <a:fillRect/>
+          </a:stretch>
+        </p:blipFill>
+        <p:spPr>
+          <a:xfrm>
+            <a:off x="5427370" y="2897774"/>
+            <a:ext cx="1533525" cy="1533525"/>
+          </a:xfrm>
+          <a:prstGeom prst="rect">
+            <a:avLst/>
+          </a:prstGeom>
+          <a:effectLst>
+            <a:softEdge rad="63500"/>
+          </a:effectLst>
+        </p:spPr>
+      </p:pic>
+    </p:spTree>
+    <p:extLst>
+      <p:ext uri="{BB962C8B-B14F-4D97-AF65-F5344CB8AC3E}">
+        <p14:creationId xmlns:p14="http://schemas.microsoft.com/office/powerpoint/2010/main" val="3514725729"/>
+      </p:ext>
+    </p:extLst>
+  </p:cSld>
+  <p:clrMapOvr>
+    <a:masterClrMapping/>
+  </p:clrMapOvr>
+  <p:timing>
+    <p:tnLst>
+      <p:par>
+        <p:cTn id="1" dur="indefinite" restart="never" nodeType="tmRoot"/>
+      </p:par>
+    </p:tnLst>
+  </p:timing>
+</p:sld>
+</file>
+
 <file path=ppt/slides/slide4.xml><?xml version="1.0" encoding="utf-8"?>
 <p:sld xmlns:a="http://schemas.openxmlformats.org/drawingml/2006/main" xmlns:r="http://schemas.openxmlformats.org/officeDocument/2006/relationships" xmlns:p="http://schemas.openxmlformats.org/presentationml/2006/main">
   <p:cSld>
@@ -34823,7 +36211,11 @@
           <a:p>
             <a:r>
               <a:rPr lang="en-US" dirty="0" smtClean="0"/>
-              <a:t>What does this code do?</a:t>
+              <a:t>What does this code do</a:t>
+            </a:r>
+            <a:r>
+              <a:rPr lang="en-US" dirty="0" smtClean="0"/>
+              <a:t>?</a:t>
             </a:r>
             <a:endParaRPr lang="en-US" dirty="0"/>
           </a:p>
@@ -36756,8 +38148,8 @@
         </p:blipFill>
         <p:spPr bwMode="auto">
           <a:xfrm>
-            <a:off x="4479143" y="3354940"/>
-            <a:ext cx="3497714" cy="884479"/>
+            <a:off x="4479143" y="3466069"/>
+            <a:ext cx="3058248" cy="773350"/>
           </a:xfrm>
           <a:prstGeom prst="rect">
             <a:avLst/>
@@ -36813,7 +38205,7 @@
       </p:grpSpPr>
       <p:sp>
         <p:nvSpPr>
-          <p:cNvPr id="2" name="Title 1"/>
+          <p:cNvPr id="3" name="Title 2"/>
           <p:cNvSpPr>
             <a:spLocks noGrp="1"/>
           </p:cNvSpPr>
@@ -36827,205 +38219,63 @@
           <a:lstStyle/>
           <a:p>
             <a:r>
-              <a:rPr lang="en-US" dirty="0" smtClean="0"/>
-              <a:t>What does this code do?</a:t>
-            </a:r>
+              <a:rPr lang="en-US" dirty="0"/>
+              <a:t>Custom pluggable types for Java</a:t>
+            </a:r>
+            <a:br>
+              <a:rPr lang="en-US" dirty="0"/>
+            </a:br>
             <a:endParaRPr lang="en-US" dirty="0"/>
           </a:p>
         </p:txBody>
       </p:sp>
       <p:sp>
         <p:nvSpPr>
-          <p:cNvPr id="5" name="Rectangle 2"/>
+          <p:cNvPr id="2" name="Content Placeholder 1"/>
           <p:cNvSpPr>
-            <a:spLocks noGrp="1" noChangeArrowheads="1"/>
+            <a:spLocks noGrp="1"/>
           </p:cNvSpPr>
           <p:nvPr>
-            <p:ph type="body" sz="quarter" idx="10"/>
+            <p:ph idx="1"/>
           </p:nvPr>
         </p:nvSpPr>
-        <p:spPr bwMode="auto">
+        <p:spPr/>
+        <p:txBody>
+          <a:bodyPr/>
+          <a:lstStyle/>
+          <a:p>
+            <a:endParaRPr lang="en-US"/>
+          </a:p>
+        </p:txBody>
+      </p:sp>
+      <p:pic>
+        <p:nvPicPr>
+          <p:cNvPr id="4" name="Picture 3"/>
+          <p:cNvPicPr>
+            <a:picLocks noChangeAspect="1"/>
+          </p:cNvPicPr>
+          <p:nvPr/>
+        </p:nvPicPr>
+        <p:blipFill>
+          <a:blip r:embed="rId2"/>
+          <a:stretch>
+            <a:fillRect/>
+          </a:stretch>
+        </p:blipFill>
+        <p:spPr>
           <a:xfrm>
-            <a:off x="2964927" y="2856902"/>
-            <a:ext cx="6009979" cy="646331"/>
+            <a:off x="2727843" y="1630953"/>
+            <a:ext cx="6270878" cy="4910094"/>
           </a:xfrm>
           <a:prstGeom prst="rect">
             <a:avLst/>
           </a:prstGeom>
-          <a:gradFill>
-            <a:gsLst>
-              <a:gs pos="0">
-                <a:schemeClr val="accent1">
-                  <a:lumMod val="5000"/>
-                  <a:lumOff val="95000"/>
-                </a:schemeClr>
-              </a:gs>
-              <a:gs pos="74000">
-                <a:schemeClr val="accent1">
-                  <a:lumMod val="45000"/>
-                  <a:lumOff val="55000"/>
-                </a:schemeClr>
-              </a:gs>
-              <a:gs pos="83000">
-                <a:schemeClr val="accent1">
-                  <a:lumMod val="45000"/>
-                  <a:lumOff val="55000"/>
-                </a:schemeClr>
-              </a:gs>
-              <a:gs pos="100000">
-                <a:schemeClr val="accent1">
-                  <a:lumMod val="30000"/>
-                  <a:lumOff val="70000"/>
-                </a:schemeClr>
-              </a:gs>
-            </a:gsLst>
-            <a:lin ang="5400000" scaled="1"/>
-          </a:gradFill>
-          <a:ln>
-            <a:noFill/>
-          </a:ln>
-          <a:effectLst/>
-          <a:extLst/>
         </p:spPr>
-        <p:txBody>
-          <a:bodyPr vert="horz" wrap="none" lIns="91440" tIns="45720" rIns="91440" bIns="45720" numCol="1" anchor="ctr" anchorCtr="0" compatLnSpc="1">
-            <a:prstTxWarp prst="textNoShape">
-              <a:avLst/>
-            </a:prstTxWarp>
-            <a:spAutoFit/>
-          </a:bodyPr>
-          <a:lstStyle/>
-          <a:p>
-            <a:pPr marL="0" marR="0" lvl="0" indent="0" algn="l" defTabSz="914400" rtl="0" eaLnBrk="0" fontAlgn="base" latinLnBrk="0" hangingPunct="0">
-              <a:lnSpc>
-                <a:spcPct val="100000"/>
-              </a:lnSpc>
-              <a:spcBef>
-                <a:spcPct val="0"/>
-              </a:spcBef>
-              <a:spcAft>
-                <a:spcPct val="0"/>
-              </a:spcAft>
-              <a:buClrTx/>
-              <a:buSzTx/>
-              <a:buFontTx/>
-              <a:buNone/>
-              <a:tabLst/>
-            </a:pPr>
-            <a:r>
-              <a:rPr kumimoji="0" lang="en-US" altLang="en-US" sz="1800" b="0" i="0" u="none" strike="noStrike" cap="none" normalizeH="0" baseline="0" dirty="0" smtClean="0">
-                <a:ln>
-                  <a:noFill/>
-                </a:ln>
-                <a:solidFill>
-                  <a:srgbClr val="000000"/>
-                </a:solidFill>
-                <a:effectLst/>
-                <a:latin typeface="Consolas" panose="020B0609020204030204" pitchFamily="49" charset="0"/>
-                <a:cs typeface="Courier New" panose="02070309020205020404" pitchFamily="49" charset="0"/>
-              </a:rPr>
-              <a:t>Optional&lt;Integer&gt; optional = </a:t>
-            </a:r>
-            <a:r>
-              <a:rPr kumimoji="0" lang="en-US" altLang="en-US" sz="1800" b="0" i="0" u="none" strike="noStrike" cap="none" normalizeH="0" baseline="0" dirty="0" err="1" smtClean="0">
-                <a:ln>
-                  <a:noFill/>
-                </a:ln>
-                <a:solidFill>
-                  <a:srgbClr val="000000"/>
-                </a:solidFill>
-                <a:effectLst/>
-                <a:latin typeface="Consolas" panose="020B0609020204030204" pitchFamily="49" charset="0"/>
-                <a:cs typeface="Courier New" panose="02070309020205020404" pitchFamily="49" charset="0"/>
-              </a:rPr>
-              <a:t>Optional.</a:t>
-            </a:r>
-            <a:r>
-              <a:rPr kumimoji="0" lang="en-US" altLang="en-US" sz="1800" b="0" i="1" u="none" strike="noStrike" cap="none" normalizeH="0" baseline="0" dirty="0" err="1" smtClean="0">
-                <a:ln>
-                  <a:noFill/>
-                </a:ln>
-                <a:solidFill>
-                  <a:srgbClr val="000000"/>
-                </a:solidFill>
-                <a:effectLst/>
-                <a:latin typeface="Consolas" panose="020B0609020204030204" pitchFamily="49" charset="0"/>
-                <a:cs typeface="Courier New" panose="02070309020205020404" pitchFamily="49" charset="0"/>
-              </a:rPr>
-              <a:t>empty</a:t>
-            </a:r>
-            <a:r>
-              <a:rPr kumimoji="0" lang="en-US" altLang="en-US" sz="1800" b="0" i="0" u="none" strike="noStrike" cap="none" normalizeH="0" baseline="0" dirty="0" smtClean="0">
-                <a:ln>
-                  <a:noFill/>
-                </a:ln>
-                <a:solidFill>
-                  <a:srgbClr val="000000"/>
-                </a:solidFill>
-                <a:effectLst/>
-                <a:latin typeface="Consolas" panose="020B0609020204030204" pitchFamily="49" charset="0"/>
-                <a:cs typeface="Courier New" panose="02070309020205020404" pitchFamily="49" charset="0"/>
-              </a:rPr>
-              <a:t>();</a:t>
-            </a:r>
-            <a:br>
-              <a:rPr kumimoji="0" lang="en-US" altLang="en-US" sz="1800" b="0" i="0" u="none" strike="noStrike" cap="none" normalizeH="0" baseline="0" dirty="0" smtClean="0">
-                <a:ln>
-                  <a:noFill/>
-                </a:ln>
-                <a:solidFill>
-                  <a:srgbClr val="000000"/>
-                </a:solidFill>
-                <a:effectLst/>
-                <a:latin typeface="Consolas" panose="020B0609020204030204" pitchFamily="49" charset="0"/>
-                <a:cs typeface="Courier New" panose="02070309020205020404" pitchFamily="49" charset="0"/>
-              </a:rPr>
-            </a:br>
-            <a:r>
-              <a:rPr kumimoji="0" lang="en-US" altLang="en-US" sz="1800" b="0" i="0" u="none" strike="noStrike" cap="none" normalizeH="0" baseline="0" dirty="0" err="1" smtClean="0">
-                <a:ln>
-                  <a:noFill/>
-                </a:ln>
-                <a:solidFill>
-                  <a:srgbClr val="000000"/>
-                </a:solidFill>
-                <a:effectLst/>
-                <a:latin typeface="Consolas" panose="020B0609020204030204" pitchFamily="49" charset="0"/>
-                <a:cs typeface="Courier New" panose="02070309020205020404" pitchFamily="49" charset="0"/>
-              </a:rPr>
-              <a:t>optional.get</a:t>
-            </a:r>
-            <a:r>
-              <a:rPr kumimoji="0" lang="en-US" altLang="en-US" sz="1800" b="0" i="0" u="none" strike="noStrike" cap="none" normalizeH="0" baseline="0" dirty="0" smtClean="0">
-                <a:ln>
-                  <a:noFill/>
-                </a:ln>
-                <a:solidFill>
-                  <a:srgbClr val="000000"/>
-                </a:solidFill>
-                <a:effectLst/>
-                <a:latin typeface="Consolas" panose="020B0609020204030204" pitchFamily="49" charset="0"/>
-                <a:cs typeface="Courier New" panose="02070309020205020404" pitchFamily="49" charset="0"/>
-              </a:rPr>
-              <a:t>();</a:t>
-            </a:r>
-            <a:endParaRPr kumimoji="0" lang="en-US" altLang="en-US" sz="4000" b="0" i="0" u="none" strike="noStrike" cap="none" normalizeH="0" baseline="0" dirty="0" smtClean="0">
-              <a:ln>
-                <a:noFill/>
-              </a:ln>
-              <a:solidFill>
-                <a:schemeClr val="tx1"/>
-              </a:solidFill>
-              <a:effectLst/>
-              <a:latin typeface="Consolas" panose="020B0609020204030204" pitchFamily="49" charset="0"/>
-            </a:endParaRPr>
-          </a:p>
-        </p:txBody>
-      </p:sp>
+      </p:pic>
     </p:spTree>
     <p:extLst>
       <p:ext uri="{BB962C8B-B14F-4D97-AF65-F5344CB8AC3E}">
-        <p14:creationId xmlns:p14="http://schemas.microsoft.com/office/powerpoint/2010/main" val="2600192075"/>
+        <p14:creationId xmlns:p14="http://schemas.microsoft.com/office/powerpoint/2010/main" val="1549208035"/>
       </p:ext>
     </p:extLst>
   </p:cSld>
@@ -37890,12 +39140,6 @@
 </file>
 
 <file path=customXml/item1.xml><?xml version="1.0" encoding="utf-8"?>
-<p:properties xmlns:p="http://schemas.microsoft.com/office/2006/metadata/properties" xmlns:xsi="http://www.w3.org/2001/XMLSchema-instance" xmlns:pc="http://schemas.microsoft.com/office/infopath/2007/PartnerControls">
-  <documentManagement/>
-</p:properties>
-</file>
-
-<file path=customXml/item2.xml><?xml version="1.0" encoding="utf-8"?>
 <ct:contentTypeSchema xmlns:ct="http://schemas.microsoft.com/office/2006/metadata/contentType" xmlns:ma="http://schemas.microsoft.com/office/2006/metadata/properties/metaAttributes" ct:_="" ma:_="" ma:contentTypeName="Document" ma:contentTypeID="0x0101000858805C9A31ED4698AA5994F7540466" ma:contentTypeVersion="1" ma:contentTypeDescription="Een nieuw document maken." ma:contentTypeScope="" ma:versionID="5cab34e6f8d54d32c51f192539e9981c">
   <xsd:schema xmlns:xsd="http://www.w3.org/2001/XMLSchema" xmlns:xs="http://www.w3.org/2001/XMLSchema" xmlns:p="http://schemas.microsoft.com/office/2006/metadata/properties" xmlns:ns2="a73fd6a0-a740-4ca0-a47f-6beba88ccc77" targetNamespace="http://schemas.microsoft.com/office/2006/metadata/properties" ma:root="true" ma:fieldsID="10b3ae9c115bae24efdfd9076c93080b" ns2:_="">
     <xsd:import namespace="a73fd6a0-a740-4ca0-a47f-6beba88ccc77"/>
@@ -38035,6 +39279,12 @@
 </ct:contentTypeSchema>
 </file>
 
+<file path=customXml/item2.xml><?xml version="1.0" encoding="utf-8"?>
+<p:properties xmlns:p="http://schemas.microsoft.com/office/2006/metadata/properties" xmlns:xsi="http://www.w3.org/2001/XMLSchema-instance" xmlns:pc="http://schemas.microsoft.com/office/infopath/2007/PartnerControls">
+  <documentManagement/>
+</p:properties>
+</file>
+
 <file path=customXml/item3.xml><?xml version="1.0" encoding="utf-8"?>
 <?mso-contentType ?>
 <FormTemplates xmlns="http://schemas.microsoft.com/sharepoint/v3/contenttype/forms">
@@ -38045,22 +39295,6 @@
 </file>
 
 <file path=customXml/itemProps1.xml><?xml version="1.0" encoding="utf-8"?>
-<ds:datastoreItem xmlns:ds="http://schemas.openxmlformats.org/officeDocument/2006/customXml" ds:itemID="{F8AE8C2F-0717-4D42-B44A-CAECCF122A1A}">
-  <ds:schemaRefs>
-    <ds:schemaRef ds:uri="http://purl.org/dc/elements/1.1/"/>
-    <ds:schemaRef ds:uri="http://schemas.microsoft.com/office/2006/metadata/properties"/>
-    <ds:schemaRef ds:uri="http://schemas.microsoft.com/office/2006/documentManagement/types"/>
-    <ds:schemaRef ds:uri="http://purl.org/dc/terms/"/>
-    <ds:schemaRef ds:uri="http://schemas.openxmlformats.org/package/2006/metadata/core-properties"/>
-    <ds:schemaRef ds:uri="http://purl.org/dc/dcmitype/"/>
-    <ds:schemaRef ds:uri="http://schemas.microsoft.com/office/infopath/2007/PartnerControls"/>
-    <ds:schemaRef ds:uri="a73fd6a0-a740-4ca0-a47f-6beba88ccc77"/>
-    <ds:schemaRef ds:uri="http://www.w3.org/XML/1998/namespace"/>
-  </ds:schemaRefs>
-</ds:datastoreItem>
-</file>
-
-<file path=customXml/itemProps2.xml><?xml version="1.0" encoding="utf-8"?>
 <ds:datastoreItem xmlns:ds="http://schemas.openxmlformats.org/officeDocument/2006/customXml" ds:itemID="{9AC0CDE9-3E35-44FD-A63A-9795CF527D47}">
   <ds:schemaRefs>
     <ds:schemaRef ds:uri="http://schemas.microsoft.com/office/2006/metadata/contentType"/>
@@ -38078,6 +39312,22 @@
 </ds:datastoreItem>
 </file>
 
+<file path=customXml/itemProps2.xml><?xml version="1.0" encoding="utf-8"?>
+<ds:datastoreItem xmlns:ds="http://schemas.openxmlformats.org/officeDocument/2006/customXml" ds:itemID="{F8AE8C2F-0717-4D42-B44A-CAECCF122A1A}">
+  <ds:schemaRefs>
+    <ds:schemaRef ds:uri="http://purl.org/dc/elements/1.1/"/>
+    <ds:schemaRef ds:uri="http://schemas.microsoft.com/office/2006/metadata/properties"/>
+    <ds:schemaRef ds:uri="http://schemas.microsoft.com/office/2006/documentManagement/types"/>
+    <ds:schemaRef ds:uri="http://purl.org/dc/terms/"/>
+    <ds:schemaRef ds:uri="http://schemas.openxmlformats.org/package/2006/metadata/core-properties"/>
+    <ds:schemaRef ds:uri="http://purl.org/dc/dcmitype/"/>
+    <ds:schemaRef ds:uri="http://schemas.microsoft.com/office/infopath/2007/PartnerControls"/>
+    <ds:schemaRef ds:uri="a73fd6a0-a740-4ca0-a47f-6beba88ccc77"/>
+    <ds:schemaRef ds:uri="http://www.w3.org/XML/1998/namespace"/>
+  </ds:schemaRefs>
+</ds:datastoreItem>
+</file>
+
 <file path=customXml/itemProps3.xml><?xml version="1.0" encoding="utf-8"?>
 <ds:datastoreItem xmlns:ds="http://schemas.openxmlformats.org/officeDocument/2006/customXml" ds:itemID="{4522A51C-073F-4C45-9170-ECE5951F4DEA}">
   <ds:schemaRefs>

--- a/Checker Framework.pptx
+++ b/Checker Framework.pptx
@@ -25281,23 +25281,11 @@
             </a:r>
             <a:r>
               <a:rPr lang="en-US" strike="sngStrike" dirty="0" smtClean="0"/>
-              <a:t>this code </a:t>
-            </a:r>
-            <a:r>
-              <a:rPr lang="en-US" strike="sngStrike" dirty="0" smtClean="0"/>
-              <a:t>do</a:t>
+              <a:t>this code do</a:t>
             </a:r>
             <a:r>
               <a:rPr lang="en-US" dirty="0" smtClean="0"/>
-              <a:t> th</a:t>
-            </a:r>
-            <a:r>
-              <a:rPr lang="en-US" dirty="0" smtClean="0"/>
-              <a:t>e compiler say</a:t>
-            </a:r>
-            <a:r>
-              <a:rPr lang="en-US" dirty="0" smtClean="0"/>
-              <a:t>?</a:t>
+              <a:t> the compiler say?</a:t>
             </a:r>
             <a:endParaRPr lang="en-US" dirty="0"/>
           </a:p>
@@ -25559,7 +25547,6 @@
               <a:rPr lang="en-US" dirty="0"/>
               <a:t> the compiler say?</a:t>
             </a:r>
-            <a:endParaRPr lang="en-US" dirty="0"/>
           </a:p>
         </p:txBody>
       </p:sp>
@@ -25905,7 +25892,6 @@
               <a:rPr lang="en-US" dirty="0"/>
               <a:t> the compiler say?</a:t>
             </a:r>
-            <a:endParaRPr lang="en-US" dirty="0"/>
           </a:p>
         </p:txBody>
       </p:sp>
@@ -26491,7 +26477,6 @@
               <a:rPr lang="en-US" dirty="0"/>
               <a:t> the compiler say?</a:t>
             </a:r>
-            <a:endParaRPr lang="en-US" dirty="0"/>
           </a:p>
         </p:txBody>
       </p:sp>
@@ -27122,7 +27107,6 @@
               <a:rPr lang="en-US" dirty="0"/>
               <a:t>the compiler say?</a:t>
             </a:r>
-            <a:endParaRPr lang="en-US" dirty="0"/>
           </a:p>
         </p:txBody>
       </p:sp>
@@ -27464,7 +27448,6 @@
               <a:rPr lang="en-US" dirty="0"/>
               <a:t> the compiler say?</a:t>
             </a:r>
-            <a:endParaRPr lang="en-US" dirty="0"/>
           </a:p>
         </p:txBody>
       </p:sp>
@@ -35143,7 +35126,22 @@
               <a:rPr lang="en-US" i="1" dirty="0">
                 <a:latin typeface="Consolas" panose="020B0609020204030204" pitchFamily="49" charset="0"/>
               </a:rPr>
-              <a:t> parameter represents the object for which the method is invoked</a:t>
+              <a:t> </a:t>
+            </a:r>
+            <a:r>
+              <a:rPr lang="en-US" i="1" dirty="0">
+                <a:solidFill>
+                  <a:srgbClr val="00B0F0"/>
+                </a:solidFill>
+                <a:latin typeface="Consolas" panose="020B0609020204030204" pitchFamily="49" charset="0"/>
+              </a:rPr>
+              <a:t>parameter</a:t>
+            </a:r>
+            <a:r>
+              <a:rPr lang="en-US" i="1" dirty="0">
+                <a:latin typeface="Consolas" panose="020B0609020204030204" pitchFamily="49" charset="0"/>
+              </a:rPr>
+              <a:t> represents the object for which the method is invoked</a:t>
             </a:r>
             <a:r>
               <a:rPr lang="en-US" i="1" dirty="0" smtClean="0">
@@ -35400,7 +35398,13 @@
               <a:rPr lang="en-US" dirty="0" smtClean="0">
                 <a:latin typeface="Consolas" panose="020B0609020204030204" pitchFamily="49" charset="0"/>
               </a:rPr>
-              <a:t>Checker aims to be sound: no errors =&gt; code is correct</a:t>
+              <a:t>‘Checker’ aims </a:t>
+            </a:r>
+            <a:r>
+              <a:rPr lang="en-US" dirty="0" smtClean="0">
+                <a:latin typeface="Consolas" panose="020B0609020204030204" pitchFamily="49" charset="0"/>
+              </a:rPr>
+              <a:t>to be sound: no errors =&gt; code is correct</a:t>
             </a:r>
           </a:p>
           <a:p>
@@ -35863,7 +35867,11 @@
           <a:p>
             <a:r>
               <a:rPr lang="en-US" dirty="0" smtClean="0"/>
-              <a:t>Final thoughts</a:t>
+              <a:t>Final </a:t>
+            </a:r>
+            <a:r>
+              <a:rPr lang="en-US" dirty="0" smtClean="0"/>
+              <a:t>thoughts &amp; takeaways</a:t>
             </a:r>
             <a:endParaRPr lang="en-US" dirty="0"/>
           </a:p>
@@ -35898,7 +35906,7 @@
                 <a:latin typeface="Courier New" panose="02070309020205020404" pitchFamily="49" charset="0"/>
                 <a:cs typeface="Courier New" panose="02070309020205020404" pitchFamily="49" charset="0"/>
               </a:rPr>
-              <a:t>PropertyKeyChecker</a:t>
+              <a:t>PropertyChecker</a:t>
             </a:r>
             <a:r>
               <a:rPr lang="en-US" dirty="0" smtClean="0">
@@ -35936,6 +35944,13 @@
               <a:t>, </a:t>
             </a:r>
             <a:r>
+              <a:rPr lang="en-US" dirty="0" err="1" smtClean="0">
+                <a:latin typeface="Courier New" panose="02070309020205020404" pitchFamily="49" charset="0"/>
+                <a:cs typeface="Courier New" panose="02070309020205020404" pitchFamily="49" charset="0"/>
+              </a:rPr>
+              <a:t>IndexChecker</a:t>
+            </a:r>
+            <a:r>
               <a:rPr lang="en-NL" dirty="0" smtClean="0">
                 <a:latin typeface="Courier New" panose="02070309020205020404" pitchFamily="49" charset="0"/>
                 <a:cs typeface="Courier New" panose="02070309020205020404" pitchFamily="49" charset="0"/>
@@ -35949,6 +35964,10 @@
               </a:rPr>
               <a:t> </a:t>
             </a:r>
+            <a:endParaRPr lang="en-US" dirty="0" smtClean="0">
+              <a:latin typeface="Courier New" panose="02070309020205020404" pitchFamily="49" charset="0"/>
+              <a:cs typeface="Courier New" panose="02070309020205020404" pitchFamily="49" charset="0"/>
+            </a:endParaRPr>
           </a:p>
           <a:p>
             <a:endParaRPr lang="en-US" dirty="0" smtClean="0">
@@ -35985,16 +36004,28 @@
           <a:p>
             <a:pPr lvl="1"/>
             <a:r>
+              <a:rPr lang="en-US" dirty="0" err="1" smtClean="0">
+                <a:latin typeface="Consolas" panose="020B0609020204030204" pitchFamily="49" charset="0"/>
+              </a:rPr>
+              <a:t>Subclassing</a:t>
+            </a:r>
+            <a:r>
               <a:rPr lang="en-US" dirty="0" smtClean="0">
                 <a:latin typeface="Consolas" panose="020B0609020204030204" pitchFamily="49" charset="0"/>
               </a:rPr>
-              <a:t>Sub classing is also a </a:t>
+              <a:t> could be </a:t>
             </a:r>
             <a:r>
               <a:rPr lang="en-US" dirty="0" smtClean="0">
                 <a:latin typeface="Consolas" panose="020B0609020204030204" pitchFamily="49" charset="0"/>
               </a:rPr>
-              <a:t>solution but could mean breaking change</a:t>
+              <a:t>a solution but </a:t>
+            </a:r>
+            <a:r>
+              <a:rPr lang="en-US" dirty="0" smtClean="0">
+                <a:latin typeface="Consolas" panose="020B0609020204030204" pitchFamily="49" charset="0"/>
+              </a:rPr>
+              <a:t>can break code</a:t>
             </a:r>
             <a:r>
               <a:rPr lang="en-US" dirty="0" smtClean="0">
@@ -36022,19 +36053,19 @@
               <a:rPr lang="en-US" dirty="0" err="1" smtClean="0">
                 <a:latin typeface="Consolas" panose="020B0609020204030204" pitchFamily="49" charset="0"/>
               </a:rPr>
-              <a:t>FindBugs,SonarLint</a:t>
+              <a:t>FindBugs</a:t>
             </a:r>
             <a:r>
               <a:rPr lang="en-US" dirty="0" smtClean="0">
                 <a:latin typeface="Consolas" panose="020B0609020204030204" pitchFamily="49" charset="0"/>
               </a:rPr>
-              <a:t>,</a:t>
-            </a:r>
-            <a:r>
-              <a:rPr lang="en-NL" dirty="0" smtClean="0">
-                <a:latin typeface="Consolas" panose="020B0609020204030204" pitchFamily="49" charset="0"/>
-              </a:rPr>
-              <a:t>…</a:t>
+              <a:t> and </a:t>
+            </a:r>
+            <a:r>
+              <a:rPr lang="en-US" dirty="0" err="1" smtClean="0">
+                <a:latin typeface="Consolas" panose="020B0609020204030204" pitchFamily="49" charset="0"/>
+              </a:rPr>
+              <a:t>SonarLint</a:t>
             </a:r>
             <a:r>
               <a:rPr lang="en-US" dirty="0" smtClean="0">
@@ -36211,11 +36242,7 @@
           <a:p>
             <a:r>
               <a:rPr lang="en-US" dirty="0" smtClean="0"/>
-              <a:t>What does this code do</a:t>
-            </a:r>
-            <a:r>
-              <a:rPr lang="en-US" dirty="0" smtClean="0"/>
-              <a:t>?</a:t>
+              <a:t>What does this code do?</a:t>
             </a:r>
             <a:endParaRPr lang="en-US" dirty="0"/>
           </a:p>
@@ -39140,6 +39167,12 @@
 </file>
 
 <file path=customXml/item1.xml><?xml version="1.0" encoding="utf-8"?>
+<p:properties xmlns:p="http://schemas.microsoft.com/office/2006/metadata/properties" xmlns:xsi="http://www.w3.org/2001/XMLSchema-instance" xmlns:pc="http://schemas.microsoft.com/office/infopath/2007/PartnerControls">
+  <documentManagement/>
+</p:properties>
+</file>
+
+<file path=customXml/item2.xml><?xml version="1.0" encoding="utf-8"?>
 <ct:contentTypeSchema xmlns:ct="http://schemas.microsoft.com/office/2006/metadata/contentType" xmlns:ma="http://schemas.microsoft.com/office/2006/metadata/properties/metaAttributes" ct:_="" ma:_="" ma:contentTypeName="Document" ma:contentTypeID="0x0101000858805C9A31ED4698AA5994F7540466" ma:contentTypeVersion="1" ma:contentTypeDescription="Een nieuw document maken." ma:contentTypeScope="" ma:versionID="5cab34e6f8d54d32c51f192539e9981c">
   <xsd:schema xmlns:xsd="http://www.w3.org/2001/XMLSchema" xmlns:xs="http://www.w3.org/2001/XMLSchema" xmlns:p="http://schemas.microsoft.com/office/2006/metadata/properties" xmlns:ns2="a73fd6a0-a740-4ca0-a47f-6beba88ccc77" targetNamespace="http://schemas.microsoft.com/office/2006/metadata/properties" ma:root="true" ma:fieldsID="10b3ae9c115bae24efdfd9076c93080b" ns2:_="">
     <xsd:import namespace="a73fd6a0-a740-4ca0-a47f-6beba88ccc77"/>
@@ -39279,12 +39312,6 @@
 </ct:contentTypeSchema>
 </file>
 
-<file path=customXml/item2.xml><?xml version="1.0" encoding="utf-8"?>
-<p:properties xmlns:p="http://schemas.microsoft.com/office/2006/metadata/properties" xmlns:xsi="http://www.w3.org/2001/XMLSchema-instance" xmlns:pc="http://schemas.microsoft.com/office/infopath/2007/PartnerControls">
-  <documentManagement/>
-</p:properties>
-</file>
-
 <file path=customXml/item3.xml><?xml version="1.0" encoding="utf-8"?>
 <?mso-contentType ?>
 <FormTemplates xmlns="http://schemas.microsoft.com/sharepoint/v3/contenttype/forms">
@@ -39295,6 +39322,22 @@
 </file>
 
 <file path=customXml/itemProps1.xml><?xml version="1.0" encoding="utf-8"?>
+<ds:datastoreItem xmlns:ds="http://schemas.openxmlformats.org/officeDocument/2006/customXml" ds:itemID="{F8AE8C2F-0717-4D42-B44A-CAECCF122A1A}">
+  <ds:schemaRefs>
+    <ds:schemaRef ds:uri="http://purl.org/dc/elements/1.1/"/>
+    <ds:schemaRef ds:uri="http://schemas.microsoft.com/office/2006/metadata/properties"/>
+    <ds:schemaRef ds:uri="http://schemas.microsoft.com/office/2006/documentManagement/types"/>
+    <ds:schemaRef ds:uri="http://purl.org/dc/terms/"/>
+    <ds:schemaRef ds:uri="http://schemas.openxmlformats.org/package/2006/metadata/core-properties"/>
+    <ds:schemaRef ds:uri="http://purl.org/dc/dcmitype/"/>
+    <ds:schemaRef ds:uri="http://schemas.microsoft.com/office/infopath/2007/PartnerControls"/>
+    <ds:schemaRef ds:uri="a73fd6a0-a740-4ca0-a47f-6beba88ccc77"/>
+    <ds:schemaRef ds:uri="http://www.w3.org/XML/1998/namespace"/>
+  </ds:schemaRefs>
+</ds:datastoreItem>
+</file>
+
+<file path=customXml/itemProps2.xml><?xml version="1.0" encoding="utf-8"?>
 <ds:datastoreItem xmlns:ds="http://schemas.openxmlformats.org/officeDocument/2006/customXml" ds:itemID="{9AC0CDE9-3E35-44FD-A63A-9795CF527D47}">
   <ds:schemaRefs>
     <ds:schemaRef ds:uri="http://schemas.microsoft.com/office/2006/metadata/contentType"/>
@@ -39312,22 +39355,6 @@
 </ds:datastoreItem>
 </file>
 
-<file path=customXml/itemProps2.xml><?xml version="1.0" encoding="utf-8"?>
-<ds:datastoreItem xmlns:ds="http://schemas.openxmlformats.org/officeDocument/2006/customXml" ds:itemID="{F8AE8C2F-0717-4D42-B44A-CAECCF122A1A}">
-  <ds:schemaRefs>
-    <ds:schemaRef ds:uri="http://purl.org/dc/elements/1.1/"/>
-    <ds:schemaRef ds:uri="http://schemas.microsoft.com/office/2006/metadata/properties"/>
-    <ds:schemaRef ds:uri="http://schemas.microsoft.com/office/2006/documentManagement/types"/>
-    <ds:schemaRef ds:uri="http://purl.org/dc/terms/"/>
-    <ds:schemaRef ds:uri="http://schemas.openxmlformats.org/package/2006/metadata/core-properties"/>
-    <ds:schemaRef ds:uri="http://purl.org/dc/dcmitype/"/>
-    <ds:schemaRef ds:uri="http://schemas.microsoft.com/office/infopath/2007/PartnerControls"/>
-    <ds:schemaRef ds:uri="a73fd6a0-a740-4ca0-a47f-6beba88ccc77"/>
-    <ds:schemaRef ds:uri="http://www.w3.org/XML/1998/namespace"/>
-  </ds:schemaRefs>
-</ds:datastoreItem>
-</file>
-
 <file path=customXml/itemProps3.xml><?xml version="1.0" encoding="utf-8"?>
 <ds:datastoreItem xmlns:ds="http://schemas.openxmlformats.org/officeDocument/2006/customXml" ds:itemID="{4522A51C-073F-4C45-9170-ECE5951F4DEA}">
   <ds:schemaRefs>

--- a/Checker Framework.pptx
+++ b/Checker Framework.pptx
@@ -6,10 +6,10 @@
     <p:sldMasterId id="2147483669" r:id="rId5"/>
   </p:sldMasterIdLst>
   <p:notesMasterIdLst>
-    <p:notesMasterId r:id="rId37"/>
+    <p:notesMasterId r:id="rId38"/>
   </p:notesMasterIdLst>
   <p:handoutMasterIdLst>
-    <p:handoutMasterId r:id="rId38"/>
+    <p:handoutMasterId r:id="rId39"/>
   </p:handoutMasterIdLst>
   <p:sldIdLst>
     <p:sldId id="256" r:id="rId6"/>
@@ -31,18 +31,19 @@
     <p:sldId id="268" r:id="rId22"/>
     <p:sldId id="275" r:id="rId23"/>
     <p:sldId id="272" r:id="rId24"/>
-    <p:sldId id="289" r:id="rId25"/>
+    <p:sldId id="292" r:id="rId25"/>
     <p:sldId id="290" r:id="rId26"/>
     <p:sldId id="291" r:id="rId27"/>
-    <p:sldId id="277" r:id="rId28"/>
-    <p:sldId id="278" r:id="rId29"/>
-    <p:sldId id="285" r:id="rId30"/>
-    <p:sldId id="281" r:id="rId31"/>
-    <p:sldId id="273" r:id="rId32"/>
-    <p:sldId id="279" r:id="rId33"/>
-    <p:sldId id="286" r:id="rId34"/>
-    <p:sldId id="282" r:id="rId35"/>
-    <p:sldId id="283" r:id="rId36"/>
+    <p:sldId id="296" r:id="rId28"/>
+    <p:sldId id="295" r:id="rId29"/>
+    <p:sldId id="294" r:id="rId30"/>
+    <p:sldId id="285" r:id="rId31"/>
+    <p:sldId id="281" r:id="rId32"/>
+    <p:sldId id="273" r:id="rId33"/>
+    <p:sldId id="279" r:id="rId34"/>
+    <p:sldId id="286" r:id="rId35"/>
+    <p:sldId id="282" r:id="rId36"/>
+    <p:sldId id="283" r:id="rId37"/>
   </p:sldIdLst>
   <p:sldSz cx="12192000" cy="6858000"/>
   <p:notesSz cx="6858000" cy="9144000"/>
@@ -257,7 +258,7 @@
           <a:p>
             <a:fld id="{3532B83F-F844-4C18-98E8-7C33F4B39DE0}" type="datetimeFigureOut">
               <a:rPr lang="nl-NL" smtClean="0"/>
-              <a:t>28-2-2020</a:t>
+              <a:t>4-3-2020</a:t>
             </a:fld>
             <a:endParaRPr lang="nl-NL"/>
           </a:p>
@@ -434,7 +435,7 @@
           <a:p>
             <a:fld id="{27396D34-C2B8-41FF-AE69-48AE3B3D8E8B}" type="datetimeFigureOut">
               <a:rPr lang="nl-NL" smtClean="0"/>
-              <a:t>28-2-2020</a:t>
+              <a:t>4-3-2020</a:t>
             </a:fld>
             <a:endParaRPr lang="nl-NL"/>
           </a:p>
@@ -31895,14 +31896,14 @@
           <a:bodyPr/>
           <a:lstStyle/>
           <a:p>
-            <a:endParaRPr lang="en-US"/>
+            <a:endParaRPr lang="en-US" dirty="0"/>
           </a:p>
         </p:txBody>
       </p:sp>
     </p:spTree>
     <p:extLst>
       <p:ext uri="{BB962C8B-B14F-4D97-AF65-F5344CB8AC3E}">
-        <p14:creationId xmlns:p14="http://schemas.microsoft.com/office/powerpoint/2010/main" val="2713346878"/>
+        <p14:creationId xmlns:p14="http://schemas.microsoft.com/office/powerpoint/2010/main" val="3321729000"/>
       </p:ext>
     </p:extLst>
   </p:cSld>
@@ -33528,138 +33529,6 @@
           </a:p>
         </p:txBody>
       </p:sp>
-      <p:sp>
-        <p:nvSpPr>
-          <p:cNvPr id="16" name="Rectangle 3"/>
-          <p:cNvSpPr>
-            <a:spLocks noChangeArrowheads="1"/>
-          </p:cNvSpPr>
-          <p:nvPr/>
-        </p:nvSpPr>
-        <p:spPr bwMode="auto">
-          <a:xfrm>
-            <a:off x="2294464" y="4580954"/>
-            <a:ext cx="1710265" cy="400110"/>
-          </a:xfrm>
-          <a:prstGeom prst="rect">
-            <a:avLst/>
-          </a:prstGeom>
-          <a:solidFill>
-            <a:srgbClr val="FFFFFF"/>
-          </a:solidFill>
-          <a:ln>
-            <a:noFill/>
-          </a:ln>
-          <a:effectLst/>
-          <a:extLst>
-            <a:ext uri="{91240B29-F687-4F45-9708-019B960494DF}">
-              <a14:hiddenLine xmlns:a14="http://schemas.microsoft.com/office/drawing/2010/main" w="9525">
-                <a:solidFill>
-                  <a:schemeClr val="tx1"/>
-                </a:solidFill>
-                <a:miter lim="800000"/>
-                <a:headEnd/>
-                <a:tailEnd/>
-              </a14:hiddenLine>
-            </a:ext>
-            <a:ext uri="{AF507438-7753-43E0-B8FC-AC1667EBCBE1}">
-              <a14:hiddenEffects xmlns:a14="http://schemas.microsoft.com/office/drawing/2010/main">
-                <a:effectLst>
-                  <a:outerShdw dist="35921" dir="2700000" algn="ctr" rotWithShape="0">
-                    <a:schemeClr val="bg2"/>
-                  </a:outerShdw>
-                </a:effectLst>
-              </a14:hiddenEffects>
-            </a:ext>
-          </a:extLst>
-        </p:spPr>
-        <p:txBody>
-          <a:bodyPr vert="horz" wrap="square" lIns="91440" tIns="45720" rIns="91440" bIns="45720" numCol="1" anchor="ctr" anchorCtr="0" compatLnSpc="1">
-            <a:prstTxWarp prst="textNoShape">
-              <a:avLst/>
-            </a:prstTxWarp>
-            <a:spAutoFit/>
-          </a:bodyPr>
-          <a:lstStyle/>
-          <a:p>
-            <a:pPr marL="0" marR="0" lvl="0" indent="0" algn="l" defTabSz="914400" rtl="0" eaLnBrk="0" fontAlgn="base" latinLnBrk="0" hangingPunct="0">
-              <a:lnSpc>
-                <a:spcPct val="100000"/>
-              </a:lnSpc>
-              <a:spcBef>
-                <a:spcPct val="0"/>
-              </a:spcBef>
-              <a:spcAft>
-                <a:spcPct val="0"/>
-              </a:spcAft>
-              <a:buClrTx/>
-              <a:buSzTx/>
-              <a:buFontTx/>
-              <a:buNone/>
-              <a:tabLst/>
-            </a:pPr>
-            <a:r>
-              <a:rPr kumimoji="0" lang="en-US" altLang="en-US" sz="2000" b="0" i="0" u="none" strike="noStrike" cap="none" normalizeH="0" baseline="0" dirty="0" smtClean="0">
-                <a:ln>
-                  <a:noFill/>
-                </a:ln>
-                <a:solidFill>
-                  <a:srgbClr val="808000"/>
-                </a:solidFill>
-                <a:effectLst/>
-                <a:latin typeface="Courier New" panose="02070309020205020404" pitchFamily="49" charset="0"/>
-                <a:cs typeface="Courier New" panose="02070309020205020404" pitchFamily="49" charset="0"/>
-              </a:rPr>
-              <a:t>@Encrypted</a:t>
-            </a:r>
-            <a:endParaRPr kumimoji="0" lang="en-US" altLang="en-US" sz="1800" b="0" i="0" u="none" strike="noStrike" cap="none" normalizeH="0" baseline="0" dirty="0" smtClean="0">
-              <a:ln>
-                <a:noFill/>
-              </a:ln>
-              <a:solidFill>
-                <a:schemeClr val="tx1"/>
-              </a:solidFill>
-              <a:effectLst/>
-              <a:latin typeface="Arial" panose="020B0604020202020204" pitchFamily="34" charset="0"/>
-            </a:endParaRPr>
-          </a:p>
-        </p:txBody>
-      </p:sp>
-      <p:cxnSp>
-        <p:nvCxnSpPr>
-          <p:cNvPr id="17" name="Straight Arrow Connector 16"/>
-          <p:cNvCxnSpPr>
-            <a:stCxn id="16" idx="0"/>
-          </p:cNvCxnSpPr>
-          <p:nvPr/>
-        </p:nvCxnSpPr>
-        <p:spPr>
-          <a:xfrm flipV="1">
-            <a:off x="3073398" y="3093952"/>
-            <a:ext cx="0" cy="1487002"/>
-          </a:xfrm>
-          <a:prstGeom prst="straightConnector1">
-            <a:avLst/>
-          </a:prstGeom>
-          <a:ln>
-            <a:tailEnd type="triangle"/>
-          </a:ln>
-        </p:spPr>
-        <p:style>
-          <a:lnRef idx="1">
-            <a:schemeClr val="accent1"/>
-          </a:lnRef>
-          <a:fillRef idx="0">
-            <a:schemeClr val="accent1"/>
-          </a:fillRef>
-          <a:effectRef idx="0">
-            <a:schemeClr val="accent1"/>
-          </a:effectRef>
-          <a:fontRef idx="minor">
-            <a:schemeClr val="tx1"/>
-          </a:fontRef>
-        </p:style>
-      </p:cxnSp>
     </p:spTree>
     <p:extLst>
       <p:ext uri="{BB962C8B-B14F-4D97-AF65-F5344CB8AC3E}">
@@ -33714,6 +33583,1083 @@
           <a:p>
             <a:r>
               <a:rPr lang="en-US" dirty="0" smtClean="0"/>
+              <a:t>Subtyping checker</a:t>
+            </a:r>
+            <a:endParaRPr lang="en-US" dirty="0"/>
+          </a:p>
+        </p:txBody>
+      </p:sp>
+      <p:sp>
+        <p:nvSpPr>
+          <p:cNvPr id="5" name="Rectangle 2"/>
+          <p:cNvSpPr>
+            <a:spLocks noGrp="1" noChangeArrowheads="1"/>
+          </p:cNvSpPr>
+          <p:nvPr>
+            <p:ph type="body" sz="quarter" idx="10"/>
+          </p:nvPr>
+        </p:nvSpPr>
+        <p:spPr bwMode="auto">
+          <a:xfrm>
+            <a:off x="5659095" y="2693841"/>
+            <a:ext cx="1415772" cy="400110"/>
+          </a:xfrm>
+          <a:prstGeom prst="rect">
+            <a:avLst/>
+          </a:prstGeom>
+          <a:solidFill>
+            <a:srgbClr val="FFFFFF"/>
+          </a:solidFill>
+          <a:ln>
+            <a:noFill/>
+          </a:ln>
+          <a:effectLst/>
+          <a:extLst>
+            <a:ext uri="{91240B29-F687-4F45-9708-019B960494DF}">
+              <a14:hiddenLine xmlns:a14="http://schemas.microsoft.com/office/drawing/2010/main" w="9525">
+                <a:solidFill>
+                  <a:schemeClr val="tx1"/>
+                </a:solidFill>
+                <a:miter lim="800000"/>
+                <a:headEnd/>
+                <a:tailEnd/>
+              </a14:hiddenLine>
+            </a:ext>
+            <a:ext uri="{AF507438-7753-43E0-B8FC-AC1667EBCBE1}">
+              <a14:hiddenEffects xmlns:a14="http://schemas.microsoft.com/office/drawing/2010/main">
+                <a:effectLst>
+                  <a:outerShdw dist="35921" dir="2700000" algn="ctr" rotWithShape="0">
+                    <a:schemeClr val="bg2"/>
+                  </a:outerShdw>
+                </a:effectLst>
+              </a14:hiddenEffects>
+            </a:ext>
+          </a:extLst>
+        </p:spPr>
+        <p:txBody>
+          <a:bodyPr vert="horz" wrap="none" lIns="91440" tIns="45720" rIns="91440" bIns="45720" numCol="1" anchor="ctr" anchorCtr="0" compatLnSpc="1">
+            <a:prstTxWarp prst="textNoShape">
+              <a:avLst/>
+            </a:prstTxWarp>
+            <a:spAutoFit/>
+          </a:bodyPr>
+          <a:lstStyle/>
+          <a:p>
+            <a:pPr marL="0" marR="0" lvl="0" indent="0" algn="l" defTabSz="914400" rtl="0" eaLnBrk="0" fontAlgn="base" latinLnBrk="0" hangingPunct="0">
+              <a:lnSpc>
+                <a:spcPct val="100000"/>
+              </a:lnSpc>
+              <a:spcBef>
+                <a:spcPct val="0"/>
+              </a:spcBef>
+              <a:spcAft>
+                <a:spcPct val="0"/>
+              </a:spcAft>
+              <a:buClrTx/>
+              <a:buSzTx/>
+              <a:buFontTx/>
+              <a:buNone/>
+              <a:tabLst/>
+            </a:pPr>
+            <a:r>
+              <a:rPr kumimoji="0" lang="en-US" altLang="en-US" sz="2000" b="0" i="0" u="none" strike="noStrike" cap="none" normalizeH="0" baseline="0" dirty="0" smtClean="0">
+                <a:ln>
+                  <a:noFill/>
+                </a:ln>
+                <a:solidFill>
+                  <a:srgbClr val="808000"/>
+                </a:solidFill>
+                <a:effectLst/>
+                <a:latin typeface="Courier New" panose="02070309020205020404" pitchFamily="49" charset="0"/>
+                <a:cs typeface="Courier New" panose="02070309020205020404" pitchFamily="49" charset="0"/>
+              </a:rPr>
+              <a:t>@Tainted</a:t>
+            </a:r>
+            <a:endParaRPr kumimoji="0" lang="en-US" altLang="en-US" sz="1800" b="0" i="0" u="none" strike="noStrike" cap="none" normalizeH="0" baseline="0" dirty="0" smtClean="0">
+              <a:ln>
+                <a:noFill/>
+              </a:ln>
+              <a:solidFill>
+                <a:schemeClr val="tx1"/>
+              </a:solidFill>
+              <a:effectLst/>
+              <a:latin typeface="Arial" panose="020B0604020202020204" pitchFamily="34" charset="0"/>
+            </a:endParaRPr>
+          </a:p>
+        </p:txBody>
+      </p:sp>
+      <p:sp>
+        <p:nvSpPr>
+          <p:cNvPr id="6" name="Rectangle 3"/>
+          <p:cNvSpPr>
+            <a:spLocks noChangeArrowheads="1"/>
+          </p:cNvSpPr>
+          <p:nvPr/>
+        </p:nvSpPr>
+        <p:spPr bwMode="auto">
+          <a:xfrm>
+            <a:off x="5659095" y="4580954"/>
+            <a:ext cx="1710265" cy="400110"/>
+          </a:xfrm>
+          <a:prstGeom prst="rect">
+            <a:avLst/>
+          </a:prstGeom>
+          <a:solidFill>
+            <a:srgbClr val="FFFFFF"/>
+          </a:solidFill>
+          <a:ln>
+            <a:noFill/>
+          </a:ln>
+          <a:effectLst/>
+          <a:extLst>
+            <a:ext uri="{91240B29-F687-4F45-9708-019B960494DF}">
+              <a14:hiddenLine xmlns:a14="http://schemas.microsoft.com/office/drawing/2010/main" w="9525">
+                <a:solidFill>
+                  <a:schemeClr val="tx1"/>
+                </a:solidFill>
+                <a:miter lim="800000"/>
+                <a:headEnd/>
+                <a:tailEnd/>
+              </a14:hiddenLine>
+            </a:ext>
+            <a:ext uri="{AF507438-7753-43E0-B8FC-AC1667EBCBE1}">
+              <a14:hiddenEffects xmlns:a14="http://schemas.microsoft.com/office/drawing/2010/main">
+                <a:effectLst>
+                  <a:outerShdw dist="35921" dir="2700000" algn="ctr" rotWithShape="0">
+                    <a:schemeClr val="bg2"/>
+                  </a:outerShdw>
+                </a:effectLst>
+              </a14:hiddenEffects>
+            </a:ext>
+          </a:extLst>
+        </p:spPr>
+        <p:txBody>
+          <a:bodyPr vert="horz" wrap="square" lIns="91440" tIns="45720" rIns="91440" bIns="45720" numCol="1" anchor="ctr" anchorCtr="0" compatLnSpc="1">
+            <a:prstTxWarp prst="textNoShape">
+              <a:avLst/>
+            </a:prstTxWarp>
+            <a:spAutoFit/>
+          </a:bodyPr>
+          <a:lstStyle/>
+          <a:p>
+            <a:pPr marL="0" marR="0" lvl="0" indent="0" algn="l" defTabSz="914400" rtl="0" eaLnBrk="0" fontAlgn="base" latinLnBrk="0" hangingPunct="0">
+              <a:lnSpc>
+                <a:spcPct val="100000"/>
+              </a:lnSpc>
+              <a:spcBef>
+                <a:spcPct val="0"/>
+              </a:spcBef>
+              <a:spcAft>
+                <a:spcPct val="0"/>
+              </a:spcAft>
+              <a:buClrTx/>
+              <a:buSzTx/>
+              <a:buFontTx/>
+              <a:buNone/>
+              <a:tabLst/>
+            </a:pPr>
+            <a:r>
+              <a:rPr kumimoji="0" lang="en-US" altLang="en-US" sz="2000" b="0" i="0" u="none" strike="noStrike" cap="none" normalizeH="0" baseline="0" dirty="0" smtClean="0">
+                <a:ln>
+                  <a:noFill/>
+                </a:ln>
+                <a:solidFill>
+                  <a:srgbClr val="808000"/>
+                </a:solidFill>
+                <a:effectLst/>
+                <a:latin typeface="Courier New" panose="02070309020205020404" pitchFamily="49" charset="0"/>
+                <a:cs typeface="Courier New" panose="02070309020205020404" pitchFamily="49" charset="0"/>
+              </a:rPr>
+              <a:t>@Untainted</a:t>
+            </a:r>
+            <a:endParaRPr kumimoji="0" lang="en-US" altLang="en-US" sz="1800" b="0" i="0" u="none" strike="noStrike" cap="none" normalizeH="0" baseline="0" dirty="0" smtClean="0">
+              <a:ln>
+                <a:noFill/>
+              </a:ln>
+              <a:solidFill>
+                <a:schemeClr val="tx1"/>
+              </a:solidFill>
+              <a:effectLst/>
+              <a:latin typeface="Arial" panose="020B0604020202020204" pitchFamily="34" charset="0"/>
+            </a:endParaRPr>
+          </a:p>
+        </p:txBody>
+      </p:sp>
+      <p:cxnSp>
+        <p:nvCxnSpPr>
+          <p:cNvPr id="8" name="Straight Arrow Connector 7"/>
+          <p:cNvCxnSpPr>
+            <a:stCxn id="6" idx="0"/>
+          </p:cNvCxnSpPr>
+          <p:nvPr/>
+        </p:nvCxnSpPr>
+        <p:spPr>
+          <a:xfrm flipV="1">
+            <a:off x="6438029" y="3093952"/>
+            <a:ext cx="0" cy="1487002"/>
+          </a:xfrm>
+          <a:prstGeom prst="straightConnector1">
+            <a:avLst/>
+          </a:prstGeom>
+          <a:ln>
+            <a:tailEnd type="triangle"/>
+          </a:ln>
+        </p:spPr>
+        <p:style>
+          <a:lnRef idx="1">
+            <a:schemeClr val="accent1"/>
+          </a:lnRef>
+          <a:fillRef idx="0">
+            <a:schemeClr val="accent1"/>
+          </a:fillRef>
+          <a:effectRef idx="0">
+            <a:schemeClr val="accent1"/>
+          </a:effectRef>
+          <a:fontRef idx="minor">
+            <a:schemeClr val="tx1"/>
+          </a:fontRef>
+        </p:style>
+      </p:cxnSp>
+      <p:sp>
+        <p:nvSpPr>
+          <p:cNvPr id="11" name="Rectangle 2"/>
+          <p:cNvSpPr txBox="1">
+            <a:spLocks noChangeArrowheads="1"/>
+          </p:cNvSpPr>
+          <p:nvPr/>
+        </p:nvSpPr>
+        <p:spPr bwMode="auto">
+          <a:xfrm>
+            <a:off x="8859195" y="2693841"/>
+            <a:ext cx="1107996" cy="400110"/>
+          </a:xfrm>
+          <a:prstGeom prst="rect">
+            <a:avLst/>
+          </a:prstGeom>
+          <a:solidFill>
+            <a:srgbClr val="FFFFFF"/>
+          </a:solidFill>
+          <a:ln>
+            <a:noFill/>
+          </a:ln>
+          <a:effectLst/>
+          <a:extLst>
+            <a:ext uri="{91240B29-F687-4F45-9708-019B960494DF}">
+              <a14:hiddenLine xmlns:a14="http://schemas.microsoft.com/office/drawing/2010/main" w="9525">
+                <a:solidFill>
+                  <a:schemeClr val="tx1"/>
+                </a:solidFill>
+                <a:miter lim="800000"/>
+                <a:headEnd/>
+                <a:tailEnd/>
+              </a14:hiddenLine>
+            </a:ext>
+            <a:ext uri="{AF507438-7753-43E0-B8FC-AC1667EBCBE1}">
+              <a14:hiddenEffects xmlns:a14="http://schemas.microsoft.com/office/drawing/2010/main">
+                <a:effectLst>
+                  <a:outerShdw dist="35921" dir="2700000" algn="ctr" rotWithShape="0">
+                    <a:schemeClr val="bg2"/>
+                  </a:outerShdw>
+                </a:effectLst>
+              </a14:hiddenEffects>
+            </a:ext>
+          </a:extLst>
+        </p:spPr>
+        <p:txBody>
+          <a:bodyPr vert="horz" wrap="none" lIns="91440" tIns="45720" rIns="91440" bIns="45720" numCol="1" rtlCol="0" anchor="ctr" anchorCtr="0" compatLnSpc="1">
+            <a:prstTxWarp prst="textNoShape">
+              <a:avLst/>
+            </a:prstTxWarp>
+            <a:spAutoFit/>
+          </a:bodyPr>
+          <a:lstStyle>
+            <a:lvl1pPr marL="252000" indent="-252000" algn="l" defTabSz="914400" rtl="0" eaLnBrk="1" latinLnBrk="0" hangingPunct="1">
+              <a:lnSpc>
+                <a:spcPct val="120000"/>
+              </a:lnSpc>
+              <a:spcBef>
+                <a:spcPts val="0"/>
+              </a:spcBef>
+              <a:buClrTx/>
+              <a:buFont typeface="Arial" panose="020B0604020202020204" pitchFamily="34" charset="0"/>
+              <a:buChar char="•"/>
+              <a:defRPr sz="2400" kern="1200">
+                <a:solidFill>
+                  <a:schemeClr val="tx1"/>
+                </a:solidFill>
+                <a:latin typeface="+mn-lt"/>
+                <a:ea typeface="+mn-ea"/>
+                <a:cs typeface="+mn-cs"/>
+              </a:defRPr>
+            </a:lvl1pPr>
+            <a:lvl2pPr marL="504000" indent="-252000" algn="l" defTabSz="914400" rtl="0" eaLnBrk="1" latinLnBrk="0" hangingPunct="1">
+              <a:lnSpc>
+                <a:spcPct val="120000"/>
+              </a:lnSpc>
+              <a:spcBef>
+                <a:spcPts val="0"/>
+              </a:spcBef>
+              <a:buClrTx/>
+              <a:buFont typeface="Arial" panose="020B0604020202020204" pitchFamily="34" charset="0"/>
+              <a:buChar char="–"/>
+              <a:defRPr sz="2000" kern="1200">
+                <a:solidFill>
+                  <a:schemeClr val="tx1"/>
+                </a:solidFill>
+                <a:latin typeface="+mn-lt"/>
+                <a:ea typeface="+mn-ea"/>
+                <a:cs typeface="+mn-cs"/>
+              </a:defRPr>
+            </a:lvl2pPr>
+            <a:lvl3pPr marL="756000" indent="-252000" algn="l" defTabSz="914400" rtl="0" eaLnBrk="1" latinLnBrk="0" hangingPunct="1">
+              <a:lnSpc>
+                <a:spcPct val="120000"/>
+              </a:lnSpc>
+              <a:spcBef>
+                <a:spcPts val="0"/>
+              </a:spcBef>
+              <a:buClrTx/>
+              <a:buFont typeface="Arial" panose="020B0604020202020204" pitchFamily="34" charset="0"/>
+              <a:buChar char="›"/>
+              <a:defRPr sz="1800" kern="1200">
+                <a:solidFill>
+                  <a:schemeClr val="tx1"/>
+                </a:solidFill>
+                <a:latin typeface="+mn-lt"/>
+                <a:ea typeface="+mn-ea"/>
+                <a:cs typeface="+mn-cs"/>
+              </a:defRPr>
+            </a:lvl3pPr>
+            <a:lvl4pPr marL="1008000" indent="-252000" algn="l" defTabSz="914400" rtl="0" eaLnBrk="1" latinLnBrk="0" hangingPunct="1">
+              <a:lnSpc>
+                <a:spcPct val="120000"/>
+              </a:lnSpc>
+              <a:spcBef>
+                <a:spcPts val="0"/>
+              </a:spcBef>
+              <a:buClrTx/>
+              <a:buSzPct val="80000"/>
+              <a:buFont typeface="Arial" panose="020B0604020202020204" pitchFamily="34" charset="0"/>
+              <a:buChar char="□"/>
+              <a:defRPr sz="1800" kern="1200">
+                <a:solidFill>
+                  <a:schemeClr val="tx1"/>
+                </a:solidFill>
+                <a:latin typeface="+mn-lt"/>
+                <a:ea typeface="+mn-ea"/>
+                <a:cs typeface="+mn-cs"/>
+              </a:defRPr>
+            </a:lvl4pPr>
+            <a:lvl5pPr marL="1260000" indent="-252000" algn="l" defTabSz="914400" rtl="0" eaLnBrk="1" latinLnBrk="0" hangingPunct="1">
+              <a:lnSpc>
+                <a:spcPct val="120000"/>
+              </a:lnSpc>
+              <a:spcBef>
+                <a:spcPts val="0"/>
+              </a:spcBef>
+              <a:buClrTx/>
+              <a:buSzPct val="90000"/>
+              <a:buFont typeface="Arial" panose="020B0604020202020204" pitchFamily="34" charset="0"/>
+              <a:buChar char="○"/>
+              <a:defRPr sz="1800" b="0" kern="1200">
+                <a:solidFill>
+                  <a:schemeClr val="tx1"/>
+                </a:solidFill>
+                <a:latin typeface="+mn-lt"/>
+                <a:ea typeface="+mn-ea"/>
+                <a:cs typeface="+mn-cs"/>
+              </a:defRPr>
+            </a:lvl5pPr>
+            <a:lvl6pPr marL="1512000" indent="-252000" algn="l" defTabSz="914400" rtl="0" eaLnBrk="1" latinLnBrk="0" hangingPunct="1">
+              <a:lnSpc>
+                <a:spcPct val="120000"/>
+              </a:lnSpc>
+              <a:spcBef>
+                <a:spcPts val="0"/>
+              </a:spcBef>
+              <a:buFont typeface="Arial" panose="020B0604020202020204" pitchFamily="34" charset="0"/>
+              <a:buChar char="~"/>
+              <a:defRPr sz="1800" kern="1200">
+                <a:solidFill>
+                  <a:schemeClr val="tx1"/>
+                </a:solidFill>
+                <a:latin typeface="+mn-lt"/>
+                <a:ea typeface="+mn-ea"/>
+                <a:cs typeface="+mn-cs"/>
+              </a:defRPr>
+            </a:lvl6pPr>
+            <a:lvl7pPr marL="0" indent="0" algn="l" defTabSz="914400" rtl="0" eaLnBrk="1" latinLnBrk="0" hangingPunct="1">
+              <a:lnSpc>
+                <a:spcPct val="120000"/>
+              </a:lnSpc>
+              <a:spcBef>
+                <a:spcPts val="0"/>
+              </a:spcBef>
+              <a:buClr>
+                <a:schemeClr val="bg1"/>
+              </a:buClr>
+              <a:buSzPct val="25000"/>
+              <a:buFont typeface="Arial" panose="020B0604020202020204" pitchFamily="34" charset="0"/>
+              <a:buChar char="'"/>
+              <a:defRPr sz="2400" kern="1200">
+                <a:solidFill>
+                  <a:schemeClr val="tx1"/>
+                </a:solidFill>
+                <a:latin typeface="+mn-lt"/>
+                <a:ea typeface="+mn-ea"/>
+                <a:cs typeface="+mn-cs"/>
+              </a:defRPr>
+            </a:lvl7pPr>
+            <a:lvl8pPr marL="0" indent="0" algn="l" defTabSz="914400" rtl="0" eaLnBrk="1" latinLnBrk="0" hangingPunct="1">
+              <a:lnSpc>
+                <a:spcPct val="120000"/>
+              </a:lnSpc>
+              <a:spcBef>
+                <a:spcPts val="0"/>
+              </a:spcBef>
+              <a:buClr>
+                <a:schemeClr val="bg1"/>
+              </a:buClr>
+              <a:buSzPct val="25000"/>
+              <a:buFont typeface="Arial" panose="020B0604020202020204" pitchFamily="34" charset="0"/>
+              <a:buChar char="'"/>
+              <a:defRPr sz="2400" b="1" kern="1200">
+                <a:solidFill>
+                  <a:schemeClr val="tx1"/>
+                </a:solidFill>
+                <a:latin typeface="+mn-lt"/>
+                <a:ea typeface="+mn-ea"/>
+                <a:cs typeface="+mn-cs"/>
+              </a:defRPr>
+            </a:lvl8pPr>
+            <a:lvl9pPr marL="360000" indent="-360000" algn="l" defTabSz="914400" rtl="0" eaLnBrk="1" latinLnBrk="0" hangingPunct="1">
+              <a:lnSpc>
+                <a:spcPct val="120000"/>
+              </a:lnSpc>
+              <a:spcBef>
+                <a:spcPts val="0"/>
+              </a:spcBef>
+              <a:buFont typeface="+mj-lt"/>
+              <a:buAutoNum type="arabicPeriod"/>
+              <a:defRPr sz="2400" kern="1200">
+                <a:solidFill>
+                  <a:schemeClr val="tx1"/>
+                </a:solidFill>
+                <a:latin typeface="+mn-lt"/>
+                <a:ea typeface="+mn-ea"/>
+                <a:cs typeface="+mn-cs"/>
+              </a:defRPr>
+            </a:lvl9pPr>
+          </a:lstStyle>
+          <a:p>
+            <a:pPr marL="0" indent="0" eaLnBrk="0" fontAlgn="base" hangingPunct="0">
+              <a:lnSpc>
+                <a:spcPct val="100000"/>
+              </a:lnSpc>
+              <a:spcBef>
+                <a:spcPct val="0"/>
+              </a:spcBef>
+              <a:spcAft>
+                <a:spcPct val="0"/>
+              </a:spcAft>
+              <a:buFontTx/>
+              <a:buNone/>
+            </a:pPr>
+            <a:r>
+              <a:rPr lang="en-US" altLang="en-US" sz="2000" dirty="0" smtClean="0">
+                <a:solidFill>
+                  <a:srgbClr val="808000"/>
+                </a:solidFill>
+                <a:latin typeface="Courier New" panose="02070309020205020404" pitchFamily="49" charset="0"/>
+                <a:cs typeface="Courier New" panose="02070309020205020404" pitchFamily="49" charset="0"/>
+              </a:rPr>
+              <a:t>Animal</a:t>
+            </a:r>
+            <a:endParaRPr lang="en-US" altLang="en-US" sz="1800" dirty="0" smtClean="0">
+              <a:latin typeface="Arial" panose="020B0604020202020204" pitchFamily="34" charset="0"/>
+            </a:endParaRPr>
+          </a:p>
+        </p:txBody>
+      </p:sp>
+      <p:sp>
+        <p:nvSpPr>
+          <p:cNvPr id="12" name="Rectangle 3"/>
+          <p:cNvSpPr>
+            <a:spLocks noChangeArrowheads="1"/>
+          </p:cNvSpPr>
+          <p:nvPr/>
+        </p:nvSpPr>
+        <p:spPr bwMode="auto">
+          <a:xfrm>
+            <a:off x="8634260" y="4580954"/>
+            <a:ext cx="1557866" cy="400110"/>
+          </a:xfrm>
+          <a:prstGeom prst="rect">
+            <a:avLst/>
+          </a:prstGeom>
+          <a:solidFill>
+            <a:srgbClr val="FFFFFF"/>
+          </a:solidFill>
+          <a:ln>
+            <a:noFill/>
+          </a:ln>
+          <a:effectLst/>
+          <a:extLst>
+            <a:ext uri="{91240B29-F687-4F45-9708-019B960494DF}">
+              <a14:hiddenLine xmlns:a14="http://schemas.microsoft.com/office/drawing/2010/main" w="9525">
+                <a:solidFill>
+                  <a:schemeClr val="tx1"/>
+                </a:solidFill>
+                <a:miter lim="800000"/>
+                <a:headEnd/>
+                <a:tailEnd/>
+              </a14:hiddenLine>
+            </a:ext>
+            <a:ext uri="{AF507438-7753-43E0-B8FC-AC1667EBCBE1}">
+              <a14:hiddenEffects xmlns:a14="http://schemas.microsoft.com/office/drawing/2010/main">
+                <a:effectLst>
+                  <a:outerShdw dist="35921" dir="2700000" algn="ctr" rotWithShape="0">
+                    <a:schemeClr val="bg2"/>
+                  </a:outerShdw>
+                </a:effectLst>
+              </a14:hiddenEffects>
+            </a:ext>
+          </a:extLst>
+        </p:spPr>
+        <p:txBody>
+          <a:bodyPr vert="horz" wrap="square" lIns="91440" tIns="45720" rIns="91440" bIns="45720" numCol="1" anchor="ctr" anchorCtr="0" compatLnSpc="1">
+            <a:prstTxWarp prst="textNoShape">
+              <a:avLst/>
+            </a:prstTxWarp>
+            <a:spAutoFit/>
+          </a:bodyPr>
+          <a:lstStyle/>
+          <a:p>
+            <a:pPr marL="0" marR="0" lvl="0" indent="0" algn="ctr" defTabSz="914400" rtl="0" eaLnBrk="0" fontAlgn="base" latinLnBrk="0" hangingPunct="0">
+              <a:lnSpc>
+                <a:spcPct val="100000"/>
+              </a:lnSpc>
+              <a:spcBef>
+                <a:spcPct val="0"/>
+              </a:spcBef>
+              <a:spcAft>
+                <a:spcPct val="0"/>
+              </a:spcAft>
+              <a:buClrTx/>
+              <a:buSzTx/>
+              <a:buFontTx/>
+              <a:buNone/>
+              <a:tabLst/>
+            </a:pPr>
+            <a:r>
+              <a:rPr kumimoji="0" lang="en-US" altLang="en-US" sz="2000" b="0" i="0" u="none" strike="noStrike" cap="none" normalizeH="0" baseline="0" dirty="0" smtClean="0">
+                <a:ln>
+                  <a:noFill/>
+                </a:ln>
+                <a:solidFill>
+                  <a:srgbClr val="808000"/>
+                </a:solidFill>
+                <a:effectLst/>
+                <a:latin typeface="Courier New" panose="02070309020205020404" pitchFamily="49" charset="0"/>
+                <a:cs typeface="Courier New" panose="02070309020205020404" pitchFamily="49" charset="0"/>
+              </a:rPr>
+              <a:t>Cat</a:t>
+            </a:r>
+            <a:endParaRPr kumimoji="0" lang="en-US" altLang="en-US" sz="1800" b="0" i="0" u="none" strike="noStrike" cap="none" normalizeH="0" baseline="0" dirty="0" smtClean="0">
+              <a:ln>
+                <a:noFill/>
+              </a:ln>
+              <a:solidFill>
+                <a:schemeClr val="tx1"/>
+              </a:solidFill>
+              <a:effectLst/>
+              <a:latin typeface="Arial" panose="020B0604020202020204" pitchFamily="34" charset="0"/>
+            </a:endParaRPr>
+          </a:p>
+        </p:txBody>
+      </p:sp>
+      <p:cxnSp>
+        <p:nvCxnSpPr>
+          <p:cNvPr id="13" name="Straight Arrow Connector 12"/>
+          <p:cNvCxnSpPr>
+            <a:stCxn id="12" idx="0"/>
+          </p:cNvCxnSpPr>
+          <p:nvPr/>
+        </p:nvCxnSpPr>
+        <p:spPr>
+          <a:xfrm flipV="1">
+            <a:off x="9413193" y="3093952"/>
+            <a:ext cx="0" cy="1487002"/>
+          </a:xfrm>
+          <a:prstGeom prst="straightConnector1">
+            <a:avLst/>
+          </a:prstGeom>
+          <a:ln>
+            <a:tailEnd type="triangle"/>
+          </a:ln>
+        </p:spPr>
+        <p:style>
+          <a:lnRef idx="1">
+            <a:schemeClr val="accent1"/>
+          </a:lnRef>
+          <a:fillRef idx="0">
+            <a:schemeClr val="accent1"/>
+          </a:fillRef>
+          <a:effectRef idx="0">
+            <a:schemeClr val="accent1"/>
+          </a:effectRef>
+          <a:fontRef idx="minor">
+            <a:schemeClr val="tx1"/>
+          </a:fontRef>
+        </p:style>
+      </p:cxnSp>
+      <p:sp>
+        <p:nvSpPr>
+          <p:cNvPr id="15" name="Rectangle 2"/>
+          <p:cNvSpPr txBox="1">
+            <a:spLocks noChangeArrowheads="1"/>
+          </p:cNvSpPr>
+          <p:nvPr/>
+        </p:nvSpPr>
+        <p:spPr bwMode="auto">
+          <a:xfrm>
+            <a:off x="1617731" y="2693841"/>
+            <a:ext cx="3262432" cy="400110"/>
+          </a:xfrm>
+          <a:prstGeom prst="rect">
+            <a:avLst/>
+          </a:prstGeom>
+          <a:solidFill>
+            <a:srgbClr val="FFFFFF"/>
+          </a:solidFill>
+          <a:ln>
+            <a:noFill/>
+          </a:ln>
+          <a:effectLst/>
+          <a:extLst>
+            <a:ext uri="{91240B29-F687-4F45-9708-019B960494DF}">
+              <a14:hiddenLine xmlns:a14="http://schemas.microsoft.com/office/drawing/2010/main" w="9525">
+                <a:solidFill>
+                  <a:schemeClr val="tx1"/>
+                </a:solidFill>
+                <a:miter lim="800000"/>
+                <a:headEnd/>
+                <a:tailEnd/>
+              </a14:hiddenLine>
+            </a:ext>
+            <a:ext uri="{AF507438-7753-43E0-B8FC-AC1667EBCBE1}">
+              <a14:hiddenEffects xmlns:a14="http://schemas.microsoft.com/office/drawing/2010/main">
+                <a:effectLst>
+                  <a:outerShdw dist="35921" dir="2700000" algn="ctr" rotWithShape="0">
+                    <a:schemeClr val="bg2"/>
+                  </a:outerShdw>
+                </a:effectLst>
+              </a14:hiddenEffects>
+            </a:ext>
+          </a:extLst>
+        </p:spPr>
+        <p:txBody>
+          <a:bodyPr vert="horz" wrap="none" lIns="91440" tIns="45720" rIns="91440" bIns="45720" numCol="1" rtlCol="0" anchor="ctr" anchorCtr="0" compatLnSpc="1">
+            <a:prstTxWarp prst="textNoShape">
+              <a:avLst/>
+            </a:prstTxWarp>
+            <a:spAutoFit/>
+          </a:bodyPr>
+          <a:lstStyle>
+            <a:lvl1pPr marL="252000" indent="-252000" algn="l" defTabSz="914400" rtl="0" eaLnBrk="1" latinLnBrk="0" hangingPunct="1">
+              <a:lnSpc>
+                <a:spcPct val="120000"/>
+              </a:lnSpc>
+              <a:spcBef>
+                <a:spcPts val="0"/>
+              </a:spcBef>
+              <a:buClrTx/>
+              <a:buFont typeface="Arial" panose="020B0604020202020204" pitchFamily="34" charset="0"/>
+              <a:buChar char="•"/>
+              <a:defRPr sz="2400" kern="1200">
+                <a:solidFill>
+                  <a:schemeClr val="tx1"/>
+                </a:solidFill>
+                <a:latin typeface="+mn-lt"/>
+                <a:ea typeface="+mn-ea"/>
+                <a:cs typeface="+mn-cs"/>
+              </a:defRPr>
+            </a:lvl1pPr>
+            <a:lvl2pPr marL="504000" indent="-252000" algn="l" defTabSz="914400" rtl="0" eaLnBrk="1" latinLnBrk="0" hangingPunct="1">
+              <a:lnSpc>
+                <a:spcPct val="120000"/>
+              </a:lnSpc>
+              <a:spcBef>
+                <a:spcPts val="0"/>
+              </a:spcBef>
+              <a:buClrTx/>
+              <a:buFont typeface="Arial" panose="020B0604020202020204" pitchFamily="34" charset="0"/>
+              <a:buChar char="–"/>
+              <a:defRPr sz="2000" kern="1200">
+                <a:solidFill>
+                  <a:schemeClr val="tx1"/>
+                </a:solidFill>
+                <a:latin typeface="+mn-lt"/>
+                <a:ea typeface="+mn-ea"/>
+                <a:cs typeface="+mn-cs"/>
+              </a:defRPr>
+            </a:lvl2pPr>
+            <a:lvl3pPr marL="756000" indent="-252000" algn="l" defTabSz="914400" rtl="0" eaLnBrk="1" latinLnBrk="0" hangingPunct="1">
+              <a:lnSpc>
+                <a:spcPct val="120000"/>
+              </a:lnSpc>
+              <a:spcBef>
+                <a:spcPts val="0"/>
+              </a:spcBef>
+              <a:buClrTx/>
+              <a:buFont typeface="Arial" panose="020B0604020202020204" pitchFamily="34" charset="0"/>
+              <a:buChar char="›"/>
+              <a:defRPr sz="1800" kern="1200">
+                <a:solidFill>
+                  <a:schemeClr val="tx1"/>
+                </a:solidFill>
+                <a:latin typeface="+mn-lt"/>
+                <a:ea typeface="+mn-ea"/>
+                <a:cs typeface="+mn-cs"/>
+              </a:defRPr>
+            </a:lvl3pPr>
+            <a:lvl4pPr marL="1008000" indent="-252000" algn="l" defTabSz="914400" rtl="0" eaLnBrk="1" latinLnBrk="0" hangingPunct="1">
+              <a:lnSpc>
+                <a:spcPct val="120000"/>
+              </a:lnSpc>
+              <a:spcBef>
+                <a:spcPts val="0"/>
+              </a:spcBef>
+              <a:buClrTx/>
+              <a:buSzPct val="80000"/>
+              <a:buFont typeface="Arial" panose="020B0604020202020204" pitchFamily="34" charset="0"/>
+              <a:buChar char="□"/>
+              <a:defRPr sz="1800" kern="1200">
+                <a:solidFill>
+                  <a:schemeClr val="tx1"/>
+                </a:solidFill>
+                <a:latin typeface="+mn-lt"/>
+                <a:ea typeface="+mn-ea"/>
+                <a:cs typeface="+mn-cs"/>
+              </a:defRPr>
+            </a:lvl4pPr>
+            <a:lvl5pPr marL="1260000" indent="-252000" algn="l" defTabSz="914400" rtl="0" eaLnBrk="1" latinLnBrk="0" hangingPunct="1">
+              <a:lnSpc>
+                <a:spcPct val="120000"/>
+              </a:lnSpc>
+              <a:spcBef>
+                <a:spcPts val="0"/>
+              </a:spcBef>
+              <a:buClrTx/>
+              <a:buSzPct val="90000"/>
+              <a:buFont typeface="Arial" panose="020B0604020202020204" pitchFamily="34" charset="0"/>
+              <a:buChar char="○"/>
+              <a:defRPr sz="1800" b="0" kern="1200">
+                <a:solidFill>
+                  <a:schemeClr val="tx1"/>
+                </a:solidFill>
+                <a:latin typeface="+mn-lt"/>
+                <a:ea typeface="+mn-ea"/>
+                <a:cs typeface="+mn-cs"/>
+              </a:defRPr>
+            </a:lvl5pPr>
+            <a:lvl6pPr marL="1512000" indent="-252000" algn="l" defTabSz="914400" rtl="0" eaLnBrk="1" latinLnBrk="0" hangingPunct="1">
+              <a:lnSpc>
+                <a:spcPct val="120000"/>
+              </a:lnSpc>
+              <a:spcBef>
+                <a:spcPts val="0"/>
+              </a:spcBef>
+              <a:buFont typeface="Arial" panose="020B0604020202020204" pitchFamily="34" charset="0"/>
+              <a:buChar char="~"/>
+              <a:defRPr sz="1800" kern="1200">
+                <a:solidFill>
+                  <a:schemeClr val="tx1"/>
+                </a:solidFill>
+                <a:latin typeface="+mn-lt"/>
+                <a:ea typeface="+mn-ea"/>
+                <a:cs typeface="+mn-cs"/>
+              </a:defRPr>
+            </a:lvl6pPr>
+            <a:lvl7pPr marL="0" indent="0" algn="l" defTabSz="914400" rtl="0" eaLnBrk="1" latinLnBrk="0" hangingPunct="1">
+              <a:lnSpc>
+                <a:spcPct val="120000"/>
+              </a:lnSpc>
+              <a:spcBef>
+                <a:spcPts val="0"/>
+              </a:spcBef>
+              <a:buClr>
+                <a:schemeClr val="bg1"/>
+              </a:buClr>
+              <a:buSzPct val="25000"/>
+              <a:buFont typeface="Arial" panose="020B0604020202020204" pitchFamily="34" charset="0"/>
+              <a:buChar char="'"/>
+              <a:defRPr sz="2400" kern="1200">
+                <a:solidFill>
+                  <a:schemeClr val="tx1"/>
+                </a:solidFill>
+                <a:latin typeface="+mn-lt"/>
+                <a:ea typeface="+mn-ea"/>
+                <a:cs typeface="+mn-cs"/>
+              </a:defRPr>
+            </a:lvl7pPr>
+            <a:lvl8pPr marL="0" indent="0" algn="l" defTabSz="914400" rtl="0" eaLnBrk="1" latinLnBrk="0" hangingPunct="1">
+              <a:lnSpc>
+                <a:spcPct val="120000"/>
+              </a:lnSpc>
+              <a:spcBef>
+                <a:spcPts val="0"/>
+              </a:spcBef>
+              <a:buClr>
+                <a:schemeClr val="bg1"/>
+              </a:buClr>
+              <a:buSzPct val="25000"/>
+              <a:buFont typeface="Arial" panose="020B0604020202020204" pitchFamily="34" charset="0"/>
+              <a:buChar char="'"/>
+              <a:defRPr sz="2400" b="1" kern="1200">
+                <a:solidFill>
+                  <a:schemeClr val="tx1"/>
+                </a:solidFill>
+                <a:latin typeface="+mn-lt"/>
+                <a:ea typeface="+mn-ea"/>
+                <a:cs typeface="+mn-cs"/>
+              </a:defRPr>
+            </a:lvl8pPr>
+            <a:lvl9pPr marL="360000" indent="-360000" algn="l" defTabSz="914400" rtl="0" eaLnBrk="1" latinLnBrk="0" hangingPunct="1">
+              <a:lnSpc>
+                <a:spcPct val="120000"/>
+              </a:lnSpc>
+              <a:spcBef>
+                <a:spcPts val="0"/>
+              </a:spcBef>
+              <a:buFont typeface="+mj-lt"/>
+              <a:buAutoNum type="arabicPeriod"/>
+              <a:defRPr sz="2400" kern="1200">
+                <a:solidFill>
+                  <a:schemeClr val="tx1"/>
+                </a:solidFill>
+                <a:latin typeface="+mn-lt"/>
+                <a:ea typeface="+mn-ea"/>
+                <a:cs typeface="+mn-cs"/>
+              </a:defRPr>
+            </a:lvl9pPr>
+          </a:lstStyle>
+          <a:p>
+            <a:pPr marL="0" indent="0" eaLnBrk="0" fontAlgn="base" hangingPunct="0">
+              <a:lnSpc>
+                <a:spcPct val="100000"/>
+              </a:lnSpc>
+              <a:spcBef>
+                <a:spcPct val="0"/>
+              </a:spcBef>
+              <a:spcAft>
+                <a:spcPct val="0"/>
+              </a:spcAft>
+              <a:buFontTx/>
+              <a:buNone/>
+            </a:pPr>
+            <a:r>
+              <a:rPr lang="en-US" altLang="en-US" sz="2000" smtClean="0">
+                <a:solidFill>
+                  <a:srgbClr val="808000"/>
+                </a:solidFill>
+                <a:latin typeface="Courier New" panose="02070309020205020404" pitchFamily="49" charset="0"/>
+                <a:cs typeface="Courier New" panose="02070309020205020404" pitchFamily="49" charset="0"/>
+              </a:rPr>
+              <a:t>@PossiblyUnencrypted</a:t>
+            </a:r>
+            <a:endParaRPr lang="en-US" altLang="en-US" sz="1800" dirty="0" smtClean="0">
+              <a:latin typeface="Arial" panose="020B0604020202020204" pitchFamily="34" charset="0"/>
+            </a:endParaRPr>
+          </a:p>
+        </p:txBody>
+      </p:sp>
+      <p:sp>
+        <p:nvSpPr>
+          <p:cNvPr id="16" name="Rectangle 3"/>
+          <p:cNvSpPr>
+            <a:spLocks noChangeArrowheads="1"/>
+          </p:cNvSpPr>
+          <p:nvPr/>
+        </p:nvSpPr>
+        <p:spPr bwMode="auto">
+          <a:xfrm>
+            <a:off x="2294464" y="4580954"/>
+            <a:ext cx="1710265" cy="400110"/>
+          </a:xfrm>
+          <a:prstGeom prst="rect">
+            <a:avLst/>
+          </a:prstGeom>
+          <a:solidFill>
+            <a:srgbClr val="FFFFFF"/>
+          </a:solidFill>
+          <a:ln>
+            <a:noFill/>
+          </a:ln>
+          <a:effectLst/>
+          <a:extLst>
+            <a:ext uri="{91240B29-F687-4F45-9708-019B960494DF}">
+              <a14:hiddenLine xmlns:a14="http://schemas.microsoft.com/office/drawing/2010/main" w="9525">
+                <a:solidFill>
+                  <a:schemeClr val="tx1"/>
+                </a:solidFill>
+                <a:miter lim="800000"/>
+                <a:headEnd/>
+                <a:tailEnd/>
+              </a14:hiddenLine>
+            </a:ext>
+            <a:ext uri="{AF507438-7753-43E0-B8FC-AC1667EBCBE1}">
+              <a14:hiddenEffects xmlns:a14="http://schemas.microsoft.com/office/drawing/2010/main">
+                <a:effectLst>
+                  <a:outerShdw dist="35921" dir="2700000" algn="ctr" rotWithShape="0">
+                    <a:schemeClr val="bg2"/>
+                  </a:outerShdw>
+                </a:effectLst>
+              </a14:hiddenEffects>
+            </a:ext>
+          </a:extLst>
+        </p:spPr>
+        <p:txBody>
+          <a:bodyPr vert="horz" wrap="square" lIns="91440" tIns="45720" rIns="91440" bIns="45720" numCol="1" anchor="ctr" anchorCtr="0" compatLnSpc="1">
+            <a:prstTxWarp prst="textNoShape">
+              <a:avLst/>
+            </a:prstTxWarp>
+            <a:spAutoFit/>
+          </a:bodyPr>
+          <a:lstStyle/>
+          <a:p>
+            <a:pPr marL="0" marR="0" lvl="0" indent="0" algn="l" defTabSz="914400" rtl="0" eaLnBrk="0" fontAlgn="base" latinLnBrk="0" hangingPunct="0">
+              <a:lnSpc>
+                <a:spcPct val="100000"/>
+              </a:lnSpc>
+              <a:spcBef>
+                <a:spcPct val="0"/>
+              </a:spcBef>
+              <a:spcAft>
+                <a:spcPct val="0"/>
+              </a:spcAft>
+              <a:buClrTx/>
+              <a:buSzTx/>
+              <a:buFontTx/>
+              <a:buNone/>
+              <a:tabLst/>
+            </a:pPr>
+            <a:r>
+              <a:rPr kumimoji="0" lang="en-US" altLang="en-US" sz="2000" b="0" i="0" u="none" strike="noStrike" cap="none" normalizeH="0" baseline="0" dirty="0" smtClean="0">
+                <a:ln>
+                  <a:noFill/>
+                </a:ln>
+                <a:solidFill>
+                  <a:srgbClr val="808000"/>
+                </a:solidFill>
+                <a:effectLst/>
+                <a:latin typeface="Courier New" panose="02070309020205020404" pitchFamily="49" charset="0"/>
+                <a:cs typeface="Courier New" panose="02070309020205020404" pitchFamily="49" charset="0"/>
+              </a:rPr>
+              <a:t>@Encrypted</a:t>
+            </a:r>
+            <a:endParaRPr kumimoji="0" lang="en-US" altLang="en-US" sz="1800" b="0" i="0" u="none" strike="noStrike" cap="none" normalizeH="0" baseline="0" dirty="0" smtClean="0">
+              <a:ln>
+                <a:noFill/>
+              </a:ln>
+              <a:solidFill>
+                <a:schemeClr val="tx1"/>
+              </a:solidFill>
+              <a:effectLst/>
+              <a:latin typeface="Arial" panose="020B0604020202020204" pitchFamily="34" charset="0"/>
+            </a:endParaRPr>
+          </a:p>
+        </p:txBody>
+      </p:sp>
+      <p:cxnSp>
+        <p:nvCxnSpPr>
+          <p:cNvPr id="17" name="Straight Arrow Connector 16"/>
+          <p:cNvCxnSpPr>
+            <a:stCxn id="16" idx="0"/>
+          </p:cNvCxnSpPr>
+          <p:nvPr/>
+        </p:nvCxnSpPr>
+        <p:spPr>
+          <a:xfrm flipV="1">
+            <a:off x="3073398" y="3093952"/>
+            <a:ext cx="0" cy="1487002"/>
+          </a:xfrm>
+          <a:prstGeom prst="straightConnector1">
+            <a:avLst/>
+          </a:prstGeom>
+          <a:ln>
+            <a:tailEnd type="triangle"/>
+          </a:ln>
+        </p:spPr>
+        <p:style>
+          <a:lnRef idx="1">
+            <a:schemeClr val="accent1"/>
+          </a:lnRef>
+          <a:fillRef idx="0">
+            <a:schemeClr val="accent1"/>
+          </a:fillRef>
+          <a:effectRef idx="0">
+            <a:schemeClr val="accent1"/>
+          </a:effectRef>
+          <a:fontRef idx="minor">
+            <a:schemeClr val="tx1"/>
+          </a:fontRef>
+        </p:style>
+      </p:cxnSp>
+    </p:spTree>
+    <p:extLst>
+      <p:ext uri="{BB962C8B-B14F-4D97-AF65-F5344CB8AC3E}">
+        <p14:creationId xmlns:p14="http://schemas.microsoft.com/office/powerpoint/2010/main" val="701587283"/>
+      </p:ext>
+    </p:extLst>
+  </p:cSld>
+  <p:clrMapOvr>
+    <a:masterClrMapping/>
+  </p:clrMapOvr>
+  <p:timing>
+    <p:tnLst>
+      <p:par>
+        <p:cTn id="1" dur="indefinite" restart="never" nodeType="tmRoot"/>
+      </p:par>
+    </p:tnLst>
+  </p:timing>
+</p:sld>
+</file>
+
+<file path=ppt/slides/slide24.xml><?xml version="1.0" encoding="utf-8"?>
+<p:sld xmlns:a="http://schemas.openxmlformats.org/drawingml/2006/main" xmlns:r="http://schemas.openxmlformats.org/officeDocument/2006/relationships" xmlns:p="http://schemas.openxmlformats.org/presentationml/2006/main">
+  <p:cSld>
+    <p:spTree>
+      <p:nvGrpSpPr>
+        <p:cNvPr id="1" name=""/>
+        <p:cNvGrpSpPr/>
+        <p:nvPr/>
+      </p:nvGrpSpPr>
+      <p:grpSpPr>
+        <a:xfrm>
+          <a:off x="0" y="0"/>
+          <a:ext cx="0" cy="0"/>
+          <a:chOff x="0" y="0"/>
+          <a:chExt cx="0" cy="0"/>
+        </a:xfrm>
+      </p:grpSpPr>
+      <p:sp>
+        <p:nvSpPr>
+          <p:cNvPr id="2" name="Title 1"/>
+          <p:cNvSpPr>
+            <a:spLocks noGrp="1"/>
+          </p:cNvSpPr>
+          <p:nvPr>
+            <p:ph type="title"/>
+          </p:nvPr>
+        </p:nvSpPr>
+        <p:spPr/>
+        <p:txBody>
+          <a:bodyPr/>
+          <a:lstStyle/>
+          <a:p>
+            <a:r>
+              <a:rPr lang="en-US" dirty="0" smtClean="0"/>
               <a:t>Defining custom type qualifiers</a:t>
             </a:r>
             <a:endParaRPr lang="en-US" dirty="0"/>
@@ -33730,7 +34676,7 @@
         </p:nvSpPr>
         <p:spPr bwMode="auto">
           <a:xfrm>
-            <a:off x="2481500" y="3102059"/>
+            <a:off x="2148214" y="2529490"/>
             <a:ext cx="8356600" cy="1077218"/>
           </a:xfrm>
           <a:prstGeom prst="rect">
@@ -34128,10 +35074,29 @@
           </a:p>
         </p:txBody>
       </p:sp>
+      <p:sp>
+        <p:nvSpPr>
+          <p:cNvPr id="3" name="Text Placeholder 2"/>
+          <p:cNvSpPr>
+            <a:spLocks noGrp="1"/>
+          </p:cNvSpPr>
+          <p:nvPr>
+            <p:ph type="body" sz="quarter" idx="10"/>
+          </p:nvPr>
+        </p:nvSpPr>
+        <p:spPr/>
+        <p:txBody>
+          <a:bodyPr/>
+          <a:lstStyle/>
+          <a:p>
+            <a:endParaRPr lang="en-US"/>
+          </a:p>
+        </p:txBody>
+      </p:sp>
     </p:spTree>
     <p:extLst>
       <p:ext uri="{BB962C8B-B14F-4D97-AF65-F5344CB8AC3E}">
-        <p14:creationId xmlns:p14="http://schemas.microsoft.com/office/powerpoint/2010/main" val="1108633467"/>
+        <p14:creationId xmlns:p14="http://schemas.microsoft.com/office/powerpoint/2010/main" val="664678840"/>
       </p:ext>
     </p:extLst>
   </p:cSld>
@@ -34148,7 +35113,7 @@
 </p:sld>
 </file>
 
-<file path=ppt/slides/slide24.xml><?xml version="1.0" encoding="utf-8"?>
+<file path=ppt/slides/slide25.xml><?xml version="1.0" encoding="utf-8"?>
 <p:sld xmlns:a="http://schemas.openxmlformats.org/drawingml/2006/main" xmlns:r="http://schemas.openxmlformats.org/officeDocument/2006/relationships" xmlns:p="http://schemas.openxmlformats.org/presentationml/2006/main">
   <p:cSld>
     <p:spTree>
@@ -34190,7 +35155,415 @@
       </p:sp>
       <p:sp>
         <p:nvSpPr>
-          <p:cNvPr id="4" name="Rectangle 1"/>
+          <p:cNvPr id="6" name="Rectangle 2"/>
+          <p:cNvSpPr>
+            <a:spLocks noChangeArrowheads="1"/>
+          </p:cNvSpPr>
+          <p:nvPr/>
+        </p:nvSpPr>
+        <p:spPr bwMode="auto">
+          <a:xfrm>
+            <a:off x="2148214" y="2529490"/>
+            <a:ext cx="8356600" cy="1077218"/>
+          </a:xfrm>
+          <a:prstGeom prst="rect">
+            <a:avLst/>
+          </a:prstGeom>
+          <a:gradFill>
+            <a:gsLst>
+              <a:gs pos="0">
+                <a:schemeClr val="accent1">
+                  <a:lumMod val="5000"/>
+                  <a:lumOff val="95000"/>
+                </a:schemeClr>
+              </a:gs>
+              <a:gs pos="74000">
+                <a:schemeClr val="accent1">
+                  <a:lumMod val="45000"/>
+                  <a:lumOff val="55000"/>
+                </a:schemeClr>
+              </a:gs>
+              <a:gs pos="83000">
+                <a:schemeClr val="accent1">
+                  <a:lumMod val="45000"/>
+                  <a:lumOff val="55000"/>
+                </a:schemeClr>
+              </a:gs>
+              <a:gs pos="100000">
+                <a:schemeClr val="accent1">
+                  <a:lumMod val="30000"/>
+                  <a:lumOff val="70000"/>
+                </a:schemeClr>
+              </a:gs>
+            </a:gsLst>
+            <a:lin ang="5400000" scaled="1"/>
+          </a:gradFill>
+          <a:ln>
+            <a:noFill/>
+          </a:ln>
+          <a:effectLst/>
+          <a:extLst/>
+        </p:spPr>
+        <p:txBody>
+          <a:bodyPr vert="horz" wrap="square" lIns="91440" tIns="45720" rIns="91440" bIns="45720" numCol="1" anchor="ctr" anchorCtr="0" compatLnSpc="1">
+            <a:prstTxWarp prst="textNoShape">
+              <a:avLst/>
+            </a:prstTxWarp>
+            <a:spAutoFit/>
+          </a:bodyPr>
+          <a:lstStyle/>
+          <a:p>
+            <a:pPr marL="0" marR="0" lvl="0" indent="0" algn="l" defTabSz="914400" rtl="0" eaLnBrk="0" fontAlgn="base" latinLnBrk="0" hangingPunct="0">
+              <a:lnSpc>
+                <a:spcPct val="100000"/>
+              </a:lnSpc>
+              <a:spcBef>
+                <a:spcPct val="0"/>
+              </a:spcBef>
+              <a:spcAft>
+                <a:spcPct val="0"/>
+              </a:spcAft>
+              <a:buClrTx/>
+              <a:buSzTx/>
+              <a:buFontTx/>
+              <a:buNone/>
+              <a:tabLst/>
+            </a:pPr>
+            <a:r>
+              <a:rPr kumimoji="0" lang="en-US" altLang="en-US" sz="1600" b="0" i="0" u="none" strike="noStrike" cap="none" normalizeH="0" baseline="0" dirty="0" smtClean="0">
+                <a:ln>
+                  <a:noFill/>
+                </a:ln>
+                <a:solidFill>
+                  <a:srgbClr val="808000"/>
+                </a:solidFill>
+                <a:effectLst/>
+                <a:latin typeface="Consolas" panose="020B0609020204030204" pitchFamily="49" charset="0"/>
+                <a:cs typeface="Courier New" panose="02070309020205020404" pitchFamily="49" charset="0"/>
+              </a:rPr>
+              <a:t>@</a:t>
+            </a:r>
+            <a:r>
+              <a:rPr kumimoji="0" lang="en-US" altLang="en-US" sz="1600" b="0" i="0" u="none" strike="noStrike" cap="none" normalizeH="0" baseline="0" dirty="0" err="1" smtClean="0">
+                <a:ln>
+                  <a:noFill/>
+                </a:ln>
+                <a:solidFill>
+                  <a:srgbClr val="808000"/>
+                </a:solidFill>
+                <a:effectLst/>
+                <a:latin typeface="Consolas" panose="020B0609020204030204" pitchFamily="49" charset="0"/>
+                <a:cs typeface="Courier New" panose="02070309020205020404" pitchFamily="49" charset="0"/>
+              </a:rPr>
+              <a:t>DefaultQualifierInHierarchy</a:t>
+            </a:r>
+            <a:r>
+              <a:rPr kumimoji="0" lang="en-US" altLang="en-US" sz="1600" b="0" i="0" u="none" strike="noStrike" cap="none" normalizeH="0" baseline="0" dirty="0" smtClean="0">
+                <a:ln>
+                  <a:noFill/>
+                </a:ln>
+                <a:solidFill>
+                  <a:srgbClr val="808000"/>
+                </a:solidFill>
+                <a:effectLst/>
+                <a:latin typeface="Consolas" panose="020B0609020204030204" pitchFamily="49" charset="0"/>
+                <a:cs typeface="Courier New" panose="02070309020205020404" pitchFamily="49" charset="0"/>
+              </a:rPr>
+              <a:t/>
+            </a:r>
+            <a:br>
+              <a:rPr kumimoji="0" lang="en-US" altLang="en-US" sz="1600" b="0" i="0" u="none" strike="noStrike" cap="none" normalizeH="0" baseline="0" dirty="0" smtClean="0">
+                <a:ln>
+                  <a:noFill/>
+                </a:ln>
+                <a:solidFill>
+                  <a:srgbClr val="808000"/>
+                </a:solidFill>
+                <a:effectLst/>
+                <a:latin typeface="Consolas" panose="020B0609020204030204" pitchFamily="49" charset="0"/>
+                <a:cs typeface="Courier New" panose="02070309020205020404" pitchFamily="49" charset="0"/>
+              </a:rPr>
+            </a:br>
+            <a:r>
+              <a:rPr kumimoji="0" lang="en-US" altLang="en-US" sz="1600" b="0" i="0" u="none" strike="noStrike" cap="none" normalizeH="0" baseline="0" dirty="0" smtClean="0">
+                <a:ln>
+                  <a:noFill/>
+                </a:ln>
+                <a:solidFill>
+                  <a:srgbClr val="808000"/>
+                </a:solidFill>
+                <a:effectLst/>
+                <a:latin typeface="Consolas" panose="020B0609020204030204" pitchFamily="49" charset="0"/>
+                <a:cs typeface="Courier New" panose="02070309020205020404" pitchFamily="49" charset="0"/>
+              </a:rPr>
+              <a:t>@</a:t>
+            </a:r>
+            <a:r>
+              <a:rPr kumimoji="0" lang="en-US" altLang="en-US" sz="1600" b="0" i="0" u="none" strike="noStrike" cap="none" normalizeH="0" baseline="0" dirty="0" err="1" smtClean="0">
+                <a:ln>
+                  <a:noFill/>
+                </a:ln>
+                <a:solidFill>
+                  <a:srgbClr val="808000"/>
+                </a:solidFill>
+                <a:effectLst/>
+                <a:latin typeface="Consolas" panose="020B0609020204030204" pitchFamily="49" charset="0"/>
+                <a:cs typeface="Courier New" panose="02070309020205020404" pitchFamily="49" charset="0"/>
+              </a:rPr>
+              <a:t>SubtypeOf</a:t>
+            </a:r>
+            <a:r>
+              <a:rPr kumimoji="0" lang="en-US" altLang="en-US" sz="1600" b="0" i="0" u="none" strike="noStrike" cap="none" normalizeH="0" baseline="0" dirty="0" smtClean="0">
+                <a:ln>
+                  <a:noFill/>
+                </a:ln>
+                <a:solidFill>
+                  <a:srgbClr val="000000"/>
+                </a:solidFill>
+                <a:effectLst/>
+                <a:latin typeface="Consolas" panose="020B0609020204030204" pitchFamily="49" charset="0"/>
+                <a:cs typeface="Courier New" panose="02070309020205020404" pitchFamily="49" charset="0"/>
+              </a:rPr>
+              <a:t>({})</a:t>
+            </a:r>
+            <a:br>
+              <a:rPr kumimoji="0" lang="en-US" altLang="en-US" sz="1600" b="0" i="0" u="none" strike="noStrike" cap="none" normalizeH="0" baseline="0" dirty="0" smtClean="0">
+                <a:ln>
+                  <a:noFill/>
+                </a:ln>
+                <a:solidFill>
+                  <a:srgbClr val="000000"/>
+                </a:solidFill>
+                <a:effectLst/>
+                <a:latin typeface="Consolas" panose="020B0609020204030204" pitchFamily="49" charset="0"/>
+                <a:cs typeface="Courier New" panose="02070309020205020404" pitchFamily="49" charset="0"/>
+              </a:rPr>
+            </a:br>
+            <a:r>
+              <a:rPr kumimoji="0" lang="en-US" altLang="en-US" sz="1600" b="0" i="0" u="none" strike="noStrike" cap="none" normalizeH="0" baseline="0" dirty="0" smtClean="0">
+                <a:ln>
+                  <a:noFill/>
+                </a:ln>
+                <a:solidFill>
+                  <a:srgbClr val="808000"/>
+                </a:solidFill>
+                <a:effectLst/>
+                <a:latin typeface="Consolas" panose="020B0609020204030204" pitchFamily="49" charset="0"/>
+                <a:cs typeface="Courier New" panose="02070309020205020404" pitchFamily="49" charset="0"/>
+              </a:rPr>
+              <a:t>@Target</a:t>
+            </a:r>
+            <a:r>
+              <a:rPr kumimoji="0" lang="en-US" altLang="en-US" sz="1600" b="0" i="0" u="none" strike="noStrike" cap="none" normalizeH="0" baseline="0" dirty="0" smtClean="0">
+                <a:ln>
+                  <a:noFill/>
+                </a:ln>
+                <a:solidFill>
+                  <a:srgbClr val="000000"/>
+                </a:solidFill>
+                <a:effectLst/>
+                <a:latin typeface="Consolas" panose="020B0609020204030204" pitchFamily="49" charset="0"/>
+                <a:cs typeface="Courier New" panose="02070309020205020404" pitchFamily="49" charset="0"/>
+              </a:rPr>
+              <a:t>({</a:t>
+            </a:r>
+            <a:r>
+              <a:rPr kumimoji="0" lang="en-US" altLang="en-US" sz="1600" b="0" i="0" u="none" strike="noStrike" cap="none" normalizeH="0" baseline="0" dirty="0" err="1" smtClean="0">
+                <a:ln>
+                  <a:noFill/>
+                </a:ln>
+                <a:solidFill>
+                  <a:srgbClr val="000000"/>
+                </a:solidFill>
+                <a:effectLst/>
+                <a:latin typeface="Consolas" panose="020B0609020204030204" pitchFamily="49" charset="0"/>
+                <a:cs typeface="Courier New" panose="02070309020205020404" pitchFamily="49" charset="0"/>
+              </a:rPr>
+              <a:t>ElementType.</a:t>
+            </a:r>
+            <a:r>
+              <a:rPr kumimoji="0" lang="en-US" altLang="en-US" sz="1600" b="1" i="1" u="none" strike="noStrike" cap="none" normalizeH="0" baseline="0" dirty="0" err="1" smtClean="0">
+                <a:ln>
+                  <a:noFill/>
+                </a:ln>
+                <a:solidFill>
+                  <a:srgbClr val="660E7A"/>
+                </a:solidFill>
+                <a:effectLst/>
+                <a:latin typeface="Consolas" panose="020B0609020204030204" pitchFamily="49" charset="0"/>
+                <a:cs typeface="Courier New" panose="02070309020205020404" pitchFamily="49" charset="0"/>
+              </a:rPr>
+              <a:t>TYPE_USE</a:t>
+            </a:r>
+            <a:r>
+              <a:rPr kumimoji="0" lang="en-US" altLang="en-US" sz="1600" b="0" i="0" u="none" strike="noStrike" cap="none" normalizeH="0" baseline="0" dirty="0" smtClean="0">
+                <a:ln>
+                  <a:noFill/>
+                </a:ln>
+                <a:solidFill>
+                  <a:srgbClr val="000000"/>
+                </a:solidFill>
+                <a:effectLst/>
+                <a:latin typeface="Consolas" panose="020B0609020204030204" pitchFamily="49" charset="0"/>
+                <a:cs typeface="Courier New" panose="02070309020205020404" pitchFamily="49" charset="0"/>
+              </a:rPr>
+              <a:t>, </a:t>
+            </a:r>
+            <a:r>
+              <a:rPr kumimoji="0" lang="en-US" altLang="en-US" sz="1600" b="0" i="0" u="none" strike="noStrike" cap="none" normalizeH="0" baseline="0" dirty="0" err="1" smtClean="0">
+                <a:ln>
+                  <a:noFill/>
+                </a:ln>
+                <a:solidFill>
+                  <a:srgbClr val="000000"/>
+                </a:solidFill>
+                <a:effectLst/>
+                <a:latin typeface="Consolas" panose="020B0609020204030204" pitchFamily="49" charset="0"/>
+                <a:cs typeface="Courier New" panose="02070309020205020404" pitchFamily="49" charset="0"/>
+              </a:rPr>
+              <a:t>ElementType.</a:t>
+            </a:r>
+            <a:r>
+              <a:rPr kumimoji="0" lang="en-US" altLang="en-US" sz="1600" b="1" i="1" u="none" strike="noStrike" cap="none" normalizeH="0" baseline="0" dirty="0" err="1" smtClean="0">
+                <a:ln>
+                  <a:noFill/>
+                </a:ln>
+                <a:solidFill>
+                  <a:srgbClr val="660E7A"/>
+                </a:solidFill>
+                <a:effectLst/>
+                <a:latin typeface="Consolas" panose="020B0609020204030204" pitchFamily="49" charset="0"/>
+                <a:cs typeface="Courier New" panose="02070309020205020404" pitchFamily="49" charset="0"/>
+              </a:rPr>
+              <a:t>TYPE_PARAMETER</a:t>
+            </a:r>
+            <a:r>
+              <a:rPr kumimoji="0" lang="en-US" altLang="en-US" sz="1600" b="0" i="0" u="none" strike="noStrike" cap="none" normalizeH="0" baseline="0" dirty="0" smtClean="0">
+                <a:ln>
+                  <a:noFill/>
+                </a:ln>
+                <a:solidFill>
+                  <a:srgbClr val="000000"/>
+                </a:solidFill>
+                <a:effectLst/>
+                <a:latin typeface="Consolas" panose="020B0609020204030204" pitchFamily="49" charset="0"/>
+                <a:cs typeface="Courier New" panose="02070309020205020404" pitchFamily="49" charset="0"/>
+              </a:rPr>
+              <a:t>})</a:t>
+            </a:r>
+            <a:br>
+              <a:rPr kumimoji="0" lang="en-US" altLang="en-US" sz="1600" b="0" i="0" u="none" strike="noStrike" cap="none" normalizeH="0" baseline="0" dirty="0" smtClean="0">
+                <a:ln>
+                  <a:noFill/>
+                </a:ln>
+                <a:solidFill>
+                  <a:srgbClr val="000000"/>
+                </a:solidFill>
+                <a:effectLst/>
+                <a:latin typeface="Consolas" panose="020B0609020204030204" pitchFamily="49" charset="0"/>
+                <a:cs typeface="Courier New" panose="02070309020205020404" pitchFamily="49" charset="0"/>
+              </a:rPr>
+            </a:br>
+            <a:r>
+              <a:rPr kumimoji="0" lang="en-US" altLang="en-US" sz="1600" b="1" i="0" u="none" strike="noStrike" cap="none" normalizeH="0" baseline="0" dirty="0" smtClean="0">
+                <a:ln>
+                  <a:noFill/>
+                </a:ln>
+                <a:solidFill>
+                  <a:srgbClr val="000080"/>
+                </a:solidFill>
+                <a:effectLst/>
+                <a:latin typeface="Consolas" panose="020B0609020204030204" pitchFamily="49" charset="0"/>
+                <a:cs typeface="Courier New" panose="02070309020205020404" pitchFamily="49" charset="0"/>
+              </a:rPr>
+              <a:t>public </a:t>
+            </a:r>
+            <a:r>
+              <a:rPr kumimoji="0" lang="en-US" altLang="en-US" sz="1600" b="0" i="0" u="none" strike="noStrike" cap="none" normalizeH="0" baseline="0" dirty="0" smtClean="0">
+                <a:ln>
+                  <a:noFill/>
+                </a:ln>
+                <a:solidFill>
+                  <a:srgbClr val="000000"/>
+                </a:solidFill>
+                <a:effectLst/>
+                <a:latin typeface="Consolas" panose="020B0609020204030204" pitchFamily="49" charset="0"/>
+                <a:cs typeface="Courier New" panose="02070309020205020404" pitchFamily="49" charset="0"/>
+              </a:rPr>
+              <a:t>@</a:t>
+            </a:r>
+            <a:r>
+              <a:rPr kumimoji="0" lang="en-US" altLang="en-US" sz="1600" b="1" i="0" u="none" strike="noStrike" cap="none" normalizeH="0" baseline="0" dirty="0" smtClean="0">
+                <a:ln>
+                  <a:noFill/>
+                </a:ln>
+                <a:solidFill>
+                  <a:srgbClr val="000080"/>
+                </a:solidFill>
+                <a:effectLst/>
+                <a:latin typeface="Consolas" panose="020B0609020204030204" pitchFamily="49" charset="0"/>
+                <a:cs typeface="Courier New" panose="02070309020205020404" pitchFamily="49" charset="0"/>
+              </a:rPr>
+              <a:t>interface </a:t>
+            </a:r>
+            <a:r>
+              <a:rPr kumimoji="0" lang="en-US" altLang="en-US" sz="1600" b="0" i="0" u="none" strike="noStrike" cap="none" normalizeH="0" baseline="0" dirty="0" err="1" smtClean="0">
+                <a:ln>
+                  <a:noFill/>
+                </a:ln>
+                <a:solidFill>
+                  <a:srgbClr val="808000"/>
+                </a:solidFill>
+                <a:effectLst/>
+                <a:latin typeface="Consolas" panose="020B0609020204030204" pitchFamily="49" charset="0"/>
+                <a:cs typeface="Courier New" panose="02070309020205020404" pitchFamily="49" charset="0"/>
+              </a:rPr>
+              <a:t>PossiblyUnencrypted</a:t>
+            </a:r>
+            <a:r>
+              <a:rPr kumimoji="0" lang="en-US" altLang="en-US" sz="1600" b="0" i="0" u="none" strike="noStrike" cap="none" normalizeH="0" baseline="0" dirty="0" smtClean="0">
+                <a:ln>
+                  <a:noFill/>
+                </a:ln>
+                <a:solidFill>
+                  <a:srgbClr val="808000"/>
+                </a:solidFill>
+                <a:effectLst/>
+                <a:latin typeface="Consolas" panose="020B0609020204030204" pitchFamily="49" charset="0"/>
+                <a:cs typeface="Courier New" panose="02070309020205020404" pitchFamily="49" charset="0"/>
+              </a:rPr>
+              <a:t> </a:t>
+            </a:r>
+            <a:r>
+              <a:rPr kumimoji="0" lang="en-US" altLang="en-US" sz="1600" b="0" i="0" u="none" strike="noStrike" cap="none" normalizeH="0" baseline="0" dirty="0" smtClean="0">
+                <a:ln>
+                  <a:noFill/>
+                </a:ln>
+                <a:solidFill>
+                  <a:srgbClr val="000000"/>
+                </a:solidFill>
+                <a:effectLst/>
+                <a:latin typeface="Consolas" panose="020B0609020204030204" pitchFamily="49" charset="0"/>
+                <a:cs typeface="Courier New" panose="02070309020205020404" pitchFamily="49" charset="0"/>
+              </a:rPr>
+              <a:t>{}</a:t>
+            </a:r>
+            <a:endParaRPr kumimoji="0" lang="en-US" altLang="en-US" sz="4000" b="0" i="0" u="none" strike="noStrike" cap="none" normalizeH="0" baseline="0" dirty="0" smtClean="0">
+              <a:ln>
+                <a:noFill/>
+              </a:ln>
+              <a:solidFill>
+                <a:schemeClr val="tx1"/>
+              </a:solidFill>
+              <a:effectLst/>
+              <a:latin typeface="Consolas" panose="020B0609020204030204" pitchFamily="49" charset="0"/>
+            </a:endParaRPr>
+          </a:p>
+        </p:txBody>
+      </p:sp>
+      <p:sp>
+        <p:nvSpPr>
+          <p:cNvPr id="5" name="Rectangle 1"/>
           <p:cNvSpPr>
             <a:spLocks noGrp="1" noChangeArrowheads="1"/>
           </p:cNvSpPr>
@@ -34200,7 +35573,7 @@
         </p:nvSpPr>
         <p:spPr bwMode="auto">
           <a:xfrm>
-            <a:off x="2494445" y="3145571"/>
+            <a:off x="2534909" y="4683813"/>
             <a:ext cx="6805068" cy="830997"/>
           </a:xfrm>
           <a:prstGeom prst="rect">
@@ -34585,10 +35958,45 @@
           </a:p>
         </p:txBody>
       </p:sp>
+      <p:cxnSp>
+        <p:nvCxnSpPr>
+          <p:cNvPr id="7" name="Straight Arrow Connector 6"/>
+          <p:cNvCxnSpPr>
+            <a:stCxn id="5" idx="0"/>
+          </p:cNvCxnSpPr>
+          <p:nvPr/>
+        </p:nvCxnSpPr>
+        <p:spPr>
+          <a:xfrm flipV="1">
+            <a:off x="5937443" y="3606708"/>
+            <a:ext cx="1884" cy="1077105"/>
+          </a:xfrm>
+          <a:prstGeom prst="straightConnector1">
+            <a:avLst/>
+          </a:prstGeom>
+          <a:ln>
+            <a:tailEnd type="triangle"/>
+          </a:ln>
+        </p:spPr>
+        <p:style>
+          <a:lnRef idx="1">
+            <a:schemeClr val="accent1"/>
+          </a:lnRef>
+          <a:fillRef idx="0">
+            <a:schemeClr val="accent1"/>
+          </a:fillRef>
+          <a:effectRef idx="0">
+            <a:schemeClr val="accent1"/>
+          </a:effectRef>
+          <a:fontRef idx="minor">
+            <a:schemeClr val="tx1"/>
+          </a:fontRef>
+        </p:style>
+      </p:cxnSp>
     </p:spTree>
     <p:extLst>
       <p:ext uri="{BB962C8B-B14F-4D97-AF65-F5344CB8AC3E}">
-        <p14:creationId xmlns:p14="http://schemas.microsoft.com/office/powerpoint/2010/main" val="4047148506"/>
+        <p14:creationId xmlns:p14="http://schemas.microsoft.com/office/powerpoint/2010/main" val="4077276887"/>
       </p:ext>
     </p:extLst>
   </p:cSld>
@@ -34605,7 +36013,7 @@
 </p:sld>
 </file>
 
-<file path=ppt/slides/slide25.xml><?xml version="1.0" encoding="utf-8"?>
+<file path=ppt/slides/slide26.xml><?xml version="1.0" encoding="utf-8"?>
 <p:sld xmlns:a="http://schemas.openxmlformats.org/drawingml/2006/main" xmlns:r="http://schemas.openxmlformats.org/officeDocument/2006/relationships" xmlns:p="http://schemas.openxmlformats.org/presentationml/2006/main">
   <p:cSld>
     <p:spTree>
@@ -34669,7 +36077,7 @@
 </p:sld>
 </file>
 
-<file path=ppt/slides/slide26.xml><?xml version="1.0" encoding="utf-8"?>
+<file path=ppt/slides/slide27.xml><?xml version="1.0" encoding="utf-8"?>
 <p:sld xmlns:a="http://schemas.openxmlformats.org/drawingml/2006/main" xmlns:r="http://schemas.openxmlformats.org/officeDocument/2006/relationships" xmlns:p="http://schemas.openxmlformats.org/presentationml/2006/main">
   <p:cSld>
     <p:spTree>
@@ -35031,7 +36439,7 @@
 </p:sld>
 </file>
 
-<file path=ppt/slides/slide27.xml><?xml version="1.0" encoding="utf-8"?>
+<file path=ppt/slides/slide28.xml><?xml version="1.0" encoding="utf-8"?>
 <p:sld xmlns:a="http://schemas.openxmlformats.org/drawingml/2006/main" xmlns:r="http://schemas.openxmlformats.org/officeDocument/2006/relationships" xmlns:p="http://schemas.openxmlformats.org/presentationml/2006/main">
   <p:cSld>
     <p:spTree>
@@ -35275,7 +36683,7 @@
 </p:sld>
 </file>
 
-<file path=ppt/slides/slide28.xml><?xml version="1.0" encoding="utf-8"?>
+<file path=ppt/slides/slide29.xml><?xml version="1.0" encoding="utf-8"?>
 <p:sld xmlns:a="http://schemas.openxmlformats.org/drawingml/2006/main" xmlns:r="http://schemas.openxmlformats.org/officeDocument/2006/relationships" xmlns:p="http://schemas.openxmlformats.org/presentationml/2006/main">
   <p:cSld>
     <p:spTree>
@@ -35339,149 +36747,6 @@
 </p:sld>
 </file>
 
-<file path=ppt/slides/slide29.xml><?xml version="1.0" encoding="utf-8"?>
-<p:sld xmlns:a="http://schemas.openxmlformats.org/drawingml/2006/main" xmlns:r="http://schemas.openxmlformats.org/officeDocument/2006/relationships" xmlns:p="http://schemas.openxmlformats.org/presentationml/2006/main">
-  <p:cSld>
-    <p:spTree>
-      <p:nvGrpSpPr>
-        <p:cNvPr id="1" name=""/>
-        <p:cNvGrpSpPr/>
-        <p:nvPr/>
-      </p:nvGrpSpPr>
-      <p:grpSpPr>
-        <a:xfrm>
-          <a:off x="0" y="0"/>
-          <a:ext cx="0" cy="0"/>
-          <a:chOff x="0" y="0"/>
-          <a:chExt cx="0" cy="0"/>
-        </a:xfrm>
-      </p:grpSpPr>
-      <p:sp>
-        <p:nvSpPr>
-          <p:cNvPr id="2" name="Title 1"/>
-          <p:cNvSpPr>
-            <a:spLocks noGrp="1"/>
-          </p:cNvSpPr>
-          <p:nvPr>
-            <p:ph type="title"/>
-          </p:nvPr>
-        </p:nvSpPr>
-        <p:spPr/>
-        <p:txBody>
-          <a:bodyPr/>
-          <a:lstStyle/>
-          <a:p>
-            <a:r>
-              <a:rPr lang="en-US" dirty="0" smtClean="0"/>
-              <a:t>Limitations framework</a:t>
-            </a:r>
-            <a:endParaRPr lang="en-US" dirty="0"/>
-          </a:p>
-        </p:txBody>
-      </p:sp>
-      <p:sp>
-        <p:nvSpPr>
-          <p:cNvPr id="3" name="Text Placeholder 2"/>
-          <p:cNvSpPr>
-            <a:spLocks noGrp="1"/>
-          </p:cNvSpPr>
-          <p:nvPr>
-            <p:ph type="body" sz="quarter" idx="10"/>
-          </p:nvPr>
-        </p:nvSpPr>
-        <p:spPr/>
-        <p:txBody>
-          <a:bodyPr/>
-          <a:lstStyle/>
-          <a:p>
-            <a:r>
-              <a:rPr lang="en-US" dirty="0" smtClean="0">
-                <a:latin typeface="Consolas" panose="020B0609020204030204" pitchFamily="49" charset="0"/>
-              </a:rPr>
-              <a:t>‘Checker’ aims </a:t>
-            </a:r>
-            <a:r>
-              <a:rPr lang="en-US" dirty="0" smtClean="0">
-                <a:latin typeface="Consolas" panose="020B0609020204030204" pitchFamily="49" charset="0"/>
-              </a:rPr>
-              <a:t>to be sound: no errors =&gt; code is correct</a:t>
-            </a:r>
-          </a:p>
-          <a:p>
-            <a:endParaRPr lang="en-US" dirty="0">
-              <a:latin typeface="Consolas" panose="020B0609020204030204" pitchFamily="49" charset="0"/>
-            </a:endParaRPr>
-          </a:p>
-          <a:p>
-            <a:r>
-              <a:rPr lang="en-US" dirty="0" smtClean="0">
-                <a:latin typeface="Consolas" panose="020B0609020204030204" pitchFamily="49" charset="0"/>
-              </a:rPr>
-              <a:t>Theoretically </a:t>
-            </a:r>
-            <a:r>
-              <a:rPr lang="en-US" dirty="0">
-                <a:latin typeface="Consolas" panose="020B0609020204030204" pitchFamily="49" charset="0"/>
-              </a:rPr>
-              <a:t>impossible to eliminate all false </a:t>
-            </a:r>
-            <a:r>
-              <a:rPr lang="en-US" dirty="0" smtClean="0">
-                <a:latin typeface="Consolas" panose="020B0609020204030204" pitchFamily="49" charset="0"/>
-              </a:rPr>
-              <a:t>positives</a:t>
-            </a:r>
-          </a:p>
-          <a:p>
-            <a:endParaRPr lang="en-US" dirty="0">
-              <a:latin typeface="Consolas" panose="020B0609020204030204" pitchFamily="49" charset="0"/>
-            </a:endParaRPr>
-          </a:p>
-          <a:p>
-            <a:r>
-              <a:rPr lang="en-US" dirty="0" smtClean="0">
-                <a:latin typeface="Consolas" panose="020B0609020204030204" pitchFamily="49" charset="0"/>
-              </a:rPr>
-              <a:t>Try to refactor </a:t>
-            </a:r>
-            <a:r>
-              <a:rPr lang="en-US" dirty="0">
-                <a:latin typeface="Consolas" panose="020B0609020204030204" pitchFamily="49" charset="0"/>
-              </a:rPr>
-              <a:t>or use, e.g.: @</a:t>
-            </a:r>
-            <a:r>
-              <a:rPr lang="en-US" dirty="0" err="1">
-                <a:latin typeface="Consolas" panose="020B0609020204030204" pitchFamily="49" charset="0"/>
-              </a:rPr>
-              <a:t>SuppressWarnings</a:t>
-            </a:r>
-            <a:endParaRPr lang="en-US" dirty="0">
-              <a:latin typeface="Consolas" panose="020B0609020204030204" pitchFamily="49" charset="0"/>
-            </a:endParaRPr>
-          </a:p>
-        </p:txBody>
-      </p:sp>
-    </p:spTree>
-    <p:extLst>
-      <p:ext uri="{BB962C8B-B14F-4D97-AF65-F5344CB8AC3E}">
-        <p14:creationId xmlns:p14="http://schemas.microsoft.com/office/powerpoint/2010/main" val="3202996476"/>
-      </p:ext>
-    </p:extLst>
-  </p:cSld>
-  <p:clrMapOvr>
-    <a:masterClrMapping/>
-  </p:clrMapOvr>
-  <p:timing>
-    <p:tnLst>
-      <p:par>
-        <p:cTn id="1" dur="indefinite" restart="never" nodeType="tmRoot"/>
-      </p:par>
-    </p:tnLst>
-  </p:timing>
-</p:sld>
-</file>
-
 <file path=ppt/slides/slide3.xml><?xml version="1.0" encoding="utf-8"?>
 <p:sld xmlns:a="http://schemas.openxmlformats.org/drawingml/2006/main" xmlns:r="http://schemas.openxmlformats.org/officeDocument/2006/relationships" xmlns:p="http://schemas.openxmlformats.org/presentationml/2006/main">
   <p:cSld>
@@ -35867,11 +37132,7 @@
           <a:p>
             <a:r>
               <a:rPr lang="en-US" dirty="0" smtClean="0"/>
-              <a:t>Final </a:t>
-            </a:r>
-            <a:r>
-              <a:rPr lang="en-US" dirty="0" smtClean="0"/>
-              <a:t>thoughts &amp; takeaways</a:t>
+              <a:t>Limitations framework</a:t>
             </a:r>
             <a:endParaRPr lang="en-US" dirty="0"/>
           </a:p>
@@ -35896,6 +37157,143 @@
               <a:rPr lang="en-US" dirty="0" smtClean="0">
                 <a:latin typeface="Consolas" panose="020B0609020204030204" pitchFamily="49" charset="0"/>
               </a:rPr>
+              <a:t>‘Checker’ aims to be sound: no errors =&gt; code is correct</a:t>
+            </a:r>
+          </a:p>
+          <a:p>
+            <a:endParaRPr lang="en-US" dirty="0">
+              <a:latin typeface="Consolas" panose="020B0609020204030204" pitchFamily="49" charset="0"/>
+            </a:endParaRPr>
+          </a:p>
+          <a:p>
+            <a:r>
+              <a:rPr lang="en-US" dirty="0" smtClean="0">
+                <a:latin typeface="Consolas" panose="020B0609020204030204" pitchFamily="49" charset="0"/>
+              </a:rPr>
+              <a:t>Theoretically </a:t>
+            </a:r>
+            <a:r>
+              <a:rPr lang="en-US" dirty="0">
+                <a:latin typeface="Consolas" panose="020B0609020204030204" pitchFamily="49" charset="0"/>
+              </a:rPr>
+              <a:t>impossible to eliminate all false </a:t>
+            </a:r>
+            <a:r>
+              <a:rPr lang="en-US" dirty="0" smtClean="0">
+                <a:latin typeface="Consolas" panose="020B0609020204030204" pitchFamily="49" charset="0"/>
+              </a:rPr>
+              <a:t>positives</a:t>
+            </a:r>
+          </a:p>
+          <a:p>
+            <a:endParaRPr lang="en-US" dirty="0">
+              <a:latin typeface="Consolas" panose="020B0609020204030204" pitchFamily="49" charset="0"/>
+            </a:endParaRPr>
+          </a:p>
+          <a:p>
+            <a:r>
+              <a:rPr lang="en-US" dirty="0" smtClean="0">
+                <a:latin typeface="Consolas" panose="020B0609020204030204" pitchFamily="49" charset="0"/>
+              </a:rPr>
+              <a:t>Try to refactor </a:t>
+            </a:r>
+            <a:r>
+              <a:rPr lang="en-US" dirty="0">
+                <a:latin typeface="Consolas" panose="020B0609020204030204" pitchFamily="49" charset="0"/>
+              </a:rPr>
+              <a:t>or use, e.g.: @</a:t>
+            </a:r>
+            <a:r>
+              <a:rPr lang="en-US" dirty="0" err="1">
+                <a:latin typeface="Consolas" panose="020B0609020204030204" pitchFamily="49" charset="0"/>
+              </a:rPr>
+              <a:t>SuppressWarnings</a:t>
+            </a:r>
+            <a:endParaRPr lang="en-US" dirty="0">
+              <a:latin typeface="Consolas" panose="020B0609020204030204" pitchFamily="49" charset="0"/>
+            </a:endParaRPr>
+          </a:p>
+        </p:txBody>
+      </p:sp>
+    </p:spTree>
+    <p:extLst>
+      <p:ext uri="{BB962C8B-B14F-4D97-AF65-F5344CB8AC3E}">
+        <p14:creationId xmlns:p14="http://schemas.microsoft.com/office/powerpoint/2010/main" val="3202996476"/>
+      </p:ext>
+    </p:extLst>
+  </p:cSld>
+  <p:clrMapOvr>
+    <a:masterClrMapping/>
+  </p:clrMapOvr>
+  <p:timing>
+    <p:tnLst>
+      <p:par>
+        <p:cTn id="1" dur="indefinite" restart="never" nodeType="tmRoot"/>
+      </p:par>
+    </p:tnLst>
+  </p:timing>
+</p:sld>
+</file>
+
+<file path=ppt/slides/slide31.xml><?xml version="1.0" encoding="utf-8"?>
+<p:sld xmlns:a="http://schemas.openxmlformats.org/drawingml/2006/main" xmlns:r="http://schemas.openxmlformats.org/officeDocument/2006/relationships" xmlns:p="http://schemas.openxmlformats.org/presentationml/2006/main">
+  <p:cSld>
+    <p:spTree>
+      <p:nvGrpSpPr>
+        <p:cNvPr id="1" name=""/>
+        <p:cNvGrpSpPr/>
+        <p:nvPr/>
+      </p:nvGrpSpPr>
+      <p:grpSpPr>
+        <a:xfrm>
+          <a:off x="0" y="0"/>
+          <a:ext cx="0" cy="0"/>
+          <a:chOff x="0" y="0"/>
+          <a:chExt cx="0" cy="0"/>
+        </a:xfrm>
+      </p:grpSpPr>
+      <p:sp>
+        <p:nvSpPr>
+          <p:cNvPr id="2" name="Title 1"/>
+          <p:cNvSpPr>
+            <a:spLocks noGrp="1"/>
+          </p:cNvSpPr>
+          <p:nvPr>
+            <p:ph type="title"/>
+          </p:nvPr>
+        </p:nvSpPr>
+        <p:spPr/>
+        <p:txBody>
+          <a:bodyPr/>
+          <a:lstStyle/>
+          <a:p>
+            <a:r>
+              <a:rPr lang="en-US" dirty="0" smtClean="0"/>
+              <a:t>Final thoughts &amp; takeaways</a:t>
+            </a:r>
+            <a:endParaRPr lang="en-US" dirty="0"/>
+          </a:p>
+        </p:txBody>
+      </p:sp>
+      <p:sp>
+        <p:nvSpPr>
+          <p:cNvPr id="3" name="Text Placeholder 2"/>
+          <p:cNvSpPr>
+            <a:spLocks noGrp="1"/>
+          </p:cNvSpPr>
+          <p:nvPr>
+            <p:ph type="body" sz="quarter" idx="10"/>
+          </p:nvPr>
+        </p:nvSpPr>
+        <p:spPr/>
+        <p:txBody>
+          <a:bodyPr/>
+          <a:lstStyle/>
+          <a:p>
+            <a:r>
+              <a:rPr lang="en-US" dirty="0" smtClean="0">
+                <a:latin typeface="Consolas" panose="020B0609020204030204" pitchFamily="49" charset="0"/>
+              </a:rPr>
               <a:t>Start prevent your run time errors </a:t>
             </a:r>
           </a:p>
@@ -35964,10 +37362,6 @@
               </a:rPr>
               <a:t> </a:t>
             </a:r>
-            <a:endParaRPr lang="en-US" dirty="0" smtClean="0">
-              <a:latin typeface="Courier New" panose="02070309020205020404" pitchFamily="49" charset="0"/>
-              <a:cs typeface="Courier New" panose="02070309020205020404" pitchFamily="49" charset="0"/>
-            </a:endParaRPr>
           </a:p>
           <a:p>
             <a:endParaRPr lang="en-US" dirty="0" smtClean="0">
@@ -36013,25 +37407,7 @@
               <a:rPr lang="en-US" dirty="0" smtClean="0">
                 <a:latin typeface="Consolas" panose="020B0609020204030204" pitchFamily="49" charset="0"/>
               </a:rPr>
-              <a:t> could be </a:t>
-            </a:r>
-            <a:r>
-              <a:rPr lang="en-US" dirty="0" smtClean="0">
-                <a:latin typeface="Consolas" panose="020B0609020204030204" pitchFamily="49" charset="0"/>
-              </a:rPr>
-              <a:t>a solution but </a:t>
-            </a:r>
-            <a:r>
-              <a:rPr lang="en-US" dirty="0" smtClean="0">
-                <a:latin typeface="Consolas" panose="020B0609020204030204" pitchFamily="49" charset="0"/>
-              </a:rPr>
-              <a:t>can break code</a:t>
-            </a:r>
-            <a:r>
-              <a:rPr lang="en-US" dirty="0" smtClean="0">
-                <a:latin typeface="Consolas" panose="020B0609020204030204" pitchFamily="49" charset="0"/>
-              </a:rPr>
-              <a:t/>
+              <a:t> could be a solution but can break code</a:t>
             </a:r>
             <a:br>
               <a:rPr lang="en-US" dirty="0" smtClean="0">
@@ -36073,9 +37449,6 @@
               </a:rPr>
               <a:t>?</a:t>
             </a:r>
-            <a:endParaRPr lang="en-US" dirty="0" smtClean="0">
-              <a:latin typeface="Consolas" panose="020B0609020204030204" pitchFamily="49" charset="0"/>
-            </a:endParaRPr>
           </a:p>
           <a:p>
             <a:endParaRPr lang="en-US" dirty="0"/>
@@ -36102,7 +37475,7 @@
 </p:sld>
 </file>
 
-<file path=ppt/slides/slide31.xml><?xml version="1.0" encoding="utf-8"?>
+<file path=ppt/slides/slide32.xml><?xml version="1.0" encoding="utf-8"?>
 <p:sld xmlns:a="http://schemas.openxmlformats.org/drawingml/2006/main" xmlns:r="http://schemas.openxmlformats.org/officeDocument/2006/relationships" xmlns:p="http://schemas.openxmlformats.org/presentationml/2006/main">
   <p:cSld>
     <p:spTree>
@@ -39167,12 +40540,6 @@
 </file>
 
 <file path=customXml/item1.xml><?xml version="1.0" encoding="utf-8"?>
-<p:properties xmlns:p="http://schemas.microsoft.com/office/2006/metadata/properties" xmlns:xsi="http://www.w3.org/2001/XMLSchema-instance" xmlns:pc="http://schemas.microsoft.com/office/infopath/2007/PartnerControls">
-  <documentManagement/>
-</p:properties>
-</file>
-
-<file path=customXml/item2.xml><?xml version="1.0" encoding="utf-8"?>
 <ct:contentTypeSchema xmlns:ct="http://schemas.microsoft.com/office/2006/metadata/contentType" xmlns:ma="http://schemas.microsoft.com/office/2006/metadata/properties/metaAttributes" ct:_="" ma:_="" ma:contentTypeName="Document" ma:contentTypeID="0x0101000858805C9A31ED4698AA5994F7540466" ma:contentTypeVersion="1" ma:contentTypeDescription="Een nieuw document maken." ma:contentTypeScope="" ma:versionID="5cab34e6f8d54d32c51f192539e9981c">
   <xsd:schema xmlns:xsd="http://www.w3.org/2001/XMLSchema" xmlns:xs="http://www.w3.org/2001/XMLSchema" xmlns:p="http://schemas.microsoft.com/office/2006/metadata/properties" xmlns:ns2="a73fd6a0-a740-4ca0-a47f-6beba88ccc77" targetNamespace="http://schemas.microsoft.com/office/2006/metadata/properties" ma:root="true" ma:fieldsID="10b3ae9c115bae24efdfd9076c93080b" ns2:_="">
     <xsd:import namespace="a73fd6a0-a740-4ca0-a47f-6beba88ccc77"/>
@@ -39312,6 +40679,12 @@
 </ct:contentTypeSchema>
 </file>
 
+<file path=customXml/item2.xml><?xml version="1.0" encoding="utf-8"?>
+<p:properties xmlns:p="http://schemas.microsoft.com/office/2006/metadata/properties" xmlns:xsi="http://www.w3.org/2001/XMLSchema-instance" xmlns:pc="http://schemas.microsoft.com/office/infopath/2007/PartnerControls">
+  <documentManagement/>
+</p:properties>
+</file>
+
 <file path=customXml/item3.xml><?xml version="1.0" encoding="utf-8"?>
 <?mso-contentType ?>
 <FormTemplates xmlns="http://schemas.microsoft.com/sharepoint/v3/contenttype/forms">
@@ -39322,22 +40695,6 @@
 </file>
 
 <file path=customXml/itemProps1.xml><?xml version="1.0" encoding="utf-8"?>
-<ds:datastoreItem xmlns:ds="http://schemas.openxmlformats.org/officeDocument/2006/customXml" ds:itemID="{F8AE8C2F-0717-4D42-B44A-CAECCF122A1A}">
-  <ds:schemaRefs>
-    <ds:schemaRef ds:uri="http://purl.org/dc/elements/1.1/"/>
-    <ds:schemaRef ds:uri="http://schemas.microsoft.com/office/2006/metadata/properties"/>
-    <ds:schemaRef ds:uri="http://schemas.microsoft.com/office/2006/documentManagement/types"/>
-    <ds:schemaRef ds:uri="http://purl.org/dc/terms/"/>
-    <ds:schemaRef ds:uri="http://schemas.openxmlformats.org/package/2006/metadata/core-properties"/>
-    <ds:schemaRef ds:uri="http://purl.org/dc/dcmitype/"/>
-    <ds:schemaRef ds:uri="http://schemas.microsoft.com/office/infopath/2007/PartnerControls"/>
-    <ds:schemaRef ds:uri="a73fd6a0-a740-4ca0-a47f-6beba88ccc77"/>
-    <ds:schemaRef ds:uri="http://www.w3.org/XML/1998/namespace"/>
-  </ds:schemaRefs>
-</ds:datastoreItem>
-</file>
-
-<file path=customXml/itemProps2.xml><?xml version="1.0" encoding="utf-8"?>
 <ds:datastoreItem xmlns:ds="http://schemas.openxmlformats.org/officeDocument/2006/customXml" ds:itemID="{9AC0CDE9-3E35-44FD-A63A-9795CF527D47}">
   <ds:schemaRefs>
     <ds:schemaRef ds:uri="http://schemas.microsoft.com/office/2006/metadata/contentType"/>
@@ -39355,6 +40712,22 @@
 </ds:datastoreItem>
 </file>
 
+<file path=customXml/itemProps2.xml><?xml version="1.0" encoding="utf-8"?>
+<ds:datastoreItem xmlns:ds="http://schemas.openxmlformats.org/officeDocument/2006/customXml" ds:itemID="{F8AE8C2F-0717-4D42-B44A-CAECCF122A1A}">
+  <ds:schemaRefs>
+    <ds:schemaRef ds:uri="http://purl.org/dc/elements/1.1/"/>
+    <ds:schemaRef ds:uri="http://schemas.microsoft.com/office/2006/metadata/properties"/>
+    <ds:schemaRef ds:uri="http://schemas.microsoft.com/office/2006/documentManagement/types"/>
+    <ds:schemaRef ds:uri="http://purl.org/dc/terms/"/>
+    <ds:schemaRef ds:uri="http://schemas.openxmlformats.org/package/2006/metadata/core-properties"/>
+    <ds:schemaRef ds:uri="http://purl.org/dc/dcmitype/"/>
+    <ds:schemaRef ds:uri="http://schemas.microsoft.com/office/infopath/2007/PartnerControls"/>
+    <ds:schemaRef ds:uri="a73fd6a0-a740-4ca0-a47f-6beba88ccc77"/>
+    <ds:schemaRef ds:uri="http://www.w3.org/XML/1998/namespace"/>
+  </ds:schemaRefs>
+</ds:datastoreItem>
+</file>
+
 <file path=customXml/itemProps3.xml><?xml version="1.0" encoding="utf-8"?>
 <ds:datastoreItem xmlns:ds="http://schemas.openxmlformats.org/officeDocument/2006/customXml" ds:itemID="{4522A51C-073F-4C45-9170-ECE5951F4DEA}">
   <ds:schemaRefs>

--- a/Checker Framework.pptx
+++ b/Checker Framework.pptx
@@ -27102,11 +27102,15 @@
             </a:r>
             <a:r>
               <a:rPr lang="en-US" strike="sngStrike" dirty="0" smtClean="0"/>
-              <a:t>do </a:t>
+              <a:t>do</a:t>
+            </a:r>
+            <a:r>
+              <a:rPr lang="en-US" dirty="0" smtClean="0"/>
+              <a:t> the </a:t>
             </a:r>
             <a:r>
               <a:rPr lang="en-US" dirty="0"/>
-              <a:t>the compiler say?</a:t>
+              <a:t>compiler say?</a:t>
             </a:r>
           </a:p>
         </p:txBody>
@@ -37396,24 +37400,9 @@
             </a:endParaRPr>
           </a:p>
           <a:p>
-            <a:pPr lvl="1"/>
-            <a:r>
-              <a:rPr lang="en-US" dirty="0" err="1" smtClean="0">
-                <a:latin typeface="Consolas" panose="020B0609020204030204" pitchFamily="49" charset="0"/>
-              </a:rPr>
-              <a:t>Subclassing</a:t>
-            </a:r>
-            <a:r>
-              <a:rPr lang="en-US" dirty="0" smtClean="0">
-                <a:latin typeface="Consolas" panose="020B0609020204030204" pitchFamily="49" charset="0"/>
-              </a:rPr>
-              <a:t> could be a solution but can break code</a:t>
-            </a:r>
-            <a:br>
-              <a:rPr lang="en-US" dirty="0" smtClean="0">
-                <a:latin typeface="Consolas" panose="020B0609020204030204" pitchFamily="49" charset="0"/>
-              </a:rPr>
-            </a:br>
+            <a:pPr marL="252000" lvl="1" indent="0">
+              <a:buNone/>
+            </a:pPr>
             <a:endParaRPr lang="en-US" dirty="0" smtClean="0">
               <a:latin typeface="Consolas" panose="020B0609020204030204" pitchFamily="49" charset="0"/>
             </a:endParaRPr>
@@ -37435,7 +37424,7 @@
               <a:rPr lang="en-US" dirty="0" smtClean="0">
                 <a:latin typeface="Consolas" panose="020B0609020204030204" pitchFamily="49" charset="0"/>
               </a:rPr>
-              <a:t> and </a:t>
+              <a:t>, </a:t>
             </a:r>
             <a:r>
               <a:rPr lang="en-US" dirty="0" err="1" smtClean="0">
@@ -37447,8 +37436,11 @@
               <a:rPr lang="en-US" dirty="0" smtClean="0">
                 <a:latin typeface="Consolas" panose="020B0609020204030204" pitchFamily="49" charset="0"/>
               </a:rPr>
-              <a:t>?</a:t>
-            </a:r>
+              <a:t>, sub classing?</a:t>
+            </a:r>
+            <a:endParaRPr lang="en-US" dirty="0" smtClean="0">
+              <a:latin typeface="Consolas" panose="020B0609020204030204" pitchFamily="49" charset="0"/>
+            </a:endParaRPr>
           </a:p>
           <a:p>
             <a:endParaRPr lang="en-US" dirty="0"/>
@@ -40540,6 +40532,12 @@
 </file>
 
 <file path=customXml/item1.xml><?xml version="1.0" encoding="utf-8"?>
+<p:properties xmlns:p="http://schemas.microsoft.com/office/2006/metadata/properties" xmlns:xsi="http://www.w3.org/2001/XMLSchema-instance" xmlns:pc="http://schemas.microsoft.com/office/infopath/2007/PartnerControls">
+  <documentManagement/>
+</p:properties>
+</file>
+
+<file path=customXml/item2.xml><?xml version="1.0" encoding="utf-8"?>
 <ct:contentTypeSchema xmlns:ct="http://schemas.microsoft.com/office/2006/metadata/contentType" xmlns:ma="http://schemas.microsoft.com/office/2006/metadata/properties/metaAttributes" ct:_="" ma:_="" ma:contentTypeName="Document" ma:contentTypeID="0x0101000858805C9A31ED4698AA5994F7540466" ma:contentTypeVersion="1" ma:contentTypeDescription="Een nieuw document maken." ma:contentTypeScope="" ma:versionID="5cab34e6f8d54d32c51f192539e9981c">
   <xsd:schema xmlns:xsd="http://www.w3.org/2001/XMLSchema" xmlns:xs="http://www.w3.org/2001/XMLSchema" xmlns:p="http://schemas.microsoft.com/office/2006/metadata/properties" xmlns:ns2="a73fd6a0-a740-4ca0-a47f-6beba88ccc77" targetNamespace="http://schemas.microsoft.com/office/2006/metadata/properties" ma:root="true" ma:fieldsID="10b3ae9c115bae24efdfd9076c93080b" ns2:_="">
     <xsd:import namespace="a73fd6a0-a740-4ca0-a47f-6beba88ccc77"/>
@@ -40679,12 +40677,6 @@
 </ct:contentTypeSchema>
 </file>
 
-<file path=customXml/item2.xml><?xml version="1.0" encoding="utf-8"?>
-<p:properties xmlns:p="http://schemas.microsoft.com/office/2006/metadata/properties" xmlns:xsi="http://www.w3.org/2001/XMLSchema-instance" xmlns:pc="http://schemas.microsoft.com/office/infopath/2007/PartnerControls">
-  <documentManagement/>
-</p:properties>
-</file>
-
 <file path=customXml/item3.xml><?xml version="1.0" encoding="utf-8"?>
 <?mso-contentType ?>
 <FormTemplates xmlns="http://schemas.microsoft.com/sharepoint/v3/contenttype/forms">
@@ -40695,6 +40687,22 @@
 </file>
 
 <file path=customXml/itemProps1.xml><?xml version="1.0" encoding="utf-8"?>
+<ds:datastoreItem xmlns:ds="http://schemas.openxmlformats.org/officeDocument/2006/customXml" ds:itemID="{F8AE8C2F-0717-4D42-B44A-CAECCF122A1A}">
+  <ds:schemaRefs>
+    <ds:schemaRef ds:uri="http://purl.org/dc/elements/1.1/"/>
+    <ds:schemaRef ds:uri="http://schemas.microsoft.com/office/2006/metadata/properties"/>
+    <ds:schemaRef ds:uri="http://schemas.microsoft.com/office/2006/documentManagement/types"/>
+    <ds:schemaRef ds:uri="http://purl.org/dc/terms/"/>
+    <ds:schemaRef ds:uri="http://schemas.openxmlformats.org/package/2006/metadata/core-properties"/>
+    <ds:schemaRef ds:uri="http://purl.org/dc/dcmitype/"/>
+    <ds:schemaRef ds:uri="http://schemas.microsoft.com/office/infopath/2007/PartnerControls"/>
+    <ds:schemaRef ds:uri="a73fd6a0-a740-4ca0-a47f-6beba88ccc77"/>
+    <ds:schemaRef ds:uri="http://www.w3.org/XML/1998/namespace"/>
+  </ds:schemaRefs>
+</ds:datastoreItem>
+</file>
+
+<file path=customXml/itemProps2.xml><?xml version="1.0" encoding="utf-8"?>
 <ds:datastoreItem xmlns:ds="http://schemas.openxmlformats.org/officeDocument/2006/customXml" ds:itemID="{9AC0CDE9-3E35-44FD-A63A-9795CF527D47}">
   <ds:schemaRefs>
     <ds:schemaRef ds:uri="http://schemas.microsoft.com/office/2006/metadata/contentType"/>
@@ -40712,22 +40720,6 @@
 </ds:datastoreItem>
 </file>
 
-<file path=customXml/itemProps2.xml><?xml version="1.0" encoding="utf-8"?>
-<ds:datastoreItem xmlns:ds="http://schemas.openxmlformats.org/officeDocument/2006/customXml" ds:itemID="{F8AE8C2F-0717-4D42-B44A-CAECCF122A1A}">
-  <ds:schemaRefs>
-    <ds:schemaRef ds:uri="http://purl.org/dc/elements/1.1/"/>
-    <ds:schemaRef ds:uri="http://schemas.microsoft.com/office/2006/metadata/properties"/>
-    <ds:schemaRef ds:uri="http://schemas.microsoft.com/office/2006/documentManagement/types"/>
-    <ds:schemaRef ds:uri="http://purl.org/dc/terms/"/>
-    <ds:schemaRef ds:uri="http://schemas.openxmlformats.org/package/2006/metadata/core-properties"/>
-    <ds:schemaRef ds:uri="http://purl.org/dc/dcmitype/"/>
-    <ds:schemaRef ds:uri="http://schemas.microsoft.com/office/infopath/2007/PartnerControls"/>
-    <ds:schemaRef ds:uri="a73fd6a0-a740-4ca0-a47f-6beba88ccc77"/>
-    <ds:schemaRef ds:uri="http://www.w3.org/XML/1998/namespace"/>
-  </ds:schemaRefs>
-</ds:datastoreItem>
-</file>
-
 <file path=customXml/itemProps3.xml><?xml version="1.0" encoding="utf-8"?>
 <ds:datastoreItem xmlns:ds="http://schemas.openxmlformats.org/officeDocument/2006/customXml" ds:itemID="{4522A51C-073F-4C45-9170-ECE5951F4DEA}">
   <ds:schemaRefs>
